--- a/Projectboard/Projectboard/bin/Debug/requirements/ReportTemplatesProject/templatedossier.pptx
+++ b/Projectboard/Projectboard/bin/Debug/requirements/ReportTemplatesProject/templatedossier.pptx
@@ -538,220 +538,1378 @@
           <a:lstStyle/>
           <a:p>
             <a:r>
-              <a:rPr lang="de-DE" sz="2500" dirty="0"/>
+              <a:rPr lang="de-DE" sz="2800" kern="1200" dirty="0" smtClean="0">
+                <a:solidFill>
+                  <a:srgbClr val="572E2D"/>
+                </a:solidFill>
+                <a:latin typeface="Noteworthy Bold" charset="0"/>
+                <a:ea typeface="Noteworthy Bold" charset="0"/>
+                <a:cs typeface="Noteworthy Bold" charset="0"/>
+                <a:sym typeface="Noteworthy Bold" charset="0"/>
+              </a:rPr>
               <a:t>Projekt-Name</a:t>
             </a:r>
           </a:p>
           <a:p>
             <a:r>
-              <a:rPr lang="de-DE" sz="2500" dirty="0"/>
+              <a:rPr lang="de-DE" sz="2800" kern="1200" dirty="0" smtClean="0">
+                <a:solidFill>
+                  <a:srgbClr val="572E2D"/>
+                </a:solidFill>
+                <a:latin typeface="Noteworthy Bold" charset="0"/>
+                <a:ea typeface="Noteworthy Bold" charset="0"/>
+                <a:cs typeface="Noteworthy Bold" charset="0"/>
+                <a:sym typeface="Noteworthy Bold" charset="0"/>
+              </a:rPr>
+              <a:t>Soll-Ist &amp; Prognose</a:t>
+            </a:r>
+          </a:p>
+          <a:p>
+            <a:r>
+              <a:rPr lang="de-DE" sz="2800" kern="1200" dirty="0" smtClean="0">
+                <a:solidFill>
+                  <a:srgbClr val="572E2D"/>
+                </a:solidFill>
+                <a:latin typeface="Noteworthy Bold" charset="0"/>
+                <a:ea typeface="Noteworthy Bold" charset="0"/>
+                <a:cs typeface="Noteworthy Bold" charset="0"/>
+                <a:sym typeface="Noteworthy Bold" charset="0"/>
+              </a:rPr>
+              <a:t>Projekt-Grafik</a:t>
+            </a:r>
+          </a:p>
+          <a:p>
+            <a:r>
+              <a:rPr lang="de-DE" sz="2800" kern="1200" dirty="0" smtClean="0">
+                <a:solidFill>
+                  <a:srgbClr val="572E2D"/>
+                </a:solidFill>
+                <a:latin typeface="Noteworthy Bold" charset="0"/>
+                <a:ea typeface="Noteworthy Bold" charset="0"/>
+                <a:cs typeface="Noteworthy Bold" charset="0"/>
+                <a:sym typeface="Noteworthy Bold" charset="0"/>
+              </a:rPr>
+              <a:t>Meilenstein Trendanalyse</a:t>
+            </a:r>
+          </a:p>
+          <a:p>
+            <a:r>
+              <a:rPr lang="de-DE" sz="2800" kern="1200" dirty="0" smtClean="0">
+                <a:solidFill>
+                  <a:srgbClr val="572E2D"/>
+                </a:solidFill>
+                <a:latin typeface="Noteworthy Bold" charset="0"/>
+                <a:ea typeface="Noteworthy Bold" charset="0"/>
+                <a:cs typeface="Noteworthy Bold" charset="0"/>
+                <a:sym typeface="Noteworthy Bold" charset="0"/>
+              </a:rPr>
+              <a:t>Vergleich mit Beauftragung</a:t>
+            </a:r>
+          </a:p>
+          <a:p>
+            <a:r>
+              <a:rPr lang="de-DE" sz="2800" kern="1200" dirty="0" smtClean="0">
+                <a:solidFill>
+                  <a:srgbClr val="572E2D"/>
+                </a:solidFill>
+                <a:latin typeface="Noteworthy Bold" charset="0"/>
+                <a:ea typeface="Noteworthy Bold" charset="0"/>
+                <a:cs typeface="Noteworthy Bold" charset="0"/>
+                <a:sym typeface="Noteworthy Bold" charset="0"/>
+              </a:rPr>
+              <a:t>Vergleich mit letztem Stand</a:t>
+            </a:r>
+          </a:p>
+          <a:p>
+            <a:r>
+              <a:rPr lang="de-DE" sz="2800" kern="1200" dirty="0" smtClean="0">
+                <a:solidFill>
+                  <a:srgbClr val="572E2D"/>
+                </a:solidFill>
+                <a:latin typeface="Noteworthy Bold" charset="0"/>
+                <a:ea typeface="Noteworthy Bold" charset="0"/>
+                <a:cs typeface="Noteworthy Bold" charset="0"/>
+                <a:sym typeface="Noteworthy Bold" charset="0"/>
+              </a:rPr>
+              <a:t>Vergleich mit Vorlage</a:t>
+            </a:r>
+          </a:p>
+          <a:p>
+            <a:r>
+              <a:rPr lang="de-DE" sz="2800" kern="1200" dirty="0" smtClean="0">
+                <a:solidFill>
+                  <a:srgbClr val="572E2D"/>
+                </a:solidFill>
+                <a:latin typeface="Noteworthy Bold" charset="0"/>
+                <a:ea typeface="Noteworthy Bold" charset="0"/>
+                <a:cs typeface="Noteworthy Bold" charset="0"/>
+                <a:sym typeface="Noteworthy Bold" charset="0"/>
+              </a:rPr>
+              <a:t>Tabelle Projektziele</a:t>
+            </a:r>
+          </a:p>
+          <a:p>
+            <a:r>
+              <a:rPr lang="de-DE" sz="2800" kern="1200" dirty="0" smtClean="0">
+                <a:solidFill>
+                  <a:srgbClr val="572E2D"/>
+                </a:solidFill>
+                <a:latin typeface="Noteworthy Bold" charset="0"/>
+                <a:ea typeface="Noteworthy Bold" charset="0"/>
+                <a:cs typeface="Noteworthy Bold" charset="0"/>
+                <a:sym typeface="Noteworthy Bold" charset="0"/>
+              </a:rPr>
+              <a:t>Tabelle Projektstatus</a:t>
+            </a:r>
+          </a:p>
+          <a:p>
+            <a:r>
+              <a:rPr lang="de-DE" sz="2800" kern="1200" dirty="0" smtClean="0">
+                <a:solidFill>
+                  <a:srgbClr val="572E2D"/>
+                </a:solidFill>
+                <a:latin typeface="Noteworthy Bold" charset="0"/>
+                <a:ea typeface="Noteworthy Bold" charset="0"/>
+                <a:cs typeface="Noteworthy Bold" charset="0"/>
+                <a:sym typeface="Noteworthy Bold" charset="0"/>
+              </a:rPr>
+              <a:t>Tabelle Veränderungen</a:t>
+            </a:r>
+          </a:p>
+          <a:p>
+            <a:r>
+              <a:rPr lang="de-DE" sz="2800" kern="1200" dirty="0" smtClean="0">
+                <a:solidFill>
+                  <a:srgbClr val="572E2D"/>
+                </a:solidFill>
+                <a:latin typeface="Noteworthy Bold" charset="0"/>
+                <a:ea typeface="Noteworthy Bold" charset="0"/>
+                <a:cs typeface="Noteworthy Bold" charset="0"/>
+                <a:sym typeface="Noteworthy Bold" charset="0"/>
+              </a:rPr>
+              <a:t>Tabelle Vergleich letzter Stand</a:t>
+            </a:r>
+          </a:p>
+          <a:p>
+            <a:r>
+              <a:rPr lang="de-DE" sz="2800" kern="1200" dirty="0" smtClean="0">
+                <a:solidFill>
+                  <a:srgbClr val="572E2D"/>
+                </a:solidFill>
+                <a:latin typeface="Noteworthy Bold" charset="0"/>
+                <a:ea typeface="Noteworthy Bold" charset="0"/>
+                <a:cs typeface="Noteworthy Bold" charset="0"/>
+                <a:sym typeface="Noteworthy Bold" charset="0"/>
+              </a:rPr>
+              <a:t>Tabelle Vergleich Beauftragung</a:t>
+            </a:r>
+          </a:p>
+          <a:p>
+            <a:r>
+              <a:rPr lang="de-DE" sz="2800" kern="1200" dirty="0" smtClean="0">
+                <a:solidFill>
+                  <a:srgbClr val="572E2D"/>
+                </a:solidFill>
+                <a:latin typeface="Noteworthy Bold" charset="0"/>
+                <a:ea typeface="Noteworthy Bold" charset="0"/>
+                <a:cs typeface="Noteworthy Bold" charset="0"/>
+                <a:sym typeface="Noteworthy Bold" charset="0"/>
+              </a:rPr>
               <a:t>Ergebnis</a:t>
             </a:r>
           </a:p>
           <a:p>
             <a:r>
-              <a:rPr lang="de-DE" sz="2500" dirty="0"/>
+              <a:rPr lang="de-DE" sz="2800" kern="1200" dirty="0" smtClean="0">
+                <a:solidFill>
+                  <a:srgbClr val="572E2D"/>
+                </a:solidFill>
+                <a:latin typeface="Noteworthy Bold" charset="0"/>
+                <a:ea typeface="Noteworthy Bold" charset="0"/>
+                <a:cs typeface="Noteworthy Bold" charset="0"/>
+                <a:sym typeface="Noteworthy Bold" charset="0"/>
+              </a:rPr>
               <a:t>Strategie/Risiko</a:t>
             </a:r>
           </a:p>
           <a:p>
             <a:r>
-              <a:rPr lang="de-DE" sz="2500" dirty="0"/>
+              <a:rPr lang="de-DE" sz="2800" kern="1200" dirty="0" smtClean="0">
+                <a:solidFill>
+                  <a:srgbClr val="572E2D"/>
+                </a:solidFill>
+                <a:latin typeface="Noteworthy Bold" charset="0"/>
+                <a:ea typeface="Noteworthy Bold" charset="0"/>
+                <a:cs typeface="Noteworthy Bold" charset="0"/>
+                <a:sym typeface="Noteworthy Bold" charset="0"/>
+              </a:rPr>
               <a:t>Teilprojekte</a:t>
             </a:r>
           </a:p>
           <a:p>
             <a:r>
-              <a:rPr lang="de-DE" sz="2500" dirty="0"/>
+              <a:rPr lang="de-DE" sz="2800" kern="1200" dirty="0" smtClean="0">
+                <a:solidFill>
+                  <a:srgbClr val="572E2D"/>
+                </a:solidFill>
+                <a:latin typeface="Noteworthy Bold" charset="0"/>
+                <a:ea typeface="Noteworthy Bold" charset="0"/>
+                <a:cs typeface="Noteworthy Bold" charset="0"/>
+                <a:sym typeface="Noteworthy Bold" charset="0"/>
+              </a:rPr>
               <a:t>Personalbedarf</a:t>
             </a:r>
           </a:p>
           <a:p>
             <a:r>
-              <a:rPr lang="de-DE" sz="2500" dirty="0"/>
+              <a:rPr lang="de-DE" sz="2800" kern="1200" dirty="0" smtClean="0">
+                <a:solidFill>
+                  <a:srgbClr val="572E2D"/>
+                </a:solidFill>
+                <a:latin typeface="Noteworthy Bold" charset="0"/>
+                <a:ea typeface="Noteworthy Bold" charset="0"/>
+                <a:cs typeface="Noteworthy Bold" charset="0"/>
+                <a:sym typeface="Noteworthy Bold" charset="0"/>
+              </a:rPr>
               <a:t>Personalkosten</a:t>
             </a:r>
           </a:p>
           <a:p>
             <a:r>
-              <a:rPr lang="de-DE" sz="2500" dirty="0"/>
+              <a:rPr lang="de-DE" sz="2800" kern="1200" dirty="0" smtClean="0">
+                <a:solidFill>
+                  <a:srgbClr val="572E2D"/>
+                </a:solidFill>
+                <a:latin typeface="Noteworthy Bold" charset="0"/>
+                <a:ea typeface="Noteworthy Bold" charset="0"/>
+                <a:cs typeface="Noteworthy Bold" charset="0"/>
+                <a:sym typeface="Noteworthy Bold" charset="0"/>
+              </a:rPr>
               <a:t>Sonstige Kosten</a:t>
             </a:r>
           </a:p>
           <a:p>
             <a:r>
-              <a:rPr lang="de-DE" sz="2500" dirty="0"/>
+              <a:rPr lang="de-DE" sz="2800" kern="1200" dirty="0" smtClean="0">
+                <a:solidFill>
+                  <a:srgbClr val="572E2D"/>
+                </a:solidFill>
+                <a:latin typeface="Noteworthy Bold" charset="0"/>
+                <a:ea typeface="Noteworthy Bold" charset="0"/>
+                <a:cs typeface="Noteworthy Bold" charset="0"/>
+                <a:sym typeface="Noteworthy Bold" charset="0"/>
+              </a:rPr>
               <a:t>Gesamtkosten</a:t>
             </a:r>
           </a:p>
           <a:p>
             <a:r>
-              <a:rPr lang="de-DE" sz="2500" dirty="0"/>
+              <a:rPr lang="de-DE" sz="2800" kern="1200" dirty="0" smtClean="0">
+                <a:solidFill>
+                  <a:srgbClr val="572E2D"/>
+                </a:solidFill>
+                <a:latin typeface="Noteworthy Bold" charset="0"/>
+                <a:ea typeface="Noteworthy Bold" charset="0"/>
+                <a:cs typeface="Noteworthy Bold" charset="0"/>
+                <a:sym typeface="Noteworthy Bold" charset="0"/>
+              </a:rPr>
+              <a:t>Trend Strategischer Fit/Risiko</a:t>
+            </a:r>
+          </a:p>
+          <a:p>
+            <a:r>
+              <a:rPr lang="de-DE" sz="2800" kern="1200" dirty="0" smtClean="0">
+                <a:solidFill>
+                  <a:srgbClr val="572E2D"/>
+                </a:solidFill>
+                <a:latin typeface="Noteworthy Bold" charset="0"/>
+                <a:ea typeface="Noteworthy Bold" charset="0"/>
+                <a:cs typeface="Noteworthy Bold" charset="0"/>
+                <a:sym typeface="Noteworthy Bold" charset="0"/>
+              </a:rPr>
+              <a:t>Trend Kennzahlen</a:t>
+            </a:r>
+          </a:p>
+          <a:p>
+            <a:r>
+              <a:rPr lang="de-DE" sz="2800" kern="1200" dirty="0" smtClean="0">
+                <a:solidFill>
+                  <a:srgbClr val="572E2D"/>
+                </a:solidFill>
+                <a:latin typeface="Noteworthy Bold" charset="0"/>
+                <a:ea typeface="Noteworthy Bold" charset="0"/>
+                <a:cs typeface="Noteworthy Bold" charset="0"/>
+                <a:sym typeface="Noteworthy Bold" charset="0"/>
+              </a:rPr>
               <a:t>Fortschritt Personalkosten</a:t>
             </a:r>
           </a:p>
           <a:p>
             <a:r>
-              <a:rPr lang="de-DE" sz="2500" dirty="0"/>
+              <a:rPr lang="de-DE" sz="2800" kern="1200" dirty="0" smtClean="0">
+                <a:solidFill>
+                  <a:srgbClr val="572E2D"/>
+                </a:solidFill>
+                <a:latin typeface="Noteworthy Bold" charset="0"/>
+                <a:ea typeface="Noteworthy Bold" charset="0"/>
+                <a:cs typeface="Noteworthy Bold" charset="0"/>
+                <a:sym typeface="Noteworthy Bold" charset="0"/>
+              </a:rPr>
               <a:t>Fortschritt Sonstige Kosten</a:t>
             </a:r>
           </a:p>
           <a:p>
             <a:r>
-              <a:rPr lang="de-DE" sz="2500" dirty="0"/>
-              <a:t>Fortschritt Gesamtkosten</a:t>
-            </a:r>
-          </a:p>
-          <a:p>
-            <a:r>
-              <a:rPr lang="de-DE" sz="2500" dirty="0"/>
-              <a:t>Fortschritt Rolle(…)</a:t>
-            </a:r>
-          </a:p>
-          <a:p>
-            <a:r>
-              <a:rPr lang="de-DE" sz="2500" dirty="0"/>
-              <a:t>Fortschritt Kostenart(…)</a:t>
-            </a:r>
-          </a:p>
-          <a:p>
-            <a:endParaRPr lang="de-DE" sz="2500" dirty="0"/>
-          </a:p>
-          <a:p>
-            <a:r>
-              <a:rPr lang="de-DE" sz="2500" dirty="0"/>
+              <a:rPr lang="de-DE" sz="2800" kern="1200" dirty="0" smtClean="0">
+                <a:solidFill>
+                  <a:srgbClr val="572E2D"/>
+                </a:solidFill>
+                <a:latin typeface="Noteworthy Bold" charset="0"/>
+                <a:ea typeface="Noteworthy Bold" charset="0"/>
+                <a:cs typeface="Noteworthy Bold" charset="0"/>
+                <a:sym typeface="Noteworthy Bold" charset="0"/>
+              </a:rPr>
+              <a:t>Fortschritt Rolle(..)</a:t>
+            </a:r>
+          </a:p>
+          <a:p>
+            <a:r>
+              <a:rPr lang="de-DE" sz="2800" kern="1200" dirty="0" smtClean="0">
+                <a:solidFill>
+                  <a:srgbClr val="572E2D"/>
+                </a:solidFill>
+                <a:latin typeface="Noteworthy Bold" charset="0"/>
+                <a:ea typeface="Noteworthy Bold" charset="0"/>
+                <a:cs typeface="Noteworthy Bold" charset="0"/>
+                <a:sym typeface="Noteworthy Bold" charset="0"/>
+              </a:rPr>
+              <a:t>Fortschritt Kostenart(..)</a:t>
+            </a:r>
+          </a:p>
+          <a:p>
+            <a:r>
+              <a:rPr lang="de-DE" sz="2800" kern="1200" dirty="0" smtClean="0">
+                <a:solidFill>
+                  <a:srgbClr val="572E2D"/>
+                </a:solidFill>
+                <a:latin typeface="Noteworthy Bold" charset="0"/>
+                <a:ea typeface="Noteworthy Bold" charset="0"/>
+                <a:cs typeface="Noteworthy Bold" charset="0"/>
+                <a:sym typeface="Noteworthy Bold" charset="0"/>
+              </a:rPr>
               <a:t>Soll-Ist1 Personalkosten</a:t>
             </a:r>
           </a:p>
           <a:p>
-            <a:pPr defTabSz="481706">
-              <a:lnSpc>
-                <a:spcPts val="3688"/>
-              </a:lnSpc>
-              <a:defRPr/>
-            </a:pPr>
-            <a:r>
-              <a:rPr lang="de-DE" sz="2500" dirty="0"/>
+            <a:r>
+              <a:rPr lang="de-DE" sz="2800" kern="1200" dirty="0" smtClean="0">
+                <a:solidFill>
+                  <a:srgbClr val="572E2D"/>
+                </a:solidFill>
+                <a:latin typeface="Noteworthy Bold" charset="0"/>
+                <a:ea typeface="Noteworthy Bold" charset="0"/>
+                <a:cs typeface="Noteworthy Bold" charset="0"/>
+                <a:sym typeface="Noteworthy Bold" charset="0"/>
+              </a:rPr>
               <a:t>Soll-Ist2 Personalkosten</a:t>
             </a:r>
           </a:p>
           <a:p>
-            <a:endParaRPr lang="de-DE" sz="2500" dirty="0"/>
-          </a:p>
-          <a:p>
-            <a:r>
-              <a:rPr lang="de-DE" sz="2500" dirty="0"/>
+            <a:r>
+              <a:rPr lang="de-DE" sz="2800" kern="1200" dirty="0" smtClean="0">
+                <a:solidFill>
+                  <a:srgbClr val="572E2D"/>
+                </a:solidFill>
+                <a:latin typeface="Noteworthy Bold" charset="0"/>
+                <a:ea typeface="Noteworthy Bold" charset="0"/>
+                <a:cs typeface="Noteworthy Bold" charset="0"/>
+                <a:sym typeface="Noteworthy Bold" charset="0"/>
+              </a:rPr>
+              <a:t>Soll-Ist1C Personalkosten</a:t>
+            </a:r>
+          </a:p>
+          <a:p>
+            <a:r>
+              <a:rPr lang="de-DE" sz="2800" kern="1200" dirty="0" smtClean="0">
+                <a:solidFill>
+                  <a:srgbClr val="572E2D"/>
+                </a:solidFill>
+                <a:latin typeface="Noteworthy Bold" charset="0"/>
+                <a:ea typeface="Noteworthy Bold" charset="0"/>
+                <a:cs typeface="Noteworthy Bold" charset="0"/>
+                <a:sym typeface="Noteworthy Bold" charset="0"/>
+              </a:rPr>
+              <a:t>Soll-Ist2C Personalkosten</a:t>
+            </a:r>
+          </a:p>
+          <a:p>
+            <a:r>
+              <a:rPr lang="de-DE" sz="2800" kern="1200" dirty="0" smtClean="0">
+                <a:solidFill>
+                  <a:srgbClr val="572E2D"/>
+                </a:solidFill>
+                <a:latin typeface="Noteworthy Bold" charset="0"/>
+                <a:ea typeface="Noteworthy Bold" charset="0"/>
+                <a:cs typeface="Noteworthy Bold" charset="0"/>
+                <a:sym typeface="Noteworthy Bold" charset="0"/>
+              </a:rPr>
               <a:t>Soll-Ist1 Sonstige Kosten</a:t>
             </a:r>
           </a:p>
           <a:p>
-            <a:pPr defTabSz="481706">
-              <a:lnSpc>
-                <a:spcPts val="3688"/>
-              </a:lnSpc>
-              <a:defRPr/>
-            </a:pPr>
-            <a:r>
-              <a:rPr lang="de-DE" sz="2500" dirty="0"/>
+            <a:r>
+              <a:rPr lang="de-DE" sz="2800" kern="1200" dirty="0" smtClean="0">
+                <a:solidFill>
+                  <a:srgbClr val="572E2D"/>
+                </a:solidFill>
+                <a:latin typeface="Noteworthy Bold" charset="0"/>
+                <a:ea typeface="Noteworthy Bold" charset="0"/>
+                <a:cs typeface="Noteworthy Bold" charset="0"/>
+                <a:sym typeface="Noteworthy Bold" charset="0"/>
+              </a:rPr>
               <a:t>Soll-Ist2 Sonstige Kosten</a:t>
             </a:r>
           </a:p>
           <a:p>
-            <a:endParaRPr lang="de-DE" sz="2500" dirty="0"/>
-          </a:p>
-          <a:p>
-            <a:r>
-              <a:rPr lang="de-DE" sz="2500" dirty="0"/>
+            <a:r>
+              <a:rPr lang="de-DE" sz="2800" kern="1200" dirty="0" smtClean="0">
+                <a:solidFill>
+                  <a:srgbClr val="572E2D"/>
+                </a:solidFill>
+                <a:latin typeface="Noteworthy Bold" charset="0"/>
+                <a:ea typeface="Noteworthy Bold" charset="0"/>
+                <a:cs typeface="Noteworthy Bold" charset="0"/>
+                <a:sym typeface="Noteworthy Bold" charset="0"/>
+              </a:rPr>
+              <a:t>Soll-Ist1C Sonstige Kosten</a:t>
+            </a:r>
+          </a:p>
+          <a:p>
+            <a:r>
+              <a:rPr lang="de-DE" sz="2800" kern="1200" dirty="0" smtClean="0">
+                <a:solidFill>
+                  <a:srgbClr val="572E2D"/>
+                </a:solidFill>
+                <a:latin typeface="Noteworthy Bold" charset="0"/>
+                <a:ea typeface="Noteworthy Bold" charset="0"/>
+                <a:cs typeface="Noteworthy Bold" charset="0"/>
+                <a:sym typeface="Noteworthy Bold" charset="0"/>
+              </a:rPr>
+              <a:t>Soll-Ist2C Sonstige Kosten</a:t>
+            </a:r>
+          </a:p>
+          <a:p>
+            <a:r>
+              <a:rPr lang="de-DE" sz="2800" kern="1200" dirty="0" smtClean="0">
+                <a:solidFill>
+                  <a:srgbClr val="572E2D"/>
+                </a:solidFill>
+                <a:latin typeface="Noteworthy Bold" charset="0"/>
+                <a:ea typeface="Noteworthy Bold" charset="0"/>
+                <a:cs typeface="Noteworthy Bold" charset="0"/>
+                <a:sym typeface="Noteworthy Bold" charset="0"/>
+              </a:rPr>
               <a:t>Soll-Ist1 Gesamtkosten</a:t>
             </a:r>
           </a:p>
           <a:p>
-            <a:pPr defTabSz="481706">
-              <a:lnSpc>
-                <a:spcPts val="3688"/>
-              </a:lnSpc>
-              <a:defRPr/>
-            </a:pPr>
-            <a:r>
-              <a:rPr lang="de-DE" sz="2500" dirty="0"/>
+            <a:r>
+              <a:rPr lang="de-DE" sz="2800" kern="1200" dirty="0" smtClean="0">
+                <a:solidFill>
+                  <a:srgbClr val="572E2D"/>
+                </a:solidFill>
+                <a:latin typeface="Noteworthy Bold" charset="0"/>
+                <a:ea typeface="Noteworthy Bold" charset="0"/>
+                <a:cs typeface="Noteworthy Bold" charset="0"/>
+                <a:sym typeface="Noteworthy Bold" charset="0"/>
+              </a:rPr>
               <a:t>Soll-Ist2 Gesamtkosten</a:t>
             </a:r>
           </a:p>
           <a:p>
-            <a:endParaRPr lang="de-DE" sz="2500" dirty="0"/>
-          </a:p>
-          <a:p>
-            <a:r>
-              <a:rPr lang="de-DE" sz="2500" dirty="0"/>
-              <a:t>Soll-Ist1 Rolle (…)</a:t>
-            </a:r>
-          </a:p>
-          <a:p>
-            <a:pPr defTabSz="481706">
-              <a:lnSpc>
-                <a:spcPts val="3688"/>
-              </a:lnSpc>
-              <a:defRPr/>
-            </a:pPr>
-            <a:r>
-              <a:rPr lang="de-DE" sz="2500" dirty="0"/>
-              <a:t>Soll-Ist2 Rolle (…)</a:t>
-            </a:r>
-          </a:p>
-          <a:p>
-            <a:endParaRPr lang="de-DE" sz="2500" dirty="0"/>
-          </a:p>
-          <a:p>
-            <a:r>
-              <a:rPr lang="de-DE" sz="2500" dirty="0"/>
-              <a:t>Soll-Ist1 Kostenart (…)</a:t>
-            </a:r>
-          </a:p>
-          <a:p>
-            <a:pPr defTabSz="481706">
-              <a:lnSpc>
-                <a:spcPts val="3688"/>
-              </a:lnSpc>
-              <a:defRPr/>
-            </a:pPr>
-            <a:r>
-              <a:rPr lang="de-DE" sz="2500" dirty="0"/>
-              <a:t>Soll-Ist2 Kostenart (…)</a:t>
-            </a:r>
-          </a:p>
-          <a:p>
-            <a:endParaRPr lang="de-DE" sz="2500" dirty="0"/>
-          </a:p>
-          <a:p>
-            <a:r>
-              <a:rPr lang="de-DE" sz="2500" dirty="0"/>
+            <a:r>
+              <a:rPr lang="de-DE" sz="2800" kern="1200" dirty="0" smtClean="0">
+                <a:solidFill>
+                  <a:srgbClr val="572E2D"/>
+                </a:solidFill>
+                <a:latin typeface="Noteworthy Bold" charset="0"/>
+                <a:ea typeface="Noteworthy Bold" charset="0"/>
+                <a:cs typeface="Noteworthy Bold" charset="0"/>
+                <a:sym typeface="Noteworthy Bold" charset="0"/>
+              </a:rPr>
+              <a:t>Soll-Ist1C Gesamtkosten</a:t>
+            </a:r>
+          </a:p>
+          <a:p>
+            <a:r>
+              <a:rPr lang="de-DE" sz="2800" kern="1200" dirty="0" smtClean="0">
+                <a:solidFill>
+                  <a:srgbClr val="572E2D"/>
+                </a:solidFill>
+                <a:latin typeface="Noteworthy Bold" charset="0"/>
+                <a:ea typeface="Noteworthy Bold" charset="0"/>
+                <a:cs typeface="Noteworthy Bold" charset="0"/>
+                <a:sym typeface="Noteworthy Bold" charset="0"/>
+              </a:rPr>
+              <a:t>Soll-Ist2C Gesamtkosten</a:t>
+            </a:r>
+          </a:p>
+          <a:p>
+            <a:r>
+              <a:rPr lang="de-DE" sz="2800" kern="1200" dirty="0" smtClean="0">
+                <a:solidFill>
+                  <a:srgbClr val="572E2D"/>
+                </a:solidFill>
+                <a:latin typeface="Noteworthy Bold" charset="0"/>
+                <a:ea typeface="Noteworthy Bold" charset="0"/>
+                <a:cs typeface="Noteworthy Bold" charset="0"/>
+                <a:sym typeface="Noteworthy Bold" charset="0"/>
+              </a:rPr>
+              <a:t>Soll-Ist1 Rolle</a:t>
+            </a:r>
+          </a:p>
+          <a:p>
+            <a:r>
+              <a:rPr lang="de-DE" sz="2800" kern="1200" dirty="0" smtClean="0">
+                <a:solidFill>
+                  <a:srgbClr val="572E2D"/>
+                </a:solidFill>
+                <a:latin typeface="Noteworthy Bold" charset="0"/>
+                <a:ea typeface="Noteworthy Bold" charset="0"/>
+                <a:cs typeface="Noteworthy Bold" charset="0"/>
+                <a:sym typeface="Noteworthy Bold" charset="0"/>
+              </a:rPr>
+              <a:t>Soll-Ist2 Rolle</a:t>
+            </a:r>
+          </a:p>
+          <a:p>
+            <a:r>
+              <a:rPr lang="de-DE" sz="2800" kern="1200" dirty="0" smtClean="0">
+                <a:solidFill>
+                  <a:srgbClr val="572E2D"/>
+                </a:solidFill>
+                <a:latin typeface="Noteworthy Bold" charset="0"/>
+                <a:ea typeface="Noteworthy Bold" charset="0"/>
+                <a:cs typeface="Noteworthy Bold" charset="0"/>
+                <a:sym typeface="Noteworthy Bold" charset="0"/>
+              </a:rPr>
+              <a:t>Soll-Ist1C Rolle</a:t>
+            </a:r>
+          </a:p>
+          <a:p>
+            <a:r>
+              <a:rPr lang="de-DE" sz="2800" kern="1200" dirty="0" smtClean="0">
+                <a:solidFill>
+                  <a:srgbClr val="572E2D"/>
+                </a:solidFill>
+                <a:latin typeface="Noteworthy Bold" charset="0"/>
+                <a:ea typeface="Noteworthy Bold" charset="0"/>
+                <a:cs typeface="Noteworthy Bold" charset="0"/>
+                <a:sym typeface="Noteworthy Bold" charset="0"/>
+              </a:rPr>
+              <a:t>Soll-Ist2C Rolle</a:t>
+            </a:r>
+          </a:p>
+          <a:p>
+            <a:r>
+              <a:rPr lang="de-DE" sz="2800" kern="1200" dirty="0" smtClean="0">
+                <a:solidFill>
+                  <a:srgbClr val="572E2D"/>
+                </a:solidFill>
+                <a:latin typeface="Noteworthy Bold" charset="0"/>
+                <a:ea typeface="Noteworthy Bold" charset="0"/>
+                <a:cs typeface="Noteworthy Bold" charset="0"/>
+                <a:sym typeface="Noteworthy Bold" charset="0"/>
+              </a:rPr>
+              <a:t>Soll-Ist1 Kostenart</a:t>
+            </a:r>
+          </a:p>
+          <a:p>
+            <a:r>
+              <a:rPr lang="de-DE" sz="2800" kern="1200" dirty="0" smtClean="0">
+                <a:solidFill>
+                  <a:srgbClr val="572E2D"/>
+                </a:solidFill>
+                <a:latin typeface="Noteworthy Bold" charset="0"/>
+                <a:ea typeface="Noteworthy Bold" charset="0"/>
+                <a:cs typeface="Noteworthy Bold" charset="0"/>
+                <a:sym typeface="Noteworthy Bold" charset="0"/>
+              </a:rPr>
+              <a:t>Soll-Ist2 Kostenart</a:t>
+            </a:r>
+          </a:p>
+          <a:p>
+            <a:r>
+              <a:rPr lang="de-DE" sz="2800" kern="1200" dirty="0" smtClean="0">
+                <a:solidFill>
+                  <a:srgbClr val="572E2D"/>
+                </a:solidFill>
+                <a:latin typeface="Noteworthy Bold" charset="0"/>
+                <a:ea typeface="Noteworthy Bold" charset="0"/>
+                <a:cs typeface="Noteworthy Bold" charset="0"/>
+                <a:sym typeface="Noteworthy Bold" charset="0"/>
+              </a:rPr>
+              <a:t>Soll-Ist1C Kostenart</a:t>
+            </a:r>
+          </a:p>
+          <a:p>
+            <a:r>
+              <a:rPr lang="de-DE" sz="2800" kern="1200" dirty="0" smtClean="0">
+                <a:solidFill>
+                  <a:srgbClr val="572E2D"/>
+                </a:solidFill>
+                <a:latin typeface="Noteworthy Bold" charset="0"/>
+                <a:ea typeface="Noteworthy Bold" charset="0"/>
+                <a:cs typeface="Noteworthy Bold" charset="0"/>
+                <a:sym typeface="Noteworthy Bold" charset="0"/>
+              </a:rPr>
+              <a:t>Soll-Ist2C Kostenart</a:t>
+            </a:r>
+          </a:p>
+          <a:p>
+            <a:r>
+              <a:rPr lang="de-DE" sz="2800" kern="1200" dirty="0" smtClean="0">
+                <a:solidFill>
+                  <a:srgbClr val="572E2D"/>
+                </a:solidFill>
+                <a:latin typeface="Noteworthy Bold" charset="0"/>
+                <a:ea typeface="Noteworthy Bold" charset="0"/>
+                <a:cs typeface="Noteworthy Bold" charset="0"/>
+                <a:sym typeface="Noteworthy Bold" charset="0"/>
+              </a:rPr>
               <a:t>Ampel-Farbe</a:t>
             </a:r>
           </a:p>
           <a:p>
             <a:r>
-              <a:rPr lang="de-DE" sz="2500" dirty="0"/>
+              <a:rPr lang="de-DE" sz="2800" kern="1200" dirty="0" smtClean="0">
+                <a:solidFill>
+                  <a:srgbClr val="572E2D"/>
+                </a:solidFill>
+                <a:latin typeface="Noteworthy Bold" charset="0"/>
+                <a:ea typeface="Noteworthy Bold" charset="0"/>
+                <a:cs typeface="Noteworthy Bold" charset="0"/>
+                <a:sym typeface="Noteworthy Bold" charset="0"/>
+              </a:rPr>
               <a:t>Beschreibung</a:t>
             </a:r>
           </a:p>
           <a:p>
             <a:r>
-              <a:rPr lang="de-DE" sz="2500" dirty="0"/>
+              <a:rPr lang="de-DE" sz="2800" kern="1200" dirty="0" smtClean="0">
+                <a:solidFill>
+                  <a:srgbClr val="572E2D"/>
+                </a:solidFill>
+                <a:latin typeface="Noteworthy Bold" charset="0"/>
+                <a:ea typeface="Noteworthy Bold" charset="0"/>
+                <a:cs typeface="Noteworthy Bold" charset="0"/>
+                <a:sym typeface="Noteworthy Bold" charset="0"/>
+              </a:rPr>
               <a:t>Stand:</a:t>
             </a:r>
           </a:p>
           <a:p>
             <a:r>
-              <a:rPr lang="de-DE" sz="2500" dirty="0"/>
+              <a:rPr lang="de-DE" sz="2800" kern="1200" dirty="0" smtClean="0">
+                <a:solidFill>
+                  <a:srgbClr val="572E2D"/>
+                </a:solidFill>
+                <a:latin typeface="Noteworthy Bold" charset="0"/>
+                <a:ea typeface="Noteworthy Bold" charset="0"/>
+                <a:cs typeface="Noteworthy Bold" charset="0"/>
+                <a:sym typeface="Noteworthy Bold" charset="0"/>
+              </a:rPr>
               <a:t>Laufzeit:</a:t>
             </a:r>
           </a:p>
           <a:p>
             <a:r>
-              <a:rPr lang="de-DE" sz="2500" dirty="0"/>
+              <a:rPr lang="de-DE" sz="2800" kern="1200" dirty="0" smtClean="0">
+                <a:solidFill>
+                  <a:srgbClr val="572E2D"/>
+                </a:solidFill>
+                <a:latin typeface="Noteworthy Bold" charset="0"/>
+                <a:ea typeface="Noteworthy Bold" charset="0"/>
+                <a:cs typeface="Noteworthy Bold" charset="0"/>
+                <a:sym typeface="Noteworthy Bold" charset="0"/>
+              </a:rPr>
               <a:t>Verantwortlich:</a:t>
             </a:r>
-            <a:endParaRPr lang="de-DE" dirty="0"/>
+          </a:p>
+          <a:p>
+            <a:endParaRPr lang="de-DE" sz="2800" kern="1200" dirty="0" smtClean="0">
+              <a:solidFill>
+                <a:srgbClr val="572E2D"/>
+              </a:solidFill>
+              <a:latin typeface="Noteworthy Bold" charset="0"/>
+              <a:ea typeface="Noteworthy Bold" charset="0"/>
+              <a:cs typeface="Noteworthy Bold" charset="0"/>
+              <a:sym typeface="Noteworthy Bold" charset="0"/>
+            </a:endParaRPr>
+          </a:p>
+          <a:p>
+            <a:r>
+              <a:rPr lang="de-DE" sz="2800" kern="1200" dirty="0" smtClean="0">
+                <a:solidFill>
+                  <a:srgbClr val="572E2D"/>
+                </a:solidFill>
+                <a:latin typeface="Noteworthy Bold" charset="0"/>
+                <a:ea typeface="Noteworthy Bold" charset="0"/>
+                <a:cs typeface="Noteworthy Bold" charset="0"/>
+                <a:sym typeface="Noteworthy Bold" charset="0"/>
+              </a:rPr>
+              <a:t>--------------------------------</a:t>
+            </a:r>
+          </a:p>
+          <a:p>
+            <a:endParaRPr lang="de-DE" sz="2800" kern="1200" dirty="0" smtClean="0">
+              <a:solidFill>
+                <a:srgbClr val="572E2D"/>
+              </a:solidFill>
+              <a:latin typeface="Noteworthy Bold" charset="0"/>
+              <a:ea typeface="Noteworthy Bold" charset="0"/>
+              <a:cs typeface="Noteworthy Bold" charset="0"/>
+              <a:sym typeface="Noteworthy Bold" charset="0"/>
+            </a:endParaRPr>
+          </a:p>
+          <a:p>
+            <a:r>
+              <a:rPr lang="de-DE" sz="2800" kern="1200" dirty="0" smtClean="0">
+                <a:solidFill>
+                  <a:srgbClr val="572E2D"/>
+                </a:solidFill>
+                <a:latin typeface="Noteworthy Bold" charset="0"/>
+                <a:ea typeface="Noteworthy Bold" charset="0"/>
+                <a:cs typeface="Noteworthy Bold" charset="0"/>
+                <a:sym typeface="Noteworthy Bold" charset="0"/>
+              </a:rPr>
+              <a:t>Phasen: </a:t>
+            </a:r>
+          </a:p>
+          <a:p>
+            <a:r>
+              <a:rPr lang="de-DE" sz="2400" b="0" i="0" u="none" strike="noStrike" kern="1200" dirty="0" smtClean="0">
+                <a:solidFill>
+                  <a:srgbClr val="572E2D"/>
+                </a:solidFill>
+                <a:effectLst/>
+                <a:latin typeface="Noteworthy Bold" charset="0"/>
+                <a:ea typeface="Noteworthy Bold" charset="0"/>
+                <a:cs typeface="Noteworthy Bold" charset="0"/>
+                <a:sym typeface="Noteworthy Bold" charset="0"/>
+              </a:rPr>
+              <a:t>Business Case</a:t>
+            </a:r>
+            <a:endParaRPr lang="de-DE" sz="2800" dirty="0" smtClean="0"/>
+          </a:p>
+          <a:p>
+            <a:r>
+              <a:rPr lang="de-DE" sz="2400" b="0" i="0" u="none" strike="noStrike" kern="1200" dirty="0" smtClean="0">
+                <a:solidFill>
+                  <a:srgbClr val="572E2D"/>
+                </a:solidFill>
+                <a:effectLst/>
+                <a:latin typeface="Noteworthy Bold" charset="0"/>
+                <a:ea typeface="Noteworthy Bold" charset="0"/>
+                <a:cs typeface="Noteworthy Bold" charset="0"/>
+                <a:sym typeface="Noteworthy Bold" charset="0"/>
+              </a:rPr>
+              <a:t>Konzept</a:t>
+            </a:r>
+            <a:endParaRPr lang="de-DE" sz="2800" dirty="0" smtClean="0"/>
+          </a:p>
+          <a:p>
+            <a:r>
+              <a:rPr lang="de-DE" sz="2400" b="0" i="0" u="none" strike="noStrike" kern="1200" dirty="0" smtClean="0">
+                <a:solidFill>
+                  <a:srgbClr val="572E2D"/>
+                </a:solidFill>
+                <a:effectLst/>
+                <a:latin typeface="Noteworthy Bold" charset="0"/>
+                <a:ea typeface="Noteworthy Bold" charset="0"/>
+                <a:cs typeface="Noteworthy Bold" charset="0"/>
+                <a:sym typeface="Noteworthy Bold" charset="0"/>
+              </a:rPr>
+              <a:t>Entwicklung</a:t>
+            </a:r>
+            <a:endParaRPr lang="de-DE" sz="2800" dirty="0" smtClean="0"/>
+          </a:p>
+          <a:p>
+            <a:r>
+              <a:rPr lang="de-DE" sz="2400" b="0" i="0" u="none" strike="noStrike" kern="1200" dirty="0" smtClean="0">
+                <a:solidFill>
+                  <a:srgbClr val="572E2D"/>
+                </a:solidFill>
+                <a:effectLst/>
+                <a:latin typeface="Noteworthy Bold" charset="0"/>
+                <a:ea typeface="Noteworthy Bold" charset="0"/>
+                <a:cs typeface="Noteworthy Bold" charset="0"/>
+                <a:sym typeface="Noteworthy Bold" charset="0"/>
+              </a:rPr>
+              <a:t>Prototyp</a:t>
+            </a:r>
+            <a:endParaRPr lang="de-DE" sz="2800" dirty="0" smtClean="0"/>
+          </a:p>
+          <a:p>
+            <a:r>
+              <a:rPr lang="de-DE" sz="2400" b="0" i="0" u="none" strike="noStrike" kern="1200" dirty="0" smtClean="0">
+                <a:solidFill>
+                  <a:srgbClr val="572E2D"/>
+                </a:solidFill>
+                <a:effectLst/>
+                <a:latin typeface="Noteworthy Bold" charset="0"/>
+                <a:ea typeface="Noteworthy Bold" charset="0"/>
+                <a:cs typeface="Noteworthy Bold" charset="0"/>
+                <a:sym typeface="Noteworthy Bold" charset="0"/>
+              </a:rPr>
+              <a:t>Test</a:t>
+            </a:r>
+            <a:endParaRPr lang="de-DE" sz="2800" dirty="0" smtClean="0"/>
+          </a:p>
+          <a:p>
+            <a:r>
+              <a:rPr lang="de-DE" sz="2400" b="0" i="0" u="none" strike="noStrike" kern="1200" dirty="0" smtClean="0">
+                <a:solidFill>
+                  <a:srgbClr val="572E2D"/>
+                </a:solidFill>
+                <a:effectLst/>
+                <a:latin typeface="Noteworthy Bold" charset="0"/>
+                <a:ea typeface="Noteworthy Bold" charset="0"/>
+                <a:cs typeface="Noteworthy Bold" charset="0"/>
+                <a:sym typeface="Noteworthy Bold" charset="0"/>
+              </a:rPr>
+              <a:t>Rollout</a:t>
+            </a:r>
+          </a:p>
+          <a:p>
+            <a:endParaRPr lang="de-DE" sz="2400" b="0" i="0" u="none" strike="noStrike" kern="1200" dirty="0" smtClean="0">
+              <a:solidFill>
+                <a:srgbClr val="572E2D"/>
+              </a:solidFill>
+              <a:effectLst/>
+              <a:latin typeface="Noteworthy Bold" charset="0"/>
+              <a:sym typeface="Noteworthy Bold" charset="0"/>
+            </a:endParaRPr>
+          </a:p>
+          <a:p>
+            <a:r>
+              <a:rPr lang="de-DE" sz="2400" b="0" i="0" u="none" strike="noStrike" kern="1200" dirty="0" smtClean="0">
+                <a:solidFill>
+                  <a:srgbClr val="572E2D"/>
+                </a:solidFill>
+                <a:effectLst/>
+                <a:latin typeface="Noteworthy Bold" charset="0"/>
+                <a:sym typeface="Noteworthy Bold" charset="0"/>
+              </a:rPr>
+              <a:t>Meilensteine: </a:t>
+            </a:r>
+          </a:p>
+          <a:p>
+            <a:r>
+              <a:rPr lang="de-DE" sz="2400" b="0" i="0" u="none" strike="noStrike" kern="1200" dirty="0" smtClean="0">
+                <a:solidFill>
+                  <a:srgbClr val="572E2D"/>
+                </a:solidFill>
+                <a:effectLst/>
+                <a:latin typeface="Noteworthy Bold" charset="0"/>
+                <a:ea typeface="Noteworthy Bold" charset="0"/>
+                <a:cs typeface="Noteworthy Bold" charset="0"/>
+                <a:sym typeface="Noteworthy Bold" charset="0"/>
+              </a:rPr>
+              <a:t>Projektskizze</a:t>
+            </a:r>
+          </a:p>
+          <a:p>
+            <a:r>
+              <a:rPr lang="de-DE" sz="2400" b="0" i="0" u="none" strike="noStrike" kern="1200" dirty="0" smtClean="0">
+                <a:solidFill>
+                  <a:srgbClr val="572E2D"/>
+                </a:solidFill>
+                <a:effectLst/>
+                <a:latin typeface="Noteworthy Bold" charset="0"/>
+                <a:ea typeface="Noteworthy Bold" charset="0"/>
+                <a:cs typeface="Noteworthy Bold" charset="0"/>
+                <a:sym typeface="Noteworthy Bold" charset="0"/>
+              </a:rPr>
+              <a:t>Kosten-/Nutzen Analyse</a:t>
+            </a:r>
+          </a:p>
+          <a:p>
+            <a:r>
+              <a:rPr lang="de-DE" sz="2400" b="0" i="0" u="none" strike="noStrike" kern="1200" dirty="0" smtClean="0">
+                <a:solidFill>
+                  <a:srgbClr val="572E2D"/>
+                </a:solidFill>
+                <a:effectLst/>
+                <a:latin typeface="Noteworthy Bold" charset="0"/>
+                <a:ea typeface="Noteworthy Bold" charset="0"/>
+                <a:cs typeface="Noteworthy Bold" charset="0"/>
+                <a:sym typeface="Noteworthy Bold" charset="0"/>
+              </a:rPr>
+              <a:t>Wettbewerbsanalyse</a:t>
+            </a:r>
+          </a:p>
+          <a:p>
+            <a:r>
+              <a:rPr lang="de-DE" sz="2400" b="0" i="0" u="none" strike="noStrike" kern="1200" dirty="0" smtClean="0">
+                <a:solidFill>
+                  <a:srgbClr val="572E2D"/>
+                </a:solidFill>
+                <a:effectLst/>
+                <a:latin typeface="Noteworthy Bold" charset="0"/>
+                <a:ea typeface="Noteworthy Bold" charset="0"/>
+                <a:cs typeface="Noteworthy Bold" charset="0"/>
+                <a:sym typeface="Noteworthy Bold" charset="0"/>
+              </a:rPr>
+              <a:t>Analyse Marktpotential</a:t>
+            </a:r>
+          </a:p>
+          <a:p>
+            <a:r>
+              <a:rPr lang="de-DE" sz="2400" b="0" i="0" u="none" strike="noStrike" kern="1200" dirty="0" smtClean="0">
+                <a:solidFill>
+                  <a:srgbClr val="572E2D"/>
+                </a:solidFill>
+                <a:effectLst/>
+                <a:latin typeface="Noteworthy Bold" charset="0"/>
+                <a:ea typeface="Noteworthy Bold" charset="0"/>
+                <a:cs typeface="Noteworthy Bold" charset="0"/>
+                <a:sym typeface="Noteworthy Bold" charset="0"/>
+              </a:rPr>
+              <a:t>Grob-Konzept</a:t>
+            </a:r>
+          </a:p>
+          <a:p>
+            <a:r>
+              <a:rPr lang="de-DE" sz="2400" b="0" i="0" u="none" strike="noStrike" kern="1200" dirty="0" smtClean="0">
+                <a:solidFill>
+                  <a:srgbClr val="572E2D"/>
+                </a:solidFill>
+                <a:effectLst/>
+                <a:latin typeface="Noteworthy Bold" charset="0"/>
+                <a:ea typeface="Noteworthy Bold" charset="0"/>
+                <a:cs typeface="Noteworthy Bold" charset="0"/>
+                <a:sym typeface="Noteworthy Bold" charset="0"/>
+              </a:rPr>
+              <a:t>Liste der erfolgskritischen Merkmale</a:t>
+            </a:r>
+          </a:p>
+          <a:p>
+            <a:r>
+              <a:rPr lang="de-DE" sz="2400" b="0" i="0" u="none" strike="noStrike" kern="1200" dirty="0" smtClean="0">
+                <a:solidFill>
+                  <a:srgbClr val="572E2D"/>
+                </a:solidFill>
+                <a:effectLst/>
+                <a:latin typeface="Noteworthy Bold" charset="0"/>
+                <a:ea typeface="Noteworthy Bold" charset="0"/>
+                <a:cs typeface="Noteworthy Bold" charset="0"/>
+                <a:sym typeface="Noteworthy Bold" charset="0"/>
+              </a:rPr>
+              <a:t>Anbieter Shortlist</a:t>
+            </a:r>
+          </a:p>
+          <a:p>
+            <a:r>
+              <a:rPr lang="de-DE" sz="2400" b="0" i="0" u="none" strike="noStrike" kern="1200" dirty="0" smtClean="0">
+                <a:solidFill>
+                  <a:srgbClr val="572E2D"/>
+                </a:solidFill>
+                <a:effectLst/>
+                <a:latin typeface="Noteworthy Bold" charset="0"/>
+                <a:ea typeface="Noteworthy Bold" charset="0"/>
+                <a:cs typeface="Noteworthy Bold" charset="0"/>
+                <a:sym typeface="Noteworthy Bold" charset="0"/>
+              </a:rPr>
+              <a:t>Benchmark Dokumentation</a:t>
+            </a:r>
+          </a:p>
+          <a:p>
+            <a:r>
+              <a:rPr lang="de-DE" sz="2400" b="0" i="0" u="none" strike="noStrike" kern="1200" dirty="0" smtClean="0">
+                <a:solidFill>
+                  <a:srgbClr val="572E2D"/>
+                </a:solidFill>
+                <a:effectLst/>
+                <a:latin typeface="Noteworthy Bold" charset="0"/>
+                <a:ea typeface="Noteworthy Bold" charset="0"/>
+                <a:cs typeface="Noteworthy Bold" charset="0"/>
+                <a:sym typeface="Noteworthy Bold" charset="0"/>
+              </a:rPr>
+              <a:t>Empfehlung Anbieter</a:t>
+            </a:r>
+          </a:p>
+          <a:p>
+            <a:r>
+              <a:rPr lang="de-DE" sz="2400" b="0" i="0" u="none" strike="noStrike" kern="1200" dirty="0" err="1" smtClean="0">
+                <a:solidFill>
+                  <a:srgbClr val="572E2D"/>
+                </a:solidFill>
+                <a:effectLst/>
+                <a:latin typeface="Noteworthy Bold" charset="0"/>
+                <a:ea typeface="Noteworthy Bold" charset="0"/>
+                <a:cs typeface="Noteworthy Bold" charset="0"/>
+                <a:sym typeface="Noteworthy Bold" charset="0"/>
+              </a:rPr>
+              <a:t>Use</a:t>
+            </a:r>
+            <a:r>
+              <a:rPr lang="de-DE" sz="2400" b="0" i="0" u="none" strike="noStrike" kern="1200" dirty="0" smtClean="0">
+                <a:solidFill>
+                  <a:srgbClr val="572E2D"/>
+                </a:solidFill>
+                <a:effectLst/>
+                <a:latin typeface="Noteworthy Bold" charset="0"/>
+                <a:ea typeface="Noteworthy Bold" charset="0"/>
+                <a:cs typeface="Noteworthy Bold" charset="0"/>
+                <a:sym typeface="Noteworthy Bold" charset="0"/>
+              </a:rPr>
+              <a:t> Cases</a:t>
+            </a:r>
+          </a:p>
+          <a:p>
+            <a:r>
+              <a:rPr lang="de-DE" sz="2400" b="0" i="0" u="none" strike="noStrike" kern="1200" dirty="0" smtClean="0">
+                <a:solidFill>
+                  <a:srgbClr val="572E2D"/>
+                </a:solidFill>
+                <a:effectLst/>
+                <a:latin typeface="Noteworthy Bold" charset="0"/>
+                <a:ea typeface="Noteworthy Bold" charset="0"/>
+                <a:cs typeface="Noteworthy Bold" charset="0"/>
+                <a:sym typeface="Noteworthy Bold" charset="0"/>
+              </a:rPr>
+              <a:t>Architektur Dokument</a:t>
+            </a:r>
+          </a:p>
+          <a:p>
+            <a:r>
+              <a:rPr lang="de-DE" sz="2400" b="0" i="0" u="none" strike="noStrike" kern="1200" dirty="0" smtClean="0">
+                <a:solidFill>
+                  <a:srgbClr val="572E2D"/>
+                </a:solidFill>
+                <a:effectLst/>
+                <a:latin typeface="Noteworthy Bold" charset="0"/>
+                <a:ea typeface="Noteworthy Bold" charset="0"/>
+                <a:cs typeface="Noteworthy Bold" charset="0"/>
+                <a:sym typeface="Noteworthy Bold" charset="0"/>
+              </a:rPr>
+              <a:t>Datenmodell</a:t>
+            </a:r>
+          </a:p>
+          <a:p>
+            <a:r>
+              <a:rPr lang="de-DE" sz="2400" b="0" i="0" u="none" strike="noStrike" kern="1200" dirty="0" smtClean="0">
+                <a:solidFill>
+                  <a:srgbClr val="572E2D"/>
+                </a:solidFill>
+                <a:effectLst/>
+                <a:latin typeface="Noteworthy Bold" charset="0"/>
+                <a:ea typeface="Noteworthy Bold" charset="0"/>
+                <a:cs typeface="Noteworthy Bold" charset="0"/>
+                <a:sym typeface="Noteworthy Bold" charset="0"/>
+              </a:rPr>
+              <a:t>Funktionsfähigkeit der erfolgskritischen Merkmale</a:t>
+            </a:r>
+          </a:p>
+          <a:p>
+            <a:r>
+              <a:rPr lang="de-DE" sz="2400" b="0" i="0" u="none" strike="noStrike" kern="1200" dirty="0" smtClean="0">
+                <a:solidFill>
+                  <a:srgbClr val="572E2D"/>
+                </a:solidFill>
+                <a:effectLst/>
+                <a:latin typeface="Noteworthy Bold" charset="0"/>
+                <a:ea typeface="Noteworthy Bold" charset="0"/>
+                <a:cs typeface="Noteworthy Bold" charset="0"/>
+                <a:sym typeface="Noteworthy Bold" charset="0"/>
+              </a:rPr>
+              <a:t>Testfall Dokumentation</a:t>
+            </a:r>
+          </a:p>
+          <a:p>
+            <a:r>
+              <a:rPr lang="de-DE" sz="2400" b="0" i="0" u="none" strike="noStrike" kern="1200" dirty="0" smtClean="0">
+                <a:solidFill>
+                  <a:srgbClr val="572E2D"/>
+                </a:solidFill>
+                <a:effectLst/>
+                <a:latin typeface="Noteworthy Bold" charset="0"/>
+                <a:ea typeface="Noteworthy Bold" charset="0"/>
+                <a:cs typeface="Noteworthy Bold" charset="0"/>
+                <a:sym typeface="Noteworthy Bold" charset="0"/>
+              </a:rPr>
+              <a:t>90% Muss-Testfälle erfolgreich</a:t>
+            </a:r>
+          </a:p>
+          <a:p>
+            <a:r>
+              <a:rPr lang="de-DE" sz="2400" b="0" i="0" u="none" strike="noStrike" kern="1200" dirty="0" smtClean="0">
+                <a:solidFill>
+                  <a:srgbClr val="572E2D"/>
+                </a:solidFill>
+                <a:effectLst/>
+                <a:latin typeface="Noteworthy Bold" charset="0"/>
+                <a:ea typeface="Noteworthy Bold" charset="0"/>
+                <a:cs typeface="Noteworthy Bold" charset="0"/>
+                <a:sym typeface="Noteworthy Bold" charset="0"/>
+              </a:rPr>
+              <a:t>Einführungsplan</a:t>
+            </a:r>
+            <a:r>
+              <a:rPr lang="de-DE" sz="3200" dirty="0" smtClean="0"/>
+              <a:t> </a:t>
+            </a:r>
+          </a:p>
+          <a:p>
+            <a:r>
+              <a:rPr lang="de-DE" sz="2400" b="0" i="0" u="none" strike="noStrike" kern="1200" dirty="0" smtClean="0">
+                <a:solidFill>
+                  <a:srgbClr val="572E2D"/>
+                </a:solidFill>
+                <a:effectLst/>
+                <a:latin typeface="Noteworthy Bold" charset="0"/>
+                <a:ea typeface="Noteworthy Bold" charset="0"/>
+                <a:cs typeface="Noteworthy Bold" charset="0"/>
+                <a:sym typeface="Noteworthy Bold" charset="0"/>
+              </a:rPr>
+              <a:t>70% Anwender-Abdeckung</a:t>
+            </a:r>
+            <a:r>
+              <a:rPr lang="de-DE" sz="3200" dirty="0" smtClean="0"/>
+              <a:t> </a:t>
+            </a:r>
+            <a:endParaRPr lang="de-DE" sz="2400" b="0" i="0" u="none" strike="noStrike" kern="1200" dirty="0" smtClean="0">
+              <a:solidFill>
+                <a:srgbClr val="572E2D"/>
+              </a:solidFill>
+              <a:effectLst/>
+              <a:latin typeface="Noteworthy Bold" charset="0"/>
+              <a:sym typeface="Noteworthy Bold" charset="0"/>
+            </a:endParaRPr>
+          </a:p>
+          <a:p>
+            <a:endParaRPr lang="de-DE" sz="2400" b="0" i="0" u="none" strike="noStrike" kern="1200" dirty="0" smtClean="0">
+              <a:solidFill>
+                <a:srgbClr val="572E2D"/>
+              </a:solidFill>
+              <a:effectLst/>
+              <a:latin typeface="Noteworthy Bold" charset="0"/>
+              <a:sym typeface="Noteworthy Bold" charset="0"/>
+            </a:endParaRPr>
+          </a:p>
+          <a:p>
+            <a:r>
+              <a:rPr lang="de-DE" sz="2400" b="0" i="0" u="none" strike="noStrike" kern="1200" dirty="0" smtClean="0">
+                <a:solidFill>
+                  <a:srgbClr val="572E2D"/>
+                </a:solidFill>
+                <a:effectLst/>
+                <a:latin typeface="Noteworthy Bold" charset="0"/>
+                <a:sym typeface="Noteworthy Bold" charset="0"/>
+              </a:rPr>
+              <a:t>Rollen: </a:t>
+            </a:r>
+          </a:p>
+          <a:p>
+            <a:r>
+              <a:rPr lang="de-DE" sz="2400" b="0" i="0" u="none" strike="noStrike" kern="1200" dirty="0" smtClean="0">
+                <a:solidFill>
+                  <a:srgbClr val="572E2D"/>
+                </a:solidFill>
+                <a:effectLst/>
+                <a:latin typeface="Noteworthy Bold" charset="0"/>
+                <a:ea typeface="Noteworthy Bold" charset="0"/>
+                <a:cs typeface="Noteworthy Bold" charset="0"/>
+                <a:sym typeface="Noteworthy Bold" charset="0"/>
+              </a:rPr>
+              <a:t>Projektleiter</a:t>
+            </a:r>
+            <a:endParaRPr lang="de-DE" sz="3200" dirty="0" smtClean="0"/>
+          </a:p>
+          <a:p>
+            <a:r>
+              <a:rPr lang="de-DE" sz="2400" b="0" i="0" u="none" strike="noStrike" kern="1200" dirty="0" smtClean="0">
+                <a:solidFill>
+                  <a:srgbClr val="572E2D"/>
+                </a:solidFill>
+                <a:effectLst/>
+                <a:latin typeface="Noteworthy Bold" charset="0"/>
+                <a:ea typeface="Noteworthy Bold" charset="0"/>
+                <a:cs typeface="Noteworthy Bold" charset="0"/>
+                <a:sym typeface="Noteworthy Bold" charset="0"/>
+              </a:rPr>
+              <a:t>GUI Spezialist</a:t>
+            </a:r>
+            <a:endParaRPr lang="de-DE" sz="3200" dirty="0" smtClean="0"/>
+          </a:p>
+          <a:p>
+            <a:r>
+              <a:rPr lang="de-DE" sz="2400" b="0" i="0" u="none" strike="noStrike" kern="1200" dirty="0" smtClean="0">
+                <a:solidFill>
+                  <a:srgbClr val="572E2D"/>
+                </a:solidFill>
+                <a:effectLst/>
+                <a:latin typeface="Noteworthy Bold" charset="0"/>
+                <a:ea typeface="Noteworthy Bold" charset="0"/>
+                <a:cs typeface="Noteworthy Bold" charset="0"/>
+                <a:sym typeface="Noteworthy Bold" charset="0"/>
+              </a:rPr>
+              <a:t>Analyst</a:t>
+            </a:r>
+            <a:r>
+              <a:rPr lang="de-DE" sz="3200" dirty="0" smtClean="0"/>
+              <a:t> </a:t>
+            </a:r>
+            <a:r>
+              <a:rPr lang="de-DE" sz="2400" b="0" i="0" u="none" strike="noStrike" kern="1200" dirty="0" smtClean="0">
+                <a:solidFill>
+                  <a:srgbClr val="572E2D"/>
+                </a:solidFill>
+                <a:effectLst/>
+                <a:latin typeface="Noteworthy Bold" charset="0"/>
+                <a:ea typeface="Noteworthy Bold" charset="0"/>
+                <a:cs typeface="Noteworthy Bold" charset="0"/>
+                <a:sym typeface="Noteworthy Bold" charset="0"/>
+              </a:rPr>
+              <a:t>Architekt</a:t>
+            </a:r>
+            <a:endParaRPr lang="de-DE" sz="3200" dirty="0" smtClean="0"/>
+          </a:p>
+          <a:p>
+            <a:r>
+              <a:rPr lang="de-DE" sz="2400" b="0" i="0" u="none" strike="noStrike" kern="1200" dirty="0" smtClean="0">
+                <a:solidFill>
+                  <a:srgbClr val="572E2D"/>
+                </a:solidFill>
+                <a:effectLst/>
+                <a:latin typeface="Noteworthy Bold" charset="0"/>
+                <a:ea typeface="Noteworthy Bold" charset="0"/>
+                <a:cs typeface="Noteworthy Bold" charset="0"/>
+                <a:sym typeface="Noteworthy Bold" charset="0"/>
+              </a:rPr>
+              <a:t>Entwickler</a:t>
+            </a:r>
+            <a:endParaRPr lang="de-DE" sz="3200" dirty="0" smtClean="0"/>
+          </a:p>
+          <a:p>
+            <a:r>
+              <a:rPr lang="de-DE" sz="2400" b="0" i="0" u="none" strike="noStrike" kern="1200" dirty="0" smtClean="0">
+                <a:solidFill>
+                  <a:srgbClr val="572E2D"/>
+                </a:solidFill>
+                <a:effectLst/>
+                <a:latin typeface="Noteworthy Bold" charset="0"/>
+                <a:ea typeface="Noteworthy Bold" charset="0"/>
+                <a:cs typeface="Noteworthy Bold" charset="0"/>
+                <a:sym typeface="Noteworthy Bold" charset="0"/>
+              </a:rPr>
+              <a:t>Tester</a:t>
+            </a:r>
+            <a:endParaRPr lang="de-DE" sz="2400" b="0" i="0" u="none" strike="noStrike" kern="1200" dirty="0" smtClean="0">
+              <a:solidFill>
+                <a:srgbClr val="572E2D"/>
+              </a:solidFill>
+              <a:effectLst/>
+              <a:latin typeface="Noteworthy Bold" charset="0"/>
+              <a:sym typeface="Noteworthy Bold" charset="0"/>
+            </a:endParaRPr>
+          </a:p>
+          <a:p>
+            <a:endParaRPr lang="de-DE" sz="2400" b="0" i="0" u="none" strike="noStrike" kern="1200" dirty="0" smtClean="0">
+              <a:solidFill>
+                <a:srgbClr val="572E2D"/>
+              </a:solidFill>
+              <a:effectLst/>
+              <a:latin typeface="Noteworthy Bold" charset="0"/>
+              <a:sym typeface="Noteworthy Bold" charset="0"/>
+            </a:endParaRPr>
+          </a:p>
+          <a:p>
+            <a:r>
+              <a:rPr lang="de-DE" sz="2400" b="0" i="0" u="none" strike="noStrike" kern="1200" dirty="0" smtClean="0">
+                <a:solidFill>
+                  <a:srgbClr val="572E2D"/>
+                </a:solidFill>
+                <a:effectLst/>
+                <a:latin typeface="Noteworthy Bold" charset="0"/>
+                <a:sym typeface="Noteworthy Bold" charset="0"/>
+              </a:rPr>
+              <a:t>Kostenarten: </a:t>
+            </a:r>
+          </a:p>
+          <a:p>
+            <a:r>
+              <a:rPr lang="de-DE" sz="2400" b="0" i="0" u="none" strike="noStrike" kern="1200" dirty="0" smtClean="0">
+                <a:solidFill>
+                  <a:srgbClr val="572E2D"/>
+                </a:solidFill>
+                <a:effectLst/>
+                <a:latin typeface="Noteworthy Bold" charset="0"/>
+                <a:ea typeface="Noteworthy Bold" charset="0"/>
+                <a:cs typeface="Noteworthy Bold" charset="0"/>
+                <a:sym typeface="Noteworthy Bold" charset="0"/>
+              </a:rPr>
+              <a:t>IT-Kosten</a:t>
+            </a:r>
+            <a:endParaRPr lang="de-DE" sz="3200" dirty="0" smtClean="0"/>
+          </a:p>
+          <a:p>
+            <a:r>
+              <a:rPr lang="de-DE" sz="2400" b="0" i="0" u="none" strike="noStrike" kern="1200" dirty="0" smtClean="0">
+                <a:solidFill>
+                  <a:srgbClr val="572E2D"/>
+                </a:solidFill>
+                <a:effectLst/>
+                <a:latin typeface="Noteworthy Bold" charset="0"/>
+                <a:ea typeface="Noteworthy Bold" charset="0"/>
+                <a:cs typeface="Noteworthy Bold" charset="0"/>
+                <a:sym typeface="Noteworthy Bold" charset="0"/>
+              </a:rPr>
+              <a:t>Reise-Kosten</a:t>
+            </a:r>
+          </a:p>
+          <a:p>
+            <a:r>
+              <a:rPr lang="de-DE" sz="2400" b="0" i="0" u="none" strike="noStrike" kern="1200" dirty="0" smtClean="0">
+                <a:solidFill>
+                  <a:srgbClr val="572E2D"/>
+                </a:solidFill>
+                <a:effectLst/>
+                <a:latin typeface="Noteworthy Bold" charset="0"/>
+                <a:ea typeface="Noteworthy Bold" charset="0"/>
+                <a:cs typeface="Noteworthy Bold" charset="0"/>
+                <a:sym typeface="Noteworthy Bold" charset="0"/>
+              </a:rPr>
+              <a:t>Trainings-Kosten</a:t>
+            </a:r>
+            <a:r>
+              <a:rPr lang="de-DE" sz="3200" dirty="0" smtClean="0"/>
+              <a:t> </a:t>
+            </a:r>
+            <a:endParaRPr lang="de-DE" sz="2400" b="0" i="0" u="none" strike="noStrike" kern="1200" dirty="0" smtClean="0">
+              <a:solidFill>
+                <a:srgbClr val="572E2D"/>
+              </a:solidFill>
+              <a:effectLst/>
+              <a:latin typeface="Noteworthy Bold" charset="0"/>
+              <a:sym typeface="Noteworthy Bold" charset="0"/>
+            </a:endParaRPr>
+          </a:p>
+          <a:p>
+            <a:r>
+              <a:rPr lang="de-DE" sz="2800" dirty="0" smtClean="0"/>
+              <a:t> </a:t>
+            </a:r>
+            <a:endParaRPr lang="de-DE" sz="2800" kern="1200" dirty="0" smtClean="0">
+              <a:solidFill>
+                <a:srgbClr val="572E2D"/>
+              </a:solidFill>
+              <a:latin typeface="Noteworthy Bold" charset="0"/>
+              <a:ea typeface="Noteworthy Bold" charset="0"/>
+              <a:cs typeface="Noteworthy Bold" charset="0"/>
+              <a:sym typeface="Noteworthy Bold" charset="0"/>
+            </a:endParaRPr>
           </a:p>
         </p:txBody>
       </p:sp>
@@ -813,220 +1971,1378 @@
           <a:lstStyle/>
           <a:p>
             <a:r>
-              <a:rPr lang="de-DE" sz="2500" dirty="0"/>
+              <a:rPr lang="de-DE" sz="2800" kern="1200" dirty="0" smtClean="0">
+                <a:solidFill>
+                  <a:srgbClr val="572E2D"/>
+                </a:solidFill>
+                <a:latin typeface="Noteworthy Bold" charset="0"/>
+                <a:ea typeface="Noteworthy Bold" charset="0"/>
+                <a:cs typeface="Noteworthy Bold" charset="0"/>
+                <a:sym typeface="Noteworthy Bold" charset="0"/>
+              </a:rPr>
               <a:t>Projekt-Name</a:t>
             </a:r>
           </a:p>
           <a:p>
             <a:r>
-              <a:rPr lang="de-DE" sz="2500" dirty="0"/>
+              <a:rPr lang="de-DE" sz="2800" kern="1200" dirty="0" smtClean="0">
+                <a:solidFill>
+                  <a:srgbClr val="572E2D"/>
+                </a:solidFill>
+                <a:latin typeface="Noteworthy Bold" charset="0"/>
+                <a:ea typeface="Noteworthy Bold" charset="0"/>
+                <a:cs typeface="Noteworthy Bold" charset="0"/>
+                <a:sym typeface="Noteworthy Bold" charset="0"/>
+              </a:rPr>
+              <a:t>Soll-Ist &amp; Prognose</a:t>
+            </a:r>
+          </a:p>
+          <a:p>
+            <a:r>
+              <a:rPr lang="de-DE" sz="2800" kern="1200" dirty="0" smtClean="0">
+                <a:solidFill>
+                  <a:srgbClr val="572E2D"/>
+                </a:solidFill>
+                <a:latin typeface="Noteworthy Bold" charset="0"/>
+                <a:ea typeface="Noteworthy Bold" charset="0"/>
+                <a:cs typeface="Noteworthy Bold" charset="0"/>
+                <a:sym typeface="Noteworthy Bold" charset="0"/>
+              </a:rPr>
+              <a:t>Projekt-Grafik</a:t>
+            </a:r>
+          </a:p>
+          <a:p>
+            <a:r>
+              <a:rPr lang="de-DE" sz="2800" kern="1200" dirty="0" smtClean="0">
+                <a:solidFill>
+                  <a:srgbClr val="572E2D"/>
+                </a:solidFill>
+                <a:latin typeface="Noteworthy Bold" charset="0"/>
+                <a:ea typeface="Noteworthy Bold" charset="0"/>
+                <a:cs typeface="Noteworthy Bold" charset="0"/>
+                <a:sym typeface="Noteworthy Bold" charset="0"/>
+              </a:rPr>
+              <a:t>Meilenstein Trendanalyse</a:t>
+            </a:r>
+          </a:p>
+          <a:p>
+            <a:r>
+              <a:rPr lang="de-DE" sz="2800" kern="1200" dirty="0" smtClean="0">
+                <a:solidFill>
+                  <a:srgbClr val="572E2D"/>
+                </a:solidFill>
+                <a:latin typeface="Noteworthy Bold" charset="0"/>
+                <a:ea typeface="Noteworthy Bold" charset="0"/>
+                <a:cs typeface="Noteworthy Bold" charset="0"/>
+                <a:sym typeface="Noteworthy Bold" charset="0"/>
+              </a:rPr>
+              <a:t>Vergleich mit Beauftragung</a:t>
+            </a:r>
+          </a:p>
+          <a:p>
+            <a:r>
+              <a:rPr lang="de-DE" sz="2800" kern="1200" dirty="0" smtClean="0">
+                <a:solidFill>
+                  <a:srgbClr val="572E2D"/>
+                </a:solidFill>
+                <a:latin typeface="Noteworthy Bold" charset="0"/>
+                <a:ea typeface="Noteworthy Bold" charset="0"/>
+                <a:cs typeface="Noteworthy Bold" charset="0"/>
+                <a:sym typeface="Noteworthy Bold" charset="0"/>
+              </a:rPr>
+              <a:t>Vergleich mit letztem Stand</a:t>
+            </a:r>
+          </a:p>
+          <a:p>
+            <a:r>
+              <a:rPr lang="de-DE" sz="2800" kern="1200" dirty="0" smtClean="0">
+                <a:solidFill>
+                  <a:srgbClr val="572E2D"/>
+                </a:solidFill>
+                <a:latin typeface="Noteworthy Bold" charset="0"/>
+                <a:ea typeface="Noteworthy Bold" charset="0"/>
+                <a:cs typeface="Noteworthy Bold" charset="0"/>
+                <a:sym typeface="Noteworthy Bold" charset="0"/>
+              </a:rPr>
+              <a:t>Vergleich mit Vorlage</a:t>
+            </a:r>
+          </a:p>
+          <a:p>
+            <a:r>
+              <a:rPr lang="de-DE" sz="2800" kern="1200" dirty="0" smtClean="0">
+                <a:solidFill>
+                  <a:srgbClr val="572E2D"/>
+                </a:solidFill>
+                <a:latin typeface="Noteworthy Bold" charset="0"/>
+                <a:ea typeface="Noteworthy Bold" charset="0"/>
+                <a:cs typeface="Noteworthy Bold" charset="0"/>
+                <a:sym typeface="Noteworthy Bold" charset="0"/>
+              </a:rPr>
+              <a:t>Tabelle Projektziele</a:t>
+            </a:r>
+          </a:p>
+          <a:p>
+            <a:r>
+              <a:rPr lang="de-DE" sz="2800" kern="1200" dirty="0" smtClean="0">
+                <a:solidFill>
+                  <a:srgbClr val="572E2D"/>
+                </a:solidFill>
+                <a:latin typeface="Noteworthy Bold" charset="0"/>
+                <a:ea typeface="Noteworthy Bold" charset="0"/>
+                <a:cs typeface="Noteworthy Bold" charset="0"/>
+                <a:sym typeface="Noteworthy Bold" charset="0"/>
+              </a:rPr>
+              <a:t>Tabelle Projektstatus</a:t>
+            </a:r>
+          </a:p>
+          <a:p>
+            <a:r>
+              <a:rPr lang="de-DE" sz="2800" kern="1200" dirty="0" smtClean="0">
+                <a:solidFill>
+                  <a:srgbClr val="572E2D"/>
+                </a:solidFill>
+                <a:latin typeface="Noteworthy Bold" charset="0"/>
+                <a:ea typeface="Noteworthy Bold" charset="0"/>
+                <a:cs typeface="Noteworthy Bold" charset="0"/>
+                <a:sym typeface="Noteworthy Bold" charset="0"/>
+              </a:rPr>
+              <a:t>Tabelle Veränderungen</a:t>
+            </a:r>
+          </a:p>
+          <a:p>
+            <a:r>
+              <a:rPr lang="de-DE" sz="2800" kern="1200" dirty="0" smtClean="0">
+                <a:solidFill>
+                  <a:srgbClr val="572E2D"/>
+                </a:solidFill>
+                <a:latin typeface="Noteworthy Bold" charset="0"/>
+                <a:ea typeface="Noteworthy Bold" charset="0"/>
+                <a:cs typeface="Noteworthy Bold" charset="0"/>
+                <a:sym typeface="Noteworthy Bold" charset="0"/>
+              </a:rPr>
+              <a:t>Tabelle Vergleich letzter Stand</a:t>
+            </a:r>
+          </a:p>
+          <a:p>
+            <a:r>
+              <a:rPr lang="de-DE" sz="2800" kern="1200" dirty="0" smtClean="0">
+                <a:solidFill>
+                  <a:srgbClr val="572E2D"/>
+                </a:solidFill>
+                <a:latin typeface="Noteworthy Bold" charset="0"/>
+                <a:ea typeface="Noteworthy Bold" charset="0"/>
+                <a:cs typeface="Noteworthy Bold" charset="0"/>
+                <a:sym typeface="Noteworthy Bold" charset="0"/>
+              </a:rPr>
+              <a:t>Tabelle Vergleich Beauftragung</a:t>
+            </a:r>
+          </a:p>
+          <a:p>
+            <a:r>
+              <a:rPr lang="de-DE" sz="2800" kern="1200" dirty="0" smtClean="0">
+                <a:solidFill>
+                  <a:srgbClr val="572E2D"/>
+                </a:solidFill>
+                <a:latin typeface="Noteworthy Bold" charset="0"/>
+                <a:ea typeface="Noteworthy Bold" charset="0"/>
+                <a:cs typeface="Noteworthy Bold" charset="0"/>
+                <a:sym typeface="Noteworthy Bold" charset="0"/>
+              </a:rPr>
               <a:t>Ergebnis</a:t>
             </a:r>
           </a:p>
           <a:p>
             <a:r>
-              <a:rPr lang="de-DE" sz="2500" dirty="0"/>
+              <a:rPr lang="de-DE" sz="2800" kern="1200" dirty="0" smtClean="0">
+                <a:solidFill>
+                  <a:srgbClr val="572E2D"/>
+                </a:solidFill>
+                <a:latin typeface="Noteworthy Bold" charset="0"/>
+                <a:ea typeface="Noteworthy Bold" charset="0"/>
+                <a:cs typeface="Noteworthy Bold" charset="0"/>
+                <a:sym typeface="Noteworthy Bold" charset="0"/>
+              </a:rPr>
               <a:t>Strategie/Risiko</a:t>
             </a:r>
           </a:p>
           <a:p>
             <a:r>
-              <a:rPr lang="de-DE" sz="2500" dirty="0"/>
+              <a:rPr lang="de-DE" sz="2800" kern="1200" dirty="0" smtClean="0">
+                <a:solidFill>
+                  <a:srgbClr val="572E2D"/>
+                </a:solidFill>
+                <a:latin typeface="Noteworthy Bold" charset="0"/>
+                <a:ea typeface="Noteworthy Bold" charset="0"/>
+                <a:cs typeface="Noteworthy Bold" charset="0"/>
+                <a:sym typeface="Noteworthy Bold" charset="0"/>
+              </a:rPr>
               <a:t>Teilprojekte</a:t>
             </a:r>
           </a:p>
           <a:p>
             <a:r>
-              <a:rPr lang="de-DE" sz="2500" dirty="0"/>
+              <a:rPr lang="de-DE" sz="2800" kern="1200" dirty="0" smtClean="0">
+                <a:solidFill>
+                  <a:srgbClr val="572E2D"/>
+                </a:solidFill>
+                <a:latin typeface="Noteworthy Bold" charset="0"/>
+                <a:ea typeface="Noteworthy Bold" charset="0"/>
+                <a:cs typeface="Noteworthy Bold" charset="0"/>
+                <a:sym typeface="Noteworthy Bold" charset="0"/>
+              </a:rPr>
               <a:t>Personalbedarf</a:t>
             </a:r>
           </a:p>
           <a:p>
             <a:r>
-              <a:rPr lang="de-DE" sz="2500" dirty="0"/>
+              <a:rPr lang="de-DE" sz="2800" kern="1200" dirty="0" smtClean="0">
+                <a:solidFill>
+                  <a:srgbClr val="572E2D"/>
+                </a:solidFill>
+                <a:latin typeface="Noteworthy Bold" charset="0"/>
+                <a:ea typeface="Noteworthy Bold" charset="0"/>
+                <a:cs typeface="Noteworthy Bold" charset="0"/>
+                <a:sym typeface="Noteworthy Bold" charset="0"/>
+              </a:rPr>
               <a:t>Personalkosten</a:t>
             </a:r>
           </a:p>
           <a:p>
             <a:r>
-              <a:rPr lang="de-DE" sz="2500" dirty="0"/>
+              <a:rPr lang="de-DE" sz="2800" kern="1200" dirty="0" smtClean="0">
+                <a:solidFill>
+                  <a:srgbClr val="572E2D"/>
+                </a:solidFill>
+                <a:latin typeface="Noteworthy Bold" charset="0"/>
+                <a:ea typeface="Noteworthy Bold" charset="0"/>
+                <a:cs typeface="Noteworthy Bold" charset="0"/>
+                <a:sym typeface="Noteworthy Bold" charset="0"/>
+              </a:rPr>
               <a:t>Sonstige Kosten</a:t>
             </a:r>
           </a:p>
           <a:p>
             <a:r>
-              <a:rPr lang="de-DE" sz="2500" dirty="0"/>
+              <a:rPr lang="de-DE" sz="2800" kern="1200" dirty="0" smtClean="0">
+                <a:solidFill>
+                  <a:srgbClr val="572E2D"/>
+                </a:solidFill>
+                <a:latin typeface="Noteworthy Bold" charset="0"/>
+                <a:ea typeface="Noteworthy Bold" charset="0"/>
+                <a:cs typeface="Noteworthy Bold" charset="0"/>
+                <a:sym typeface="Noteworthy Bold" charset="0"/>
+              </a:rPr>
               <a:t>Gesamtkosten</a:t>
             </a:r>
           </a:p>
           <a:p>
             <a:r>
-              <a:rPr lang="de-DE" sz="2500" dirty="0"/>
+              <a:rPr lang="de-DE" sz="2800" kern="1200" dirty="0" smtClean="0">
+                <a:solidFill>
+                  <a:srgbClr val="572E2D"/>
+                </a:solidFill>
+                <a:latin typeface="Noteworthy Bold" charset="0"/>
+                <a:ea typeface="Noteworthy Bold" charset="0"/>
+                <a:cs typeface="Noteworthy Bold" charset="0"/>
+                <a:sym typeface="Noteworthy Bold" charset="0"/>
+              </a:rPr>
+              <a:t>Trend Strategischer Fit/Risiko</a:t>
+            </a:r>
+          </a:p>
+          <a:p>
+            <a:r>
+              <a:rPr lang="de-DE" sz="2800" kern="1200" dirty="0" smtClean="0">
+                <a:solidFill>
+                  <a:srgbClr val="572E2D"/>
+                </a:solidFill>
+                <a:latin typeface="Noteworthy Bold" charset="0"/>
+                <a:ea typeface="Noteworthy Bold" charset="0"/>
+                <a:cs typeface="Noteworthy Bold" charset="0"/>
+                <a:sym typeface="Noteworthy Bold" charset="0"/>
+              </a:rPr>
+              <a:t>Trend Kennzahlen</a:t>
+            </a:r>
+          </a:p>
+          <a:p>
+            <a:r>
+              <a:rPr lang="de-DE" sz="2800" kern="1200" dirty="0" smtClean="0">
+                <a:solidFill>
+                  <a:srgbClr val="572E2D"/>
+                </a:solidFill>
+                <a:latin typeface="Noteworthy Bold" charset="0"/>
+                <a:ea typeface="Noteworthy Bold" charset="0"/>
+                <a:cs typeface="Noteworthy Bold" charset="0"/>
+                <a:sym typeface="Noteworthy Bold" charset="0"/>
+              </a:rPr>
               <a:t>Fortschritt Personalkosten</a:t>
             </a:r>
           </a:p>
           <a:p>
             <a:r>
-              <a:rPr lang="de-DE" sz="2500" dirty="0"/>
+              <a:rPr lang="de-DE" sz="2800" kern="1200" dirty="0" smtClean="0">
+                <a:solidFill>
+                  <a:srgbClr val="572E2D"/>
+                </a:solidFill>
+                <a:latin typeface="Noteworthy Bold" charset="0"/>
+                <a:ea typeface="Noteworthy Bold" charset="0"/>
+                <a:cs typeface="Noteworthy Bold" charset="0"/>
+                <a:sym typeface="Noteworthy Bold" charset="0"/>
+              </a:rPr>
               <a:t>Fortschritt Sonstige Kosten</a:t>
             </a:r>
           </a:p>
           <a:p>
             <a:r>
-              <a:rPr lang="de-DE" sz="2500" dirty="0"/>
-              <a:t>Fortschritt Gesamtkosten</a:t>
-            </a:r>
-          </a:p>
-          <a:p>
-            <a:r>
-              <a:rPr lang="de-DE" sz="2500" dirty="0"/>
-              <a:t>Fortschritt Rolle(…)</a:t>
-            </a:r>
-          </a:p>
-          <a:p>
-            <a:r>
-              <a:rPr lang="de-DE" sz="2500" dirty="0"/>
-              <a:t>Fortschritt Kostenart(…)</a:t>
-            </a:r>
-          </a:p>
-          <a:p>
-            <a:endParaRPr lang="de-DE" sz="2500" dirty="0"/>
-          </a:p>
-          <a:p>
-            <a:r>
-              <a:rPr lang="de-DE" sz="2500" dirty="0"/>
+              <a:rPr lang="de-DE" sz="2800" kern="1200" dirty="0" smtClean="0">
+                <a:solidFill>
+                  <a:srgbClr val="572E2D"/>
+                </a:solidFill>
+                <a:latin typeface="Noteworthy Bold" charset="0"/>
+                <a:ea typeface="Noteworthy Bold" charset="0"/>
+                <a:cs typeface="Noteworthy Bold" charset="0"/>
+                <a:sym typeface="Noteworthy Bold" charset="0"/>
+              </a:rPr>
+              <a:t>Fortschritt Rolle(..)</a:t>
+            </a:r>
+          </a:p>
+          <a:p>
+            <a:r>
+              <a:rPr lang="de-DE" sz="2800" kern="1200" dirty="0" smtClean="0">
+                <a:solidFill>
+                  <a:srgbClr val="572E2D"/>
+                </a:solidFill>
+                <a:latin typeface="Noteworthy Bold" charset="0"/>
+                <a:ea typeface="Noteworthy Bold" charset="0"/>
+                <a:cs typeface="Noteworthy Bold" charset="0"/>
+                <a:sym typeface="Noteworthy Bold" charset="0"/>
+              </a:rPr>
+              <a:t>Fortschritt Kostenart(..)</a:t>
+            </a:r>
+          </a:p>
+          <a:p>
+            <a:r>
+              <a:rPr lang="de-DE" sz="2800" kern="1200" dirty="0" smtClean="0">
+                <a:solidFill>
+                  <a:srgbClr val="572E2D"/>
+                </a:solidFill>
+                <a:latin typeface="Noteworthy Bold" charset="0"/>
+                <a:ea typeface="Noteworthy Bold" charset="0"/>
+                <a:cs typeface="Noteworthy Bold" charset="0"/>
+                <a:sym typeface="Noteworthy Bold" charset="0"/>
+              </a:rPr>
               <a:t>Soll-Ist1 Personalkosten</a:t>
             </a:r>
           </a:p>
           <a:p>
-            <a:pPr defTabSz="481706">
-              <a:lnSpc>
-                <a:spcPts val="3688"/>
-              </a:lnSpc>
-              <a:defRPr/>
-            </a:pPr>
-            <a:r>
-              <a:rPr lang="de-DE" sz="2500" dirty="0"/>
+            <a:r>
+              <a:rPr lang="de-DE" sz="2800" kern="1200" dirty="0" smtClean="0">
+                <a:solidFill>
+                  <a:srgbClr val="572E2D"/>
+                </a:solidFill>
+                <a:latin typeface="Noteworthy Bold" charset="0"/>
+                <a:ea typeface="Noteworthy Bold" charset="0"/>
+                <a:cs typeface="Noteworthy Bold" charset="0"/>
+                <a:sym typeface="Noteworthy Bold" charset="0"/>
+              </a:rPr>
               <a:t>Soll-Ist2 Personalkosten</a:t>
             </a:r>
           </a:p>
           <a:p>
-            <a:endParaRPr lang="de-DE" sz="2500" dirty="0"/>
-          </a:p>
-          <a:p>
-            <a:r>
-              <a:rPr lang="de-DE" sz="2500" dirty="0"/>
+            <a:r>
+              <a:rPr lang="de-DE" sz="2800" kern="1200" dirty="0" smtClean="0">
+                <a:solidFill>
+                  <a:srgbClr val="572E2D"/>
+                </a:solidFill>
+                <a:latin typeface="Noteworthy Bold" charset="0"/>
+                <a:ea typeface="Noteworthy Bold" charset="0"/>
+                <a:cs typeface="Noteworthy Bold" charset="0"/>
+                <a:sym typeface="Noteworthy Bold" charset="0"/>
+              </a:rPr>
+              <a:t>Soll-Ist1C Personalkosten</a:t>
+            </a:r>
+          </a:p>
+          <a:p>
+            <a:r>
+              <a:rPr lang="de-DE" sz="2800" kern="1200" dirty="0" smtClean="0">
+                <a:solidFill>
+                  <a:srgbClr val="572E2D"/>
+                </a:solidFill>
+                <a:latin typeface="Noteworthy Bold" charset="0"/>
+                <a:ea typeface="Noteworthy Bold" charset="0"/>
+                <a:cs typeface="Noteworthy Bold" charset="0"/>
+                <a:sym typeface="Noteworthy Bold" charset="0"/>
+              </a:rPr>
+              <a:t>Soll-Ist2C Personalkosten</a:t>
+            </a:r>
+          </a:p>
+          <a:p>
+            <a:r>
+              <a:rPr lang="de-DE" sz="2800" kern="1200" dirty="0" smtClean="0">
+                <a:solidFill>
+                  <a:srgbClr val="572E2D"/>
+                </a:solidFill>
+                <a:latin typeface="Noteworthy Bold" charset="0"/>
+                <a:ea typeface="Noteworthy Bold" charset="0"/>
+                <a:cs typeface="Noteworthy Bold" charset="0"/>
+                <a:sym typeface="Noteworthy Bold" charset="0"/>
+              </a:rPr>
               <a:t>Soll-Ist1 Sonstige Kosten</a:t>
             </a:r>
           </a:p>
           <a:p>
-            <a:pPr defTabSz="481706">
-              <a:lnSpc>
-                <a:spcPts val="3688"/>
-              </a:lnSpc>
-              <a:defRPr/>
-            </a:pPr>
-            <a:r>
-              <a:rPr lang="de-DE" sz="2500" dirty="0"/>
+            <a:r>
+              <a:rPr lang="de-DE" sz="2800" kern="1200" dirty="0" smtClean="0">
+                <a:solidFill>
+                  <a:srgbClr val="572E2D"/>
+                </a:solidFill>
+                <a:latin typeface="Noteworthy Bold" charset="0"/>
+                <a:ea typeface="Noteworthy Bold" charset="0"/>
+                <a:cs typeface="Noteworthy Bold" charset="0"/>
+                <a:sym typeface="Noteworthy Bold" charset="0"/>
+              </a:rPr>
               <a:t>Soll-Ist2 Sonstige Kosten</a:t>
             </a:r>
           </a:p>
           <a:p>
-            <a:endParaRPr lang="de-DE" sz="2500" dirty="0"/>
-          </a:p>
-          <a:p>
-            <a:r>
-              <a:rPr lang="de-DE" sz="2500" dirty="0"/>
+            <a:r>
+              <a:rPr lang="de-DE" sz="2800" kern="1200" dirty="0" smtClean="0">
+                <a:solidFill>
+                  <a:srgbClr val="572E2D"/>
+                </a:solidFill>
+                <a:latin typeface="Noteworthy Bold" charset="0"/>
+                <a:ea typeface="Noteworthy Bold" charset="0"/>
+                <a:cs typeface="Noteworthy Bold" charset="0"/>
+                <a:sym typeface="Noteworthy Bold" charset="0"/>
+              </a:rPr>
+              <a:t>Soll-Ist1C Sonstige Kosten</a:t>
+            </a:r>
+          </a:p>
+          <a:p>
+            <a:r>
+              <a:rPr lang="de-DE" sz="2800" kern="1200" dirty="0" smtClean="0">
+                <a:solidFill>
+                  <a:srgbClr val="572E2D"/>
+                </a:solidFill>
+                <a:latin typeface="Noteworthy Bold" charset="0"/>
+                <a:ea typeface="Noteworthy Bold" charset="0"/>
+                <a:cs typeface="Noteworthy Bold" charset="0"/>
+                <a:sym typeface="Noteworthy Bold" charset="0"/>
+              </a:rPr>
+              <a:t>Soll-Ist2C Sonstige Kosten</a:t>
+            </a:r>
+          </a:p>
+          <a:p>
+            <a:r>
+              <a:rPr lang="de-DE" sz="2800" kern="1200" dirty="0" smtClean="0">
+                <a:solidFill>
+                  <a:srgbClr val="572E2D"/>
+                </a:solidFill>
+                <a:latin typeface="Noteworthy Bold" charset="0"/>
+                <a:ea typeface="Noteworthy Bold" charset="0"/>
+                <a:cs typeface="Noteworthy Bold" charset="0"/>
+                <a:sym typeface="Noteworthy Bold" charset="0"/>
+              </a:rPr>
               <a:t>Soll-Ist1 Gesamtkosten</a:t>
             </a:r>
           </a:p>
           <a:p>
-            <a:pPr defTabSz="481706">
-              <a:lnSpc>
-                <a:spcPts val="3688"/>
-              </a:lnSpc>
-              <a:defRPr/>
-            </a:pPr>
-            <a:r>
-              <a:rPr lang="de-DE" sz="2500" dirty="0"/>
+            <a:r>
+              <a:rPr lang="de-DE" sz="2800" kern="1200" dirty="0" smtClean="0">
+                <a:solidFill>
+                  <a:srgbClr val="572E2D"/>
+                </a:solidFill>
+                <a:latin typeface="Noteworthy Bold" charset="0"/>
+                <a:ea typeface="Noteworthy Bold" charset="0"/>
+                <a:cs typeface="Noteworthy Bold" charset="0"/>
+                <a:sym typeface="Noteworthy Bold" charset="0"/>
+              </a:rPr>
               <a:t>Soll-Ist2 Gesamtkosten</a:t>
             </a:r>
           </a:p>
           <a:p>
-            <a:endParaRPr lang="de-DE" sz="2500" dirty="0"/>
-          </a:p>
-          <a:p>
-            <a:r>
-              <a:rPr lang="de-DE" sz="2500" dirty="0"/>
-              <a:t>Soll-Ist1 Rolle (…)</a:t>
-            </a:r>
-          </a:p>
-          <a:p>
-            <a:pPr defTabSz="481706">
-              <a:lnSpc>
-                <a:spcPts val="3688"/>
-              </a:lnSpc>
-              <a:defRPr/>
-            </a:pPr>
-            <a:r>
-              <a:rPr lang="de-DE" sz="2500" dirty="0"/>
-              <a:t>Soll-Ist2 Rolle (…)</a:t>
-            </a:r>
-          </a:p>
-          <a:p>
-            <a:endParaRPr lang="de-DE" sz="2500" dirty="0"/>
-          </a:p>
-          <a:p>
-            <a:r>
-              <a:rPr lang="de-DE" sz="2500" dirty="0"/>
-              <a:t>Soll-Ist1 Kostenart (…)</a:t>
-            </a:r>
-          </a:p>
-          <a:p>
-            <a:pPr defTabSz="481706">
-              <a:lnSpc>
-                <a:spcPts val="3688"/>
-              </a:lnSpc>
-              <a:defRPr/>
-            </a:pPr>
-            <a:r>
-              <a:rPr lang="de-DE" sz="2500" dirty="0"/>
-              <a:t>Soll-Ist2 Kostenart (…)</a:t>
-            </a:r>
-          </a:p>
-          <a:p>
-            <a:endParaRPr lang="de-DE" sz="2500" dirty="0"/>
-          </a:p>
-          <a:p>
-            <a:r>
-              <a:rPr lang="de-DE" sz="2500" dirty="0"/>
+            <a:r>
+              <a:rPr lang="de-DE" sz="2800" kern="1200" dirty="0" smtClean="0">
+                <a:solidFill>
+                  <a:srgbClr val="572E2D"/>
+                </a:solidFill>
+                <a:latin typeface="Noteworthy Bold" charset="0"/>
+                <a:ea typeface="Noteworthy Bold" charset="0"/>
+                <a:cs typeface="Noteworthy Bold" charset="0"/>
+                <a:sym typeface="Noteworthy Bold" charset="0"/>
+              </a:rPr>
+              <a:t>Soll-Ist1C Gesamtkosten</a:t>
+            </a:r>
+          </a:p>
+          <a:p>
+            <a:r>
+              <a:rPr lang="de-DE" sz="2800" kern="1200" dirty="0" smtClean="0">
+                <a:solidFill>
+                  <a:srgbClr val="572E2D"/>
+                </a:solidFill>
+                <a:latin typeface="Noteworthy Bold" charset="0"/>
+                <a:ea typeface="Noteworthy Bold" charset="0"/>
+                <a:cs typeface="Noteworthy Bold" charset="0"/>
+                <a:sym typeface="Noteworthy Bold" charset="0"/>
+              </a:rPr>
+              <a:t>Soll-Ist2C Gesamtkosten</a:t>
+            </a:r>
+          </a:p>
+          <a:p>
+            <a:r>
+              <a:rPr lang="de-DE" sz="2800" kern="1200" dirty="0" smtClean="0">
+                <a:solidFill>
+                  <a:srgbClr val="572E2D"/>
+                </a:solidFill>
+                <a:latin typeface="Noteworthy Bold" charset="0"/>
+                <a:ea typeface="Noteworthy Bold" charset="0"/>
+                <a:cs typeface="Noteworthy Bold" charset="0"/>
+                <a:sym typeface="Noteworthy Bold" charset="0"/>
+              </a:rPr>
+              <a:t>Soll-Ist1 Rolle</a:t>
+            </a:r>
+          </a:p>
+          <a:p>
+            <a:r>
+              <a:rPr lang="de-DE" sz="2800" kern="1200" dirty="0" smtClean="0">
+                <a:solidFill>
+                  <a:srgbClr val="572E2D"/>
+                </a:solidFill>
+                <a:latin typeface="Noteworthy Bold" charset="0"/>
+                <a:ea typeface="Noteworthy Bold" charset="0"/>
+                <a:cs typeface="Noteworthy Bold" charset="0"/>
+                <a:sym typeface="Noteworthy Bold" charset="0"/>
+              </a:rPr>
+              <a:t>Soll-Ist2 Rolle</a:t>
+            </a:r>
+          </a:p>
+          <a:p>
+            <a:r>
+              <a:rPr lang="de-DE" sz="2800" kern="1200" dirty="0" smtClean="0">
+                <a:solidFill>
+                  <a:srgbClr val="572E2D"/>
+                </a:solidFill>
+                <a:latin typeface="Noteworthy Bold" charset="0"/>
+                <a:ea typeface="Noteworthy Bold" charset="0"/>
+                <a:cs typeface="Noteworthy Bold" charset="0"/>
+                <a:sym typeface="Noteworthy Bold" charset="0"/>
+              </a:rPr>
+              <a:t>Soll-Ist1C Rolle</a:t>
+            </a:r>
+          </a:p>
+          <a:p>
+            <a:r>
+              <a:rPr lang="de-DE" sz="2800" kern="1200" dirty="0" smtClean="0">
+                <a:solidFill>
+                  <a:srgbClr val="572E2D"/>
+                </a:solidFill>
+                <a:latin typeface="Noteworthy Bold" charset="0"/>
+                <a:ea typeface="Noteworthy Bold" charset="0"/>
+                <a:cs typeface="Noteworthy Bold" charset="0"/>
+                <a:sym typeface="Noteworthy Bold" charset="0"/>
+              </a:rPr>
+              <a:t>Soll-Ist2C Rolle</a:t>
+            </a:r>
+          </a:p>
+          <a:p>
+            <a:r>
+              <a:rPr lang="de-DE" sz="2800" kern="1200" dirty="0" smtClean="0">
+                <a:solidFill>
+                  <a:srgbClr val="572E2D"/>
+                </a:solidFill>
+                <a:latin typeface="Noteworthy Bold" charset="0"/>
+                <a:ea typeface="Noteworthy Bold" charset="0"/>
+                <a:cs typeface="Noteworthy Bold" charset="0"/>
+                <a:sym typeface="Noteworthy Bold" charset="0"/>
+              </a:rPr>
+              <a:t>Soll-Ist1 Kostenart</a:t>
+            </a:r>
+          </a:p>
+          <a:p>
+            <a:r>
+              <a:rPr lang="de-DE" sz="2800" kern="1200" dirty="0" smtClean="0">
+                <a:solidFill>
+                  <a:srgbClr val="572E2D"/>
+                </a:solidFill>
+                <a:latin typeface="Noteworthy Bold" charset="0"/>
+                <a:ea typeface="Noteworthy Bold" charset="0"/>
+                <a:cs typeface="Noteworthy Bold" charset="0"/>
+                <a:sym typeface="Noteworthy Bold" charset="0"/>
+              </a:rPr>
+              <a:t>Soll-Ist2 Kostenart</a:t>
+            </a:r>
+          </a:p>
+          <a:p>
+            <a:r>
+              <a:rPr lang="de-DE" sz="2800" kern="1200" dirty="0" smtClean="0">
+                <a:solidFill>
+                  <a:srgbClr val="572E2D"/>
+                </a:solidFill>
+                <a:latin typeface="Noteworthy Bold" charset="0"/>
+                <a:ea typeface="Noteworthy Bold" charset="0"/>
+                <a:cs typeface="Noteworthy Bold" charset="0"/>
+                <a:sym typeface="Noteworthy Bold" charset="0"/>
+              </a:rPr>
+              <a:t>Soll-Ist1C Kostenart</a:t>
+            </a:r>
+          </a:p>
+          <a:p>
+            <a:r>
+              <a:rPr lang="de-DE" sz="2800" kern="1200" dirty="0" smtClean="0">
+                <a:solidFill>
+                  <a:srgbClr val="572E2D"/>
+                </a:solidFill>
+                <a:latin typeface="Noteworthy Bold" charset="0"/>
+                <a:ea typeface="Noteworthy Bold" charset="0"/>
+                <a:cs typeface="Noteworthy Bold" charset="0"/>
+                <a:sym typeface="Noteworthy Bold" charset="0"/>
+              </a:rPr>
+              <a:t>Soll-Ist2C Kostenart</a:t>
+            </a:r>
+          </a:p>
+          <a:p>
+            <a:r>
+              <a:rPr lang="de-DE" sz="2800" kern="1200" dirty="0" smtClean="0">
+                <a:solidFill>
+                  <a:srgbClr val="572E2D"/>
+                </a:solidFill>
+                <a:latin typeface="Noteworthy Bold" charset="0"/>
+                <a:ea typeface="Noteworthy Bold" charset="0"/>
+                <a:cs typeface="Noteworthy Bold" charset="0"/>
+                <a:sym typeface="Noteworthy Bold" charset="0"/>
+              </a:rPr>
               <a:t>Ampel-Farbe</a:t>
             </a:r>
           </a:p>
           <a:p>
             <a:r>
-              <a:rPr lang="de-DE" sz="2500" dirty="0"/>
+              <a:rPr lang="de-DE" sz="2800" kern="1200" dirty="0" smtClean="0">
+                <a:solidFill>
+                  <a:srgbClr val="572E2D"/>
+                </a:solidFill>
+                <a:latin typeface="Noteworthy Bold" charset="0"/>
+                <a:ea typeface="Noteworthy Bold" charset="0"/>
+                <a:cs typeface="Noteworthy Bold" charset="0"/>
+                <a:sym typeface="Noteworthy Bold" charset="0"/>
+              </a:rPr>
               <a:t>Beschreibung</a:t>
             </a:r>
           </a:p>
           <a:p>
             <a:r>
-              <a:rPr lang="de-DE" sz="2500" dirty="0"/>
+              <a:rPr lang="de-DE" sz="2800" kern="1200" dirty="0" smtClean="0">
+                <a:solidFill>
+                  <a:srgbClr val="572E2D"/>
+                </a:solidFill>
+                <a:latin typeface="Noteworthy Bold" charset="0"/>
+                <a:ea typeface="Noteworthy Bold" charset="0"/>
+                <a:cs typeface="Noteworthy Bold" charset="0"/>
+                <a:sym typeface="Noteworthy Bold" charset="0"/>
+              </a:rPr>
               <a:t>Stand:</a:t>
             </a:r>
           </a:p>
           <a:p>
             <a:r>
-              <a:rPr lang="de-DE" sz="2500" dirty="0"/>
+              <a:rPr lang="de-DE" sz="2800" kern="1200" dirty="0" smtClean="0">
+                <a:solidFill>
+                  <a:srgbClr val="572E2D"/>
+                </a:solidFill>
+                <a:latin typeface="Noteworthy Bold" charset="0"/>
+                <a:ea typeface="Noteworthy Bold" charset="0"/>
+                <a:cs typeface="Noteworthy Bold" charset="0"/>
+                <a:sym typeface="Noteworthy Bold" charset="0"/>
+              </a:rPr>
               <a:t>Laufzeit:</a:t>
             </a:r>
           </a:p>
           <a:p>
             <a:r>
-              <a:rPr lang="de-DE" sz="2500" dirty="0"/>
+              <a:rPr lang="de-DE" sz="2800" kern="1200" dirty="0" smtClean="0">
+                <a:solidFill>
+                  <a:srgbClr val="572E2D"/>
+                </a:solidFill>
+                <a:latin typeface="Noteworthy Bold" charset="0"/>
+                <a:ea typeface="Noteworthy Bold" charset="0"/>
+                <a:cs typeface="Noteworthy Bold" charset="0"/>
+                <a:sym typeface="Noteworthy Bold" charset="0"/>
+              </a:rPr>
               <a:t>Verantwortlich:</a:t>
             </a:r>
-            <a:endParaRPr lang="de-DE" dirty="0"/>
+          </a:p>
+          <a:p>
+            <a:endParaRPr lang="de-DE" sz="2800" kern="1200" dirty="0" smtClean="0">
+              <a:solidFill>
+                <a:srgbClr val="572E2D"/>
+              </a:solidFill>
+              <a:latin typeface="Noteworthy Bold" charset="0"/>
+              <a:ea typeface="Noteworthy Bold" charset="0"/>
+              <a:cs typeface="Noteworthy Bold" charset="0"/>
+              <a:sym typeface="Noteworthy Bold" charset="0"/>
+            </a:endParaRPr>
+          </a:p>
+          <a:p>
+            <a:r>
+              <a:rPr lang="de-DE" sz="2800" kern="1200" dirty="0" smtClean="0">
+                <a:solidFill>
+                  <a:srgbClr val="572E2D"/>
+                </a:solidFill>
+                <a:latin typeface="Noteworthy Bold" charset="0"/>
+                <a:ea typeface="Noteworthy Bold" charset="0"/>
+                <a:cs typeface="Noteworthy Bold" charset="0"/>
+                <a:sym typeface="Noteworthy Bold" charset="0"/>
+              </a:rPr>
+              <a:t>--------------------------------</a:t>
+            </a:r>
+          </a:p>
+          <a:p>
+            <a:endParaRPr lang="de-DE" sz="2800" kern="1200" dirty="0" smtClean="0">
+              <a:solidFill>
+                <a:srgbClr val="572E2D"/>
+              </a:solidFill>
+              <a:latin typeface="Noteworthy Bold" charset="0"/>
+              <a:ea typeface="Noteworthy Bold" charset="0"/>
+              <a:cs typeface="Noteworthy Bold" charset="0"/>
+              <a:sym typeface="Noteworthy Bold" charset="0"/>
+            </a:endParaRPr>
+          </a:p>
+          <a:p>
+            <a:r>
+              <a:rPr lang="de-DE" sz="2800" kern="1200" dirty="0" smtClean="0">
+                <a:solidFill>
+                  <a:srgbClr val="572E2D"/>
+                </a:solidFill>
+                <a:latin typeface="Noteworthy Bold" charset="0"/>
+                <a:ea typeface="Noteworthy Bold" charset="0"/>
+                <a:cs typeface="Noteworthy Bold" charset="0"/>
+                <a:sym typeface="Noteworthy Bold" charset="0"/>
+              </a:rPr>
+              <a:t>Phasen: </a:t>
+            </a:r>
+          </a:p>
+          <a:p>
+            <a:r>
+              <a:rPr lang="de-DE" sz="2400" b="0" i="0" u="none" strike="noStrike" kern="1200" dirty="0" smtClean="0">
+                <a:solidFill>
+                  <a:srgbClr val="572E2D"/>
+                </a:solidFill>
+                <a:effectLst/>
+                <a:latin typeface="Noteworthy Bold" charset="0"/>
+                <a:ea typeface="Noteworthy Bold" charset="0"/>
+                <a:cs typeface="Noteworthy Bold" charset="0"/>
+                <a:sym typeface="Noteworthy Bold" charset="0"/>
+              </a:rPr>
+              <a:t>Business Case</a:t>
+            </a:r>
+            <a:endParaRPr lang="de-DE" sz="2800" dirty="0" smtClean="0"/>
+          </a:p>
+          <a:p>
+            <a:r>
+              <a:rPr lang="de-DE" sz="2400" b="0" i="0" u="none" strike="noStrike" kern="1200" dirty="0" smtClean="0">
+                <a:solidFill>
+                  <a:srgbClr val="572E2D"/>
+                </a:solidFill>
+                <a:effectLst/>
+                <a:latin typeface="Noteworthy Bold" charset="0"/>
+                <a:ea typeface="Noteworthy Bold" charset="0"/>
+                <a:cs typeface="Noteworthy Bold" charset="0"/>
+                <a:sym typeface="Noteworthy Bold" charset="0"/>
+              </a:rPr>
+              <a:t>Konzept</a:t>
+            </a:r>
+            <a:endParaRPr lang="de-DE" sz="2800" dirty="0" smtClean="0"/>
+          </a:p>
+          <a:p>
+            <a:r>
+              <a:rPr lang="de-DE" sz="2400" b="0" i="0" u="none" strike="noStrike" kern="1200" dirty="0" smtClean="0">
+                <a:solidFill>
+                  <a:srgbClr val="572E2D"/>
+                </a:solidFill>
+                <a:effectLst/>
+                <a:latin typeface="Noteworthy Bold" charset="0"/>
+                <a:ea typeface="Noteworthy Bold" charset="0"/>
+                <a:cs typeface="Noteworthy Bold" charset="0"/>
+                <a:sym typeface="Noteworthy Bold" charset="0"/>
+              </a:rPr>
+              <a:t>Entwicklung</a:t>
+            </a:r>
+            <a:endParaRPr lang="de-DE" sz="2800" dirty="0" smtClean="0"/>
+          </a:p>
+          <a:p>
+            <a:r>
+              <a:rPr lang="de-DE" sz="2400" b="0" i="0" u="none" strike="noStrike" kern="1200" dirty="0" smtClean="0">
+                <a:solidFill>
+                  <a:srgbClr val="572E2D"/>
+                </a:solidFill>
+                <a:effectLst/>
+                <a:latin typeface="Noteworthy Bold" charset="0"/>
+                <a:ea typeface="Noteworthy Bold" charset="0"/>
+                <a:cs typeface="Noteworthy Bold" charset="0"/>
+                <a:sym typeface="Noteworthy Bold" charset="0"/>
+              </a:rPr>
+              <a:t>Prototyp</a:t>
+            </a:r>
+            <a:endParaRPr lang="de-DE" sz="2800" dirty="0" smtClean="0"/>
+          </a:p>
+          <a:p>
+            <a:r>
+              <a:rPr lang="de-DE" sz="2400" b="0" i="0" u="none" strike="noStrike" kern="1200" dirty="0" smtClean="0">
+                <a:solidFill>
+                  <a:srgbClr val="572E2D"/>
+                </a:solidFill>
+                <a:effectLst/>
+                <a:latin typeface="Noteworthy Bold" charset="0"/>
+                <a:ea typeface="Noteworthy Bold" charset="0"/>
+                <a:cs typeface="Noteworthy Bold" charset="0"/>
+                <a:sym typeface="Noteworthy Bold" charset="0"/>
+              </a:rPr>
+              <a:t>Test</a:t>
+            </a:r>
+            <a:endParaRPr lang="de-DE" sz="2800" dirty="0" smtClean="0"/>
+          </a:p>
+          <a:p>
+            <a:r>
+              <a:rPr lang="de-DE" sz="2400" b="0" i="0" u="none" strike="noStrike" kern="1200" dirty="0" smtClean="0">
+                <a:solidFill>
+                  <a:srgbClr val="572E2D"/>
+                </a:solidFill>
+                <a:effectLst/>
+                <a:latin typeface="Noteworthy Bold" charset="0"/>
+                <a:ea typeface="Noteworthy Bold" charset="0"/>
+                <a:cs typeface="Noteworthy Bold" charset="0"/>
+                <a:sym typeface="Noteworthy Bold" charset="0"/>
+              </a:rPr>
+              <a:t>Rollout</a:t>
+            </a:r>
+          </a:p>
+          <a:p>
+            <a:endParaRPr lang="de-DE" sz="2400" b="0" i="0" u="none" strike="noStrike" kern="1200" dirty="0" smtClean="0">
+              <a:solidFill>
+                <a:srgbClr val="572E2D"/>
+              </a:solidFill>
+              <a:effectLst/>
+              <a:latin typeface="Noteworthy Bold" charset="0"/>
+              <a:sym typeface="Noteworthy Bold" charset="0"/>
+            </a:endParaRPr>
+          </a:p>
+          <a:p>
+            <a:r>
+              <a:rPr lang="de-DE" sz="2400" b="0" i="0" u="none" strike="noStrike" kern="1200" dirty="0" smtClean="0">
+                <a:solidFill>
+                  <a:srgbClr val="572E2D"/>
+                </a:solidFill>
+                <a:effectLst/>
+                <a:latin typeface="Noteworthy Bold" charset="0"/>
+                <a:sym typeface="Noteworthy Bold" charset="0"/>
+              </a:rPr>
+              <a:t>Meilensteine: </a:t>
+            </a:r>
+          </a:p>
+          <a:p>
+            <a:r>
+              <a:rPr lang="de-DE" sz="2400" b="0" i="0" u="none" strike="noStrike" kern="1200" dirty="0" smtClean="0">
+                <a:solidFill>
+                  <a:srgbClr val="572E2D"/>
+                </a:solidFill>
+                <a:effectLst/>
+                <a:latin typeface="Noteworthy Bold" charset="0"/>
+                <a:ea typeface="Noteworthy Bold" charset="0"/>
+                <a:cs typeface="Noteworthy Bold" charset="0"/>
+                <a:sym typeface="Noteworthy Bold" charset="0"/>
+              </a:rPr>
+              <a:t>Projektskizze</a:t>
+            </a:r>
+          </a:p>
+          <a:p>
+            <a:r>
+              <a:rPr lang="de-DE" sz="2400" b="0" i="0" u="none" strike="noStrike" kern="1200" dirty="0" smtClean="0">
+                <a:solidFill>
+                  <a:srgbClr val="572E2D"/>
+                </a:solidFill>
+                <a:effectLst/>
+                <a:latin typeface="Noteworthy Bold" charset="0"/>
+                <a:ea typeface="Noteworthy Bold" charset="0"/>
+                <a:cs typeface="Noteworthy Bold" charset="0"/>
+                <a:sym typeface="Noteworthy Bold" charset="0"/>
+              </a:rPr>
+              <a:t>Kosten-/Nutzen Analyse</a:t>
+            </a:r>
+          </a:p>
+          <a:p>
+            <a:r>
+              <a:rPr lang="de-DE" sz="2400" b="0" i="0" u="none" strike="noStrike" kern="1200" dirty="0" smtClean="0">
+                <a:solidFill>
+                  <a:srgbClr val="572E2D"/>
+                </a:solidFill>
+                <a:effectLst/>
+                <a:latin typeface="Noteworthy Bold" charset="0"/>
+                <a:ea typeface="Noteworthy Bold" charset="0"/>
+                <a:cs typeface="Noteworthy Bold" charset="0"/>
+                <a:sym typeface="Noteworthy Bold" charset="0"/>
+              </a:rPr>
+              <a:t>Wettbewerbsanalyse</a:t>
+            </a:r>
+          </a:p>
+          <a:p>
+            <a:r>
+              <a:rPr lang="de-DE" sz="2400" b="0" i="0" u="none" strike="noStrike" kern="1200" dirty="0" smtClean="0">
+                <a:solidFill>
+                  <a:srgbClr val="572E2D"/>
+                </a:solidFill>
+                <a:effectLst/>
+                <a:latin typeface="Noteworthy Bold" charset="0"/>
+                <a:ea typeface="Noteworthy Bold" charset="0"/>
+                <a:cs typeface="Noteworthy Bold" charset="0"/>
+                <a:sym typeface="Noteworthy Bold" charset="0"/>
+              </a:rPr>
+              <a:t>Analyse Marktpotential</a:t>
+            </a:r>
+          </a:p>
+          <a:p>
+            <a:r>
+              <a:rPr lang="de-DE" sz="2400" b="0" i="0" u="none" strike="noStrike" kern="1200" dirty="0" smtClean="0">
+                <a:solidFill>
+                  <a:srgbClr val="572E2D"/>
+                </a:solidFill>
+                <a:effectLst/>
+                <a:latin typeface="Noteworthy Bold" charset="0"/>
+                <a:ea typeface="Noteworthy Bold" charset="0"/>
+                <a:cs typeface="Noteworthy Bold" charset="0"/>
+                <a:sym typeface="Noteworthy Bold" charset="0"/>
+              </a:rPr>
+              <a:t>Grob-Konzept</a:t>
+            </a:r>
+          </a:p>
+          <a:p>
+            <a:r>
+              <a:rPr lang="de-DE" sz="2400" b="0" i="0" u="none" strike="noStrike" kern="1200" dirty="0" smtClean="0">
+                <a:solidFill>
+                  <a:srgbClr val="572E2D"/>
+                </a:solidFill>
+                <a:effectLst/>
+                <a:latin typeface="Noteworthy Bold" charset="0"/>
+                <a:ea typeface="Noteworthy Bold" charset="0"/>
+                <a:cs typeface="Noteworthy Bold" charset="0"/>
+                <a:sym typeface="Noteworthy Bold" charset="0"/>
+              </a:rPr>
+              <a:t>Liste der erfolgskritischen Merkmale</a:t>
+            </a:r>
+          </a:p>
+          <a:p>
+            <a:r>
+              <a:rPr lang="de-DE" sz="2400" b="0" i="0" u="none" strike="noStrike" kern="1200" dirty="0" smtClean="0">
+                <a:solidFill>
+                  <a:srgbClr val="572E2D"/>
+                </a:solidFill>
+                <a:effectLst/>
+                <a:latin typeface="Noteworthy Bold" charset="0"/>
+                <a:ea typeface="Noteworthy Bold" charset="0"/>
+                <a:cs typeface="Noteworthy Bold" charset="0"/>
+                <a:sym typeface="Noteworthy Bold" charset="0"/>
+              </a:rPr>
+              <a:t>Anbieter Shortlist</a:t>
+            </a:r>
+          </a:p>
+          <a:p>
+            <a:r>
+              <a:rPr lang="de-DE" sz="2400" b="0" i="0" u="none" strike="noStrike" kern="1200" dirty="0" smtClean="0">
+                <a:solidFill>
+                  <a:srgbClr val="572E2D"/>
+                </a:solidFill>
+                <a:effectLst/>
+                <a:latin typeface="Noteworthy Bold" charset="0"/>
+                <a:ea typeface="Noteworthy Bold" charset="0"/>
+                <a:cs typeface="Noteworthy Bold" charset="0"/>
+                <a:sym typeface="Noteworthy Bold" charset="0"/>
+              </a:rPr>
+              <a:t>Benchmark Dokumentation</a:t>
+            </a:r>
+          </a:p>
+          <a:p>
+            <a:r>
+              <a:rPr lang="de-DE" sz="2400" b="0" i="0" u="none" strike="noStrike" kern="1200" dirty="0" smtClean="0">
+                <a:solidFill>
+                  <a:srgbClr val="572E2D"/>
+                </a:solidFill>
+                <a:effectLst/>
+                <a:latin typeface="Noteworthy Bold" charset="0"/>
+                <a:ea typeface="Noteworthy Bold" charset="0"/>
+                <a:cs typeface="Noteworthy Bold" charset="0"/>
+                <a:sym typeface="Noteworthy Bold" charset="0"/>
+              </a:rPr>
+              <a:t>Empfehlung Anbieter</a:t>
+            </a:r>
+          </a:p>
+          <a:p>
+            <a:r>
+              <a:rPr lang="de-DE" sz="2400" b="0" i="0" u="none" strike="noStrike" kern="1200" dirty="0" err="1" smtClean="0">
+                <a:solidFill>
+                  <a:srgbClr val="572E2D"/>
+                </a:solidFill>
+                <a:effectLst/>
+                <a:latin typeface="Noteworthy Bold" charset="0"/>
+                <a:ea typeface="Noteworthy Bold" charset="0"/>
+                <a:cs typeface="Noteworthy Bold" charset="0"/>
+                <a:sym typeface="Noteworthy Bold" charset="0"/>
+              </a:rPr>
+              <a:t>Use</a:t>
+            </a:r>
+            <a:r>
+              <a:rPr lang="de-DE" sz="2400" b="0" i="0" u="none" strike="noStrike" kern="1200" dirty="0" smtClean="0">
+                <a:solidFill>
+                  <a:srgbClr val="572E2D"/>
+                </a:solidFill>
+                <a:effectLst/>
+                <a:latin typeface="Noteworthy Bold" charset="0"/>
+                <a:ea typeface="Noteworthy Bold" charset="0"/>
+                <a:cs typeface="Noteworthy Bold" charset="0"/>
+                <a:sym typeface="Noteworthy Bold" charset="0"/>
+              </a:rPr>
+              <a:t> Cases</a:t>
+            </a:r>
+          </a:p>
+          <a:p>
+            <a:r>
+              <a:rPr lang="de-DE" sz="2400" b="0" i="0" u="none" strike="noStrike" kern="1200" dirty="0" smtClean="0">
+                <a:solidFill>
+                  <a:srgbClr val="572E2D"/>
+                </a:solidFill>
+                <a:effectLst/>
+                <a:latin typeface="Noteworthy Bold" charset="0"/>
+                <a:ea typeface="Noteworthy Bold" charset="0"/>
+                <a:cs typeface="Noteworthy Bold" charset="0"/>
+                <a:sym typeface="Noteworthy Bold" charset="0"/>
+              </a:rPr>
+              <a:t>Architektur Dokument</a:t>
+            </a:r>
+          </a:p>
+          <a:p>
+            <a:r>
+              <a:rPr lang="de-DE" sz="2400" b="0" i="0" u="none" strike="noStrike" kern="1200" dirty="0" smtClean="0">
+                <a:solidFill>
+                  <a:srgbClr val="572E2D"/>
+                </a:solidFill>
+                <a:effectLst/>
+                <a:latin typeface="Noteworthy Bold" charset="0"/>
+                <a:ea typeface="Noteworthy Bold" charset="0"/>
+                <a:cs typeface="Noteworthy Bold" charset="0"/>
+                <a:sym typeface="Noteworthy Bold" charset="0"/>
+              </a:rPr>
+              <a:t>Datenmodell</a:t>
+            </a:r>
+          </a:p>
+          <a:p>
+            <a:r>
+              <a:rPr lang="de-DE" sz="2400" b="0" i="0" u="none" strike="noStrike" kern="1200" dirty="0" smtClean="0">
+                <a:solidFill>
+                  <a:srgbClr val="572E2D"/>
+                </a:solidFill>
+                <a:effectLst/>
+                <a:latin typeface="Noteworthy Bold" charset="0"/>
+                <a:ea typeface="Noteworthy Bold" charset="0"/>
+                <a:cs typeface="Noteworthy Bold" charset="0"/>
+                <a:sym typeface="Noteworthy Bold" charset="0"/>
+              </a:rPr>
+              <a:t>Funktionsfähigkeit der erfolgskritischen Merkmale</a:t>
+            </a:r>
+          </a:p>
+          <a:p>
+            <a:r>
+              <a:rPr lang="de-DE" sz="2400" b="0" i="0" u="none" strike="noStrike" kern="1200" dirty="0" smtClean="0">
+                <a:solidFill>
+                  <a:srgbClr val="572E2D"/>
+                </a:solidFill>
+                <a:effectLst/>
+                <a:latin typeface="Noteworthy Bold" charset="0"/>
+                <a:ea typeface="Noteworthy Bold" charset="0"/>
+                <a:cs typeface="Noteworthy Bold" charset="0"/>
+                <a:sym typeface="Noteworthy Bold" charset="0"/>
+              </a:rPr>
+              <a:t>Testfall Dokumentation</a:t>
+            </a:r>
+          </a:p>
+          <a:p>
+            <a:r>
+              <a:rPr lang="de-DE" sz="2400" b="0" i="0" u="none" strike="noStrike" kern="1200" dirty="0" smtClean="0">
+                <a:solidFill>
+                  <a:srgbClr val="572E2D"/>
+                </a:solidFill>
+                <a:effectLst/>
+                <a:latin typeface="Noteworthy Bold" charset="0"/>
+                <a:ea typeface="Noteworthy Bold" charset="0"/>
+                <a:cs typeface="Noteworthy Bold" charset="0"/>
+                <a:sym typeface="Noteworthy Bold" charset="0"/>
+              </a:rPr>
+              <a:t>90% Muss-Testfälle erfolgreich</a:t>
+            </a:r>
+          </a:p>
+          <a:p>
+            <a:r>
+              <a:rPr lang="de-DE" sz="2400" b="0" i="0" u="none" strike="noStrike" kern="1200" dirty="0" smtClean="0">
+                <a:solidFill>
+                  <a:srgbClr val="572E2D"/>
+                </a:solidFill>
+                <a:effectLst/>
+                <a:latin typeface="Noteworthy Bold" charset="0"/>
+                <a:ea typeface="Noteworthy Bold" charset="0"/>
+                <a:cs typeface="Noteworthy Bold" charset="0"/>
+                <a:sym typeface="Noteworthy Bold" charset="0"/>
+              </a:rPr>
+              <a:t>Einführungsplan</a:t>
+            </a:r>
+            <a:r>
+              <a:rPr lang="de-DE" sz="3200" dirty="0" smtClean="0"/>
+              <a:t> </a:t>
+            </a:r>
+          </a:p>
+          <a:p>
+            <a:r>
+              <a:rPr lang="de-DE" sz="2400" b="0" i="0" u="none" strike="noStrike" kern="1200" dirty="0" smtClean="0">
+                <a:solidFill>
+                  <a:srgbClr val="572E2D"/>
+                </a:solidFill>
+                <a:effectLst/>
+                <a:latin typeface="Noteworthy Bold" charset="0"/>
+                <a:ea typeface="Noteworthy Bold" charset="0"/>
+                <a:cs typeface="Noteworthy Bold" charset="0"/>
+                <a:sym typeface="Noteworthy Bold" charset="0"/>
+              </a:rPr>
+              <a:t>70% Anwender-Abdeckung</a:t>
+            </a:r>
+            <a:r>
+              <a:rPr lang="de-DE" sz="3200" dirty="0" smtClean="0"/>
+              <a:t> </a:t>
+            </a:r>
+            <a:endParaRPr lang="de-DE" sz="2400" b="0" i="0" u="none" strike="noStrike" kern="1200" dirty="0" smtClean="0">
+              <a:solidFill>
+                <a:srgbClr val="572E2D"/>
+              </a:solidFill>
+              <a:effectLst/>
+              <a:latin typeface="Noteworthy Bold" charset="0"/>
+              <a:sym typeface="Noteworthy Bold" charset="0"/>
+            </a:endParaRPr>
+          </a:p>
+          <a:p>
+            <a:endParaRPr lang="de-DE" sz="2400" b="0" i="0" u="none" strike="noStrike" kern="1200" dirty="0" smtClean="0">
+              <a:solidFill>
+                <a:srgbClr val="572E2D"/>
+              </a:solidFill>
+              <a:effectLst/>
+              <a:latin typeface="Noteworthy Bold" charset="0"/>
+              <a:sym typeface="Noteworthy Bold" charset="0"/>
+            </a:endParaRPr>
+          </a:p>
+          <a:p>
+            <a:r>
+              <a:rPr lang="de-DE" sz="2400" b="0" i="0" u="none" strike="noStrike" kern="1200" dirty="0" smtClean="0">
+                <a:solidFill>
+                  <a:srgbClr val="572E2D"/>
+                </a:solidFill>
+                <a:effectLst/>
+                <a:latin typeface="Noteworthy Bold" charset="0"/>
+                <a:sym typeface="Noteworthy Bold" charset="0"/>
+              </a:rPr>
+              <a:t>Rollen: </a:t>
+            </a:r>
+          </a:p>
+          <a:p>
+            <a:r>
+              <a:rPr lang="de-DE" sz="2400" b="0" i="0" u="none" strike="noStrike" kern="1200" dirty="0" smtClean="0">
+                <a:solidFill>
+                  <a:srgbClr val="572E2D"/>
+                </a:solidFill>
+                <a:effectLst/>
+                <a:latin typeface="Noteworthy Bold" charset="0"/>
+                <a:ea typeface="Noteworthy Bold" charset="0"/>
+                <a:cs typeface="Noteworthy Bold" charset="0"/>
+                <a:sym typeface="Noteworthy Bold" charset="0"/>
+              </a:rPr>
+              <a:t>Projektleiter</a:t>
+            </a:r>
+            <a:endParaRPr lang="de-DE" sz="3200" dirty="0" smtClean="0"/>
+          </a:p>
+          <a:p>
+            <a:r>
+              <a:rPr lang="de-DE" sz="2400" b="0" i="0" u="none" strike="noStrike" kern="1200" dirty="0" smtClean="0">
+                <a:solidFill>
+                  <a:srgbClr val="572E2D"/>
+                </a:solidFill>
+                <a:effectLst/>
+                <a:latin typeface="Noteworthy Bold" charset="0"/>
+                <a:ea typeface="Noteworthy Bold" charset="0"/>
+                <a:cs typeface="Noteworthy Bold" charset="0"/>
+                <a:sym typeface="Noteworthy Bold" charset="0"/>
+              </a:rPr>
+              <a:t>GUI Spezialist</a:t>
+            </a:r>
+            <a:endParaRPr lang="de-DE" sz="3200" dirty="0" smtClean="0"/>
+          </a:p>
+          <a:p>
+            <a:r>
+              <a:rPr lang="de-DE" sz="2400" b="0" i="0" u="none" strike="noStrike" kern="1200" dirty="0" smtClean="0">
+                <a:solidFill>
+                  <a:srgbClr val="572E2D"/>
+                </a:solidFill>
+                <a:effectLst/>
+                <a:latin typeface="Noteworthy Bold" charset="0"/>
+                <a:ea typeface="Noteworthy Bold" charset="0"/>
+                <a:cs typeface="Noteworthy Bold" charset="0"/>
+                <a:sym typeface="Noteworthy Bold" charset="0"/>
+              </a:rPr>
+              <a:t>Analyst</a:t>
+            </a:r>
+            <a:r>
+              <a:rPr lang="de-DE" sz="3200" dirty="0" smtClean="0"/>
+              <a:t> </a:t>
+            </a:r>
+            <a:r>
+              <a:rPr lang="de-DE" sz="2400" b="0" i="0" u="none" strike="noStrike" kern="1200" dirty="0" smtClean="0">
+                <a:solidFill>
+                  <a:srgbClr val="572E2D"/>
+                </a:solidFill>
+                <a:effectLst/>
+                <a:latin typeface="Noteworthy Bold" charset="0"/>
+                <a:ea typeface="Noteworthy Bold" charset="0"/>
+                <a:cs typeface="Noteworthy Bold" charset="0"/>
+                <a:sym typeface="Noteworthy Bold" charset="0"/>
+              </a:rPr>
+              <a:t>Architekt</a:t>
+            </a:r>
+            <a:endParaRPr lang="de-DE" sz="3200" dirty="0" smtClean="0"/>
+          </a:p>
+          <a:p>
+            <a:r>
+              <a:rPr lang="de-DE" sz="2400" b="0" i="0" u="none" strike="noStrike" kern="1200" dirty="0" smtClean="0">
+                <a:solidFill>
+                  <a:srgbClr val="572E2D"/>
+                </a:solidFill>
+                <a:effectLst/>
+                <a:latin typeface="Noteworthy Bold" charset="0"/>
+                <a:ea typeface="Noteworthy Bold" charset="0"/>
+                <a:cs typeface="Noteworthy Bold" charset="0"/>
+                <a:sym typeface="Noteworthy Bold" charset="0"/>
+              </a:rPr>
+              <a:t>Entwickler</a:t>
+            </a:r>
+            <a:endParaRPr lang="de-DE" sz="3200" dirty="0" smtClean="0"/>
+          </a:p>
+          <a:p>
+            <a:r>
+              <a:rPr lang="de-DE" sz="2400" b="0" i="0" u="none" strike="noStrike" kern="1200" dirty="0" smtClean="0">
+                <a:solidFill>
+                  <a:srgbClr val="572E2D"/>
+                </a:solidFill>
+                <a:effectLst/>
+                <a:latin typeface="Noteworthy Bold" charset="0"/>
+                <a:ea typeface="Noteworthy Bold" charset="0"/>
+                <a:cs typeface="Noteworthy Bold" charset="0"/>
+                <a:sym typeface="Noteworthy Bold" charset="0"/>
+              </a:rPr>
+              <a:t>Tester</a:t>
+            </a:r>
+            <a:endParaRPr lang="de-DE" sz="2400" b="0" i="0" u="none" strike="noStrike" kern="1200" dirty="0" smtClean="0">
+              <a:solidFill>
+                <a:srgbClr val="572E2D"/>
+              </a:solidFill>
+              <a:effectLst/>
+              <a:latin typeface="Noteworthy Bold" charset="0"/>
+              <a:sym typeface="Noteworthy Bold" charset="0"/>
+            </a:endParaRPr>
+          </a:p>
+          <a:p>
+            <a:endParaRPr lang="de-DE" sz="2400" b="0" i="0" u="none" strike="noStrike" kern="1200" dirty="0" smtClean="0">
+              <a:solidFill>
+                <a:srgbClr val="572E2D"/>
+              </a:solidFill>
+              <a:effectLst/>
+              <a:latin typeface="Noteworthy Bold" charset="0"/>
+              <a:sym typeface="Noteworthy Bold" charset="0"/>
+            </a:endParaRPr>
+          </a:p>
+          <a:p>
+            <a:r>
+              <a:rPr lang="de-DE" sz="2400" b="0" i="0" u="none" strike="noStrike" kern="1200" dirty="0" smtClean="0">
+                <a:solidFill>
+                  <a:srgbClr val="572E2D"/>
+                </a:solidFill>
+                <a:effectLst/>
+                <a:latin typeface="Noteworthy Bold" charset="0"/>
+                <a:sym typeface="Noteworthy Bold" charset="0"/>
+              </a:rPr>
+              <a:t>Kostenarten: </a:t>
+            </a:r>
+          </a:p>
+          <a:p>
+            <a:r>
+              <a:rPr lang="de-DE" sz="2400" b="0" i="0" u="none" strike="noStrike" kern="1200" dirty="0" smtClean="0">
+                <a:solidFill>
+                  <a:srgbClr val="572E2D"/>
+                </a:solidFill>
+                <a:effectLst/>
+                <a:latin typeface="Noteworthy Bold" charset="0"/>
+                <a:ea typeface="Noteworthy Bold" charset="0"/>
+                <a:cs typeface="Noteworthy Bold" charset="0"/>
+                <a:sym typeface="Noteworthy Bold" charset="0"/>
+              </a:rPr>
+              <a:t>IT-Kosten</a:t>
+            </a:r>
+            <a:endParaRPr lang="de-DE" sz="3200" dirty="0" smtClean="0"/>
+          </a:p>
+          <a:p>
+            <a:r>
+              <a:rPr lang="de-DE" sz="2400" b="0" i="0" u="none" strike="noStrike" kern="1200" dirty="0" smtClean="0">
+                <a:solidFill>
+                  <a:srgbClr val="572E2D"/>
+                </a:solidFill>
+                <a:effectLst/>
+                <a:latin typeface="Noteworthy Bold" charset="0"/>
+                <a:ea typeface="Noteworthy Bold" charset="0"/>
+                <a:cs typeface="Noteworthy Bold" charset="0"/>
+                <a:sym typeface="Noteworthy Bold" charset="0"/>
+              </a:rPr>
+              <a:t>Reise-Kosten</a:t>
+            </a:r>
+          </a:p>
+          <a:p>
+            <a:r>
+              <a:rPr lang="de-DE" sz="2400" b="0" i="0" u="none" strike="noStrike" kern="1200" dirty="0" smtClean="0">
+                <a:solidFill>
+                  <a:srgbClr val="572E2D"/>
+                </a:solidFill>
+                <a:effectLst/>
+                <a:latin typeface="Noteworthy Bold" charset="0"/>
+                <a:ea typeface="Noteworthy Bold" charset="0"/>
+                <a:cs typeface="Noteworthy Bold" charset="0"/>
+                <a:sym typeface="Noteworthy Bold" charset="0"/>
+              </a:rPr>
+              <a:t>Trainings-Kosten</a:t>
+            </a:r>
+            <a:r>
+              <a:rPr lang="de-DE" sz="3200" dirty="0" smtClean="0"/>
+              <a:t> </a:t>
+            </a:r>
+            <a:endParaRPr lang="de-DE" sz="2400" b="0" i="0" u="none" strike="noStrike" kern="1200" dirty="0" smtClean="0">
+              <a:solidFill>
+                <a:srgbClr val="572E2D"/>
+              </a:solidFill>
+              <a:effectLst/>
+              <a:latin typeface="Noteworthy Bold" charset="0"/>
+              <a:sym typeface="Noteworthy Bold" charset="0"/>
+            </a:endParaRPr>
+          </a:p>
+          <a:p>
+            <a:r>
+              <a:rPr lang="de-DE" sz="2800" dirty="0" smtClean="0"/>
+              <a:t> </a:t>
+            </a:r>
+            <a:endParaRPr lang="de-DE" sz="2800" kern="1200" dirty="0" smtClean="0">
+              <a:solidFill>
+                <a:srgbClr val="572E2D"/>
+              </a:solidFill>
+              <a:latin typeface="Noteworthy Bold" charset="0"/>
+              <a:ea typeface="Noteworthy Bold" charset="0"/>
+              <a:cs typeface="Noteworthy Bold" charset="0"/>
+              <a:sym typeface="Noteworthy Bold" charset="0"/>
+            </a:endParaRPr>
           </a:p>
         </p:txBody>
       </p:sp>
@@ -1088,220 +3404,1378 @@
           <a:lstStyle/>
           <a:p>
             <a:r>
-              <a:rPr lang="de-DE" sz="2500" dirty="0"/>
+              <a:rPr lang="de-DE" sz="2800" kern="1200" dirty="0" smtClean="0">
+                <a:solidFill>
+                  <a:srgbClr val="572E2D"/>
+                </a:solidFill>
+                <a:latin typeface="Noteworthy Bold" charset="0"/>
+                <a:ea typeface="Noteworthy Bold" charset="0"/>
+                <a:cs typeface="Noteworthy Bold" charset="0"/>
+                <a:sym typeface="Noteworthy Bold" charset="0"/>
+              </a:rPr>
               <a:t>Projekt-Name</a:t>
             </a:r>
           </a:p>
           <a:p>
             <a:r>
-              <a:rPr lang="de-DE" sz="2500" dirty="0"/>
+              <a:rPr lang="de-DE" sz="2800" kern="1200" dirty="0" smtClean="0">
+                <a:solidFill>
+                  <a:srgbClr val="572E2D"/>
+                </a:solidFill>
+                <a:latin typeface="Noteworthy Bold" charset="0"/>
+                <a:ea typeface="Noteworthy Bold" charset="0"/>
+                <a:cs typeface="Noteworthy Bold" charset="0"/>
+                <a:sym typeface="Noteworthy Bold" charset="0"/>
+              </a:rPr>
+              <a:t>Soll-Ist &amp; Prognose</a:t>
+            </a:r>
+          </a:p>
+          <a:p>
+            <a:r>
+              <a:rPr lang="de-DE" sz="2800" kern="1200" dirty="0" smtClean="0">
+                <a:solidFill>
+                  <a:srgbClr val="572E2D"/>
+                </a:solidFill>
+                <a:latin typeface="Noteworthy Bold" charset="0"/>
+                <a:ea typeface="Noteworthy Bold" charset="0"/>
+                <a:cs typeface="Noteworthy Bold" charset="0"/>
+                <a:sym typeface="Noteworthy Bold" charset="0"/>
+              </a:rPr>
+              <a:t>Projekt-Grafik</a:t>
+            </a:r>
+          </a:p>
+          <a:p>
+            <a:r>
+              <a:rPr lang="de-DE" sz="2800" kern="1200" dirty="0" smtClean="0">
+                <a:solidFill>
+                  <a:srgbClr val="572E2D"/>
+                </a:solidFill>
+                <a:latin typeface="Noteworthy Bold" charset="0"/>
+                <a:ea typeface="Noteworthy Bold" charset="0"/>
+                <a:cs typeface="Noteworthy Bold" charset="0"/>
+                <a:sym typeface="Noteworthy Bold" charset="0"/>
+              </a:rPr>
+              <a:t>Meilenstein Trendanalyse</a:t>
+            </a:r>
+          </a:p>
+          <a:p>
+            <a:r>
+              <a:rPr lang="de-DE" sz="2800" kern="1200" dirty="0" smtClean="0">
+                <a:solidFill>
+                  <a:srgbClr val="572E2D"/>
+                </a:solidFill>
+                <a:latin typeface="Noteworthy Bold" charset="0"/>
+                <a:ea typeface="Noteworthy Bold" charset="0"/>
+                <a:cs typeface="Noteworthy Bold" charset="0"/>
+                <a:sym typeface="Noteworthy Bold" charset="0"/>
+              </a:rPr>
+              <a:t>Vergleich mit Beauftragung</a:t>
+            </a:r>
+          </a:p>
+          <a:p>
+            <a:r>
+              <a:rPr lang="de-DE" sz="2800" kern="1200" dirty="0" smtClean="0">
+                <a:solidFill>
+                  <a:srgbClr val="572E2D"/>
+                </a:solidFill>
+                <a:latin typeface="Noteworthy Bold" charset="0"/>
+                <a:ea typeface="Noteworthy Bold" charset="0"/>
+                <a:cs typeface="Noteworthy Bold" charset="0"/>
+                <a:sym typeface="Noteworthy Bold" charset="0"/>
+              </a:rPr>
+              <a:t>Vergleich mit letztem Stand</a:t>
+            </a:r>
+          </a:p>
+          <a:p>
+            <a:r>
+              <a:rPr lang="de-DE" sz="2800" kern="1200" dirty="0" smtClean="0">
+                <a:solidFill>
+                  <a:srgbClr val="572E2D"/>
+                </a:solidFill>
+                <a:latin typeface="Noteworthy Bold" charset="0"/>
+                <a:ea typeface="Noteworthy Bold" charset="0"/>
+                <a:cs typeface="Noteworthy Bold" charset="0"/>
+                <a:sym typeface="Noteworthy Bold" charset="0"/>
+              </a:rPr>
+              <a:t>Vergleich mit Vorlage</a:t>
+            </a:r>
+          </a:p>
+          <a:p>
+            <a:r>
+              <a:rPr lang="de-DE" sz="2800" kern="1200" dirty="0" smtClean="0">
+                <a:solidFill>
+                  <a:srgbClr val="572E2D"/>
+                </a:solidFill>
+                <a:latin typeface="Noteworthy Bold" charset="0"/>
+                <a:ea typeface="Noteworthy Bold" charset="0"/>
+                <a:cs typeface="Noteworthy Bold" charset="0"/>
+                <a:sym typeface="Noteworthy Bold" charset="0"/>
+              </a:rPr>
+              <a:t>Tabelle Projektziele</a:t>
+            </a:r>
+          </a:p>
+          <a:p>
+            <a:r>
+              <a:rPr lang="de-DE" sz="2800" kern="1200" dirty="0" smtClean="0">
+                <a:solidFill>
+                  <a:srgbClr val="572E2D"/>
+                </a:solidFill>
+                <a:latin typeface="Noteworthy Bold" charset="0"/>
+                <a:ea typeface="Noteworthy Bold" charset="0"/>
+                <a:cs typeface="Noteworthy Bold" charset="0"/>
+                <a:sym typeface="Noteworthy Bold" charset="0"/>
+              </a:rPr>
+              <a:t>Tabelle Projektstatus</a:t>
+            </a:r>
+          </a:p>
+          <a:p>
+            <a:r>
+              <a:rPr lang="de-DE" sz="2800" kern="1200" dirty="0" smtClean="0">
+                <a:solidFill>
+                  <a:srgbClr val="572E2D"/>
+                </a:solidFill>
+                <a:latin typeface="Noteworthy Bold" charset="0"/>
+                <a:ea typeface="Noteworthy Bold" charset="0"/>
+                <a:cs typeface="Noteworthy Bold" charset="0"/>
+                <a:sym typeface="Noteworthy Bold" charset="0"/>
+              </a:rPr>
+              <a:t>Tabelle Veränderungen</a:t>
+            </a:r>
+          </a:p>
+          <a:p>
+            <a:r>
+              <a:rPr lang="de-DE" sz="2800" kern="1200" dirty="0" smtClean="0">
+                <a:solidFill>
+                  <a:srgbClr val="572E2D"/>
+                </a:solidFill>
+                <a:latin typeface="Noteworthy Bold" charset="0"/>
+                <a:ea typeface="Noteworthy Bold" charset="0"/>
+                <a:cs typeface="Noteworthy Bold" charset="0"/>
+                <a:sym typeface="Noteworthy Bold" charset="0"/>
+              </a:rPr>
+              <a:t>Tabelle Vergleich letzter Stand</a:t>
+            </a:r>
+          </a:p>
+          <a:p>
+            <a:r>
+              <a:rPr lang="de-DE" sz="2800" kern="1200" dirty="0" smtClean="0">
+                <a:solidFill>
+                  <a:srgbClr val="572E2D"/>
+                </a:solidFill>
+                <a:latin typeface="Noteworthy Bold" charset="0"/>
+                <a:ea typeface="Noteworthy Bold" charset="0"/>
+                <a:cs typeface="Noteworthy Bold" charset="0"/>
+                <a:sym typeface="Noteworthy Bold" charset="0"/>
+              </a:rPr>
+              <a:t>Tabelle Vergleich Beauftragung</a:t>
+            </a:r>
+          </a:p>
+          <a:p>
+            <a:r>
+              <a:rPr lang="de-DE" sz="2800" kern="1200" dirty="0" smtClean="0">
+                <a:solidFill>
+                  <a:srgbClr val="572E2D"/>
+                </a:solidFill>
+                <a:latin typeface="Noteworthy Bold" charset="0"/>
+                <a:ea typeface="Noteworthy Bold" charset="0"/>
+                <a:cs typeface="Noteworthy Bold" charset="0"/>
+                <a:sym typeface="Noteworthy Bold" charset="0"/>
+              </a:rPr>
               <a:t>Ergebnis</a:t>
             </a:r>
           </a:p>
           <a:p>
             <a:r>
-              <a:rPr lang="de-DE" sz="2500" dirty="0"/>
+              <a:rPr lang="de-DE" sz="2800" kern="1200" dirty="0" smtClean="0">
+                <a:solidFill>
+                  <a:srgbClr val="572E2D"/>
+                </a:solidFill>
+                <a:latin typeface="Noteworthy Bold" charset="0"/>
+                <a:ea typeface="Noteworthy Bold" charset="0"/>
+                <a:cs typeface="Noteworthy Bold" charset="0"/>
+                <a:sym typeface="Noteworthy Bold" charset="0"/>
+              </a:rPr>
               <a:t>Strategie/Risiko</a:t>
             </a:r>
           </a:p>
           <a:p>
             <a:r>
-              <a:rPr lang="de-DE" sz="2500" dirty="0"/>
+              <a:rPr lang="de-DE" sz="2800" kern="1200" dirty="0" smtClean="0">
+                <a:solidFill>
+                  <a:srgbClr val="572E2D"/>
+                </a:solidFill>
+                <a:latin typeface="Noteworthy Bold" charset="0"/>
+                <a:ea typeface="Noteworthy Bold" charset="0"/>
+                <a:cs typeface="Noteworthy Bold" charset="0"/>
+                <a:sym typeface="Noteworthy Bold" charset="0"/>
+              </a:rPr>
               <a:t>Teilprojekte</a:t>
             </a:r>
           </a:p>
           <a:p>
             <a:r>
-              <a:rPr lang="de-DE" sz="2500" dirty="0"/>
+              <a:rPr lang="de-DE" sz="2800" kern="1200" dirty="0" smtClean="0">
+                <a:solidFill>
+                  <a:srgbClr val="572E2D"/>
+                </a:solidFill>
+                <a:latin typeface="Noteworthy Bold" charset="0"/>
+                <a:ea typeface="Noteworthy Bold" charset="0"/>
+                <a:cs typeface="Noteworthy Bold" charset="0"/>
+                <a:sym typeface="Noteworthy Bold" charset="0"/>
+              </a:rPr>
               <a:t>Personalbedarf</a:t>
             </a:r>
           </a:p>
           <a:p>
             <a:r>
-              <a:rPr lang="de-DE" sz="2500" dirty="0"/>
+              <a:rPr lang="de-DE" sz="2800" kern="1200" dirty="0" smtClean="0">
+                <a:solidFill>
+                  <a:srgbClr val="572E2D"/>
+                </a:solidFill>
+                <a:latin typeface="Noteworthy Bold" charset="0"/>
+                <a:ea typeface="Noteworthy Bold" charset="0"/>
+                <a:cs typeface="Noteworthy Bold" charset="0"/>
+                <a:sym typeface="Noteworthy Bold" charset="0"/>
+              </a:rPr>
               <a:t>Personalkosten</a:t>
             </a:r>
           </a:p>
           <a:p>
             <a:r>
-              <a:rPr lang="de-DE" sz="2500" dirty="0"/>
+              <a:rPr lang="de-DE" sz="2800" kern="1200" dirty="0" smtClean="0">
+                <a:solidFill>
+                  <a:srgbClr val="572E2D"/>
+                </a:solidFill>
+                <a:latin typeface="Noteworthy Bold" charset="0"/>
+                <a:ea typeface="Noteworthy Bold" charset="0"/>
+                <a:cs typeface="Noteworthy Bold" charset="0"/>
+                <a:sym typeface="Noteworthy Bold" charset="0"/>
+              </a:rPr>
               <a:t>Sonstige Kosten</a:t>
             </a:r>
           </a:p>
           <a:p>
             <a:r>
-              <a:rPr lang="de-DE" sz="2500" dirty="0"/>
+              <a:rPr lang="de-DE" sz="2800" kern="1200" dirty="0" smtClean="0">
+                <a:solidFill>
+                  <a:srgbClr val="572E2D"/>
+                </a:solidFill>
+                <a:latin typeface="Noteworthy Bold" charset="0"/>
+                <a:ea typeface="Noteworthy Bold" charset="0"/>
+                <a:cs typeface="Noteworthy Bold" charset="0"/>
+                <a:sym typeface="Noteworthy Bold" charset="0"/>
+              </a:rPr>
               <a:t>Gesamtkosten</a:t>
             </a:r>
           </a:p>
           <a:p>
             <a:r>
-              <a:rPr lang="de-DE" sz="2500" dirty="0"/>
+              <a:rPr lang="de-DE" sz="2800" kern="1200" dirty="0" smtClean="0">
+                <a:solidFill>
+                  <a:srgbClr val="572E2D"/>
+                </a:solidFill>
+                <a:latin typeface="Noteworthy Bold" charset="0"/>
+                <a:ea typeface="Noteworthy Bold" charset="0"/>
+                <a:cs typeface="Noteworthy Bold" charset="0"/>
+                <a:sym typeface="Noteworthy Bold" charset="0"/>
+              </a:rPr>
+              <a:t>Trend Strategischer Fit/Risiko</a:t>
+            </a:r>
+          </a:p>
+          <a:p>
+            <a:r>
+              <a:rPr lang="de-DE" sz="2800" kern="1200" dirty="0" smtClean="0">
+                <a:solidFill>
+                  <a:srgbClr val="572E2D"/>
+                </a:solidFill>
+                <a:latin typeface="Noteworthy Bold" charset="0"/>
+                <a:ea typeface="Noteworthy Bold" charset="0"/>
+                <a:cs typeface="Noteworthy Bold" charset="0"/>
+                <a:sym typeface="Noteworthy Bold" charset="0"/>
+              </a:rPr>
+              <a:t>Trend Kennzahlen</a:t>
+            </a:r>
+          </a:p>
+          <a:p>
+            <a:r>
+              <a:rPr lang="de-DE" sz="2800" kern="1200" dirty="0" smtClean="0">
+                <a:solidFill>
+                  <a:srgbClr val="572E2D"/>
+                </a:solidFill>
+                <a:latin typeface="Noteworthy Bold" charset="0"/>
+                <a:ea typeface="Noteworthy Bold" charset="0"/>
+                <a:cs typeface="Noteworthy Bold" charset="0"/>
+                <a:sym typeface="Noteworthy Bold" charset="0"/>
+              </a:rPr>
               <a:t>Fortschritt Personalkosten</a:t>
             </a:r>
           </a:p>
           <a:p>
             <a:r>
-              <a:rPr lang="de-DE" sz="2500" dirty="0"/>
+              <a:rPr lang="de-DE" sz="2800" kern="1200" dirty="0" smtClean="0">
+                <a:solidFill>
+                  <a:srgbClr val="572E2D"/>
+                </a:solidFill>
+                <a:latin typeface="Noteworthy Bold" charset="0"/>
+                <a:ea typeface="Noteworthy Bold" charset="0"/>
+                <a:cs typeface="Noteworthy Bold" charset="0"/>
+                <a:sym typeface="Noteworthy Bold" charset="0"/>
+              </a:rPr>
               <a:t>Fortschritt Sonstige Kosten</a:t>
             </a:r>
           </a:p>
           <a:p>
             <a:r>
-              <a:rPr lang="de-DE" sz="2500" dirty="0"/>
-              <a:t>Fortschritt Gesamtkosten</a:t>
-            </a:r>
-          </a:p>
-          <a:p>
-            <a:r>
-              <a:rPr lang="de-DE" sz="2500" dirty="0"/>
-              <a:t>Fortschritt Rolle(…)</a:t>
-            </a:r>
-          </a:p>
-          <a:p>
-            <a:r>
-              <a:rPr lang="de-DE" sz="2500" dirty="0"/>
-              <a:t>Fortschritt Kostenart(…)</a:t>
-            </a:r>
-          </a:p>
-          <a:p>
-            <a:endParaRPr lang="de-DE" sz="2500" dirty="0"/>
-          </a:p>
-          <a:p>
-            <a:r>
-              <a:rPr lang="de-DE" sz="2500" dirty="0"/>
+              <a:rPr lang="de-DE" sz="2800" kern="1200" dirty="0" smtClean="0">
+                <a:solidFill>
+                  <a:srgbClr val="572E2D"/>
+                </a:solidFill>
+                <a:latin typeface="Noteworthy Bold" charset="0"/>
+                <a:ea typeface="Noteworthy Bold" charset="0"/>
+                <a:cs typeface="Noteworthy Bold" charset="0"/>
+                <a:sym typeface="Noteworthy Bold" charset="0"/>
+              </a:rPr>
+              <a:t>Fortschritt Rolle(..)</a:t>
+            </a:r>
+          </a:p>
+          <a:p>
+            <a:r>
+              <a:rPr lang="de-DE" sz="2800" kern="1200" dirty="0" smtClean="0">
+                <a:solidFill>
+                  <a:srgbClr val="572E2D"/>
+                </a:solidFill>
+                <a:latin typeface="Noteworthy Bold" charset="0"/>
+                <a:ea typeface="Noteworthy Bold" charset="0"/>
+                <a:cs typeface="Noteworthy Bold" charset="0"/>
+                <a:sym typeface="Noteworthy Bold" charset="0"/>
+              </a:rPr>
+              <a:t>Fortschritt Kostenart(..)</a:t>
+            </a:r>
+          </a:p>
+          <a:p>
+            <a:r>
+              <a:rPr lang="de-DE" sz="2800" kern="1200" dirty="0" smtClean="0">
+                <a:solidFill>
+                  <a:srgbClr val="572E2D"/>
+                </a:solidFill>
+                <a:latin typeface="Noteworthy Bold" charset="0"/>
+                <a:ea typeface="Noteworthy Bold" charset="0"/>
+                <a:cs typeface="Noteworthy Bold" charset="0"/>
+                <a:sym typeface="Noteworthy Bold" charset="0"/>
+              </a:rPr>
               <a:t>Soll-Ist1 Personalkosten</a:t>
             </a:r>
           </a:p>
           <a:p>
-            <a:pPr defTabSz="481706">
-              <a:lnSpc>
-                <a:spcPts val="3688"/>
-              </a:lnSpc>
-              <a:defRPr/>
-            </a:pPr>
-            <a:r>
-              <a:rPr lang="de-DE" sz="2500" dirty="0"/>
+            <a:r>
+              <a:rPr lang="de-DE" sz="2800" kern="1200" dirty="0" smtClean="0">
+                <a:solidFill>
+                  <a:srgbClr val="572E2D"/>
+                </a:solidFill>
+                <a:latin typeface="Noteworthy Bold" charset="0"/>
+                <a:ea typeface="Noteworthy Bold" charset="0"/>
+                <a:cs typeface="Noteworthy Bold" charset="0"/>
+                <a:sym typeface="Noteworthy Bold" charset="0"/>
+              </a:rPr>
               <a:t>Soll-Ist2 Personalkosten</a:t>
             </a:r>
           </a:p>
           <a:p>
-            <a:endParaRPr lang="de-DE" sz="2500" dirty="0"/>
-          </a:p>
-          <a:p>
-            <a:r>
-              <a:rPr lang="de-DE" sz="2500" dirty="0"/>
+            <a:r>
+              <a:rPr lang="de-DE" sz="2800" kern="1200" dirty="0" smtClean="0">
+                <a:solidFill>
+                  <a:srgbClr val="572E2D"/>
+                </a:solidFill>
+                <a:latin typeface="Noteworthy Bold" charset="0"/>
+                <a:ea typeface="Noteworthy Bold" charset="0"/>
+                <a:cs typeface="Noteworthy Bold" charset="0"/>
+                <a:sym typeface="Noteworthy Bold" charset="0"/>
+              </a:rPr>
+              <a:t>Soll-Ist1C Personalkosten</a:t>
+            </a:r>
+          </a:p>
+          <a:p>
+            <a:r>
+              <a:rPr lang="de-DE" sz="2800" kern="1200" dirty="0" smtClean="0">
+                <a:solidFill>
+                  <a:srgbClr val="572E2D"/>
+                </a:solidFill>
+                <a:latin typeface="Noteworthy Bold" charset="0"/>
+                <a:ea typeface="Noteworthy Bold" charset="0"/>
+                <a:cs typeface="Noteworthy Bold" charset="0"/>
+                <a:sym typeface="Noteworthy Bold" charset="0"/>
+              </a:rPr>
+              <a:t>Soll-Ist2C Personalkosten</a:t>
+            </a:r>
+          </a:p>
+          <a:p>
+            <a:r>
+              <a:rPr lang="de-DE" sz="2800" kern="1200" dirty="0" smtClean="0">
+                <a:solidFill>
+                  <a:srgbClr val="572E2D"/>
+                </a:solidFill>
+                <a:latin typeface="Noteworthy Bold" charset="0"/>
+                <a:ea typeface="Noteworthy Bold" charset="0"/>
+                <a:cs typeface="Noteworthy Bold" charset="0"/>
+                <a:sym typeface="Noteworthy Bold" charset="0"/>
+              </a:rPr>
               <a:t>Soll-Ist1 Sonstige Kosten</a:t>
             </a:r>
           </a:p>
           <a:p>
-            <a:pPr defTabSz="481706">
-              <a:lnSpc>
-                <a:spcPts val="3688"/>
-              </a:lnSpc>
-              <a:defRPr/>
-            </a:pPr>
-            <a:r>
-              <a:rPr lang="de-DE" sz="2500" dirty="0"/>
+            <a:r>
+              <a:rPr lang="de-DE" sz="2800" kern="1200" dirty="0" smtClean="0">
+                <a:solidFill>
+                  <a:srgbClr val="572E2D"/>
+                </a:solidFill>
+                <a:latin typeface="Noteworthy Bold" charset="0"/>
+                <a:ea typeface="Noteworthy Bold" charset="0"/>
+                <a:cs typeface="Noteworthy Bold" charset="0"/>
+                <a:sym typeface="Noteworthy Bold" charset="0"/>
+              </a:rPr>
               <a:t>Soll-Ist2 Sonstige Kosten</a:t>
             </a:r>
           </a:p>
           <a:p>
-            <a:endParaRPr lang="de-DE" sz="2500" dirty="0"/>
-          </a:p>
-          <a:p>
-            <a:r>
-              <a:rPr lang="de-DE" sz="2500" dirty="0"/>
+            <a:r>
+              <a:rPr lang="de-DE" sz="2800" kern="1200" dirty="0" smtClean="0">
+                <a:solidFill>
+                  <a:srgbClr val="572E2D"/>
+                </a:solidFill>
+                <a:latin typeface="Noteworthy Bold" charset="0"/>
+                <a:ea typeface="Noteworthy Bold" charset="0"/>
+                <a:cs typeface="Noteworthy Bold" charset="0"/>
+                <a:sym typeface="Noteworthy Bold" charset="0"/>
+              </a:rPr>
+              <a:t>Soll-Ist1C Sonstige Kosten</a:t>
+            </a:r>
+          </a:p>
+          <a:p>
+            <a:r>
+              <a:rPr lang="de-DE" sz="2800" kern="1200" dirty="0" smtClean="0">
+                <a:solidFill>
+                  <a:srgbClr val="572E2D"/>
+                </a:solidFill>
+                <a:latin typeface="Noteworthy Bold" charset="0"/>
+                <a:ea typeface="Noteworthy Bold" charset="0"/>
+                <a:cs typeface="Noteworthy Bold" charset="0"/>
+                <a:sym typeface="Noteworthy Bold" charset="0"/>
+              </a:rPr>
+              <a:t>Soll-Ist2C Sonstige Kosten</a:t>
+            </a:r>
+          </a:p>
+          <a:p>
+            <a:r>
+              <a:rPr lang="de-DE" sz="2800" kern="1200" dirty="0" smtClean="0">
+                <a:solidFill>
+                  <a:srgbClr val="572E2D"/>
+                </a:solidFill>
+                <a:latin typeface="Noteworthy Bold" charset="0"/>
+                <a:ea typeface="Noteworthy Bold" charset="0"/>
+                <a:cs typeface="Noteworthy Bold" charset="0"/>
+                <a:sym typeface="Noteworthy Bold" charset="0"/>
+              </a:rPr>
               <a:t>Soll-Ist1 Gesamtkosten</a:t>
             </a:r>
           </a:p>
           <a:p>
-            <a:pPr defTabSz="481706">
-              <a:lnSpc>
-                <a:spcPts val="3688"/>
-              </a:lnSpc>
-              <a:defRPr/>
-            </a:pPr>
-            <a:r>
-              <a:rPr lang="de-DE" sz="2500" dirty="0"/>
+            <a:r>
+              <a:rPr lang="de-DE" sz="2800" kern="1200" dirty="0" smtClean="0">
+                <a:solidFill>
+                  <a:srgbClr val="572E2D"/>
+                </a:solidFill>
+                <a:latin typeface="Noteworthy Bold" charset="0"/>
+                <a:ea typeface="Noteworthy Bold" charset="0"/>
+                <a:cs typeface="Noteworthy Bold" charset="0"/>
+                <a:sym typeface="Noteworthy Bold" charset="0"/>
+              </a:rPr>
               <a:t>Soll-Ist2 Gesamtkosten</a:t>
             </a:r>
           </a:p>
           <a:p>
-            <a:endParaRPr lang="de-DE" sz="2500" dirty="0"/>
-          </a:p>
-          <a:p>
-            <a:r>
-              <a:rPr lang="de-DE" sz="2500" dirty="0"/>
-              <a:t>Soll-Ist1 Rolle (…)</a:t>
-            </a:r>
-          </a:p>
-          <a:p>
-            <a:pPr defTabSz="481706">
-              <a:lnSpc>
-                <a:spcPts val="3688"/>
-              </a:lnSpc>
-              <a:defRPr/>
-            </a:pPr>
-            <a:r>
-              <a:rPr lang="de-DE" sz="2500" dirty="0"/>
-              <a:t>Soll-Ist2 Rolle (…)</a:t>
-            </a:r>
-          </a:p>
-          <a:p>
-            <a:endParaRPr lang="de-DE" sz="2500" dirty="0"/>
-          </a:p>
-          <a:p>
-            <a:r>
-              <a:rPr lang="de-DE" sz="2500" dirty="0"/>
-              <a:t>Soll-Ist1 Kostenart (…)</a:t>
-            </a:r>
-          </a:p>
-          <a:p>
-            <a:pPr defTabSz="481706">
-              <a:lnSpc>
-                <a:spcPts val="3688"/>
-              </a:lnSpc>
-              <a:defRPr/>
-            </a:pPr>
-            <a:r>
-              <a:rPr lang="de-DE" sz="2500" dirty="0"/>
-              <a:t>Soll-Ist2 Kostenart (…)</a:t>
-            </a:r>
-          </a:p>
-          <a:p>
-            <a:endParaRPr lang="de-DE" sz="2500" dirty="0"/>
-          </a:p>
-          <a:p>
-            <a:r>
-              <a:rPr lang="de-DE" sz="2500" dirty="0"/>
+            <a:r>
+              <a:rPr lang="de-DE" sz="2800" kern="1200" dirty="0" smtClean="0">
+                <a:solidFill>
+                  <a:srgbClr val="572E2D"/>
+                </a:solidFill>
+                <a:latin typeface="Noteworthy Bold" charset="0"/>
+                <a:ea typeface="Noteworthy Bold" charset="0"/>
+                <a:cs typeface="Noteworthy Bold" charset="0"/>
+                <a:sym typeface="Noteworthy Bold" charset="0"/>
+              </a:rPr>
+              <a:t>Soll-Ist1C Gesamtkosten</a:t>
+            </a:r>
+          </a:p>
+          <a:p>
+            <a:r>
+              <a:rPr lang="de-DE" sz="2800" kern="1200" dirty="0" smtClean="0">
+                <a:solidFill>
+                  <a:srgbClr val="572E2D"/>
+                </a:solidFill>
+                <a:latin typeface="Noteworthy Bold" charset="0"/>
+                <a:ea typeface="Noteworthy Bold" charset="0"/>
+                <a:cs typeface="Noteworthy Bold" charset="0"/>
+                <a:sym typeface="Noteworthy Bold" charset="0"/>
+              </a:rPr>
+              <a:t>Soll-Ist2C Gesamtkosten</a:t>
+            </a:r>
+          </a:p>
+          <a:p>
+            <a:r>
+              <a:rPr lang="de-DE" sz="2800" kern="1200" dirty="0" smtClean="0">
+                <a:solidFill>
+                  <a:srgbClr val="572E2D"/>
+                </a:solidFill>
+                <a:latin typeface="Noteworthy Bold" charset="0"/>
+                <a:ea typeface="Noteworthy Bold" charset="0"/>
+                <a:cs typeface="Noteworthy Bold" charset="0"/>
+                <a:sym typeface="Noteworthy Bold" charset="0"/>
+              </a:rPr>
+              <a:t>Soll-Ist1 Rolle</a:t>
+            </a:r>
+          </a:p>
+          <a:p>
+            <a:r>
+              <a:rPr lang="de-DE" sz="2800" kern="1200" dirty="0" smtClean="0">
+                <a:solidFill>
+                  <a:srgbClr val="572E2D"/>
+                </a:solidFill>
+                <a:latin typeface="Noteworthy Bold" charset="0"/>
+                <a:ea typeface="Noteworthy Bold" charset="0"/>
+                <a:cs typeface="Noteworthy Bold" charset="0"/>
+                <a:sym typeface="Noteworthy Bold" charset="0"/>
+              </a:rPr>
+              <a:t>Soll-Ist2 Rolle</a:t>
+            </a:r>
+          </a:p>
+          <a:p>
+            <a:r>
+              <a:rPr lang="de-DE" sz="2800" kern="1200" dirty="0" smtClean="0">
+                <a:solidFill>
+                  <a:srgbClr val="572E2D"/>
+                </a:solidFill>
+                <a:latin typeface="Noteworthy Bold" charset="0"/>
+                <a:ea typeface="Noteworthy Bold" charset="0"/>
+                <a:cs typeface="Noteworthy Bold" charset="0"/>
+                <a:sym typeface="Noteworthy Bold" charset="0"/>
+              </a:rPr>
+              <a:t>Soll-Ist1C Rolle</a:t>
+            </a:r>
+          </a:p>
+          <a:p>
+            <a:r>
+              <a:rPr lang="de-DE" sz="2800" kern="1200" dirty="0" smtClean="0">
+                <a:solidFill>
+                  <a:srgbClr val="572E2D"/>
+                </a:solidFill>
+                <a:latin typeface="Noteworthy Bold" charset="0"/>
+                <a:ea typeface="Noteworthy Bold" charset="0"/>
+                <a:cs typeface="Noteworthy Bold" charset="0"/>
+                <a:sym typeface="Noteworthy Bold" charset="0"/>
+              </a:rPr>
+              <a:t>Soll-Ist2C Rolle</a:t>
+            </a:r>
+          </a:p>
+          <a:p>
+            <a:r>
+              <a:rPr lang="de-DE" sz="2800" kern="1200" dirty="0" smtClean="0">
+                <a:solidFill>
+                  <a:srgbClr val="572E2D"/>
+                </a:solidFill>
+                <a:latin typeface="Noteworthy Bold" charset="0"/>
+                <a:ea typeface="Noteworthy Bold" charset="0"/>
+                <a:cs typeface="Noteworthy Bold" charset="0"/>
+                <a:sym typeface="Noteworthy Bold" charset="0"/>
+              </a:rPr>
+              <a:t>Soll-Ist1 Kostenart</a:t>
+            </a:r>
+          </a:p>
+          <a:p>
+            <a:r>
+              <a:rPr lang="de-DE" sz="2800" kern="1200" dirty="0" smtClean="0">
+                <a:solidFill>
+                  <a:srgbClr val="572E2D"/>
+                </a:solidFill>
+                <a:latin typeface="Noteworthy Bold" charset="0"/>
+                <a:ea typeface="Noteworthy Bold" charset="0"/>
+                <a:cs typeface="Noteworthy Bold" charset="0"/>
+                <a:sym typeface="Noteworthy Bold" charset="0"/>
+              </a:rPr>
+              <a:t>Soll-Ist2 Kostenart</a:t>
+            </a:r>
+          </a:p>
+          <a:p>
+            <a:r>
+              <a:rPr lang="de-DE" sz="2800" kern="1200" dirty="0" smtClean="0">
+                <a:solidFill>
+                  <a:srgbClr val="572E2D"/>
+                </a:solidFill>
+                <a:latin typeface="Noteworthy Bold" charset="0"/>
+                <a:ea typeface="Noteworthy Bold" charset="0"/>
+                <a:cs typeface="Noteworthy Bold" charset="0"/>
+                <a:sym typeface="Noteworthy Bold" charset="0"/>
+              </a:rPr>
+              <a:t>Soll-Ist1C Kostenart</a:t>
+            </a:r>
+          </a:p>
+          <a:p>
+            <a:r>
+              <a:rPr lang="de-DE" sz="2800" kern="1200" dirty="0" smtClean="0">
+                <a:solidFill>
+                  <a:srgbClr val="572E2D"/>
+                </a:solidFill>
+                <a:latin typeface="Noteworthy Bold" charset="0"/>
+                <a:ea typeface="Noteworthy Bold" charset="0"/>
+                <a:cs typeface="Noteworthy Bold" charset="0"/>
+                <a:sym typeface="Noteworthy Bold" charset="0"/>
+              </a:rPr>
+              <a:t>Soll-Ist2C Kostenart</a:t>
+            </a:r>
+          </a:p>
+          <a:p>
+            <a:r>
+              <a:rPr lang="de-DE" sz="2800" kern="1200" dirty="0" smtClean="0">
+                <a:solidFill>
+                  <a:srgbClr val="572E2D"/>
+                </a:solidFill>
+                <a:latin typeface="Noteworthy Bold" charset="0"/>
+                <a:ea typeface="Noteworthy Bold" charset="0"/>
+                <a:cs typeface="Noteworthy Bold" charset="0"/>
+                <a:sym typeface="Noteworthy Bold" charset="0"/>
+              </a:rPr>
               <a:t>Ampel-Farbe</a:t>
             </a:r>
           </a:p>
           <a:p>
             <a:r>
-              <a:rPr lang="de-DE" sz="2500" dirty="0"/>
+              <a:rPr lang="de-DE" sz="2800" kern="1200" dirty="0" smtClean="0">
+                <a:solidFill>
+                  <a:srgbClr val="572E2D"/>
+                </a:solidFill>
+                <a:latin typeface="Noteworthy Bold" charset="0"/>
+                <a:ea typeface="Noteworthy Bold" charset="0"/>
+                <a:cs typeface="Noteworthy Bold" charset="0"/>
+                <a:sym typeface="Noteworthy Bold" charset="0"/>
+              </a:rPr>
               <a:t>Beschreibung</a:t>
             </a:r>
           </a:p>
           <a:p>
             <a:r>
-              <a:rPr lang="de-DE" sz="2500" dirty="0"/>
+              <a:rPr lang="de-DE" sz="2800" kern="1200" dirty="0" smtClean="0">
+                <a:solidFill>
+                  <a:srgbClr val="572E2D"/>
+                </a:solidFill>
+                <a:latin typeface="Noteworthy Bold" charset="0"/>
+                <a:ea typeface="Noteworthy Bold" charset="0"/>
+                <a:cs typeface="Noteworthy Bold" charset="0"/>
+                <a:sym typeface="Noteworthy Bold" charset="0"/>
+              </a:rPr>
               <a:t>Stand:</a:t>
             </a:r>
           </a:p>
           <a:p>
             <a:r>
-              <a:rPr lang="de-DE" sz="2500" dirty="0"/>
+              <a:rPr lang="de-DE" sz="2800" kern="1200" dirty="0" smtClean="0">
+                <a:solidFill>
+                  <a:srgbClr val="572E2D"/>
+                </a:solidFill>
+                <a:latin typeface="Noteworthy Bold" charset="0"/>
+                <a:ea typeface="Noteworthy Bold" charset="0"/>
+                <a:cs typeface="Noteworthy Bold" charset="0"/>
+                <a:sym typeface="Noteworthy Bold" charset="0"/>
+              </a:rPr>
               <a:t>Laufzeit:</a:t>
             </a:r>
           </a:p>
           <a:p>
             <a:r>
-              <a:rPr lang="de-DE" sz="2500" dirty="0"/>
+              <a:rPr lang="de-DE" sz="2800" kern="1200" dirty="0" smtClean="0">
+                <a:solidFill>
+                  <a:srgbClr val="572E2D"/>
+                </a:solidFill>
+                <a:latin typeface="Noteworthy Bold" charset="0"/>
+                <a:ea typeface="Noteworthy Bold" charset="0"/>
+                <a:cs typeface="Noteworthy Bold" charset="0"/>
+                <a:sym typeface="Noteworthy Bold" charset="0"/>
+              </a:rPr>
               <a:t>Verantwortlich:</a:t>
             </a:r>
-            <a:endParaRPr lang="de-DE" dirty="0"/>
+          </a:p>
+          <a:p>
+            <a:endParaRPr lang="de-DE" sz="2800" kern="1200" dirty="0" smtClean="0">
+              <a:solidFill>
+                <a:srgbClr val="572E2D"/>
+              </a:solidFill>
+              <a:latin typeface="Noteworthy Bold" charset="0"/>
+              <a:ea typeface="Noteworthy Bold" charset="0"/>
+              <a:cs typeface="Noteworthy Bold" charset="0"/>
+              <a:sym typeface="Noteworthy Bold" charset="0"/>
+            </a:endParaRPr>
+          </a:p>
+          <a:p>
+            <a:r>
+              <a:rPr lang="de-DE" sz="2800" kern="1200" dirty="0" smtClean="0">
+                <a:solidFill>
+                  <a:srgbClr val="572E2D"/>
+                </a:solidFill>
+                <a:latin typeface="Noteworthy Bold" charset="0"/>
+                <a:ea typeface="Noteworthy Bold" charset="0"/>
+                <a:cs typeface="Noteworthy Bold" charset="0"/>
+                <a:sym typeface="Noteworthy Bold" charset="0"/>
+              </a:rPr>
+              <a:t>--------------------------------</a:t>
+            </a:r>
+          </a:p>
+          <a:p>
+            <a:endParaRPr lang="de-DE" sz="2800" kern="1200" dirty="0" smtClean="0">
+              <a:solidFill>
+                <a:srgbClr val="572E2D"/>
+              </a:solidFill>
+              <a:latin typeface="Noteworthy Bold" charset="0"/>
+              <a:ea typeface="Noteworthy Bold" charset="0"/>
+              <a:cs typeface="Noteworthy Bold" charset="0"/>
+              <a:sym typeface="Noteworthy Bold" charset="0"/>
+            </a:endParaRPr>
+          </a:p>
+          <a:p>
+            <a:r>
+              <a:rPr lang="de-DE" sz="2800" kern="1200" dirty="0" smtClean="0">
+                <a:solidFill>
+                  <a:srgbClr val="572E2D"/>
+                </a:solidFill>
+                <a:latin typeface="Noteworthy Bold" charset="0"/>
+                <a:ea typeface="Noteworthy Bold" charset="0"/>
+                <a:cs typeface="Noteworthy Bold" charset="0"/>
+                <a:sym typeface="Noteworthy Bold" charset="0"/>
+              </a:rPr>
+              <a:t>Phasen: </a:t>
+            </a:r>
+          </a:p>
+          <a:p>
+            <a:r>
+              <a:rPr lang="de-DE" sz="2400" b="0" i="0" u="none" strike="noStrike" kern="1200" dirty="0" smtClean="0">
+                <a:solidFill>
+                  <a:srgbClr val="572E2D"/>
+                </a:solidFill>
+                <a:effectLst/>
+                <a:latin typeface="Noteworthy Bold" charset="0"/>
+                <a:ea typeface="Noteworthy Bold" charset="0"/>
+                <a:cs typeface="Noteworthy Bold" charset="0"/>
+                <a:sym typeface="Noteworthy Bold" charset="0"/>
+              </a:rPr>
+              <a:t>Business Case</a:t>
+            </a:r>
+            <a:endParaRPr lang="de-DE" sz="2800" dirty="0" smtClean="0"/>
+          </a:p>
+          <a:p>
+            <a:r>
+              <a:rPr lang="de-DE" sz="2400" b="0" i="0" u="none" strike="noStrike" kern="1200" dirty="0" smtClean="0">
+                <a:solidFill>
+                  <a:srgbClr val="572E2D"/>
+                </a:solidFill>
+                <a:effectLst/>
+                <a:latin typeface="Noteworthy Bold" charset="0"/>
+                <a:ea typeface="Noteworthy Bold" charset="0"/>
+                <a:cs typeface="Noteworthy Bold" charset="0"/>
+                <a:sym typeface="Noteworthy Bold" charset="0"/>
+              </a:rPr>
+              <a:t>Konzept</a:t>
+            </a:r>
+            <a:endParaRPr lang="de-DE" sz="2800" dirty="0" smtClean="0"/>
+          </a:p>
+          <a:p>
+            <a:r>
+              <a:rPr lang="de-DE" sz="2400" b="0" i="0" u="none" strike="noStrike" kern="1200" dirty="0" smtClean="0">
+                <a:solidFill>
+                  <a:srgbClr val="572E2D"/>
+                </a:solidFill>
+                <a:effectLst/>
+                <a:latin typeface="Noteworthy Bold" charset="0"/>
+                <a:ea typeface="Noteworthy Bold" charset="0"/>
+                <a:cs typeface="Noteworthy Bold" charset="0"/>
+                <a:sym typeface="Noteworthy Bold" charset="0"/>
+              </a:rPr>
+              <a:t>Entwicklung</a:t>
+            </a:r>
+            <a:endParaRPr lang="de-DE" sz="2800" dirty="0" smtClean="0"/>
+          </a:p>
+          <a:p>
+            <a:r>
+              <a:rPr lang="de-DE" sz="2400" b="0" i="0" u="none" strike="noStrike" kern="1200" dirty="0" smtClean="0">
+                <a:solidFill>
+                  <a:srgbClr val="572E2D"/>
+                </a:solidFill>
+                <a:effectLst/>
+                <a:latin typeface="Noteworthy Bold" charset="0"/>
+                <a:ea typeface="Noteworthy Bold" charset="0"/>
+                <a:cs typeface="Noteworthy Bold" charset="0"/>
+                <a:sym typeface="Noteworthy Bold" charset="0"/>
+              </a:rPr>
+              <a:t>Prototyp</a:t>
+            </a:r>
+            <a:endParaRPr lang="de-DE" sz="2800" dirty="0" smtClean="0"/>
+          </a:p>
+          <a:p>
+            <a:r>
+              <a:rPr lang="de-DE" sz="2400" b="0" i="0" u="none" strike="noStrike" kern="1200" dirty="0" smtClean="0">
+                <a:solidFill>
+                  <a:srgbClr val="572E2D"/>
+                </a:solidFill>
+                <a:effectLst/>
+                <a:latin typeface="Noteworthy Bold" charset="0"/>
+                <a:ea typeface="Noteworthy Bold" charset="0"/>
+                <a:cs typeface="Noteworthy Bold" charset="0"/>
+                <a:sym typeface="Noteworthy Bold" charset="0"/>
+              </a:rPr>
+              <a:t>Test</a:t>
+            </a:r>
+            <a:endParaRPr lang="de-DE" sz="2800" dirty="0" smtClean="0"/>
+          </a:p>
+          <a:p>
+            <a:r>
+              <a:rPr lang="de-DE" sz="2400" b="0" i="0" u="none" strike="noStrike" kern="1200" dirty="0" smtClean="0">
+                <a:solidFill>
+                  <a:srgbClr val="572E2D"/>
+                </a:solidFill>
+                <a:effectLst/>
+                <a:latin typeface="Noteworthy Bold" charset="0"/>
+                <a:ea typeface="Noteworthy Bold" charset="0"/>
+                <a:cs typeface="Noteworthy Bold" charset="0"/>
+                <a:sym typeface="Noteworthy Bold" charset="0"/>
+              </a:rPr>
+              <a:t>Rollout</a:t>
+            </a:r>
+          </a:p>
+          <a:p>
+            <a:endParaRPr lang="de-DE" sz="2400" b="0" i="0" u="none" strike="noStrike" kern="1200" dirty="0" smtClean="0">
+              <a:solidFill>
+                <a:srgbClr val="572E2D"/>
+              </a:solidFill>
+              <a:effectLst/>
+              <a:latin typeface="Noteworthy Bold" charset="0"/>
+              <a:sym typeface="Noteworthy Bold" charset="0"/>
+            </a:endParaRPr>
+          </a:p>
+          <a:p>
+            <a:r>
+              <a:rPr lang="de-DE" sz="2400" b="0" i="0" u="none" strike="noStrike" kern="1200" dirty="0" smtClean="0">
+                <a:solidFill>
+                  <a:srgbClr val="572E2D"/>
+                </a:solidFill>
+                <a:effectLst/>
+                <a:latin typeface="Noteworthy Bold" charset="0"/>
+                <a:sym typeface="Noteworthy Bold" charset="0"/>
+              </a:rPr>
+              <a:t>Meilensteine: </a:t>
+            </a:r>
+          </a:p>
+          <a:p>
+            <a:r>
+              <a:rPr lang="de-DE" sz="2400" b="0" i="0" u="none" strike="noStrike" kern="1200" dirty="0" smtClean="0">
+                <a:solidFill>
+                  <a:srgbClr val="572E2D"/>
+                </a:solidFill>
+                <a:effectLst/>
+                <a:latin typeface="Noteworthy Bold" charset="0"/>
+                <a:ea typeface="Noteworthy Bold" charset="0"/>
+                <a:cs typeface="Noteworthy Bold" charset="0"/>
+                <a:sym typeface="Noteworthy Bold" charset="0"/>
+              </a:rPr>
+              <a:t>Projektskizze</a:t>
+            </a:r>
+          </a:p>
+          <a:p>
+            <a:r>
+              <a:rPr lang="de-DE" sz="2400" b="0" i="0" u="none" strike="noStrike" kern="1200" dirty="0" smtClean="0">
+                <a:solidFill>
+                  <a:srgbClr val="572E2D"/>
+                </a:solidFill>
+                <a:effectLst/>
+                <a:latin typeface="Noteworthy Bold" charset="0"/>
+                <a:ea typeface="Noteworthy Bold" charset="0"/>
+                <a:cs typeface="Noteworthy Bold" charset="0"/>
+                <a:sym typeface="Noteworthy Bold" charset="0"/>
+              </a:rPr>
+              <a:t>Kosten-/Nutzen Analyse</a:t>
+            </a:r>
+          </a:p>
+          <a:p>
+            <a:r>
+              <a:rPr lang="de-DE" sz="2400" b="0" i="0" u="none" strike="noStrike" kern="1200" dirty="0" smtClean="0">
+                <a:solidFill>
+                  <a:srgbClr val="572E2D"/>
+                </a:solidFill>
+                <a:effectLst/>
+                <a:latin typeface="Noteworthy Bold" charset="0"/>
+                <a:ea typeface="Noteworthy Bold" charset="0"/>
+                <a:cs typeface="Noteworthy Bold" charset="0"/>
+                <a:sym typeface="Noteworthy Bold" charset="0"/>
+              </a:rPr>
+              <a:t>Wettbewerbsanalyse</a:t>
+            </a:r>
+          </a:p>
+          <a:p>
+            <a:r>
+              <a:rPr lang="de-DE" sz="2400" b="0" i="0" u="none" strike="noStrike" kern="1200" dirty="0" smtClean="0">
+                <a:solidFill>
+                  <a:srgbClr val="572E2D"/>
+                </a:solidFill>
+                <a:effectLst/>
+                <a:latin typeface="Noteworthy Bold" charset="0"/>
+                <a:ea typeface="Noteworthy Bold" charset="0"/>
+                <a:cs typeface="Noteworthy Bold" charset="0"/>
+                <a:sym typeface="Noteworthy Bold" charset="0"/>
+              </a:rPr>
+              <a:t>Analyse Marktpotential</a:t>
+            </a:r>
+          </a:p>
+          <a:p>
+            <a:r>
+              <a:rPr lang="de-DE" sz="2400" b="0" i="0" u="none" strike="noStrike" kern="1200" dirty="0" smtClean="0">
+                <a:solidFill>
+                  <a:srgbClr val="572E2D"/>
+                </a:solidFill>
+                <a:effectLst/>
+                <a:latin typeface="Noteworthy Bold" charset="0"/>
+                <a:ea typeface="Noteworthy Bold" charset="0"/>
+                <a:cs typeface="Noteworthy Bold" charset="0"/>
+                <a:sym typeface="Noteworthy Bold" charset="0"/>
+              </a:rPr>
+              <a:t>Grob-Konzept</a:t>
+            </a:r>
+          </a:p>
+          <a:p>
+            <a:r>
+              <a:rPr lang="de-DE" sz="2400" b="0" i="0" u="none" strike="noStrike" kern="1200" dirty="0" smtClean="0">
+                <a:solidFill>
+                  <a:srgbClr val="572E2D"/>
+                </a:solidFill>
+                <a:effectLst/>
+                <a:latin typeface="Noteworthy Bold" charset="0"/>
+                <a:ea typeface="Noteworthy Bold" charset="0"/>
+                <a:cs typeface="Noteworthy Bold" charset="0"/>
+                <a:sym typeface="Noteworthy Bold" charset="0"/>
+              </a:rPr>
+              <a:t>Liste der erfolgskritischen Merkmale</a:t>
+            </a:r>
+          </a:p>
+          <a:p>
+            <a:r>
+              <a:rPr lang="de-DE" sz="2400" b="0" i="0" u="none" strike="noStrike" kern="1200" dirty="0" smtClean="0">
+                <a:solidFill>
+                  <a:srgbClr val="572E2D"/>
+                </a:solidFill>
+                <a:effectLst/>
+                <a:latin typeface="Noteworthy Bold" charset="0"/>
+                <a:ea typeface="Noteworthy Bold" charset="0"/>
+                <a:cs typeface="Noteworthy Bold" charset="0"/>
+                <a:sym typeface="Noteworthy Bold" charset="0"/>
+              </a:rPr>
+              <a:t>Anbieter Shortlist</a:t>
+            </a:r>
+          </a:p>
+          <a:p>
+            <a:r>
+              <a:rPr lang="de-DE" sz="2400" b="0" i="0" u="none" strike="noStrike" kern="1200" dirty="0" smtClean="0">
+                <a:solidFill>
+                  <a:srgbClr val="572E2D"/>
+                </a:solidFill>
+                <a:effectLst/>
+                <a:latin typeface="Noteworthy Bold" charset="0"/>
+                <a:ea typeface="Noteworthy Bold" charset="0"/>
+                <a:cs typeface="Noteworthy Bold" charset="0"/>
+                <a:sym typeface="Noteworthy Bold" charset="0"/>
+              </a:rPr>
+              <a:t>Benchmark Dokumentation</a:t>
+            </a:r>
+          </a:p>
+          <a:p>
+            <a:r>
+              <a:rPr lang="de-DE" sz="2400" b="0" i="0" u="none" strike="noStrike" kern="1200" dirty="0" smtClean="0">
+                <a:solidFill>
+                  <a:srgbClr val="572E2D"/>
+                </a:solidFill>
+                <a:effectLst/>
+                <a:latin typeface="Noteworthy Bold" charset="0"/>
+                <a:ea typeface="Noteworthy Bold" charset="0"/>
+                <a:cs typeface="Noteworthy Bold" charset="0"/>
+                <a:sym typeface="Noteworthy Bold" charset="0"/>
+              </a:rPr>
+              <a:t>Empfehlung Anbieter</a:t>
+            </a:r>
+          </a:p>
+          <a:p>
+            <a:r>
+              <a:rPr lang="de-DE" sz="2400" b="0" i="0" u="none" strike="noStrike" kern="1200" dirty="0" err="1" smtClean="0">
+                <a:solidFill>
+                  <a:srgbClr val="572E2D"/>
+                </a:solidFill>
+                <a:effectLst/>
+                <a:latin typeface="Noteworthy Bold" charset="0"/>
+                <a:ea typeface="Noteworthy Bold" charset="0"/>
+                <a:cs typeface="Noteworthy Bold" charset="0"/>
+                <a:sym typeface="Noteworthy Bold" charset="0"/>
+              </a:rPr>
+              <a:t>Use</a:t>
+            </a:r>
+            <a:r>
+              <a:rPr lang="de-DE" sz="2400" b="0" i="0" u="none" strike="noStrike" kern="1200" dirty="0" smtClean="0">
+                <a:solidFill>
+                  <a:srgbClr val="572E2D"/>
+                </a:solidFill>
+                <a:effectLst/>
+                <a:latin typeface="Noteworthy Bold" charset="0"/>
+                <a:ea typeface="Noteworthy Bold" charset="0"/>
+                <a:cs typeface="Noteworthy Bold" charset="0"/>
+                <a:sym typeface="Noteworthy Bold" charset="0"/>
+              </a:rPr>
+              <a:t> Cases</a:t>
+            </a:r>
+          </a:p>
+          <a:p>
+            <a:r>
+              <a:rPr lang="de-DE" sz="2400" b="0" i="0" u="none" strike="noStrike" kern="1200" dirty="0" smtClean="0">
+                <a:solidFill>
+                  <a:srgbClr val="572E2D"/>
+                </a:solidFill>
+                <a:effectLst/>
+                <a:latin typeface="Noteworthy Bold" charset="0"/>
+                <a:ea typeface="Noteworthy Bold" charset="0"/>
+                <a:cs typeface="Noteworthy Bold" charset="0"/>
+                <a:sym typeface="Noteworthy Bold" charset="0"/>
+              </a:rPr>
+              <a:t>Architektur Dokument</a:t>
+            </a:r>
+          </a:p>
+          <a:p>
+            <a:r>
+              <a:rPr lang="de-DE" sz="2400" b="0" i="0" u="none" strike="noStrike" kern="1200" dirty="0" smtClean="0">
+                <a:solidFill>
+                  <a:srgbClr val="572E2D"/>
+                </a:solidFill>
+                <a:effectLst/>
+                <a:latin typeface="Noteworthy Bold" charset="0"/>
+                <a:ea typeface="Noteworthy Bold" charset="0"/>
+                <a:cs typeface="Noteworthy Bold" charset="0"/>
+                <a:sym typeface="Noteworthy Bold" charset="0"/>
+              </a:rPr>
+              <a:t>Datenmodell</a:t>
+            </a:r>
+          </a:p>
+          <a:p>
+            <a:r>
+              <a:rPr lang="de-DE" sz="2400" b="0" i="0" u="none" strike="noStrike" kern="1200" dirty="0" smtClean="0">
+                <a:solidFill>
+                  <a:srgbClr val="572E2D"/>
+                </a:solidFill>
+                <a:effectLst/>
+                <a:latin typeface="Noteworthy Bold" charset="0"/>
+                <a:ea typeface="Noteworthy Bold" charset="0"/>
+                <a:cs typeface="Noteworthy Bold" charset="0"/>
+                <a:sym typeface="Noteworthy Bold" charset="0"/>
+              </a:rPr>
+              <a:t>Funktionsfähigkeit der erfolgskritischen Merkmale</a:t>
+            </a:r>
+          </a:p>
+          <a:p>
+            <a:r>
+              <a:rPr lang="de-DE" sz="2400" b="0" i="0" u="none" strike="noStrike" kern="1200" dirty="0" smtClean="0">
+                <a:solidFill>
+                  <a:srgbClr val="572E2D"/>
+                </a:solidFill>
+                <a:effectLst/>
+                <a:latin typeface="Noteworthy Bold" charset="0"/>
+                <a:ea typeface="Noteworthy Bold" charset="0"/>
+                <a:cs typeface="Noteworthy Bold" charset="0"/>
+                <a:sym typeface="Noteworthy Bold" charset="0"/>
+              </a:rPr>
+              <a:t>Testfall Dokumentation</a:t>
+            </a:r>
+          </a:p>
+          <a:p>
+            <a:r>
+              <a:rPr lang="de-DE" sz="2400" b="0" i="0" u="none" strike="noStrike" kern="1200" dirty="0" smtClean="0">
+                <a:solidFill>
+                  <a:srgbClr val="572E2D"/>
+                </a:solidFill>
+                <a:effectLst/>
+                <a:latin typeface="Noteworthy Bold" charset="0"/>
+                <a:ea typeface="Noteworthy Bold" charset="0"/>
+                <a:cs typeface="Noteworthy Bold" charset="0"/>
+                <a:sym typeface="Noteworthy Bold" charset="0"/>
+              </a:rPr>
+              <a:t>90% Muss-Testfälle erfolgreich</a:t>
+            </a:r>
+          </a:p>
+          <a:p>
+            <a:r>
+              <a:rPr lang="de-DE" sz="2400" b="0" i="0" u="none" strike="noStrike" kern="1200" dirty="0" smtClean="0">
+                <a:solidFill>
+                  <a:srgbClr val="572E2D"/>
+                </a:solidFill>
+                <a:effectLst/>
+                <a:latin typeface="Noteworthy Bold" charset="0"/>
+                <a:ea typeface="Noteworthy Bold" charset="0"/>
+                <a:cs typeface="Noteworthy Bold" charset="0"/>
+                <a:sym typeface="Noteworthy Bold" charset="0"/>
+              </a:rPr>
+              <a:t>Einführungsplan</a:t>
+            </a:r>
+            <a:r>
+              <a:rPr lang="de-DE" sz="3200" dirty="0" smtClean="0"/>
+              <a:t> </a:t>
+            </a:r>
+          </a:p>
+          <a:p>
+            <a:r>
+              <a:rPr lang="de-DE" sz="2400" b="0" i="0" u="none" strike="noStrike" kern="1200" dirty="0" smtClean="0">
+                <a:solidFill>
+                  <a:srgbClr val="572E2D"/>
+                </a:solidFill>
+                <a:effectLst/>
+                <a:latin typeface="Noteworthy Bold" charset="0"/>
+                <a:ea typeface="Noteworthy Bold" charset="0"/>
+                <a:cs typeface="Noteworthy Bold" charset="0"/>
+                <a:sym typeface="Noteworthy Bold" charset="0"/>
+              </a:rPr>
+              <a:t>70% Anwender-Abdeckung</a:t>
+            </a:r>
+            <a:r>
+              <a:rPr lang="de-DE" sz="3200" dirty="0" smtClean="0"/>
+              <a:t> </a:t>
+            </a:r>
+            <a:endParaRPr lang="de-DE" sz="2400" b="0" i="0" u="none" strike="noStrike" kern="1200" dirty="0" smtClean="0">
+              <a:solidFill>
+                <a:srgbClr val="572E2D"/>
+              </a:solidFill>
+              <a:effectLst/>
+              <a:latin typeface="Noteworthy Bold" charset="0"/>
+              <a:sym typeface="Noteworthy Bold" charset="0"/>
+            </a:endParaRPr>
+          </a:p>
+          <a:p>
+            <a:endParaRPr lang="de-DE" sz="2400" b="0" i="0" u="none" strike="noStrike" kern="1200" dirty="0" smtClean="0">
+              <a:solidFill>
+                <a:srgbClr val="572E2D"/>
+              </a:solidFill>
+              <a:effectLst/>
+              <a:latin typeface="Noteworthy Bold" charset="0"/>
+              <a:sym typeface="Noteworthy Bold" charset="0"/>
+            </a:endParaRPr>
+          </a:p>
+          <a:p>
+            <a:r>
+              <a:rPr lang="de-DE" sz="2400" b="0" i="0" u="none" strike="noStrike" kern="1200" dirty="0" smtClean="0">
+                <a:solidFill>
+                  <a:srgbClr val="572E2D"/>
+                </a:solidFill>
+                <a:effectLst/>
+                <a:latin typeface="Noteworthy Bold" charset="0"/>
+                <a:sym typeface="Noteworthy Bold" charset="0"/>
+              </a:rPr>
+              <a:t>Rollen: </a:t>
+            </a:r>
+          </a:p>
+          <a:p>
+            <a:r>
+              <a:rPr lang="de-DE" sz="2400" b="0" i="0" u="none" strike="noStrike" kern="1200" dirty="0" smtClean="0">
+                <a:solidFill>
+                  <a:srgbClr val="572E2D"/>
+                </a:solidFill>
+                <a:effectLst/>
+                <a:latin typeface="Noteworthy Bold" charset="0"/>
+                <a:ea typeface="Noteworthy Bold" charset="0"/>
+                <a:cs typeface="Noteworthy Bold" charset="0"/>
+                <a:sym typeface="Noteworthy Bold" charset="0"/>
+              </a:rPr>
+              <a:t>Projektleiter</a:t>
+            </a:r>
+            <a:endParaRPr lang="de-DE" sz="3200" dirty="0" smtClean="0"/>
+          </a:p>
+          <a:p>
+            <a:r>
+              <a:rPr lang="de-DE" sz="2400" b="0" i="0" u="none" strike="noStrike" kern="1200" dirty="0" smtClean="0">
+                <a:solidFill>
+                  <a:srgbClr val="572E2D"/>
+                </a:solidFill>
+                <a:effectLst/>
+                <a:latin typeface="Noteworthy Bold" charset="0"/>
+                <a:ea typeface="Noteworthy Bold" charset="0"/>
+                <a:cs typeface="Noteworthy Bold" charset="0"/>
+                <a:sym typeface="Noteworthy Bold" charset="0"/>
+              </a:rPr>
+              <a:t>GUI Spezialist</a:t>
+            </a:r>
+            <a:endParaRPr lang="de-DE" sz="3200" dirty="0" smtClean="0"/>
+          </a:p>
+          <a:p>
+            <a:r>
+              <a:rPr lang="de-DE" sz="2400" b="0" i="0" u="none" strike="noStrike" kern="1200" dirty="0" smtClean="0">
+                <a:solidFill>
+                  <a:srgbClr val="572E2D"/>
+                </a:solidFill>
+                <a:effectLst/>
+                <a:latin typeface="Noteworthy Bold" charset="0"/>
+                <a:ea typeface="Noteworthy Bold" charset="0"/>
+                <a:cs typeface="Noteworthy Bold" charset="0"/>
+                <a:sym typeface="Noteworthy Bold" charset="0"/>
+              </a:rPr>
+              <a:t>Analyst</a:t>
+            </a:r>
+            <a:r>
+              <a:rPr lang="de-DE" sz="3200" dirty="0" smtClean="0"/>
+              <a:t> </a:t>
+            </a:r>
+            <a:r>
+              <a:rPr lang="de-DE" sz="2400" b="0" i="0" u="none" strike="noStrike" kern="1200" dirty="0" smtClean="0">
+                <a:solidFill>
+                  <a:srgbClr val="572E2D"/>
+                </a:solidFill>
+                <a:effectLst/>
+                <a:latin typeface="Noteworthy Bold" charset="0"/>
+                <a:ea typeface="Noteworthy Bold" charset="0"/>
+                <a:cs typeface="Noteworthy Bold" charset="0"/>
+                <a:sym typeface="Noteworthy Bold" charset="0"/>
+              </a:rPr>
+              <a:t>Architekt</a:t>
+            </a:r>
+            <a:endParaRPr lang="de-DE" sz="3200" dirty="0" smtClean="0"/>
+          </a:p>
+          <a:p>
+            <a:r>
+              <a:rPr lang="de-DE" sz="2400" b="0" i="0" u="none" strike="noStrike" kern="1200" dirty="0" smtClean="0">
+                <a:solidFill>
+                  <a:srgbClr val="572E2D"/>
+                </a:solidFill>
+                <a:effectLst/>
+                <a:latin typeface="Noteworthy Bold" charset="0"/>
+                <a:ea typeface="Noteworthy Bold" charset="0"/>
+                <a:cs typeface="Noteworthy Bold" charset="0"/>
+                <a:sym typeface="Noteworthy Bold" charset="0"/>
+              </a:rPr>
+              <a:t>Entwickler</a:t>
+            </a:r>
+            <a:endParaRPr lang="de-DE" sz="3200" dirty="0" smtClean="0"/>
+          </a:p>
+          <a:p>
+            <a:r>
+              <a:rPr lang="de-DE" sz="2400" b="0" i="0" u="none" strike="noStrike" kern="1200" dirty="0" smtClean="0">
+                <a:solidFill>
+                  <a:srgbClr val="572E2D"/>
+                </a:solidFill>
+                <a:effectLst/>
+                <a:latin typeface="Noteworthy Bold" charset="0"/>
+                <a:ea typeface="Noteworthy Bold" charset="0"/>
+                <a:cs typeface="Noteworthy Bold" charset="0"/>
+                <a:sym typeface="Noteworthy Bold" charset="0"/>
+              </a:rPr>
+              <a:t>Tester</a:t>
+            </a:r>
+            <a:endParaRPr lang="de-DE" sz="2400" b="0" i="0" u="none" strike="noStrike" kern="1200" dirty="0" smtClean="0">
+              <a:solidFill>
+                <a:srgbClr val="572E2D"/>
+              </a:solidFill>
+              <a:effectLst/>
+              <a:latin typeface="Noteworthy Bold" charset="0"/>
+              <a:sym typeface="Noteworthy Bold" charset="0"/>
+            </a:endParaRPr>
+          </a:p>
+          <a:p>
+            <a:endParaRPr lang="de-DE" sz="2400" b="0" i="0" u="none" strike="noStrike" kern="1200" dirty="0" smtClean="0">
+              <a:solidFill>
+                <a:srgbClr val="572E2D"/>
+              </a:solidFill>
+              <a:effectLst/>
+              <a:latin typeface="Noteworthy Bold" charset="0"/>
+              <a:sym typeface="Noteworthy Bold" charset="0"/>
+            </a:endParaRPr>
+          </a:p>
+          <a:p>
+            <a:r>
+              <a:rPr lang="de-DE" sz="2400" b="0" i="0" u="none" strike="noStrike" kern="1200" dirty="0" smtClean="0">
+                <a:solidFill>
+                  <a:srgbClr val="572E2D"/>
+                </a:solidFill>
+                <a:effectLst/>
+                <a:latin typeface="Noteworthy Bold" charset="0"/>
+                <a:sym typeface="Noteworthy Bold" charset="0"/>
+              </a:rPr>
+              <a:t>Kostenarten: </a:t>
+            </a:r>
+          </a:p>
+          <a:p>
+            <a:r>
+              <a:rPr lang="de-DE" sz="2400" b="0" i="0" u="none" strike="noStrike" kern="1200" dirty="0" smtClean="0">
+                <a:solidFill>
+                  <a:srgbClr val="572E2D"/>
+                </a:solidFill>
+                <a:effectLst/>
+                <a:latin typeface="Noteworthy Bold" charset="0"/>
+                <a:ea typeface="Noteworthy Bold" charset="0"/>
+                <a:cs typeface="Noteworthy Bold" charset="0"/>
+                <a:sym typeface="Noteworthy Bold" charset="0"/>
+              </a:rPr>
+              <a:t>IT-Kosten</a:t>
+            </a:r>
+            <a:endParaRPr lang="de-DE" sz="3200" dirty="0" smtClean="0"/>
+          </a:p>
+          <a:p>
+            <a:r>
+              <a:rPr lang="de-DE" sz="2400" b="0" i="0" u="none" strike="noStrike" kern="1200" dirty="0" smtClean="0">
+                <a:solidFill>
+                  <a:srgbClr val="572E2D"/>
+                </a:solidFill>
+                <a:effectLst/>
+                <a:latin typeface="Noteworthy Bold" charset="0"/>
+                <a:ea typeface="Noteworthy Bold" charset="0"/>
+                <a:cs typeface="Noteworthy Bold" charset="0"/>
+                <a:sym typeface="Noteworthy Bold" charset="0"/>
+              </a:rPr>
+              <a:t>Reise-Kosten</a:t>
+            </a:r>
+          </a:p>
+          <a:p>
+            <a:r>
+              <a:rPr lang="de-DE" sz="2400" b="0" i="0" u="none" strike="noStrike" kern="1200" dirty="0" smtClean="0">
+                <a:solidFill>
+                  <a:srgbClr val="572E2D"/>
+                </a:solidFill>
+                <a:effectLst/>
+                <a:latin typeface="Noteworthy Bold" charset="0"/>
+                <a:ea typeface="Noteworthy Bold" charset="0"/>
+                <a:cs typeface="Noteworthy Bold" charset="0"/>
+                <a:sym typeface="Noteworthy Bold" charset="0"/>
+              </a:rPr>
+              <a:t>Trainings-Kosten</a:t>
+            </a:r>
+            <a:r>
+              <a:rPr lang="de-DE" sz="3200" dirty="0" smtClean="0"/>
+              <a:t> </a:t>
+            </a:r>
+            <a:endParaRPr lang="de-DE" sz="2400" b="0" i="0" u="none" strike="noStrike" kern="1200" dirty="0" smtClean="0">
+              <a:solidFill>
+                <a:srgbClr val="572E2D"/>
+              </a:solidFill>
+              <a:effectLst/>
+              <a:latin typeface="Noteworthy Bold" charset="0"/>
+              <a:sym typeface="Noteworthy Bold" charset="0"/>
+            </a:endParaRPr>
+          </a:p>
+          <a:p>
+            <a:r>
+              <a:rPr lang="de-DE" sz="2800" dirty="0" smtClean="0"/>
+              <a:t> </a:t>
+            </a:r>
+            <a:endParaRPr lang="de-DE" sz="2800" kern="1200" dirty="0" smtClean="0">
+              <a:solidFill>
+                <a:srgbClr val="572E2D"/>
+              </a:solidFill>
+              <a:latin typeface="Noteworthy Bold" charset="0"/>
+              <a:ea typeface="Noteworthy Bold" charset="0"/>
+              <a:cs typeface="Noteworthy Bold" charset="0"/>
+              <a:sym typeface="Noteworthy Bold" charset="0"/>
+            </a:endParaRPr>
           </a:p>
         </p:txBody>
       </p:sp>
@@ -1363,220 +4837,1378 @@
           <a:lstStyle/>
           <a:p>
             <a:r>
-              <a:rPr lang="de-DE" sz="2500" dirty="0"/>
+              <a:rPr lang="de-DE" sz="2800" kern="1200" dirty="0" smtClean="0">
+                <a:solidFill>
+                  <a:srgbClr val="572E2D"/>
+                </a:solidFill>
+                <a:latin typeface="Noteworthy Bold" charset="0"/>
+                <a:ea typeface="Noteworthy Bold" charset="0"/>
+                <a:cs typeface="Noteworthy Bold" charset="0"/>
+                <a:sym typeface="Noteworthy Bold" charset="0"/>
+              </a:rPr>
               <a:t>Projekt-Name</a:t>
             </a:r>
           </a:p>
           <a:p>
             <a:r>
-              <a:rPr lang="de-DE" sz="2500" dirty="0"/>
+              <a:rPr lang="de-DE" sz="2800" kern="1200" dirty="0" smtClean="0">
+                <a:solidFill>
+                  <a:srgbClr val="572E2D"/>
+                </a:solidFill>
+                <a:latin typeface="Noteworthy Bold" charset="0"/>
+                <a:ea typeface="Noteworthy Bold" charset="0"/>
+                <a:cs typeface="Noteworthy Bold" charset="0"/>
+                <a:sym typeface="Noteworthy Bold" charset="0"/>
+              </a:rPr>
+              <a:t>Soll-Ist &amp; Prognose</a:t>
+            </a:r>
+          </a:p>
+          <a:p>
+            <a:r>
+              <a:rPr lang="de-DE" sz="2800" kern="1200" dirty="0" smtClean="0">
+                <a:solidFill>
+                  <a:srgbClr val="572E2D"/>
+                </a:solidFill>
+                <a:latin typeface="Noteworthy Bold" charset="0"/>
+                <a:ea typeface="Noteworthy Bold" charset="0"/>
+                <a:cs typeface="Noteworthy Bold" charset="0"/>
+                <a:sym typeface="Noteworthy Bold" charset="0"/>
+              </a:rPr>
+              <a:t>Projekt-Grafik</a:t>
+            </a:r>
+          </a:p>
+          <a:p>
+            <a:r>
+              <a:rPr lang="de-DE" sz="2800" kern="1200" dirty="0" smtClean="0">
+                <a:solidFill>
+                  <a:srgbClr val="572E2D"/>
+                </a:solidFill>
+                <a:latin typeface="Noteworthy Bold" charset="0"/>
+                <a:ea typeface="Noteworthy Bold" charset="0"/>
+                <a:cs typeface="Noteworthy Bold" charset="0"/>
+                <a:sym typeface="Noteworthy Bold" charset="0"/>
+              </a:rPr>
+              <a:t>Meilenstein Trendanalyse</a:t>
+            </a:r>
+          </a:p>
+          <a:p>
+            <a:r>
+              <a:rPr lang="de-DE" sz="2800" kern="1200" dirty="0" smtClean="0">
+                <a:solidFill>
+                  <a:srgbClr val="572E2D"/>
+                </a:solidFill>
+                <a:latin typeface="Noteworthy Bold" charset="0"/>
+                <a:ea typeface="Noteworthy Bold" charset="0"/>
+                <a:cs typeface="Noteworthy Bold" charset="0"/>
+                <a:sym typeface="Noteworthy Bold" charset="0"/>
+              </a:rPr>
+              <a:t>Vergleich mit Beauftragung</a:t>
+            </a:r>
+          </a:p>
+          <a:p>
+            <a:r>
+              <a:rPr lang="de-DE" sz="2800" kern="1200" dirty="0" smtClean="0">
+                <a:solidFill>
+                  <a:srgbClr val="572E2D"/>
+                </a:solidFill>
+                <a:latin typeface="Noteworthy Bold" charset="0"/>
+                <a:ea typeface="Noteworthy Bold" charset="0"/>
+                <a:cs typeface="Noteworthy Bold" charset="0"/>
+                <a:sym typeface="Noteworthy Bold" charset="0"/>
+              </a:rPr>
+              <a:t>Vergleich mit letztem Stand</a:t>
+            </a:r>
+          </a:p>
+          <a:p>
+            <a:r>
+              <a:rPr lang="de-DE" sz="2800" kern="1200" dirty="0" smtClean="0">
+                <a:solidFill>
+                  <a:srgbClr val="572E2D"/>
+                </a:solidFill>
+                <a:latin typeface="Noteworthy Bold" charset="0"/>
+                <a:ea typeface="Noteworthy Bold" charset="0"/>
+                <a:cs typeface="Noteworthy Bold" charset="0"/>
+                <a:sym typeface="Noteworthy Bold" charset="0"/>
+              </a:rPr>
+              <a:t>Vergleich mit Vorlage</a:t>
+            </a:r>
+          </a:p>
+          <a:p>
+            <a:r>
+              <a:rPr lang="de-DE" sz="2800" kern="1200" dirty="0" smtClean="0">
+                <a:solidFill>
+                  <a:srgbClr val="572E2D"/>
+                </a:solidFill>
+                <a:latin typeface="Noteworthy Bold" charset="0"/>
+                <a:ea typeface="Noteworthy Bold" charset="0"/>
+                <a:cs typeface="Noteworthy Bold" charset="0"/>
+                <a:sym typeface="Noteworthy Bold" charset="0"/>
+              </a:rPr>
+              <a:t>Tabelle Projektziele</a:t>
+            </a:r>
+          </a:p>
+          <a:p>
+            <a:r>
+              <a:rPr lang="de-DE" sz="2800" kern="1200" dirty="0" smtClean="0">
+                <a:solidFill>
+                  <a:srgbClr val="572E2D"/>
+                </a:solidFill>
+                <a:latin typeface="Noteworthy Bold" charset="0"/>
+                <a:ea typeface="Noteworthy Bold" charset="0"/>
+                <a:cs typeface="Noteworthy Bold" charset="0"/>
+                <a:sym typeface="Noteworthy Bold" charset="0"/>
+              </a:rPr>
+              <a:t>Tabelle Projektstatus</a:t>
+            </a:r>
+          </a:p>
+          <a:p>
+            <a:r>
+              <a:rPr lang="de-DE" sz="2800" kern="1200" dirty="0" smtClean="0">
+                <a:solidFill>
+                  <a:srgbClr val="572E2D"/>
+                </a:solidFill>
+                <a:latin typeface="Noteworthy Bold" charset="0"/>
+                <a:ea typeface="Noteworthy Bold" charset="0"/>
+                <a:cs typeface="Noteworthy Bold" charset="0"/>
+                <a:sym typeface="Noteworthy Bold" charset="0"/>
+              </a:rPr>
+              <a:t>Tabelle Veränderungen</a:t>
+            </a:r>
+          </a:p>
+          <a:p>
+            <a:r>
+              <a:rPr lang="de-DE" sz="2800" kern="1200" dirty="0" smtClean="0">
+                <a:solidFill>
+                  <a:srgbClr val="572E2D"/>
+                </a:solidFill>
+                <a:latin typeface="Noteworthy Bold" charset="0"/>
+                <a:ea typeface="Noteworthy Bold" charset="0"/>
+                <a:cs typeface="Noteworthy Bold" charset="0"/>
+                <a:sym typeface="Noteworthy Bold" charset="0"/>
+              </a:rPr>
+              <a:t>Tabelle Vergleich letzter Stand</a:t>
+            </a:r>
+          </a:p>
+          <a:p>
+            <a:r>
+              <a:rPr lang="de-DE" sz="2800" kern="1200" dirty="0" smtClean="0">
+                <a:solidFill>
+                  <a:srgbClr val="572E2D"/>
+                </a:solidFill>
+                <a:latin typeface="Noteworthy Bold" charset="0"/>
+                <a:ea typeface="Noteworthy Bold" charset="0"/>
+                <a:cs typeface="Noteworthy Bold" charset="0"/>
+                <a:sym typeface="Noteworthy Bold" charset="0"/>
+              </a:rPr>
+              <a:t>Tabelle Vergleich Beauftragung</a:t>
+            </a:r>
+          </a:p>
+          <a:p>
+            <a:r>
+              <a:rPr lang="de-DE" sz="2800" kern="1200" dirty="0" smtClean="0">
+                <a:solidFill>
+                  <a:srgbClr val="572E2D"/>
+                </a:solidFill>
+                <a:latin typeface="Noteworthy Bold" charset="0"/>
+                <a:ea typeface="Noteworthy Bold" charset="0"/>
+                <a:cs typeface="Noteworthy Bold" charset="0"/>
+                <a:sym typeface="Noteworthy Bold" charset="0"/>
+              </a:rPr>
               <a:t>Ergebnis</a:t>
             </a:r>
           </a:p>
           <a:p>
             <a:r>
-              <a:rPr lang="de-DE" sz="2500" dirty="0"/>
+              <a:rPr lang="de-DE" sz="2800" kern="1200" dirty="0" smtClean="0">
+                <a:solidFill>
+                  <a:srgbClr val="572E2D"/>
+                </a:solidFill>
+                <a:latin typeface="Noteworthy Bold" charset="0"/>
+                <a:ea typeface="Noteworthy Bold" charset="0"/>
+                <a:cs typeface="Noteworthy Bold" charset="0"/>
+                <a:sym typeface="Noteworthy Bold" charset="0"/>
+              </a:rPr>
               <a:t>Strategie/Risiko</a:t>
             </a:r>
           </a:p>
           <a:p>
             <a:r>
-              <a:rPr lang="de-DE" sz="2500" dirty="0"/>
+              <a:rPr lang="de-DE" sz="2800" kern="1200" dirty="0" smtClean="0">
+                <a:solidFill>
+                  <a:srgbClr val="572E2D"/>
+                </a:solidFill>
+                <a:latin typeface="Noteworthy Bold" charset="0"/>
+                <a:ea typeface="Noteworthy Bold" charset="0"/>
+                <a:cs typeface="Noteworthy Bold" charset="0"/>
+                <a:sym typeface="Noteworthy Bold" charset="0"/>
+              </a:rPr>
               <a:t>Teilprojekte</a:t>
             </a:r>
           </a:p>
           <a:p>
             <a:r>
-              <a:rPr lang="de-DE" sz="2500" dirty="0"/>
+              <a:rPr lang="de-DE" sz="2800" kern="1200" dirty="0" smtClean="0">
+                <a:solidFill>
+                  <a:srgbClr val="572E2D"/>
+                </a:solidFill>
+                <a:latin typeface="Noteworthy Bold" charset="0"/>
+                <a:ea typeface="Noteworthy Bold" charset="0"/>
+                <a:cs typeface="Noteworthy Bold" charset="0"/>
+                <a:sym typeface="Noteworthy Bold" charset="0"/>
+              </a:rPr>
               <a:t>Personalbedarf</a:t>
             </a:r>
           </a:p>
           <a:p>
             <a:r>
-              <a:rPr lang="de-DE" sz="2500" dirty="0"/>
+              <a:rPr lang="de-DE" sz="2800" kern="1200" dirty="0" smtClean="0">
+                <a:solidFill>
+                  <a:srgbClr val="572E2D"/>
+                </a:solidFill>
+                <a:latin typeface="Noteworthy Bold" charset="0"/>
+                <a:ea typeface="Noteworthy Bold" charset="0"/>
+                <a:cs typeface="Noteworthy Bold" charset="0"/>
+                <a:sym typeface="Noteworthy Bold" charset="0"/>
+              </a:rPr>
               <a:t>Personalkosten</a:t>
             </a:r>
           </a:p>
           <a:p>
             <a:r>
-              <a:rPr lang="de-DE" sz="2500" dirty="0"/>
+              <a:rPr lang="de-DE" sz="2800" kern="1200" dirty="0" smtClean="0">
+                <a:solidFill>
+                  <a:srgbClr val="572E2D"/>
+                </a:solidFill>
+                <a:latin typeface="Noteworthy Bold" charset="0"/>
+                <a:ea typeface="Noteworthy Bold" charset="0"/>
+                <a:cs typeface="Noteworthy Bold" charset="0"/>
+                <a:sym typeface="Noteworthy Bold" charset="0"/>
+              </a:rPr>
               <a:t>Sonstige Kosten</a:t>
             </a:r>
           </a:p>
           <a:p>
             <a:r>
-              <a:rPr lang="de-DE" sz="2500" dirty="0"/>
+              <a:rPr lang="de-DE" sz="2800" kern="1200" dirty="0" smtClean="0">
+                <a:solidFill>
+                  <a:srgbClr val="572E2D"/>
+                </a:solidFill>
+                <a:latin typeface="Noteworthy Bold" charset="0"/>
+                <a:ea typeface="Noteworthy Bold" charset="0"/>
+                <a:cs typeface="Noteworthy Bold" charset="0"/>
+                <a:sym typeface="Noteworthy Bold" charset="0"/>
+              </a:rPr>
               <a:t>Gesamtkosten</a:t>
             </a:r>
           </a:p>
           <a:p>
             <a:r>
-              <a:rPr lang="de-DE" sz="2500" dirty="0"/>
+              <a:rPr lang="de-DE" sz="2800" kern="1200" dirty="0" smtClean="0">
+                <a:solidFill>
+                  <a:srgbClr val="572E2D"/>
+                </a:solidFill>
+                <a:latin typeface="Noteworthy Bold" charset="0"/>
+                <a:ea typeface="Noteworthy Bold" charset="0"/>
+                <a:cs typeface="Noteworthy Bold" charset="0"/>
+                <a:sym typeface="Noteworthy Bold" charset="0"/>
+              </a:rPr>
+              <a:t>Trend Strategischer Fit/Risiko</a:t>
+            </a:r>
+          </a:p>
+          <a:p>
+            <a:r>
+              <a:rPr lang="de-DE" sz="2800" kern="1200" dirty="0" smtClean="0">
+                <a:solidFill>
+                  <a:srgbClr val="572E2D"/>
+                </a:solidFill>
+                <a:latin typeface="Noteworthy Bold" charset="0"/>
+                <a:ea typeface="Noteworthy Bold" charset="0"/>
+                <a:cs typeface="Noteworthy Bold" charset="0"/>
+                <a:sym typeface="Noteworthy Bold" charset="0"/>
+              </a:rPr>
+              <a:t>Trend Kennzahlen</a:t>
+            </a:r>
+          </a:p>
+          <a:p>
+            <a:r>
+              <a:rPr lang="de-DE" sz="2800" kern="1200" dirty="0" smtClean="0">
+                <a:solidFill>
+                  <a:srgbClr val="572E2D"/>
+                </a:solidFill>
+                <a:latin typeface="Noteworthy Bold" charset="0"/>
+                <a:ea typeface="Noteworthy Bold" charset="0"/>
+                <a:cs typeface="Noteworthy Bold" charset="0"/>
+                <a:sym typeface="Noteworthy Bold" charset="0"/>
+              </a:rPr>
               <a:t>Fortschritt Personalkosten</a:t>
             </a:r>
           </a:p>
           <a:p>
             <a:r>
-              <a:rPr lang="de-DE" sz="2500" dirty="0"/>
+              <a:rPr lang="de-DE" sz="2800" kern="1200" dirty="0" smtClean="0">
+                <a:solidFill>
+                  <a:srgbClr val="572E2D"/>
+                </a:solidFill>
+                <a:latin typeface="Noteworthy Bold" charset="0"/>
+                <a:ea typeface="Noteworthy Bold" charset="0"/>
+                <a:cs typeface="Noteworthy Bold" charset="0"/>
+                <a:sym typeface="Noteworthy Bold" charset="0"/>
+              </a:rPr>
               <a:t>Fortschritt Sonstige Kosten</a:t>
             </a:r>
           </a:p>
           <a:p>
             <a:r>
-              <a:rPr lang="de-DE" sz="2500" dirty="0"/>
-              <a:t>Fortschritt Gesamtkosten</a:t>
-            </a:r>
-          </a:p>
-          <a:p>
-            <a:r>
-              <a:rPr lang="de-DE" sz="2500" dirty="0"/>
-              <a:t>Fortschritt Rolle(…)</a:t>
-            </a:r>
-          </a:p>
-          <a:p>
-            <a:r>
-              <a:rPr lang="de-DE" sz="2500" dirty="0"/>
-              <a:t>Fortschritt Kostenart(…)</a:t>
-            </a:r>
-          </a:p>
-          <a:p>
-            <a:endParaRPr lang="de-DE" sz="2500" dirty="0"/>
-          </a:p>
-          <a:p>
-            <a:r>
-              <a:rPr lang="de-DE" sz="2500" dirty="0"/>
+              <a:rPr lang="de-DE" sz="2800" kern="1200" dirty="0" smtClean="0">
+                <a:solidFill>
+                  <a:srgbClr val="572E2D"/>
+                </a:solidFill>
+                <a:latin typeface="Noteworthy Bold" charset="0"/>
+                <a:ea typeface="Noteworthy Bold" charset="0"/>
+                <a:cs typeface="Noteworthy Bold" charset="0"/>
+                <a:sym typeface="Noteworthy Bold" charset="0"/>
+              </a:rPr>
+              <a:t>Fortschritt Rolle(..)</a:t>
+            </a:r>
+          </a:p>
+          <a:p>
+            <a:r>
+              <a:rPr lang="de-DE" sz="2800" kern="1200" dirty="0" smtClean="0">
+                <a:solidFill>
+                  <a:srgbClr val="572E2D"/>
+                </a:solidFill>
+                <a:latin typeface="Noteworthy Bold" charset="0"/>
+                <a:ea typeface="Noteworthy Bold" charset="0"/>
+                <a:cs typeface="Noteworthy Bold" charset="0"/>
+                <a:sym typeface="Noteworthy Bold" charset="0"/>
+              </a:rPr>
+              <a:t>Fortschritt Kostenart(..)</a:t>
+            </a:r>
+          </a:p>
+          <a:p>
+            <a:r>
+              <a:rPr lang="de-DE" sz="2800" kern="1200" dirty="0" smtClean="0">
+                <a:solidFill>
+                  <a:srgbClr val="572E2D"/>
+                </a:solidFill>
+                <a:latin typeface="Noteworthy Bold" charset="0"/>
+                <a:ea typeface="Noteworthy Bold" charset="0"/>
+                <a:cs typeface="Noteworthy Bold" charset="0"/>
+                <a:sym typeface="Noteworthy Bold" charset="0"/>
+              </a:rPr>
               <a:t>Soll-Ist1 Personalkosten</a:t>
             </a:r>
           </a:p>
           <a:p>
-            <a:pPr defTabSz="481706">
-              <a:lnSpc>
-                <a:spcPts val="3688"/>
-              </a:lnSpc>
-              <a:defRPr/>
-            </a:pPr>
-            <a:r>
-              <a:rPr lang="de-DE" sz="2500" dirty="0"/>
+            <a:r>
+              <a:rPr lang="de-DE" sz="2800" kern="1200" dirty="0" smtClean="0">
+                <a:solidFill>
+                  <a:srgbClr val="572E2D"/>
+                </a:solidFill>
+                <a:latin typeface="Noteworthy Bold" charset="0"/>
+                <a:ea typeface="Noteworthy Bold" charset="0"/>
+                <a:cs typeface="Noteworthy Bold" charset="0"/>
+                <a:sym typeface="Noteworthy Bold" charset="0"/>
+              </a:rPr>
               <a:t>Soll-Ist2 Personalkosten</a:t>
             </a:r>
           </a:p>
           <a:p>
-            <a:endParaRPr lang="de-DE" sz="2500" dirty="0"/>
-          </a:p>
-          <a:p>
-            <a:r>
-              <a:rPr lang="de-DE" sz="2500" dirty="0"/>
+            <a:r>
+              <a:rPr lang="de-DE" sz="2800" kern="1200" dirty="0" smtClean="0">
+                <a:solidFill>
+                  <a:srgbClr val="572E2D"/>
+                </a:solidFill>
+                <a:latin typeface="Noteworthy Bold" charset="0"/>
+                <a:ea typeface="Noteworthy Bold" charset="0"/>
+                <a:cs typeface="Noteworthy Bold" charset="0"/>
+                <a:sym typeface="Noteworthy Bold" charset="0"/>
+              </a:rPr>
+              <a:t>Soll-Ist1C Personalkosten</a:t>
+            </a:r>
+          </a:p>
+          <a:p>
+            <a:r>
+              <a:rPr lang="de-DE" sz="2800" kern="1200" dirty="0" smtClean="0">
+                <a:solidFill>
+                  <a:srgbClr val="572E2D"/>
+                </a:solidFill>
+                <a:latin typeface="Noteworthy Bold" charset="0"/>
+                <a:ea typeface="Noteworthy Bold" charset="0"/>
+                <a:cs typeface="Noteworthy Bold" charset="0"/>
+                <a:sym typeface="Noteworthy Bold" charset="0"/>
+              </a:rPr>
+              <a:t>Soll-Ist2C Personalkosten</a:t>
+            </a:r>
+          </a:p>
+          <a:p>
+            <a:r>
+              <a:rPr lang="de-DE" sz="2800" kern="1200" dirty="0" smtClean="0">
+                <a:solidFill>
+                  <a:srgbClr val="572E2D"/>
+                </a:solidFill>
+                <a:latin typeface="Noteworthy Bold" charset="0"/>
+                <a:ea typeface="Noteworthy Bold" charset="0"/>
+                <a:cs typeface="Noteworthy Bold" charset="0"/>
+                <a:sym typeface="Noteworthy Bold" charset="0"/>
+              </a:rPr>
               <a:t>Soll-Ist1 Sonstige Kosten</a:t>
             </a:r>
           </a:p>
           <a:p>
-            <a:pPr defTabSz="481706">
-              <a:lnSpc>
-                <a:spcPts val="3688"/>
-              </a:lnSpc>
-              <a:defRPr/>
-            </a:pPr>
-            <a:r>
-              <a:rPr lang="de-DE" sz="2500" dirty="0"/>
+            <a:r>
+              <a:rPr lang="de-DE" sz="2800" kern="1200" dirty="0" smtClean="0">
+                <a:solidFill>
+                  <a:srgbClr val="572E2D"/>
+                </a:solidFill>
+                <a:latin typeface="Noteworthy Bold" charset="0"/>
+                <a:ea typeface="Noteworthy Bold" charset="0"/>
+                <a:cs typeface="Noteworthy Bold" charset="0"/>
+                <a:sym typeface="Noteworthy Bold" charset="0"/>
+              </a:rPr>
               <a:t>Soll-Ist2 Sonstige Kosten</a:t>
             </a:r>
           </a:p>
           <a:p>
-            <a:endParaRPr lang="de-DE" sz="2500" dirty="0"/>
-          </a:p>
-          <a:p>
-            <a:r>
-              <a:rPr lang="de-DE" sz="2500" dirty="0"/>
+            <a:r>
+              <a:rPr lang="de-DE" sz="2800" kern="1200" dirty="0" smtClean="0">
+                <a:solidFill>
+                  <a:srgbClr val="572E2D"/>
+                </a:solidFill>
+                <a:latin typeface="Noteworthy Bold" charset="0"/>
+                <a:ea typeface="Noteworthy Bold" charset="0"/>
+                <a:cs typeface="Noteworthy Bold" charset="0"/>
+                <a:sym typeface="Noteworthy Bold" charset="0"/>
+              </a:rPr>
+              <a:t>Soll-Ist1C Sonstige Kosten</a:t>
+            </a:r>
+          </a:p>
+          <a:p>
+            <a:r>
+              <a:rPr lang="de-DE" sz="2800" kern="1200" dirty="0" smtClean="0">
+                <a:solidFill>
+                  <a:srgbClr val="572E2D"/>
+                </a:solidFill>
+                <a:latin typeface="Noteworthy Bold" charset="0"/>
+                <a:ea typeface="Noteworthy Bold" charset="0"/>
+                <a:cs typeface="Noteworthy Bold" charset="0"/>
+                <a:sym typeface="Noteworthy Bold" charset="0"/>
+              </a:rPr>
+              <a:t>Soll-Ist2C Sonstige Kosten</a:t>
+            </a:r>
+          </a:p>
+          <a:p>
+            <a:r>
+              <a:rPr lang="de-DE" sz="2800" kern="1200" dirty="0" smtClean="0">
+                <a:solidFill>
+                  <a:srgbClr val="572E2D"/>
+                </a:solidFill>
+                <a:latin typeface="Noteworthy Bold" charset="0"/>
+                <a:ea typeface="Noteworthy Bold" charset="0"/>
+                <a:cs typeface="Noteworthy Bold" charset="0"/>
+                <a:sym typeface="Noteworthy Bold" charset="0"/>
+              </a:rPr>
               <a:t>Soll-Ist1 Gesamtkosten</a:t>
             </a:r>
           </a:p>
           <a:p>
-            <a:pPr defTabSz="481706">
-              <a:lnSpc>
-                <a:spcPts val="3688"/>
-              </a:lnSpc>
-              <a:defRPr/>
-            </a:pPr>
-            <a:r>
-              <a:rPr lang="de-DE" sz="2500" dirty="0"/>
+            <a:r>
+              <a:rPr lang="de-DE" sz="2800" kern="1200" dirty="0" smtClean="0">
+                <a:solidFill>
+                  <a:srgbClr val="572E2D"/>
+                </a:solidFill>
+                <a:latin typeface="Noteworthy Bold" charset="0"/>
+                <a:ea typeface="Noteworthy Bold" charset="0"/>
+                <a:cs typeface="Noteworthy Bold" charset="0"/>
+                <a:sym typeface="Noteworthy Bold" charset="0"/>
+              </a:rPr>
               <a:t>Soll-Ist2 Gesamtkosten</a:t>
             </a:r>
           </a:p>
           <a:p>
-            <a:endParaRPr lang="de-DE" sz="2500" dirty="0"/>
-          </a:p>
-          <a:p>
-            <a:r>
-              <a:rPr lang="de-DE" sz="2500" dirty="0"/>
-              <a:t>Soll-Ist1 Rolle (…)</a:t>
-            </a:r>
-          </a:p>
-          <a:p>
-            <a:pPr defTabSz="481706">
-              <a:lnSpc>
-                <a:spcPts val="3688"/>
-              </a:lnSpc>
-              <a:defRPr/>
-            </a:pPr>
-            <a:r>
-              <a:rPr lang="de-DE" sz="2500" dirty="0"/>
-              <a:t>Soll-Ist2 Rolle (…)</a:t>
-            </a:r>
-          </a:p>
-          <a:p>
-            <a:endParaRPr lang="de-DE" sz="2500" dirty="0"/>
-          </a:p>
-          <a:p>
-            <a:r>
-              <a:rPr lang="de-DE" sz="2500" dirty="0"/>
-              <a:t>Soll-Ist1 Kostenart (…)</a:t>
-            </a:r>
-          </a:p>
-          <a:p>
-            <a:pPr defTabSz="481706">
-              <a:lnSpc>
-                <a:spcPts val="3688"/>
-              </a:lnSpc>
-              <a:defRPr/>
-            </a:pPr>
-            <a:r>
-              <a:rPr lang="de-DE" sz="2500" dirty="0"/>
-              <a:t>Soll-Ist2 Kostenart (…)</a:t>
-            </a:r>
-          </a:p>
-          <a:p>
-            <a:endParaRPr lang="de-DE" sz="2500" dirty="0"/>
-          </a:p>
-          <a:p>
-            <a:r>
-              <a:rPr lang="de-DE" sz="2500" dirty="0"/>
+            <a:r>
+              <a:rPr lang="de-DE" sz="2800" kern="1200" dirty="0" smtClean="0">
+                <a:solidFill>
+                  <a:srgbClr val="572E2D"/>
+                </a:solidFill>
+                <a:latin typeface="Noteworthy Bold" charset="0"/>
+                <a:ea typeface="Noteworthy Bold" charset="0"/>
+                <a:cs typeface="Noteworthy Bold" charset="0"/>
+                <a:sym typeface="Noteworthy Bold" charset="0"/>
+              </a:rPr>
+              <a:t>Soll-Ist1C Gesamtkosten</a:t>
+            </a:r>
+          </a:p>
+          <a:p>
+            <a:r>
+              <a:rPr lang="de-DE" sz="2800" kern="1200" dirty="0" smtClean="0">
+                <a:solidFill>
+                  <a:srgbClr val="572E2D"/>
+                </a:solidFill>
+                <a:latin typeface="Noteworthy Bold" charset="0"/>
+                <a:ea typeface="Noteworthy Bold" charset="0"/>
+                <a:cs typeface="Noteworthy Bold" charset="0"/>
+                <a:sym typeface="Noteworthy Bold" charset="0"/>
+              </a:rPr>
+              <a:t>Soll-Ist2C Gesamtkosten</a:t>
+            </a:r>
+          </a:p>
+          <a:p>
+            <a:r>
+              <a:rPr lang="de-DE" sz="2800" kern="1200" dirty="0" smtClean="0">
+                <a:solidFill>
+                  <a:srgbClr val="572E2D"/>
+                </a:solidFill>
+                <a:latin typeface="Noteworthy Bold" charset="0"/>
+                <a:ea typeface="Noteworthy Bold" charset="0"/>
+                <a:cs typeface="Noteworthy Bold" charset="0"/>
+                <a:sym typeface="Noteworthy Bold" charset="0"/>
+              </a:rPr>
+              <a:t>Soll-Ist1 Rolle</a:t>
+            </a:r>
+          </a:p>
+          <a:p>
+            <a:r>
+              <a:rPr lang="de-DE" sz="2800" kern="1200" dirty="0" smtClean="0">
+                <a:solidFill>
+                  <a:srgbClr val="572E2D"/>
+                </a:solidFill>
+                <a:latin typeface="Noteworthy Bold" charset="0"/>
+                <a:ea typeface="Noteworthy Bold" charset="0"/>
+                <a:cs typeface="Noteworthy Bold" charset="0"/>
+                <a:sym typeface="Noteworthy Bold" charset="0"/>
+              </a:rPr>
+              <a:t>Soll-Ist2 Rolle</a:t>
+            </a:r>
+          </a:p>
+          <a:p>
+            <a:r>
+              <a:rPr lang="de-DE" sz="2800" kern="1200" dirty="0" smtClean="0">
+                <a:solidFill>
+                  <a:srgbClr val="572E2D"/>
+                </a:solidFill>
+                <a:latin typeface="Noteworthy Bold" charset="0"/>
+                <a:ea typeface="Noteworthy Bold" charset="0"/>
+                <a:cs typeface="Noteworthy Bold" charset="0"/>
+                <a:sym typeface="Noteworthy Bold" charset="0"/>
+              </a:rPr>
+              <a:t>Soll-Ist1C Rolle</a:t>
+            </a:r>
+          </a:p>
+          <a:p>
+            <a:r>
+              <a:rPr lang="de-DE" sz="2800" kern="1200" dirty="0" smtClean="0">
+                <a:solidFill>
+                  <a:srgbClr val="572E2D"/>
+                </a:solidFill>
+                <a:latin typeface="Noteworthy Bold" charset="0"/>
+                <a:ea typeface="Noteworthy Bold" charset="0"/>
+                <a:cs typeface="Noteworthy Bold" charset="0"/>
+                <a:sym typeface="Noteworthy Bold" charset="0"/>
+              </a:rPr>
+              <a:t>Soll-Ist2C Rolle</a:t>
+            </a:r>
+          </a:p>
+          <a:p>
+            <a:r>
+              <a:rPr lang="de-DE" sz="2800" kern="1200" dirty="0" smtClean="0">
+                <a:solidFill>
+                  <a:srgbClr val="572E2D"/>
+                </a:solidFill>
+                <a:latin typeface="Noteworthy Bold" charset="0"/>
+                <a:ea typeface="Noteworthy Bold" charset="0"/>
+                <a:cs typeface="Noteworthy Bold" charset="0"/>
+                <a:sym typeface="Noteworthy Bold" charset="0"/>
+              </a:rPr>
+              <a:t>Soll-Ist1 Kostenart</a:t>
+            </a:r>
+          </a:p>
+          <a:p>
+            <a:r>
+              <a:rPr lang="de-DE" sz="2800" kern="1200" dirty="0" smtClean="0">
+                <a:solidFill>
+                  <a:srgbClr val="572E2D"/>
+                </a:solidFill>
+                <a:latin typeface="Noteworthy Bold" charset="0"/>
+                <a:ea typeface="Noteworthy Bold" charset="0"/>
+                <a:cs typeface="Noteworthy Bold" charset="0"/>
+                <a:sym typeface="Noteworthy Bold" charset="0"/>
+              </a:rPr>
+              <a:t>Soll-Ist2 Kostenart</a:t>
+            </a:r>
+          </a:p>
+          <a:p>
+            <a:r>
+              <a:rPr lang="de-DE" sz="2800" kern="1200" dirty="0" smtClean="0">
+                <a:solidFill>
+                  <a:srgbClr val="572E2D"/>
+                </a:solidFill>
+                <a:latin typeface="Noteworthy Bold" charset="0"/>
+                <a:ea typeface="Noteworthy Bold" charset="0"/>
+                <a:cs typeface="Noteworthy Bold" charset="0"/>
+                <a:sym typeface="Noteworthy Bold" charset="0"/>
+              </a:rPr>
+              <a:t>Soll-Ist1C Kostenart</a:t>
+            </a:r>
+          </a:p>
+          <a:p>
+            <a:r>
+              <a:rPr lang="de-DE" sz="2800" kern="1200" dirty="0" smtClean="0">
+                <a:solidFill>
+                  <a:srgbClr val="572E2D"/>
+                </a:solidFill>
+                <a:latin typeface="Noteworthy Bold" charset="0"/>
+                <a:ea typeface="Noteworthy Bold" charset="0"/>
+                <a:cs typeface="Noteworthy Bold" charset="0"/>
+                <a:sym typeface="Noteworthy Bold" charset="0"/>
+              </a:rPr>
+              <a:t>Soll-Ist2C Kostenart</a:t>
+            </a:r>
+          </a:p>
+          <a:p>
+            <a:r>
+              <a:rPr lang="de-DE" sz="2800" kern="1200" dirty="0" smtClean="0">
+                <a:solidFill>
+                  <a:srgbClr val="572E2D"/>
+                </a:solidFill>
+                <a:latin typeface="Noteworthy Bold" charset="0"/>
+                <a:ea typeface="Noteworthy Bold" charset="0"/>
+                <a:cs typeface="Noteworthy Bold" charset="0"/>
+                <a:sym typeface="Noteworthy Bold" charset="0"/>
+              </a:rPr>
               <a:t>Ampel-Farbe</a:t>
             </a:r>
           </a:p>
           <a:p>
             <a:r>
-              <a:rPr lang="de-DE" sz="2500" dirty="0"/>
+              <a:rPr lang="de-DE" sz="2800" kern="1200" dirty="0" smtClean="0">
+                <a:solidFill>
+                  <a:srgbClr val="572E2D"/>
+                </a:solidFill>
+                <a:latin typeface="Noteworthy Bold" charset="0"/>
+                <a:ea typeface="Noteworthy Bold" charset="0"/>
+                <a:cs typeface="Noteworthy Bold" charset="0"/>
+                <a:sym typeface="Noteworthy Bold" charset="0"/>
+              </a:rPr>
               <a:t>Beschreibung</a:t>
             </a:r>
           </a:p>
           <a:p>
             <a:r>
-              <a:rPr lang="de-DE" sz="2500" dirty="0"/>
+              <a:rPr lang="de-DE" sz="2800" kern="1200" dirty="0" smtClean="0">
+                <a:solidFill>
+                  <a:srgbClr val="572E2D"/>
+                </a:solidFill>
+                <a:latin typeface="Noteworthy Bold" charset="0"/>
+                <a:ea typeface="Noteworthy Bold" charset="0"/>
+                <a:cs typeface="Noteworthy Bold" charset="0"/>
+                <a:sym typeface="Noteworthy Bold" charset="0"/>
+              </a:rPr>
               <a:t>Stand:</a:t>
             </a:r>
           </a:p>
           <a:p>
             <a:r>
-              <a:rPr lang="de-DE" sz="2500" dirty="0"/>
+              <a:rPr lang="de-DE" sz="2800" kern="1200" dirty="0" smtClean="0">
+                <a:solidFill>
+                  <a:srgbClr val="572E2D"/>
+                </a:solidFill>
+                <a:latin typeface="Noteworthy Bold" charset="0"/>
+                <a:ea typeface="Noteworthy Bold" charset="0"/>
+                <a:cs typeface="Noteworthy Bold" charset="0"/>
+                <a:sym typeface="Noteworthy Bold" charset="0"/>
+              </a:rPr>
               <a:t>Laufzeit:</a:t>
             </a:r>
           </a:p>
           <a:p>
             <a:r>
-              <a:rPr lang="de-DE" sz="2500" dirty="0"/>
+              <a:rPr lang="de-DE" sz="2800" kern="1200" dirty="0" smtClean="0">
+                <a:solidFill>
+                  <a:srgbClr val="572E2D"/>
+                </a:solidFill>
+                <a:latin typeface="Noteworthy Bold" charset="0"/>
+                <a:ea typeface="Noteworthy Bold" charset="0"/>
+                <a:cs typeface="Noteworthy Bold" charset="0"/>
+                <a:sym typeface="Noteworthy Bold" charset="0"/>
+              </a:rPr>
               <a:t>Verantwortlich:</a:t>
             </a:r>
-            <a:endParaRPr lang="de-DE" dirty="0"/>
+          </a:p>
+          <a:p>
+            <a:endParaRPr lang="de-DE" sz="2800" kern="1200" dirty="0" smtClean="0">
+              <a:solidFill>
+                <a:srgbClr val="572E2D"/>
+              </a:solidFill>
+              <a:latin typeface="Noteworthy Bold" charset="0"/>
+              <a:ea typeface="Noteworthy Bold" charset="0"/>
+              <a:cs typeface="Noteworthy Bold" charset="0"/>
+              <a:sym typeface="Noteworthy Bold" charset="0"/>
+            </a:endParaRPr>
+          </a:p>
+          <a:p>
+            <a:r>
+              <a:rPr lang="de-DE" sz="2800" kern="1200" dirty="0" smtClean="0">
+                <a:solidFill>
+                  <a:srgbClr val="572E2D"/>
+                </a:solidFill>
+                <a:latin typeface="Noteworthy Bold" charset="0"/>
+                <a:ea typeface="Noteworthy Bold" charset="0"/>
+                <a:cs typeface="Noteworthy Bold" charset="0"/>
+                <a:sym typeface="Noteworthy Bold" charset="0"/>
+              </a:rPr>
+              <a:t>--------------------------------</a:t>
+            </a:r>
+          </a:p>
+          <a:p>
+            <a:endParaRPr lang="de-DE" sz="2800" kern="1200" dirty="0" smtClean="0">
+              <a:solidFill>
+                <a:srgbClr val="572E2D"/>
+              </a:solidFill>
+              <a:latin typeface="Noteworthy Bold" charset="0"/>
+              <a:ea typeface="Noteworthy Bold" charset="0"/>
+              <a:cs typeface="Noteworthy Bold" charset="0"/>
+              <a:sym typeface="Noteworthy Bold" charset="0"/>
+            </a:endParaRPr>
+          </a:p>
+          <a:p>
+            <a:r>
+              <a:rPr lang="de-DE" sz="2800" kern="1200" dirty="0" smtClean="0">
+                <a:solidFill>
+                  <a:srgbClr val="572E2D"/>
+                </a:solidFill>
+                <a:latin typeface="Noteworthy Bold" charset="0"/>
+                <a:ea typeface="Noteworthy Bold" charset="0"/>
+                <a:cs typeface="Noteworthy Bold" charset="0"/>
+                <a:sym typeface="Noteworthy Bold" charset="0"/>
+              </a:rPr>
+              <a:t>Phasen: </a:t>
+            </a:r>
+          </a:p>
+          <a:p>
+            <a:r>
+              <a:rPr lang="de-DE" sz="2400" b="0" i="0" u="none" strike="noStrike" kern="1200" dirty="0" smtClean="0">
+                <a:solidFill>
+                  <a:srgbClr val="572E2D"/>
+                </a:solidFill>
+                <a:effectLst/>
+                <a:latin typeface="Noteworthy Bold" charset="0"/>
+                <a:ea typeface="Noteworthy Bold" charset="0"/>
+                <a:cs typeface="Noteworthy Bold" charset="0"/>
+                <a:sym typeface="Noteworthy Bold" charset="0"/>
+              </a:rPr>
+              <a:t>Business Case</a:t>
+            </a:r>
+            <a:endParaRPr lang="de-DE" sz="2800" dirty="0" smtClean="0"/>
+          </a:p>
+          <a:p>
+            <a:r>
+              <a:rPr lang="de-DE" sz="2400" b="0" i="0" u="none" strike="noStrike" kern="1200" dirty="0" smtClean="0">
+                <a:solidFill>
+                  <a:srgbClr val="572E2D"/>
+                </a:solidFill>
+                <a:effectLst/>
+                <a:latin typeface="Noteworthy Bold" charset="0"/>
+                <a:ea typeface="Noteworthy Bold" charset="0"/>
+                <a:cs typeface="Noteworthy Bold" charset="0"/>
+                <a:sym typeface="Noteworthy Bold" charset="0"/>
+              </a:rPr>
+              <a:t>Konzept</a:t>
+            </a:r>
+            <a:endParaRPr lang="de-DE" sz="2800" dirty="0" smtClean="0"/>
+          </a:p>
+          <a:p>
+            <a:r>
+              <a:rPr lang="de-DE" sz="2400" b="0" i="0" u="none" strike="noStrike" kern="1200" dirty="0" smtClean="0">
+                <a:solidFill>
+                  <a:srgbClr val="572E2D"/>
+                </a:solidFill>
+                <a:effectLst/>
+                <a:latin typeface="Noteworthy Bold" charset="0"/>
+                <a:ea typeface="Noteworthy Bold" charset="0"/>
+                <a:cs typeface="Noteworthy Bold" charset="0"/>
+                <a:sym typeface="Noteworthy Bold" charset="0"/>
+              </a:rPr>
+              <a:t>Entwicklung</a:t>
+            </a:r>
+            <a:endParaRPr lang="de-DE" sz="2800" dirty="0" smtClean="0"/>
+          </a:p>
+          <a:p>
+            <a:r>
+              <a:rPr lang="de-DE" sz="2400" b="0" i="0" u="none" strike="noStrike" kern="1200" dirty="0" smtClean="0">
+                <a:solidFill>
+                  <a:srgbClr val="572E2D"/>
+                </a:solidFill>
+                <a:effectLst/>
+                <a:latin typeface="Noteworthy Bold" charset="0"/>
+                <a:ea typeface="Noteworthy Bold" charset="0"/>
+                <a:cs typeface="Noteworthy Bold" charset="0"/>
+                <a:sym typeface="Noteworthy Bold" charset="0"/>
+              </a:rPr>
+              <a:t>Prototyp</a:t>
+            </a:r>
+            <a:endParaRPr lang="de-DE" sz="2800" dirty="0" smtClean="0"/>
+          </a:p>
+          <a:p>
+            <a:r>
+              <a:rPr lang="de-DE" sz="2400" b="0" i="0" u="none" strike="noStrike" kern="1200" dirty="0" smtClean="0">
+                <a:solidFill>
+                  <a:srgbClr val="572E2D"/>
+                </a:solidFill>
+                <a:effectLst/>
+                <a:latin typeface="Noteworthy Bold" charset="0"/>
+                <a:ea typeface="Noteworthy Bold" charset="0"/>
+                <a:cs typeface="Noteworthy Bold" charset="0"/>
+                <a:sym typeface="Noteworthy Bold" charset="0"/>
+              </a:rPr>
+              <a:t>Test</a:t>
+            </a:r>
+            <a:endParaRPr lang="de-DE" sz="2800" dirty="0" smtClean="0"/>
+          </a:p>
+          <a:p>
+            <a:r>
+              <a:rPr lang="de-DE" sz="2400" b="0" i="0" u="none" strike="noStrike" kern="1200" dirty="0" smtClean="0">
+                <a:solidFill>
+                  <a:srgbClr val="572E2D"/>
+                </a:solidFill>
+                <a:effectLst/>
+                <a:latin typeface="Noteworthy Bold" charset="0"/>
+                <a:ea typeface="Noteworthy Bold" charset="0"/>
+                <a:cs typeface="Noteworthy Bold" charset="0"/>
+                <a:sym typeface="Noteworthy Bold" charset="0"/>
+              </a:rPr>
+              <a:t>Rollout</a:t>
+            </a:r>
+          </a:p>
+          <a:p>
+            <a:endParaRPr lang="de-DE" sz="2400" b="0" i="0" u="none" strike="noStrike" kern="1200" dirty="0" smtClean="0">
+              <a:solidFill>
+                <a:srgbClr val="572E2D"/>
+              </a:solidFill>
+              <a:effectLst/>
+              <a:latin typeface="Noteworthy Bold" charset="0"/>
+              <a:sym typeface="Noteworthy Bold" charset="0"/>
+            </a:endParaRPr>
+          </a:p>
+          <a:p>
+            <a:r>
+              <a:rPr lang="de-DE" sz="2400" b="0" i="0" u="none" strike="noStrike" kern="1200" dirty="0" smtClean="0">
+                <a:solidFill>
+                  <a:srgbClr val="572E2D"/>
+                </a:solidFill>
+                <a:effectLst/>
+                <a:latin typeface="Noteworthy Bold" charset="0"/>
+                <a:sym typeface="Noteworthy Bold" charset="0"/>
+              </a:rPr>
+              <a:t>Meilensteine: </a:t>
+            </a:r>
+          </a:p>
+          <a:p>
+            <a:r>
+              <a:rPr lang="de-DE" sz="2400" b="0" i="0" u="none" strike="noStrike" kern="1200" dirty="0" smtClean="0">
+                <a:solidFill>
+                  <a:srgbClr val="572E2D"/>
+                </a:solidFill>
+                <a:effectLst/>
+                <a:latin typeface="Noteworthy Bold" charset="0"/>
+                <a:ea typeface="Noteworthy Bold" charset="0"/>
+                <a:cs typeface="Noteworthy Bold" charset="0"/>
+                <a:sym typeface="Noteworthy Bold" charset="0"/>
+              </a:rPr>
+              <a:t>Projektskizze</a:t>
+            </a:r>
+          </a:p>
+          <a:p>
+            <a:r>
+              <a:rPr lang="de-DE" sz="2400" b="0" i="0" u="none" strike="noStrike" kern="1200" dirty="0" smtClean="0">
+                <a:solidFill>
+                  <a:srgbClr val="572E2D"/>
+                </a:solidFill>
+                <a:effectLst/>
+                <a:latin typeface="Noteworthy Bold" charset="0"/>
+                <a:ea typeface="Noteworthy Bold" charset="0"/>
+                <a:cs typeface="Noteworthy Bold" charset="0"/>
+                <a:sym typeface="Noteworthy Bold" charset="0"/>
+              </a:rPr>
+              <a:t>Kosten-/Nutzen Analyse</a:t>
+            </a:r>
+          </a:p>
+          <a:p>
+            <a:r>
+              <a:rPr lang="de-DE" sz="2400" b="0" i="0" u="none" strike="noStrike" kern="1200" dirty="0" smtClean="0">
+                <a:solidFill>
+                  <a:srgbClr val="572E2D"/>
+                </a:solidFill>
+                <a:effectLst/>
+                <a:latin typeface="Noteworthy Bold" charset="0"/>
+                <a:ea typeface="Noteworthy Bold" charset="0"/>
+                <a:cs typeface="Noteworthy Bold" charset="0"/>
+                <a:sym typeface="Noteworthy Bold" charset="0"/>
+              </a:rPr>
+              <a:t>Wettbewerbsanalyse</a:t>
+            </a:r>
+          </a:p>
+          <a:p>
+            <a:r>
+              <a:rPr lang="de-DE" sz="2400" b="0" i="0" u="none" strike="noStrike" kern="1200" dirty="0" smtClean="0">
+                <a:solidFill>
+                  <a:srgbClr val="572E2D"/>
+                </a:solidFill>
+                <a:effectLst/>
+                <a:latin typeface="Noteworthy Bold" charset="0"/>
+                <a:ea typeface="Noteworthy Bold" charset="0"/>
+                <a:cs typeface="Noteworthy Bold" charset="0"/>
+                <a:sym typeface="Noteworthy Bold" charset="0"/>
+              </a:rPr>
+              <a:t>Analyse Marktpotential</a:t>
+            </a:r>
+          </a:p>
+          <a:p>
+            <a:r>
+              <a:rPr lang="de-DE" sz="2400" b="0" i="0" u="none" strike="noStrike" kern="1200" dirty="0" smtClean="0">
+                <a:solidFill>
+                  <a:srgbClr val="572E2D"/>
+                </a:solidFill>
+                <a:effectLst/>
+                <a:latin typeface="Noteworthy Bold" charset="0"/>
+                <a:ea typeface="Noteworthy Bold" charset="0"/>
+                <a:cs typeface="Noteworthy Bold" charset="0"/>
+                <a:sym typeface="Noteworthy Bold" charset="0"/>
+              </a:rPr>
+              <a:t>Grob-Konzept</a:t>
+            </a:r>
+          </a:p>
+          <a:p>
+            <a:r>
+              <a:rPr lang="de-DE" sz="2400" b="0" i="0" u="none" strike="noStrike" kern="1200" dirty="0" smtClean="0">
+                <a:solidFill>
+                  <a:srgbClr val="572E2D"/>
+                </a:solidFill>
+                <a:effectLst/>
+                <a:latin typeface="Noteworthy Bold" charset="0"/>
+                <a:ea typeface="Noteworthy Bold" charset="0"/>
+                <a:cs typeface="Noteworthy Bold" charset="0"/>
+                <a:sym typeface="Noteworthy Bold" charset="0"/>
+              </a:rPr>
+              <a:t>Liste der erfolgskritischen Merkmale</a:t>
+            </a:r>
+          </a:p>
+          <a:p>
+            <a:r>
+              <a:rPr lang="de-DE" sz="2400" b="0" i="0" u="none" strike="noStrike" kern="1200" dirty="0" smtClean="0">
+                <a:solidFill>
+                  <a:srgbClr val="572E2D"/>
+                </a:solidFill>
+                <a:effectLst/>
+                <a:latin typeface="Noteworthy Bold" charset="0"/>
+                <a:ea typeface="Noteworthy Bold" charset="0"/>
+                <a:cs typeface="Noteworthy Bold" charset="0"/>
+                <a:sym typeface="Noteworthy Bold" charset="0"/>
+              </a:rPr>
+              <a:t>Anbieter Shortlist</a:t>
+            </a:r>
+          </a:p>
+          <a:p>
+            <a:r>
+              <a:rPr lang="de-DE" sz="2400" b="0" i="0" u="none" strike="noStrike" kern="1200" dirty="0" smtClean="0">
+                <a:solidFill>
+                  <a:srgbClr val="572E2D"/>
+                </a:solidFill>
+                <a:effectLst/>
+                <a:latin typeface="Noteworthy Bold" charset="0"/>
+                <a:ea typeface="Noteworthy Bold" charset="0"/>
+                <a:cs typeface="Noteworthy Bold" charset="0"/>
+                <a:sym typeface="Noteworthy Bold" charset="0"/>
+              </a:rPr>
+              <a:t>Benchmark Dokumentation</a:t>
+            </a:r>
+          </a:p>
+          <a:p>
+            <a:r>
+              <a:rPr lang="de-DE" sz="2400" b="0" i="0" u="none" strike="noStrike" kern="1200" dirty="0" smtClean="0">
+                <a:solidFill>
+                  <a:srgbClr val="572E2D"/>
+                </a:solidFill>
+                <a:effectLst/>
+                <a:latin typeface="Noteworthy Bold" charset="0"/>
+                <a:ea typeface="Noteworthy Bold" charset="0"/>
+                <a:cs typeface="Noteworthy Bold" charset="0"/>
+                <a:sym typeface="Noteworthy Bold" charset="0"/>
+              </a:rPr>
+              <a:t>Empfehlung Anbieter</a:t>
+            </a:r>
+          </a:p>
+          <a:p>
+            <a:r>
+              <a:rPr lang="de-DE" sz="2400" b="0" i="0" u="none" strike="noStrike" kern="1200" dirty="0" err="1" smtClean="0">
+                <a:solidFill>
+                  <a:srgbClr val="572E2D"/>
+                </a:solidFill>
+                <a:effectLst/>
+                <a:latin typeface="Noteworthy Bold" charset="0"/>
+                <a:ea typeface="Noteworthy Bold" charset="0"/>
+                <a:cs typeface="Noteworthy Bold" charset="0"/>
+                <a:sym typeface="Noteworthy Bold" charset="0"/>
+              </a:rPr>
+              <a:t>Use</a:t>
+            </a:r>
+            <a:r>
+              <a:rPr lang="de-DE" sz="2400" b="0" i="0" u="none" strike="noStrike" kern="1200" dirty="0" smtClean="0">
+                <a:solidFill>
+                  <a:srgbClr val="572E2D"/>
+                </a:solidFill>
+                <a:effectLst/>
+                <a:latin typeface="Noteworthy Bold" charset="0"/>
+                <a:ea typeface="Noteworthy Bold" charset="0"/>
+                <a:cs typeface="Noteworthy Bold" charset="0"/>
+                <a:sym typeface="Noteworthy Bold" charset="0"/>
+              </a:rPr>
+              <a:t> Cases</a:t>
+            </a:r>
+          </a:p>
+          <a:p>
+            <a:r>
+              <a:rPr lang="de-DE" sz="2400" b="0" i="0" u="none" strike="noStrike" kern="1200" dirty="0" smtClean="0">
+                <a:solidFill>
+                  <a:srgbClr val="572E2D"/>
+                </a:solidFill>
+                <a:effectLst/>
+                <a:latin typeface="Noteworthy Bold" charset="0"/>
+                <a:ea typeface="Noteworthy Bold" charset="0"/>
+                <a:cs typeface="Noteworthy Bold" charset="0"/>
+                <a:sym typeface="Noteworthy Bold" charset="0"/>
+              </a:rPr>
+              <a:t>Architektur Dokument</a:t>
+            </a:r>
+          </a:p>
+          <a:p>
+            <a:r>
+              <a:rPr lang="de-DE" sz="2400" b="0" i="0" u="none" strike="noStrike" kern="1200" dirty="0" smtClean="0">
+                <a:solidFill>
+                  <a:srgbClr val="572E2D"/>
+                </a:solidFill>
+                <a:effectLst/>
+                <a:latin typeface="Noteworthy Bold" charset="0"/>
+                <a:ea typeface="Noteworthy Bold" charset="0"/>
+                <a:cs typeface="Noteworthy Bold" charset="0"/>
+                <a:sym typeface="Noteworthy Bold" charset="0"/>
+              </a:rPr>
+              <a:t>Datenmodell</a:t>
+            </a:r>
+          </a:p>
+          <a:p>
+            <a:r>
+              <a:rPr lang="de-DE" sz="2400" b="0" i="0" u="none" strike="noStrike" kern="1200" dirty="0" smtClean="0">
+                <a:solidFill>
+                  <a:srgbClr val="572E2D"/>
+                </a:solidFill>
+                <a:effectLst/>
+                <a:latin typeface="Noteworthy Bold" charset="0"/>
+                <a:ea typeface="Noteworthy Bold" charset="0"/>
+                <a:cs typeface="Noteworthy Bold" charset="0"/>
+                <a:sym typeface="Noteworthy Bold" charset="0"/>
+              </a:rPr>
+              <a:t>Funktionsfähigkeit der erfolgskritischen Merkmale</a:t>
+            </a:r>
+          </a:p>
+          <a:p>
+            <a:r>
+              <a:rPr lang="de-DE" sz="2400" b="0" i="0" u="none" strike="noStrike" kern="1200" dirty="0" smtClean="0">
+                <a:solidFill>
+                  <a:srgbClr val="572E2D"/>
+                </a:solidFill>
+                <a:effectLst/>
+                <a:latin typeface="Noteworthy Bold" charset="0"/>
+                <a:ea typeface="Noteworthy Bold" charset="0"/>
+                <a:cs typeface="Noteworthy Bold" charset="0"/>
+                <a:sym typeface="Noteworthy Bold" charset="0"/>
+              </a:rPr>
+              <a:t>Testfall Dokumentation</a:t>
+            </a:r>
+          </a:p>
+          <a:p>
+            <a:r>
+              <a:rPr lang="de-DE" sz="2400" b="0" i="0" u="none" strike="noStrike" kern="1200" dirty="0" smtClean="0">
+                <a:solidFill>
+                  <a:srgbClr val="572E2D"/>
+                </a:solidFill>
+                <a:effectLst/>
+                <a:latin typeface="Noteworthy Bold" charset="0"/>
+                <a:ea typeface="Noteworthy Bold" charset="0"/>
+                <a:cs typeface="Noteworthy Bold" charset="0"/>
+                <a:sym typeface="Noteworthy Bold" charset="0"/>
+              </a:rPr>
+              <a:t>90% Muss-Testfälle erfolgreich</a:t>
+            </a:r>
+          </a:p>
+          <a:p>
+            <a:r>
+              <a:rPr lang="de-DE" sz="2400" b="0" i="0" u="none" strike="noStrike" kern="1200" dirty="0" smtClean="0">
+                <a:solidFill>
+                  <a:srgbClr val="572E2D"/>
+                </a:solidFill>
+                <a:effectLst/>
+                <a:latin typeface="Noteworthy Bold" charset="0"/>
+                <a:ea typeface="Noteworthy Bold" charset="0"/>
+                <a:cs typeface="Noteworthy Bold" charset="0"/>
+                <a:sym typeface="Noteworthy Bold" charset="0"/>
+              </a:rPr>
+              <a:t>Einführungsplan</a:t>
+            </a:r>
+            <a:r>
+              <a:rPr lang="de-DE" sz="3200" dirty="0" smtClean="0"/>
+              <a:t> </a:t>
+            </a:r>
+          </a:p>
+          <a:p>
+            <a:r>
+              <a:rPr lang="de-DE" sz="2400" b="0" i="0" u="none" strike="noStrike" kern="1200" dirty="0" smtClean="0">
+                <a:solidFill>
+                  <a:srgbClr val="572E2D"/>
+                </a:solidFill>
+                <a:effectLst/>
+                <a:latin typeface="Noteworthy Bold" charset="0"/>
+                <a:ea typeface="Noteworthy Bold" charset="0"/>
+                <a:cs typeface="Noteworthy Bold" charset="0"/>
+                <a:sym typeface="Noteworthy Bold" charset="0"/>
+              </a:rPr>
+              <a:t>70% Anwender-Abdeckung</a:t>
+            </a:r>
+            <a:r>
+              <a:rPr lang="de-DE" sz="3200" dirty="0" smtClean="0"/>
+              <a:t> </a:t>
+            </a:r>
+            <a:endParaRPr lang="de-DE" sz="2400" b="0" i="0" u="none" strike="noStrike" kern="1200" dirty="0" smtClean="0">
+              <a:solidFill>
+                <a:srgbClr val="572E2D"/>
+              </a:solidFill>
+              <a:effectLst/>
+              <a:latin typeface="Noteworthy Bold" charset="0"/>
+              <a:sym typeface="Noteworthy Bold" charset="0"/>
+            </a:endParaRPr>
+          </a:p>
+          <a:p>
+            <a:endParaRPr lang="de-DE" sz="2400" b="0" i="0" u="none" strike="noStrike" kern="1200" dirty="0" smtClean="0">
+              <a:solidFill>
+                <a:srgbClr val="572E2D"/>
+              </a:solidFill>
+              <a:effectLst/>
+              <a:latin typeface="Noteworthy Bold" charset="0"/>
+              <a:sym typeface="Noteworthy Bold" charset="0"/>
+            </a:endParaRPr>
+          </a:p>
+          <a:p>
+            <a:r>
+              <a:rPr lang="de-DE" sz="2400" b="0" i="0" u="none" strike="noStrike" kern="1200" dirty="0" smtClean="0">
+                <a:solidFill>
+                  <a:srgbClr val="572E2D"/>
+                </a:solidFill>
+                <a:effectLst/>
+                <a:latin typeface="Noteworthy Bold" charset="0"/>
+                <a:sym typeface="Noteworthy Bold" charset="0"/>
+              </a:rPr>
+              <a:t>Rollen: </a:t>
+            </a:r>
+          </a:p>
+          <a:p>
+            <a:r>
+              <a:rPr lang="de-DE" sz="2400" b="0" i="0" u="none" strike="noStrike" kern="1200" dirty="0" smtClean="0">
+                <a:solidFill>
+                  <a:srgbClr val="572E2D"/>
+                </a:solidFill>
+                <a:effectLst/>
+                <a:latin typeface="Noteworthy Bold" charset="0"/>
+                <a:ea typeface="Noteworthy Bold" charset="0"/>
+                <a:cs typeface="Noteworthy Bold" charset="0"/>
+                <a:sym typeface="Noteworthy Bold" charset="0"/>
+              </a:rPr>
+              <a:t>Projektleiter</a:t>
+            </a:r>
+            <a:endParaRPr lang="de-DE" sz="3200" dirty="0" smtClean="0"/>
+          </a:p>
+          <a:p>
+            <a:r>
+              <a:rPr lang="de-DE" sz="2400" b="0" i="0" u="none" strike="noStrike" kern="1200" dirty="0" smtClean="0">
+                <a:solidFill>
+                  <a:srgbClr val="572E2D"/>
+                </a:solidFill>
+                <a:effectLst/>
+                <a:latin typeface="Noteworthy Bold" charset="0"/>
+                <a:ea typeface="Noteworthy Bold" charset="0"/>
+                <a:cs typeface="Noteworthy Bold" charset="0"/>
+                <a:sym typeface="Noteworthy Bold" charset="0"/>
+              </a:rPr>
+              <a:t>GUI Spezialist</a:t>
+            </a:r>
+            <a:endParaRPr lang="de-DE" sz="3200" dirty="0" smtClean="0"/>
+          </a:p>
+          <a:p>
+            <a:r>
+              <a:rPr lang="de-DE" sz="2400" b="0" i="0" u="none" strike="noStrike" kern="1200" dirty="0" smtClean="0">
+                <a:solidFill>
+                  <a:srgbClr val="572E2D"/>
+                </a:solidFill>
+                <a:effectLst/>
+                <a:latin typeface="Noteworthy Bold" charset="0"/>
+                <a:ea typeface="Noteworthy Bold" charset="0"/>
+                <a:cs typeface="Noteworthy Bold" charset="0"/>
+                <a:sym typeface="Noteworthy Bold" charset="0"/>
+              </a:rPr>
+              <a:t>Analyst</a:t>
+            </a:r>
+            <a:r>
+              <a:rPr lang="de-DE" sz="3200" dirty="0" smtClean="0"/>
+              <a:t> </a:t>
+            </a:r>
+            <a:r>
+              <a:rPr lang="de-DE" sz="2400" b="0" i="0" u="none" strike="noStrike" kern="1200" dirty="0" smtClean="0">
+                <a:solidFill>
+                  <a:srgbClr val="572E2D"/>
+                </a:solidFill>
+                <a:effectLst/>
+                <a:latin typeface="Noteworthy Bold" charset="0"/>
+                <a:ea typeface="Noteworthy Bold" charset="0"/>
+                <a:cs typeface="Noteworthy Bold" charset="0"/>
+                <a:sym typeface="Noteworthy Bold" charset="0"/>
+              </a:rPr>
+              <a:t>Architekt</a:t>
+            </a:r>
+            <a:endParaRPr lang="de-DE" sz="3200" dirty="0" smtClean="0"/>
+          </a:p>
+          <a:p>
+            <a:r>
+              <a:rPr lang="de-DE" sz="2400" b="0" i="0" u="none" strike="noStrike" kern="1200" dirty="0" smtClean="0">
+                <a:solidFill>
+                  <a:srgbClr val="572E2D"/>
+                </a:solidFill>
+                <a:effectLst/>
+                <a:latin typeface="Noteworthy Bold" charset="0"/>
+                <a:ea typeface="Noteworthy Bold" charset="0"/>
+                <a:cs typeface="Noteworthy Bold" charset="0"/>
+                <a:sym typeface="Noteworthy Bold" charset="0"/>
+              </a:rPr>
+              <a:t>Entwickler</a:t>
+            </a:r>
+            <a:endParaRPr lang="de-DE" sz="3200" dirty="0" smtClean="0"/>
+          </a:p>
+          <a:p>
+            <a:r>
+              <a:rPr lang="de-DE" sz="2400" b="0" i="0" u="none" strike="noStrike" kern="1200" dirty="0" smtClean="0">
+                <a:solidFill>
+                  <a:srgbClr val="572E2D"/>
+                </a:solidFill>
+                <a:effectLst/>
+                <a:latin typeface="Noteworthy Bold" charset="0"/>
+                <a:ea typeface="Noteworthy Bold" charset="0"/>
+                <a:cs typeface="Noteworthy Bold" charset="0"/>
+                <a:sym typeface="Noteworthy Bold" charset="0"/>
+              </a:rPr>
+              <a:t>Tester</a:t>
+            </a:r>
+            <a:endParaRPr lang="de-DE" sz="2400" b="0" i="0" u="none" strike="noStrike" kern="1200" dirty="0" smtClean="0">
+              <a:solidFill>
+                <a:srgbClr val="572E2D"/>
+              </a:solidFill>
+              <a:effectLst/>
+              <a:latin typeface="Noteworthy Bold" charset="0"/>
+              <a:sym typeface="Noteworthy Bold" charset="0"/>
+            </a:endParaRPr>
+          </a:p>
+          <a:p>
+            <a:endParaRPr lang="de-DE" sz="2400" b="0" i="0" u="none" strike="noStrike" kern="1200" dirty="0" smtClean="0">
+              <a:solidFill>
+                <a:srgbClr val="572E2D"/>
+              </a:solidFill>
+              <a:effectLst/>
+              <a:latin typeface="Noteworthy Bold" charset="0"/>
+              <a:sym typeface="Noteworthy Bold" charset="0"/>
+            </a:endParaRPr>
+          </a:p>
+          <a:p>
+            <a:r>
+              <a:rPr lang="de-DE" sz="2400" b="0" i="0" u="none" strike="noStrike" kern="1200" dirty="0" smtClean="0">
+                <a:solidFill>
+                  <a:srgbClr val="572E2D"/>
+                </a:solidFill>
+                <a:effectLst/>
+                <a:latin typeface="Noteworthy Bold" charset="0"/>
+                <a:sym typeface="Noteworthy Bold" charset="0"/>
+              </a:rPr>
+              <a:t>Kostenarten: </a:t>
+            </a:r>
+          </a:p>
+          <a:p>
+            <a:r>
+              <a:rPr lang="de-DE" sz="2400" b="0" i="0" u="none" strike="noStrike" kern="1200" dirty="0" smtClean="0">
+                <a:solidFill>
+                  <a:srgbClr val="572E2D"/>
+                </a:solidFill>
+                <a:effectLst/>
+                <a:latin typeface="Noteworthy Bold" charset="0"/>
+                <a:ea typeface="Noteworthy Bold" charset="0"/>
+                <a:cs typeface="Noteworthy Bold" charset="0"/>
+                <a:sym typeface="Noteworthy Bold" charset="0"/>
+              </a:rPr>
+              <a:t>IT-Kosten</a:t>
+            </a:r>
+            <a:endParaRPr lang="de-DE" sz="3200" dirty="0" smtClean="0"/>
+          </a:p>
+          <a:p>
+            <a:r>
+              <a:rPr lang="de-DE" sz="2400" b="0" i="0" u="none" strike="noStrike" kern="1200" dirty="0" smtClean="0">
+                <a:solidFill>
+                  <a:srgbClr val="572E2D"/>
+                </a:solidFill>
+                <a:effectLst/>
+                <a:latin typeface="Noteworthy Bold" charset="0"/>
+                <a:ea typeface="Noteworthy Bold" charset="0"/>
+                <a:cs typeface="Noteworthy Bold" charset="0"/>
+                <a:sym typeface="Noteworthy Bold" charset="0"/>
+              </a:rPr>
+              <a:t>Reise-Kosten</a:t>
+            </a:r>
+          </a:p>
+          <a:p>
+            <a:r>
+              <a:rPr lang="de-DE" sz="2400" b="0" i="0" u="none" strike="noStrike" kern="1200" dirty="0" smtClean="0">
+                <a:solidFill>
+                  <a:srgbClr val="572E2D"/>
+                </a:solidFill>
+                <a:effectLst/>
+                <a:latin typeface="Noteworthy Bold" charset="0"/>
+                <a:ea typeface="Noteworthy Bold" charset="0"/>
+                <a:cs typeface="Noteworthy Bold" charset="0"/>
+                <a:sym typeface="Noteworthy Bold" charset="0"/>
+              </a:rPr>
+              <a:t>Trainings-Kosten</a:t>
+            </a:r>
+            <a:r>
+              <a:rPr lang="de-DE" sz="3200" dirty="0" smtClean="0"/>
+              <a:t> </a:t>
+            </a:r>
+            <a:endParaRPr lang="de-DE" sz="2400" b="0" i="0" u="none" strike="noStrike" kern="1200" dirty="0" smtClean="0">
+              <a:solidFill>
+                <a:srgbClr val="572E2D"/>
+              </a:solidFill>
+              <a:effectLst/>
+              <a:latin typeface="Noteworthy Bold" charset="0"/>
+              <a:sym typeface="Noteworthy Bold" charset="0"/>
+            </a:endParaRPr>
+          </a:p>
+          <a:p>
+            <a:r>
+              <a:rPr lang="de-DE" sz="2800" dirty="0" smtClean="0"/>
+              <a:t> </a:t>
+            </a:r>
+            <a:endParaRPr lang="de-DE" sz="2800" kern="1200" dirty="0" smtClean="0">
+              <a:solidFill>
+                <a:srgbClr val="572E2D"/>
+              </a:solidFill>
+              <a:latin typeface="Noteworthy Bold" charset="0"/>
+              <a:ea typeface="Noteworthy Bold" charset="0"/>
+              <a:cs typeface="Noteworthy Bold" charset="0"/>
+              <a:sym typeface="Noteworthy Bold" charset="0"/>
+            </a:endParaRPr>
           </a:p>
         </p:txBody>
       </p:sp>
@@ -1638,220 +6270,1378 @@
           <a:lstStyle/>
           <a:p>
             <a:r>
-              <a:rPr lang="de-DE" sz="2500" dirty="0"/>
+              <a:rPr lang="de-DE" sz="2800" kern="1200" dirty="0" smtClean="0">
+                <a:solidFill>
+                  <a:srgbClr val="572E2D"/>
+                </a:solidFill>
+                <a:latin typeface="Noteworthy Bold" charset="0"/>
+                <a:ea typeface="Noteworthy Bold" charset="0"/>
+                <a:cs typeface="Noteworthy Bold" charset="0"/>
+                <a:sym typeface="Noteworthy Bold" charset="0"/>
+              </a:rPr>
               <a:t>Projekt-Name</a:t>
             </a:r>
           </a:p>
           <a:p>
             <a:r>
-              <a:rPr lang="de-DE" sz="2500" dirty="0"/>
+              <a:rPr lang="de-DE" sz="2800" kern="1200" dirty="0" smtClean="0">
+                <a:solidFill>
+                  <a:srgbClr val="572E2D"/>
+                </a:solidFill>
+                <a:latin typeface="Noteworthy Bold" charset="0"/>
+                <a:ea typeface="Noteworthy Bold" charset="0"/>
+                <a:cs typeface="Noteworthy Bold" charset="0"/>
+                <a:sym typeface="Noteworthy Bold" charset="0"/>
+              </a:rPr>
+              <a:t>Soll-Ist &amp; Prognose</a:t>
+            </a:r>
+          </a:p>
+          <a:p>
+            <a:r>
+              <a:rPr lang="de-DE" sz="2800" kern="1200" dirty="0" smtClean="0">
+                <a:solidFill>
+                  <a:srgbClr val="572E2D"/>
+                </a:solidFill>
+                <a:latin typeface="Noteworthy Bold" charset="0"/>
+                <a:ea typeface="Noteworthy Bold" charset="0"/>
+                <a:cs typeface="Noteworthy Bold" charset="0"/>
+                <a:sym typeface="Noteworthy Bold" charset="0"/>
+              </a:rPr>
+              <a:t>Projekt-Grafik</a:t>
+            </a:r>
+          </a:p>
+          <a:p>
+            <a:r>
+              <a:rPr lang="de-DE" sz="2800" kern="1200" dirty="0" smtClean="0">
+                <a:solidFill>
+                  <a:srgbClr val="572E2D"/>
+                </a:solidFill>
+                <a:latin typeface="Noteworthy Bold" charset="0"/>
+                <a:ea typeface="Noteworthy Bold" charset="0"/>
+                <a:cs typeface="Noteworthy Bold" charset="0"/>
+                <a:sym typeface="Noteworthy Bold" charset="0"/>
+              </a:rPr>
+              <a:t>Meilenstein Trendanalyse</a:t>
+            </a:r>
+          </a:p>
+          <a:p>
+            <a:r>
+              <a:rPr lang="de-DE" sz="2800" kern="1200" dirty="0" smtClean="0">
+                <a:solidFill>
+                  <a:srgbClr val="572E2D"/>
+                </a:solidFill>
+                <a:latin typeface="Noteworthy Bold" charset="0"/>
+                <a:ea typeface="Noteworthy Bold" charset="0"/>
+                <a:cs typeface="Noteworthy Bold" charset="0"/>
+                <a:sym typeface="Noteworthy Bold" charset="0"/>
+              </a:rPr>
+              <a:t>Vergleich mit Beauftragung</a:t>
+            </a:r>
+          </a:p>
+          <a:p>
+            <a:r>
+              <a:rPr lang="de-DE" sz="2800" kern="1200" dirty="0" smtClean="0">
+                <a:solidFill>
+                  <a:srgbClr val="572E2D"/>
+                </a:solidFill>
+                <a:latin typeface="Noteworthy Bold" charset="0"/>
+                <a:ea typeface="Noteworthy Bold" charset="0"/>
+                <a:cs typeface="Noteworthy Bold" charset="0"/>
+                <a:sym typeface="Noteworthy Bold" charset="0"/>
+              </a:rPr>
+              <a:t>Vergleich mit letztem Stand</a:t>
+            </a:r>
+          </a:p>
+          <a:p>
+            <a:r>
+              <a:rPr lang="de-DE" sz="2800" kern="1200" dirty="0" smtClean="0">
+                <a:solidFill>
+                  <a:srgbClr val="572E2D"/>
+                </a:solidFill>
+                <a:latin typeface="Noteworthy Bold" charset="0"/>
+                <a:ea typeface="Noteworthy Bold" charset="0"/>
+                <a:cs typeface="Noteworthy Bold" charset="0"/>
+                <a:sym typeface="Noteworthy Bold" charset="0"/>
+              </a:rPr>
+              <a:t>Vergleich mit Vorlage</a:t>
+            </a:r>
+          </a:p>
+          <a:p>
+            <a:r>
+              <a:rPr lang="de-DE" sz="2800" kern="1200" dirty="0" smtClean="0">
+                <a:solidFill>
+                  <a:srgbClr val="572E2D"/>
+                </a:solidFill>
+                <a:latin typeface="Noteworthy Bold" charset="0"/>
+                <a:ea typeface="Noteworthy Bold" charset="0"/>
+                <a:cs typeface="Noteworthy Bold" charset="0"/>
+                <a:sym typeface="Noteworthy Bold" charset="0"/>
+              </a:rPr>
+              <a:t>Tabelle Projektziele</a:t>
+            </a:r>
+          </a:p>
+          <a:p>
+            <a:r>
+              <a:rPr lang="de-DE" sz="2800" kern="1200" dirty="0" smtClean="0">
+                <a:solidFill>
+                  <a:srgbClr val="572E2D"/>
+                </a:solidFill>
+                <a:latin typeface="Noteworthy Bold" charset="0"/>
+                <a:ea typeface="Noteworthy Bold" charset="0"/>
+                <a:cs typeface="Noteworthy Bold" charset="0"/>
+                <a:sym typeface="Noteworthy Bold" charset="0"/>
+              </a:rPr>
+              <a:t>Tabelle Projektstatus</a:t>
+            </a:r>
+          </a:p>
+          <a:p>
+            <a:r>
+              <a:rPr lang="de-DE" sz="2800" kern="1200" dirty="0" smtClean="0">
+                <a:solidFill>
+                  <a:srgbClr val="572E2D"/>
+                </a:solidFill>
+                <a:latin typeface="Noteworthy Bold" charset="0"/>
+                <a:ea typeface="Noteworthy Bold" charset="0"/>
+                <a:cs typeface="Noteworthy Bold" charset="0"/>
+                <a:sym typeface="Noteworthy Bold" charset="0"/>
+              </a:rPr>
+              <a:t>Tabelle Veränderungen</a:t>
+            </a:r>
+          </a:p>
+          <a:p>
+            <a:r>
+              <a:rPr lang="de-DE" sz="2800" kern="1200" dirty="0" smtClean="0">
+                <a:solidFill>
+                  <a:srgbClr val="572E2D"/>
+                </a:solidFill>
+                <a:latin typeface="Noteworthy Bold" charset="0"/>
+                <a:ea typeface="Noteworthy Bold" charset="0"/>
+                <a:cs typeface="Noteworthy Bold" charset="0"/>
+                <a:sym typeface="Noteworthy Bold" charset="0"/>
+              </a:rPr>
+              <a:t>Tabelle Vergleich letzter Stand</a:t>
+            </a:r>
+          </a:p>
+          <a:p>
+            <a:r>
+              <a:rPr lang="de-DE" sz="2800" kern="1200" dirty="0" smtClean="0">
+                <a:solidFill>
+                  <a:srgbClr val="572E2D"/>
+                </a:solidFill>
+                <a:latin typeface="Noteworthy Bold" charset="0"/>
+                <a:ea typeface="Noteworthy Bold" charset="0"/>
+                <a:cs typeface="Noteworthy Bold" charset="0"/>
+                <a:sym typeface="Noteworthy Bold" charset="0"/>
+              </a:rPr>
+              <a:t>Tabelle Vergleich Beauftragung</a:t>
+            </a:r>
+          </a:p>
+          <a:p>
+            <a:r>
+              <a:rPr lang="de-DE" sz="2800" kern="1200" dirty="0" smtClean="0">
+                <a:solidFill>
+                  <a:srgbClr val="572E2D"/>
+                </a:solidFill>
+                <a:latin typeface="Noteworthy Bold" charset="0"/>
+                <a:ea typeface="Noteworthy Bold" charset="0"/>
+                <a:cs typeface="Noteworthy Bold" charset="0"/>
+                <a:sym typeface="Noteworthy Bold" charset="0"/>
+              </a:rPr>
               <a:t>Ergebnis</a:t>
             </a:r>
           </a:p>
           <a:p>
             <a:r>
-              <a:rPr lang="de-DE" sz="2500" dirty="0"/>
+              <a:rPr lang="de-DE" sz="2800" kern="1200" dirty="0" smtClean="0">
+                <a:solidFill>
+                  <a:srgbClr val="572E2D"/>
+                </a:solidFill>
+                <a:latin typeface="Noteworthy Bold" charset="0"/>
+                <a:ea typeface="Noteworthy Bold" charset="0"/>
+                <a:cs typeface="Noteworthy Bold" charset="0"/>
+                <a:sym typeface="Noteworthy Bold" charset="0"/>
+              </a:rPr>
               <a:t>Strategie/Risiko</a:t>
             </a:r>
           </a:p>
           <a:p>
             <a:r>
-              <a:rPr lang="de-DE" sz="2500" dirty="0"/>
+              <a:rPr lang="de-DE" sz="2800" kern="1200" dirty="0" smtClean="0">
+                <a:solidFill>
+                  <a:srgbClr val="572E2D"/>
+                </a:solidFill>
+                <a:latin typeface="Noteworthy Bold" charset="0"/>
+                <a:ea typeface="Noteworthy Bold" charset="0"/>
+                <a:cs typeface="Noteworthy Bold" charset="0"/>
+                <a:sym typeface="Noteworthy Bold" charset="0"/>
+              </a:rPr>
               <a:t>Teilprojekte</a:t>
             </a:r>
           </a:p>
           <a:p>
             <a:r>
-              <a:rPr lang="de-DE" sz="2500" dirty="0"/>
+              <a:rPr lang="de-DE" sz="2800" kern="1200" dirty="0" smtClean="0">
+                <a:solidFill>
+                  <a:srgbClr val="572E2D"/>
+                </a:solidFill>
+                <a:latin typeface="Noteworthy Bold" charset="0"/>
+                <a:ea typeface="Noteworthy Bold" charset="0"/>
+                <a:cs typeface="Noteworthy Bold" charset="0"/>
+                <a:sym typeface="Noteworthy Bold" charset="0"/>
+              </a:rPr>
               <a:t>Personalbedarf</a:t>
             </a:r>
           </a:p>
           <a:p>
             <a:r>
-              <a:rPr lang="de-DE" sz="2500" dirty="0"/>
+              <a:rPr lang="de-DE" sz="2800" kern="1200" dirty="0" smtClean="0">
+                <a:solidFill>
+                  <a:srgbClr val="572E2D"/>
+                </a:solidFill>
+                <a:latin typeface="Noteworthy Bold" charset="0"/>
+                <a:ea typeface="Noteworthy Bold" charset="0"/>
+                <a:cs typeface="Noteworthy Bold" charset="0"/>
+                <a:sym typeface="Noteworthy Bold" charset="0"/>
+              </a:rPr>
               <a:t>Personalkosten</a:t>
             </a:r>
           </a:p>
           <a:p>
             <a:r>
-              <a:rPr lang="de-DE" sz="2500" dirty="0"/>
+              <a:rPr lang="de-DE" sz="2800" kern="1200" dirty="0" smtClean="0">
+                <a:solidFill>
+                  <a:srgbClr val="572E2D"/>
+                </a:solidFill>
+                <a:latin typeface="Noteworthy Bold" charset="0"/>
+                <a:ea typeface="Noteworthy Bold" charset="0"/>
+                <a:cs typeface="Noteworthy Bold" charset="0"/>
+                <a:sym typeface="Noteworthy Bold" charset="0"/>
+              </a:rPr>
               <a:t>Sonstige Kosten</a:t>
             </a:r>
           </a:p>
           <a:p>
             <a:r>
-              <a:rPr lang="de-DE" sz="2500" dirty="0"/>
+              <a:rPr lang="de-DE" sz="2800" kern="1200" dirty="0" smtClean="0">
+                <a:solidFill>
+                  <a:srgbClr val="572E2D"/>
+                </a:solidFill>
+                <a:latin typeface="Noteworthy Bold" charset="0"/>
+                <a:ea typeface="Noteworthy Bold" charset="0"/>
+                <a:cs typeface="Noteworthy Bold" charset="0"/>
+                <a:sym typeface="Noteworthy Bold" charset="0"/>
+              </a:rPr>
               <a:t>Gesamtkosten</a:t>
             </a:r>
           </a:p>
           <a:p>
             <a:r>
-              <a:rPr lang="de-DE" sz="2500" dirty="0"/>
+              <a:rPr lang="de-DE" sz="2800" kern="1200" dirty="0" smtClean="0">
+                <a:solidFill>
+                  <a:srgbClr val="572E2D"/>
+                </a:solidFill>
+                <a:latin typeface="Noteworthy Bold" charset="0"/>
+                <a:ea typeface="Noteworthy Bold" charset="0"/>
+                <a:cs typeface="Noteworthy Bold" charset="0"/>
+                <a:sym typeface="Noteworthy Bold" charset="0"/>
+              </a:rPr>
+              <a:t>Trend Strategischer Fit/Risiko</a:t>
+            </a:r>
+          </a:p>
+          <a:p>
+            <a:r>
+              <a:rPr lang="de-DE" sz="2800" kern="1200" dirty="0" smtClean="0">
+                <a:solidFill>
+                  <a:srgbClr val="572E2D"/>
+                </a:solidFill>
+                <a:latin typeface="Noteworthy Bold" charset="0"/>
+                <a:ea typeface="Noteworthy Bold" charset="0"/>
+                <a:cs typeface="Noteworthy Bold" charset="0"/>
+                <a:sym typeface="Noteworthy Bold" charset="0"/>
+              </a:rPr>
+              <a:t>Trend Kennzahlen</a:t>
+            </a:r>
+          </a:p>
+          <a:p>
+            <a:r>
+              <a:rPr lang="de-DE" sz="2800" kern="1200" dirty="0" smtClean="0">
+                <a:solidFill>
+                  <a:srgbClr val="572E2D"/>
+                </a:solidFill>
+                <a:latin typeface="Noteworthy Bold" charset="0"/>
+                <a:ea typeface="Noteworthy Bold" charset="0"/>
+                <a:cs typeface="Noteworthy Bold" charset="0"/>
+                <a:sym typeface="Noteworthy Bold" charset="0"/>
+              </a:rPr>
               <a:t>Fortschritt Personalkosten</a:t>
             </a:r>
           </a:p>
           <a:p>
             <a:r>
-              <a:rPr lang="de-DE" sz="2500" dirty="0"/>
+              <a:rPr lang="de-DE" sz="2800" kern="1200" dirty="0" smtClean="0">
+                <a:solidFill>
+                  <a:srgbClr val="572E2D"/>
+                </a:solidFill>
+                <a:latin typeface="Noteworthy Bold" charset="0"/>
+                <a:ea typeface="Noteworthy Bold" charset="0"/>
+                <a:cs typeface="Noteworthy Bold" charset="0"/>
+                <a:sym typeface="Noteworthy Bold" charset="0"/>
+              </a:rPr>
               <a:t>Fortschritt Sonstige Kosten</a:t>
             </a:r>
           </a:p>
           <a:p>
             <a:r>
-              <a:rPr lang="de-DE" sz="2500" dirty="0"/>
-              <a:t>Fortschritt Gesamtkosten</a:t>
-            </a:r>
-          </a:p>
-          <a:p>
-            <a:r>
-              <a:rPr lang="de-DE" sz="2500" dirty="0"/>
-              <a:t>Fortschritt Rolle(…)</a:t>
-            </a:r>
-          </a:p>
-          <a:p>
-            <a:r>
-              <a:rPr lang="de-DE" sz="2500" dirty="0"/>
-              <a:t>Fortschritt Kostenart(…)</a:t>
-            </a:r>
-          </a:p>
-          <a:p>
-            <a:endParaRPr lang="de-DE" sz="2500" dirty="0"/>
-          </a:p>
-          <a:p>
-            <a:r>
-              <a:rPr lang="de-DE" sz="2500" dirty="0"/>
+              <a:rPr lang="de-DE" sz="2800" kern="1200" dirty="0" smtClean="0">
+                <a:solidFill>
+                  <a:srgbClr val="572E2D"/>
+                </a:solidFill>
+                <a:latin typeface="Noteworthy Bold" charset="0"/>
+                <a:ea typeface="Noteworthy Bold" charset="0"/>
+                <a:cs typeface="Noteworthy Bold" charset="0"/>
+                <a:sym typeface="Noteworthy Bold" charset="0"/>
+              </a:rPr>
+              <a:t>Fortschritt Rolle(..)</a:t>
+            </a:r>
+          </a:p>
+          <a:p>
+            <a:r>
+              <a:rPr lang="de-DE" sz="2800" kern="1200" dirty="0" smtClean="0">
+                <a:solidFill>
+                  <a:srgbClr val="572E2D"/>
+                </a:solidFill>
+                <a:latin typeface="Noteworthy Bold" charset="0"/>
+                <a:ea typeface="Noteworthy Bold" charset="0"/>
+                <a:cs typeface="Noteworthy Bold" charset="0"/>
+                <a:sym typeface="Noteworthy Bold" charset="0"/>
+              </a:rPr>
+              <a:t>Fortschritt Kostenart(..)</a:t>
+            </a:r>
+          </a:p>
+          <a:p>
+            <a:r>
+              <a:rPr lang="de-DE" sz="2800" kern="1200" dirty="0" smtClean="0">
+                <a:solidFill>
+                  <a:srgbClr val="572E2D"/>
+                </a:solidFill>
+                <a:latin typeface="Noteworthy Bold" charset="0"/>
+                <a:ea typeface="Noteworthy Bold" charset="0"/>
+                <a:cs typeface="Noteworthy Bold" charset="0"/>
+                <a:sym typeface="Noteworthy Bold" charset="0"/>
+              </a:rPr>
               <a:t>Soll-Ist1 Personalkosten</a:t>
             </a:r>
           </a:p>
           <a:p>
-            <a:pPr defTabSz="481706">
-              <a:lnSpc>
-                <a:spcPts val="3688"/>
-              </a:lnSpc>
-              <a:defRPr/>
-            </a:pPr>
-            <a:r>
-              <a:rPr lang="de-DE" sz="2500" dirty="0"/>
+            <a:r>
+              <a:rPr lang="de-DE" sz="2800" kern="1200" dirty="0" smtClean="0">
+                <a:solidFill>
+                  <a:srgbClr val="572E2D"/>
+                </a:solidFill>
+                <a:latin typeface="Noteworthy Bold" charset="0"/>
+                <a:ea typeface="Noteworthy Bold" charset="0"/>
+                <a:cs typeface="Noteworthy Bold" charset="0"/>
+                <a:sym typeface="Noteworthy Bold" charset="0"/>
+              </a:rPr>
               <a:t>Soll-Ist2 Personalkosten</a:t>
             </a:r>
           </a:p>
           <a:p>
-            <a:endParaRPr lang="de-DE" sz="2500" dirty="0"/>
-          </a:p>
-          <a:p>
-            <a:r>
-              <a:rPr lang="de-DE" sz="2500" dirty="0"/>
+            <a:r>
+              <a:rPr lang="de-DE" sz="2800" kern="1200" dirty="0" smtClean="0">
+                <a:solidFill>
+                  <a:srgbClr val="572E2D"/>
+                </a:solidFill>
+                <a:latin typeface="Noteworthy Bold" charset="0"/>
+                <a:ea typeface="Noteworthy Bold" charset="0"/>
+                <a:cs typeface="Noteworthy Bold" charset="0"/>
+                <a:sym typeface="Noteworthy Bold" charset="0"/>
+              </a:rPr>
+              <a:t>Soll-Ist1C Personalkosten</a:t>
+            </a:r>
+          </a:p>
+          <a:p>
+            <a:r>
+              <a:rPr lang="de-DE" sz="2800" kern="1200" dirty="0" smtClean="0">
+                <a:solidFill>
+                  <a:srgbClr val="572E2D"/>
+                </a:solidFill>
+                <a:latin typeface="Noteworthy Bold" charset="0"/>
+                <a:ea typeface="Noteworthy Bold" charset="0"/>
+                <a:cs typeface="Noteworthy Bold" charset="0"/>
+                <a:sym typeface="Noteworthy Bold" charset="0"/>
+              </a:rPr>
+              <a:t>Soll-Ist2C Personalkosten</a:t>
+            </a:r>
+          </a:p>
+          <a:p>
+            <a:r>
+              <a:rPr lang="de-DE" sz="2800" kern="1200" dirty="0" smtClean="0">
+                <a:solidFill>
+                  <a:srgbClr val="572E2D"/>
+                </a:solidFill>
+                <a:latin typeface="Noteworthy Bold" charset="0"/>
+                <a:ea typeface="Noteworthy Bold" charset="0"/>
+                <a:cs typeface="Noteworthy Bold" charset="0"/>
+                <a:sym typeface="Noteworthy Bold" charset="0"/>
+              </a:rPr>
               <a:t>Soll-Ist1 Sonstige Kosten</a:t>
             </a:r>
           </a:p>
           <a:p>
-            <a:pPr defTabSz="481706">
-              <a:lnSpc>
-                <a:spcPts val="3688"/>
-              </a:lnSpc>
-              <a:defRPr/>
-            </a:pPr>
-            <a:r>
-              <a:rPr lang="de-DE" sz="2500" dirty="0"/>
+            <a:r>
+              <a:rPr lang="de-DE" sz="2800" kern="1200" dirty="0" smtClean="0">
+                <a:solidFill>
+                  <a:srgbClr val="572E2D"/>
+                </a:solidFill>
+                <a:latin typeface="Noteworthy Bold" charset="0"/>
+                <a:ea typeface="Noteworthy Bold" charset="0"/>
+                <a:cs typeface="Noteworthy Bold" charset="0"/>
+                <a:sym typeface="Noteworthy Bold" charset="0"/>
+              </a:rPr>
               <a:t>Soll-Ist2 Sonstige Kosten</a:t>
             </a:r>
           </a:p>
           <a:p>
-            <a:endParaRPr lang="de-DE" sz="2500" dirty="0"/>
-          </a:p>
-          <a:p>
-            <a:r>
-              <a:rPr lang="de-DE" sz="2500" dirty="0"/>
+            <a:r>
+              <a:rPr lang="de-DE" sz="2800" kern="1200" dirty="0" smtClean="0">
+                <a:solidFill>
+                  <a:srgbClr val="572E2D"/>
+                </a:solidFill>
+                <a:latin typeface="Noteworthy Bold" charset="0"/>
+                <a:ea typeface="Noteworthy Bold" charset="0"/>
+                <a:cs typeface="Noteworthy Bold" charset="0"/>
+                <a:sym typeface="Noteworthy Bold" charset="0"/>
+              </a:rPr>
+              <a:t>Soll-Ist1C Sonstige Kosten</a:t>
+            </a:r>
+          </a:p>
+          <a:p>
+            <a:r>
+              <a:rPr lang="de-DE" sz="2800" kern="1200" dirty="0" smtClean="0">
+                <a:solidFill>
+                  <a:srgbClr val="572E2D"/>
+                </a:solidFill>
+                <a:latin typeface="Noteworthy Bold" charset="0"/>
+                <a:ea typeface="Noteworthy Bold" charset="0"/>
+                <a:cs typeface="Noteworthy Bold" charset="0"/>
+                <a:sym typeface="Noteworthy Bold" charset="0"/>
+              </a:rPr>
+              <a:t>Soll-Ist2C Sonstige Kosten</a:t>
+            </a:r>
+          </a:p>
+          <a:p>
+            <a:r>
+              <a:rPr lang="de-DE" sz="2800" kern="1200" dirty="0" smtClean="0">
+                <a:solidFill>
+                  <a:srgbClr val="572E2D"/>
+                </a:solidFill>
+                <a:latin typeface="Noteworthy Bold" charset="0"/>
+                <a:ea typeface="Noteworthy Bold" charset="0"/>
+                <a:cs typeface="Noteworthy Bold" charset="0"/>
+                <a:sym typeface="Noteworthy Bold" charset="0"/>
+              </a:rPr>
               <a:t>Soll-Ist1 Gesamtkosten</a:t>
             </a:r>
           </a:p>
           <a:p>
-            <a:pPr defTabSz="481706">
-              <a:lnSpc>
-                <a:spcPts val="3688"/>
-              </a:lnSpc>
-              <a:defRPr/>
-            </a:pPr>
-            <a:r>
-              <a:rPr lang="de-DE" sz="2500" dirty="0"/>
+            <a:r>
+              <a:rPr lang="de-DE" sz="2800" kern="1200" dirty="0" smtClean="0">
+                <a:solidFill>
+                  <a:srgbClr val="572E2D"/>
+                </a:solidFill>
+                <a:latin typeface="Noteworthy Bold" charset="0"/>
+                <a:ea typeface="Noteworthy Bold" charset="0"/>
+                <a:cs typeface="Noteworthy Bold" charset="0"/>
+                <a:sym typeface="Noteworthy Bold" charset="0"/>
+              </a:rPr>
               <a:t>Soll-Ist2 Gesamtkosten</a:t>
             </a:r>
           </a:p>
           <a:p>
-            <a:endParaRPr lang="de-DE" sz="2500" dirty="0"/>
-          </a:p>
-          <a:p>
-            <a:r>
-              <a:rPr lang="de-DE" sz="2500" dirty="0"/>
-              <a:t>Soll-Ist1 Rolle (…)</a:t>
-            </a:r>
-          </a:p>
-          <a:p>
-            <a:pPr defTabSz="481706">
-              <a:lnSpc>
-                <a:spcPts val="3688"/>
-              </a:lnSpc>
-              <a:defRPr/>
-            </a:pPr>
-            <a:r>
-              <a:rPr lang="de-DE" sz="2500" dirty="0"/>
-              <a:t>Soll-Ist2 Rolle (…)</a:t>
-            </a:r>
-          </a:p>
-          <a:p>
-            <a:endParaRPr lang="de-DE" sz="2500" dirty="0"/>
-          </a:p>
-          <a:p>
-            <a:r>
-              <a:rPr lang="de-DE" sz="2500" dirty="0"/>
-              <a:t>Soll-Ist1 Kostenart (…)</a:t>
-            </a:r>
-          </a:p>
-          <a:p>
-            <a:pPr defTabSz="481706">
-              <a:lnSpc>
-                <a:spcPts val="3688"/>
-              </a:lnSpc>
-              <a:defRPr/>
-            </a:pPr>
-            <a:r>
-              <a:rPr lang="de-DE" sz="2500" dirty="0"/>
-              <a:t>Soll-Ist2 Kostenart (…)</a:t>
-            </a:r>
-          </a:p>
-          <a:p>
-            <a:endParaRPr lang="de-DE" sz="2500" dirty="0"/>
-          </a:p>
-          <a:p>
-            <a:r>
-              <a:rPr lang="de-DE" sz="2500" dirty="0"/>
+            <a:r>
+              <a:rPr lang="de-DE" sz="2800" kern="1200" dirty="0" smtClean="0">
+                <a:solidFill>
+                  <a:srgbClr val="572E2D"/>
+                </a:solidFill>
+                <a:latin typeface="Noteworthy Bold" charset="0"/>
+                <a:ea typeface="Noteworthy Bold" charset="0"/>
+                <a:cs typeface="Noteworthy Bold" charset="0"/>
+                <a:sym typeface="Noteworthy Bold" charset="0"/>
+              </a:rPr>
+              <a:t>Soll-Ist1C Gesamtkosten</a:t>
+            </a:r>
+          </a:p>
+          <a:p>
+            <a:r>
+              <a:rPr lang="de-DE" sz="2800" kern="1200" dirty="0" smtClean="0">
+                <a:solidFill>
+                  <a:srgbClr val="572E2D"/>
+                </a:solidFill>
+                <a:latin typeface="Noteworthy Bold" charset="0"/>
+                <a:ea typeface="Noteworthy Bold" charset="0"/>
+                <a:cs typeface="Noteworthy Bold" charset="0"/>
+                <a:sym typeface="Noteworthy Bold" charset="0"/>
+              </a:rPr>
+              <a:t>Soll-Ist2C Gesamtkosten</a:t>
+            </a:r>
+          </a:p>
+          <a:p>
+            <a:r>
+              <a:rPr lang="de-DE" sz="2800" kern="1200" dirty="0" smtClean="0">
+                <a:solidFill>
+                  <a:srgbClr val="572E2D"/>
+                </a:solidFill>
+                <a:latin typeface="Noteworthy Bold" charset="0"/>
+                <a:ea typeface="Noteworthy Bold" charset="0"/>
+                <a:cs typeface="Noteworthy Bold" charset="0"/>
+                <a:sym typeface="Noteworthy Bold" charset="0"/>
+              </a:rPr>
+              <a:t>Soll-Ist1 Rolle</a:t>
+            </a:r>
+          </a:p>
+          <a:p>
+            <a:r>
+              <a:rPr lang="de-DE" sz="2800" kern="1200" dirty="0" smtClean="0">
+                <a:solidFill>
+                  <a:srgbClr val="572E2D"/>
+                </a:solidFill>
+                <a:latin typeface="Noteworthy Bold" charset="0"/>
+                <a:ea typeface="Noteworthy Bold" charset="0"/>
+                <a:cs typeface="Noteworthy Bold" charset="0"/>
+                <a:sym typeface="Noteworthy Bold" charset="0"/>
+              </a:rPr>
+              <a:t>Soll-Ist2 Rolle</a:t>
+            </a:r>
+          </a:p>
+          <a:p>
+            <a:r>
+              <a:rPr lang="de-DE" sz="2800" kern="1200" dirty="0" smtClean="0">
+                <a:solidFill>
+                  <a:srgbClr val="572E2D"/>
+                </a:solidFill>
+                <a:latin typeface="Noteworthy Bold" charset="0"/>
+                <a:ea typeface="Noteworthy Bold" charset="0"/>
+                <a:cs typeface="Noteworthy Bold" charset="0"/>
+                <a:sym typeface="Noteworthy Bold" charset="0"/>
+              </a:rPr>
+              <a:t>Soll-Ist1C Rolle</a:t>
+            </a:r>
+          </a:p>
+          <a:p>
+            <a:r>
+              <a:rPr lang="de-DE" sz="2800" kern="1200" dirty="0" smtClean="0">
+                <a:solidFill>
+                  <a:srgbClr val="572E2D"/>
+                </a:solidFill>
+                <a:latin typeface="Noteworthy Bold" charset="0"/>
+                <a:ea typeface="Noteworthy Bold" charset="0"/>
+                <a:cs typeface="Noteworthy Bold" charset="0"/>
+                <a:sym typeface="Noteworthy Bold" charset="0"/>
+              </a:rPr>
+              <a:t>Soll-Ist2C Rolle</a:t>
+            </a:r>
+          </a:p>
+          <a:p>
+            <a:r>
+              <a:rPr lang="de-DE" sz="2800" kern="1200" dirty="0" smtClean="0">
+                <a:solidFill>
+                  <a:srgbClr val="572E2D"/>
+                </a:solidFill>
+                <a:latin typeface="Noteworthy Bold" charset="0"/>
+                <a:ea typeface="Noteworthy Bold" charset="0"/>
+                <a:cs typeface="Noteworthy Bold" charset="0"/>
+                <a:sym typeface="Noteworthy Bold" charset="0"/>
+              </a:rPr>
+              <a:t>Soll-Ist1 Kostenart</a:t>
+            </a:r>
+          </a:p>
+          <a:p>
+            <a:r>
+              <a:rPr lang="de-DE" sz="2800" kern="1200" dirty="0" smtClean="0">
+                <a:solidFill>
+                  <a:srgbClr val="572E2D"/>
+                </a:solidFill>
+                <a:latin typeface="Noteworthy Bold" charset="0"/>
+                <a:ea typeface="Noteworthy Bold" charset="0"/>
+                <a:cs typeface="Noteworthy Bold" charset="0"/>
+                <a:sym typeface="Noteworthy Bold" charset="0"/>
+              </a:rPr>
+              <a:t>Soll-Ist2 Kostenart</a:t>
+            </a:r>
+          </a:p>
+          <a:p>
+            <a:r>
+              <a:rPr lang="de-DE" sz="2800" kern="1200" dirty="0" smtClean="0">
+                <a:solidFill>
+                  <a:srgbClr val="572E2D"/>
+                </a:solidFill>
+                <a:latin typeface="Noteworthy Bold" charset="0"/>
+                <a:ea typeface="Noteworthy Bold" charset="0"/>
+                <a:cs typeface="Noteworthy Bold" charset="0"/>
+                <a:sym typeface="Noteworthy Bold" charset="0"/>
+              </a:rPr>
+              <a:t>Soll-Ist1C Kostenart</a:t>
+            </a:r>
+          </a:p>
+          <a:p>
+            <a:r>
+              <a:rPr lang="de-DE" sz="2800" kern="1200" dirty="0" smtClean="0">
+                <a:solidFill>
+                  <a:srgbClr val="572E2D"/>
+                </a:solidFill>
+                <a:latin typeface="Noteworthy Bold" charset="0"/>
+                <a:ea typeface="Noteworthy Bold" charset="0"/>
+                <a:cs typeface="Noteworthy Bold" charset="0"/>
+                <a:sym typeface="Noteworthy Bold" charset="0"/>
+              </a:rPr>
+              <a:t>Soll-Ist2C Kostenart</a:t>
+            </a:r>
+          </a:p>
+          <a:p>
+            <a:r>
+              <a:rPr lang="de-DE" sz="2800" kern="1200" dirty="0" smtClean="0">
+                <a:solidFill>
+                  <a:srgbClr val="572E2D"/>
+                </a:solidFill>
+                <a:latin typeface="Noteworthy Bold" charset="0"/>
+                <a:ea typeface="Noteworthy Bold" charset="0"/>
+                <a:cs typeface="Noteworthy Bold" charset="0"/>
+                <a:sym typeface="Noteworthy Bold" charset="0"/>
+              </a:rPr>
               <a:t>Ampel-Farbe</a:t>
             </a:r>
           </a:p>
           <a:p>
             <a:r>
-              <a:rPr lang="de-DE" sz="2500" dirty="0"/>
+              <a:rPr lang="de-DE" sz="2800" kern="1200" dirty="0" smtClean="0">
+                <a:solidFill>
+                  <a:srgbClr val="572E2D"/>
+                </a:solidFill>
+                <a:latin typeface="Noteworthy Bold" charset="0"/>
+                <a:ea typeface="Noteworthy Bold" charset="0"/>
+                <a:cs typeface="Noteworthy Bold" charset="0"/>
+                <a:sym typeface="Noteworthy Bold" charset="0"/>
+              </a:rPr>
               <a:t>Beschreibung</a:t>
             </a:r>
           </a:p>
           <a:p>
             <a:r>
-              <a:rPr lang="de-DE" sz="2500" dirty="0"/>
+              <a:rPr lang="de-DE" sz="2800" kern="1200" dirty="0" smtClean="0">
+                <a:solidFill>
+                  <a:srgbClr val="572E2D"/>
+                </a:solidFill>
+                <a:latin typeface="Noteworthy Bold" charset="0"/>
+                <a:ea typeface="Noteworthy Bold" charset="0"/>
+                <a:cs typeface="Noteworthy Bold" charset="0"/>
+                <a:sym typeface="Noteworthy Bold" charset="0"/>
+              </a:rPr>
               <a:t>Stand:</a:t>
             </a:r>
           </a:p>
           <a:p>
             <a:r>
-              <a:rPr lang="de-DE" sz="2500" dirty="0"/>
+              <a:rPr lang="de-DE" sz="2800" kern="1200" dirty="0" smtClean="0">
+                <a:solidFill>
+                  <a:srgbClr val="572E2D"/>
+                </a:solidFill>
+                <a:latin typeface="Noteworthy Bold" charset="0"/>
+                <a:ea typeface="Noteworthy Bold" charset="0"/>
+                <a:cs typeface="Noteworthy Bold" charset="0"/>
+                <a:sym typeface="Noteworthy Bold" charset="0"/>
+              </a:rPr>
               <a:t>Laufzeit:</a:t>
             </a:r>
           </a:p>
           <a:p>
             <a:r>
-              <a:rPr lang="de-DE" sz="2500" dirty="0"/>
+              <a:rPr lang="de-DE" sz="2800" kern="1200" dirty="0" smtClean="0">
+                <a:solidFill>
+                  <a:srgbClr val="572E2D"/>
+                </a:solidFill>
+                <a:latin typeface="Noteworthy Bold" charset="0"/>
+                <a:ea typeface="Noteworthy Bold" charset="0"/>
+                <a:cs typeface="Noteworthy Bold" charset="0"/>
+                <a:sym typeface="Noteworthy Bold" charset="0"/>
+              </a:rPr>
               <a:t>Verantwortlich:</a:t>
             </a:r>
-            <a:endParaRPr lang="de-DE" dirty="0"/>
+          </a:p>
+          <a:p>
+            <a:endParaRPr lang="de-DE" sz="2800" kern="1200" dirty="0" smtClean="0">
+              <a:solidFill>
+                <a:srgbClr val="572E2D"/>
+              </a:solidFill>
+              <a:latin typeface="Noteworthy Bold" charset="0"/>
+              <a:ea typeface="Noteworthy Bold" charset="0"/>
+              <a:cs typeface="Noteworthy Bold" charset="0"/>
+              <a:sym typeface="Noteworthy Bold" charset="0"/>
+            </a:endParaRPr>
+          </a:p>
+          <a:p>
+            <a:r>
+              <a:rPr lang="de-DE" sz="2800" kern="1200" dirty="0" smtClean="0">
+                <a:solidFill>
+                  <a:srgbClr val="572E2D"/>
+                </a:solidFill>
+                <a:latin typeface="Noteworthy Bold" charset="0"/>
+                <a:ea typeface="Noteworthy Bold" charset="0"/>
+                <a:cs typeface="Noteworthy Bold" charset="0"/>
+                <a:sym typeface="Noteworthy Bold" charset="0"/>
+              </a:rPr>
+              <a:t>--------------------------------</a:t>
+            </a:r>
+          </a:p>
+          <a:p>
+            <a:endParaRPr lang="de-DE" sz="2800" kern="1200" dirty="0" smtClean="0">
+              <a:solidFill>
+                <a:srgbClr val="572E2D"/>
+              </a:solidFill>
+              <a:latin typeface="Noteworthy Bold" charset="0"/>
+              <a:ea typeface="Noteworthy Bold" charset="0"/>
+              <a:cs typeface="Noteworthy Bold" charset="0"/>
+              <a:sym typeface="Noteworthy Bold" charset="0"/>
+            </a:endParaRPr>
+          </a:p>
+          <a:p>
+            <a:r>
+              <a:rPr lang="de-DE" sz="2800" kern="1200" dirty="0" smtClean="0">
+                <a:solidFill>
+                  <a:srgbClr val="572E2D"/>
+                </a:solidFill>
+                <a:latin typeface="Noteworthy Bold" charset="0"/>
+                <a:ea typeface="Noteworthy Bold" charset="0"/>
+                <a:cs typeface="Noteworthy Bold" charset="0"/>
+                <a:sym typeface="Noteworthy Bold" charset="0"/>
+              </a:rPr>
+              <a:t>Phasen: </a:t>
+            </a:r>
+          </a:p>
+          <a:p>
+            <a:r>
+              <a:rPr lang="de-DE" sz="2400" b="0" i="0" u="none" strike="noStrike" kern="1200" dirty="0" smtClean="0">
+                <a:solidFill>
+                  <a:srgbClr val="572E2D"/>
+                </a:solidFill>
+                <a:effectLst/>
+                <a:latin typeface="Noteworthy Bold" charset="0"/>
+                <a:ea typeface="Noteworthy Bold" charset="0"/>
+                <a:cs typeface="Noteworthy Bold" charset="0"/>
+                <a:sym typeface="Noteworthy Bold" charset="0"/>
+              </a:rPr>
+              <a:t>Business Case</a:t>
+            </a:r>
+            <a:endParaRPr lang="de-DE" sz="2800" dirty="0" smtClean="0"/>
+          </a:p>
+          <a:p>
+            <a:r>
+              <a:rPr lang="de-DE" sz="2400" b="0" i="0" u="none" strike="noStrike" kern="1200" dirty="0" smtClean="0">
+                <a:solidFill>
+                  <a:srgbClr val="572E2D"/>
+                </a:solidFill>
+                <a:effectLst/>
+                <a:latin typeface="Noteworthy Bold" charset="0"/>
+                <a:ea typeface="Noteworthy Bold" charset="0"/>
+                <a:cs typeface="Noteworthy Bold" charset="0"/>
+                <a:sym typeface="Noteworthy Bold" charset="0"/>
+              </a:rPr>
+              <a:t>Konzept</a:t>
+            </a:r>
+            <a:endParaRPr lang="de-DE" sz="2800" dirty="0" smtClean="0"/>
+          </a:p>
+          <a:p>
+            <a:r>
+              <a:rPr lang="de-DE" sz="2400" b="0" i="0" u="none" strike="noStrike" kern="1200" dirty="0" smtClean="0">
+                <a:solidFill>
+                  <a:srgbClr val="572E2D"/>
+                </a:solidFill>
+                <a:effectLst/>
+                <a:latin typeface="Noteworthy Bold" charset="0"/>
+                <a:ea typeface="Noteworthy Bold" charset="0"/>
+                <a:cs typeface="Noteworthy Bold" charset="0"/>
+                <a:sym typeface="Noteworthy Bold" charset="0"/>
+              </a:rPr>
+              <a:t>Entwicklung</a:t>
+            </a:r>
+            <a:endParaRPr lang="de-DE" sz="2800" dirty="0" smtClean="0"/>
+          </a:p>
+          <a:p>
+            <a:r>
+              <a:rPr lang="de-DE" sz="2400" b="0" i="0" u="none" strike="noStrike" kern="1200" dirty="0" smtClean="0">
+                <a:solidFill>
+                  <a:srgbClr val="572E2D"/>
+                </a:solidFill>
+                <a:effectLst/>
+                <a:latin typeface="Noteworthy Bold" charset="0"/>
+                <a:ea typeface="Noteworthy Bold" charset="0"/>
+                <a:cs typeface="Noteworthy Bold" charset="0"/>
+                <a:sym typeface="Noteworthy Bold" charset="0"/>
+              </a:rPr>
+              <a:t>Prototyp</a:t>
+            </a:r>
+            <a:endParaRPr lang="de-DE" sz="2800" dirty="0" smtClean="0"/>
+          </a:p>
+          <a:p>
+            <a:r>
+              <a:rPr lang="de-DE" sz="2400" b="0" i="0" u="none" strike="noStrike" kern="1200" dirty="0" smtClean="0">
+                <a:solidFill>
+                  <a:srgbClr val="572E2D"/>
+                </a:solidFill>
+                <a:effectLst/>
+                <a:latin typeface="Noteworthy Bold" charset="0"/>
+                <a:ea typeface="Noteworthy Bold" charset="0"/>
+                <a:cs typeface="Noteworthy Bold" charset="0"/>
+                <a:sym typeface="Noteworthy Bold" charset="0"/>
+              </a:rPr>
+              <a:t>Test</a:t>
+            </a:r>
+            <a:endParaRPr lang="de-DE" sz="2800" dirty="0" smtClean="0"/>
+          </a:p>
+          <a:p>
+            <a:r>
+              <a:rPr lang="de-DE" sz="2400" b="0" i="0" u="none" strike="noStrike" kern="1200" dirty="0" smtClean="0">
+                <a:solidFill>
+                  <a:srgbClr val="572E2D"/>
+                </a:solidFill>
+                <a:effectLst/>
+                <a:latin typeface="Noteworthy Bold" charset="0"/>
+                <a:ea typeface="Noteworthy Bold" charset="0"/>
+                <a:cs typeface="Noteworthy Bold" charset="0"/>
+                <a:sym typeface="Noteworthy Bold" charset="0"/>
+              </a:rPr>
+              <a:t>Rollout</a:t>
+            </a:r>
+          </a:p>
+          <a:p>
+            <a:endParaRPr lang="de-DE" sz="2400" b="0" i="0" u="none" strike="noStrike" kern="1200" dirty="0" smtClean="0">
+              <a:solidFill>
+                <a:srgbClr val="572E2D"/>
+              </a:solidFill>
+              <a:effectLst/>
+              <a:latin typeface="Noteworthy Bold" charset="0"/>
+              <a:sym typeface="Noteworthy Bold" charset="0"/>
+            </a:endParaRPr>
+          </a:p>
+          <a:p>
+            <a:r>
+              <a:rPr lang="de-DE" sz="2400" b="0" i="0" u="none" strike="noStrike" kern="1200" dirty="0" smtClean="0">
+                <a:solidFill>
+                  <a:srgbClr val="572E2D"/>
+                </a:solidFill>
+                <a:effectLst/>
+                <a:latin typeface="Noteworthy Bold" charset="0"/>
+                <a:sym typeface="Noteworthy Bold" charset="0"/>
+              </a:rPr>
+              <a:t>Meilensteine: </a:t>
+            </a:r>
+          </a:p>
+          <a:p>
+            <a:r>
+              <a:rPr lang="de-DE" sz="2400" b="0" i="0" u="none" strike="noStrike" kern="1200" dirty="0" smtClean="0">
+                <a:solidFill>
+                  <a:srgbClr val="572E2D"/>
+                </a:solidFill>
+                <a:effectLst/>
+                <a:latin typeface="Noteworthy Bold" charset="0"/>
+                <a:ea typeface="Noteworthy Bold" charset="0"/>
+                <a:cs typeface="Noteworthy Bold" charset="0"/>
+                <a:sym typeface="Noteworthy Bold" charset="0"/>
+              </a:rPr>
+              <a:t>Projektskizze</a:t>
+            </a:r>
+          </a:p>
+          <a:p>
+            <a:r>
+              <a:rPr lang="de-DE" sz="2400" b="0" i="0" u="none" strike="noStrike" kern="1200" dirty="0" smtClean="0">
+                <a:solidFill>
+                  <a:srgbClr val="572E2D"/>
+                </a:solidFill>
+                <a:effectLst/>
+                <a:latin typeface="Noteworthy Bold" charset="0"/>
+                <a:ea typeface="Noteworthy Bold" charset="0"/>
+                <a:cs typeface="Noteworthy Bold" charset="0"/>
+                <a:sym typeface="Noteworthy Bold" charset="0"/>
+              </a:rPr>
+              <a:t>Kosten-/Nutzen Analyse</a:t>
+            </a:r>
+          </a:p>
+          <a:p>
+            <a:r>
+              <a:rPr lang="de-DE" sz="2400" b="0" i="0" u="none" strike="noStrike" kern="1200" dirty="0" smtClean="0">
+                <a:solidFill>
+                  <a:srgbClr val="572E2D"/>
+                </a:solidFill>
+                <a:effectLst/>
+                <a:latin typeface="Noteworthy Bold" charset="0"/>
+                <a:ea typeface="Noteworthy Bold" charset="0"/>
+                <a:cs typeface="Noteworthy Bold" charset="0"/>
+                <a:sym typeface="Noteworthy Bold" charset="0"/>
+              </a:rPr>
+              <a:t>Wettbewerbsanalyse</a:t>
+            </a:r>
+          </a:p>
+          <a:p>
+            <a:r>
+              <a:rPr lang="de-DE" sz="2400" b="0" i="0" u="none" strike="noStrike" kern="1200" dirty="0" smtClean="0">
+                <a:solidFill>
+                  <a:srgbClr val="572E2D"/>
+                </a:solidFill>
+                <a:effectLst/>
+                <a:latin typeface="Noteworthy Bold" charset="0"/>
+                <a:ea typeface="Noteworthy Bold" charset="0"/>
+                <a:cs typeface="Noteworthy Bold" charset="0"/>
+                <a:sym typeface="Noteworthy Bold" charset="0"/>
+              </a:rPr>
+              <a:t>Analyse Marktpotential</a:t>
+            </a:r>
+          </a:p>
+          <a:p>
+            <a:r>
+              <a:rPr lang="de-DE" sz="2400" b="0" i="0" u="none" strike="noStrike" kern="1200" dirty="0" smtClean="0">
+                <a:solidFill>
+                  <a:srgbClr val="572E2D"/>
+                </a:solidFill>
+                <a:effectLst/>
+                <a:latin typeface="Noteworthy Bold" charset="0"/>
+                <a:ea typeface="Noteworthy Bold" charset="0"/>
+                <a:cs typeface="Noteworthy Bold" charset="0"/>
+                <a:sym typeface="Noteworthy Bold" charset="0"/>
+              </a:rPr>
+              <a:t>Grob-Konzept</a:t>
+            </a:r>
+          </a:p>
+          <a:p>
+            <a:r>
+              <a:rPr lang="de-DE" sz="2400" b="0" i="0" u="none" strike="noStrike" kern="1200" dirty="0" smtClean="0">
+                <a:solidFill>
+                  <a:srgbClr val="572E2D"/>
+                </a:solidFill>
+                <a:effectLst/>
+                <a:latin typeface="Noteworthy Bold" charset="0"/>
+                <a:ea typeface="Noteworthy Bold" charset="0"/>
+                <a:cs typeface="Noteworthy Bold" charset="0"/>
+                <a:sym typeface="Noteworthy Bold" charset="0"/>
+              </a:rPr>
+              <a:t>Liste der erfolgskritischen Merkmale</a:t>
+            </a:r>
+          </a:p>
+          <a:p>
+            <a:r>
+              <a:rPr lang="de-DE" sz="2400" b="0" i="0" u="none" strike="noStrike" kern="1200" dirty="0" smtClean="0">
+                <a:solidFill>
+                  <a:srgbClr val="572E2D"/>
+                </a:solidFill>
+                <a:effectLst/>
+                <a:latin typeface="Noteworthy Bold" charset="0"/>
+                <a:ea typeface="Noteworthy Bold" charset="0"/>
+                <a:cs typeface="Noteworthy Bold" charset="0"/>
+                <a:sym typeface="Noteworthy Bold" charset="0"/>
+              </a:rPr>
+              <a:t>Anbieter Shortlist</a:t>
+            </a:r>
+          </a:p>
+          <a:p>
+            <a:r>
+              <a:rPr lang="de-DE" sz="2400" b="0" i="0" u="none" strike="noStrike" kern="1200" dirty="0" smtClean="0">
+                <a:solidFill>
+                  <a:srgbClr val="572E2D"/>
+                </a:solidFill>
+                <a:effectLst/>
+                <a:latin typeface="Noteworthy Bold" charset="0"/>
+                <a:ea typeface="Noteworthy Bold" charset="0"/>
+                <a:cs typeface="Noteworthy Bold" charset="0"/>
+                <a:sym typeface="Noteworthy Bold" charset="0"/>
+              </a:rPr>
+              <a:t>Benchmark Dokumentation</a:t>
+            </a:r>
+          </a:p>
+          <a:p>
+            <a:r>
+              <a:rPr lang="de-DE" sz="2400" b="0" i="0" u="none" strike="noStrike" kern="1200" dirty="0" smtClean="0">
+                <a:solidFill>
+                  <a:srgbClr val="572E2D"/>
+                </a:solidFill>
+                <a:effectLst/>
+                <a:latin typeface="Noteworthy Bold" charset="0"/>
+                <a:ea typeface="Noteworthy Bold" charset="0"/>
+                <a:cs typeface="Noteworthy Bold" charset="0"/>
+                <a:sym typeface="Noteworthy Bold" charset="0"/>
+              </a:rPr>
+              <a:t>Empfehlung Anbieter</a:t>
+            </a:r>
+          </a:p>
+          <a:p>
+            <a:r>
+              <a:rPr lang="de-DE" sz="2400" b="0" i="0" u="none" strike="noStrike" kern="1200" dirty="0" err="1" smtClean="0">
+                <a:solidFill>
+                  <a:srgbClr val="572E2D"/>
+                </a:solidFill>
+                <a:effectLst/>
+                <a:latin typeface="Noteworthy Bold" charset="0"/>
+                <a:ea typeface="Noteworthy Bold" charset="0"/>
+                <a:cs typeface="Noteworthy Bold" charset="0"/>
+                <a:sym typeface="Noteworthy Bold" charset="0"/>
+              </a:rPr>
+              <a:t>Use</a:t>
+            </a:r>
+            <a:r>
+              <a:rPr lang="de-DE" sz="2400" b="0" i="0" u="none" strike="noStrike" kern="1200" dirty="0" smtClean="0">
+                <a:solidFill>
+                  <a:srgbClr val="572E2D"/>
+                </a:solidFill>
+                <a:effectLst/>
+                <a:latin typeface="Noteworthy Bold" charset="0"/>
+                <a:ea typeface="Noteworthy Bold" charset="0"/>
+                <a:cs typeface="Noteworthy Bold" charset="0"/>
+                <a:sym typeface="Noteworthy Bold" charset="0"/>
+              </a:rPr>
+              <a:t> Cases</a:t>
+            </a:r>
+          </a:p>
+          <a:p>
+            <a:r>
+              <a:rPr lang="de-DE" sz="2400" b="0" i="0" u="none" strike="noStrike" kern="1200" dirty="0" smtClean="0">
+                <a:solidFill>
+                  <a:srgbClr val="572E2D"/>
+                </a:solidFill>
+                <a:effectLst/>
+                <a:latin typeface="Noteworthy Bold" charset="0"/>
+                <a:ea typeface="Noteworthy Bold" charset="0"/>
+                <a:cs typeface="Noteworthy Bold" charset="0"/>
+                <a:sym typeface="Noteworthy Bold" charset="0"/>
+              </a:rPr>
+              <a:t>Architektur Dokument</a:t>
+            </a:r>
+          </a:p>
+          <a:p>
+            <a:r>
+              <a:rPr lang="de-DE" sz="2400" b="0" i="0" u="none" strike="noStrike" kern="1200" dirty="0" smtClean="0">
+                <a:solidFill>
+                  <a:srgbClr val="572E2D"/>
+                </a:solidFill>
+                <a:effectLst/>
+                <a:latin typeface="Noteworthy Bold" charset="0"/>
+                <a:ea typeface="Noteworthy Bold" charset="0"/>
+                <a:cs typeface="Noteworthy Bold" charset="0"/>
+                <a:sym typeface="Noteworthy Bold" charset="0"/>
+              </a:rPr>
+              <a:t>Datenmodell</a:t>
+            </a:r>
+          </a:p>
+          <a:p>
+            <a:r>
+              <a:rPr lang="de-DE" sz="2400" b="0" i="0" u="none" strike="noStrike" kern="1200" dirty="0" smtClean="0">
+                <a:solidFill>
+                  <a:srgbClr val="572E2D"/>
+                </a:solidFill>
+                <a:effectLst/>
+                <a:latin typeface="Noteworthy Bold" charset="0"/>
+                <a:ea typeface="Noteworthy Bold" charset="0"/>
+                <a:cs typeface="Noteworthy Bold" charset="0"/>
+                <a:sym typeface="Noteworthy Bold" charset="0"/>
+              </a:rPr>
+              <a:t>Funktionsfähigkeit der erfolgskritischen Merkmale</a:t>
+            </a:r>
+          </a:p>
+          <a:p>
+            <a:r>
+              <a:rPr lang="de-DE" sz="2400" b="0" i="0" u="none" strike="noStrike" kern="1200" dirty="0" smtClean="0">
+                <a:solidFill>
+                  <a:srgbClr val="572E2D"/>
+                </a:solidFill>
+                <a:effectLst/>
+                <a:latin typeface="Noteworthy Bold" charset="0"/>
+                <a:ea typeface="Noteworthy Bold" charset="0"/>
+                <a:cs typeface="Noteworthy Bold" charset="0"/>
+                <a:sym typeface="Noteworthy Bold" charset="0"/>
+              </a:rPr>
+              <a:t>Testfall Dokumentation</a:t>
+            </a:r>
+          </a:p>
+          <a:p>
+            <a:r>
+              <a:rPr lang="de-DE" sz="2400" b="0" i="0" u="none" strike="noStrike" kern="1200" dirty="0" smtClean="0">
+                <a:solidFill>
+                  <a:srgbClr val="572E2D"/>
+                </a:solidFill>
+                <a:effectLst/>
+                <a:latin typeface="Noteworthy Bold" charset="0"/>
+                <a:ea typeface="Noteworthy Bold" charset="0"/>
+                <a:cs typeface="Noteworthy Bold" charset="0"/>
+                <a:sym typeface="Noteworthy Bold" charset="0"/>
+              </a:rPr>
+              <a:t>90% Muss-Testfälle erfolgreich</a:t>
+            </a:r>
+          </a:p>
+          <a:p>
+            <a:r>
+              <a:rPr lang="de-DE" sz="2400" b="0" i="0" u="none" strike="noStrike" kern="1200" dirty="0" smtClean="0">
+                <a:solidFill>
+                  <a:srgbClr val="572E2D"/>
+                </a:solidFill>
+                <a:effectLst/>
+                <a:latin typeface="Noteworthy Bold" charset="0"/>
+                <a:ea typeface="Noteworthy Bold" charset="0"/>
+                <a:cs typeface="Noteworthy Bold" charset="0"/>
+                <a:sym typeface="Noteworthy Bold" charset="0"/>
+              </a:rPr>
+              <a:t>Einführungsplan</a:t>
+            </a:r>
+            <a:r>
+              <a:rPr lang="de-DE" sz="3200" dirty="0" smtClean="0"/>
+              <a:t> </a:t>
+            </a:r>
+          </a:p>
+          <a:p>
+            <a:r>
+              <a:rPr lang="de-DE" sz="2400" b="0" i="0" u="none" strike="noStrike" kern="1200" dirty="0" smtClean="0">
+                <a:solidFill>
+                  <a:srgbClr val="572E2D"/>
+                </a:solidFill>
+                <a:effectLst/>
+                <a:latin typeface="Noteworthy Bold" charset="0"/>
+                <a:ea typeface="Noteworthy Bold" charset="0"/>
+                <a:cs typeface="Noteworthy Bold" charset="0"/>
+                <a:sym typeface="Noteworthy Bold" charset="0"/>
+              </a:rPr>
+              <a:t>70% Anwender-Abdeckung</a:t>
+            </a:r>
+            <a:r>
+              <a:rPr lang="de-DE" sz="3200" dirty="0" smtClean="0"/>
+              <a:t> </a:t>
+            </a:r>
+            <a:endParaRPr lang="de-DE" sz="2400" b="0" i="0" u="none" strike="noStrike" kern="1200" dirty="0" smtClean="0">
+              <a:solidFill>
+                <a:srgbClr val="572E2D"/>
+              </a:solidFill>
+              <a:effectLst/>
+              <a:latin typeface="Noteworthy Bold" charset="0"/>
+              <a:sym typeface="Noteworthy Bold" charset="0"/>
+            </a:endParaRPr>
+          </a:p>
+          <a:p>
+            <a:endParaRPr lang="de-DE" sz="2400" b="0" i="0" u="none" strike="noStrike" kern="1200" dirty="0" smtClean="0">
+              <a:solidFill>
+                <a:srgbClr val="572E2D"/>
+              </a:solidFill>
+              <a:effectLst/>
+              <a:latin typeface="Noteworthy Bold" charset="0"/>
+              <a:sym typeface="Noteworthy Bold" charset="0"/>
+            </a:endParaRPr>
+          </a:p>
+          <a:p>
+            <a:r>
+              <a:rPr lang="de-DE" sz="2400" b="0" i="0" u="none" strike="noStrike" kern="1200" dirty="0" smtClean="0">
+                <a:solidFill>
+                  <a:srgbClr val="572E2D"/>
+                </a:solidFill>
+                <a:effectLst/>
+                <a:latin typeface="Noteworthy Bold" charset="0"/>
+                <a:sym typeface="Noteworthy Bold" charset="0"/>
+              </a:rPr>
+              <a:t>Rollen: </a:t>
+            </a:r>
+          </a:p>
+          <a:p>
+            <a:r>
+              <a:rPr lang="de-DE" sz="2400" b="0" i="0" u="none" strike="noStrike" kern="1200" dirty="0" smtClean="0">
+                <a:solidFill>
+                  <a:srgbClr val="572E2D"/>
+                </a:solidFill>
+                <a:effectLst/>
+                <a:latin typeface="Noteworthy Bold" charset="0"/>
+                <a:ea typeface="Noteworthy Bold" charset="0"/>
+                <a:cs typeface="Noteworthy Bold" charset="0"/>
+                <a:sym typeface="Noteworthy Bold" charset="0"/>
+              </a:rPr>
+              <a:t>Projektleiter</a:t>
+            </a:r>
+            <a:endParaRPr lang="de-DE" sz="3200" dirty="0" smtClean="0"/>
+          </a:p>
+          <a:p>
+            <a:r>
+              <a:rPr lang="de-DE" sz="2400" b="0" i="0" u="none" strike="noStrike" kern="1200" dirty="0" smtClean="0">
+                <a:solidFill>
+                  <a:srgbClr val="572E2D"/>
+                </a:solidFill>
+                <a:effectLst/>
+                <a:latin typeface="Noteworthy Bold" charset="0"/>
+                <a:ea typeface="Noteworthy Bold" charset="0"/>
+                <a:cs typeface="Noteworthy Bold" charset="0"/>
+                <a:sym typeface="Noteworthy Bold" charset="0"/>
+              </a:rPr>
+              <a:t>GUI Spezialist</a:t>
+            </a:r>
+            <a:endParaRPr lang="de-DE" sz="3200" dirty="0" smtClean="0"/>
+          </a:p>
+          <a:p>
+            <a:r>
+              <a:rPr lang="de-DE" sz="2400" b="0" i="0" u="none" strike="noStrike" kern="1200" dirty="0" smtClean="0">
+                <a:solidFill>
+                  <a:srgbClr val="572E2D"/>
+                </a:solidFill>
+                <a:effectLst/>
+                <a:latin typeface="Noteworthy Bold" charset="0"/>
+                <a:ea typeface="Noteworthy Bold" charset="0"/>
+                <a:cs typeface="Noteworthy Bold" charset="0"/>
+                <a:sym typeface="Noteworthy Bold" charset="0"/>
+              </a:rPr>
+              <a:t>Analyst</a:t>
+            </a:r>
+            <a:r>
+              <a:rPr lang="de-DE" sz="3200" dirty="0" smtClean="0"/>
+              <a:t> </a:t>
+            </a:r>
+            <a:r>
+              <a:rPr lang="de-DE" sz="2400" b="0" i="0" u="none" strike="noStrike" kern="1200" dirty="0" smtClean="0">
+                <a:solidFill>
+                  <a:srgbClr val="572E2D"/>
+                </a:solidFill>
+                <a:effectLst/>
+                <a:latin typeface="Noteworthy Bold" charset="0"/>
+                <a:ea typeface="Noteworthy Bold" charset="0"/>
+                <a:cs typeface="Noteworthy Bold" charset="0"/>
+                <a:sym typeface="Noteworthy Bold" charset="0"/>
+              </a:rPr>
+              <a:t>Architekt</a:t>
+            </a:r>
+            <a:endParaRPr lang="de-DE" sz="3200" dirty="0" smtClean="0"/>
+          </a:p>
+          <a:p>
+            <a:r>
+              <a:rPr lang="de-DE" sz="2400" b="0" i="0" u="none" strike="noStrike" kern="1200" dirty="0" smtClean="0">
+                <a:solidFill>
+                  <a:srgbClr val="572E2D"/>
+                </a:solidFill>
+                <a:effectLst/>
+                <a:latin typeface="Noteworthy Bold" charset="0"/>
+                <a:ea typeface="Noteworthy Bold" charset="0"/>
+                <a:cs typeface="Noteworthy Bold" charset="0"/>
+                <a:sym typeface="Noteworthy Bold" charset="0"/>
+              </a:rPr>
+              <a:t>Entwickler</a:t>
+            </a:r>
+            <a:endParaRPr lang="de-DE" sz="3200" dirty="0" smtClean="0"/>
+          </a:p>
+          <a:p>
+            <a:r>
+              <a:rPr lang="de-DE" sz="2400" b="0" i="0" u="none" strike="noStrike" kern="1200" dirty="0" smtClean="0">
+                <a:solidFill>
+                  <a:srgbClr val="572E2D"/>
+                </a:solidFill>
+                <a:effectLst/>
+                <a:latin typeface="Noteworthy Bold" charset="0"/>
+                <a:ea typeface="Noteworthy Bold" charset="0"/>
+                <a:cs typeface="Noteworthy Bold" charset="0"/>
+                <a:sym typeface="Noteworthy Bold" charset="0"/>
+              </a:rPr>
+              <a:t>Tester</a:t>
+            </a:r>
+            <a:endParaRPr lang="de-DE" sz="2400" b="0" i="0" u="none" strike="noStrike" kern="1200" dirty="0" smtClean="0">
+              <a:solidFill>
+                <a:srgbClr val="572E2D"/>
+              </a:solidFill>
+              <a:effectLst/>
+              <a:latin typeface="Noteworthy Bold" charset="0"/>
+              <a:sym typeface="Noteworthy Bold" charset="0"/>
+            </a:endParaRPr>
+          </a:p>
+          <a:p>
+            <a:endParaRPr lang="de-DE" sz="2400" b="0" i="0" u="none" strike="noStrike" kern="1200" dirty="0" smtClean="0">
+              <a:solidFill>
+                <a:srgbClr val="572E2D"/>
+              </a:solidFill>
+              <a:effectLst/>
+              <a:latin typeface="Noteworthy Bold" charset="0"/>
+              <a:sym typeface="Noteworthy Bold" charset="0"/>
+            </a:endParaRPr>
+          </a:p>
+          <a:p>
+            <a:r>
+              <a:rPr lang="de-DE" sz="2400" b="0" i="0" u="none" strike="noStrike" kern="1200" dirty="0" smtClean="0">
+                <a:solidFill>
+                  <a:srgbClr val="572E2D"/>
+                </a:solidFill>
+                <a:effectLst/>
+                <a:latin typeface="Noteworthy Bold" charset="0"/>
+                <a:sym typeface="Noteworthy Bold" charset="0"/>
+              </a:rPr>
+              <a:t>Kostenarten: </a:t>
+            </a:r>
+          </a:p>
+          <a:p>
+            <a:r>
+              <a:rPr lang="de-DE" sz="2400" b="0" i="0" u="none" strike="noStrike" kern="1200" dirty="0" smtClean="0">
+                <a:solidFill>
+                  <a:srgbClr val="572E2D"/>
+                </a:solidFill>
+                <a:effectLst/>
+                <a:latin typeface="Noteworthy Bold" charset="0"/>
+                <a:ea typeface="Noteworthy Bold" charset="0"/>
+                <a:cs typeface="Noteworthy Bold" charset="0"/>
+                <a:sym typeface="Noteworthy Bold" charset="0"/>
+              </a:rPr>
+              <a:t>IT-Kosten</a:t>
+            </a:r>
+            <a:endParaRPr lang="de-DE" sz="3200" dirty="0" smtClean="0"/>
+          </a:p>
+          <a:p>
+            <a:r>
+              <a:rPr lang="de-DE" sz="2400" b="0" i="0" u="none" strike="noStrike" kern="1200" dirty="0" smtClean="0">
+                <a:solidFill>
+                  <a:srgbClr val="572E2D"/>
+                </a:solidFill>
+                <a:effectLst/>
+                <a:latin typeface="Noteworthy Bold" charset="0"/>
+                <a:ea typeface="Noteworthy Bold" charset="0"/>
+                <a:cs typeface="Noteworthy Bold" charset="0"/>
+                <a:sym typeface="Noteworthy Bold" charset="0"/>
+              </a:rPr>
+              <a:t>Reise-Kosten</a:t>
+            </a:r>
+          </a:p>
+          <a:p>
+            <a:r>
+              <a:rPr lang="de-DE" sz="2400" b="0" i="0" u="none" strike="noStrike" kern="1200" dirty="0" smtClean="0">
+                <a:solidFill>
+                  <a:srgbClr val="572E2D"/>
+                </a:solidFill>
+                <a:effectLst/>
+                <a:latin typeface="Noteworthy Bold" charset="0"/>
+                <a:ea typeface="Noteworthy Bold" charset="0"/>
+                <a:cs typeface="Noteworthy Bold" charset="0"/>
+                <a:sym typeface="Noteworthy Bold" charset="0"/>
+              </a:rPr>
+              <a:t>Trainings-Kosten</a:t>
+            </a:r>
+            <a:r>
+              <a:rPr lang="de-DE" sz="3200" dirty="0" smtClean="0"/>
+              <a:t> </a:t>
+            </a:r>
+            <a:endParaRPr lang="de-DE" sz="2400" b="0" i="0" u="none" strike="noStrike" kern="1200" dirty="0" smtClean="0">
+              <a:solidFill>
+                <a:srgbClr val="572E2D"/>
+              </a:solidFill>
+              <a:effectLst/>
+              <a:latin typeface="Noteworthy Bold" charset="0"/>
+              <a:sym typeface="Noteworthy Bold" charset="0"/>
+            </a:endParaRPr>
+          </a:p>
+          <a:p>
+            <a:r>
+              <a:rPr lang="de-DE" sz="2800" dirty="0" smtClean="0"/>
+              <a:t> </a:t>
+            </a:r>
+            <a:endParaRPr lang="de-DE" sz="2800" kern="1200" dirty="0" smtClean="0">
+              <a:solidFill>
+                <a:srgbClr val="572E2D"/>
+              </a:solidFill>
+              <a:latin typeface="Noteworthy Bold" charset="0"/>
+              <a:ea typeface="Noteworthy Bold" charset="0"/>
+              <a:cs typeface="Noteworthy Bold" charset="0"/>
+              <a:sym typeface="Noteworthy Bold" charset="0"/>
+            </a:endParaRPr>
           </a:p>
         </p:txBody>
       </p:sp>
@@ -1913,220 +7703,1378 @@
           <a:lstStyle/>
           <a:p>
             <a:r>
-              <a:rPr lang="de-DE" sz="2500" dirty="0"/>
+              <a:rPr lang="de-DE" sz="2800" kern="1200" dirty="0" smtClean="0">
+                <a:solidFill>
+                  <a:srgbClr val="572E2D"/>
+                </a:solidFill>
+                <a:latin typeface="Noteworthy Bold" charset="0"/>
+                <a:ea typeface="Noteworthy Bold" charset="0"/>
+                <a:cs typeface="Noteworthy Bold" charset="0"/>
+                <a:sym typeface="Noteworthy Bold" charset="0"/>
+              </a:rPr>
               <a:t>Projekt-Name</a:t>
             </a:r>
           </a:p>
           <a:p>
             <a:r>
-              <a:rPr lang="de-DE" sz="2500" dirty="0"/>
+              <a:rPr lang="de-DE" sz="2800" kern="1200" dirty="0" smtClean="0">
+                <a:solidFill>
+                  <a:srgbClr val="572E2D"/>
+                </a:solidFill>
+                <a:latin typeface="Noteworthy Bold" charset="0"/>
+                <a:ea typeface="Noteworthy Bold" charset="0"/>
+                <a:cs typeface="Noteworthy Bold" charset="0"/>
+                <a:sym typeface="Noteworthy Bold" charset="0"/>
+              </a:rPr>
+              <a:t>Soll-Ist &amp; Prognose</a:t>
+            </a:r>
+          </a:p>
+          <a:p>
+            <a:r>
+              <a:rPr lang="de-DE" sz="2800" kern="1200" dirty="0" smtClean="0">
+                <a:solidFill>
+                  <a:srgbClr val="572E2D"/>
+                </a:solidFill>
+                <a:latin typeface="Noteworthy Bold" charset="0"/>
+                <a:ea typeface="Noteworthy Bold" charset="0"/>
+                <a:cs typeface="Noteworthy Bold" charset="0"/>
+                <a:sym typeface="Noteworthy Bold" charset="0"/>
+              </a:rPr>
+              <a:t>Projekt-Grafik</a:t>
+            </a:r>
+          </a:p>
+          <a:p>
+            <a:r>
+              <a:rPr lang="de-DE" sz="2800" kern="1200" dirty="0" smtClean="0">
+                <a:solidFill>
+                  <a:srgbClr val="572E2D"/>
+                </a:solidFill>
+                <a:latin typeface="Noteworthy Bold" charset="0"/>
+                <a:ea typeface="Noteworthy Bold" charset="0"/>
+                <a:cs typeface="Noteworthy Bold" charset="0"/>
+                <a:sym typeface="Noteworthy Bold" charset="0"/>
+              </a:rPr>
+              <a:t>Meilenstein Trendanalyse</a:t>
+            </a:r>
+          </a:p>
+          <a:p>
+            <a:r>
+              <a:rPr lang="de-DE" sz="2800" kern="1200" dirty="0" smtClean="0">
+                <a:solidFill>
+                  <a:srgbClr val="572E2D"/>
+                </a:solidFill>
+                <a:latin typeface="Noteworthy Bold" charset="0"/>
+                <a:ea typeface="Noteworthy Bold" charset="0"/>
+                <a:cs typeface="Noteworthy Bold" charset="0"/>
+                <a:sym typeface="Noteworthy Bold" charset="0"/>
+              </a:rPr>
+              <a:t>Vergleich mit Beauftragung</a:t>
+            </a:r>
+          </a:p>
+          <a:p>
+            <a:r>
+              <a:rPr lang="de-DE" sz="2800" kern="1200" dirty="0" smtClean="0">
+                <a:solidFill>
+                  <a:srgbClr val="572E2D"/>
+                </a:solidFill>
+                <a:latin typeface="Noteworthy Bold" charset="0"/>
+                <a:ea typeface="Noteworthy Bold" charset="0"/>
+                <a:cs typeface="Noteworthy Bold" charset="0"/>
+                <a:sym typeface="Noteworthy Bold" charset="0"/>
+              </a:rPr>
+              <a:t>Vergleich mit letztem Stand</a:t>
+            </a:r>
+          </a:p>
+          <a:p>
+            <a:r>
+              <a:rPr lang="de-DE" sz="2800" kern="1200" dirty="0" smtClean="0">
+                <a:solidFill>
+                  <a:srgbClr val="572E2D"/>
+                </a:solidFill>
+                <a:latin typeface="Noteworthy Bold" charset="0"/>
+                <a:ea typeface="Noteworthy Bold" charset="0"/>
+                <a:cs typeface="Noteworthy Bold" charset="0"/>
+                <a:sym typeface="Noteworthy Bold" charset="0"/>
+              </a:rPr>
+              <a:t>Vergleich mit Vorlage</a:t>
+            </a:r>
+          </a:p>
+          <a:p>
+            <a:r>
+              <a:rPr lang="de-DE" sz="2800" kern="1200" dirty="0" smtClean="0">
+                <a:solidFill>
+                  <a:srgbClr val="572E2D"/>
+                </a:solidFill>
+                <a:latin typeface="Noteworthy Bold" charset="0"/>
+                <a:ea typeface="Noteworthy Bold" charset="0"/>
+                <a:cs typeface="Noteworthy Bold" charset="0"/>
+                <a:sym typeface="Noteworthy Bold" charset="0"/>
+              </a:rPr>
+              <a:t>Tabelle Projektziele</a:t>
+            </a:r>
+          </a:p>
+          <a:p>
+            <a:r>
+              <a:rPr lang="de-DE" sz="2800" kern="1200" dirty="0" smtClean="0">
+                <a:solidFill>
+                  <a:srgbClr val="572E2D"/>
+                </a:solidFill>
+                <a:latin typeface="Noteworthy Bold" charset="0"/>
+                <a:ea typeface="Noteworthy Bold" charset="0"/>
+                <a:cs typeface="Noteworthy Bold" charset="0"/>
+                <a:sym typeface="Noteworthy Bold" charset="0"/>
+              </a:rPr>
+              <a:t>Tabelle Projektstatus</a:t>
+            </a:r>
+          </a:p>
+          <a:p>
+            <a:r>
+              <a:rPr lang="de-DE" sz="2800" kern="1200" dirty="0" smtClean="0">
+                <a:solidFill>
+                  <a:srgbClr val="572E2D"/>
+                </a:solidFill>
+                <a:latin typeface="Noteworthy Bold" charset="0"/>
+                <a:ea typeface="Noteworthy Bold" charset="0"/>
+                <a:cs typeface="Noteworthy Bold" charset="0"/>
+                <a:sym typeface="Noteworthy Bold" charset="0"/>
+              </a:rPr>
+              <a:t>Tabelle Veränderungen</a:t>
+            </a:r>
+          </a:p>
+          <a:p>
+            <a:r>
+              <a:rPr lang="de-DE" sz="2800" kern="1200" dirty="0" smtClean="0">
+                <a:solidFill>
+                  <a:srgbClr val="572E2D"/>
+                </a:solidFill>
+                <a:latin typeface="Noteworthy Bold" charset="0"/>
+                <a:ea typeface="Noteworthy Bold" charset="0"/>
+                <a:cs typeface="Noteworthy Bold" charset="0"/>
+                <a:sym typeface="Noteworthy Bold" charset="0"/>
+              </a:rPr>
+              <a:t>Tabelle Vergleich letzter Stand</a:t>
+            </a:r>
+          </a:p>
+          <a:p>
+            <a:r>
+              <a:rPr lang="de-DE" sz="2800" kern="1200" dirty="0" smtClean="0">
+                <a:solidFill>
+                  <a:srgbClr val="572E2D"/>
+                </a:solidFill>
+                <a:latin typeface="Noteworthy Bold" charset="0"/>
+                <a:ea typeface="Noteworthy Bold" charset="0"/>
+                <a:cs typeface="Noteworthy Bold" charset="0"/>
+                <a:sym typeface="Noteworthy Bold" charset="0"/>
+              </a:rPr>
+              <a:t>Tabelle Vergleich Beauftragung</a:t>
+            </a:r>
+          </a:p>
+          <a:p>
+            <a:r>
+              <a:rPr lang="de-DE" sz="2800" kern="1200" dirty="0" smtClean="0">
+                <a:solidFill>
+                  <a:srgbClr val="572E2D"/>
+                </a:solidFill>
+                <a:latin typeface="Noteworthy Bold" charset="0"/>
+                <a:ea typeface="Noteworthy Bold" charset="0"/>
+                <a:cs typeface="Noteworthy Bold" charset="0"/>
+                <a:sym typeface="Noteworthy Bold" charset="0"/>
+              </a:rPr>
               <a:t>Ergebnis</a:t>
             </a:r>
           </a:p>
           <a:p>
             <a:r>
-              <a:rPr lang="de-DE" sz="2500" dirty="0"/>
+              <a:rPr lang="de-DE" sz="2800" kern="1200" dirty="0" smtClean="0">
+                <a:solidFill>
+                  <a:srgbClr val="572E2D"/>
+                </a:solidFill>
+                <a:latin typeface="Noteworthy Bold" charset="0"/>
+                <a:ea typeface="Noteworthy Bold" charset="0"/>
+                <a:cs typeface="Noteworthy Bold" charset="0"/>
+                <a:sym typeface="Noteworthy Bold" charset="0"/>
+              </a:rPr>
               <a:t>Strategie/Risiko</a:t>
             </a:r>
           </a:p>
           <a:p>
             <a:r>
-              <a:rPr lang="de-DE" sz="2500" dirty="0"/>
+              <a:rPr lang="de-DE" sz="2800" kern="1200" dirty="0" smtClean="0">
+                <a:solidFill>
+                  <a:srgbClr val="572E2D"/>
+                </a:solidFill>
+                <a:latin typeface="Noteworthy Bold" charset="0"/>
+                <a:ea typeface="Noteworthy Bold" charset="0"/>
+                <a:cs typeface="Noteworthy Bold" charset="0"/>
+                <a:sym typeface="Noteworthy Bold" charset="0"/>
+              </a:rPr>
               <a:t>Teilprojekte</a:t>
             </a:r>
           </a:p>
           <a:p>
             <a:r>
-              <a:rPr lang="de-DE" sz="2500" dirty="0"/>
+              <a:rPr lang="de-DE" sz="2800" kern="1200" dirty="0" smtClean="0">
+                <a:solidFill>
+                  <a:srgbClr val="572E2D"/>
+                </a:solidFill>
+                <a:latin typeface="Noteworthy Bold" charset="0"/>
+                <a:ea typeface="Noteworthy Bold" charset="0"/>
+                <a:cs typeface="Noteworthy Bold" charset="0"/>
+                <a:sym typeface="Noteworthy Bold" charset="0"/>
+              </a:rPr>
               <a:t>Personalbedarf</a:t>
             </a:r>
           </a:p>
           <a:p>
             <a:r>
-              <a:rPr lang="de-DE" sz="2500" dirty="0"/>
+              <a:rPr lang="de-DE" sz="2800" kern="1200" dirty="0" smtClean="0">
+                <a:solidFill>
+                  <a:srgbClr val="572E2D"/>
+                </a:solidFill>
+                <a:latin typeface="Noteworthy Bold" charset="0"/>
+                <a:ea typeface="Noteworthy Bold" charset="0"/>
+                <a:cs typeface="Noteworthy Bold" charset="0"/>
+                <a:sym typeface="Noteworthy Bold" charset="0"/>
+              </a:rPr>
               <a:t>Personalkosten</a:t>
             </a:r>
           </a:p>
           <a:p>
             <a:r>
-              <a:rPr lang="de-DE" sz="2500" dirty="0"/>
+              <a:rPr lang="de-DE" sz="2800" kern="1200" dirty="0" smtClean="0">
+                <a:solidFill>
+                  <a:srgbClr val="572E2D"/>
+                </a:solidFill>
+                <a:latin typeface="Noteworthy Bold" charset="0"/>
+                <a:ea typeface="Noteworthy Bold" charset="0"/>
+                <a:cs typeface="Noteworthy Bold" charset="0"/>
+                <a:sym typeface="Noteworthy Bold" charset="0"/>
+              </a:rPr>
               <a:t>Sonstige Kosten</a:t>
             </a:r>
           </a:p>
           <a:p>
             <a:r>
-              <a:rPr lang="de-DE" sz="2500" dirty="0"/>
+              <a:rPr lang="de-DE" sz="2800" kern="1200" dirty="0" smtClean="0">
+                <a:solidFill>
+                  <a:srgbClr val="572E2D"/>
+                </a:solidFill>
+                <a:latin typeface="Noteworthy Bold" charset="0"/>
+                <a:ea typeface="Noteworthy Bold" charset="0"/>
+                <a:cs typeface="Noteworthy Bold" charset="0"/>
+                <a:sym typeface="Noteworthy Bold" charset="0"/>
+              </a:rPr>
               <a:t>Gesamtkosten</a:t>
             </a:r>
           </a:p>
           <a:p>
             <a:r>
-              <a:rPr lang="de-DE" sz="2500" dirty="0"/>
+              <a:rPr lang="de-DE" sz="2800" kern="1200" dirty="0" smtClean="0">
+                <a:solidFill>
+                  <a:srgbClr val="572E2D"/>
+                </a:solidFill>
+                <a:latin typeface="Noteworthy Bold" charset="0"/>
+                <a:ea typeface="Noteworthy Bold" charset="0"/>
+                <a:cs typeface="Noteworthy Bold" charset="0"/>
+                <a:sym typeface="Noteworthy Bold" charset="0"/>
+              </a:rPr>
+              <a:t>Trend Strategischer Fit/Risiko</a:t>
+            </a:r>
+          </a:p>
+          <a:p>
+            <a:r>
+              <a:rPr lang="de-DE" sz="2800" kern="1200" dirty="0" smtClean="0">
+                <a:solidFill>
+                  <a:srgbClr val="572E2D"/>
+                </a:solidFill>
+                <a:latin typeface="Noteworthy Bold" charset="0"/>
+                <a:ea typeface="Noteworthy Bold" charset="0"/>
+                <a:cs typeface="Noteworthy Bold" charset="0"/>
+                <a:sym typeface="Noteworthy Bold" charset="0"/>
+              </a:rPr>
+              <a:t>Trend Kennzahlen</a:t>
+            </a:r>
+          </a:p>
+          <a:p>
+            <a:r>
+              <a:rPr lang="de-DE" sz="2800" kern="1200" dirty="0" smtClean="0">
+                <a:solidFill>
+                  <a:srgbClr val="572E2D"/>
+                </a:solidFill>
+                <a:latin typeface="Noteworthy Bold" charset="0"/>
+                <a:ea typeface="Noteworthy Bold" charset="0"/>
+                <a:cs typeface="Noteworthy Bold" charset="0"/>
+                <a:sym typeface="Noteworthy Bold" charset="0"/>
+              </a:rPr>
               <a:t>Fortschritt Personalkosten</a:t>
             </a:r>
           </a:p>
           <a:p>
             <a:r>
-              <a:rPr lang="de-DE" sz="2500" dirty="0"/>
+              <a:rPr lang="de-DE" sz="2800" kern="1200" dirty="0" smtClean="0">
+                <a:solidFill>
+                  <a:srgbClr val="572E2D"/>
+                </a:solidFill>
+                <a:latin typeface="Noteworthy Bold" charset="0"/>
+                <a:ea typeface="Noteworthy Bold" charset="0"/>
+                <a:cs typeface="Noteworthy Bold" charset="0"/>
+                <a:sym typeface="Noteworthy Bold" charset="0"/>
+              </a:rPr>
               <a:t>Fortschritt Sonstige Kosten</a:t>
             </a:r>
           </a:p>
           <a:p>
             <a:r>
-              <a:rPr lang="de-DE" sz="2500" dirty="0"/>
-              <a:t>Fortschritt Gesamtkosten</a:t>
-            </a:r>
-          </a:p>
-          <a:p>
-            <a:r>
-              <a:rPr lang="de-DE" sz="2500" dirty="0"/>
-              <a:t>Fortschritt Rolle(…)</a:t>
-            </a:r>
-          </a:p>
-          <a:p>
-            <a:r>
-              <a:rPr lang="de-DE" sz="2500" dirty="0"/>
-              <a:t>Fortschritt Kostenart(…)</a:t>
-            </a:r>
-          </a:p>
-          <a:p>
-            <a:endParaRPr lang="de-DE" sz="2500" dirty="0"/>
-          </a:p>
-          <a:p>
-            <a:r>
-              <a:rPr lang="de-DE" sz="2500" dirty="0"/>
+              <a:rPr lang="de-DE" sz="2800" kern="1200" dirty="0" smtClean="0">
+                <a:solidFill>
+                  <a:srgbClr val="572E2D"/>
+                </a:solidFill>
+                <a:latin typeface="Noteworthy Bold" charset="0"/>
+                <a:ea typeface="Noteworthy Bold" charset="0"/>
+                <a:cs typeface="Noteworthy Bold" charset="0"/>
+                <a:sym typeface="Noteworthy Bold" charset="0"/>
+              </a:rPr>
+              <a:t>Fortschritt Rolle(..)</a:t>
+            </a:r>
+          </a:p>
+          <a:p>
+            <a:r>
+              <a:rPr lang="de-DE" sz="2800" kern="1200" dirty="0" smtClean="0">
+                <a:solidFill>
+                  <a:srgbClr val="572E2D"/>
+                </a:solidFill>
+                <a:latin typeface="Noteworthy Bold" charset="0"/>
+                <a:ea typeface="Noteworthy Bold" charset="0"/>
+                <a:cs typeface="Noteworthy Bold" charset="0"/>
+                <a:sym typeface="Noteworthy Bold" charset="0"/>
+              </a:rPr>
+              <a:t>Fortschritt Kostenart(..)</a:t>
+            </a:r>
+          </a:p>
+          <a:p>
+            <a:r>
+              <a:rPr lang="de-DE" sz="2800" kern="1200" dirty="0" smtClean="0">
+                <a:solidFill>
+                  <a:srgbClr val="572E2D"/>
+                </a:solidFill>
+                <a:latin typeface="Noteworthy Bold" charset="0"/>
+                <a:ea typeface="Noteworthy Bold" charset="0"/>
+                <a:cs typeface="Noteworthy Bold" charset="0"/>
+                <a:sym typeface="Noteworthy Bold" charset="0"/>
+              </a:rPr>
               <a:t>Soll-Ist1 Personalkosten</a:t>
             </a:r>
           </a:p>
           <a:p>
-            <a:pPr defTabSz="481706">
-              <a:lnSpc>
-                <a:spcPts val="3688"/>
-              </a:lnSpc>
-              <a:defRPr/>
-            </a:pPr>
-            <a:r>
-              <a:rPr lang="de-DE" sz="2500" dirty="0"/>
+            <a:r>
+              <a:rPr lang="de-DE" sz="2800" kern="1200" dirty="0" smtClean="0">
+                <a:solidFill>
+                  <a:srgbClr val="572E2D"/>
+                </a:solidFill>
+                <a:latin typeface="Noteworthy Bold" charset="0"/>
+                <a:ea typeface="Noteworthy Bold" charset="0"/>
+                <a:cs typeface="Noteworthy Bold" charset="0"/>
+                <a:sym typeface="Noteworthy Bold" charset="0"/>
+              </a:rPr>
               <a:t>Soll-Ist2 Personalkosten</a:t>
             </a:r>
           </a:p>
           <a:p>
-            <a:endParaRPr lang="de-DE" sz="2500" dirty="0"/>
-          </a:p>
-          <a:p>
-            <a:r>
-              <a:rPr lang="de-DE" sz="2500" dirty="0"/>
+            <a:r>
+              <a:rPr lang="de-DE" sz="2800" kern="1200" dirty="0" smtClean="0">
+                <a:solidFill>
+                  <a:srgbClr val="572E2D"/>
+                </a:solidFill>
+                <a:latin typeface="Noteworthy Bold" charset="0"/>
+                <a:ea typeface="Noteworthy Bold" charset="0"/>
+                <a:cs typeface="Noteworthy Bold" charset="0"/>
+                <a:sym typeface="Noteworthy Bold" charset="0"/>
+              </a:rPr>
+              <a:t>Soll-Ist1C Personalkosten</a:t>
+            </a:r>
+          </a:p>
+          <a:p>
+            <a:r>
+              <a:rPr lang="de-DE" sz="2800" kern="1200" dirty="0" smtClean="0">
+                <a:solidFill>
+                  <a:srgbClr val="572E2D"/>
+                </a:solidFill>
+                <a:latin typeface="Noteworthy Bold" charset="0"/>
+                <a:ea typeface="Noteworthy Bold" charset="0"/>
+                <a:cs typeface="Noteworthy Bold" charset="0"/>
+                <a:sym typeface="Noteworthy Bold" charset="0"/>
+              </a:rPr>
+              <a:t>Soll-Ist2C Personalkosten</a:t>
+            </a:r>
+          </a:p>
+          <a:p>
+            <a:r>
+              <a:rPr lang="de-DE" sz="2800" kern="1200" dirty="0" smtClean="0">
+                <a:solidFill>
+                  <a:srgbClr val="572E2D"/>
+                </a:solidFill>
+                <a:latin typeface="Noteworthy Bold" charset="0"/>
+                <a:ea typeface="Noteworthy Bold" charset="0"/>
+                <a:cs typeface="Noteworthy Bold" charset="0"/>
+                <a:sym typeface="Noteworthy Bold" charset="0"/>
+              </a:rPr>
               <a:t>Soll-Ist1 Sonstige Kosten</a:t>
             </a:r>
           </a:p>
           <a:p>
-            <a:pPr defTabSz="481706">
-              <a:lnSpc>
-                <a:spcPts val="3688"/>
-              </a:lnSpc>
-              <a:defRPr/>
-            </a:pPr>
-            <a:r>
-              <a:rPr lang="de-DE" sz="2500" dirty="0"/>
+            <a:r>
+              <a:rPr lang="de-DE" sz="2800" kern="1200" dirty="0" smtClean="0">
+                <a:solidFill>
+                  <a:srgbClr val="572E2D"/>
+                </a:solidFill>
+                <a:latin typeface="Noteworthy Bold" charset="0"/>
+                <a:ea typeface="Noteworthy Bold" charset="0"/>
+                <a:cs typeface="Noteworthy Bold" charset="0"/>
+                <a:sym typeface="Noteworthy Bold" charset="0"/>
+              </a:rPr>
               <a:t>Soll-Ist2 Sonstige Kosten</a:t>
             </a:r>
           </a:p>
           <a:p>
-            <a:endParaRPr lang="de-DE" sz="2500" dirty="0"/>
-          </a:p>
-          <a:p>
-            <a:r>
-              <a:rPr lang="de-DE" sz="2500" dirty="0"/>
+            <a:r>
+              <a:rPr lang="de-DE" sz="2800" kern="1200" dirty="0" smtClean="0">
+                <a:solidFill>
+                  <a:srgbClr val="572E2D"/>
+                </a:solidFill>
+                <a:latin typeface="Noteworthy Bold" charset="0"/>
+                <a:ea typeface="Noteworthy Bold" charset="0"/>
+                <a:cs typeface="Noteworthy Bold" charset="0"/>
+                <a:sym typeface="Noteworthy Bold" charset="0"/>
+              </a:rPr>
+              <a:t>Soll-Ist1C Sonstige Kosten</a:t>
+            </a:r>
+          </a:p>
+          <a:p>
+            <a:r>
+              <a:rPr lang="de-DE" sz="2800" kern="1200" dirty="0" smtClean="0">
+                <a:solidFill>
+                  <a:srgbClr val="572E2D"/>
+                </a:solidFill>
+                <a:latin typeface="Noteworthy Bold" charset="0"/>
+                <a:ea typeface="Noteworthy Bold" charset="0"/>
+                <a:cs typeface="Noteworthy Bold" charset="0"/>
+                <a:sym typeface="Noteworthy Bold" charset="0"/>
+              </a:rPr>
+              <a:t>Soll-Ist2C Sonstige Kosten</a:t>
+            </a:r>
+          </a:p>
+          <a:p>
+            <a:r>
+              <a:rPr lang="de-DE" sz="2800" kern="1200" dirty="0" smtClean="0">
+                <a:solidFill>
+                  <a:srgbClr val="572E2D"/>
+                </a:solidFill>
+                <a:latin typeface="Noteworthy Bold" charset="0"/>
+                <a:ea typeface="Noteworthy Bold" charset="0"/>
+                <a:cs typeface="Noteworthy Bold" charset="0"/>
+                <a:sym typeface="Noteworthy Bold" charset="0"/>
+              </a:rPr>
               <a:t>Soll-Ist1 Gesamtkosten</a:t>
             </a:r>
           </a:p>
           <a:p>
-            <a:pPr defTabSz="481706">
-              <a:lnSpc>
-                <a:spcPts val="3688"/>
-              </a:lnSpc>
-              <a:defRPr/>
-            </a:pPr>
-            <a:r>
-              <a:rPr lang="de-DE" sz="2500" dirty="0"/>
+            <a:r>
+              <a:rPr lang="de-DE" sz="2800" kern="1200" dirty="0" smtClean="0">
+                <a:solidFill>
+                  <a:srgbClr val="572E2D"/>
+                </a:solidFill>
+                <a:latin typeface="Noteworthy Bold" charset="0"/>
+                <a:ea typeface="Noteworthy Bold" charset="0"/>
+                <a:cs typeface="Noteworthy Bold" charset="0"/>
+                <a:sym typeface="Noteworthy Bold" charset="0"/>
+              </a:rPr>
               <a:t>Soll-Ist2 Gesamtkosten</a:t>
             </a:r>
           </a:p>
           <a:p>
-            <a:endParaRPr lang="de-DE" sz="2500" dirty="0"/>
-          </a:p>
-          <a:p>
-            <a:r>
-              <a:rPr lang="de-DE" sz="2500" dirty="0"/>
-              <a:t>Soll-Ist1 Rolle (…)</a:t>
-            </a:r>
-          </a:p>
-          <a:p>
-            <a:pPr defTabSz="481706">
-              <a:lnSpc>
-                <a:spcPts val="3688"/>
-              </a:lnSpc>
-              <a:defRPr/>
-            </a:pPr>
-            <a:r>
-              <a:rPr lang="de-DE" sz="2500" dirty="0"/>
-              <a:t>Soll-Ist2 Rolle (…)</a:t>
-            </a:r>
-          </a:p>
-          <a:p>
-            <a:endParaRPr lang="de-DE" sz="2500" dirty="0"/>
-          </a:p>
-          <a:p>
-            <a:r>
-              <a:rPr lang="de-DE" sz="2500" dirty="0"/>
-              <a:t>Soll-Ist1 Kostenart (…)</a:t>
-            </a:r>
-          </a:p>
-          <a:p>
-            <a:pPr defTabSz="481706">
-              <a:lnSpc>
-                <a:spcPts val="3688"/>
-              </a:lnSpc>
-              <a:defRPr/>
-            </a:pPr>
-            <a:r>
-              <a:rPr lang="de-DE" sz="2500" dirty="0"/>
-              <a:t>Soll-Ist2 Kostenart (…)</a:t>
-            </a:r>
-          </a:p>
-          <a:p>
-            <a:endParaRPr lang="de-DE" sz="2500" dirty="0"/>
-          </a:p>
-          <a:p>
-            <a:r>
-              <a:rPr lang="de-DE" sz="2500" dirty="0"/>
+            <a:r>
+              <a:rPr lang="de-DE" sz="2800" kern="1200" dirty="0" smtClean="0">
+                <a:solidFill>
+                  <a:srgbClr val="572E2D"/>
+                </a:solidFill>
+                <a:latin typeface="Noteworthy Bold" charset="0"/>
+                <a:ea typeface="Noteworthy Bold" charset="0"/>
+                <a:cs typeface="Noteworthy Bold" charset="0"/>
+                <a:sym typeface="Noteworthy Bold" charset="0"/>
+              </a:rPr>
+              <a:t>Soll-Ist1C Gesamtkosten</a:t>
+            </a:r>
+          </a:p>
+          <a:p>
+            <a:r>
+              <a:rPr lang="de-DE" sz="2800" kern="1200" dirty="0" smtClean="0">
+                <a:solidFill>
+                  <a:srgbClr val="572E2D"/>
+                </a:solidFill>
+                <a:latin typeface="Noteworthy Bold" charset="0"/>
+                <a:ea typeface="Noteworthy Bold" charset="0"/>
+                <a:cs typeface="Noteworthy Bold" charset="0"/>
+                <a:sym typeface="Noteworthy Bold" charset="0"/>
+              </a:rPr>
+              <a:t>Soll-Ist2C Gesamtkosten</a:t>
+            </a:r>
+          </a:p>
+          <a:p>
+            <a:r>
+              <a:rPr lang="de-DE" sz="2800" kern="1200" dirty="0" smtClean="0">
+                <a:solidFill>
+                  <a:srgbClr val="572E2D"/>
+                </a:solidFill>
+                <a:latin typeface="Noteworthy Bold" charset="0"/>
+                <a:ea typeface="Noteworthy Bold" charset="0"/>
+                <a:cs typeface="Noteworthy Bold" charset="0"/>
+                <a:sym typeface="Noteworthy Bold" charset="0"/>
+              </a:rPr>
+              <a:t>Soll-Ist1 Rolle</a:t>
+            </a:r>
+          </a:p>
+          <a:p>
+            <a:r>
+              <a:rPr lang="de-DE" sz="2800" kern="1200" dirty="0" smtClean="0">
+                <a:solidFill>
+                  <a:srgbClr val="572E2D"/>
+                </a:solidFill>
+                <a:latin typeface="Noteworthy Bold" charset="0"/>
+                <a:ea typeface="Noteworthy Bold" charset="0"/>
+                <a:cs typeface="Noteworthy Bold" charset="0"/>
+                <a:sym typeface="Noteworthy Bold" charset="0"/>
+              </a:rPr>
+              <a:t>Soll-Ist2 Rolle</a:t>
+            </a:r>
+          </a:p>
+          <a:p>
+            <a:r>
+              <a:rPr lang="de-DE" sz="2800" kern="1200" dirty="0" smtClean="0">
+                <a:solidFill>
+                  <a:srgbClr val="572E2D"/>
+                </a:solidFill>
+                <a:latin typeface="Noteworthy Bold" charset="0"/>
+                <a:ea typeface="Noteworthy Bold" charset="0"/>
+                <a:cs typeface="Noteworthy Bold" charset="0"/>
+                <a:sym typeface="Noteworthy Bold" charset="0"/>
+              </a:rPr>
+              <a:t>Soll-Ist1C Rolle</a:t>
+            </a:r>
+          </a:p>
+          <a:p>
+            <a:r>
+              <a:rPr lang="de-DE" sz="2800" kern="1200" dirty="0" smtClean="0">
+                <a:solidFill>
+                  <a:srgbClr val="572E2D"/>
+                </a:solidFill>
+                <a:latin typeface="Noteworthy Bold" charset="0"/>
+                <a:ea typeface="Noteworthy Bold" charset="0"/>
+                <a:cs typeface="Noteworthy Bold" charset="0"/>
+                <a:sym typeface="Noteworthy Bold" charset="0"/>
+              </a:rPr>
+              <a:t>Soll-Ist2C Rolle</a:t>
+            </a:r>
+          </a:p>
+          <a:p>
+            <a:r>
+              <a:rPr lang="de-DE" sz="2800" kern="1200" dirty="0" smtClean="0">
+                <a:solidFill>
+                  <a:srgbClr val="572E2D"/>
+                </a:solidFill>
+                <a:latin typeface="Noteworthy Bold" charset="0"/>
+                <a:ea typeface="Noteworthy Bold" charset="0"/>
+                <a:cs typeface="Noteworthy Bold" charset="0"/>
+                <a:sym typeface="Noteworthy Bold" charset="0"/>
+              </a:rPr>
+              <a:t>Soll-Ist1 Kostenart</a:t>
+            </a:r>
+          </a:p>
+          <a:p>
+            <a:r>
+              <a:rPr lang="de-DE" sz="2800" kern="1200" dirty="0" smtClean="0">
+                <a:solidFill>
+                  <a:srgbClr val="572E2D"/>
+                </a:solidFill>
+                <a:latin typeface="Noteworthy Bold" charset="0"/>
+                <a:ea typeface="Noteworthy Bold" charset="0"/>
+                <a:cs typeface="Noteworthy Bold" charset="0"/>
+                <a:sym typeface="Noteworthy Bold" charset="0"/>
+              </a:rPr>
+              <a:t>Soll-Ist2 Kostenart</a:t>
+            </a:r>
+          </a:p>
+          <a:p>
+            <a:r>
+              <a:rPr lang="de-DE" sz="2800" kern="1200" dirty="0" smtClean="0">
+                <a:solidFill>
+                  <a:srgbClr val="572E2D"/>
+                </a:solidFill>
+                <a:latin typeface="Noteworthy Bold" charset="0"/>
+                <a:ea typeface="Noteworthy Bold" charset="0"/>
+                <a:cs typeface="Noteworthy Bold" charset="0"/>
+                <a:sym typeface="Noteworthy Bold" charset="0"/>
+              </a:rPr>
+              <a:t>Soll-Ist1C Kostenart</a:t>
+            </a:r>
+          </a:p>
+          <a:p>
+            <a:r>
+              <a:rPr lang="de-DE" sz="2800" kern="1200" dirty="0" smtClean="0">
+                <a:solidFill>
+                  <a:srgbClr val="572E2D"/>
+                </a:solidFill>
+                <a:latin typeface="Noteworthy Bold" charset="0"/>
+                <a:ea typeface="Noteworthy Bold" charset="0"/>
+                <a:cs typeface="Noteworthy Bold" charset="0"/>
+                <a:sym typeface="Noteworthy Bold" charset="0"/>
+              </a:rPr>
+              <a:t>Soll-Ist2C Kostenart</a:t>
+            </a:r>
+          </a:p>
+          <a:p>
+            <a:r>
+              <a:rPr lang="de-DE" sz="2800" kern="1200" dirty="0" smtClean="0">
+                <a:solidFill>
+                  <a:srgbClr val="572E2D"/>
+                </a:solidFill>
+                <a:latin typeface="Noteworthy Bold" charset="0"/>
+                <a:ea typeface="Noteworthy Bold" charset="0"/>
+                <a:cs typeface="Noteworthy Bold" charset="0"/>
+                <a:sym typeface="Noteworthy Bold" charset="0"/>
+              </a:rPr>
               <a:t>Ampel-Farbe</a:t>
             </a:r>
           </a:p>
           <a:p>
             <a:r>
-              <a:rPr lang="de-DE" sz="2500" dirty="0"/>
+              <a:rPr lang="de-DE" sz="2800" kern="1200" dirty="0" smtClean="0">
+                <a:solidFill>
+                  <a:srgbClr val="572E2D"/>
+                </a:solidFill>
+                <a:latin typeface="Noteworthy Bold" charset="0"/>
+                <a:ea typeface="Noteworthy Bold" charset="0"/>
+                <a:cs typeface="Noteworthy Bold" charset="0"/>
+                <a:sym typeface="Noteworthy Bold" charset="0"/>
+              </a:rPr>
               <a:t>Beschreibung</a:t>
             </a:r>
           </a:p>
           <a:p>
             <a:r>
-              <a:rPr lang="de-DE" sz="2500" dirty="0"/>
+              <a:rPr lang="de-DE" sz="2800" kern="1200" dirty="0" smtClean="0">
+                <a:solidFill>
+                  <a:srgbClr val="572E2D"/>
+                </a:solidFill>
+                <a:latin typeface="Noteworthy Bold" charset="0"/>
+                <a:ea typeface="Noteworthy Bold" charset="0"/>
+                <a:cs typeface="Noteworthy Bold" charset="0"/>
+                <a:sym typeface="Noteworthy Bold" charset="0"/>
+              </a:rPr>
               <a:t>Stand:</a:t>
             </a:r>
           </a:p>
           <a:p>
             <a:r>
-              <a:rPr lang="de-DE" sz="2500" dirty="0"/>
+              <a:rPr lang="de-DE" sz="2800" kern="1200" dirty="0" smtClean="0">
+                <a:solidFill>
+                  <a:srgbClr val="572E2D"/>
+                </a:solidFill>
+                <a:latin typeface="Noteworthy Bold" charset="0"/>
+                <a:ea typeface="Noteworthy Bold" charset="0"/>
+                <a:cs typeface="Noteworthy Bold" charset="0"/>
+                <a:sym typeface="Noteworthy Bold" charset="0"/>
+              </a:rPr>
               <a:t>Laufzeit:</a:t>
             </a:r>
           </a:p>
           <a:p>
             <a:r>
-              <a:rPr lang="de-DE" sz="2500" dirty="0"/>
+              <a:rPr lang="de-DE" sz="2800" kern="1200" dirty="0" smtClean="0">
+                <a:solidFill>
+                  <a:srgbClr val="572E2D"/>
+                </a:solidFill>
+                <a:latin typeface="Noteworthy Bold" charset="0"/>
+                <a:ea typeface="Noteworthy Bold" charset="0"/>
+                <a:cs typeface="Noteworthy Bold" charset="0"/>
+                <a:sym typeface="Noteworthy Bold" charset="0"/>
+              </a:rPr>
               <a:t>Verantwortlich:</a:t>
             </a:r>
-            <a:endParaRPr lang="de-DE" dirty="0"/>
+          </a:p>
+          <a:p>
+            <a:endParaRPr lang="de-DE" sz="2800" kern="1200" dirty="0" smtClean="0">
+              <a:solidFill>
+                <a:srgbClr val="572E2D"/>
+              </a:solidFill>
+              <a:latin typeface="Noteworthy Bold" charset="0"/>
+              <a:ea typeface="Noteworthy Bold" charset="0"/>
+              <a:cs typeface="Noteworthy Bold" charset="0"/>
+              <a:sym typeface="Noteworthy Bold" charset="0"/>
+            </a:endParaRPr>
+          </a:p>
+          <a:p>
+            <a:r>
+              <a:rPr lang="de-DE" sz="2800" kern="1200" dirty="0" smtClean="0">
+                <a:solidFill>
+                  <a:srgbClr val="572E2D"/>
+                </a:solidFill>
+                <a:latin typeface="Noteworthy Bold" charset="0"/>
+                <a:ea typeface="Noteworthy Bold" charset="0"/>
+                <a:cs typeface="Noteworthy Bold" charset="0"/>
+                <a:sym typeface="Noteworthy Bold" charset="0"/>
+              </a:rPr>
+              <a:t>--------------------------------</a:t>
+            </a:r>
+          </a:p>
+          <a:p>
+            <a:endParaRPr lang="de-DE" sz="2800" kern="1200" dirty="0" smtClean="0">
+              <a:solidFill>
+                <a:srgbClr val="572E2D"/>
+              </a:solidFill>
+              <a:latin typeface="Noteworthy Bold" charset="0"/>
+              <a:ea typeface="Noteworthy Bold" charset="0"/>
+              <a:cs typeface="Noteworthy Bold" charset="0"/>
+              <a:sym typeface="Noteworthy Bold" charset="0"/>
+            </a:endParaRPr>
+          </a:p>
+          <a:p>
+            <a:r>
+              <a:rPr lang="de-DE" sz="2800" kern="1200" dirty="0" smtClean="0">
+                <a:solidFill>
+                  <a:srgbClr val="572E2D"/>
+                </a:solidFill>
+                <a:latin typeface="Noteworthy Bold" charset="0"/>
+                <a:ea typeface="Noteworthy Bold" charset="0"/>
+                <a:cs typeface="Noteworthy Bold" charset="0"/>
+                <a:sym typeface="Noteworthy Bold" charset="0"/>
+              </a:rPr>
+              <a:t>Phasen: </a:t>
+            </a:r>
+          </a:p>
+          <a:p>
+            <a:r>
+              <a:rPr lang="de-DE" sz="2400" b="0" i="0" u="none" strike="noStrike" kern="1200" dirty="0" smtClean="0">
+                <a:solidFill>
+                  <a:srgbClr val="572E2D"/>
+                </a:solidFill>
+                <a:effectLst/>
+                <a:latin typeface="Noteworthy Bold" charset="0"/>
+                <a:ea typeface="Noteworthy Bold" charset="0"/>
+                <a:cs typeface="Noteworthy Bold" charset="0"/>
+                <a:sym typeface="Noteworthy Bold" charset="0"/>
+              </a:rPr>
+              <a:t>Business Case</a:t>
+            </a:r>
+            <a:endParaRPr lang="de-DE" sz="2800" dirty="0" smtClean="0"/>
+          </a:p>
+          <a:p>
+            <a:r>
+              <a:rPr lang="de-DE" sz="2400" b="0" i="0" u="none" strike="noStrike" kern="1200" dirty="0" smtClean="0">
+                <a:solidFill>
+                  <a:srgbClr val="572E2D"/>
+                </a:solidFill>
+                <a:effectLst/>
+                <a:latin typeface="Noteworthy Bold" charset="0"/>
+                <a:ea typeface="Noteworthy Bold" charset="0"/>
+                <a:cs typeface="Noteworthy Bold" charset="0"/>
+                <a:sym typeface="Noteworthy Bold" charset="0"/>
+              </a:rPr>
+              <a:t>Konzept</a:t>
+            </a:r>
+            <a:endParaRPr lang="de-DE" sz="2800" dirty="0" smtClean="0"/>
+          </a:p>
+          <a:p>
+            <a:r>
+              <a:rPr lang="de-DE" sz="2400" b="0" i="0" u="none" strike="noStrike" kern="1200" dirty="0" smtClean="0">
+                <a:solidFill>
+                  <a:srgbClr val="572E2D"/>
+                </a:solidFill>
+                <a:effectLst/>
+                <a:latin typeface="Noteworthy Bold" charset="0"/>
+                <a:ea typeface="Noteworthy Bold" charset="0"/>
+                <a:cs typeface="Noteworthy Bold" charset="0"/>
+                <a:sym typeface="Noteworthy Bold" charset="0"/>
+              </a:rPr>
+              <a:t>Entwicklung</a:t>
+            </a:r>
+            <a:endParaRPr lang="de-DE" sz="2800" dirty="0" smtClean="0"/>
+          </a:p>
+          <a:p>
+            <a:r>
+              <a:rPr lang="de-DE" sz="2400" b="0" i="0" u="none" strike="noStrike" kern="1200" dirty="0" smtClean="0">
+                <a:solidFill>
+                  <a:srgbClr val="572E2D"/>
+                </a:solidFill>
+                <a:effectLst/>
+                <a:latin typeface="Noteworthy Bold" charset="0"/>
+                <a:ea typeface="Noteworthy Bold" charset="0"/>
+                <a:cs typeface="Noteworthy Bold" charset="0"/>
+                <a:sym typeface="Noteworthy Bold" charset="0"/>
+              </a:rPr>
+              <a:t>Prototyp</a:t>
+            </a:r>
+            <a:endParaRPr lang="de-DE" sz="2800" dirty="0" smtClean="0"/>
+          </a:p>
+          <a:p>
+            <a:r>
+              <a:rPr lang="de-DE" sz="2400" b="0" i="0" u="none" strike="noStrike" kern="1200" dirty="0" smtClean="0">
+                <a:solidFill>
+                  <a:srgbClr val="572E2D"/>
+                </a:solidFill>
+                <a:effectLst/>
+                <a:latin typeface="Noteworthy Bold" charset="0"/>
+                <a:ea typeface="Noteworthy Bold" charset="0"/>
+                <a:cs typeface="Noteworthy Bold" charset="0"/>
+                <a:sym typeface="Noteworthy Bold" charset="0"/>
+              </a:rPr>
+              <a:t>Test</a:t>
+            </a:r>
+            <a:endParaRPr lang="de-DE" sz="2800" dirty="0" smtClean="0"/>
+          </a:p>
+          <a:p>
+            <a:r>
+              <a:rPr lang="de-DE" sz="2400" b="0" i="0" u="none" strike="noStrike" kern="1200" dirty="0" smtClean="0">
+                <a:solidFill>
+                  <a:srgbClr val="572E2D"/>
+                </a:solidFill>
+                <a:effectLst/>
+                <a:latin typeface="Noteworthy Bold" charset="0"/>
+                <a:ea typeface="Noteworthy Bold" charset="0"/>
+                <a:cs typeface="Noteworthy Bold" charset="0"/>
+                <a:sym typeface="Noteworthy Bold" charset="0"/>
+              </a:rPr>
+              <a:t>Rollout</a:t>
+            </a:r>
+          </a:p>
+          <a:p>
+            <a:endParaRPr lang="de-DE" sz="2400" b="0" i="0" u="none" strike="noStrike" kern="1200" dirty="0" smtClean="0">
+              <a:solidFill>
+                <a:srgbClr val="572E2D"/>
+              </a:solidFill>
+              <a:effectLst/>
+              <a:latin typeface="Noteworthy Bold" charset="0"/>
+              <a:sym typeface="Noteworthy Bold" charset="0"/>
+            </a:endParaRPr>
+          </a:p>
+          <a:p>
+            <a:r>
+              <a:rPr lang="de-DE" sz="2400" b="0" i="0" u="none" strike="noStrike" kern="1200" dirty="0" smtClean="0">
+                <a:solidFill>
+                  <a:srgbClr val="572E2D"/>
+                </a:solidFill>
+                <a:effectLst/>
+                <a:latin typeface="Noteworthy Bold" charset="0"/>
+                <a:sym typeface="Noteworthy Bold" charset="0"/>
+              </a:rPr>
+              <a:t>Meilensteine: </a:t>
+            </a:r>
+          </a:p>
+          <a:p>
+            <a:r>
+              <a:rPr lang="de-DE" sz="2400" b="0" i="0" u="none" strike="noStrike" kern="1200" dirty="0" smtClean="0">
+                <a:solidFill>
+                  <a:srgbClr val="572E2D"/>
+                </a:solidFill>
+                <a:effectLst/>
+                <a:latin typeface="Noteworthy Bold" charset="0"/>
+                <a:ea typeface="Noteworthy Bold" charset="0"/>
+                <a:cs typeface="Noteworthy Bold" charset="0"/>
+                <a:sym typeface="Noteworthy Bold" charset="0"/>
+              </a:rPr>
+              <a:t>Projektskizze</a:t>
+            </a:r>
+          </a:p>
+          <a:p>
+            <a:r>
+              <a:rPr lang="de-DE" sz="2400" b="0" i="0" u="none" strike="noStrike" kern="1200" dirty="0" smtClean="0">
+                <a:solidFill>
+                  <a:srgbClr val="572E2D"/>
+                </a:solidFill>
+                <a:effectLst/>
+                <a:latin typeface="Noteworthy Bold" charset="0"/>
+                <a:ea typeface="Noteworthy Bold" charset="0"/>
+                <a:cs typeface="Noteworthy Bold" charset="0"/>
+                <a:sym typeface="Noteworthy Bold" charset="0"/>
+              </a:rPr>
+              <a:t>Kosten-/Nutzen Analyse</a:t>
+            </a:r>
+          </a:p>
+          <a:p>
+            <a:r>
+              <a:rPr lang="de-DE" sz="2400" b="0" i="0" u="none" strike="noStrike" kern="1200" dirty="0" smtClean="0">
+                <a:solidFill>
+                  <a:srgbClr val="572E2D"/>
+                </a:solidFill>
+                <a:effectLst/>
+                <a:latin typeface="Noteworthy Bold" charset="0"/>
+                <a:ea typeface="Noteworthy Bold" charset="0"/>
+                <a:cs typeface="Noteworthy Bold" charset="0"/>
+                <a:sym typeface="Noteworthy Bold" charset="0"/>
+              </a:rPr>
+              <a:t>Wettbewerbsanalyse</a:t>
+            </a:r>
+          </a:p>
+          <a:p>
+            <a:r>
+              <a:rPr lang="de-DE" sz="2400" b="0" i="0" u="none" strike="noStrike" kern="1200" dirty="0" smtClean="0">
+                <a:solidFill>
+                  <a:srgbClr val="572E2D"/>
+                </a:solidFill>
+                <a:effectLst/>
+                <a:latin typeface="Noteworthy Bold" charset="0"/>
+                <a:ea typeface="Noteworthy Bold" charset="0"/>
+                <a:cs typeface="Noteworthy Bold" charset="0"/>
+                <a:sym typeface="Noteworthy Bold" charset="0"/>
+              </a:rPr>
+              <a:t>Analyse Marktpotential</a:t>
+            </a:r>
+          </a:p>
+          <a:p>
+            <a:r>
+              <a:rPr lang="de-DE" sz="2400" b="0" i="0" u="none" strike="noStrike" kern="1200" dirty="0" smtClean="0">
+                <a:solidFill>
+                  <a:srgbClr val="572E2D"/>
+                </a:solidFill>
+                <a:effectLst/>
+                <a:latin typeface="Noteworthy Bold" charset="0"/>
+                <a:ea typeface="Noteworthy Bold" charset="0"/>
+                <a:cs typeface="Noteworthy Bold" charset="0"/>
+                <a:sym typeface="Noteworthy Bold" charset="0"/>
+              </a:rPr>
+              <a:t>Grob-Konzept</a:t>
+            </a:r>
+          </a:p>
+          <a:p>
+            <a:r>
+              <a:rPr lang="de-DE" sz="2400" b="0" i="0" u="none" strike="noStrike" kern="1200" dirty="0" smtClean="0">
+                <a:solidFill>
+                  <a:srgbClr val="572E2D"/>
+                </a:solidFill>
+                <a:effectLst/>
+                <a:latin typeface="Noteworthy Bold" charset="0"/>
+                <a:ea typeface="Noteworthy Bold" charset="0"/>
+                <a:cs typeface="Noteworthy Bold" charset="0"/>
+                <a:sym typeface="Noteworthy Bold" charset="0"/>
+              </a:rPr>
+              <a:t>Liste der erfolgskritischen Merkmale</a:t>
+            </a:r>
+          </a:p>
+          <a:p>
+            <a:r>
+              <a:rPr lang="de-DE" sz="2400" b="0" i="0" u="none" strike="noStrike" kern="1200" dirty="0" smtClean="0">
+                <a:solidFill>
+                  <a:srgbClr val="572E2D"/>
+                </a:solidFill>
+                <a:effectLst/>
+                <a:latin typeface="Noteworthy Bold" charset="0"/>
+                <a:ea typeface="Noteworthy Bold" charset="0"/>
+                <a:cs typeface="Noteworthy Bold" charset="0"/>
+                <a:sym typeface="Noteworthy Bold" charset="0"/>
+              </a:rPr>
+              <a:t>Anbieter Shortlist</a:t>
+            </a:r>
+          </a:p>
+          <a:p>
+            <a:r>
+              <a:rPr lang="de-DE" sz="2400" b="0" i="0" u="none" strike="noStrike" kern="1200" dirty="0" smtClean="0">
+                <a:solidFill>
+                  <a:srgbClr val="572E2D"/>
+                </a:solidFill>
+                <a:effectLst/>
+                <a:latin typeface="Noteworthy Bold" charset="0"/>
+                <a:ea typeface="Noteworthy Bold" charset="0"/>
+                <a:cs typeface="Noteworthy Bold" charset="0"/>
+                <a:sym typeface="Noteworthy Bold" charset="0"/>
+              </a:rPr>
+              <a:t>Benchmark Dokumentation</a:t>
+            </a:r>
+          </a:p>
+          <a:p>
+            <a:r>
+              <a:rPr lang="de-DE" sz="2400" b="0" i="0" u="none" strike="noStrike" kern="1200" dirty="0" smtClean="0">
+                <a:solidFill>
+                  <a:srgbClr val="572E2D"/>
+                </a:solidFill>
+                <a:effectLst/>
+                <a:latin typeface="Noteworthy Bold" charset="0"/>
+                <a:ea typeface="Noteworthy Bold" charset="0"/>
+                <a:cs typeface="Noteworthy Bold" charset="0"/>
+                <a:sym typeface="Noteworthy Bold" charset="0"/>
+              </a:rPr>
+              <a:t>Empfehlung Anbieter</a:t>
+            </a:r>
+          </a:p>
+          <a:p>
+            <a:r>
+              <a:rPr lang="de-DE" sz="2400" b="0" i="0" u="none" strike="noStrike" kern="1200" dirty="0" err="1" smtClean="0">
+                <a:solidFill>
+                  <a:srgbClr val="572E2D"/>
+                </a:solidFill>
+                <a:effectLst/>
+                <a:latin typeface="Noteworthy Bold" charset="0"/>
+                <a:ea typeface="Noteworthy Bold" charset="0"/>
+                <a:cs typeface="Noteworthy Bold" charset="0"/>
+                <a:sym typeface="Noteworthy Bold" charset="0"/>
+              </a:rPr>
+              <a:t>Use</a:t>
+            </a:r>
+            <a:r>
+              <a:rPr lang="de-DE" sz="2400" b="0" i="0" u="none" strike="noStrike" kern="1200" dirty="0" smtClean="0">
+                <a:solidFill>
+                  <a:srgbClr val="572E2D"/>
+                </a:solidFill>
+                <a:effectLst/>
+                <a:latin typeface="Noteworthy Bold" charset="0"/>
+                <a:ea typeface="Noteworthy Bold" charset="0"/>
+                <a:cs typeface="Noteworthy Bold" charset="0"/>
+                <a:sym typeface="Noteworthy Bold" charset="0"/>
+              </a:rPr>
+              <a:t> Cases</a:t>
+            </a:r>
+          </a:p>
+          <a:p>
+            <a:r>
+              <a:rPr lang="de-DE" sz="2400" b="0" i="0" u="none" strike="noStrike" kern="1200" dirty="0" smtClean="0">
+                <a:solidFill>
+                  <a:srgbClr val="572E2D"/>
+                </a:solidFill>
+                <a:effectLst/>
+                <a:latin typeface="Noteworthy Bold" charset="0"/>
+                <a:ea typeface="Noteworthy Bold" charset="0"/>
+                <a:cs typeface="Noteworthy Bold" charset="0"/>
+                <a:sym typeface="Noteworthy Bold" charset="0"/>
+              </a:rPr>
+              <a:t>Architektur Dokument</a:t>
+            </a:r>
+          </a:p>
+          <a:p>
+            <a:r>
+              <a:rPr lang="de-DE" sz="2400" b="0" i="0" u="none" strike="noStrike" kern="1200" dirty="0" smtClean="0">
+                <a:solidFill>
+                  <a:srgbClr val="572E2D"/>
+                </a:solidFill>
+                <a:effectLst/>
+                <a:latin typeface="Noteworthy Bold" charset="0"/>
+                <a:ea typeface="Noteworthy Bold" charset="0"/>
+                <a:cs typeface="Noteworthy Bold" charset="0"/>
+                <a:sym typeface="Noteworthy Bold" charset="0"/>
+              </a:rPr>
+              <a:t>Datenmodell</a:t>
+            </a:r>
+          </a:p>
+          <a:p>
+            <a:r>
+              <a:rPr lang="de-DE" sz="2400" b="0" i="0" u="none" strike="noStrike" kern="1200" dirty="0" smtClean="0">
+                <a:solidFill>
+                  <a:srgbClr val="572E2D"/>
+                </a:solidFill>
+                <a:effectLst/>
+                <a:latin typeface="Noteworthy Bold" charset="0"/>
+                <a:ea typeface="Noteworthy Bold" charset="0"/>
+                <a:cs typeface="Noteworthy Bold" charset="0"/>
+                <a:sym typeface="Noteworthy Bold" charset="0"/>
+              </a:rPr>
+              <a:t>Funktionsfähigkeit der erfolgskritischen Merkmale</a:t>
+            </a:r>
+          </a:p>
+          <a:p>
+            <a:r>
+              <a:rPr lang="de-DE" sz="2400" b="0" i="0" u="none" strike="noStrike" kern="1200" dirty="0" smtClean="0">
+                <a:solidFill>
+                  <a:srgbClr val="572E2D"/>
+                </a:solidFill>
+                <a:effectLst/>
+                <a:latin typeface="Noteworthy Bold" charset="0"/>
+                <a:ea typeface="Noteworthy Bold" charset="0"/>
+                <a:cs typeface="Noteworthy Bold" charset="0"/>
+                <a:sym typeface="Noteworthy Bold" charset="0"/>
+              </a:rPr>
+              <a:t>Testfall Dokumentation</a:t>
+            </a:r>
+          </a:p>
+          <a:p>
+            <a:r>
+              <a:rPr lang="de-DE" sz="2400" b="0" i="0" u="none" strike="noStrike" kern="1200" dirty="0" smtClean="0">
+                <a:solidFill>
+                  <a:srgbClr val="572E2D"/>
+                </a:solidFill>
+                <a:effectLst/>
+                <a:latin typeface="Noteworthy Bold" charset="0"/>
+                <a:ea typeface="Noteworthy Bold" charset="0"/>
+                <a:cs typeface="Noteworthy Bold" charset="0"/>
+                <a:sym typeface="Noteworthy Bold" charset="0"/>
+              </a:rPr>
+              <a:t>90% Muss-Testfälle erfolgreich</a:t>
+            </a:r>
+          </a:p>
+          <a:p>
+            <a:r>
+              <a:rPr lang="de-DE" sz="2400" b="0" i="0" u="none" strike="noStrike" kern="1200" dirty="0" smtClean="0">
+                <a:solidFill>
+                  <a:srgbClr val="572E2D"/>
+                </a:solidFill>
+                <a:effectLst/>
+                <a:latin typeface="Noteworthy Bold" charset="0"/>
+                <a:ea typeface="Noteworthy Bold" charset="0"/>
+                <a:cs typeface="Noteworthy Bold" charset="0"/>
+                <a:sym typeface="Noteworthy Bold" charset="0"/>
+              </a:rPr>
+              <a:t>Einführungsplan</a:t>
+            </a:r>
+            <a:r>
+              <a:rPr lang="de-DE" sz="3200" dirty="0" smtClean="0"/>
+              <a:t> </a:t>
+            </a:r>
+          </a:p>
+          <a:p>
+            <a:r>
+              <a:rPr lang="de-DE" sz="2400" b="0" i="0" u="none" strike="noStrike" kern="1200" dirty="0" smtClean="0">
+                <a:solidFill>
+                  <a:srgbClr val="572E2D"/>
+                </a:solidFill>
+                <a:effectLst/>
+                <a:latin typeface="Noteworthy Bold" charset="0"/>
+                <a:ea typeface="Noteworthy Bold" charset="0"/>
+                <a:cs typeface="Noteworthy Bold" charset="0"/>
+                <a:sym typeface="Noteworthy Bold" charset="0"/>
+              </a:rPr>
+              <a:t>70% Anwender-Abdeckung</a:t>
+            </a:r>
+            <a:r>
+              <a:rPr lang="de-DE" sz="3200" dirty="0" smtClean="0"/>
+              <a:t> </a:t>
+            </a:r>
+            <a:endParaRPr lang="de-DE" sz="2400" b="0" i="0" u="none" strike="noStrike" kern="1200" dirty="0" smtClean="0">
+              <a:solidFill>
+                <a:srgbClr val="572E2D"/>
+              </a:solidFill>
+              <a:effectLst/>
+              <a:latin typeface="Noteworthy Bold" charset="0"/>
+              <a:sym typeface="Noteworthy Bold" charset="0"/>
+            </a:endParaRPr>
+          </a:p>
+          <a:p>
+            <a:endParaRPr lang="de-DE" sz="2400" b="0" i="0" u="none" strike="noStrike" kern="1200" dirty="0" smtClean="0">
+              <a:solidFill>
+                <a:srgbClr val="572E2D"/>
+              </a:solidFill>
+              <a:effectLst/>
+              <a:latin typeface="Noteworthy Bold" charset="0"/>
+              <a:sym typeface="Noteworthy Bold" charset="0"/>
+            </a:endParaRPr>
+          </a:p>
+          <a:p>
+            <a:r>
+              <a:rPr lang="de-DE" sz="2400" b="0" i="0" u="none" strike="noStrike" kern="1200" dirty="0" smtClean="0">
+                <a:solidFill>
+                  <a:srgbClr val="572E2D"/>
+                </a:solidFill>
+                <a:effectLst/>
+                <a:latin typeface="Noteworthy Bold" charset="0"/>
+                <a:sym typeface="Noteworthy Bold" charset="0"/>
+              </a:rPr>
+              <a:t>Rollen: </a:t>
+            </a:r>
+          </a:p>
+          <a:p>
+            <a:r>
+              <a:rPr lang="de-DE" sz="2400" b="0" i="0" u="none" strike="noStrike" kern="1200" dirty="0" smtClean="0">
+                <a:solidFill>
+                  <a:srgbClr val="572E2D"/>
+                </a:solidFill>
+                <a:effectLst/>
+                <a:latin typeface="Noteworthy Bold" charset="0"/>
+                <a:ea typeface="Noteworthy Bold" charset="0"/>
+                <a:cs typeface="Noteworthy Bold" charset="0"/>
+                <a:sym typeface="Noteworthy Bold" charset="0"/>
+              </a:rPr>
+              <a:t>Projektleiter</a:t>
+            </a:r>
+            <a:endParaRPr lang="de-DE" sz="3200" dirty="0" smtClean="0"/>
+          </a:p>
+          <a:p>
+            <a:r>
+              <a:rPr lang="de-DE" sz="2400" b="0" i="0" u="none" strike="noStrike" kern="1200" dirty="0" smtClean="0">
+                <a:solidFill>
+                  <a:srgbClr val="572E2D"/>
+                </a:solidFill>
+                <a:effectLst/>
+                <a:latin typeface="Noteworthy Bold" charset="0"/>
+                <a:ea typeface="Noteworthy Bold" charset="0"/>
+                <a:cs typeface="Noteworthy Bold" charset="0"/>
+                <a:sym typeface="Noteworthy Bold" charset="0"/>
+              </a:rPr>
+              <a:t>GUI Spezialist</a:t>
+            </a:r>
+            <a:endParaRPr lang="de-DE" sz="3200" dirty="0" smtClean="0"/>
+          </a:p>
+          <a:p>
+            <a:r>
+              <a:rPr lang="de-DE" sz="2400" b="0" i="0" u="none" strike="noStrike" kern="1200" dirty="0" smtClean="0">
+                <a:solidFill>
+                  <a:srgbClr val="572E2D"/>
+                </a:solidFill>
+                <a:effectLst/>
+                <a:latin typeface="Noteworthy Bold" charset="0"/>
+                <a:ea typeface="Noteworthy Bold" charset="0"/>
+                <a:cs typeface="Noteworthy Bold" charset="0"/>
+                <a:sym typeface="Noteworthy Bold" charset="0"/>
+              </a:rPr>
+              <a:t>Analyst</a:t>
+            </a:r>
+            <a:r>
+              <a:rPr lang="de-DE" sz="3200" dirty="0" smtClean="0"/>
+              <a:t> </a:t>
+            </a:r>
+            <a:r>
+              <a:rPr lang="de-DE" sz="2400" b="0" i="0" u="none" strike="noStrike" kern="1200" dirty="0" smtClean="0">
+                <a:solidFill>
+                  <a:srgbClr val="572E2D"/>
+                </a:solidFill>
+                <a:effectLst/>
+                <a:latin typeface="Noteworthy Bold" charset="0"/>
+                <a:ea typeface="Noteworthy Bold" charset="0"/>
+                <a:cs typeface="Noteworthy Bold" charset="0"/>
+                <a:sym typeface="Noteworthy Bold" charset="0"/>
+              </a:rPr>
+              <a:t>Architekt</a:t>
+            </a:r>
+            <a:endParaRPr lang="de-DE" sz="3200" dirty="0" smtClean="0"/>
+          </a:p>
+          <a:p>
+            <a:r>
+              <a:rPr lang="de-DE" sz="2400" b="0" i="0" u="none" strike="noStrike" kern="1200" dirty="0" smtClean="0">
+                <a:solidFill>
+                  <a:srgbClr val="572E2D"/>
+                </a:solidFill>
+                <a:effectLst/>
+                <a:latin typeface="Noteworthy Bold" charset="0"/>
+                <a:ea typeface="Noteworthy Bold" charset="0"/>
+                <a:cs typeface="Noteworthy Bold" charset="0"/>
+                <a:sym typeface="Noteworthy Bold" charset="0"/>
+              </a:rPr>
+              <a:t>Entwickler</a:t>
+            </a:r>
+            <a:endParaRPr lang="de-DE" sz="3200" dirty="0" smtClean="0"/>
+          </a:p>
+          <a:p>
+            <a:r>
+              <a:rPr lang="de-DE" sz="2400" b="0" i="0" u="none" strike="noStrike" kern="1200" dirty="0" smtClean="0">
+                <a:solidFill>
+                  <a:srgbClr val="572E2D"/>
+                </a:solidFill>
+                <a:effectLst/>
+                <a:latin typeface="Noteworthy Bold" charset="0"/>
+                <a:ea typeface="Noteworthy Bold" charset="0"/>
+                <a:cs typeface="Noteworthy Bold" charset="0"/>
+                <a:sym typeface="Noteworthy Bold" charset="0"/>
+              </a:rPr>
+              <a:t>Tester</a:t>
+            </a:r>
+            <a:endParaRPr lang="de-DE" sz="2400" b="0" i="0" u="none" strike="noStrike" kern="1200" dirty="0" smtClean="0">
+              <a:solidFill>
+                <a:srgbClr val="572E2D"/>
+              </a:solidFill>
+              <a:effectLst/>
+              <a:latin typeface="Noteworthy Bold" charset="0"/>
+              <a:sym typeface="Noteworthy Bold" charset="0"/>
+            </a:endParaRPr>
+          </a:p>
+          <a:p>
+            <a:endParaRPr lang="de-DE" sz="2400" b="0" i="0" u="none" strike="noStrike" kern="1200" dirty="0" smtClean="0">
+              <a:solidFill>
+                <a:srgbClr val="572E2D"/>
+              </a:solidFill>
+              <a:effectLst/>
+              <a:latin typeface="Noteworthy Bold" charset="0"/>
+              <a:sym typeface="Noteworthy Bold" charset="0"/>
+            </a:endParaRPr>
+          </a:p>
+          <a:p>
+            <a:r>
+              <a:rPr lang="de-DE" sz="2400" b="0" i="0" u="none" strike="noStrike" kern="1200" dirty="0" smtClean="0">
+                <a:solidFill>
+                  <a:srgbClr val="572E2D"/>
+                </a:solidFill>
+                <a:effectLst/>
+                <a:latin typeface="Noteworthy Bold" charset="0"/>
+                <a:sym typeface="Noteworthy Bold" charset="0"/>
+              </a:rPr>
+              <a:t>Kostenarten: </a:t>
+            </a:r>
+          </a:p>
+          <a:p>
+            <a:r>
+              <a:rPr lang="de-DE" sz="2400" b="0" i="0" u="none" strike="noStrike" kern="1200" dirty="0" smtClean="0">
+                <a:solidFill>
+                  <a:srgbClr val="572E2D"/>
+                </a:solidFill>
+                <a:effectLst/>
+                <a:latin typeface="Noteworthy Bold" charset="0"/>
+                <a:ea typeface="Noteworthy Bold" charset="0"/>
+                <a:cs typeface="Noteworthy Bold" charset="0"/>
+                <a:sym typeface="Noteworthy Bold" charset="0"/>
+              </a:rPr>
+              <a:t>IT-Kosten</a:t>
+            </a:r>
+            <a:endParaRPr lang="de-DE" sz="3200" dirty="0" smtClean="0"/>
+          </a:p>
+          <a:p>
+            <a:r>
+              <a:rPr lang="de-DE" sz="2400" b="0" i="0" u="none" strike="noStrike" kern="1200" dirty="0" smtClean="0">
+                <a:solidFill>
+                  <a:srgbClr val="572E2D"/>
+                </a:solidFill>
+                <a:effectLst/>
+                <a:latin typeface="Noteworthy Bold" charset="0"/>
+                <a:ea typeface="Noteworthy Bold" charset="0"/>
+                <a:cs typeface="Noteworthy Bold" charset="0"/>
+                <a:sym typeface="Noteworthy Bold" charset="0"/>
+              </a:rPr>
+              <a:t>Reise-Kosten</a:t>
+            </a:r>
+          </a:p>
+          <a:p>
+            <a:r>
+              <a:rPr lang="de-DE" sz="2400" b="0" i="0" u="none" strike="noStrike" kern="1200" dirty="0" smtClean="0">
+                <a:solidFill>
+                  <a:srgbClr val="572E2D"/>
+                </a:solidFill>
+                <a:effectLst/>
+                <a:latin typeface="Noteworthy Bold" charset="0"/>
+                <a:ea typeface="Noteworthy Bold" charset="0"/>
+                <a:cs typeface="Noteworthy Bold" charset="0"/>
+                <a:sym typeface="Noteworthy Bold" charset="0"/>
+              </a:rPr>
+              <a:t>Trainings-Kosten</a:t>
+            </a:r>
+            <a:r>
+              <a:rPr lang="de-DE" sz="3200" dirty="0" smtClean="0"/>
+              <a:t> </a:t>
+            </a:r>
+            <a:endParaRPr lang="de-DE" sz="2400" b="0" i="0" u="none" strike="noStrike" kern="1200" dirty="0" smtClean="0">
+              <a:solidFill>
+                <a:srgbClr val="572E2D"/>
+              </a:solidFill>
+              <a:effectLst/>
+              <a:latin typeface="Noteworthy Bold" charset="0"/>
+              <a:sym typeface="Noteworthy Bold" charset="0"/>
+            </a:endParaRPr>
+          </a:p>
+          <a:p>
+            <a:r>
+              <a:rPr lang="de-DE" sz="2800" dirty="0" smtClean="0"/>
+              <a:t> </a:t>
+            </a:r>
+            <a:endParaRPr lang="de-DE" sz="2800" kern="1200" dirty="0" smtClean="0">
+              <a:solidFill>
+                <a:srgbClr val="572E2D"/>
+              </a:solidFill>
+              <a:latin typeface="Noteworthy Bold" charset="0"/>
+              <a:ea typeface="Noteworthy Bold" charset="0"/>
+              <a:cs typeface="Noteworthy Bold" charset="0"/>
+              <a:sym typeface="Noteworthy Bold" charset="0"/>
+            </a:endParaRPr>
           </a:p>
         </p:txBody>
       </p:sp>
@@ -6570,19 +13518,7 @@
               </a:pPr>
               <a:r>
                 <a:rPr lang="de-DE" sz="1000" dirty="0" smtClean="0"/>
-                <a:t>Die </a:t>
-              </a:r>
-              <a:r>
-                <a:rPr lang="de-DE" sz="1000" dirty="0" smtClean="0"/>
-                <a:t>Größe der Form gibt an</a:t>
-              </a:r>
-              <a:r>
-                <a:rPr lang="de-DE" sz="1000" dirty="0" smtClean="0"/>
-                <a:t>, ob </a:t>
-              </a:r>
-              <a:r>
-                <a:rPr lang="de-DE" sz="1000" dirty="0" smtClean="0"/>
-                <a:t>der Status / die Bewertung aus dem Vormonat </a:t>
+                <a:t>Die Größe der Form gibt an, ob der Status / die Bewertung aus dem Vormonat </a:t>
               </a:r>
               <a:br>
                 <a:rPr lang="de-DE" sz="1000" dirty="0" smtClean="0"/>
@@ -6591,7 +13527,6 @@
                 <a:rPr lang="de-DE" sz="1000" dirty="0" smtClean="0"/>
                 <a:t>übernommen wurde oder ob es eine Bewertung in dem Berichtszeitraum gab</a:t>
               </a:r>
-              <a:endParaRPr lang="de-DE" sz="1000" dirty="0" smtClean="0"/>
             </a:p>
             <a:p>
               <a:pPr marL="514350" lvl="1" indent="-171450" algn="l">
@@ -6808,11 +13743,7 @@
           <a:p>
             <a:r>
               <a:rPr lang="de-DE" sz="4400" dirty="0" smtClean="0"/>
-              <a:t>Vergleich mit Projekt-</a:t>
-            </a:r>
-            <a:r>
-              <a:rPr lang="de-DE" sz="4400" dirty="0" smtClean="0"/>
-              <a:t>Generik</a:t>
+              <a:t>Vergleich mit Projekt-Generik</a:t>
             </a:r>
             <a:endParaRPr lang="de-DE" dirty="0"/>
           </a:p>

--- a/Projectboard/Projectboard/bin/Debug/requirements/ReportTemplatesProject/templatedossier.pptx
+++ b/Projectboard/Projectboard/bin/Debug/requirements/ReportTemplatesProject/templatedossier.pptx
@@ -538,1378 +538,220 @@
           <a:lstStyle/>
           <a:p>
             <a:r>
-              <a:rPr lang="de-DE" sz="2800" kern="1200" dirty="0" smtClean="0">
-                <a:solidFill>
-                  <a:srgbClr val="572E2D"/>
-                </a:solidFill>
-                <a:latin typeface="Noteworthy Bold" charset="0"/>
-                <a:ea typeface="Noteworthy Bold" charset="0"/>
-                <a:cs typeface="Noteworthy Bold" charset="0"/>
-                <a:sym typeface="Noteworthy Bold" charset="0"/>
-              </a:rPr>
+              <a:rPr lang="de-DE" sz="2500" dirty="0"/>
               <a:t>Projekt-Name</a:t>
             </a:r>
           </a:p>
           <a:p>
             <a:r>
-              <a:rPr lang="de-DE" sz="2800" kern="1200" dirty="0" smtClean="0">
-                <a:solidFill>
-                  <a:srgbClr val="572E2D"/>
-                </a:solidFill>
-                <a:latin typeface="Noteworthy Bold" charset="0"/>
-                <a:ea typeface="Noteworthy Bold" charset="0"/>
-                <a:cs typeface="Noteworthy Bold" charset="0"/>
-                <a:sym typeface="Noteworthy Bold" charset="0"/>
-              </a:rPr>
-              <a:t>Soll-Ist &amp; Prognose</a:t>
-            </a:r>
-          </a:p>
-          <a:p>
-            <a:r>
-              <a:rPr lang="de-DE" sz="2800" kern="1200" dirty="0" smtClean="0">
-                <a:solidFill>
-                  <a:srgbClr val="572E2D"/>
-                </a:solidFill>
-                <a:latin typeface="Noteworthy Bold" charset="0"/>
-                <a:ea typeface="Noteworthy Bold" charset="0"/>
-                <a:cs typeface="Noteworthy Bold" charset="0"/>
-                <a:sym typeface="Noteworthy Bold" charset="0"/>
-              </a:rPr>
-              <a:t>Projekt-Grafik</a:t>
-            </a:r>
-          </a:p>
-          <a:p>
-            <a:r>
-              <a:rPr lang="de-DE" sz="2800" kern="1200" dirty="0" smtClean="0">
-                <a:solidFill>
-                  <a:srgbClr val="572E2D"/>
-                </a:solidFill>
-                <a:latin typeface="Noteworthy Bold" charset="0"/>
-                <a:ea typeface="Noteworthy Bold" charset="0"/>
-                <a:cs typeface="Noteworthy Bold" charset="0"/>
-                <a:sym typeface="Noteworthy Bold" charset="0"/>
-              </a:rPr>
-              <a:t>Meilenstein Trendanalyse</a:t>
-            </a:r>
-          </a:p>
-          <a:p>
-            <a:r>
-              <a:rPr lang="de-DE" sz="2800" kern="1200" dirty="0" smtClean="0">
-                <a:solidFill>
-                  <a:srgbClr val="572E2D"/>
-                </a:solidFill>
-                <a:latin typeface="Noteworthy Bold" charset="0"/>
-                <a:ea typeface="Noteworthy Bold" charset="0"/>
-                <a:cs typeface="Noteworthy Bold" charset="0"/>
-                <a:sym typeface="Noteworthy Bold" charset="0"/>
-              </a:rPr>
-              <a:t>Vergleich mit Beauftragung</a:t>
-            </a:r>
-          </a:p>
-          <a:p>
-            <a:r>
-              <a:rPr lang="de-DE" sz="2800" kern="1200" dirty="0" smtClean="0">
-                <a:solidFill>
-                  <a:srgbClr val="572E2D"/>
-                </a:solidFill>
-                <a:latin typeface="Noteworthy Bold" charset="0"/>
-                <a:ea typeface="Noteworthy Bold" charset="0"/>
-                <a:cs typeface="Noteworthy Bold" charset="0"/>
-                <a:sym typeface="Noteworthy Bold" charset="0"/>
-              </a:rPr>
-              <a:t>Vergleich mit letztem Stand</a:t>
-            </a:r>
-          </a:p>
-          <a:p>
-            <a:r>
-              <a:rPr lang="de-DE" sz="2800" kern="1200" dirty="0" smtClean="0">
-                <a:solidFill>
-                  <a:srgbClr val="572E2D"/>
-                </a:solidFill>
-                <a:latin typeface="Noteworthy Bold" charset="0"/>
-                <a:ea typeface="Noteworthy Bold" charset="0"/>
-                <a:cs typeface="Noteworthy Bold" charset="0"/>
-                <a:sym typeface="Noteworthy Bold" charset="0"/>
-              </a:rPr>
-              <a:t>Vergleich mit Vorlage</a:t>
-            </a:r>
-          </a:p>
-          <a:p>
-            <a:r>
-              <a:rPr lang="de-DE" sz="2800" kern="1200" dirty="0" smtClean="0">
-                <a:solidFill>
-                  <a:srgbClr val="572E2D"/>
-                </a:solidFill>
-                <a:latin typeface="Noteworthy Bold" charset="0"/>
-                <a:ea typeface="Noteworthy Bold" charset="0"/>
-                <a:cs typeface="Noteworthy Bold" charset="0"/>
-                <a:sym typeface="Noteworthy Bold" charset="0"/>
-              </a:rPr>
-              <a:t>Tabelle Projektziele</a:t>
-            </a:r>
-          </a:p>
-          <a:p>
-            <a:r>
-              <a:rPr lang="de-DE" sz="2800" kern="1200" dirty="0" smtClean="0">
-                <a:solidFill>
-                  <a:srgbClr val="572E2D"/>
-                </a:solidFill>
-                <a:latin typeface="Noteworthy Bold" charset="0"/>
-                <a:ea typeface="Noteworthy Bold" charset="0"/>
-                <a:cs typeface="Noteworthy Bold" charset="0"/>
-                <a:sym typeface="Noteworthy Bold" charset="0"/>
-              </a:rPr>
-              <a:t>Tabelle Projektstatus</a:t>
-            </a:r>
-          </a:p>
-          <a:p>
-            <a:r>
-              <a:rPr lang="de-DE" sz="2800" kern="1200" dirty="0" smtClean="0">
-                <a:solidFill>
-                  <a:srgbClr val="572E2D"/>
-                </a:solidFill>
-                <a:latin typeface="Noteworthy Bold" charset="0"/>
-                <a:ea typeface="Noteworthy Bold" charset="0"/>
-                <a:cs typeface="Noteworthy Bold" charset="0"/>
-                <a:sym typeface="Noteworthy Bold" charset="0"/>
-              </a:rPr>
-              <a:t>Tabelle Veränderungen</a:t>
-            </a:r>
-          </a:p>
-          <a:p>
-            <a:r>
-              <a:rPr lang="de-DE" sz="2800" kern="1200" dirty="0" smtClean="0">
-                <a:solidFill>
-                  <a:srgbClr val="572E2D"/>
-                </a:solidFill>
-                <a:latin typeface="Noteworthy Bold" charset="0"/>
-                <a:ea typeface="Noteworthy Bold" charset="0"/>
-                <a:cs typeface="Noteworthy Bold" charset="0"/>
-                <a:sym typeface="Noteworthy Bold" charset="0"/>
-              </a:rPr>
-              <a:t>Tabelle Vergleich letzter Stand</a:t>
-            </a:r>
-          </a:p>
-          <a:p>
-            <a:r>
-              <a:rPr lang="de-DE" sz="2800" kern="1200" dirty="0" smtClean="0">
-                <a:solidFill>
-                  <a:srgbClr val="572E2D"/>
-                </a:solidFill>
-                <a:latin typeface="Noteworthy Bold" charset="0"/>
-                <a:ea typeface="Noteworthy Bold" charset="0"/>
-                <a:cs typeface="Noteworthy Bold" charset="0"/>
-                <a:sym typeface="Noteworthy Bold" charset="0"/>
-              </a:rPr>
-              <a:t>Tabelle Vergleich Beauftragung</a:t>
-            </a:r>
-          </a:p>
-          <a:p>
-            <a:r>
-              <a:rPr lang="de-DE" sz="2800" kern="1200" dirty="0" smtClean="0">
-                <a:solidFill>
-                  <a:srgbClr val="572E2D"/>
-                </a:solidFill>
-                <a:latin typeface="Noteworthy Bold" charset="0"/>
-                <a:ea typeface="Noteworthy Bold" charset="0"/>
-                <a:cs typeface="Noteworthy Bold" charset="0"/>
-                <a:sym typeface="Noteworthy Bold" charset="0"/>
-              </a:rPr>
+              <a:rPr lang="de-DE" sz="2500" dirty="0"/>
               <a:t>Ergebnis</a:t>
             </a:r>
           </a:p>
           <a:p>
             <a:r>
-              <a:rPr lang="de-DE" sz="2800" kern="1200" dirty="0" smtClean="0">
-                <a:solidFill>
-                  <a:srgbClr val="572E2D"/>
-                </a:solidFill>
-                <a:latin typeface="Noteworthy Bold" charset="0"/>
-                <a:ea typeface="Noteworthy Bold" charset="0"/>
-                <a:cs typeface="Noteworthy Bold" charset="0"/>
-                <a:sym typeface="Noteworthy Bold" charset="0"/>
-              </a:rPr>
+              <a:rPr lang="de-DE" sz="2500" dirty="0"/>
               <a:t>Strategie/Risiko</a:t>
             </a:r>
           </a:p>
           <a:p>
             <a:r>
-              <a:rPr lang="de-DE" sz="2800" kern="1200" dirty="0" smtClean="0">
-                <a:solidFill>
-                  <a:srgbClr val="572E2D"/>
-                </a:solidFill>
-                <a:latin typeface="Noteworthy Bold" charset="0"/>
-                <a:ea typeface="Noteworthy Bold" charset="0"/>
-                <a:cs typeface="Noteworthy Bold" charset="0"/>
-                <a:sym typeface="Noteworthy Bold" charset="0"/>
-              </a:rPr>
+              <a:rPr lang="de-DE" sz="2500" dirty="0"/>
               <a:t>Teilprojekte</a:t>
             </a:r>
           </a:p>
           <a:p>
             <a:r>
-              <a:rPr lang="de-DE" sz="2800" kern="1200" dirty="0" smtClean="0">
-                <a:solidFill>
-                  <a:srgbClr val="572E2D"/>
-                </a:solidFill>
-                <a:latin typeface="Noteworthy Bold" charset="0"/>
-                <a:ea typeface="Noteworthy Bold" charset="0"/>
-                <a:cs typeface="Noteworthy Bold" charset="0"/>
-                <a:sym typeface="Noteworthy Bold" charset="0"/>
-              </a:rPr>
+              <a:rPr lang="de-DE" sz="2500" dirty="0"/>
               <a:t>Personalbedarf</a:t>
             </a:r>
           </a:p>
           <a:p>
             <a:r>
-              <a:rPr lang="de-DE" sz="2800" kern="1200" dirty="0" smtClean="0">
-                <a:solidFill>
-                  <a:srgbClr val="572E2D"/>
-                </a:solidFill>
-                <a:latin typeface="Noteworthy Bold" charset="0"/>
-                <a:ea typeface="Noteworthy Bold" charset="0"/>
-                <a:cs typeface="Noteworthy Bold" charset="0"/>
-                <a:sym typeface="Noteworthy Bold" charset="0"/>
-              </a:rPr>
+              <a:rPr lang="de-DE" sz="2500" dirty="0"/>
               <a:t>Personalkosten</a:t>
             </a:r>
           </a:p>
           <a:p>
             <a:r>
-              <a:rPr lang="de-DE" sz="2800" kern="1200" dirty="0" smtClean="0">
-                <a:solidFill>
-                  <a:srgbClr val="572E2D"/>
-                </a:solidFill>
-                <a:latin typeface="Noteworthy Bold" charset="0"/>
-                <a:ea typeface="Noteworthy Bold" charset="0"/>
-                <a:cs typeface="Noteworthy Bold" charset="0"/>
-                <a:sym typeface="Noteworthy Bold" charset="0"/>
-              </a:rPr>
+              <a:rPr lang="de-DE" sz="2500" dirty="0"/>
               <a:t>Sonstige Kosten</a:t>
             </a:r>
           </a:p>
           <a:p>
             <a:r>
-              <a:rPr lang="de-DE" sz="2800" kern="1200" dirty="0" smtClean="0">
-                <a:solidFill>
-                  <a:srgbClr val="572E2D"/>
-                </a:solidFill>
-                <a:latin typeface="Noteworthy Bold" charset="0"/>
-                <a:ea typeface="Noteworthy Bold" charset="0"/>
-                <a:cs typeface="Noteworthy Bold" charset="0"/>
-                <a:sym typeface="Noteworthy Bold" charset="0"/>
-              </a:rPr>
+              <a:rPr lang="de-DE" sz="2500" dirty="0"/>
               <a:t>Gesamtkosten</a:t>
             </a:r>
           </a:p>
           <a:p>
             <a:r>
-              <a:rPr lang="de-DE" sz="2800" kern="1200" dirty="0" smtClean="0">
-                <a:solidFill>
-                  <a:srgbClr val="572E2D"/>
-                </a:solidFill>
-                <a:latin typeface="Noteworthy Bold" charset="0"/>
-                <a:ea typeface="Noteworthy Bold" charset="0"/>
-                <a:cs typeface="Noteworthy Bold" charset="0"/>
-                <a:sym typeface="Noteworthy Bold" charset="0"/>
-              </a:rPr>
-              <a:t>Trend Strategischer Fit/Risiko</a:t>
-            </a:r>
-          </a:p>
-          <a:p>
-            <a:r>
-              <a:rPr lang="de-DE" sz="2800" kern="1200" dirty="0" smtClean="0">
-                <a:solidFill>
-                  <a:srgbClr val="572E2D"/>
-                </a:solidFill>
-                <a:latin typeface="Noteworthy Bold" charset="0"/>
-                <a:ea typeface="Noteworthy Bold" charset="0"/>
-                <a:cs typeface="Noteworthy Bold" charset="0"/>
-                <a:sym typeface="Noteworthy Bold" charset="0"/>
-              </a:rPr>
-              <a:t>Trend Kennzahlen</a:t>
-            </a:r>
-          </a:p>
-          <a:p>
-            <a:r>
-              <a:rPr lang="de-DE" sz="2800" kern="1200" dirty="0" smtClean="0">
-                <a:solidFill>
-                  <a:srgbClr val="572E2D"/>
-                </a:solidFill>
-                <a:latin typeface="Noteworthy Bold" charset="0"/>
-                <a:ea typeface="Noteworthy Bold" charset="0"/>
-                <a:cs typeface="Noteworthy Bold" charset="0"/>
-                <a:sym typeface="Noteworthy Bold" charset="0"/>
-              </a:rPr>
+              <a:rPr lang="de-DE" sz="2500" dirty="0"/>
               <a:t>Fortschritt Personalkosten</a:t>
             </a:r>
           </a:p>
           <a:p>
             <a:r>
-              <a:rPr lang="de-DE" sz="2800" kern="1200" dirty="0" smtClean="0">
-                <a:solidFill>
-                  <a:srgbClr val="572E2D"/>
-                </a:solidFill>
-                <a:latin typeface="Noteworthy Bold" charset="0"/>
-                <a:ea typeface="Noteworthy Bold" charset="0"/>
-                <a:cs typeface="Noteworthy Bold" charset="0"/>
-                <a:sym typeface="Noteworthy Bold" charset="0"/>
-              </a:rPr>
+              <a:rPr lang="de-DE" sz="2500" dirty="0"/>
               <a:t>Fortschritt Sonstige Kosten</a:t>
             </a:r>
           </a:p>
           <a:p>
             <a:r>
-              <a:rPr lang="de-DE" sz="2800" kern="1200" dirty="0" smtClean="0">
-                <a:solidFill>
-                  <a:srgbClr val="572E2D"/>
-                </a:solidFill>
-                <a:latin typeface="Noteworthy Bold" charset="0"/>
-                <a:ea typeface="Noteworthy Bold" charset="0"/>
-                <a:cs typeface="Noteworthy Bold" charset="0"/>
-                <a:sym typeface="Noteworthy Bold" charset="0"/>
-              </a:rPr>
-              <a:t>Fortschritt Rolle(..)</a:t>
-            </a:r>
-          </a:p>
-          <a:p>
-            <a:r>
-              <a:rPr lang="de-DE" sz="2800" kern="1200" dirty="0" smtClean="0">
-                <a:solidFill>
-                  <a:srgbClr val="572E2D"/>
-                </a:solidFill>
-                <a:latin typeface="Noteworthy Bold" charset="0"/>
-                <a:ea typeface="Noteworthy Bold" charset="0"/>
-                <a:cs typeface="Noteworthy Bold" charset="0"/>
-                <a:sym typeface="Noteworthy Bold" charset="0"/>
-              </a:rPr>
-              <a:t>Fortschritt Kostenart(..)</a:t>
-            </a:r>
-          </a:p>
-          <a:p>
-            <a:r>
-              <a:rPr lang="de-DE" sz="2800" kern="1200" dirty="0" smtClean="0">
-                <a:solidFill>
-                  <a:srgbClr val="572E2D"/>
-                </a:solidFill>
-                <a:latin typeface="Noteworthy Bold" charset="0"/>
-                <a:ea typeface="Noteworthy Bold" charset="0"/>
-                <a:cs typeface="Noteworthy Bold" charset="0"/>
-                <a:sym typeface="Noteworthy Bold" charset="0"/>
-              </a:rPr>
+              <a:rPr lang="de-DE" sz="2500" dirty="0"/>
+              <a:t>Fortschritt Gesamtkosten</a:t>
+            </a:r>
+          </a:p>
+          <a:p>
+            <a:r>
+              <a:rPr lang="de-DE" sz="2500" dirty="0"/>
+              <a:t>Fortschritt Rolle(…)</a:t>
+            </a:r>
+          </a:p>
+          <a:p>
+            <a:r>
+              <a:rPr lang="de-DE" sz="2500" dirty="0"/>
+              <a:t>Fortschritt Kostenart(…)</a:t>
+            </a:r>
+          </a:p>
+          <a:p>
+            <a:endParaRPr lang="de-DE" sz="2500" dirty="0"/>
+          </a:p>
+          <a:p>
+            <a:r>
+              <a:rPr lang="de-DE" sz="2500" dirty="0"/>
               <a:t>Soll-Ist1 Personalkosten</a:t>
             </a:r>
           </a:p>
           <a:p>
-            <a:r>
-              <a:rPr lang="de-DE" sz="2800" kern="1200" dirty="0" smtClean="0">
-                <a:solidFill>
-                  <a:srgbClr val="572E2D"/>
-                </a:solidFill>
-                <a:latin typeface="Noteworthy Bold" charset="0"/>
-                <a:ea typeface="Noteworthy Bold" charset="0"/>
-                <a:cs typeface="Noteworthy Bold" charset="0"/>
-                <a:sym typeface="Noteworthy Bold" charset="0"/>
-              </a:rPr>
+            <a:pPr defTabSz="481706">
+              <a:lnSpc>
+                <a:spcPts val="3688"/>
+              </a:lnSpc>
+              <a:defRPr/>
+            </a:pPr>
+            <a:r>
+              <a:rPr lang="de-DE" sz="2500" dirty="0"/>
               <a:t>Soll-Ist2 Personalkosten</a:t>
             </a:r>
           </a:p>
           <a:p>
-            <a:r>
-              <a:rPr lang="de-DE" sz="2800" kern="1200" dirty="0" smtClean="0">
-                <a:solidFill>
-                  <a:srgbClr val="572E2D"/>
-                </a:solidFill>
-                <a:latin typeface="Noteworthy Bold" charset="0"/>
-                <a:ea typeface="Noteworthy Bold" charset="0"/>
-                <a:cs typeface="Noteworthy Bold" charset="0"/>
-                <a:sym typeface="Noteworthy Bold" charset="0"/>
-              </a:rPr>
-              <a:t>Soll-Ist1C Personalkosten</a:t>
-            </a:r>
-          </a:p>
-          <a:p>
-            <a:r>
-              <a:rPr lang="de-DE" sz="2800" kern="1200" dirty="0" smtClean="0">
-                <a:solidFill>
-                  <a:srgbClr val="572E2D"/>
-                </a:solidFill>
-                <a:latin typeface="Noteworthy Bold" charset="0"/>
-                <a:ea typeface="Noteworthy Bold" charset="0"/>
-                <a:cs typeface="Noteworthy Bold" charset="0"/>
-                <a:sym typeface="Noteworthy Bold" charset="0"/>
-              </a:rPr>
-              <a:t>Soll-Ist2C Personalkosten</a:t>
-            </a:r>
-          </a:p>
-          <a:p>
-            <a:r>
-              <a:rPr lang="de-DE" sz="2800" kern="1200" dirty="0" smtClean="0">
-                <a:solidFill>
-                  <a:srgbClr val="572E2D"/>
-                </a:solidFill>
-                <a:latin typeface="Noteworthy Bold" charset="0"/>
-                <a:ea typeface="Noteworthy Bold" charset="0"/>
-                <a:cs typeface="Noteworthy Bold" charset="0"/>
-                <a:sym typeface="Noteworthy Bold" charset="0"/>
-              </a:rPr>
+            <a:endParaRPr lang="de-DE" sz="2500" dirty="0"/>
+          </a:p>
+          <a:p>
+            <a:r>
+              <a:rPr lang="de-DE" sz="2500" dirty="0"/>
               <a:t>Soll-Ist1 Sonstige Kosten</a:t>
             </a:r>
           </a:p>
           <a:p>
-            <a:r>
-              <a:rPr lang="de-DE" sz="2800" kern="1200" dirty="0" smtClean="0">
-                <a:solidFill>
-                  <a:srgbClr val="572E2D"/>
-                </a:solidFill>
-                <a:latin typeface="Noteworthy Bold" charset="0"/>
-                <a:ea typeface="Noteworthy Bold" charset="0"/>
-                <a:cs typeface="Noteworthy Bold" charset="0"/>
-                <a:sym typeface="Noteworthy Bold" charset="0"/>
-              </a:rPr>
+            <a:pPr defTabSz="481706">
+              <a:lnSpc>
+                <a:spcPts val="3688"/>
+              </a:lnSpc>
+              <a:defRPr/>
+            </a:pPr>
+            <a:r>
+              <a:rPr lang="de-DE" sz="2500" dirty="0"/>
               <a:t>Soll-Ist2 Sonstige Kosten</a:t>
             </a:r>
           </a:p>
           <a:p>
-            <a:r>
-              <a:rPr lang="de-DE" sz="2800" kern="1200" dirty="0" smtClean="0">
-                <a:solidFill>
-                  <a:srgbClr val="572E2D"/>
-                </a:solidFill>
-                <a:latin typeface="Noteworthy Bold" charset="0"/>
-                <a:ea typeface="Noteworthy Bold" charset="0"/>
-                <a:cs typeface="Noteworthy Bold" charset="0"/>
-                <a:sym typeface="Noteworthy Bold" charset="0"/>
-              </a:rPr>
-              <a:t>Soll-Ist1C Sonstige Kosten</a:t>
-            </a:r>
-          </a:p>
-          <a:p>
-            <a:r>
-              <a:rPr lang="de-DE" sz="2800" kern="1200" dirty="0" smtClean="0">
-                <a:solidFill>
-                  <a:srgbClr val="572E2D"/>
-                </a:solidFill>
-                <a:latin typeface="Noteworthy Bold" charset="0"/>
-                <a:ea typeface="Noteworthy Bold" charset="0"/>
-                <a:cs typeface="Noteworthy Bold" charset="0"/>
-                <a:sym typeface="Noteworthy Bold" charset="0"/>
-              </a:rPr>
-              <a:t>Soll-Ist2C Sonstige Kosten</a:t>
-            </a:r>
-          </a:p>
-          <a:p>
-            <a:r>
-              <a:rPr lang="de-DE" sz="2800" kern="1200" dirty="0" smtClean="0">
-                <a:solidFill>
-                  <a:srgbClr val="572E2D"/>
-                </a:solidFill>
-                <a:latin typeface="Noteworthy Bold" charset="0"/>
-                <a:ea typeface="Noteworthy Bold" charset="0"/>
-                <a:cs typeface="Noteworthy Bold" charset="0"/>
-                <a:sym typeface="Noteworthy Bold" charset="0"/>
-              </a:rPr>
+            <a:endParaRPr lang="de-DE" sz="2500" dirty="0"/>
+          </a:p>
+          <a:p>
+            <a:r>
+              <a:rPr lang="de-DE" sz="2500" dirty="0"/>
               <a:t>Soll-Ist1 Gesamtkosten</a:t>
             </a:r>
           </a:p>
           <a:p>
-            <a:r>
-              <a:rPr lang="de-DE" sz="2800" kern="1200" dirty="0" smtClean="0">
-                <a:solidFill>
-                  <a:srgbClr val="572E2D"/>
-                </a:solidFill>
-                <a:latin typeface="Noteworthy Bold" charset="0"/>
-                <a:ea typeface="Noteworthy Bold" charset="0"/>
-                <a:cs typeface="Noteworthy Bold" charset="0"/>
-                <a:sym typeface="Noteworthy Bold" charset="0"/>
-              </a:rPr>
+            <a:pPr defTabSz="481706">
+              <a:lnSpc>
+                <a:spcPts val="3688"/>
+              </a:lnSpc>
+              <a:defRPr/>
+            </a:pPr>
+            <a:r>
+              <a:rPr lang="de-DE" sz="2500" dirty="0"/>
               <a:t>Soll-Ist2 Gesamtkosten</a:t>
             </a:r>
           </a:p>
           <a:p>
-            <a:r>
-              <a:rPr lang="de-DE" sz="2800" kern="1200" dirty="0" smtClean="0">
-                <a:solidFill>
-                  <a:srgbClr val="572E2D"/>
-                </a:solidFill>
-                <a:latin typeface="Noteworthy Bold" charset="0"/>
-                <a:ea typeface="Noteworthy Bold" charset="0"/>
-                <a:cs typeface="Noteworthy Bold" charset="0"/>
-                <a:sym typeface="Noteworthy Bold" charset="0"/>
-              </a:rPr>
-              <a:t>Soll-Ist1C Gesamtkosten</a:t>
-            </a:r>
-          </a:p>
-          <a:p>
-            <a:r>
-              <a:rPr lang="de-DE" sz="2800" kern="1200" dirty="0" smtClean="0">
-                <a:solidFill>
-                  <a:srgbClr val="572E2D"/>
-                </a:solidFill>
-                <a:latin typeface="Noteworthy Bold" charset="0"/>
-                <a:ea typeface="Noteworthy Bold" charset="0"/>
-                <a:cs typeface="Noteworthy Bold" charset="0"/>
-                <a:sym typeface="Noteworthy Bold" charset="0"/>
-              </a:rPr>
-              <a:t>Soll-Ist2C Gesamtkosten</a:t>
-            </a:r>
-          </a:p>
-          <a:p>
-            <a:r>
-              <a:rPr lang="de-DE" sz="2800" kern="1200" dirty="0" smtClean="0">
-                <a:solidFill>
-                  <a:srgbClr val="572E2D"/>
-                </a:solidFill>
-                <a:latin typeface="Noteworthy Bold" charset="0"/>
-                <a:ea typeface="Noteworthy Bold" charset="0"/>
-                <a:cs typeface="Noteworthy Bold" charset="0"/>
-                <a:sym typeface="Noteworthy Bold" charset="0"/>
-              </a:rPr>
-              <a:t>Soll-Ist1 Rolle</a:t>
-            </a:r>
-          </a:p>
-          <a:p>
-            <a:r>
-              <a:rPr lang="de-DE" sz="2800" kern="1200" dirty="0" smtClean="0">
-                <a:solidFill>
-                  <a:srgbClr val="572E2D"/>
-                </a:solidFill>
-                <a:latin typeface="Noteworthy Bold" charset="0"/>
-                <a:ea typeface="Noteworthy Bold" charset="0"/>
-                <a:cs typeface="Noteworthy Bold" charset="0"/>
-                <a:sym typeface="Noteworthy Bold" charset="0"/>
-              </a:rPr>
-              <a:t>Soll-Ist2 Rolle</a:t>
-            </a:r>
-          </a:p>
-          <a:p>
-            <a:r>
-              <a:rPr lang="de-DE" sz="2800" kern="1200" dirty="0" smtClean="0">
-                <a:solidFill>
-                  <a:srgbClr val="572E2D"/>
-                </a:solidFill>
-                <a:latin typeface="Noteworthy Bold" charset="0"/>
-                <a:ea typeface="Noteworthy Bold" charset="0"/>
-                <a:cs typeface="Noteworthy Bold" charset="0"/>
-                <a:sym typeface="Noteworthy Bold" charset="0"/>
-              </a:rPr>
-              <a:t>Soll-Ist1C Rolle</a:t>
-            </a:r>
-          </a:p>
-          <a:p>
-            <a:r>
-              <a:rPr lang="de-DE" sz="2800" kern="1200" dirty="0" smtClean="0">
-                <a:solidFill>
-                  <a:srgbClr val="572E2D"/>
-                </a:solidFill>
-                <a:latin typeface="Noteworthy Bold" charset="0"/>
-                <a:ea typeface="Noteworthy Bold" charset="0"/>
-                <a:cs typeface="Noteworthy Bold" charset="0"/>
-                <a:sym typeface="Noteworthy Bold" charset="0"/>
-              </a:rPr>
-              <a:t>Soll-Ist2C Rolle</a:t>
-            </a:r>
-          </a:p>
-          <a:p>
-            <a:r>
-              <a:rPr lang="de-DE" sz="2800" kern="1200" dirty="0" smtClean="0">
-                <a:solidFill>
-                  <a:srgbClr val="572E2D"/>
-                </a:solidFill>
-                <a:latin typeface="Noteworthy Bold" charset="0"/>
-                <a:ea typeface="Noteworthy Bold" charset="0"/>
-                <a:cs typeface="Noteworthy Bold" charset="0"/>
-                <a:sym typeface="Noteworthy Bold" charset="0"/>
-              </a:rPr>
-              <a:t>Soll-Ist1 Kostenart</a:t>
-            </a:r>
-          </a:p>
-          <a:p>
-            <a:r>
-              <a:rPr lang="de-DE" sz="2800" kern="1200" dirty="0" smtClean="0">
-                <a:solidFill>
-                  <a:srgbClr val="572E2D"/>
-                </a:solidFill>
-                <a:latin typeface="Noteworthy Bold" charset="0"/>
-                <a:ea typeface="Noteworthy Bold" charset="0"/>
-                <a:cs typeface="Noteworthy Bold" charset="0"/>
-                <a:sym typeface="Noteworthy Bold" charset="0"/>
-              </a:rPr>
-              <a:t>Soll-Ist2 Kostenart</a:t>
-            </a:r>
-          </a:p>
-          <a:p>
-            <a:r>
-              <a:rPr lang="de-DE" sz="2800" kern="1200" dirty="0" smtClean="0">
-                <a:solidFill>
-                  <a:srgbClr val="572E2D"/>
-                </a:solidFill>
-                <a:latin typeface="Noteworthy Bold" charset="0"/>
-                <a:ea typeface="Noteworthy Bold" charset="0"/>
-                <a:cs typeface="Noteworthy Bold" charset="0"/>
-                <a:sym typeface="Noteworthy Bold" charset="0"/>
-              </a:rPr>
-              <a:t>Soll-Ist1C Kostenart</a:t>
-            </a:r>
-          </a:p>
-          <a:p>
-            <a:r>
-              <a:rPr lang="de-DE" sz="2800" kern="1200" dirty="0" smtClean="0">
-                <a:solidFill>
-                  <a:srgbClr val="572E2D"/>
-                </a:solidFill>
-                <a:latin typeface="Noteworthy Bold" charset="0"/>
-                <a:ea typeface="Noteworthy Bold" charset="0"/>
-                <a:cs typeface="Noteworthy Bold" charset="0"/>
-                <a:sym typeface="Noteworthy Bold" charset="0"/>
-              </a:rPr>
-              <a:t>Soll-Ist2C Kostenart</a:t>
-            </a:r>
-          </a:p>
-          <a:p>
-            <a:r>
-              <a:rPr lang="de-DE" sz="2800" kern="1200" dirty="0" smtClean="0">
-                <a:solidFill>
-                  <a:srgbClr val="572E2D"/>
-                </a:solidFill>
-                <a:latin typeface="Noteworthy Bold" charset="0"/>
-                <a:ea typeface="Noteworthy Bold" charset="0"/>
-                <a:cs typeface="Noteworthy Bold" charset="0"/>
-                <a:sym typeface="Noteworthy Bold" charset="0"/>
-              </a:rPr>
+            <a:endParaRPr lang="de-DE" sz="2500" dirty="0"/>
+          </a:p>
+          <a:p>
+            <a:r>
+              <a:rPr lang="de-DE" sz="2500" dirty="0"/>
+              <a:t>Soll-Ist1 Rolle (…)</a:t>
+            </a:r>
+          </a:p>
+          <a:p>
+            <a:pPr defTabSz="481706">
+              <a:lnSpc>
+                <a:spcPts val="3688"/>
+              </a:lnSpc>
+              <a:defRPr/>
+            </a:pPr>
+            <a:r>
+              <a:rPr lang="de-DE" sz="2500" dirty="0"/>
+              <a:t>Soll-Ist2 Rolle (…)</a:t>
+            </a:r>
+          </a:p>
+          <a:p>
+            <a:endParaRPr lang="de-DE" sz="2500" dirty="0"/>
+          </a:p>
+          <a:p>
+            <a:r>
+              <a:rPr lang="de-DE" sz="2500" dirty="0"/>
+              <a:t>Soll-Ist1 Kostenart (…)</a:t>
+            </a:r>
+          </a:p>
+          <a:p>
+            <a:pPr defTabSz="481706">
+              <a:lnSpc>
+                <a:spcPts val="3688"/>
+              </a:lnSpc>
+              <a:defRPr/>
+            </a:pPr>
+            <a:r>
+              <a:rPr lang="de-DE" sz="2500" dirty="0"/>
+              <a:t>Soll-Ist2 Kostenart (…)</a:t>
+            </a:r>
+          </a:p>
+          <a:p>
+            <a:endParaRPr lang="de-DE" sz="2500" dirty="0"/>
+          </a:p>
+          <a:p>
+            <a:r>
+              <a:rPr lang="de-DE" sz="2500" dirty="0"/>
               <a:t>Ampel-Farbe</a:t>
             </a:r>
           </a:p>
           <a:p>
             <a:r>
-              <a:rPr lang="de-DE" sz="2800" kern="1200" dirty="0" smtClean="0">
-                <a:solidFill>
-                  <a:srgbClr val="572E2D"/>
-                </a:solidFill>
-                <a:latin typeface="Noteworthy Bold" charset="0"/>
-                <a:ea typeface="Noteworthy Bold" charset="0"/>
-                <a:cs typeface="Noteworthy Bold" charset="0"/>
-                <a:sym typeface="Noteworthy Bold" charset="0"/>
-              </a:rPr>
+              <a:rPr lang="de-DE" sz="2500" dirty="0"/>
               <a:t>Beschreibung</a:t>
             </a:r>
           </a:p>
           <a:p>
             <a:r>
-              <a:rPr lang="de-DE" sz="2800" kern="1200" dirty="0" smtClean="0">
-                <a:solidFill>
-                  <a:srgbClr val="572E2D"/>
-                </a:solidFill>
-                <a:latin typeface="Noteworthy Bold" charset="0"/>
-                <a:ea typeface="Noteworthy Bold" charset="0"/>
-                <a:cs typeface="Noteworthy Bold" charset="0"/>
-                <a:sym typeface="Noteworthy Bold" charset="0"/>
-              </a:rPr>
+              <a:rPr lang="de-DE" sz="2500" dirty="0"/>
               <a:t>Stand:</a:t>
             </a:r>
           </a:p>
           <a:p>
             <a:r>
-              <a:rPr lang="de-DE" sz="2800" kern="1200" dirty="0" smtClean="0">
-                <a:solidFill>
-                  <a:srgbClr val="572E2D"/>
-                </a:solidFill>
-                <a:latin typeface="Noteworthy Bold" charset="0"/>
-                <a:ea typeface="Noteworthy Bold" charset="0"/>
-                <a:cs typeface="Noteworthy Bold" charset="0"/>
-                <a:sym typeface="Noteworthy Bold" charset="0"/>
-              </a:rPr>
+              <a:rPr lang="de-DE" sz="2500" dirty="0"/>
               <a:t>Laufzeit:</a:t>
             </a:r>
           </a:p>
           <a:p>
             <a:r>
-              <a:rPr lang="de-DE" sz="2800" kern="1200" dirty="0" smtClean="0">
-                <a:solidFill>
-                  <a:srgbClr val="572E2D"/>
-                </a:solidFill>
-                <a:latin typeface="Noteworthy Bold" charset="0"/>
-                <a:ea typeface="Noteworthy Bold" charset="0"/>
-                <a:cs typeface="Noteworthy Bold" charset="0"/>
-                <a:sym typeface="Noteworthy Bold" charset="0"/>
-              </a:rPr>
+              <a:rPr lang="de-DE" sz="2500" dirty="0"/>
               <a:t>Verantwortlich:</a:t>
             </a:r>
-          </a:p>
-          <a:p>
-            <a:endParaRPr lang="de-DE" sz="2800" kern="1200" dirty="0" smtClean="0">
-              <a:solidFill>
-                <a:srgbClr val="572E2D"/>
-              </a:solidFill>
-              <a:latin typeface="Noteworthy Bold" charset="0"/>
-              <a:ea typeface="Noteworthy Bold" charset="0"/>
-              <a:cs typeface="Noteworthy Bold" charset="0"/>
-              <a:sym typeface="Noteworthy Bold" charset="0"/>
-            </a:endParaRPr>
-          </a:p>
-          <a:p>
-            <a:r>
-              <a:rPr lang="de-DE" sz="2800" kern="1200" dirty="0" smtClean="0">
-                <a:solidFill>
-                  <a:srgbClr val="572E2D"/>
-                </a:solidFill>
-                <a:latin typeface="Noteworthy Bold" charset="0"/>
-                <a:ea typeface="Noteworthy Bold" charset="0"/>
-                <a:cs typeface="Noteworthy Bold" charset="0"/>
-                <a:sym typeface="Noteworthy Bold" charset="0"/>
-              </a:rPr>
-              <a:t>--------------------------------</a:t>
-            </a:r>
-          </a:p>
-          <a:p>
-            <a:endParaRPr lang="de-DE" sz="2800" kern="1200" dirty="0" smtClean="0">
-              <a:solidFill>
-                <a:srgbClr val="572E2D"/>
-              </a:solidFill>
-              <a:latin typeface="Noteworthy Bold" charset="0"/>
-              <a:ea typeface="Noteworthy Bold" charset="0"/>
-              <a:cs typeface="Noteworthy Bold" charset="0"/>
-              <a:sym typeface="Noteworthy Bold" charset="0"/>
-            </a:endParaRPr>
-          </a:p>
-          <a:p>
-            <a:r>
-              <a:rPr lang="de-DE" sz="2800" kern="1200" dirty="0" smtClean="0">
-                <a:solidFill>
-                  <a:srgbClr val="572E2D"/>
-                </a:solidFill>
-                <a:latin typeface="Noteworthy Bold" charset="0"/>
-                <a:ea typeface="Noteworthy Bold" charset="0"/>
-                <a:cs typeface="Noteworthy Bold" charset="0"/>
-                <a:sym typeface="Noteworthy Bold" charset="0"/>
-              </a:rPr>
-              <a:t>Phasen: </a:t>
-            </a:r>
-          </a:p>
-          <a:p>
-            <a:r>
-              <a:rPr lang="de-DE" sz="2400" b="0" i="0" u="none" strike="noStrike" kern="1200" dirty="0" smtClean="0">
-                <a:solidFill>
-                  <a:srgbClr val="572E2D"/>
-                </a:solidFill>
-                <a:effectLst/>
-                <a:latin typeface="Noteworthy Bold" charset="0"/>
-                <a:ea typeface="Noteworthy Bold" charset="0"/>
-                <a:cs typeface="Noteworthy Bold" charset="0"/>
-                <a:sym typeface="Noteworthy Bold" charset="0"/>
-              </a:rPr>
-              <a:t>Business Case</a:t>
-            </a:r>
-            <a:endParaRPr lang="de-DE" sz="2800" dirty="0" smtClean="0"/>
-          </a:p>
-          <a:p>
-            <a:r>
-              <a:rPr lang="de-DE" sz="2400" b="0" i="0" u="none" strike="noStrike" kern="1200" dirty="0" smtClean="0">
-                <a:solidFill>
-                  <a:srgbClr val="572E2D"/>
-                </a:solidFill>
-                <a:effectLst/>
-                <a:latin typeface="Noteworthy Bold" charset="0"/>
-                <a:ea typeface="Noteworthy Bold" charset="0"/>
-                <a:cs typeface="Noteworthy Bold" charset="0"/>
-                <a:sym typeface="Noteworthy Bold" charset="0"/>
-              </a:rPr>
-              <a:t>Konzept</a:t>
-            </a:r>
-            <a:endParaRPr lang="de-DE" sz="2800" dirty="0" smtClean="0"/>
-          </a:p>
-          <a:p>
-            <a:r>
-              <a:rPr lang="de-DE" sz="2400" b="0" i="0" u="none" strike="noStrike" kern="1200" dirty="0" smtClean="0">
-                <a:solidFill>
-                  <a:srgbClr val="572E2D"/>
-                </a:solidFill>
-                <a:effectLst/>
-                <a:latin typeface="Noteworthy Bold" charset="0"/>
-                <a:ea typeface="Noteworthy Bold" charset="0"/>
-                <a:cs typeface="Noteworthy Bold" charset="0"/>
-                <a:sym typeface="Noteworthy Bold" charset="0"/>
-              </a:rPr>
-              <a:t>Entwicklung</a:t>
-            </a:r>
-            <a:endParaRPr lang="de-DE" sz="2800" dirty="0" smtClean="0"/>
-          </a:p>
-          <a:p>
-            <a:r>
-              <a:rPr lang="de-DE" sz="2400" b="0" i="0" u="none" strike="noStrike" kern="1200" dirty="0" smtClean="0">
-                <a:solidFill>
-                  <a:srgbClr val="572E2D"/>
-                </a:solidFill>
-                <a:effectLst/>
-                <a:latin typeface="Noteworthy Bold" charset="0"/>
-                <a:ea typeface="Noteworthy Bold" charset="0"/>
-                <a:cs typeface="Noteworthy Bold" charset="0"/>
-                <a:sym typeface="Noteworthy Bold" charset="0"/>
-              </a:rPr>
-              <a:t>Prototyp</a:t>
-            </a:r>
-            <a:endParaRPr lang="de-DE" sz="2800" dirty="0" smtClean="0"/>
-          </a:p>
-          <a:p>
-            <a:r>
-              <a:rPr lang="de-DE" sz="2400" b="0" i="0" u="none" strike="noStrike" kern="1200" dirty="0" smtClean="0">
-                <a:solidFill>
-                  <a:srgbClr val="572E2D"/>
-                </a:solidFill>
-                <a:effectLst/>
-                <a:latin typeface="Noteworthy Bold" charset="0"/>
-                <a:ea typeface="Noteworthy Bold" charset="0"/>
-                <a:cs typeface="Noteworthy Bold" charset="0"/>
-                <a:sym typeface="Noteworthy Bold" charset="0"/>
-              </a:rPr>
-              <a:t>Test</a:t>
-            </a:r>
-            <a:endParaRPr lang="de-DE" sz="2800" dirty="0" smtClean="0"/>
-          </a:p>
-          <a:p>
-            <a:r>
-              <a:rPr lang="de-DE" sz="2400" b="0" i="0" u="none" strike="noStrike" kern="1200" dirty="0" smtClean="0">
-                <a:solidFill>
-                  <a:srgbClr val="572E2D"/>
-                </a:solidFill>
-                <a:effectLst/>
-                <a:latin typeface="Noteworthy Bold" charset="0"/>
-                <a:ea typeface="Noteworthy Bold" charset="0"/>
-                <a:cs typeface="Noteworthy Bold" charset="0"/>
-                <a:sym typeface="Noteworthy Bold" charset="0"/>
-              </a:rPr>
-              <a:t>Rollout</a:t>
-            </a:r>
-          </a:p>
-          <a:p>
-            <a:endParaRPr lang="de-DE" sz="2400" b="0" i="0" u="none" strike="noStrike" kern="1200" dirty="0" smtClean="0">
-              <a:solidFill>
-                <a:srgbClr val="572E2D"/>
-              </a:solidFill>
-              <a:effectLst/>
-              <a:latin typeface="Noteworthy Bold" charset="0"/>
-              <a:sym typeface="Noteworthy Bold" charset="0"/>
-            </a:endParaRPr>
-          </a:p>
-          <a:p>
-            <a:r>
-              <a:rPr lang="de-DE" sz="2400" b="0" i="0" u="none" strike="noStrike" kern="1200" dirty="0" smtClean="0">
-                <a:solidFill>
-                  <a:srgbClr val="572E2D"/>
-                </a:solidFill>
-                <a:effectLst/>
-                <a:latin typeface="Noteworthy Bold" charset="0"/>
-                <a:sym typeface="Noteworthy Bold" charset="0"/>
-              </a:rPr>
-              <a:t>Meilensteine: </a:t>
-            </a:r>
-          </a:p>
-          <a:p>
-            <a:r>
-              <a:rPr lang="de-DE" sz="2400" b="0" i="0" u="none" strike="noStrike" kern="1200" dirty="0" smtClean="0">
-                <a:solidFill>
-                  <a:srgbClr val="572E2D"/>
-                </a:solidFill>
-                <a:effectLst/>
-                <a:latin typeface="Noteworthy Bold" charset="0"/>
-                <a:ea typeface="Noteworthy Bold" charset="0"/>
-                <a:cs typeface="Noteworthy Bold" charset="0"/>
-                <a:sym typeface="Noteworthy Bold" charset="0"/>
-              </a:rPr>
-              <a:t>Projektskizze</a:t>
-            </a:r>
-          </a:p>
-          <a:p>
-            <a:r>
-              <a:rPr lang="de-DE" sz="2400" b="0" i="0" u="none" strike="noStrike" kern="1200" dirty="0" smtClean="0">
-                <a:solidFill>
-                  <a:srgbClr val="572E2D"/>
-                </a:solidFill>
-                <a:effectLst/>
-                <a:latin typeface="Noteworthy Bold" charset="0"/>
-                <a:ea typeface="Noteworthy Bold" charset="0"/>
-                <a:cs typeface="Noteworthy Bold" charset="0"/>
-                <a:sym typeface="Noteworthy Bold" charset="0"/>
-              </a:rPr>
-              <a:t>Kosten-/Nutzen Analyse</a:t>
-            </a:r>
-          </a:p>
-          <a:p>
-            <a:r>
-              <a:rPr lang="de-DE" sz="2400" b="0" i="0" u="none" strike="noStrike" kern="1200" dirty="0" smtClean="0">
-                <a:solidFill>
-                  <a:srgbClr val="572E2D"/>
-                </a:solidFill>
-                <a:effectLst/>
-                <a:latin typeface="Noteworthy Bold" charset="0"/>
-                <a:ea typeface="Noteworthy Bold" charset="0"/>
-                <a:cs typeface="Noteworthy Bold" charset="0"/>
-                <a:sym typeface="Noteworthy Bold" charset="0"/>
-              </a:rPr>
-              <a:t>Wettbewerbsanalyse</a:t>
-            </a:r>
-          </a:p>
-          <a:p>
-            <a:r>
-              <a:rPr lang="de-DE" sz="2400" b="0" i="0" u="none" strike="noStrike" kern="1200" dirty="0" smtClean="0">
-                <a:solidFill>
-                  <a:srgbClr val="572E2D"/>
-                </a:solidFill>
-                <a:effectLst/>
-                <a:latin typeface="Noteworthy Bold" charset="0"/>
-                <a:ea typeface="Noteworthy Bold" charset="0"/>
-                <a:cs typeface="Noteworthy Bold" charset="0"/>
-                <a:sym typeface="Noteworthy Bold" charset="0"/>
-              </a:rPr>
-              <a:t>Analyse Marktpotential</a:t>
-            </a:r>
-          </a:p>
-          <a:p>
-            <a:r>
-              <a:rPr lang="de-DE" sz="2400" b="0" i="0" u="none" strike="noStrike" kern="1200" dirty="0" smtClean="0">
-                <a:solidFill>
-                  <a:srgbClr val="572E2D"/>
-                </a:solidFill>
-                <a:effectLst/>
-                <a:latin typeface="Noteworthy Bold" charset="0"/>
-                <a:ea typeface="Noteworthy Bold" charset="0"/>
-                <a:cs typeface="Noteworthy Bold" charset="0"/>
-                <a:sym typeface="Noteworthy Bold" charset="0"/>
-              </a:rPr>
-              <a:t>Grob-Konzept</a:t>
-            </a:r>
-          </a:p>
-          <a:p>
-            <a:r>
-              <a:rPr lang="de-DE" sz="2400" b="0" i="0" u="none" strike="noStrike" kern="1200" dirty="0" smtClean="0">
-                <a:solidFill>
-                  <a:srgbClr val="572E2D"/>
-                </a:solidFill>
-                <a:effectLst/>
-                <a:latin typeface="Noteworthy Bold" charset="0"/>
-                <a:ea typeface="Noteworthy Bold" charset="0"/>
-                <a:cs typeface="Noteworthy Bold" charset="0"/>
-                <a:sym typeface="Noteworthy Bold" charset="0"/>
-              </a:rPr>
-              <a:t>Liste der erfolgskritischen Merkmale</a:t>
-            </a:r>
-          </a:p>
-          <a:p>
-            <a:r>
-              <a:rPr lang="de-DE" sz="2400" b="0" i="0" u="none" strike="noStrike" kern="1200" dirty="0" smtClean="0">
-                <a:solidFill>
-                  <a:srgbClr val="572E2D"/>
-                </a:solidFill>
-                <a:effectLst/>
-                <a:latin typeface="Noteworthy Bold" charset="0"/>
-                <a:ea typeface="Noteworthy Bold" charset="0"/>
-                <a:cs typeface="Noteworthy Bold" charset="0"/>
-                <a:sym typeface="Noteworthy Bold" charset="0"/>
-              </a:rPr>
-              <a:t>Anbieter Shortlist</a:t>
-            </a:r>
-          </a:p>
-          <a:p>
-            <a:r>
-              <a:rPr lang="de-DE" sz="2400" b="0" i="0" u="none" strike="noStrike" kern="1200" dirty="0" smtClean="0">
-                <a:solidFill>
-                  <a:srgbClr val="572E2D"/>
-                </a:solidFill>
-                <a:effectLst/>
-                <a:latin typeface="Noteworthy Bold" charset="0"/>
-                <a:ea typeface="Noteworthy Bold" charset="0"/>
-                <a:cs typeface="Noteworthy Bold" charset="0"/>
-                <a:sym typeface="Noteworthy Bold" charset="0"/>
-              </a:rPr>
-              <a:t>Benchmark Dokumentation</a:t>
-            </a:r>
-          </a:p>
-          <a:p>
-            <a:r>
-              <a:rPr lang="de-DE" sz="2400" b="0" i="0" u="none" strike="noStrike" kern="1200" dirty="0" smtClean="0">
-                <a:solidFill>
-                  <a:srgbClr val="572E2D"/>
-                </a:solidFill>
-                <a:effectLst/>
-                <a:latin typeface="Noteworthy Bold" charset="0"/>
-                <a:ea typeface="Noteworthy Bold" charset="0"/>
-                <a:cs typeface="Noteworthy Bold" charset="0"/>
-                <a:sym typeface="Noteworthy Bold" charset="0"/>
-              </a:rPr>
-              <a:t>Empfehlung Anbieter</a:t>
-            </a:r>
-          </a:p>
-          <a:p>
-            <a:r>
-              <a:rPr lang="de-DE" sz="2400" b="0" i="0" u="none" strike="noStrike" kern="1200" dirty="0" err="1" smtClean="0">
-                <a:solidFill>
-                  <a:srgbClr val="572E2D"/>
-                </a:solidFill>
-                <a:effectLst/>
-                <a:latin typeface="Noteworthy Bold" charset="0"/>
-                <a:ea typeface="Noteworthy Bold" charset="0"/>
-                <a:cs typeface="Noteworthy Bold" charset="0"/>
-                <a:sym typeface="Noteworthy Bold" charset="0"/>
-              </a:rPr>
-              <a:t>Use</a:t>
-            </a:r>
-            <a:r>
-              <a:rPr lang="de-DE" sz="2400" b="0" i="0" u="none" strike="noStrike" kern="1200" dirty="0" smtClean="0">
-                <a:solidFill>
-                  <a:srgbClr val="572E2D"/>
-                </a:solidFill>
-                <a:effectLst/>
-                <a:latin typeface="Noteworthy Bold" charset="0"/>
-                <a:ea typeface="Noteworthy Bold" charset="0"/>
-                <a:cs typeface="Noteworthy Bold" charset="0"/>
-                <a:sym typeface="Noteworthy Bold" charset="0"/>
-              </a:rPr>
-              <a:t> Cases</a:t>
-            </a:r>
-          </a:p>
-          <a:p>
-            <a:r>
-              <a:rPr lang="de-DE" sz="2400" b="0" i="0" u="none" strike="noStrike" kern="1200" dirty="0" smtClean="0">
-                <a:solidFill>
-                  <a:srgbClr val="572E2D"/>
-                </a:solidFill>
-                <a:effectLst/>
-                <a:latin typeface="Noteworthy Bold" charset="0"/>
-                <a:ea typeface="Noteworthy Bold" charset="0"/>
-                <a:cs typeface="Noteworthy Bold" charset="0"/>
-                <a:sym typeface="Noteworthy Bold" charset="0"/>
-              </a:rPr>
-              <a:t>Architektur Dokument</a:t>
-            </a:r>
-          </a:p>
-          <a:p>
-            <a:r>
-              <a:rPr lang="de-DE" sz="2400" b="0" i="0" u="none" strike="noStrike" kern="1200" dirty="0" smtClean="0">
-                <a:solidFill>
-                  <a:srgbClr val="572E2D"/>
-                </a:solidFill>
-                <a:effectLst/>
-                <a:latin typeface="Noteworthy Bold" charset="0"/>
-                <a:ea typeface="Noteworthy Bold" charset="0"/>
-                <a:cs typeface="Noteworthy Bold" charset="0"/>
-                <a:sym typeface="Noteworthy Bold" charset="0"/>
-              </a:rPr>
-              <a:t>Datenmodell</a:t>
-            </a:r>
-          </a:p>
-          <a:p>
-            <a:r>
-              <a:rPr lang="de-DE" sz="2400" b="0" i="0" u="none" strike="noStrike" kern="1200" dirty="0" smtClean="0">
-                <a:solidFill>
-                  <a:srgbClr val="572E2D"/>
-                </a:solidFill>
-                <a:effectLst/>
-                <a:latin typeface="Noteworthy Bold" charset="0"/>
-                <a:ea typeface="Noteworthy Bold" charset="0"/>
-                <a:cs typeface="Noteworthy Bold" charset="0"/>
-                <a:sym typeface="Noteworthy Bold" charset="0"/>
-              </a:rPr>
-              <a:t>Funktionsfähigkeit der erfolgskritischen Merkmale</a:t>
-            </a:r>
-          </a:p>
-          <a:p>
-            <a:r>
-              <a:rPr lang="de-DE" sz="2400" b="0" i="0" u="none" strike="noStrike" kern="1200" dirty="0" smtClean="0">
-                <a:solidFill>
-                  <a:srgbClr val="572E2D"/>
-                </a:solidFill>
-                <a:effectLst/>
-                <a:latin typeface="Noteworthy Bold" charset="0"/>
-                <a:ea typeface="Noteworthy Bold" charset="0"/>
-                <a:cs typeface="Noteworthy Bold" charset="0"/>
-                <a:sym typeface="Noteworthy Bold" charset="0"/>
-              </a:rPr>
-              <a:t>Testfall Dokumentation</a:t>
-            </a:r>
-          </a:p>
-          <a:p>
-            <a:r>
-              <a:rPr lang="de-DE" sz="2400" b="0" i="0" u="none" strike="noStrike" kern="1200" dirty="0" smtClean="0">
-                <a:solidFill>
-                  <a:srgbClr val="572E2D"/>
-                </a:solidFill>
-                <a:effectLst/>
-                <a:latin typeface="Noteworthy Bold" charset="0"/>
-                <a:ea typeface="Noteworthy Bold" charset="0"/>
-                <a:cs typeface="Noteworthy Bold" charset="0"/>
-                <a:sym typeface="Noteworthy Bold" charset="0"/>
-              </a:rPr>
-              <a:t>90% Muss-Testfälle erfolgreich</a:t>
-            </a:r>
-          </a:p>
-          <a:p>
-            <a:r>
-              <a:rPr lang="de-DE" sz="2400" b="0" i="0" u="none" strike="noStrike" kern="1200" dirty="0" smtClean="0">
-                <a:solidFill>
-                  <a:srgbClr val="572E2D"/>
-                </a:solidFill>
-                <a:effectLst/>
-                <a:latin typeface="Noteworthy Bold" charset="0"/>
-                <a:ea typeface="Noteworthy Bold" charset="0"/>
-                <a:cs typeface="Noteworthy Bold" charset="0"/>
-                <a:sym typeface="Noteworthy Bold" charset="0"/>
-              </a:rPr>
-              <a:t>Einführungsplan</a:t>
-            </a:r>
-            <a:r>
-              <a:rPr lang="de-DE" sz="3200" dirty="0" smtClean="0"/>
-              <a:t> </a:t>
-            </a:r>
-          </a:p>
-          <a:p>
-            <a:r>
-              <a:rPr lang="de-DE" sz="2400" b="0" i="0" u="none" strike="noStrike" kern="1200" dirty="0" smtClean="0">
-                <a:solidFill>
-                  <a:srgbClr val="572E2D"/>
-                </a:solidFill>
-                <a:effectLst/>
-                <a:latin typeface="Noteworthy Bold" charset="0"/>
-                <a:ea typeface="Noteworthy Bold" charset="0"/>
-                <a:cs typeface="Noteworthy Bold" charset="0"/>
-                <a:sym typeface="Noteworthy Bold" charset="0"/>
-              </a:rPr>
-              <a:t>70% Anwender-Abdeckung</a:t>
-            </a:r>
-            <a:r>
-              <a:rPr lang="de-DE" sz="3200" dirty="0" smtClean="0"/>
-              <a:t> </a:t>
-            </a:r>
-            <a:endParaRPr lang="de-DE" sz="2400" b="0" i="0" u="none" strike="noStrike" kern="1200" dirty="0" smtClean="0">
-              <a:solidFill>
-                <a:srgbClr val="572E2D"/>
-              </a:solidFill>
-              <a:effectLst/>
-              <a:latin typeface="Noteworthy Bold" charset="0"/>
-              <a:sym typeface="Noteworthy Bold" charset="0"/>
-            </a:endParaRPr>
-          </a:p>
-          <a:p>
-            <a:endParaRPr lang="de-DE" sz="2400" b="0" i="0" u="none" strike="noStrike" kern="1200" dirty="0" smtClean="0">
-              <a:solidFill>
-                <a:srgbClr val="572E2D"/>
-              </a:solidFill>
-              <a:effectLst/>
-              <a:latin typeface="Noteworthy Bold" charset="0"/>
-              <a:sym typeface="Noteworthy Bold" charset="0"/>
-            </a:endParaRPr>
-          </a:p>
-          <a:p>
-            <a:r>
-              <a:rPr lang="de-DE" sz="2400" b="0" i="0" u="none" strike="noStrike" kern="1200" dirty="0" smtClean="0">
-                <a:solidFill>
-                  <a:srgbClr val="572E2D"/>
-                </a:solidFill>
-                <a:effectLst/>
-                <a:latin typeface="Noteworthy Bold" charset="0"/>
-                <a:sym typeface="Noteworthy Bold" charset="0"/>
-              </a:rPr>
-              <a:t>Rollen: </a:t>
-            </a:r>
-          </a:p>
-          <a:p>
-            <a:r>
-              <a:rPr lang="de-DE" sz="2400" b="0" i="0" u="none" strike="noStrike" kern="1200" dirty="0" smtClean="0">
-                <a:solidFill>
-                  <a:srgbClr val="572E2D"/>
-                </a:solidFill>
-                <a:effectLst/>
-                <a:latin typeface="Noteworthy Bold" charset="0"/>
-                <a:ea typeface="Noteworthy Bold" charset="0"/>
-                <a:cs typeface="Noteworthy Bold" charset="0"/>
-                <a:sym typeface="Noteworthy Bold" charset="0"/>
-              </a:rPr>
-              <a:t>Projektleiter</a:t>
-            </a:r>
-            <a:endParaRPr lang="de-DE" sz="3200" dirty="0" smtClean="0"/>
-          </a:p>
-          <a:p>
-            <a:r>
-              <a:rPr lang="de-DE" sz="2400" b="0" i="0" u="none" strike="noStrike" kern="1200" dirty="0" smtClean="0">
-                <a:solidFill>
-                  <a:srgbClr val="572E2D"/>
-                </a:solidFill>
-                <a:effectLst/>
-                <a:latin typeface="Noteworthy Bold" charset="0"/>
-                <a:ea typeface="Noteworthy Bold" charset="0"/>
-                <a:cs typeface="Noteworthy Bold" charset="0"/>
-                <a:sym typeface="Noteworthy Bold" charset="0"/>
-              </a:rPr>
-              <a:t>GUI Spezialist</a:t>
-            </a:r>
-            <a:endParaRPr lang="de-DE" sz="3200" dirty="0" smtClean="0"/>
-          </a:p>
-          <a:p>
-            <a:r>
-              <a:rPr lang="de-DE" sz="2400" b="0" i="0" u="none" strike="noStrike" kern="1200" dirty="0" smtClean="0">
-                <a:solidFill>
-                  <a:srgbClr val="572E2D"/>
-                </a:solidFill>
-                <a:effectLst/>
-                <a:latin typeface="Noteworthy Bold" charset="0"/>
-                <a:ea typeface="Noteworthy Bold" charset="0"/>
-                <a:cs typeface="Noteworthy Bold" charset="0"/>
-                <a:sym typeface="Noteworthy Bold" charset="0"/>
-              </a:rPr>
-              <a:t>Analyst</a:t>
-            </a:r>
-            <a:r>
-              <a:rPr lang="de-DE" sz="3200" dirty="0" smtClean="0"/>
-              <a:t> </a:t>
-            </a:r>
-            <a:r>
-              <a:rPr lang="de-DE" sz="2400" b="0" i="0" u="none" strike="noStrike" kern="1200" dirty="0" smtClean="0">
-                <a:solidFill>
-                  <a:srgbClr val="572E2D"/>
-                </a:solidFill>
-                <a:effectLst/>
-                <a:latin typeface="Noteworthy Bold" charset="0"/>
-                <a:ea typeface="Noteworthy Bold" charset="0"/>
-                <a:cs typeface="Noteworthy Bold" charset="0"/>
-                <a:sym typeface="Noteworthy Bold" charset="0"/>
-              </a:rPr>
-              <a:t>Architekt</a:t>
-            </a:r>
-            <a:endParaRPr lang="de-DE" sz="3200" dirty="0" smtClean="0"/>
-          </a:p>
-          <a:p>
-            <a:r>
-              <a:rPr lang="de-DE" sz="2400" b="0" i="0" u="none" strike="noStrike" kern="1200" dirty="0" smtClean="0">
-                <a:solidFill>
-                  <a:srgbClr val="572E2D"/>
-                </a:solidFill>
-                <a:effectLst/>
-                <a:latin typeface="Noteworthy Bold" charset="0"/>
-                <a:ea typeface="Noteworthy Bold" charset="0"/>
-                <a:cs typeface="Noteworthy Bold" charset="0"/>
-                <a:sym typeface="Noteworthy Bold" charset="0"/>
-              </a:rPr>
-              <a:t>Entwickler</a:t>
-            </a:r>
-            <a:endParaRPr lang="de-DE" sz="3200" dirty="0" smtClean="0"/>
-          </a:p>
-          <a:p>
-            <a:r>
-              <a:rPr lang="de-DE" sz="2400" b="0" i="0" u="none" strike="noStrike" kern="1200" dirty="0" smtClean="0">
-                <a:solidFill>
-                  <a:srgbClr val="572E2D"/>
-                </a:solidFill>
-                <a:effectLst/>
-                <a:latin typeface="Noteworthy Bold" charset="0"/>
-                <a:ea typeface="Noteworthy Bold" charset="0"/>
-                <a:cs typeface="Noteworthy Bold" charset="0"/>
-                <a:sym typeface="Noteworthy Bold" charset="0"/>
-              </a:rPr>
-              <a:t>Tester</a:t>
-            </a:r>
-            <a:endParaRPr lang="de-DE" sz="2400" b="0" i="0" u="none" strike="noStrike" kern="1200" dirty="0" smtClean="0">
-              <a:solidFill>
-                <a:srgbClr val="572E2D"/>
-              </a:solidFill>
-              <a:effectLst/>
-              <a:latin typeface="Noteworthy Bold" charset="0"/>
-              <a:sym typeface="Noteworthy Bold" charset="0"/>
-            </a:endParaRPr>
-          </a:p>
-          <a:p>
-            <a:endParaRPr lang="de-DE" sz="2400" b="0" i="0" u="none" strike="noStrike" kern="1200" dirty="0" smtClean="0">
-              <a:solidFill>
-                <a:srgbClr val="572E2D"/>
-              </a:solidFill>
-              <a:effectLst/>
-              <a:latin typeface="Noteworthy Bold" charset="0"/>
-              <a:sym typeface="Noteworthy Bold" charset="0"/>
-            </a:endParaRPr>
-          </a:p>
-          <a:p>
-            <a:r>
-              <a:rPr lang="de-DE" sz="2400" b="0" i="0" u="none" strike="noStrike" kern="1200" dirty="0" smtClean="0">
-                <a:solidFill>
-                  <a:srgbClr val="572E2D"/>
-                </a:solidFill>
-                <a:effectLst/>
-                <a:latin typeface="Noteworthy Bold" charset="0"/>
-                <a:sym typeface="Noteworthy Bold" charset="0"/>
-              </a:rPr>
-              <a:t>Kostenarten: </a:t>
-            </a:r>
-          </a:p>
-          <a:p>
-            <a:r>
-              <a:rPr lang="de-DE" sz="2400" b="0" i="0" u="none" strike="noStrike" kern="1200" dirty="0" smtClean="0">
-                <a:solidFill>
-                  <a:srgbClr val="572E2D"/>
-                </a:solidFill>
-                <a:effectLst/>
-                <a:latin typeface="Noteworthy Bold" charset="0"/>
-                <a:ea typeface="Noteworthy Bold" charset="0"/>
-                <a:cs typeface="Noteworthy Bold" charset="0"/>
-                <a:sym typeface="Noteworthy Bold" charset="0"/>
-              </a:rPr>
-              <a:t>IT-Kosten</a:t>
-            </a:r>
-            <a:endParaRPr lang="de-DE" sz="3200" dirty="0" smtClean="0"/>
-          </a:p>
-          <a:p>
-            <a:r>
-              <a:rPr lang="de-DE" sz="2400" b="0" i="0" u="none" strike="noStrike" kern="1200" dirty="0" smtClean="0">
-                <a:solidFill>
-                  <a:srgbClr val="572E2D"/>
-                </a:solidFill>
-                <a:effectLst/>
-                <a:latin typeface="Noteworthy Bold" charset="0"/>
-                <a:ea typeface="Noteworthy Bold" charset="0"/>
-                <a:cs typeface="Noteworthy Bold" charset="0"/>
-                <a:sym typeface="Noteworthy Bold" charset="0"/>
-              </a:rPr>
-              <a:t>Reise-Kosten</a:t>
-            </a:r>
-          </a:p>
-          <a:p>
-            <a:r>
-              <a:rPr lang="de-DE" sz="2400" b="0" i="0" u="none" strike="noStrike" kern="1200" dirty="0" smtClean="0">
-                <a:solidFill>
-                  <a:srgbClr val="572E2D"/>
-                </a:solidFill>
-                <a:effectLst/>
-                <a:latin typeface="Noteworthy Bold" charset="0"/>
-                <a:ea typeface="Noteworthy Bold" charset="0"/>
-                <a:cs typeface="Noteworthy Bold" charset="0"/>
-                <a:sym typeface="Noteworthy Bold" charset="0"/>
-              </a:rPr>
-              <a:t>Trainings-Kosten</a:t>
-            </a:r>
-            <a:r>
-              <a:rPr lang="de-DE" sz="3200" dirty="0" smtClean="0"/>
-              <a:t> </a:t>
-            </a:r>
-            <a:endParaRPr lang="de-DE" sz="2400" b="0" i="0" u="none" strike="noStrike" kern="1200" dirty="0" smtClean="0">
-              <a:solidFill>
-                <a:srgbClr val="572E2D"/>
-              </a:solidFill>
-              <a:effectLst/>
-              <a:latin typeface="Noteworthy Bold" charset="0"/>
-              <a:sym typeface="Noteworthy Bold" charset="0"/>
-            </a:endParaRPr>
-          </a:p>
-          <a:p>
-            <a:r>
-              <a:rPr lang="de-DE" sz="2800" dirty="0" smtClean="0"/>
-              <a:t> </a:t>
-            </a:r>
-            <a:endParaRPr lang="de-DE" sz="2800" kern="1200" dirty="0" smtClean="0">
-              <a:solidFill>
-                <a:srgbClr val="572E2D"/>
-              </a:solidFill>
-              <a:latin typeface="Noteworthy Bold" charset="0"/>
-              <a:ea typeface="Noteworthy Bold" charset="0"/>
-              <a:cs typeface="Noteworthy Bold" charset="0"/>
-              <a:sym typeface="Noteworthy Bold" charset="0"/>
-            </a:endParaRPr>
+            <a:endParaRPr lang="de-DE" dirty="0"/>
           </a:p>
         </p:txBody>
       </p:sp>
@@ -1971,1378 +813,220 @@
           <a:lstStyle/>
           <a:p>
             <a:r>
-              <a:rPr lang="de-DE" sz="2800" kern="1200" dirty="0" smtClean="0">
-                <a:solidFill>
-                  <a:srgbClr val="572E2D"/>
-                </a:solidFill>
-                <a:latin typeface="Noteworthy Bold" charset="0"/>
-                <a:ea typeface="Noteworthy Bold" charset="0"/>
-                <a:cs typeface="Noteworthy Bold" charset="0"/>
-                <a:sym typeface="Noteworthy Bold" charset="0"/>
-              </a:rPr>
+              <a:rPr lang="de-DE" sz="2500" dirty="0"/>
               <a:t>Projekt-Name</a:t>
             </a:r>
           </a:p>
           <a:p>
             <a:r>
-              <a:rPr lang="de-DE" sz="2800" kern="1200" dirty="0" smtClean="0">
-                <a:solidFill>
-                  <a:srgbClr val="572E2D"/>
-                </a:solidFill>
-                <a:latin typeface="Noteworthy Bold" charset="0"/>
-                <a:ea typeface="Noteworthy Bold" charset="0"/>
-                <a:cs typeface="Noteworthy Bold" charset="0"/>
-                <a:sym typeface="Noteworthy Bold" charset="0"/>
-              </a:rPr>
-              <a:t>Soll-Ist &amp; Prognose</a:t>
-            </a:r>
-          </a:p>
-          <a:p>
-            <a:r>
-              <a:rPr lang="de-DE" sz="2800" kern="1200" dirty="0" smtClean="0">
-                <a:solidFill>
-                  <a:srgbClr val="572E2D"/>
-                </a:solidFill>
-                <a:latin typeface="Noteworthy Bold" charset="0"/>
-                <a:ea typeface="Noteworthy Bold" charset="0"/>
-                <a:cs typeface="Noteworthy Bold" charset="0"/>
-                <a:sym typeface="Noteworthy Bold" charset="0"/>
-              </a:rPr>
-              <a:t>Projekt-Grafik</a:t>
-            </a:r>
-          </a:p>
-          <a:p>
-            <a:r>
-              <a:rPr lang="de-DE" sz="2800" kern="1200" dirty="0" smtClean="0">
-                <a:solidFill>
-                  <a:srgbClr val="572E2D"/>
-                </a:solidFill>
-                <a:latin typeface="Noteworthy Bold" charset="0"/>
-                <a:ea typeface="Noteworthy Bold" charset="0"/>
-                <a:cs typeface="Noteworthy Bold" charset="0"/>
-                <a:sym typeface="Noteworthy Bold" charset="0"/>
-              </a:rPr>
-              <a:t>Meilenstein Trendanalyse</a:t>
-            </a:r>
-          </a:p>
-          <a:p>
-            <a:r>
-              <a:rPr lang="de-DE" sz="2800" kern="1200" dirty="0" smtClean="0">
-                <a:solidFill>
-                  <a:srgbClr val="572E2D"/>
-                </a:solidFill>
-                <a:latin typeface="Noteworthy Bold" charset="0"/>
-                <a:ea typeface="Noteworthy Bold" charset="0"/>
-                <a:cs typeface="Noteworthy Bold" charset="0"/>
-                <a:sym typeface="Noteworthy Bold" charset="0"/>
-              </a:rPr>
-              <a:t>Vergleich mit Beauftragung</a:t>
-            </a:r>
-          </a:p>
-          <a:p>
-            <a:r>
-              <a:rPr lang="de-DE" sz="2800" kern="1200" dirty="0" smtClean="0">
-                <a:solidFill>
-                  <a:srgbClr val="572E2D"/>
-                </a:solidFill>
-                <a:latin typeface="Noteworthy Bold" charset="0"/>
-                <a:ea typeface="Noteworthy Bold" charset="0"/>
-                <a:cs typeface="Noteworthy Bold" charset="0"/>
-                <a:sym typeface="Noteworthy Bold" charset="0"/>
-              </a:rPr>
-              <a:t>Vergleich mit letztem Stand</a:t>
-            </a:r>
-          </a:p>
-          <a:p>
-            <a:r>
-              <a:rPr lang="de-DE" sz="2800" kern="1200" dirty="0" smtClean="0">
-                <a:solidFill>
-                  <a:srgbClr val="572E2D"/>
-                </a:solidFill>
-                <a:latin typeface="Noteworthy Bold" charset="0"/>
-                <a:ea typeface="Noteworthy Bold" charset="0"/>
-                <a:cs typeface="Noteworthy Bold" charset="0"/>
-                <a:sym typeface="Noteworthy Bold" charset="0"/>
-              </a:rPr>
-              <a:t>Vergleich mit Vorlage</a:t>
-            </a:r>
-          </a:p>
-          <a:p>
-            <a:r>
-              <a:rPr lang="de-DE" sz="2800" kern="1200" dirty="0" smtClean="0">
-                <a:solidFill>
-                  <a:srgbClr val="572E2D"/>
-                </a:solidFill>
-                <a:latin typeface="Noteworthy Bold" charset="0"/>
-                <a:ea typeface="Noteworthy Bold" charset="0"/>
-                <a:cs typeface="Noteworthy Bold" charset="0"/>
-                <a:sym typeface="Noteworthy Bold" charset="0"/>
-              </a:rPr>
-              <a:t>Tabelle Projektziele</a:t>
-            </a:r>
-          </a:p>
-          <a:p>
-            <a:r>
-              <a:rPr lang="de-DE" sz="2800" kern="1200" dirty="0" smtClean="0">
-                <a:solidFill>
-                  <a:srgbClr val="572E2D"/>
-                </a:solidFill>
-                <a:latin typeface="Noteworthy Bold" charset="0"/>
-                <a:ea typeface="Noteworthy Bold" charset="0"/>
-                <a:cs typeface="Noteworthy Bold" charset="0"/>
-                <a:sym typeface="Noteworthy Bold" charset="0"/>
-              </a:rPr>
-              <a:t>Tabelle Projektstatus</a:t>
-            </a:r>
-          </a:p>
-          <a:p>
-            <a:r>
-              <a:rPr lang="de-DE" sz="2800" kern="1200" dirty="0" smtClean="0">
-                <a:solidFill>
-                  <a:srgbClr val="572E2D"/>
-                </a:solidFill>
-                <a:latin typeface="Noteworthy Bold" charset="0"/>
-                <a:ea typeface="Noteworthy Bold" charset="0"/>
-                <a:cs typeface="Noteworthy Bold" charset="0"/>
-                <a:sym typeface="Noteworthy Bold" charset="0"/>
-              </a:rPr>
-              <a:t>Tabelle Veränderungen</a:t>
-            </a:r>
-          </a:p>
-          <a:p>
-            <a:r>
-              <a:rPr lang="de-DE" sz="2800" kern="1200" dirty="0" smtClean="0">
-                <a:solidFill>
-                  <a:srgbClr val="572E2D"/>
-                </a:solidFill>
-                <a:latin typeface="Noteworthy Bold" charset="0"/>
-                <a:ea typeface="Noteworthy Bold" charset="0"/>
-                <a:cs typeface="Noteworthy Bold" charset="0"/>
-                <a:sym typeface="Noteworthy Bold" charset="0"/>
-              </a:rPr>
-              <a:t>Tabelle Vergleich letzter Stand</a:t>
-            </a:r>
-          </a:p>
-          <a:p>
-            <a:r>
-              <a:rPr lang="de-DE" sz="2800" kern="1200" dirty="0" smtClean="0">
-                <a:solidFill>
-                  <a:srgbClr val="572E2D"/>
-                </a:solidFill>
-                <a:latin typeface="Noteworthy Bold" charset="0"/>
-                <a:ea typeface="Noteworthy Bold" charset="0"/>
-                <a:cs typeface="Noteworthy Bold" charset="0"/>
-                <a:sym typeface="Noteworthy Bold" charset="0"/>
-              </a:rPr>
-              <a:t>Tabelle Vergleich Beauftragung</a:t>
-            </a:r>
-          </a:p>
-          <a:p>
-            <a:r>
-              <a:rPr lang="de-DE" sz="2800" kern="1200" dirty="0" smtClean="0">
-                <a:solidFill>
-                  <a:srgbClr val="572E2D"/>
-                </a:solidFill>
-                <a:latin typeface="Noteworthy Bold" charset="0"/>
-                <a:ea typeface="Noteworthy Bold" charset="0"/>
-                <a:cs typeface="Noteworthy Bold" charset="0"/>
-                <a:sym typeface="Noteworthy Bold" charset="0"/>
-              </a:rPr>
+              <a:rPr lang="de-DE" sz="2500" dirty="0"/>
               <a:t>Ergebnis</a:t>
             </a:r>
           </a:p>
           <a:p>
             <a:r>
-              <a:rPr lang="de-DE" sz="2800" kern="1200" dirty="0" smtClean="0">
-                <a:solidFill>
-                  <a:srgbClr val="572E2D"/>
-                </a:solidFill>
-                <a:latin typeface="Noteworthy Bold" charset="0"/>
-                <a:ea typeface="Noteworthy Bold" charset="0"/>
-                <a:cs typeface="Noteworthy Bold" charset="0"/>
-                <a:sym typeface="Noteworthy Bold" charset="0"/>
-              </a:rPr>
+              <a:rPr lang="de-DE" sz="2500" dirty="0"/>
               <a:t>Strategie/Risiko</a:t>
             </a:r>
           </a:p>
           <a:p>
             <a:r>
-              <a:rPr lang="de-DE" sz="2800" kern="1200" dirty="0" smtClean="0">
-                <a:solidFill>
-                  <a:srgbClr val="572E2D"/>
-                </a:solidFill>
-                <a:latin typeface="Noteworthy Bold" charset="0"/>
-                <a:ea typeface="Noteworthy Bold" charset="0"/>
-                <a:cs typeface="Noteworthy Bold" charset="0"/>
-                <a:sym typeface="Noteworthy Bold" charset="0"/>
-              </a:rPr>
+              <a:rPr lang="de-DE" sz="2500" dirty="0"/>
               <a:t>Teilprojekte</a:t>
             </a:r>
           </a:p>
           <a:p>
             <a:r>
-              <a:rPr lang="de-DE" sz="2800" kern="1200" dirty="0" smtClean="0">
-                <a:solidFill>
-                  <a:srgbClr val="572E2D"/>
-                </a:solidFill>
-                <a:latin typeface="Noteworthy Bold" charset="0"/>
-                <a:ea typeface="Noteworthy Bold" charset="0"/>
-                <a:cs typeface="Noteworthy Bold" charset="0"/>
-                <a:sym typeface="Noteworthy Bold" charset="0"/>
-              </a:rPr>
+              <a:rPr lang="de-DE" sz="2500" dirty="0"/>
               <a:t>Personalbedarf</a:t>
             </a:r>
           </a:p>
           <a:p>
             <a:r>
-              <a:rPr lang="de-DE" sz="2800" kern="1200" dirty="0" smtClean="0">
-                <a:solidFill>
-                  <a:srgbClr val="572E2D"/>
-                </a:solidFill>
-                <a:latin typeface="Noteworthy Bold" charset="0"/>
-                <a:ea typeface="Noteworthy Bold" charset="0"/>
-                <a:cs typeface="Noteworthy Bold" charset="0"/>
-                <a:sym typeface="Noteworthy Bold" charset="0"/>
-              </a:rPr>
+              <a:rPr lang="de-DE" sz="2500" dirty="0"/>
               <a:t>Personalkosten</a:t>
             </a:r>
           </a:p>
           <a:p>
             <a:r>
-              <a:rPr lang="de-DE" sz="2800" kern="1200" dirty="0" smtClean="0">
-                <a:solidFill>
-                  <a:srgbClr val="572E2D"/>
-                </a:solidFill>
-                <a:latin typeface="Noteworthy Bold" charset="0"/>
-                <a:ea typeface="Noteworthy Bold" charset="0"/>
-                <a:cs typeface="Noteworthy Bold" charset="0"/>
-                <a:sym typeface="Noteworthy Bold" charset="0"/>
-              </a:rPr>
+              <a:rPr lang="de-DE" sz="2500" dirty="0"/>
               <a:t>Sonstige Kosten</a:t>
             </a:r>
           </a:p>
           <a:p>
             <a:r>
-              <a:rPr lang="de-DE" sz="2800" kern="1200" dirty="0" smtClean="0">
-                <a:solidFill>
-                  <a:srgbClr val="572E2D"/>
-                </a:solidFill>
-                <a:latin typeface="Noteworthy Bold" charset="0"/>
-                <a:ea typeface="Noteworthy Bold" charset="0"/>
-                <a:cs typeface="Noteworthy Bold" charset="0"/>
-                <a:sym typeface="Noteworthy Bold" charset="0"/>
-              </a:rPr>
+              <a:rPr lang="de-DE" sz="2500" dirty="0"/>
               <a:t>Gesamtkosten</a:t>
             </a:r>
           </a:p>
           <a:p>
             <a:r>
-              <a:rPr lang="de-DE" sz="2800" kern="1200" dirty="0" smtClean="0">
-                <a:solidFill>
-                  <a:srgbClr val="572E2D"/>
-                </a:solidFill>
-                <a:latin typeface="Noteworthy Bold" charset="0"/>
-                <a:ea typeface="Noteworthy Bold" charset="0"/>
-                <a:cs typeface="Noteworthy Bold" charset="0"/>
-                <a:sym typeface="Noteworthy Bold" charset="0"/>
-              </a:rPr>
-              <a:t>Trend Strategischer Fit/Risiko</a:t>
-            </a:r>
-          </a:p>
-          <a:p>
-            <a:r>
-              <a:rPr lang="de-DE" sz="2800" kern="1200" dirty="0" smtClean="0">
-                <a:solidFill>
-                  <a:srgbClr val="572E2D"/>
-                </a:solidFill>
-                <a:latin typeface="Noteworthy Bold" charset="0"/>
-                <a:ea typeface="Noteworthy Bold" charset="0"/>
-                <a:cs typeface="Noteworthy Bold" charset="0"/>
-                <a:sym typeface="Noteworthy Bold" charset="0"/>
-              </a:rPr>
-              <a:t>Trend Kennzahlen</a:t>
-            </a:r>
-          </a:p>
-          <a:p>
-            <a:r>
-              <a:rPr lang="de-DE" sz="2800" kern="1200" dirty="0" smtClean="0">
-                <a:solidFill>
-                  <a:srgbClr val="572E2D"/>
-                </a:solidFill>
-                <a:latin typeface="Noteworthy Bold" charset="0"/>
-                <a:ea typeface="Noteworthy Bold" charset="0"/>
-                <a:cs typeface="Noteworthy Bold" charset="0"/>
-                <a:sym typeface="Noteworthy Bold" charset="0"/>
-              </a:rPr>
+              <a:rPr lang="de-DE" sz="2500" dirty="0"/>
               <a:t>Fortschritt Personalkosten</a:t>
             </a:r>
           </a:p>
           <a:p>
             <a:r>
-              <a:rPr lang="de-DE" sz="2800" kern="1200" dirty="0" smtClean="0">
-                <a:solidFill>
-                  <a:srgbClr val="572E2D"/>
-                </a:solidFill>
-                <a:latin typeface="Noteworthy Bold" charset="0"/>
-                <a:ea typeface="Noteworthy Bold" charset="0"/>
-                <a:cs typeface="Noteworthy Bold" charset="0"/>
-                <a:sym typeface="Noteworthy Bold" charset="0"/>
-              </a:rPr>
+              <a:rPr lang="de-DE" sz="2500" dirty="0"/>
               <a:t>Fortschritt Sonstige Kosten</a:t>
             </a:r>
           </a:p>
           <a:p>
             <a:r>
-              <a:rPr lang="de-DE" sz="2800" kern="1200" dirty="0" smtClean="0">
-                <a:solidFill>
-                  <a:srgbClr val="572E2D"/>
-                </a:solidFill>
-                <a:latin typeface="Noteworthy Bold" charset="0"/>
-                <a:ea typeface="Noteworthy Bold" charset="0"/>
-                <a:cs typeface="Noteworthy Bold" charset="0"/>
-                <a:sym typeface="Noteworthy Bold" charset="0"/>
-              </a:rPr>
-              <a:t>Fortschritt Rolle(..)</a:t>
-            </a:r>
-          </a:p>
-          <a:p>
-            <a:r>
-              <a:rPr lang="de-DE" sz="2800" kern="1200" dirty="0" smtClean="0">
-                <a:solidFill>
-                  <a:srgbClr val="572E2D"/>
-                </a:solidFill>
-                <a:latin typeface="Noteworthy Bold" charset="0"/>
-                <a:ea typeface="Noteworthy Bold" charset="0"/>
-                <a:cs typeface="Noteworthy Bold" charset="0"/>
-                <a:sym typeface="Noteworthy Bold" charset="0"/>
-              </a:rPr>
-              <a:t>Fortschritt Kostenart(..)</a:t>
-            </a:r>
-          </a:p>
-          <a:p>
-            <a:r>
-              <a:rPr lang="de-DE" sz="2800" kern="1200" dirty="0" smtClean="0">
-                <a:solidFill>
-                  <a:srgbClr val="572E2D"/>
-                </a:solidFill>
-                <a:latin typeface="Noteworthy Bold" charset="0"/>
-                <a:ea typeface="Noteworthy Bold" charset="0"/>
-                <a:cs typeface="Noteworthy Bold" charset="0"/>
-                <a:sym typeface="Noteworthy Bold" charset="0"/>
-              </a:rPr>
+              <a:rPr lang="de-DE" sz="2500" dirty="0"/>
+              <a:t>Fortschritt Gesamtkosten</a:t>
+            </a:r>
+          </a:p>
+          <a:p>
+            <a:r>
+              <a:rPr lang="de-DE" sz="2500" dirty="0"/>
+              <a:t>Fortschritt Rolle(…)</a:t>
+            </a:r>
+          </a:p>
+          <a:p>
+            <a:r>
+              <a:rPr lang="de-DE" sz="2500" dirty="0"/>
+              <a:t>Fortschritt Kostenart(…)</a:t>
+            </a:r>
+          </a:p>
+          <a:p>
+            <a:endParaRPr lang="de-DE" sz="2500" dirty="0"/>
+          </a:p>
+          <a:p>
+            <a:r>
+              <a:rPr lang="de-DE" sz="2500" dirty="0"/>
               <a:t>Soll-Ist1 Personalkosten</a:t>
             </a:r>
           </a:p>
           <a:p>
-            <a:r>
-              <a:rPr lang="de-DE" sz="2800" kern="1200" dirty="0" smtClean="0">
-                <a:solidFill>
-                  <a:srgbClr val="572E2D"/>
-                </a:solidFill>
-                <a:latin typeface="Noteworthy Bold" charset="0"/>
-                <a:ea typeface="Noteworthy Bold" charset="0"/>
-                <a:cs typeface="Noteworthy Bold" charset="0"/>
-                <a:sym typeface="Noteworthy Bold" charset="0"/>
-              </a:rPr>
+            <a:pPr defTabSz="481706">
+              <a:lnSpc>
+                <a:spcPts val="3688"/>
+              </a:lnSpc>
+              <a:defRPr/>
+            </a:pPr>
+            <a:r>
+              <a:rPr lang="de-DE" sz="2500" dirty="0"/>
               <a:t>Soll-Ist2 Personalkosten</a:t>
             </a:r>
           </a:p>
           <a:p>
-            <a:r>
-              <a:rPr lang="de-DE" sz="2800" kern="1200" dirty="0" smtClean="0">
-                <a:solidFill>
-                  <a:srgbClr val="572E2D"/>
-                </a:solidFill>
-                <a:latin typeface="Noteworthy Bold" charset="0"/>
-                <a:ea typeface="Noteworthy Bold" charset="0"/>
-                <a:cs typeface="Noteworthy Bold" charset="0"/>
-                <a:sym typeface="Noteworthy Bold" charset="0"/>
-              </a:rPr>
-              <a:t>Soll-Ist1C Personalkosten</a:t>
-            </a:r>
-          </a:p>
-          <a:p>
-            <a:r>
-              <a:rPr lang="de-DE" sz="2800" kern="1200" dirty="0" smtClean="0">
-                <a:solidFill>
-                  <a:srgbClr val="572E2D"/>
-                </a:solidFill>
-                <a:latin typeface="Noteworthy Bold" charset="0"/>
-                <a:ea typeface="Noteworthy Bold" charset="0"/>
-                <a:cs typeface="Noteworthy Bold" charset="0"/>
-                <a:sym typeface="Noteworthy Bold" charset="0"/>
-              </a:rPr>
-              <a:t>Soll-Ist2C Personalkosten</a:t>
-            </a:r>
-          </a:p>
-          <a:p>
-            <a:r>
-              <a:rPr lang="de-DE" sz="2800" kern="1200" dirty="0" smtClean="0">
-                <a:solidFill>
-                  <a:srgbClr val="572E2D"/>
-                </a:solidFill>
-                <a:latin typeface="Noteworthy Bold" charset="0"/>
-                <a:ea typeface="Noteworthy Bold" charset="0"/>
-                <a:cs typeface="Noteworthy Bold" charset="0"/>
-                <a:sym typeface="Noteworthy Bold" charset="0"/>
-              </a:rPr>
+            <a:endParaRPr lang="de-DE" sz="2500" dirty="0"/>
+          </a:p>
+          <a:p>
+            <a:r>
+              <a:rPr lang="de-DE" sz="2500" dirty="0"/>
               <a:t>Soll-Ist1 Sonstige Kosten</a:t>
             </a:r>
           </a:p>
           <a:p>
-            <a:r>
-              <a:rPr lang="de-DE" sz="2800" kern="1200" dirty="0" smtClean="0">
-                <a:solidFill>
-                  <a:srgbClr val="572E2D"/>
-                </a:solidFill>
-                <a:latin typeface="Noteworthy Bold" charset="0"/>
-                <a:ea typeface="Noteworthy Bold" charset="0"/>
-                <a:cs typeface="Noteworthy Bold" charset="0"/>
-                <a:sym typeface="Noteworthy Bold" charset="0"/>
-              </a:rPr>
+            <a:pPr defTabSz="481706">
+              <a:lnSpc>
+                <a:spcPts val="3688"/>
+              </a:lnSpc>
+              <a:defRPr/>
+            </a:pPr>
+            <a:r>
+              <a:rPr lang="de-DE" sz="2500" dirty="0"/>
               <a:t>Soll-Ist2 Sonstige Kosten</a:t>
             </a:r>
           </a:p>
           <a:p>
-            <a:r>
-              <a:rPr lang="de-DE" sz="2800" kern="1200" dirty="0" smtClean="0">
-                <a:solidFill>
-                  <a:srgbClr val="572E2D"/>
-                </a:solidFill>
-                <a:latin typeface="Noteworthy Bold" charset="0"/>
-                <a:ea typeface="Noteworthy Bold" charset="0"/>
-                <a:cs typeface="Noteworthy Bold" charset="0"/>
-                <a:sym typeface="Noteworthy Bold" charset="0"/>
-              </a:rPr>
-              <a:t>Soll-Ist1C Sonstige Kosten</a:t>
-            </a:r>
-          </a:p>
-          <a:p>
-            <a:r>
-              <a:rPr lang="de-DE" sz="2800" kern="1200" dirty="0" smtClean="0">
-                <a:solidFill>
-                  <a:srgbClr val="572E2D"/>
-                </a:solidFill>
-                <a:latin typeface="Noteworthy Bold" charset="0"/>
-                <a:ea typeface="Noteworthy Bold" charset="0"/>
-                <a:cs typeface="Noteworthy Bold" charset="0"/>
-                <a:sym typeface="Noteworthy Bold" charset="0"/>
-              </a:rPr>
-              <a:t>Soll-Ist2C Sonstige Kosten</a:t>
-            </a:r>
-          </a:p>
-          <a:p>
-            <a:r>
-              <a:rPr lang="de-DE" sz="2800" kern="1200" dirty="0" smtClean="0">
-                <a:solidFill>
-                  <a:srgbClr val="572E2D"/>
-                </a:solidFill>
-                <a:latin typeface="Noteworthy Bold" charset="0"/>
-                <a:ea typeface="Noteworthy Bold" charset="0"/>
-                <a:cs typeface="Noteworthy Bold" charset="0"/>
-                <a:sym typeface="Noteworthy Bold" charset="0"/>
-              </a:rPr>
+            <a:endParaRPr lang="de-DE" sz="2500" dirty="0"/>
+          </a:p>
+          <a:p>
+            <a:r>
+              <a:rPr lang="de-DE" sz="2500" dirty="0"/>
               <a:t>Soll-Ist1 Gesamtkosten</a:t>
             </a:r>
           </a:p>
           <a:p>
-            <a:r>
-              <a:rPr lang="de-DE" sz="2800" kern="1200" dirty="0" smtClean="0">
-                <a:solidFill>
-                  <a:srgbClr val="572E2D"/>
-                </a:solidFill>
-                <a:latin typeface="Noteworthy Bold" charset="0"/>
-                <a:ea typeface="Noteworthy Bold" charset="0"/>
-                <a:cs typeface="Noteworthy Bold" charset="0"/>
-                <a:sym typeface="Noteworthy Bold" charset="0"/>
-              </a:rPr>
+            <a:pPr defTabSz="481706">
+              <a:lnSpc>
+                <a:spcPts val="3688"/>
+              </a:lnSpc>
+              <a:defRPr/>
+            </a:pPr>
+            <a:r>
+              <a:rPr lang="de-DE" sz="2500" dirty="0"/>
               <a:t>Soll-Ist2 Gesamtkosten</a:t>
             </a:r>
           </a:p>
           <a:p>
-            <a:r>
-              <a:rPr lang="de-DE" sz="2800" kern="1200" dirty="0" smtClean="0">
-                <a:solidFill>
-                  <a:srgbClr val="572E2D"/>
-                </a:solidFill>
-                <a:latin typeface="Noteworthy Bold" charset="0"/>
-                <a:ea typeface="Noteworthy Bold" charset="0"/>
-                <a:cs typeface="Noteworthy Bold" charset="0"/>
-                <a:sym typeface="Noteworthy Bold" charset="0"/>
-              </a:rPr>
-              <a:t>Soll-Ist1C Gesamtkosten</a:t>
-            </a:r>
-          </a:p>
-          <a:p>
-            <a:r>
-              <a:rPr lang="de-DE" sz="2800" kern="1200" dirty="0" smtClean="0">
-                <a:solidFill>
-                  <a:srgbClr val="572E2D"/>
-                </a:solidFill>
-                <a:latin typeface="Noteworthy Bold" charset="0"/>
-                <a:ea typeface="Noteworthy Bold" charset="0"/>
-                <a:cs typeface="Noteworthy Bold" charset="0"/>
-                <a:sym typeface="Noteworthy Bold" charset="0"/>
-              </a:rPr>
-              <a:t>Soll-Ist2C Gesamtkosten</a:t>
-            </a:r>
-          </a:p>
-          <a:p>
-            <a:r>
-              <a:rPr lang="de-DE" sz="2800" kern="1200" dirty="0" smtClean="0">
-                <a:solidFill>
-                  <a:srgbClr val="572E2D"/>
-                </a:solidFill>
-                <a:latin typeface="Noteworthy Bold" charset="0"/>
-                <a:ea typeface="Noteworthy Bold" charset="0"/>
-                <a:cs typeface="Noteworthy Bold" charset="0"/>
-                <a:sym typeface="Noteworthy Bold" charset="0"/>
-              </a:rPr>
-              <a:t>Soll-Ist1 Rolle</a:t>
-            </a:r>
-          </a:p>
-          <a:p>
-            <a:r>
-              <a:rPr lang="de-DE" sz="2800" kern="1200" dirty="0" smtClean="0">
-                <a:solidFill>
-                  <a:srgbClr val="572E2D"/>
-                </a:solidFill>
-                <a:latin typeface="Noteworthy Bold" charset="0"/>
-                <a:ea typeface="Noteworthy Bold" charset="0"/>
-                <a:cs typeface="Noteworthy Bold" charset="0"/>
-                <a:sym typeface="Noteworthy Bold" charset="0"/>
-              </a:rPr>
-              <a:t>Soll-Ist2 Rolle</a:t>
-            </a:r>
-          </a:p>
-          <a:p>
-            <a:r>
-              <a:rPr lang="de-DE" sz="2800" kern="1200" dirty="0" smtClean="0">
-                <a:solidFill>
-                  <a:srgbClr val="572E2D"/>
-                </a:solidFill>
-                <a:latin typeface="Noteworthy Bold" charset="0"/>
-                <a:ea typeface="Noteworthy Bold" charset="0"/>
-                <a:cs typeface="Noteworthy Bold" charset="0"/>
-                <a:sym typeface="Noteworthy Bold" charset="0"/>
-              </a:rPr>
-              <a:t>Soll-Ist1C Rolle</a:t>
-            </a:r>
-          </a:p>
-          <a:p>
-            <a:r>
-              <a:rPr lang="de-DE" sz="2800" kern="1200" dirty="0" smtClean="0">
-                <a:solidFill>
-                  <a:srgbClr val="572E2D"/>
-                </a:solidFill>
-                <a:latin typeface="Noteworthy Bold" charset="0"/>
-                <a:ea typeface="Noteworthy Bold" charset="0"/>
-                <a:cs typeface="Noteworthy Bold" charset="0"/>
-                <a:sym typeface="Noteworthy Bold" charset="0"/>
-              </a:rPr>
-              <a:t>Soll-Ist2C Rolle</a:t>
-            </a:r>
-          </a:p>
-          <a:p>
-            <a:r>
-              <a:rPr lang="de-DE" sz="2800" kern="1200" dirty="0" smtClean="0">
-                <a:solidFill>
-                  <a:srgbClr val="572E2D"/>
-                </a:solidFill>
-                <a:latin typeface="Noteworthy Bold" charset="0"/>
-                <a:ea typeface="Noteworthy Bold" charset="0"/>
-                <a:cs typeface="Noteworthy Bold" charset="0"/>
-                <a:sym typeface="Noteworthy Bold" charset="0"/>
-              </a:rPr>
-              <a:t>Soll-Ist1 Kostenart</a:t>
-            </a:r>
-          </a:p>
-          <a:p>
-            <a:r>
-              <a:rPr lang="de-DE" sz="2800" kern="1200" dirty="0" smtClean="0">
-                <a:solidFill>
-                  <a:srgbClr val="572E2D"/>
-                </a:solidFill>
-                <a:latin typeface="Noteworthy Bold" charset="0"/>
-                <a:ea typeface="Noteworthy Bold" charset="0"/>
-                <a:cs typeface="Noteworthy Bold" charset="0"/>
-                <a:sym typeface="Noteworthy Bold" charset="0"/>
-              </a:rPr>
-              <a:t>Soll-Ist2 Kostenart</a:t>
-            </a:r>
-          </a:p>
-          <a:p>
-            <a:r>
-              <a:rPr lang="de-DE" sz="2800" kern="1200" dirty="0" smtClean="0">
-                <a:solidFill>
-                  <a:srgbClr val="572E2D"/>
-                </a:solidFill>
-                <a:latin typeface="Noteworthy Bold" charset="0"/>
-                <a:ea typeface="Noteworthy Bold" charset="0"/>
-                <a:cs typeface="Noteworthy Bold" charset="0"/>
-                <a:sym typeface="Noteworthy Bold" charset="0"/>
-              </a:rPr>
-              <a:t>Soll-Ist1C Kostenart</a:t>
-            </a:r>
-          </a:p>
-          <a:p>
-            <a:r>
-              <a:rPr lang="de-DE" sz="2800" kern="1200" dirty="0" smtClean="0">
-                <a:solidFill>
-                  <a:srgbClr val="572E2D"/>
-                </a:solidFill>
-                <a:latin typeface="Noteworthy Bold" charset="0"/>
-                <a:ea typeface="Noteworthy Bold" charset="0"/>
-                <a:cs typeface="Noteworthy Bold" charset="0"/>
-                <a:sym typeface="Noteworthy Bold" charset="0"/>
-              </a:rPr>
-              <a:t>Soll-Ist2C Kostenart</a:t>
-            </a:r>
-          </a:p>
-          <a:p>
-            <a:r>
-              <a:rPr lang="de-DE" sz="2800" kern="1200" dirty="0" smtClean="0">
-                <a:solidFill>
-                  <a:srgbClr val="572E2D"/>
-                </a:solidFill>
-                <a:latin typeface="Noteworthy Bold" charset="0"/>
-                <a:ea typeface="Noteworthy Bold" charset="0"/>
-                <a:cs typeface="Noteworthy Bold" charset="0"/>
-                <a:sym typeface="Noteworthy Bold" charset="0"/>
-              </a:rPr>
+            <a:endParaRPr lang="de-DE" sz="2500" dirty="0"/>
+          </a:p>
+          <a:p>
+            <a:r>
+              <a:rPr lang="de-DE" sz="2500" dirty="0"/>
+              <a:t>Soll-Ist1 Rolle (…)</a:t>
+            </a:r>
+          </a:p>
+          <a:p>
+            <a:pPr defTabSz="481706">
+              <a:lnSpc>
+                <a:spcPts val="3688"/>
+              </a:lnSpc>
+              <a:defRPr/>
+            </a:pPr>
+            <a:r>
+              <a:rPr lang="de-DE" sz="2500" dirty="0"/>
+              <a:t>Soll-Ist2 Rolle (…)</a:t>
+            </a:r>
+          </a:p>
+          <a:p>
+            <a:endParaRPr lang="de-DE" sz="2500" dirty="0"/>
+          </a:p>
+          <a:p>
+            <a:r>
+              <a:rPr lang="de-DE" sz="2500" dirty="0"/>
+              <a:t>Soll-Ist1 Kostenart (…)</a:t>
+            </a:r>
+          </a:p>
+          <a:p>
+            <a:pPr defTabSz="481706">
+              <a:lnSpc>
+                <a:spcPts val="3688"/>
+              </a:lnSpc>
+              <a:defRPr/>
+            </a:pPr>
+            <a:r>
+              <a:rPr lang="de-DE" sz="2500" dirty="0"/>
+              <a:t>Soll-Ist2 Kostenart (…)</a:t>
+            </a:r>
+          </a:p>
+          <a:p>
+            <a:endParaRPr lang="de-DE" sz="2500" dirty="0"/>
+          </a:p>
+          <a:p>
+            <a:r>
+              <a:rPr lang="de-DE" sz="2500" dirty="0"/>
               <a:t>Ampel-Farbe</a:t>
             </a:r>
           </a:p>
           <a:p>
             <a:r>
-              <a:rPr lang="de-DE" sz="2800" kern="1200" dirty="0" smtClean="0">
-                <a:solidFill>
-                  <a:srgbClr val="572E2D"/>
-                </a:solidFill>
-                <a:latin typeface="Noteworthy Bold" charset="0"/>
-                <a:ea typeface="Noteworthy Bold" charset="0"/>
-                <a:cs typeface="Noteworthy Bold" charset="0"/>
-                <a:sym typeface="Noteworthy Bold" charset="0"/>
-              </a:rPr>
+              <a:rPr lang="de-DE" sz="2500" dirty="0"/>
               <a:t>Beschreibung</a:t>
             </a:r>
           </a:p>
           <a:p>
             <a:r>
-              <a:rPr lang="de-DE" sz="2800" kern="1200" dirty="0" smtClean="0">
-                <a:solidFill>
-                  <a:srgbClr val="572E2D"/>
-                </a:solidFill>
-                <a:latin typeface="Noteworthy Bold" charset="0"/>
-                <a:ea typeface="Noteworthy Bold" charset="0"/>
-                <a:cs typeface="Noteworthy Bold" charset="0"/>
-                <a:sym typeface="Noteworthy Bold" charset="0"/>
-              </a:rPr>
+              <a:rPr lang="de-DE" sz="2500" dirty="0"/>
               <a:t>Stand:</a:t>
             </a:r>
           </a:p>
           <a:p>
             <a:r>
-              <a:rPr lang="de-DE" sz="2800" kern="1200" dirty="0" smtClean="0">
-                <a:solidFill>
-                  <a:srgbClr val="572E2D"/>
-                </a:solidFill>
-                <a:latin typeface="Noteworthy Bold" charset="0"/>
-                <a:ea typeface="Noteworthy Bold" charset="0"/>
-                <a:cs typeface="Noteworthy Bold" charset="0"/>
-                <a:sym typeface="Noteworthy Bold" charset="0"/>
-              </a:rPr>
+              <a:rPr lang="de-DE" sz="2500" dirty="0"/>
               <a:t>Laufzeit:</a:t>
             </a:r>
           </a:p>
           <a:p>
             <a:r>
-              <a:rPr lang="de-DE" sz="2800" kern="1200" dirty="0" smtClean="0">
-                <a:solidFill>
-                  <a:srgbClr val="572E2D"/>
-                </a:solidFill>
-                <a:latin typeface="Noteworthy Bold" charset="0"/>
-                <a:ea typeface="Noteworthy Bold" charset="0"/>
-                <a:cs typeface="Noteworthy Bold" charset="0"/>
-                <a:sym typeface="Noteworthy Bold" charset="0"/>
-              </a:rPr>
+              <a:rPr lang="de-DE" sz="2500" dirty="0"/>
               <a:t>Verantwortlich:</a:t>
             </a:r>
-          </a:p>
-          <a:p>
-            <a:endParaRPr lang="de-DE" sz="2800" kern="1200" dirty="0" smtClean="0">
-              <a:solidFill>
-                <a:srgbClr val="572E2D"/>
-              </a:solidFill>
-              <a:latin typeface="Noteworthy Bold" charset="0"/>
-              <a:ea typeface="Noteworthy Bold" charset="0"/>
-              <a:cs typeface="Noteworthy Bold" charset="0"/>
-              <a:sym typeface="Noteworthy Bold" charset="0"/>
-            </a:endParaRPr>
-          </a:p>
-          <a:p>
-            <a:r>
-              <a:rPr lang="de-DE" sz="2800" kern="1200" dirty="0" smtClean="0">
-                <a:solidFill>
-                  <a:srgbClr val="572E2D"/>
-                </a:solidFill>
-                <a:latin typeface="Noteworthy Bold" charset="0"/>
-                <a:ea typeface="Noteworthy Bold" charset="0"/>
-                <a:cs typeface="Noteworthy Bold" charset="0"/>
-                <a:sym typeface="Noteworthy Bold" charset="0"/>
-              </a:rPr>
-              <a:t>--------------------------------</a:t>
-            </a:r>
-          </a:p>
-          <a:p>
-            <a:endParaRPr lang="de-DE" sz="2800" kern="1200" dirty="0" smtClean="0">
-              <a:solidFill>
-                <a:srgbClr val="572E2D"/>
-              </a:solidFill>
-              <a:latin typeface="Noteworthy Bold" charset="0"/>
-              <a:ea typeface="Noteworthy Bold" charset="0"/>
-              <a:cs typeface="Noteworthy Bold" charset="0"/>
-              <a:sym typeface="Noteworthy Bold" charset="0"/>
-            </a:endParaRPr>
-          </a:p>
-          <a:p>
-            <a:r>
-              <a:rPr lang="de-DE" sz="2800" kern="1200" dirty="0" smtClean="0">
-                <a:solidFill>
-                  <a:srgbClr val="572E2D"/>
-                </a:solidFill>
-                <a:latin typeface="Noteworthy Bold" charset="0"/>
-                <a:ea typeface="Noteworthy Bold" charset="0"/>
-                <a:cs typeface="Noteworthy Bold" charset="0"/>
-                <a:sym typeface="Noteworthy Bold" charset="0"/>
-              </a:rPr>
-              <a:t>Phasen: </a:t>
-            </a:r>
-          </a:p>
-          <a:p>
-            <a:r>
-              <a:rPr lang="de-DE" sz="2400" b="0" i="0" u="none" strike="noStrike" kern="1200" dirty="0" smtClean="0">
-                <a:solidFill>
-                  <a:srgbClr val="572E2D"/>
-                </a:solidFill>
-                <a:effectLst/>
-                <a:latin typeface="Noteworthy Bold" charset="0"/>
-                <a:ea typeface="Noteworthy Bold" charset="0"/>
-                <a:cs typeface="Noteworthy Bold" charset="0"/>
-                <a:sym typeface="Noteworthy Bold" charset="0"/>
-              </a:rPr>
-              <a:t>Business Case</a:t>
-            </a:r>
-            <a:endParaRPr lang="de-DE" sz="2800" dirty="0" smtClean="0"/>
-          </a:p>
-          <a:p>
-            <a:r>
-              <a:rPr lang="de-DE" sz="2400" b="0" i="0" u="none" strike="noStrike" kern="1200" dirty="0" smtClean="0">
-                <a:solidFill>
-                  <a:srgbClr val="572E2D"/>
-                </a:solidFill>
-                <a:effectLst/>
-                <a:latin typeface="Noteworthy Bold" charset="0"/>
-                <a:ea typeface="Noteworthy Bold" charset="0"/>
-                <a:cs typeface="Noteworthy Bold" charset="0"/>
-                <a:sym typeface="Noteworthy Bold" charset="0"/>
-              </a:rPr>
-              <a:t>Konzept</a:t>
-            </a:r>
-            <a:endParaRPr lang="de-DE" sz="2800" dirty="0" smtClean="0"/>
-          </a:p>
-          <a:p>
-            <a:r>
-              <a:rPr lang="de-DE" sz="2400" b="0" i="0" u="none" strike="noStrike" kern="1200" dirty="0" smtClean="0">
-                <a:solidFill>
-                  <a:srgbClr val="572E2D"/>
-                </a:solidFill>
-                <a:effectLst/>
-                <a:latin typeface="Noteworthy Bold" charset="0"/>
-                <a:ea typeface="Noteworthy Bold" charset="0"/>
-                <a:cs typeface="Noteworthy Bold" charset="0"/>
-                <a:sym typeface="Noteworthy Bold" charset="0"/>
-              </a:rPr>
-              <a:t>Entwicklung</a:t>
-            </a:r>
-            <a:endParaRPr lang="de-DE" sz="2800" dirty="0" smtClean="0"/>
-          </a:p>
-          <a:p>
-            <a:r>
-              <a:rPr lang="de-DE" sz="2400" b="0" i="0" u="none" strike="noStrike" kern="1200" dirty="0" smtClean="0">
-                <a:solidFill>
-                  <a:srgbClr val="572E2D"/>
-                </a:solidFill>
-                <a:effectLst/>
-                <a:latin typeface="Noteworthy Bold" charset="0"/>
-                <a:ea typeface="Noteworthy Bold" charset="0"/>
-                <a:cs typeface="Noteworthy Bold" charset="0"/>
-                <a:sym typeface="Noteworthy Bold" charset="0"/>
-              </a:rPr>
-              <a:t>Prototyp</a:t>
-            </a:r>
-            <a:endParaRPr lang="de-DE" sz="2800" dirty="0" smtClean="0"/>
-          </a:p>
-          <a:p>
-            <a:r>
-              <a:rPr lang="de-DE" sz="2400" b="0" i="0" u="none" strike="noStrike" kern="1200" dirty="0" smtClean="0">
-                <a:solidFill>
-                  <a:srgbClr val="572E2D"/>
-                </a:solidFill>
-                <a:effectLst/>
-                <a:latin typeface="Noteworthy Bold" charset="0"/>
-                <a:ea typeface="Noteworthy Bold" charset="0"/>
-                <a:cs typeface="Noteworthy Bold" charset="0"/>
-                <a:sym typeface="Noteworthy Bold" charset="0"/>
-              </a:rPr>
-              <a:t>Test</a:t>
-            </a:r>
-            <a:endParaRPr lang="de-DE" sz="2800" dirty="0" smtClean="0"/>
-          </a:p>
-          <a:p>
-            <a:r>
-              <a:rPr lang="de-DE" sz="2400" b="0" i="0" u="none" strike="noStrike" kern="1200" dirty="0" smtClean="0">
-                <a:solidFill>
-                  <a:srgbClr val="572E2D"/>
-                </a:solidFill>
-                <a:effectLst/>
-                <a:latin typeface="Noteworthy Bold" charset="0"/>
-                <a:ea typeface="Noteworthy Bold" charset="0"/>
-                <a:cs typeface="Noteworthy Bold" charset="0"/>
-                <a:sym typeface="Noteworthy Bold" charset="0"/>
-              </a:rPr>
-              <a:t>Rollout</a:t>
-            </a:r>
-          </a:p>
-          <a:p>
-            <a:endParaRPr lang="de-DE" sz="2400" b="0" i="0" u="none" strike="noStrike" kern="1200" dirty="0" smtClean="0">
-              <a:solidFill>
-                <a:srgbClr val="572E2D"/>
-              </a:solidFill>
-              <a:effectLst/>
-              <a:latin typeface="Noteworthy Bold" charset="0"/>
-              <a:sym typeface="Noteworthy Bold" charset="0"/>
-            </a:endParaRPr>
-          </a:p>
-          <a:p>
-            <a:r>
-              <a:rPr lang="de-DE" sz="2400" b="0" i="0" u="none" strike="noStrike" kern="1200" dirty="0" smtClean="0">
-                <a:solidFill>
-                  <a:srgbClr val="572E2D"/>
-                </a:solidFill>
-                <a:effectLst/>
-                <a:latin typeface="Noteworthy Bold" charset="0"/>
-                <a:sym typeface="Noteworthy Bold" charset="0"/>
-              </a:rPr>
-              <a:t>Meilensteine: </a:t>
-            </a:r>
-          </a:p>
-          <a:p>
-            <a:r>
-              <a:rPr lang="de-DE" sz="2400" b="0" i="0" u="none" strike="noStrike" kern="1200" dirty="0" smtClean="0">
-                <a:solidFill>
-                  <a:srgbClr val="572E2D"/>
-                </a:solidFill>
-                <a:effectLst/>
-                <a:latin typeface="Noteworthy Bold" charset="0"/>
-                <a:ea typeface="Noteworthy Bold" charset="0"/>
-                <a:cs typeface="Noteworthy Bold" charset="0"/>
-                <a:sym typeface="Noteworthy Bold" charset="0"/>
-              </a:rPr>
-              <a:t>Projektskizze</a:t>
-            </a:r>
-          </a:p>
-          <a:p>
-            <a:r>
-              <a:rPr lang="de-DE" sz="2400" b="0" i="0" u="none" strike="noStrike" kern="1200" dirty="0" smtClean="0">
-                <a:solidFill>
-                  <a:srgbClr val="572E2D"/>
-                </a:solidFill>
-                <a:effectLst/>
-                <a:latin typeface="Noteworthy Bold" charset="0"/>
-                <a:ea typeface="Noteworthy Bold" charset="0"/>
-                <a:cs typeface="Noteworthy Bold" charset="0"/>
-                <a:sym typeface="Noteworthy Bold" charset="0"/>
-              </a:rPr>
-              <a:t>Kosten-/Nutzen Analyse</a:t>
-            </a:r>
-          </a:p>
-          <a:p>
-            <a:r>
-              <a:rPr lang="de-DE" sz="2400" b="0" i="0" u="none" strike="noStrike" kern="1200" dirty="0" smtClean="0">
-                <a:solidFill>
-                  <a:srgbClr val="572E2D"/>
-                </a:solidFill>
-                <a:effectLst/>
-                <a:latin typeface="Noteworthy Bold" charset="0"/>
-                <a:ea typeface="Noteworthy Bold" charset="0"/>
-                <a:cs typeface="Noteworthy Bold" charset="0"/>
-                <a:sym typeface="Noteworthy Bold" charset="0"/>
-              </a:rPr>
-              <a:t>Wettbewerbsanalyse</a:t>
-            </a:r>
-          </a:p>
-          <a:p>
-            <a:r>
-              <a:rPr lang="de-DE" sz="2400" b="0" i="0" u="none" strike="noStrike" kern="1200" dirty="0" smtClean="0">
-                <a:solidFill>
-                  <a:srgbClr val="572E2D"/>
-                </a:solidFill>
-                <a:effectLst/>
-                <a:latin typeface="Noteworthy Bold" charset="0"/>
-                <a:ea typeface="Noteworthy Bold" charset="0"/>
-                <a:cs typeface="Noteworthy Bold" charset="0"/>
-                <a:sym typeface="Noteworthy Bold" charset="0"/>
-              </a:rPr>
-              <a:t>Analyse Marktpotential</a:t>
-            </a:r>
-          </a:p>
-          <a:p>
-            <a:r>
-              <a:rPr lang="de-DE" sz="2400" b="0" i="0" u="none" strike="noStrike" kern="1200" dirty="0" smtClean="0">
-                <a:solidFill>
-                  <a:srgbClr val="572E2D"/>
-                </a:solidFill>
-                <a:effectLst/>
-                <a:latin typeface="Noteworthy Bold" charset="0"/>
-                <a:ea typeface="Noteworthy Bold" charset="0"/>
-                <a:cs typeface="Noteworthy Bold" charset="0"/>
-                <a:sym typeface="Noteworthy Bold" charset="0"/>
-              </a:rPr>
-              <a:t>Grob-Konzept</a:t>
-            </a:r>
-          </a:p>
-          <a:p>
-            <a:r>
-              <a:rPr lang="de-DE" sz="2400" b="0" i="0" u="none" strike="noStrike" kern="1200" dirty="0" smtClean="0">
-                <a:solidFill>
-                  <a:srgbClr val="572E2D"/>
-                </a:solidFill>
-                <a:effectLst/>
-                <a:latin typeface="Noteworthy Bold" charset="0"/>
-                <a:ea typeface="Noteworthy Bold" charset="0"/>
-                <a:cs typeface="Noteworthy Bold" charset="0"/>
-                <a:sym typeface="Noteworthy Bold" charset="0"/>
-              </a:rPr>
-              <a:t>Liste der erfolgskritischen Merkmale</a:t>
-            </a:r>
-          </a:p>
-          <a:p>
-            <a:r>
-              <a:rPr lang="de-DE" sz="2400" b="0" i="0" u="none" strike="noStrike" kern="1200" dirty="0" smtClean="0">
-                <a:solidFill>
-                  <a:srgbClr val="572E2D"/>
-                </a:solidFill>
-                <a:effectLst/>
-                <a:latin typeface="Noteworthy Bold" charset="0"/>
-                <a:ea typeface="Noteworthy Bold" charset="0"/>
-                <a:cs typeface="Noteworthy Bold" charset="0"/>
-                <a:sym typeface="Noteworthy Bold" charset="0"/>
-              </a:rPr>
-              <a:t>Anbieter Shortlist</a:t>
-            </a:r>
-          </a:p>
-          <a:p>
-            <a:r>
-              <a:rPr lang="de-DE" sz="2400" b="0" i="0" u="none" strike="noStrike" kern="1200" dirty="0" smtClean="0">
-                <a:solidFill>
-                  <a:srgbClr val="572E2D"/>
-                </a:solidFill>
-                <a:effectLst/>
-                <a:latin typeface="Noteworthy Bold" charset="0"/>
-                <a:ea typeface="Noteworthy Bold" charset="0"/>
-                <a:cs typeface="Noteworthy Bold" charset="0"/>
-                <a:sym typeface="Noteworthy Bold" charset="0"/>
-              </a:rPr>
-              <a:t>Benchmark Dokumentation</a:t>
-            </a:r>
-          </a:p>
-          <a:p>
-            <a:r>
-              <a:rPr lang="de-DE" sz="2400" b="0" i="0" u="none" strike="noStrike" kern="1200" dirty="0" smtClean="0">
-                <a:solidFill>
-                  <a:srgbClr val="572E2D"/>
-                </a:solidFill>
-                <a:effectLst/>
-                <a:latin typeface="Noteworthy Bold" charset="0"/>
-                <a:ea typeface="Noteworthy Bold" charset="0"/>
-                <a:cs typeface="Noteworthy Bold" charset="0"/>
-                <a:sym typeface="Noteworthy Bold" charset="0"/>
-              </a:rPr>
-              <a:t>Empfehlung Anbieter</a:t>
-            </a:r>
-          </a:p>
-          <a:p>
-            <a:r>
-              <a:rPr lang="de-DE" sz="2400" b="0" i="0" u="none" strike="noStrike" kern="1200" dirty="0" err="1" smtClean="0">
-                <a:solidFill>
-                  <a:srgbClr val="572E2D"/>
-                </a:solidFill>
-                <a:effectLst/>
-                <a:latin typeface="Noteworthy Bold" charset="0"/>
-                <a:ea typeface="Noteworthy Bold" charset="0"/>
-                <a:cs typeface="Noteworthy Bold" charset="0"/>
-                <a:sym typeface="Noteworthy Bold" charset="0"/>
-              </a:rPr>
-              <a:t>Use</a:t>
-            </a:r>
-            <a:r>
-              <a:rPr lang="de-DE" sz="2400" b="0" i="0" u="none" strike="noStrike" kern="1200" dirty="0" smtClean="0">
-                <a:solidFill>
-                  <a:srgbClr val="572E2D"/>
-                </a:solidFill>
-                <a:effectLst/>
-                <a:latin typeface="Noteworthy Bold" charset="0"/>
-                <a:ea typeface="Noteworthy Bold" charset="0"/>
-                <a:cs typeface="Noteworthy Bold" charset="0"/>
-                <a:sym typeface="Noteworthy Bold" charset="0"/>
-              </a:rPr>
-              <a:t> Cases</a:t>
-            </a:r>
-          </a:p>
-          <a:p>
-            <a:r>
-              <a:rPr lang="de-DE" sz="2400" b="0" i="0" u="none" strike="noStrike" kern="1200" dirty="0" smtClean="0">
-                <a:solidFill>
-                  <a:srgbClr val="572E2D"/>
-                </a:solidFill>
-                <a:effectLst/>
-                <a:latin typeface="Noteworthy Bold" charset="0"/>
-                <a:ea typeface="Noteworthy Bold" charset="0"/>
-                <a:cs typeface="Noteworthy Bold" charset="0"/>
-                <a:sym typeface="Noteworthy Bold" charset="0"/>
-              </a:rPr>
-              <a:t>Architektur Dokument</a:t>
-            </a:r>
-          </a:p>
-          <a:p>
-            <a:r>
-              <a:rPr lang="de-DE" sz="2400" b="0" i="0" u="none" strike="noStrike" kern="1200" dirty="0" smtClean="0">
-                <a:solidFill>
-                  <a:srgbClr val="572E2D"/>
-                </a:solidFill>
-                <a:effectLst/>
-                <a:latin typeface="Noteworthy Bold" charset="0"/>
-                <a:ea typeface="Noteworthy Bold" charset="0"/>
-                <a:cs typeface="Noteworthy Bold" charset="0"/>
-                <a:sym typeface="Noteworthy Bold" charset="0"/>
-              </a:rPr>
-              <a:t>Datenmodell</a:t>
-            </a:r>
-          </a:p>
-          <a:p>
-            <a:r>
-              <a:rPr lang="de-DE" sz="2400" b="0" i="0" u="none" strike="noStrike" kern="1200" dirty="0" smtClean="0">
-                <a:solidFill>
-                  <a:srgbClr val="572E2D"/>
-                </a:solidFill>
-                <a:effectLst/>
-                <a:latin typeface="Noteworthy Bold" charset="0"/>
-                <a:ea typeface="Noteworthy Bold" charset="0"/>
-                <a:cs typeface="Noteworthy Bold" charset="0"/>
-                <a:sym typeface="Noteworthy Bold" charset="0"/>
-              </a:rPr>
-              <a:t>Funktionsfähigkeit der erfolgskritischen Merkmale</a:t>
-            </a:r>
-          </a:p>
-          <a:p>
-            <a:r>
-              <a:rPr lang="de-DE" sz="2400" b="0" i="0" u="none" strike="noStrike" kern="1200" dirty="0" smtClean="0">
-                <a:solidFill>
-                  <a:srgbClr val="572E2D"/>
-                </a:solidFill>
-                <a:effectLst/>
-                <a:latin typeface="Noteworthy Bold" charset="0"/>
-                <a:ea typeface="Noteworthy Bold" charset="0"/>
-                <a:cs typeface="Noteworthy Bold" charset="0"/>
-                <a:sym typeface="Noteworthy Bold" charset="0"/>
-              </a:rPr>
-              <a:t>Testfall Dokumentation</a:t>
-            </a:r>
-          </a:p>
-          <a:p>
-            <a:r>
-              <a:rPr lang="de-DE" sz="2400" b="0" i="0" u="none" strike="noStrike" kern="1200" dirty="0" smtClean="0">
-                <a:solidFill>
-                  <a:srgbClr val="572E2D"/>
-                </a:solidFill>
-                <a:effectLst/>
-                <a:latin typeface="Noteworthy Bold" charset="0"/>
-                <a:ea typeface="Noteworthy Bold" charset="0"/>
-                <a:cs typeface="Noteworthy Bold" charset="0"/>
-                <a:sym typeface="Noteworthy Bold" charset="0"/>
-              </a:rPr>
-              <a:t>90% Muss-Testfälle erfolgreich</a:t>
-            </a:r>
-          </a:p>
-          <a:p>
-            <a:r>
-              <a:rPr lang="de-DE" sz="2400" b="0" i="0" u="none" strike="noStrike" kern="1200" dirty="0" smtClean="0">
-                <a:solidFill>
-                  <a:srgbClr val="572E2D"/>
-                </a:solidFill>
-                <a:effectLst/>
-                <a:latin typeface="Noteworthy Bold" charset="0"/>
-                <a:ea typeface="Noteworthy Bold" charset="0"/>
-                <a:cs typeface="Noteworthy Bold" charset="0"/>
-                <a:sym typeface="Noteworthy Bold" charset="0"/>
-              </a:rPr>
-              <a:t>Einführungsplan</a:t>
-            </a:r>
-            <a:r>
-              <a:rPr lang="de-DE" sz="3200" dirty="0" smtClean="0"/>
-              <a:t> </a:t>
-            </a:r>
-          </a:p>
-          <a:p>
-            <a:r>
-              <a:rPr lang="de-DE" sz="2400" b="0" i="0" u="none" strike="noStrike" kern="1200" dirty="0" smtClean="0">
-                <a:solidFill>
-                  <a:srgbClr val="572E2D"/>
-                </a:solidFill>
-                <a:effectLst/>
-                <a:latin typeface="Noteworthy Bold" charset="0"/>
-                <a:ea typeface="Noteworthy Bold" charset="0"/>
-                <a:cs typeface="Noteworthy Bold" charset="0"/>
-                <a:sym typeface="Noteworthy Bold" charset="0"/>
-              </a:rPr>
-              <a:t>70% Anwender-Abdeckung</a:t>
-            </a:r>
-            <a:r>
-              <a:rPr lang="de-DE" sz="3200" dirty="0" smtClean="0"/>
-              <a:t> </a:t>
-            </a:r>
-            <a:endParaRPr lang="de-DE" sz="2400" b="0" i="0" u="none" strike="noStrike" kern="1200" dirty="0" smtClean="0">
-              <a:solidFill>
-                <a:srgbClr val="572E2D"/>
-              </a:solidFill>
-              <a:effectLst/>
-              <a:latin typeface="Noteworthy Bold" charset="0"/>
-              <a:sym typeface="Noteworthy Bold" charset="0"/>
-            </a:endParaRPr>
-          </a:p>
-          <a:p>
-            <a:endParaRPr lang="de-DE" sz="2400" b="0" i="0" u="none" strike="noStrike" kern="1200" dirty="0" smtClean="0">
-              <a:solidFill>
-                <a:srgbClr val="572E2D"/>
-              </a:solidFill>
-              <a:effectLst/>
-              <a:latin typeface="Noteworthy Bold" charset="0"/>
-              <a:sym typeface="Noteworthy Bold" charset="0"/>
-            </a:endParaRPr>
-          </a:p>
-          <a:p>
-            <a:r>
-              <a:rPr lang="de-DE" sz="2400" b="0" i="0" u="none" strike="noStrike" kern="1200" dirty="0" smtClean="0">
-                <a:solidFill>
-                  <a:srgbClr val="572E2D"/>
-                </a:solidFill>
-                <a:effectLst/>
-                <a:latin typeface="Noteworthy Bold" charset="0"/>
-                <a:sym typeface="Noteworthy Bold" charset="0"/>
-              </a:rPr>
-              <a:t>Rollen: </a:t>
-            </a:r>
-          </a:p>
-          <a:p>
-            <a:r>
-              <a:rPr lang="de-DE" sz="2400" b="0" i="0" u="none" strike="noStrike" kern="1200" dirty="0" smtClean="0">
-                <a:solidFill>
-                  <a:srgbClr val="572E2D"/>
-                </a:solidFill>
-                <a:effectLst/>
-                <a:latin typeface="Noteworthy Bold" charset="0"/>
-                <a:ea typeface="Noteworthy Bold" charset="0"/>
-                <a:cs typeface="Noteworthy Bold" charset="0"/>
-                <a:sym typeface="Noteworthy Bold" charset="0"/>
-              </a:rPr>
-              <a:t>Projektleiter</a:t>
-            </a:r>
-            <a:endParaRPr lang="de-DE" sz="3200" dirty="0" smtClean="0"/>
-          </a:p>
-          <a:p>
-            <a:r>
-              <a:rPr lang="de-DE" sz="2400" b="0" i="0" u="none" strike="noStrike" kern="1200" dirty="0" smtClean="0">
-                <a:solidFill>
-                  <a:srgbClr val="572E2D"/>
-                </a:solidFill>
-                <a:effectLst/>
-                <a:latin typeface="Noteworthy Bold" charset="0"/>
-                <a:ea typeface="Noteworthy Bold" charset="0"/>
-                <a:cs typeface="Noteworthy Bold" charset="0"/>
-                <a:sym typeface="Noteworthy Bold" charset="0"/>
-              </a:rPr>
-              <a:t>GUI Spezialist</a:t>
-            </a:r>
-            <a:endParaRPr lang="de-DE" sz="3200" dirty="0" smtClean="0"/>
-          </a:p>
-          <a:p>
-            <a:r>
-              <a:rPr lang="de-DE" sz="2400" b="0" i="0" u="none" strike="noStrike" kern="1200" dirty="0" smtClean="0">
-                <a:solidFill>
-                  <a:srgbClr val="572E2D"/>
-                </a:solidFill>
-                <a:effectLst/>
-                <a:latin typeface="Noteworthy Bold" charset="0"/>
-                <a:ea typeface="Noteworthy Bold" charset="0"/>
-                <a:cs typeface="Noteworthy Bold" charset="0"/>
-                <a:sym typeface="Noteworthy Bold" charset="0"/>
-              </a:rPr>
-              <a:t>Analyst</a:t>
-            </a:r>
-            <a:r>
-              <a:rPr lang="de-DE" sz="3200" dirty="0" smtClean="0"/>
-              <a:t> </a:t>
-            </a:r>
-            <a:r>
-              <a:rPr lang="de-DE" sz="2400" b="0" i="0" u="none" strike="noStrike" kern="1200" dirty="0" smtClean="0">
-                <a:solidFill>
-                  <a:srgbClr val="572E2D"/>
-                </a:solidFill>
-                <a:effectLst/>
-                <a:latin typeface="Noteworthy Bold" charset="0"/>
-                <a:ea typeface="Noteworthy Bold" charset="0"/>
-                <a:cs typeface="Noteworthy Bold" charset="0"/>
-                <a:sym typeface="Noteworthy Bold" charset="0"/>
-              </a:rPr>
-              <a:t>Architekt</a:t>
-            </a:r>
-            <a:endParaRPr lang="de-DE" sz="3200" dirty="0" smtClean="0"/>
-          </a:p>
-          <a:p>
-            <a:r>
-              <a:rPr lang="de-DE" sz="2400" b="0" i="0" u="none" strike="noStrike" kern="1200" dirty="0" smtClean="0">
-                <a:solidFill>
-                  <a:srgbClr val="572E2D"/>
-                </a:solidFill>
-                <a:effectLst/>
-                <a:latin typeface="Noteworthy Bold" charset="0"/>
-                <a:ea typeface="Noteworthy Bold" charset="0"/>
-                <a:cs typeface="Noteworthy Bold" charset="0"/>
-                <a:sym typeface="Noteworthy Bold" charset="0"/>
-              </a:rPr>
-              <a:t>Entwickler</a:t>
-            </a:r>
-            <a:endParaRPr lang="de-DE" sz="3200" dirty="0" smtClean="0"/>
-          </a:p>
-          <a:p>
-            <a:r>
-              <a:rPr lang="de-DE" sz="2400" b="0" i="0" u="none" strike="noStrike" kern="1200" dirty="0" smtClean="0">
-                <a:solidFill>
-                  <a:srgbClr val="572E2D"/>
-                </a:solidFill>
-                <a:effectLst/>
-                <a:latin typeface="Noteworthy Bold" charset="0"/>
-                <a:ea typeface="Noteworthy Bold" charset="0"/>
-                <a:cs typeface="Noteworthy Bold" charset="0"/>
-                <a:sym typeface="Noteworthy Bold" charset="0"/>
-              </a:rPr>
-              <a:t>Tester</a:t>
-            </a:r>
-            <a:endParaRPr lang="de-DE" sz="2400" b="0" i="0" u="none" strike="noStrike" kern="1200" dirty="0" smtClean="0">
-              <a:solidFill>
-                <a:srgbClr val="572E2D"/>
-              </a:solidFill>
-              <a:effectLst/>
-              <a:latin typeface="Noteworthy Bold" charset="0"/>
-              <a:sym typeface="Noteworthy Bold" charset="0"/>
-            </a:endParaRPr>
-          </a:p>
-          <a:p>
-            <a:endParaRPr lang="de-DE" sz="2400" b="0" i="0" u="none" strike="noStrike" kern="1200" dirty="0" smtClean="0">
-              <a:solidFill>
-                <a:srgbClr val="572E2D"/>
-              </a:solidFill>
-              <a:effectLst/>
-              <a:latin typeface="Noteworthy Bold" charset="0"/>
-              <a:sym typeface="Noteworthy Bold" charset="0"/>
-            </a:endParaRPr>
-          </a:p>
-          <a:p>
-            <a:r>
-              <a:rPr lang="de-DE" sz="2400" b="0" i="0" u="none" strike="noStrike" kern="1200" dirty="0" smtClean="0">
-                <a:solidFill>
-                  <a:srgbClr val="572E2D"/>
-                </a:solidFill>
-                <a:effectLst/>
-                <a:latin typeface="Noteworthy Bold" charset="0"/>
-                <a:sym typeface="Noteworthy Bold" charset="0"/>
-              </a:rPr>
-              <a:t>Kostenarten: </a:t>
-            </a:r>
-          </a:p>
-          <a:p>
-            <a:r>
-              <a:rPr lang="de-DE" sz="2400" b="0" i="0" u="none" strike="noStrike" kern="1200" dirty="0" smtClean="0">
-                <a:solidFill>
-                  <a:srgbClr val="572E2D"/>
-                </a:solidFill>
-                <a:effectLst/>
-                <a:latin typeface="Noteworthy Bold" charset="0"/>
-                <a:ea typeface="Noteworthy Bold" charset="0"/>
-                <a:cs typeface="Noteworthy Bold" charset="0"/>
-                <a:sym typeface="Noteworthy Bold" charset="0"/>
-              </a:rPr>
-              <a:t>IT-Kosten</a:t>
-            </a:r>
-            <a:endParaRPr lang="de-DE" sz="3200" dirty="0" smtClean="0"/>
-          </a:p>
-          <a:p>
-            <a:r>
-              <a:rPr lang="de-DE" sz="2400" b="0" i="0" u="none" strike="noStrike" kern="1200" dirty="0" smtClean="0">
-                <a:solidFill>
-                  <a:srgbClr val="572E2D"/>
-                </a:solidFill>
-                <a:effectLst/>
-                <a:latin typeface="Noteworthy Bold" charset="0"/>
-                <a:ea typeface="Noteworthy Bold" charset="0"/>
-                <a:cs typeface="Noteworthy Bold" charset="0"/>
-                <a:sym typeface="Noteworthy Bold" charset="0"/>
-              </a:rPr>
-              <a:t>Reise-Kosten</a:t>
-            </a:r>
-          </a:p>
-          <a:p>
-            <a:r>
-              <a:rPr lang="de-DE" sz="2400" b="0" i="0" u="none" strike="noStrike" kern="1200" dirty="0" smtClean="0">
-                <a:solidFill>
-                  <a:srgbClr val="572E2D"/>
-                </a:solidFill>
-                <a:effectLst/>
-                <a:latin typeface="Noteworthy Bold" charset="0"/>
-                <a:ea typeface="Noteworthy Bold" charset="0"/>
-                <a:cs typeface="Noteworthy Bold" charset="0"/>
-                <a:sym typeface="Noteworthy Bold" charset="0"/>
-              </a:rPr>
-              <a:t>Trainings-Kosten</a:t>
-            </a:r>
-            <a:r>
-              <a:rPr lang="de-DE" sz="3200" dirty="0" smtClean="0"/>
-              <a:t> </a:t>
-            </a:r>
-            <a:endParaRPr lang="de-DE" sz="2400" b="0" i="0" u="none" strike="noStrike" kern="1200" dirty="0" smtClean="0">
-              <a:solidFill>
-                <a:srgbClr val="572E2D"/>
-              </a:solidFill>
-              <a:effectLst/>
-              <a:latin typeface="Noteworthy Bold" charset="0"/>
-              <a:sym typeface="Noteworthy Bold" charset="0"/>
-            </a:endParaRPr>
-          </a:p>
-          <a:p>
-            <a:r>
-              <a:rPr lang="de-DE" sz="2800" dirty="0" smtClean="0"/>
-              <a:t> </a:t>
-            </a:r>
-            <a:endParaRPr lang="de-DE" sz="2800" kern="1200" dirty="0" smtClean="0">
-              <a:solidFill>
-                <a:srgbClr val="572E2D"/>
-              </a:solidFill>
-              <a:latin typeface="Noteworthy Bold" charset="0"/>
-              <a:ea typeface="Noteworthy Bold" charset="0"/>
-              <a:cs typeface="Noteworthy Bold" charset="0"/>
-              <a:sym typeface="Noteworthy Bold" charset="0"/>
-            </a:endParaRPr>
+            <a:endParaRPr lang="de-DE" dirty="0"/>
           </a:p>
         </p:txBody>
       </p:sp>
@@ -3404,1378 +1088,220 @@
           <a:lstStyle/>
           <a:p>
             <a:r>
-              <a:rPr lang="de-DE" sz="2800" kern="1200" dirty="0" smtClean="0">
-                <a:solidFill>
-                  <a:srgbClr val="572E2D"/>
-                </a:solidFill>
-                <a:latin typeface="Noteworthy Bold" charset="0"/>
-                <a:ea typeface="Noteworthy Bold" charset="0"/>
-                <a:cs typeface="Noteworthy Bold" charset="0"/>
-                <a:sym typeface="Noteworthy Bold" charset="0"/>
-              </a:rPr>
+              <a:rPr lang="de-DE" sz="2500" dirty="0"/>
               <a:t>Projekt-Name</a:t>
             </a:r>
           </a:p>
           <a:p>
             <a:r>
-              <a:rPr lang="de-DE" sz="2800" kern="1200" dirty="0" smtClean="0">
-                <a:solidFill>
-                  <a:srgbClr val="572E2D"/>
-                </a:solidFill>
-                <a:latin typeface="Noteworthy Bold" charset="0"/>
-                <a:ea typeface="Noteworthy Bold" charset="0"/>
-                <a:cs typeface="Noteworthy Bold" charset="0"/>
-                <a:sym typeface="Noteworthy Bold" charset="0"/>
-              </a:rPr>
-              <a:t>Soll-Ist &amp; Prognose</a:t>
-            </a:r>
-          </a:p>
-          <a:p>
-            <a:r>
-              <a:rPr lang="de-DE" sz="2800" kern="1200" dirty="0" smtClean="0">
-                <a:solidFill>
-                  <a:srgbClr val="572E2D"/>
-                </a:solidFill>
-                <a:latin typeface="Noteworthy Bold" charset="0"/>
-                <a:ea typeface="Noteworthy Bold" charset="0"/>
-                <a:cs typeface="Noteworthy Bold" charset="0"/>
-                <a:sym typeface="Noteworthy Bold" charset="0"/>
-              </a:rPr>
-              <a:t>Projekt-Grafik</a:t>
-            </a:r>
-          </a:p>
-          <a:p>
-            <a:r>
-              <a:rPr lang="de-DE" sz="2800" kern="1200" dirty="0" smtClean="0">
-                <a:solidFill>
-                  <a:srgbClr val="572E2D"/>
-                </a:solidFill>
-                <a:latin typeface="Noteworthy Bold" charset="0"/>
-                <a:ea typeface="Noteworthy Bold" charset="0"/>
-                <a:cs typeface="Noteworthy Bold" charset="0"/>
-                <a:sym typeface="Noteworthy Bold" charset="0"/>
-              </a:rPr>
-              <a:t>Meilenstein Trendanalyse</a:t>
-            </a:r>
-          </a:p>
-          <a:p>
-            <a:r>
-              <a:rPr lang="de-DE" sz="2800" kern="1200" dirty="0" smtClean="0">
-                <a:solidFill>
-                  <a:srgbClr val="572E2D"/>
-                </a:solidFill>
-                <a:latin typeface="Noteworthy Bold" charset="0"/>
-                <a:ea typeface="Noteworthy Bold" charset="0"/>
-                <a:cs typeface="Noteworthy Bold" charset="0"/>
-                <a:sym typeface="Noteworthy Bold" charset="0"/>
-              </a:rPr>
-              <a:t>Vergleich mit Beauftragung</a:t>
-            </a:r>
-          </a:p>
-          <a:p>
-            <a:r>
-              <a:rPr lang="de-DE" sz="2800" kern="1200" dirty="0" smtClean="0">
-                <a:solidFill>
-                  <a:srgbClr val="572E2D"/>
-                </a:solidFill>
-                <a:latin typeface="Noteworthy Bold" charset="0"/>
-                <a:ea typeface="Noteworthy Bold" charset="0"/>
-                <a:cs typeface="Noteworthy Bold" charset="0"/>
-                <a:sym typeface="Noteworthy Bold" charset="0"/>
-              </a:rPr>
-              <a:t>Vergleich mit letztem Stand</a:t>
-            </a:r>
-          </a:p>
-          <a:p>
-            <a:r>
-              <a:rPr lang="de-DE" sz="2800" kern="1200" dirty="0" smtClean="0">
-                <a:solidFill>
-                  <a:srgbClr val="572E2D"/>
-                </a:solidFill>
-                <a:latin typeface="Noteworthy Bold" charset="0"/>
-                <a:ea typeface="Noteworthy Bold" charset="0"/>
-                <a:cs typeface="Noteworthy Bold" charset="0"/>
-                <a:sym typeface="Noteworthy Bold" charset="0"/>
-              </a:rPr>
-              <a:t>Vergleich mit Vorlage</a:t>
-            </a:r>
-          </a:p>
-          <a:p>
-            <a:r>
-              <a:rPr lang="de-DE" sz="2800" kern="1200" dirty="0" smtClean="0">
-                <a:solidFill>
-                  <a:srgbClr val="572E2D"/>
-                </a:solidFill>
-                <a:latin typeface="Noteworthy Bold" charset="0"/>
-                <a:ea typeface="Noteworthy Bold" charset="0"/>
-                <a:cs typeface="Noteworthy Bold" charset="0"/>
-                <a:sym typeface="Noteworthy Bold" charset="0"/>
-              </a:rPr>
-              <a:t>Tabelle Projektziele</a:t>
-            </a:r>
-          </a:p>
-          <a:p>
-            <a:r>
-              <a:rPr lang="de-DE" sz="2800" kern="1200" dirty="0" smtClean="0">
-                <a:solidFill>
-                  <a:srgbClr val="572E2D"/>
-                </a:solidFill>
-                <a:latin typeface="Noteworthy Bold" charset="0"/>
-                <a:ea typeface="Noteworthy Bold" charset="0"/>
-                <a:cs typeface="Noteworthy Bold" charset="0"/>
-                <a:sym typeface="Noteworthy Bold" charset="0"/>
-              </a:rPr>
-              <a:t>Tabelle Projektstatus</a:t>
-            </a:r>
-          </a:p>
-          <a:p>
-            <a:r>
-              <a:rPr lang="de-DE" sz="2800" kern="1200" dirty="0" smtClean="0">
-                <a:solidFill>
-                  <a:srgbClr val="572E2D"/>
-                </a:solidFill>
-                <a:latin typeface="Noteworthy Bold" charset="0"/>
-                <a:ea typeface="Noteworthy Bold" charset="0"/>
-                <a:cs typeface="Noteworthy Bold" charset="0"/>
-                <a:sym typeface="Noteworthy Bold" charset="0"/>
-              </a:rPr>
-              <a:t>Tabelle Veränderungen</a:t>
-            </a:r>
-          </a:p>
-          <a:p>
-            <a:r>
-              <a:rPr lang="de-DE" sz="2800" kern="1200" dirty="0" smtClean="0">
-                <a:solidFill>
-                  <a:srgbClr val="572E2D"/>
-                </a:solidFill>
-                <a:latin typeface="Noteworthy Bold" charset="0"/>
-                <a:ea typeface="Noteworthy Bold" charset="0"/>
-                <a:cs typeface="Noteworthy Bold" charset="0"/>
-                <a:sym typeface="Noteworthy Bold" charset="0"/>
-              </a:rPr>
-              <a:t>Tabelle Vergleich letzter Stand</a:t>
-            </a:r>
-          </a:p>
-          <a:p>
-            <a:r>
-              <a:rPr lang="de-DE" sz="2800" kern="1200" dirty="0" smtClean="0">
-                <a:solidFill>
-                  <a:srgbClr val="572E2D"/>
-                </a:solidFill>
-                <a:latin typeface="Noteworthy Bold" charset="0"/>
-                <a:ea typeface="Noteworthy Bold" charset="0"/>
-                <a:cs typeface="Noteworthy Bold" charset="0"/>
-                <a:sym typeface="Noteworthy Bold" charset="0"/>
-              </a:rPr>
-              <a:t>Tabelle Vergleich Beauftragung</a:t>
-            </a:r>
-          </a:p>
-          <a:p>
-            <a:r>
-              <a:rPr lang="de-DE" sz="2800" kern="1200" dirty="0" smtClean="0">
-                <a:solidFill>
-                  <a:srgbClr val="572E2D"/>
-                </a:solidFill>
-                <a:latin typeface="Noteworthy Bold" charset="0"/>
-                <a:ea typeface="Noteworthy Bold" charset="0"/>
-                <a:cs typeface="Noteworthy Bold" charset="0"/>
-                <a:sym typeface="Noteworthy Bold" charset="0"/>
-              </a:rPr>
+              <a:rPr lang="de-DE" sz="2500" dirty="0"/>
               <a:t>Ergebnis</a:t>
             </a:r>
           </a:p>
           <a:p>
             <a:r>
-              <a:rPr lang="de-DE" sz="2800" kern="1200" dirty="0" smtClean="0">
-                <a:solidFill>
-                  <a:srgbClr val="572E2D"/>
-                </a:solidFill>
-                <a:latin typeface="Noteworthy Bold" charset="0"/>
-                <a:ea typeface="Noteworthy Bold" charset="0"/>
-                <a:cs typeface="Noteworthy Bold" charset="0"/>
-                <a:sym typeface="Noteworthy Bold" charset="0"/>
-              </a:rPr>
+              <a:rPr lang="de-DE" sz="2500" dirty="0"/>
               <a:t>Strategie/Risiko</a:t>
             </a:r>
           </a:p>
           <a:p>
             <a:r>
-              <a:rPr lang="de-DE" sz="2800" kern="1200" dirty="0" smtClean="0">
-                <a:solidFill>
-                  <a:srgbClr val="572E2D"/>
-                </a:solidFill>
-                <a:latin typeface="Noteworthy Bold" charset="0"/>
-                <a:ea typeface="Noteworthy Bold" charset="0"/>
-                <a:cs typeface="Noteworthy Bold" charset="0"/>
-                <a:sym typeface="Noteworthy Bold" charset="0"/>
-              </a:rPr>
+              <a:rPr lang="de-DE" sz="2500" dirty="0"/>
               <a:t>Teilprojekte</a:t>
             </a:r>
           </a:p>
           <a:p>
             <a:r>
-              <a:rPr lang="de-DE" sz="2800" kern="1200" dirty="0" smtClean="0">
-                <a:solidFill>
-                  <a:srgbClr val="572E2D"/>
-                </a:solidFill>
-                <a:latin typeface="Noteworthy Bold" charset="0"/>
-                <a:ea typeface="Noteworthy Bold" charset="0"/>
-                <a:cs typeface="Noteworthy Bold" charset="0"/>
-                <a:sym typeface="Noteworthy Bold" charset="0"/>
-              </a:rPr>
+              <a:rPr lang="de-DE" sz="2500" dirty="0"/>
               <a:t>Personalbedarf</a:t>
             </a:r>
           </a:p>
           <a:p>
             <a:r>
-              <a:rPr lang="de-DE" sz="2800" kern="1200" dirty="0" smtClean="0">
-                <a:solidFill>
-                  <a:srgbClr val="572E2D"/>
-                </a:solidFill>
-                <a:latin typeface="Noteworthy Bold" charset="0"/>
-                <a:ea typeface="Noteworthy Bold" charset="0"/>
-                <a:cs typeface="Noteworthy Bold" charset="0"/>
-                <a:sym typeface="Noteworthy Bold" charset="0"/>
-              </a:rPr>
+              <a:rPr lang="de-DE" sz="2500" dirty="0"/>
               <a:t>Personalkosten</a:t>
             </a:r>
           </a:p>
           <a:p>
             <a:r>
-              <a:rPr lang="de-DE" sz="2800" kern="1200" dirty="0" smtClean="0">
-                <a:solidFill>
-                  <a:srgbClr val="572E2D"/>
-                </a:solidFill>
-                <a:latin typeface="Noteworthy Bold" charset="0"/>
-                <a:ea typeface="Noteworthy Bold" charset="0"/>
-                <a:cs typeface="Noteworthy Bold" charset="0"/>
-                <a:sym typeface="Noteworthy Bold" charset="0"/>
-              </a:rPr>
+              <a:rPr lang="de-DE" sz="2500" dirty="0"/>
               <a:t>Sonstige Kosten</a:t>
             </a:r>
           </a:p>
           <a:p>
             <a:r>
-              <a:rPr lang="de-DE" sz="2800" kern="1200" dirty="0" smtClean="0">
-                <a:solidFill>
-                  <a:srgbClr val="572E2D"/>
-                </a:solidFill>
-                <a:latin typeface="Noteworthy Bold" charset="0"/>
-                <a:ea typeface="Noteworthy Bold" charset="0"/>
-                <a:cs typeface="Noteworthy Bold" charset="0"/>
-                <a:sym typeface="Noteworthy Bold" charset="0"/>
-              </a:rPr>
+              <a:rPr lang="de-DE" sz="2500" dirty="0"/>
               <a:t>Gesamtkosten</a:t>
             </a:r>
           </a:p>
           <a:p>
             <a:r>
-              <a:rPr lang="de-DE" sz="2800" kern="1200" dirty="0" smtClean="0">
-                <a:solidFill>
-                  <a:srgbClr val="572E2D"/>
-                </a:solidFill>
-                <a:latin typeface="Noteworthy Bold" charset="0"/>
-                <a:ea typeface="Noteworthy Bold" charset="0"/>
-                <a:cs typeface="Noteworthy Bold" charset="0"/>
-                <a:sym typeface="Noteworthy Bold" charset="0"/>
-              </a:rPr>
-              <a:t>Trend Strategischer Fit/Risiko</a:t>
-            </a:r>
-          </a:p>
-          <a:p>
-            <a:r>
-              <a:rPr lang="de-DE" sz="2800" kern="1200" dirty="0" smtClean="0">
-                <a:solidFill>
-                  <a:srgbClr val="572E2D"/>
-                </a:solidFill>
-                <a:latin typeface="Noteworthy Bold" charset="0"/>
-                <a:ea typeface="Noteworthy Bold" charset="0"/>
-                <a:cs typeface="Noteworthy Bold" charset="0"/>
-                <a:sym typeface="Noteworthy Bold" charset="0"/>
-              </a:rPr>
-              <a:t>Trend Kennzahlen</a:t>
-            </a:r>
-          </a:p>
-          <a:p>
-            <a:r>
-              <a:rPr lang="de-DE" sz="2800" kern="1200" dirty="0" smtClean="0">
-                <a:solidFill>
-                  <a:srgbClr val="572E2D"/>
-                </a:solidFill>
-                <a:latin typeface="Noteworthy Bold" charset="0"/>
-                <a:ea typeface="Noteworthy Bold" charset="0"/>
-                <a:cs typeface="Noteworthy Bold" charset="0"/>
-                <a:sym typeface="Noteworthy Bold" charset="0"/>
-              </a:rPr>
+              <a:rPr lang="de-DE" sz="2500" dirty="0"/>
               <a:t>Fortschritt Personalkosten</a:t>
             </a:r>
           </a:p>
           <a:p>
             <a:r>
-              <a:rPr lang="de-DE" sz="2800" kern="1200" dirty="0" smtClean="0">
-                <a:solidFill>
-                  <a:srgbClr val="572E2D"/>
-                </a:solidFill>
-                <a:latin typeface="Noteworthy Bold" charset="0"/>
-                <a:ea typeface="Noteworthy Bold" charset="0"/>
-                <a:cs typeface="Noteworthy Bold" charset="0"/>
-                <a:sym typeface="Noteworthy Bold" charset="0"/>
-              </a:rPr>
+              <a:rPr lang="de-DE" sz="2500" dirty="0"/>
               <a:t>Fortschritt Sonstige Kosten</a:t>
             </a:r>
           </a:p>
           <a:p>
             <a:r>
-              <a:rPr lang="de-DE" sz="2800" kern="1200" dirty="0" smtClean="0">
-                <a:solidFill>
-                  <a:srgbClr val="572E2D"/>
-                </a:solidFill>
-                <a:latin typeface="Noteworthy Bold" charset="0"/>
-                <a:ea typeface="Noteworthy Bold" charset="0"/>
-                <a:cs typeface="Noteworthy Bold" charset="0"/>
-                <a:sym typeface="Noteworthy Bold" charset="0"/>
-              </a:rPr>
-              <a:t>Fortschritt Rolle(..)</a:t>
-            </a:r>
-          </a:p>
-          <a:p>
-            <a:r>
-              <a:rPr lang="de-DE" sz="2800" kern="1200" dirty="0" smtClean="0">
-                <a:solidFill>
-                  <a:srgbClr val="572E2D"/>
-                </a:solidFill>
-                <a:latin typeface="Noteworthy Bold" charset="0"/>
-                <a:ea typeface="Noteworthy Bold" charset="0"/>
-                <a:cs typeface="Noteworthy Bold" charset="0"/>
-                <a:sym typeface="Noteworthy Bold" charset="0"/>
-              </a:rPr>
-              <a:t>Fortschritt Kostenart(..)</a:t>
-            </a:r>
-          </a:p>
-          <a:p>
-            <a:r>
-              <a:rPr lang="de-DE" sz="2800" kern="1200" dirty="0" smtClean="0">
-                <a:solidFill>
-                  <a:srgbClr val="572E2D"/>
-                </a:solidFill>
-                <a:latin typeface="Noteworthy Bold" charset="0"/>
-                <a:ea typeface="Noteworthy Bold" charset="0"/>
-                <a:cs typeface="Noteworthy Bold" charset="0"/>
-                <a:sym typeface="Noteworthy Bold" charset="0"/>
-              </a:rPr>
+              <a:rPr lang="de-DE" sz="2500" dirty="0"/>
+              <a:t>Fortschritt Gesamtkosten</a:t>
+            </a:r>
+          </a:p>
+          <a:p>
+            <a:r>
+              <a:rPr lang="de-DE" sz="2500" dirty="0"/>
+              <a:t>Fortschritt Rolle(…)</a:t>
+            </a:r>
+          </a:p>
+          <a:p>
+            <a:r>
+              <a:rPr lang="de-DE" sz="2500" dirty="0"/>
+              <a:t>Fortschritt Kostenart(…)</a:t>
+            </a:r>
+          </a:p>
+          <a:p>
+            <a:endParaRPr lang="de-DE" sz="2500" dirty="0"/>
+          </a:p>
+          <a:p>
+            <a:r>
+              <a:rPr lang="de-DE" sz="2500" dirty="0"/>
               <a:t>Soll-Ist1 Personalkosten</a:t>
             </a:r>
           </a:p>
           <a:p>
-            <a:r>
-              <a:rPr lang="de-DE" sz="2800" kern="1200" dirty="0" smtClean="0">
-                <a:solidFill>
-                  <a:srgbClr val="572E2D"/>
-                </a:solidFill>
-                <a:latin typeface="Noteworthy Bold" charset="0"/>
-                <a:ea typeface="Noteworthy Bold" charset="0"/>
-                <a:cs typeface="Noteworthy Bold" charset="0"/>
-                <a:sym typeface="Noteworthy Bold" charset="0"/>
-              </a:rPr>
+            <a:pPr defTabSz="481706">
+              <a:lnSpc>
+                <a:spcPts val="3688"/>
+              </a:lnSpc>
+              <a:defRPr/>
+            </a:pPr>
+            <a:r>
+              <a:rPr lang="de-DE" sz="2500" dirty="0"/>
               <a:t>Soll-Ist2 Personalkosten</a:t>
             </a:r>
           </a:p>
           <a:p>
-            <a:r>
-              <a:rPr lang="de-DE" sz="2800" kern="1200" dirty="0" smtClean="0">
-                <a:solidFill>
-                  <a:srgbClr val="572E2D"/>
-                </a:solidFill>
-                <a:latin typeface="Noteworthy Bold" charset="0"/>
-                <a:ea typeface="Noteworthy Bold" charset="0"/>
-                <a:cs typeface="Noteworthy Bold" charset="0"/>
-                <a:sym typeface="Noteworthy Bold" charset="0"/>
-              </a:rPr>
-              <a:t>Soll-Ist1C Personalkosten</a:t>
-            </a:r>
-          </a:p>
-          <a:p>
-            <a:r>
-              <a:rPr lang="de-DE" sz="2800" kern="1200" dirty="0" smtClean="0">
-                <a:solidFill>
-                  <a:srgbClr val="572E2D"/>
-                </a:solidFill>
-                <a:latin typeface="Noteworthy Bold" charset="0"/>
-                <a:ea typeface="Noteworthy Bold" charset="0"/>
-                <a:cs typeface="Noteworthy Bold" charset="0"/>
-                <a:sym typeface="Noteworthy Bold" charset="0"/>
-              </a:rPr>
-              <a:t>Soll-Ist2C Personalkosten</a:t>
-            </a:r>
-          </a:p>
-          <a:p>
-            <a:r>
-              <a:rPr lang="de-DE" sz="2800" kern="1200" dirty="0" smtClean="0">
-                <a:solidFill>
-                  <a:srgbClr val="572E2D"/>
-                </a:solidFill>
-                <a:latin typeface="Noteworthy Bold" charset="0"/>
-                <a:ea typeface="Noteworthy Bold" charset="0"/>
-                <a:cs typeface="Noteworthy Bold" charset="0"/>
-                <a:sym typeface="Noteworthy Bold" charset="0"/>
-              </a:rPr>
+            <a:endParaRPr lang="de-DE" sz="2500" dirty="0"/>
+          </a:p>
+          <a:p>
+            <a:r>
+              <a:rPr lang="de-DE" sz="2500" dirty="0"/>
               <a:t>Soll-Ist1 Sonstige Kosten</a:t>
             </a:r>
           </a:p>
           <a:p>
-            <a:r>
-              <a:rPr lang="de-DE" sz="2800" kern="1200" dirty="0" smtClean="0">
-                <a:solidFill>
-                  <a:srgbClr val="572E2D"/>
-                </a:solidFill>
-                <a:latin typeface="Noteworthy Bold" charset="0"/>
-                <a:ea typeface="Noteworthy Bold" charset="0"/>
-                <a:cs typeface="Noteworthy Bold" charset="0"/>
-                <a:sym typeface="Noteworthy Bold" charset="0"/>
-              </a:rPr>
+            <a:pPr defTabSz="481706">
+              <a:lnSpc>
+                <a:spcPts val="3688"/>
+              </a:lnSpc>
+              <a:defRPr/>
+            </a:pPr>
+            <a:r>
+              <a:rPr lang="de-DE" sz="2500" dirty="0"/>
               <a:t>Soll-Ist2 Sonstige Kosten</a:t>
             </a:r>
           </a:p>
           <a:p>
-            <a:r>
-              <a:rPr lang="de-DE" sz="2800" kern="1200" dirty="0" smtClean="0">
-                <a:solidFill>
-                  <a:srgbClr val="572E2D"/>
-                </a:solidFill>
-                <a:latin typeface="Noteworthy Bold" charset="0"/>
-                <a:ea typeface="Noteworthy Bold" charset="0"/>
-                <a:cs typeface="Noteworthy Bold" charset="0"/>
-                <a:sym typeface="Noteworthy Bold" charset="0"/>
-              </a:rPr>
-              <a:t>Soll-Ist1C Sonstige Kosten</a:t>
-            </a:r>
-          </a:p>
-          <a:p>
-            <a:r>
-              <a:rPr lang="de-DE" sz="2800" kern="1200" dirty="0" smtClean="0">
-                <a:solidFill>
-                  <a:srgbClr val="572E2D"/>
-                </a:solidFill>
-                <a:latin typeface="Noteworthy Bold" charset="0"/>
-                <a:ea typeface="Noteworthy Bold" charset="0"/>
-                <a:cs typeface="Noteworthy Bold" charset="0"/>
-                <a:sym typeface="Noteworthy Bold" charset="0"/>
-              </a:rPr>
-              <a:t>Soll-Ist2C Sonstige Kosten</a:t>
-            </a:r>
-          </a:p>
-          <a:p>
-            <a:r>
-              <a:rPr lang="de-DE" sz="2800" kern="1200" dirty="0" smtClean="0">
-                <a:solidFill>
-                  <a:srgbClr val="572E2D"/>
-                </a:solidFill>
-                <a:latin typeface="Noteworthy Bold" charset="0"/>
-                <a:ea typeface="Noteworthy Bold" charset="0"/>
-                <a:cs typeface="Noteworthy Bold" charset="0"/>
-                <a:sym typeface="Noteworthy Bold" charset="0"/>
-              </a:rPr>
+            <a:endParaRPr lang="de-DE" sz="2500" dirty="0"/>
+          </a:p>
+          <a:p>
+            <a:r>
+              <a:rPr lang="de-DE" sz="2500" dirty="0"/>
               <a:t>Soll-Ist1 Gesamtkosten</a:t>
             </a:r>
           </a:p>
           <a:p>
-            <a:r>
-              <a:rPr lang="de-DE" sz="2800" kern="1200" dirty="0" smtClean="0">
-                <a:solidFill>
-                  <a:srgbClr val="572E2D"/>
-                </a:solidFill>
-                <a:latin typeface="Noteworthy Bold" charset="0"/>
-                <a:ea typeface="Noteworthy Bold" charset="0"/>
-                <a:cs typeface="Noteworthy Bold" charset="0"/>
-                <a:sym typeface="Noteworthy Bold" charset="0"/>
-              </a:rPr>
+            <a:pPr defTabSz="481706">
+              <a:lnSpc>
+                <a:spcPts val="3688"/>
+              </a:lnSpc>
+              <a:defRPr/>
+            </a:pPr>
+            <a:r>
+              <a:rPr lang="de-DE" sz="2500" dirty="0"/>
               <a:t>Soll-Ist2 Gesamtkosten</a:t>
             </a:r>
           </a:p>
           <a:p>
-            <a:r>
-              <a:rPr lang="de-DE" sz="2800" kern="1200" dirty="0" smtClean="0">
-                <a:solidFill>
-                  <a:srgbClr val="572E2D"/>
-                </a:solidFill>
-                <a:latin typeface="Noteworthy Bold" charset="0"/>
-                <a:ea typeface="Noteworthy Bold" charset="0"/>
-                <a:cs typeface="Noteworthy Bold" charset="0"/>
-                <a:sym typeface="Noteworthy Bold" charset="0"/>
-              </a:rPr>
-              <a:t>Soll-Ist1C Gesamtkosten</a:t>
-            </a:r>
-          </a:p>
-          <a:p>
-            <a:r>
-              <a:rPr lang="de-DE" sz="2800" kern="1200" dirty="0" smtClean="0">
-                <a:solidFill>
-                  <a:srgbClr val="572E2D"/>
-                </a:solidFill>
-                <a:latin typeface="Noteworthy Bold" charset="0"/>
-                <a:ea typeface="Noteworthy Bold" charset="0"/>
-                <a:cs typeface="Noteworthy Bold" charset="0"/>
-                <a:sym typeface="Noteworthy Bold" charset="0"/>
-              </a:rPr>
-              <a:t>Soll-Ist2C Gesamtkosten</a:t>
-            </a:r>
-          </a:p>
-          <a:p>
-            <a:r>
-              <a:rPr lang="de-DE" sz="2800" kern="1200" dirty="0" smtClean="0">
-                <a:solidFill>
-                  <a:srgbClr val="572E2D"/>
-                </a:solidFill>
-                <a:latin typeface="Noteworthy Bold" charset="0"/>
-                <a:ea typeface="Noteworthy Bold" charset="0"/>
-                <a:cs typeface="Noteworthy Bold" charset="0"/>
-                <a:sym typeface="Noteworthy Bold" charset="0"/>
-              </a:rPr>
-              <a:t>Soll-Ist1 Rolle</a:t>
-            </a:r>
-          </a:p>
-          <a:p>
-            <a:r>
-              <a:rPr lang="de-DE" sz="2800" kern="1200" dirty="0" smtClean="0">
-                <a:solidFill>
-                  <a:srgbClr val="572E2D"/>
-                </a:solidFill>
-                <a:latin typeface="Noteworthy Bold" charset="0"/>
-                <a:ea typeface="Noteworthy Bold" charset="0"/>
-                <a:cs typeface="Noteworthy Bold" charset="0"/>
-                <a:sym typeface="Noteworthy Bold" charset="0"/>
-              </a:rPr>
-              <a:t>Soll-Ist2 Rolle</a:t>
-            </a:r>
-          </a:p>
-          <a:p>
-            <a:r>
-              <a:rPr lang="de-DE" sz="2800" kern="1200" dirty="0" smtClean="0">
-                <a:solidFill>
-                  <a:srgbClr val="572E2D"/>
-                </a:solidFill>
-                <a:latin typeface="Noteworthy Bold" charset="0"/>
-                <a:ea typeface="Noteworthy Bold" charset="0"/>
-                <a:cs typeface="Noteworthy Bold" charset="0"/>
-                <a:sym typeface="Noteworthy Bold" charset="0"/>
-              </a:rPr>
-              <a:t>Soll-Ist1C Rolle</a:t>
-            </a:r>
-          </a:p>
-          <a:p>
-            <a:r>
-              <a:rPr lang="de-DE" sz="2800" kern="1200" dirty="0" smtClean="0">
-                <a:solidFill>
-                  <a:srgbClr val="572E2D"/>
-                </a:solidFill>
-                <a:latin typeface="Noteworthy Bold" charset="0"/>
-                <a:ea typeface="Noteworthy Bold" charset="0"/>
-                <a:cs typeface="Noteworthy Bold" charset="0"/>
-                <a:sym typeface="Noteworthy Bold" charset="0"/>
-              </a:rPr>
-              <a:t>Soll-Ist2C Rolle</a:t>
-            </a:r>
-          </a:p>
-          <a:p>
-            <a:r>
-              <a:rPr lang="de-DE" sz="2800" kern="1200" dirty="0" smtClean="0">
-                <a:solidFill>
-                  <a:srgbClr val="572E2D"/>
-                </a:solidFill>
-                <a:latin typeface="Noteworthy Bold" charset="0"/>
-                <a:ea typeface="Noteworthy Bold" charset="0"/>
-                <a:cs typeface="Noteworthy Bold" charset="0"/>
-                <a:sym typeface="Noteworthy Bold" charset="0"/>
-              </a:rPr>
-              <a:t>Soll-Ist1 Kostenart</a:t>
-            </a:r>
-          </a:p>
-          <a:p>
-            <a:r>
-              <a:rPr lang="de-DE" sz="2800" kern="1200" dirty="0" smtClean="0">
-                <a:solidFill>
-                  <a:srgbClr val="572E2D"/>
-                </a:solidFill>
-                <a:latin typeface="Noteworthy Bold" charset="0"/>
-                <a:ea typeface="Noteworthy Bold" charset="0"/>
-                <a:cs typeface="Noteworthy Bold" charset="0"/>
-                <a:sym typeface="Noteworthy Bold" charset="0"/>
-              </a:rPr>
-              <a:t>Soll-Ist2 Kostenart</a:t>
-            </a:r>
-          </a:p>
-          <a:p>
-            <a:r>
-              <a:rPr lang="de-DE" sz="2800" kern="1200" dirty="0" smtClean="0">
-                <a:solidFill>
-                  <a:srgbClr val="572E2D"/>
-                </a:solidFill>
-                <a:latin typeface="Noteworthy Bold" charset="0"/>
-                <a:ea typeface="Noteworthy Bold" charset="0"/>
-                <a:cs typeface="Noteworthy Bold" charset="0"/>
-                <a:sym typeface="Noteworthy Bold" charset="0"/>
-              </a:rPr>
-              <a:t>Soll-Ist1C Kostenart</a:t>
-            </a:r>
-          </a:p>
-          <a:p>
-            <a:r>
-              <a:rPr lang="de-DE" sz="2800" kern="1200" dirty="0" smtClean="0">
-                <a:solidFill>
-                  <a:srgbClr val="572E2D"/>
-                </a:solidFill>
-                <a:latin typeface="Noteworthy Bold" charset="0"/>
-                <a:ea typeface="Noteworthy Bold" charset="0"/>
-                <a:cs typeface="Noteworthy Bold" charset="0"/>
-                <a:sym typeface="Noteworthy Bold" charset="0"/>
-              </a:rPr>
-              <a:t>Soll-Ist2C Kostenart</a:t>
-            </a:r>
-          </a:p>
-          <a:p>
-            <a:r>
-              <a:rPr lang="de-DE" sz="2800" kern="1200" dirty="0" smtClean="0">
-                <a:solidFill>
-                  <a:srgbClr val="572E2D"/>
-                </a:solidFill>
-                <a:latin typeface="Noteworthy Bold" charset="0"/>
-                <a:ea typeface="Noteworthy Bold" charset="0"/>
-                <a:cs typeface="Noteworthy Bold" charset="0"/>
-                <a:sym typeface="Noteworthy Bold" charset="0"/>
-              </a:rPr>
+            <a:endParaRPr lang="de-DE" sz="2500" dirty="0"/>
+          </a:p>
+          <a:p>
+            <a:r>
+              <a:rPr lang="de-DE" sz="2500" dirty="0"/>
+              <a:t>Soll-Ist1 Rolle (…)</a:t>
+            </a:r>
+          </a:p>
+          <a:p>
+            <a:pPr defTabSz="481706">
+              <a:lnSpc>
+                <a:spcPts val="3688"/>
+              </a:lnSpc>
+              <a:defRPr/>
+            </a:pPr>
+            <a:r>
+              <a:rPr lang="de-DE" sz="2500" dirty="0"/>
+              <a:t>Soll-Ist2 Rolle (…)</a:t>
+            </a:r>
+          </a:p>
+          <a:p>
+            <a:endParaRPr lang="de-DE" sz="2500" dirty="0"/>
+          </a:p>
+          <a:p>
+            <a:r>
+              <a:rPr lang="de-DE" sz="2500" dirty="0"/>
+              <a:t>Soll-Ist1 Kostenart (…)</a:t>
+            </a:r>
+          </a:p>
+          <a:p>
+            <a:pPr defTabSz="481706">
+              <a:lnSpc>
+                <a:spcPts val="3688"/>
+              </a:lnSpc>
+              <a:defRPr/>
+            </a:pPr>
+            <a:r>
+              <a:rPr lang="de-DE" sz="2500" dirty="0"/>
+              <a:t>Soll-Ist2 Kostenart (…)</a:t>
+            </a:r>
+          </a:p>
+          <a:p>
+            <a:endParaRPr lang="de-DE" sz="2500" dirty="0"/>
+          </a:p>
+          <a:p>
+            <a:r>
+              <a:rPr lang="de-DE" sz="2500" dirty="0"/>
               <a:t>Ampel-Farbe</a:t>
             </a:r>
           </a:p>
           <a:p>
             <a:r>
-              <a:rPr lang="de-DE" sz="2800" kern="1200" dirty="0" smtClean="0">
-                <a:solidFill>
-                  <a:srgbClr val="572E2D"/>
-                </a:solidFill>
-                <a:latin typeface="Noteworthy Bold" charset="0"/>
-                <a:ea typeface="Noteworthy Bold" charset="0"/>
-                <a:cs typeface="Noteworthy Bold" charset="0"/>
-                <a:sym typeface="Noteworthy Bold" charset="0"/>
-              </a:rPr>
+              <a:rPr lang="de-DE" sz="2500" dirty="0"/>
               <a:t>Beschreibung</a:t>
             </a:r>
           </a:p>
           <a:p>
             <a:r>
-              <a:rPr lang="de-DE" sz="2800" kern="1200" dirty="0" smtClean="0">
-                <a:solidFill>
-                  <a:srgbClr val="572E2D"/>
-                </a:solidFill>
-                <a:latin typeface="Noteworthy Bold" charset="0"/>
-                <a:ea typeface="Noteworthy Bold" charset="0"/>
-                <a:cs typeface="Noteworthy Bold" charset="0"/>
-                <a:sym typeface="Noteworthy Bold" charset="0"/>
-              </a:rPr>
+              <a:rPr lang="de-DE" sz="2500" dirty="0"/>
               <a:t>Stand:</a:t>
             </a:r>
           </a:p>
           <a:p>
             <a:r>
-              <a:rPr lang="de-DE" sz="2800" kern="1200" dirty="0" smtClean="0">
-                <a:solidFill>
-                  <a:srgbClr val="572E2D"/>
-                </a:solidFill>
-                <a:latin typeface="Noteworthy Bold" charset="0"/>
-                <a:ea typeface="Noteworthy Bold" charset="0"/>
-                <a:cs typeface="Noteworthy Bold" charset="0"/>
-                <a:sym typeface="Noteworthy Bold" charset="0"/>
-              </a:rPr>
+              <a:rPr lang="de-DE" sz="2500" dirty="0"/>
               <a:t>Laufzeit:</a:t>
             </a:r>
           </a:p>
           <a:p>
             <a:r>
-              <a:rPr lang="de-DE" sz="2800" kern="1200" dirty="0" smtClean="0">
-                <a:solidFill>
-                  <a:srgbClr val="572E2D"/>
-                </a:solidFill>
-                <a:latin typeface="Noteworthy Bold" charset="0"/>
-                <a:ea typeface="Noteworthy Bold" charset="0"/>
-                <a:cs typeface="Noteworthy Bold" charset="0"/>
-                <a:sym typeface="Noteworthy Bold" charset="0"/>
-              </a:rPr>
+              <a:rPr lang="de-DE" sz="2500" dirty="0"/>
               <a:t>Verantwortlich:</a:t>
             </a:r>
-          </a:p>
-          <a:p>
-            <a:endParaRPr lang="de-DE" sz="2800" kern="1200" dirty="0" smtClean="0">
-              <a:solidFill>
-                <a:srgbClr val="572E2D"/>
-              </a:solidFill>
-              <a:latin typeface="Noteworthy Bold" charset="0"/>
-              <a:ea typeface="Noteworthy Bold" charset="0"/>
-              <a:cs typeface="Noteworthy Bold" charset="0"/>
-              <a:sym typeface="Noteworthy Bold" charset="0"/>
-            </a:endParaRPr>
-          </a:p>
-          <a:p>
-            <a:r>
-              <a:rPr lang="de-DE" sz="2800" kern="1200" dirty="0" smtClean="0">
-                <a:solidFill>
-                  <a:srgbClr val="572E2D"/>
-                </a:solidFill>
-                <a:latin typeface="Noteworthy Bold" charset="0"/>
-                <a:ea typeface="Noteworthy Bold" charset="0"/>
-                <a:cs typeface="Noteworthy Bold" charset="0"/>
-                <a:sym typeface="Noteworthy Bold" charset="0"/>
-              </a:rPr>
-              <a:t>--------------------------------</a:t>
-            </a:r>
-          </a:p>
-          <a:p>
-            <a:endParaRPr lang="de-DE" sz="2800" kern="1200" dirty="0" smtClean="0">
-              <a:solidFill>
-                <a:srgbClr val="572E2D"/>
-              </a:solidFill>
-              <a:latin typeface="Noteworthy Bold" charset="0"/>
-              <a:ea typeface="Noteworthy Bold" charset="0"/>
-              <a:cs typeface="Noteworthy Bold" charset="0"/>
-              <a:sym typeface="Noteworthy Bold" charset="0"/>
-            </a:endParaRPr>
-          </a:p>
-          <a:p>
-            <a:r>
-              <a:rPr lang="de-DE" sz="2800" kern="1200" dirty="0" smtClean="0">
-                <a:solidFill>
-                  <a:srgbClr val="572E2D"/>
-                </a:solidFill>
-                <a:latin typeface="Noteworthy Bold" charset="0"/>
-                <a:ea typeface="Noteworthy Bold" charset="0"/>
-                <a:cs typeface="Noteworthy Bold" charset="0"/>
-                <a:sym typeface="Noteworthy Bold" charset="0"/>
-              </a:rPr>
-              <a:t>Phasen: </a:t>
-            </a:r>
-          </a:p>
-          <a:p>
-            <a:r>
-              <a:rPr lang="de-DE" sz="2400" b="0" i="0" u="none" strike="noStrike" kern="1200" dirty="0" smtClean="0">
-                <a:solidFill>
-                  <a:srgbClr val="572E2D"/>
-                </a:solidFill>
-                <a:effectLst/>
-                <a:latin typeface="Noteworthy Bold" charset="0"/>
-                <a:ea typeface="Noteworthy Bold" charset="0"/>
-                <a:cs typeface="Noteworthy Bold" charset="0"/>
-                <a:sym typeface="Noteworthy Bold" charset="0"/>
-              </a:rPr>
-              <a:t>Business Case</a:t>
-            </a:r>
-            <a:endParaRPr lang="de-DE" sz="2800" dirty="0" smtClean="0"/>
-          </a:p>
-          <a:p>
-            <a:r>
-              <a:rPr lang="de-DE" sz="2400" b="0" i="0" u="none" strike="noStrike" kern="1200" dirty="0" smtClean="0">
-                <a:solidFill>
-                  <a:srgbClr val="572E2D"/>
-                </a:solidFill>
-                <a:effectLst/>
-                <a:latin typeface="Noteworthy Bold" charset="0"/>
-                <a:ea typeface="Noteworthy Bold" charset="0"/>
-                <a:cs typeface="Noteworthy Bold" charset="0"/>
-                <a:sym typeface="Noteworthy Bold" charset="0"/>
-              </a:rPr>
-              <a:t>Konzept</a:t>
-            </a:r>
-            <a:endParaRPr lang="de-DE" sz="2800" dirty="0" smtClean="0"/>
-          </a:p>
-          <a:p>
-            <a:r>
-              <a:rPr lang="de-DE" sz="2400" b="0" i="0" u="none" strike="noStrike" kern="1200" dirty="0" smtClean="0">
-                <a:solidFill>
-                  <a:srgbClr val="572E2D"/>
-                </a:solidFill>
-                <a:effectLst/>
-                <a:latin typeface="Noteworthy Bold" charset="0"/>
-                <a:ea typeface="Noteworthy Bold" charset="0"/>
-                <a:cs typeface="Noteworthy Bold" charset="0"/>
-                <a:sym typeface="Noteworthy Bold" charset="0"/>
-              </a:rPr>
-              <a:t>Entwicklung</a:t>
-            </a:r>
-            <a:endParaRPr lang="de-DE" sz="2800" dirty="0" smtClean="0"/>
-          </a:p>
-          <a:p>
-            <a:r>
-              <a:rPr lang="de-DE" sz="2400" b="0" i="0" u="none" strike="noStrike" kern="1200" dirty="0" smtClean="0">
-                <a:solidFill>
-                  <a:srgbClr val="572E2D"/>
-                </a:solidFill>
-                <a:effectLst/>
-                <a:latin typeface="Noteworthy Bold" charset="0"/>
-                <a:ea typeface="Noteworthy Bold" charset="0"/>
-                <a:cs typeface="Noteworthy Bold" charset="0"/>
-                <a:sym typeface="Noteworthy Bold" charset="0"/>
-              </a:rPr>
-              <a:t>Prototyp</a:t>
-            </a:r>
-            <a:endParaRPr lang="de-DE" sz="2800" dirty="0" smtClean="0"/>
-          </a:p>
-          <a:p>
-            <a:r>
-              <a:rPr lang="de-DE" sz="2400" b="0" i="0" u="none" strike="noStrike" kern="1200" dirty="0" smtClean="0">
-                <a:solidFill>
-                  <a:srgbClr val="572E2D"/>
-                </a:solidFill>
-                <a:effectLst/>
-                <a:latin typeface="Noteworthy Bold" charset="0"/>
-                <a:ea typeface="Noteworthy Bold" charset="0"/>
-                <a:cs typeface="Noteworthy Bold" charset="0"/>
-                <a:sym typeface="Noteworthy Bold" charset="0"/>
-              </a:rPr>
-              <a:t>Test</a:t>
-            </a:r>
-            <a:endParaRPr lang="de-DE" sz="2800" dirty="0" smtClean="0"/>
-          </a:p>
-          <a:p>
-            <a:r>
-              <a:rPr lang="de-DE" sz="2400" b="0" i="0" u="none" strike="noStrike" kern="1200" dirty="0" smtClean="0">
-                <a:solidFill>
-                  <a:srgbClr val="572E2D"/>
-                </a:solidFill>
-                <a:effectLst/>
-                <a:latin typeface="Noteworthy Bold" charset="0"/>
-                <a:ea typeface="Noteworthy Bold" charset="0"/>
-                <a:cs typeface="Noteworthy Bold" charset="0"/>
-                <a:sym typeface="Noteworthy Bold" charset="0"/>
-              </a:rPr>
-              <a:t>Rollout</a:t>
-            </a:r>
-          </a:p>
-          <a:p>
-            <a:endParaRPr lang="de-DE" sz="2400" b="0" i="0" u="none" strike="noStrike" kern="1200" dirty="0" smtClean="0">
-              <a:solidFill>
-                <a:srgbClr val="572E2D"/>
-              </a:solidFill>
-              <a:effectLst/>
-              <a:latin typeface="Noteworthy Bold" charset="0"/>
-              <a:sym typeface="Noteworthy Bold" charset="0"/>
-            </a:endParaRPr>
-          </a:p>
-          <a:p>
-            <a:r>
-              <a:rPr lang="de-DE" sz="2400" b="0" i="0" u="none" strike="noStrike" kern="1200" dirty="0" smtClean="0">
-                <a:solidFill>
-                  <a:srgbClr val="572E2D"/>
-                </a:solidFill>
-                <a:effectLst/>
-                <a:latin typeface="Noteworthy Bold" charset="0"/>
-                <a:sym typeface="Noteworthy Bold" charset="0"/>
-              </a:rPr>
-              <a:t>Meilensteine: </a:t>
-            </a:r>
-          </a:p>
-          <a:p>
-            <a:r>
-              <a:rPr lang="de-DE" sz="2400" b="0" i="0" u="none" strike="noStrike" kern="1200" dirty="0" smtClean="0">
-                <a:solidFill>
-                  <a:srgbClr val="572E2D"/>
-                </a:solidFill>
-                <a:effectLst/>
-                <a:latin typeface="Noteworthy Bold" charset="0"/>
-                <a:ea typeface="Noteworthy Bold" charset="0"/>
-                <a:cs typeface="Noteworthy Bold" charset="0"/>
-                <a:sym typeface="Noteworthy Bold" charset="0"/>
-              </a:rPr>
-              <a:t>Projektskizze</a:t>
-            </a:r>
-          </a:p>
-          <a:p>
-            <a:r>
-              <a:rPr lang="de-DE" sz="2400" b="0" i="0" u="none" strike="noStrike" kern="1200" dirty="0" smtClean="0">
-                <a:solidFill>
-                  <a:srgbClr val="572E2D"/>
-                </a:solidFill>
-                <a:effectLst/>
-                <a:latin typeface="Noteworthy Bold" charset="0"/>
-                <a:ea typeface="Noteworthy Bold" charset="0"/>
-                <a:cs typeface="Noteworthy Bold" charset="0"/>
-                <a:sym typeface="Noteworthy Bold" charset="0"/>
-              </a:rPr>
-              <a:t>Kosten-/Nutzen Analyse</a:t>
-            </a:r>
-          </a:p>
-          <a:p>
-            <a:r>
-              <a:rPr lang="de-DE" sz="2400" b="0" i="0" u="none" strike="noStrike" kern="1200" dirty="0" smtClean="0">
-                <a:solidFill>
-                  <a:srgbClr val="572E2D"/>
-                </a:solidFill>
-                <a:effectLst/>
-                <a:latin typeface="Noteworthy Bold" charset="0"/>
-                <a:ea typeface="Noteworthy Bold" charset="0"/>
-                <a:cs typeface="Noteworthy Bold" charset="0"/>
-                <a:sym typeface="Noteworthy Bold" charset="0"/>
-              </a:rPr>
-              <a:t>Wettbewerbsanalyse</a:t>
-            </a:r>
-          </a:p>
-          <a:p>
-            <a:r>
-              <a:rPr lang="de-DE" sz="2400" b="0" i="0" u="none" strike="noStrike" kern="1200" dirty="0" smtClean="0">
-                <a:solidFill>
-                  <a:srgbClr val="572E2D"/>
-                </a:solidFill>
-                <a:effectLst/>
-                <a:latin typeface="Noteworthy Bold" charset="0"/>
-                <a:ea typeface="Noteworthy Bold" charset="0"/>
-                <a:cs typeface="Noteworthy Bold" charset="0"/>
-                <a:sym typeface="Noteworthy Bold" charset="0"/>
-              </a:rPr>
-              <a:t>Analyse Marktpotential</a:t>
-            </a:r>
-          </a:p>
-          <a:p>
-            <a:r>
-              <a:rPr lang="de-DE" sz="2400" b="0" i="0" u="none" strike="noStrike" kern="1200" dirty="0" smtClean="0">
-                <a:solidFill>
-                  <a:srgbClr val="572E2D"/>
-                </a:solidFill>
-                <a:effectLst/>
-                <a:latin typeface="Noteworthy Bold" charset="0"/>
-                <a:ea typeface="Noteworthy Bold" charset="0"/>
-                <a:cs typeface="Noteworthy Bold" charset="0"/>
-                <a:sym typeface="Noteworthy Bold" charset="0"/>
-              </a:rPr>
-              <a:t>Grob-Konzept</a:t>
-            </a:r>
-          </a:p>
-          <a:p>
-            <a:r>
-              <a:rPr lang="de-DE" sz="2400" b="0" i="0" u="none" strike="noStrike" kern="1200" dirty="0" smtClean="0">
-                <a:solidFill>
-                  <a:srgbClr val="572E2D"/>
-                </a:solidFill>
-                <a:effectLst/>
-                <a:latin typeface="Noteworthy Bold" charset="0"/>
-                <a:ea typeface="Noteworthy Bold" charset="0"/>
-                <a:cs typeface="Noteworthy Bold" charset="0"/>
-                <a:sym typeface="Noteworthy Bold" charset="0"/>
-              </a:rPr>
-              <a:t>Liste der erfolgskritischen Merkmale</a:t>
-            </a:r>
-          </a:p>
-          <a:p>
-            <a:r>
-              <a:rPr lang="de-DE" sz="2400" b="0" i="0" u="none" strike="noStrike" kern="1200" dirty="0" smtClean="0">
-                <a:solidFill>
-                  <a:srgbClr val="572E2D"/>
-                </a:solidFill>
-                <a:effectLst/>
-                <a:latin typeface="Noteworthy Bold" charset="0"/>
-                <a:ea typeface="Noteworthy Bold" charset="0"/>
-                <a:cs typeface="Noteworthy Bold" charset="0"/>
-                <a:sym typeface="Noteworthy Bold" charset="0"/>
-              </a:rPr>
-              <a:t>Anbieter Shortlist</a:t>
-            </a:r>
-          </a:p>
-          <a:p>
-            <a:r>
-              <a:rPr lang="de-DE" sz="2400" b="0" i="0" u="none" strike="noStrike" kern="1200" dirty="0" smtClean="0">
-                <a:solidFill>
-                  <a:srgbClr val="572E2D"/>
-                </a:solidFill>
-                <a:effectLst/>
-                <a:latin typeface="Noteworthy Bold" charset="0"/>
-                <a:ea typeface="Noteworthy Bold" charset="0"/>
-                <a:cs typeface="Noteworthy Bold" charset="0"/>
-                <a:sym typeface="Noteworthy Bold" charset="0"/>
-              </a:rPr>
-              <a:t>Benchmark Dokumentation</a:t>
-            </a:r>
-          </a:p>
-          <a:p>
-            <a:r>
-              <a:rPr lang="de-DE" sz="2400" b="0" i="0" u="none" strike="noStrike" kern="1200" dirty="0" smtClean="0">
-                <a:solidFill>
-                  <a:srgbClr val="572E2D"/>
-                </a:solidFill>
-                <a:effectLst/>
-                <a:latin typeface="Noteworthy Bold" charset="0"/>
-                <a:ea typeface="Noteworthy Bold" charset="0"/>
-                <a:cs typeface="Noteworthy Bold" charset="0"/>
-                <a:sym typeface="Noteworthy Bold" charset="0"/>
-              </a:rPr>
-              <a:t>Empfehlung Anbieter</a:t>
-            </a:r>
-          </a:p>
-          <a:p>
-            <a:r>
-              <a:rPr lang="de-DE" sz="2400" b="0" i="0" u="none" strike="noStrike" kern="1200" dirty="0" err="1" smtClean="0">
-                <a:solidFill>
-                  <a:srgbClr val="572E2D"/>
-                </a:solidFill>
-                <a:effectLst/>
-                <a:latin typeface="Noteworthy Bold" charset="0"/>
-                <a:ea typeface="Noteworthy Bold" charset="0"/>
-                <a:cs typeface="Noteworthy Bold" charset="0"/>
-                <a:sym typeface="Noteworthy Bold" charset="0"/>
-              </a:rPr>
-              <a:t>Use</a:t>
-            </a:r>
-            <a:r>
-              <a:rPr lang="de-DE" sz="2400" b="0" i="0" u="none" strike="noStrike" kern="1200" dirty="0" smtClean="0">
-                <a:solidFill>
-                  <a:srgbClr val="572E2D"/>
-                </a:solidFill>
-                <a:effectLst/>
-                <a:latin typeface="Noteworthy Bold" charset="0"/>
-                <a:ea typeface="Noteworthy Bold" charset="0"/>
-                <a:cs typeface="Noteworthy Bold" charset="0"/>
-                <a:sym typeface="Noteworthy Bold" charset="0"/>
-              </a:rPr>
-              <a:t> Cases</a:t>
-            </a:r>
-          </a:p>
-          <a:p>
-            <a:r>
-              <a:rPr lang="de-DE" sz="2400" b="0" i="0" u="none" strike="noStrike" kern="1200" dirty="0" smtClean="0">
-                <a:solidFill>
-                  <a:srgbClr val="572E2D"/>
-                </a:solidFill>
-                <a:effectLst/>
-                <a:latin typeface="Noteworthy Bold" charset="0"/>
-                <a:ea typeface="Noteworthy Bold" charset="0"/>
-                <a:cs typeface="Noteworthy Bold" charset="0"/>
-                <a:sym typeface="Noteworthy Bold" charset="0"/>
-              </a:rPr>
-              <a:t>Architektur Dokument</a:t>
-            </a:r>
-          </a:p>
-          <a:p>
-            <a:r>
-              <a:rPr lang="de-DE" sz="2400" b="0" i="0" u="none" strike="noStrike" kern="1200" dirty="0" smtClean="0">
-                <a:solidFill>
-                  <a:srgbClr val="572E2D"/>
-                </a:solidFill>
-                <a:effectLst/>
-                <a:latin typeface="Noteworthy Bold" charset="0"/>
-                <a:ea typeface="Noteworthy Bold" charset="0"/>
-                <a:cs typeface="Noteworthy Bold" charset="0"/>
-                <a:sym typeface="Noteworthy Bold" charset="0"/>
-              </a:rPr>
-              <a:t>Datenmodell</a:t>
-            </a:r>
-          </a:p>
-          <a:p>
-            <a:r>
-              <a:rPr lang="de-DE" sz="2400" b="0" i="0" u="none" strike="noStrike" kern="1200" dirty="0" smtClean="0">
-                <a:solidFill>
-                  <a:srgbClr val="572E2D"/>
-                </a:solidFill>
-                <a:effectLst/>
-                <a:latin typeface="Noteworthy Bold" charset="0"/>
-                <a:ea typeface="Noteworthy Bold" charset="0"/>
-                <a:cs typeface="Noteworthy Bold" charset="0"/>
-                <a:sym typeface="Noteworthy Bold" charset="0"/>
-              </a:rPr>
-              <a:t>Funktionsfähigkeit der erfolgskritischen Merkmale</a:t>
-            </a:r>
-          </a:p>
-          <a:p>
-            <a:r>
-              <a:rPr lang="de-DE" sz="2400" b="0" i="0" u="none" strike="noStrike" kern="1200" dirty="0" smtClean="0">
-                <a:solidFill>
-                  <a:srgbClr val="572E2D"/>
-                </a:solidFill>
-                <a:effectLst/>
-                <a:latin typeface="Noteworthy Bold" charset="0"/>
-                <a:ea typeface="Noteworthy Bold" charset="0"/>
-                <a:cs typeface="Noteworthy Bold" charset="0"/>
-                <a:sym typeface="Noteworthy Bold" charset="0"/>
-              </a:rPr>
-              <a:t>Testfall Dokumentation</a:t>
-            </a:r>
-          </a:p>
-          <a:p>
-            <a:r>
-              <a:rPr lang="de-DE" sz="2400" b="0" i="0" u="none" strike="noStrike" kern="1200" dirty="0" smtClean="0">
-                <a:solidFill>
-                  <a:srgbClr val="572E2D"/>
-                </a:solidFill>
-                <a:effectLst/>
-                <a:latin typeface="Noteworthy Bold" charset="0"/>
-                <a:ea typeface="Noteworthy Bold" charset="0"/>
-                <a:cs typeface="Noteworthy Bold" charset="0"/>
-                <a:sym typeface="Noteworthy Bold" charset="0"/>
-              </a:rPr>
-              <a:t>90% Muss-Testfälle erfolgreich</a:t>
-            </a:r>
-          </a:p>
-          <a:p>
-            <a:r>
-              <a:rPr lang="de-DE" sz="2400" b="0" i="0" u="none" strike="noStrike" kern="1200" dirty="0" smtClean="0">
-                <a:solidFill>
-                  <a:srgbClr val="572E2D"/>
-                </a:solidFill>
-                <a:effectLst/>
-                <a:latin typeface="Noteworthy Bold" charset="0"/>
-                <a:ea typeface="Noteworthy Bold" charset="0"/>
-                <a:cs typeface="Noteworthy Bold" charset="0"/>
-                <a:sym typeface="Noteworthy Bold" charset="0"/>
-              </a:rPr>
-              <a:t>Einführungsplan</a:t>
-            </a:r>
-            <a:r>
-              <a:rPr lang="de-DE" sz="3200" dirty="0" smtClean="0"/>
-              <a:t> </a:t>
-            </a:r>
-          </a:p>
-          <a:p>
-            <a:r>
-              <a:rPr lang="de-DE" sz="2400" b="0" i="0" u="none" strike="noStrike" kern="1200" dirty="0" smtClean="0">
-                <a:solidFill>
-                  <a:srgbClr val="572E2D"/>
-                </a:solidFill>
-                <a:effectLst/>
-                <a:latin typeface="Noteworthy Bold" charset="0"/>
-                <a:ea typeface="Noteworthy Bold" charset="0"/>
-                <a:cs typeface="Noteworthy Bold" charset="0"/>
-                <a:sym typeface="Noteworthy Bold" charset="0"/>
-              </a:rPr>
-              <a:t>70% Anwender-Abdeckung</a:t>
-            </a:r>
-            <a:r>
-              <a:rPr lang="de-DE" sz="3200" dirty="0" smtClean="0"/>
-              <a:t> </a:t>
-            </a:r>
-            <a:endParaRPr lang="de-DE" sz="2400" b="0" i="0" u="none" strike="noStrike" kern="1200" dirty="0" smtClean="0">
-              <a:solidFill>
-                <a:srgbClr val="572E2D"/>
-              </a:solidFill>
-              <a:effectLst/>
-              <a:latin typeface="Noteworthy Bold" charset="0"/>
-              <a:sym typeface="Noteworthy Bold" charset="0"/>
-            </a:endParaRPr>
-          </a:p>
-          <a:p>
-            <a:endParaRPr lang="de-DE" sz="2400" b="0" i="0" u="none" strike="noStrike" kern="1200" dirty="0" smtClean="0">
-              <a:solidFill>
-                <a:srgbClr val="572E2D"/>
-              </a:solidFill>
-              <a:effectLst/>
-              <a:latin typeface="Noteworthy Bold" charset="0"/>
-              <a:sym typeface="Noteworthy Bold" charset="0"/>
-            </a:endParaRPr>
-          </a:p>
-          <a:p>
-            <a:r>
-              <a:rPr lang="de-DE" sz="2400" b="0" i="0" u="none" strike="noStrike" kern="1200" dirty="0" smtClean="0">
-                <a:solidFill>
-                  <a:srgbClr val="572E2D"/>
-                </a:solidFill>
-                <a:effectLst/>
-                <a:latin typeface="Noteworthy Bold" charset="0"/>
-                <a:sym typeface="Noteworthy Bold" charset="0"/>
-              </a:rPr>
-              <a:t>Rollen: </a:t>
-            </a:r>
-          </a:p>
-          <a:p>
-            <a:r>
-              <a:rPr lang="de-DE" sz="2400" b="0" i="0" u="none" strike="noStrike" kern="1200" dirty="0" smtClean="0">
-                <a:solidFill>
-                  <a:srgbClr val="572E2D"/>
-                </a:solidFill>
-                <a:effectLst/>
-                <a:latin typeface="Noteworthy Bold" charset="0"/>
-                <a:ea typeface="Noteworthy Bold" charset="0"/>
-                <a:cs typeface="Noteworthy Bold" charset="0"/>
-                <a:sym typeface="Noteworthy Bold" charset="0"/>
-              </a:rPr>
-              <a:t>Projektleiter</a:t>
-            </a:r>
-            <a:endParaRPr lang="de-DE" sz="3200" dirty="0" smtClean="0"/>
-          </a:p>
-          <a:p>
-            <a:r>
-              <a:rPr lang="de-DE" sz="2400" b="0" i="0" u="none" strike="noStrike" kern="1200" dirty="0" smtClean="0">
-                <a:solidFill>
-                  <a:srgbClr val="572E2D"/>
-                </a:solidFill>
-                <a:effectLst/>
-                <a:latin typeface="Noteworthy Bold" charset="0"/>
-                <a:ea typeface="Noteworthy Bold" charset="0"/>
-                <a:cs typeface="Noteworthy Bold" charset="0"/>
-                <a:sym typeface="Noteworthy Bold" charset="0"/>
-              </a:rPr>
-              <a:t>GUI Spezialist</a:t>
-            </a:r>
-            <a:endParaRPr lang="de-DE" sz="3200" dirty="0" smtClean="0"/>
-          </a:p>
-          <a:p>
-            <a:r>
-              <a:rPr lang="de-DE" sz="2400" b="0" i="0" u="none" strike="noStrike" kern="1200" dirty="0" smtClean="0">
-                <a:solidFill>
-                  <a:srgbClr val="572E2D"/>
-                </a:solidFill>
-                <a:effectLst/>
-                <a:latin typeface="Noteworthy Bold" charset="0"/>
-                <a:ea typeface="Noteworthy Bold" charset="0"/>
-                <a:cs typeface="Noteworthy Bold" charset="0"/>
-                <a:sym typeface="Noteworthy Bold" charset="0"/>
-              </a:rPr>
-              <a:t>Analyst</a:t>
-            </a:r>
-            <a:r>
-              <a:rPr lang="de-DE" sz="3200" dirty="0" smtClean="0"/>
-              <a:t> </a:t>
-            </a:r>
-            <a:r>
-              <a:rPr lang="de-DE" sz="2400" b="0" i="0" u="none" strike="noStrike" kern="1200" dirty="0" smtClean="0">
-                <a:solidFill>
-                  <a:srgbClr val="572E2D"/>
-                </a:solidFill>
-                <a:effectLst/>
-                <a:latin typeface="Noteworthy Bold" charset="0"/>
-                <a:ea typeface="Noteworthy Bold" charset="0"/>
-                <a:cs typeface="Noteworthy Bold" charset="0"/>
-                <a:sym typeface="Noteworthy Bold" charset="0"/>
-              </a:rPr>
-              <a:t>Architekt</a:t>
-            </a:r>
-            <a:endParaRPr lang="de-DE" sz="3200" dirty="0" smtClean="0"/>
-          </a:p>
-          <a:p>
-            <a:r>
-              <a:rPr lang="de-DE" sz="2400" b="0" i="0" u="none" strike="noStrike" kern="1200" dirty="0" smtClean="0">
-                <a:solidFill>
-                  <a:srgbClr val="572E2D"/>
-                </a:solidFill>
-                <a:effectLst/>
-                <a:latin typeface="Noteworthy Bold" charset="0"/>
-                <a:ea typeface="Noteworthy Bold" charset="0"/>
-                <a:cs typeface="Noteworthy Bold" charset="0"/>
-                <a:sym typeface="Noteworthy Bold" charset="0"/>
-              </a:rPr>
-              <a:t>Entwickler</a:t>
-            </a:r>
-            <a:endParaRPr lang="de-DE" sz="3200" dirty="0" smtClean="0"/>
-          </a:p>
-          <a:p>
-            <a:r>
-              <a:rPr lang="de-DE" sz="2400" b="0" i="0" u="none" strike="noStrike" kern="1200" dirty="0" smtClean="0">
-                <a:solidFill>
-                  <a:srgbClr val="572E2D"/>
-                </a:solidFill>
-                <a:effectLst/>
-                <a:latin typeface="Noteworthy Bold" charset="0"/>
-                <a:ea typeface="Noteworthy Bold" charset="0"/>
-                <a:cs typeface="Noteworthy Bold" charset="0"/>
-                <a:sym typeface="Noteworthy Bold" charset="0"/>
-              </a:rPr>
-              <a:t>Tester</a:t>
-            </a:r>
-            <a:endParaRPr lang="de-DE" sz="2400" b="0" i="0" u="none" strike="noStrike" kern="1200" dirty="0" smtClean="0">
-              <a:solidFill>
-                <a:srgbClr val="572E2D"/>
-              </a:solidFill>
-              <a:effectLst/>
-              <a:latin typeface="Noteworthy Bold" charset="0"/>
-              <a:sym typeface="Noteworthy Bold" charset="0"/>
-            </a:endParaRPr>
-          </a:p>
-          <a:p>
-            <a:endParaRPr lang="de-DE" sz="2400" b="0" i="0" u="none" strike="noStrike" kern="1200" dirty="0" smtClean="0">
-              <a:solidFill>
-                <a:srgbClr val="572E2D"/>
-              </a:solidFill>
-              <a:effectLst/>
-              <a:latin typeface="Noteworthy Bold" charset="0"/>
-              <a:sym typeface="Noteworthy Bold" charset="0"/>
-            </a:endParaRPr>
-          </a:p>
-          <a:p>
-            <a:r>
-              <a:rPr lang="de-DE" sz="2400" b="0" i="0" u="none" strike="noStrike" kern="1200" dirty="0" smtClean="0">
-                <a:solidFill>
-                  <a:srgbClr val="572E2D"/>
-                </a:solidFill>
-                <a:effectLst/>
-                <a:latin typeface="Noteworthy Bold" charset="0"/>
-                <a:sym typeface="Noteworthy Bold" charset="0"/>
-              </a:rPr>
-              <a:t>Kostenarten: </a:t>
-            </a:r>
-          </a:p>
-          <a:p>
-            <a:r>
-              <a:rPr lang="de-DE" sz="2400" b="0" i="0" u="none" strike="noStrike" kern="1200" dirty="0" smtClean="0">
-                <a:solidFill>
-                  <a:srgbClr val="572E2D"/>
-                </a:solidFill>
-                <a:effectLst/>
-                <a:latin typeface="Noteworthy Bold" charset="0"/>
-                <a:ea typeface="Noteworthy Bold" charset="0"/>
-                <a:cs typeface="Noteworthy Bold" charset="0"/>
-                <a:sym typeface="Noteworthy Bold" charset="0"/>
-              </a:rPr>
-              <a:t>IT-Kosten</a:t>
-            </a:r>
-            <a:endParaRPr lang="de-DE" sz="3200" dirty="0" smtClean="0"/>
-          </a:p>
-          <a:p>
-            <a:r>
-              <a:rPr lang="de-DE" sz="2400" b="0" i="0" u="none" strike="noStrike" kern="1200" dirty="0" smtClean="0">
-                <a:solidFill>
-                  <a:srgbClr val="572E2D"/>
-                </a:solidFill>
-                <a:effectLst/>
-                <a:latin typeface="Noteworthy Bold" charset="0"/>
-                <a:ea typeface="Noteworthy Bold" charset="0"/>
-                <a:cs typeface="Noteworthy Bold" charset="0"/>
-                <a:sym typeface="Noteworthy Bold" charset="0"/>
-              </a:rPr>
-              <a:t>Reise-Kosten</a:t>
-            </a:r>
-          </a:p>
-          <a:p>
-            <a:r>
-              <a:rPr lang="de-DE" sz="2400" b="0" i="0" u="none" strike="noStrike" kern="1200" dirty="0" smtClean="0">
-                <a:solidFill>
-                  <a:srgbClr val="572E2D"/>
-                </a:solidFill>
-                <a:effectLst/>
-                <a:latin typeface="Noteworthy Bold" charset="0"/>
-                <a:ea typeface="Noteworthy Bold" charset="0"/>
-                <a:cs typeface="Noteworthy Bold" charset="0"/>
-                <a:sym typeface="Noteworthy Bold" charset="0"/>
-              </a:rPr>
-              <a:t>Trainings-Kosten</a:t>
-            </a:r>
-            <a:r>
-              <a:rPr lang="de-DE" sz="3200" dirty="0" smtClean="0"/>
-              <a:t> </a:t>
-            </a:r>
-            <a:endParaRPr lang="de-DE" sz="2400" b="0" i="0" u="none" strike="noStrike" kern="1200" dirty="0" smtClean="0">
-              <a:solidFill>
-                <a:srgbClr val="572E2D"/>
-              </a:solidFill>
-              <a:effectLst/>
-              <a:latin typeface="Noteworthy Bold" charset="0"/>
-              <a:sym typeface="Noteworthy Bold" charset="0"/>
-            </a:endParaRPr>
-          </a:p>
-          <a:p>
-            <a:r>
-              <a:rPr lang="de-DE" sz="2800" dirty="0" smtClean="0"/>
-              <a:t> </a:t>
-            </a:r>
-            <a:endParaRPr lang="de-DE" sz="2800" kern="1200" dirty="0" smtClean="0">
-              <a:solidFill>
-                <a:srgbClr val="572E2D"/>
-              </a:solidFill>
-              <a:latin typeface="Noteworthy Bold" charset="0"/>
-              <a:ea typeface="Noteworthy Bold" charset="0"/>
-              <a:cs typeface="Noteworthy Bold" charset="0"/>
-              <a:sym typeface="Noteworthy Bold" charset="0"/>
-            </a:endParaRPr>
+            <a:endParaRPr lang="de-DE" dirty="0"/>
           </a:p>
         </p:txBody>
       </p:sp>
@@ -4837,1378 +1363,220 @@
           <a:lstStyle/>
           <a:p>
             <a:r>
-              <a:rPr lang="de-DE" sz="2800" kern="1200" dirty="0" smtClean="0">
-                <a:solidFill>
-                  <a:srgbClr val="572E2D"/>
-                </a:solidFill>
-                <a:latin typeface="Noteworthy Bold" charset="0"/>
-                <a:ea typeface="Noteworthy Bold" charset="0"/>
-                <a:cs typeface="Noteworthy Bold" charset="0"/>
-                <a:sym typeface="Noteworthy Bold" charset="0"/>
-              </a:rPr>
+              <a:rPr lang="de-DE" sz="2500" dirty="0"/>
               <a:t>Projekt-Name</a:t>
             </a:r>
           </a:p>
           <a:p>
             <a:r>
-              <a:rPr lang="de-DE" sz="2800" kern="1200" dirty="0" smtClean="0">
-                <a:solidFill>
-                  <a:srgbClr val="572E2D"/>
-                </a:solidFill>
-                <a:latin typeface="Noteworthy Bold" charset="0"/>
-                <a:ea typeface="Noteworthy Bold" charset="0"/>
-                <a:cs typeface="Noteworthy Bold" charset="0"/>
-                <a:sym typeface="Noteworthy Bold" charset="0"/>
-              </a:rPr>
-              <a:t>Soll-Ist &amp; Prognose</a:t>
-            </a:r>
-          </a:p>
-          <a:p>
-            <a:r>
-              <a:rPr lang="de-DE" sz="2800" kern="1200" dirty="0" smtClean="0">
-                <a:solidFill>
-                  <a:srgbClr val="572E2D"/>
-                </a:solidFill>
-                <a:latin typeface="Noteworthy Bold" charset="0"/>
-                <a:ea typeface="Noteworthy Bold" charset="0"/>
-                <a:cs typeface="Noteworthy Bold" charset="0"/>
-                <a:sym typeface="Noteworthy Bold" charset="0"/>
-              </a:rPr>
-              <a:t>Projekt-Grafik</a:t>
-            </a:r>
-          </a:p>
-          <a:p>
-            <a:r>
-              <a:rPr lang="de-DE" sz="2800" kern="1200" dirty="0" smtClean="0">
-                <a:solidFill>
-                  <a:srgbClr val="572E2D"/>
-                </a:solidFill>
-                <a:latin typeface="Noteworthy Bold" charset="0"/>
-                <a:ea typeface="Noteworthy Bold" charset="0"/>
-                <a:cs typeface="Noteworthy Bold" charset="0"/>
-                <a:sym typeface="Noteworthy Bold" charset="0"/>
-              </a:rPr>
-              <a:t>Meilenstein Trendanalyse</a:t>
-            </a:r>
-          </a:p>
-          <a:p>
-            <a:r>
-              <a:rPr lang="de-DE" sz="2800" kern="1200" dirty="0" smtClean="0">
-                <a:solidFill>
-                  <a:srgbClr val="572E2D"/>
-                </a:solidFill>
-                <a:latin typeface="Noteworthy Bold" charset="0"/>
-                <a:ea typeface="Noteworthy Bold" charset="0"/>
-                <a:cs typeface="Noteworthy Bold" charset="0"/>
-                <a:sym typeface="Noteworthy Bold" charset="0"/>
-              </a:rPr>
-              <a:t>Vergleich mit Beauftragung</a:t>
-            </a:r>
-          </a:p>
-          <a:p>
-            <a:r>
-              <a:rPr lang="de-DE" sz="2800" kern="1200" dirty="0" smtClean="0">
-                <a:solidFill>
-                  <a:srgbClr val="572E2D"/>
-                </a:solidFill>
-                <a:latin typeface="Noteworthy Bold" charset="0"/>
-                <a:ea typeface="Noteworthy Bold" charset="0"/>
-                <a:cs typeface="Noteworthy Bold" charset="0"/>
-                <a:sym typeface="Noteworthy Bold" charset="0"/>
-              </a:rPr>
-              <a:t>Vergleich mit letztem Stand</a:t>
-            </a:r>
-          </a:p>
-          <a:p>
-            <a:r>
-              <a:rPr lang="de-DE" sz="2800" kern="1200" dirty="0" smtClean="0">
-                <a:solidFill>
-                  <a:srgbClr val="572E2D"/>
-                </a:solidFill>
-                <a:latin typeface="Noteworthy Bold" charset="0"/>
-                <a:ea typeface="Noteworthy Bold" charset="0"/>
-                <a:cs typeface="Noteworthy Bold" charset="0"/>
-                <a:sym typeface="Noteworthy Bold" charset="0"/>
-              </a:rPr>
-              <a:t>Vergleich mit Vorlage</a:t>
-            </a:r>
-          </a:p>
-          <a:p>
-            <a:r>
-              <a:rPr lang="de-DE" sz="2800" kern="1200" dirty="0" smtClean="0">
-                <a:solidFill>
-                  <a:srgbClr val="572E2D"/>
-                </a:solidFill>
-                <a:latin typeface="Noteworthy Bold" charset="0"/>
-                <a:ea typeface="Noteworthy Bold" charset="0"/>
-                <a:cs typeface="Noteworthy Bold" charset="0"/>
-                <a:sym typeface="Noteworthy Bold" charset="0"/>
-              </a:rPr>
-              <a:t>Tabelle Projektziele</a:t>
-            </a:r>
-          </a:p>
-          <a:p>
-            <a:r>
-              <a:rPr lang="de-DE" sz="2800" kern="1200" dirty="0" smtClean="0">
-                <a:solidFill>
-                  <a:srgbClr val="572E2D"/>
-                </a:solidFill>
-                <a:latin typeface="Noteworthy Bold" charset="0"/>
-                <a:ea typeface="Noteworthy Bold" charset="0"/>
-                <a:cs typeface="Noteworthy Bold" charset="0"/>
-                <a:sym typeface="Noteworthy Bold" charset="0"/>
-              </a:rPr>
-              <a:t>Tabelle Projektstatus</a:t>
-            </a:r>
-          </a:p>
-          <a:p>
-            <a:r>
-              <a:rPr lang="de-DE" sz="2800" kern="1200" dirty="0" smtClean="0">
-                <a:solidFill>
-                  <a:srgbClr val="572E2D"/>
-                </a:solidFill>
-                <a:latin typeface="Noteworthy Bold" charset="0"/>
-                <a:ea typeface="Noteworthy Bold" charset="0"/>
-                <a:cs typeface="Noteworthy Bold" charset="0"/>
-                <a:sym typeface="Noteworthy Bold" charset="0"/>
-              </a:rPr>
-              <a:t>Tabelle Veränderungen</a:t>
-            </a:r>
-          </a:p>
-          <a:p>
-            <a:r>
-              <a:rPr lang="de-DE" sz="2800" kern="1200" dirty="0" smtClean="0">
-                <a:solidFill>
-                  <a:srgbClr val="572E2D"/>
-                </a:solidFill>
-                <a:latin typeface="Noteworthy Bold" charset="0"/>
-                <a:ea typeface="Noteworthy Bold" charset="0"/>
-                <a:cs typeface="Noteworthy Bold" charset="0"/>
-                <a:sym typeface="Noteworthy Bold" charset="0"/>
-              </a:rPr>
-              <a:t>Tabelle Vergleich letzter Stand</a:t>
-            </a:r>
-          </a:p>
-          <a:p>
-            <a:r>
-              <a:rPr lang="de-DE" sz="2800" kern="1200" dirty="0" smtClean="0">
-                <a:solidFill>
-                  <a:srgbClr val="572E2D"/>
-                </a:solidFill>
-                <a:latin typeface="Noteworthy Bold" charset="0"/>
-                <a:ea typeface="Noteworthy Bold" charset="0"/>
-                <a:cs typeface="Noteworthy Bold" charset="0"/>
-                <a:sym typeface="Noteworthy Bold" charset="0"/>
-              </a:rPr>
-              <a:t>Tabelle Vergleich Beauftragung</a:t>
-            </a:r>
-          </a:p>
-          <a:p>
-            <a:r>
-              <a:rPr lang="de-DE" sz="2800" kern="1200" dirty="0" smtClean="0">
-                <a:solidFill>
-                  <a:srgbClr val="572E2D"/>
-                </a:solidFill>
-                <a:latin typeface="Noteworthy Bold" charset="0"/>
-                <a:ea typeface="Noteworthy Bold" charset="0"/>
-                <a:cs typeface="Noteworthy Bold" charset="0"/>
-                <a:sym typeface="Noteworthy Bold" charset="0"/>
-              </a:rPr>
+              <a:rPr lang="de-DE" sz="2500" dirty="0"/>
               <a:t>Ergebnis</a:t>
             </a:r>
           </a:p>
           <a:p>
             <a:r>
-              <a:rPr lang="de-DE" sz="2800" kern="1200" dirty="0" smtClean="0">
-                <a:solidFill>
-                  <a:srgbClr val="572E2D"/>
-                </a:solidFill>
-                <a:latin typeface="Noteworthy Bold" charset="0"/>
-                <a:ea typeface="Noteworthy Bold" charset="0"/>
-                <a:cs typeface="Noteworthy Bold" charset="0"/>
-                <a:sym typeface="Noteworthy Bold" charset="0"/>
-              </a:rPr>
+              <a:rPr lang="de-DE" sz="2500" dirty="0"/>
               <a:t>Strategie/Risiko</a:t>
             </a:r>
           </a:p>
           <a:p>
             <a:r>
-              <a:rPr lang="de-DE" sz="2800" kern="1200" dirty="0" smtClean="0">
-                <a:solidFill>
-                  <a:srgbClr val="572E2D"/>
-                </a:solidFill>
-                <a:latin typeface="Noteworthy Bold" charset="0"/>
-                <a:ea typeface="Noteworthy Bold" charset="0"/>
-                <a:cs typeface="Noteworthy Bold" charset="0"/>
-                <a:sym typeface="Noteworthy Bold" charset="0"/>
-              </a:rPr>
+              <a:rPr lang="de-DE" sz="2500" dirty="0"/>
               <a:t>Teilprojekte</a:t>
             </a:r>
           </a:p>
           <a:p>
             <a:r>
-              <a:rPr lang="de-DE" sz="2800" kern="1200" dirty="0" smtClean="0">
-                <a:solidFill>
-                  <a:srgbClr val="572E2D"/>
-                </a:solidFill>
-                <a:latin typeface="Noteworthy Bold" charset="0"/>
-                <a:ea typeface="Noteworthy Bold" charset="0"/>
-                <a:cs typeface="Noteworthy Bold" charset="0"/>
-                <a:sym typeface="Noteworthy Bold" charset="0"/>
-              </a:rPr>
+              <a:rPr lang="de-DE" sz="2500" dirty="0"/>
               <a:t>Personalbedarf</a:t>
             </a:r>
           </a:p>
           <a:p>
             <a:r>
-              <a:rPr lang="de-DE" sz="2800" kern="1200" dirty="0" smtClean="0">
-                <a:solidFill>
-                  <a:srgbClr val="572E2D"/>
-                </a:solidFill>
-                <a:latin typeface="Noteworthy Bold" charset="0"/>
-                <a:ea typeface="Noteworthy Bold" charset="0"/>
-                <a:cs typeface="Noteworthy Bold" charset="0"/>
-                <a:sym typeface="Noteworthy Bold" charset="0"/>
-              </a:rPr>
+              <a:rPr lang="de-DE" sz="2500" dirty="0"/>
               <a:t>Personalkosten</a:t>
             </a:r>
           </a:p>
           <a:p>
             <a:r>
-              <a:rPr lang="de-DE" sz="2800" kern="1200" dirty="0" smtClean="0">
-                <a:solidFill>
-                  <a:srgbClr val="572E2D"/>
-                </a:solidFill>
-                <a:latin typeface="Noteworthy Bold" charset="0"/>
-                <a:ea typeface="Noteworthy Bold" charset="0"/>
-                <a:cs typeface="Noteworthy Bold" charset="0"/>
-                <a:sym typeface="Noteworthy Bold" charset="0"/>
-              </a:rPr>
+              <a:rPr lang="de-DE" sz="2500" dirty="0"/>
               <a:t>Sonstige Kosten</a:t>
             </a:r>
           </a:p>
           <a:p>
             <a:r>
-              <a:rPr lang="de-DE" sz="2800" kern="1200" dirty="0" smtClean="0">
-                <a:solidFill>
-                  <a:srgbClr val="572E2D"/>
-                </a:solidFill>
-                <a:latin typeface="Noteworthy Bold" charset="0"/>
-                <a:ea typeface="Noteworthy Bold" charset="0"/>
-                <a:cs typeface="Noteworthy Bold" charset="0"/>
-                <a:sym typeface="Noteworthy Bold" charset="0"/>
-              </a:rPr>
+              <a:rPr lang="de-DE" sz="2500" dirty="0"/>
               <a:t>Gesamtkosten</a:t>
             </a:r>
           </a:p>
           <a:p>
             <a:r>
-              <a:rPr lang="de-DE" sz="2800" kern="1200" dirty="0" smtClean="0">
-                <a:solidFill>
-                  <a:srgbClr val="572E2D"/>
-                </a:solidFill>
-                <a:latin typeface="Noteworthy Bold" charset="0"/>
-                <a:ea typeface="Noteworthy Bold" charset="0"/>
-                <a:cs typeface="Noteworthy Bold" charset="0"/>
-                <a:sym typeface="Noteworthy Bold" charset="0"/>
-              </a:rPr>
-              <a:t>Trend Strategischer Fit/Risiko</a:t>
-            </a:r>
-          </a:p>
-          <a:p>
-            <a:r>
-              <a:rPr lang="de-DE" sz="2800" kern="1200" dirty="0" smtClean="0">
-                <a:solidFill>
-                  <a:srgbClr val="572E2D"/>
-                </a:solidFill>
-                <a:latin typeface="Noteworthy Bold" charset="0"/>
-                <a:ea typeface="Noteworthy Bold" charset="0"/>
-                <a:cs typeface="Noteworthy Bold" charset="0"/>
-                <a:sym typeface="Noteworthy Bold" charset="0"/>
-              </a:rPr>
-              <a:t>Trend Kennzahlen</a:t>
-            </a:r>
-          </a:p>
-          <a:p>
-            <a:r>
-              <a:rPr lang="de-DE" sz="2800" kern="1200" dirty="0" smtClean="0">
-                <a:solidFill>
-                  <a:srgbClr val="572E2D"/>
-                </a:solidFill>
-                <a:latin typeface="Noteworthy Bold" charset="0"/>
-                <a:ea typeface="Noteworthy Bold" charset="0"/>
-                <a:cs typeface="Noteworthy Bold" charset="0"/>
-                <a:sym typeface="Noteworthy Bold" charset="0"/>
-              </a:rPr>
+              <a:rPr lang="de-DE" sz="2500" dirty="0"/>
               <a:t>Fortschritt Personalkosten</a:t>
             </a:r>
           </a:p>
           <a:p>
             <a:r>
-              <a:rPr lang="de-DE" sz="2800" kern="1200" dirty="0" smtClean="0">
-                <a:solidFill>
-                  <a:srgbClr val="572E2D"/>
-                </a:solidFill>
-                <a:latin typeface="Noteworthy Bold" charset="0"/>
-                <a:ea typeface="Noteworthy Bold" charset="0"/>
-                <a:cs typeface="Noteworthy Bold" charset="0"/>
-                <a:sym typeface="Noteworthy Bold" charset="0"/>
-              </a:rPr>
+              <a:rPr lang="de-DE" sz="2500" dirty="0"/>
               <a:t>Fortschritt Sonstige Kosten</a:t>
             </a:r>
           </a:p>
           <a:p>
             <a:r>
-              <a:rPr lang="de-DE" sz="2800" kern="1200" dirty="0" smtClean="0">
-                <a:solidFill>
-                  <a:srgbClr val="572E2D"/>
-                </a:solidFill>
-                <a:latin typeface="Noteworthy Bold" charset="0"/>
-                <a:ea typeface="Noteworthy Bold" charset="0"/>
-                <a:cs typeface="Noteworthy Bold" charset="0"/>
-                <a:sym typeface="Noteworthy Bold" charset="0"/>
-              </a:rPr>
-              <a:t>Fortschritt Rolle(..)</a:t>
-            </a:r>
-          </a:p>
-          <a:p>
-            <a:r>
-              <a:rPr lang="de-DE" sz="2800" kern="1200" dirty="0" smtClean="0">
-                <a:solidFill>
-                  <a:srgbClr val="572E2D"/>
-                </a:solidFill>
-                <a:latin typeface="Noteworthy Bold" charset="0"/>
-                <a:ea typeface="Noteworthy Bold" charset="0"/>
-                <a:cs typeface="Noteworthy Bold" charset="0"/>
-                <a:sym typeface="Noteworthy Bold" charset="0"/>
-              </a:rPr>
-              <a:t>Fortschritt Kostenart(..)</a:t>
-            </a:r>
-          </a:p>
-          <a:p>
-            <a:r>
-              <a:rPr lang="de-DE" sz="2800" kern="1200" dirty="0" smtClean="0">
-                <a:solidFill>
-                  <a:srgbClr val="572E2D"/>
-                </a:solidFill>
-                <a:latin typeface="Noteworthy Bold" charset="0"/>
-                <a:ea typeface="Noteworthy Bold" charset="0"/>
-                <a:cs typeface="Noteworthy Bold" charset="0"/>
-                <a:sym typeface="Noteworthy Bold" charset="0"/>
-              </a:rPr>
+              <a:rPr lang="de-DE" sz="2500" dirty="0"/>
+              <a:t>Fortschritt Gesamtkosten</a:t>
+            </a:r>
+          </a:p>
+          <a:p>
+            <a:r>
+              <a:rPr lang="de-DE" sz="2500" dirty="0"/>
+              <a:t>Fortschritt Rolle(…)</a:t>
+            </a:r>
+          </a:p>
+          <a:p>
+            <a:r>
+              <a:rPr lang="de-DE" sz="2500" dirty="0"/>
+              <a:t>Fortschritt Kostenart(…)</a:t>
+            </a:r>
+          </a:p>
+          <a:p>
+            <a:endParaRPr lang="de-DE" sz="2500" dirty="0"/>
+          </a:p>
+          <a:p>
+            <a:r>
+              <a:rPr lang="de-DE" sz="2500" dirty="0"/>
               <a:t>Soll-Ist1 Personalkosten</a:t>
             </a:r>
           </a:p>
           <a:p>
-            <a:r>
-              <a:rPr lang="de-DE" sz="2800" kern="1200" dirty="0" smtClean="0">
-                <a:solidFill>
-                  <a:srgbClr val="572E2D"/>
-                </a:solidFill>
-                <a:latin typeface="Noteworthy Bold" charset="0"/>
-                <a:ea typeface="Noteworthy Bold" charset="0"/>
-                <a:cs typeface="Noteworthy Bold" charset="0"/>
-                <a:sym typeface="Noteworthy Bold" charset="0"/>
-              </a:rPr>
+            <a:pPr defTabSz="481706">
+              <a:lnSpc>
+                <a:spcPts val="3688"/>
+              </a:lnSpc>
+              <a:defRPr/>
+            </a:pPr>
+            <a:r>
+              <a:rPr lang="de-DE" sz="2500" dirty="0"/>
               <a:t>Soll-Ist2 Personalkosten</a:t>
             </a:r>
           </a:p>
           <a:p>
-            <a:r>
-              <a:rPr lang="de-DE" sz="2800" kern="1200" dirty="0" smtClean="0">
-                <a:solidFill>
-                  <a:srgbClr val="572E2D"/>
-                </a:solidFill>
-                <a:latin typeface="Noteworthy Bold" charset="0"/>
-                <a:ea typeface="Noteworthy Bold" charset="0"/>
-                <a:cs typeface="Noteworthy Bold" charset="0"/>
-                <a:sym typeface="Noteworthy Bold" charset="0"/>
-              </a:rPr>
-              <a:t>Soll-Ist1C Personalkosten</a:t>
-            </a:r>
-          </a:p>
-          <a:p>
-            <a:r>
-              <a:rPr lang="de-DE" sz="2800" kern="1200" dirty="0" smtClean="0">
-                <a:solidFill>
-                  <a:srgbClr val="572E2D"/>
-                </a:solidFill>
-                <a:latin typeface="Noteworthy Bold" charset="0"/>
-                <a:ea typeface="Noteworthy Bold" charset="0"/>
-                <a:cs typeface="Noteworthy Bold" charset="0"/>
-                <a:sym typeface="Noteworthy Bold" charset="0"/>
-              </a:rPr>
-              <a:t>Soll-Ist2C Personalkosten</a:t>
-            </a:r>
-          </a:p>
-          <a:p>
-            <a:r>
-              <a:rPr lang="de-DE" sz="2800" kern="1200" dirty="0" smtClean="0">
-                <a:solidFill>
-                  <a:srgbClr val="572E2D"/>
-                </a:solidFill>
-                <a:latin typeface="Noteworthy Bold" charset="0"/>
-                <a:ea typeface="Noteworthy Bold" charset="0"/>
-                <a:cs typeface="Noteworthy Bold" charset="0"/>
-                <a:sym typeface="Noteworthy Bold" charset="0"/>
-              </a:rPr>
+            <a:endParaRPr lang="de-DE" sz="2500" dirty="0"/>
+          </a:p>
+          <a:p>
+            <a:r>
+              <a:rPr lang="de-DE" sz="2500" dirty="0"/>
               <a:t>Soll-Ist1 Sonstige Kosten</a:t>
             </a:r>
           </a:p>
           <a:p>
-            <a:r>
-              <a:rPr lang="de-DE" sz="2800" kern="1200" dirty="0" smtClean="0">
-                <a:solidFill>
-                  <a:srgbClr val="572E2D"/>
-                </a:solidFill>
-                <a:latin typeface="Noteworthy Bold" charset="0"/>
-                <a:ea typeface="Noteworthy Bold" charset="0"/>
-                <a:cs typeface="Noteworthy Bold" charset="0"/>
-                <a:sym typeface="Noteworthy Bold" charset="0"/>
-              </a:rPr>
+            <a:pPr defTabSz="481706">
+              <a:lnSpc>
+                <a:spcPts val="3688"/>
+              </a:lnSpc>
+              <a:defRPr/>
+            </a:pPr>
+            <a:r>
+              <a:rPr lang="de-DE" sz="2500" dirty="0"/>
               <a:t>Soll-Ist2 Sonstige Kosten</a:t>
             </a:r>
           </a:p>
           <a:p>
-            <a:r>
-              <a:rPr lang="de-DE" sz="2800" kern="1200" dirty="0" smtClean="0">
-                <a:solidFill>
-                  <a:srgbClr val="572E2D"/>
-                </a:solidFill>
-                <a:latin typeface="Noteworthy Bold" charset="0"/>
-                <a:ea typeface="Noteworthy Bold" charset="0"/>
-                <a:cs typeface="Noteworthy Bold" charset="0"/>
-                <a:sym typeface="Noteworthy Bold" charset="0"/>
-              </a:rPr>
-              <a:t>Soll-Ist1C Sonstige Kosten</a:t>
-            </a:r>
-          </a:p>
-          <a:p>
-            <a:r>
-              <a:rPr lang="de-DE" sz="2800" kern="1200" dirty="0" smtClean="0">
-                <a:solidFill>
-                  <a:srgbClr val="572E2D"/>
-                </a:solidFill>
-                <a:latin typeface="Noteworthy Bold" charset="0"/>
-                <a:ea typeface="Noteworthy Bold" charset="0"/>
-                <a:cs typeface="Noteworthy Bold" charset="0"/>
-                <a:sym typeface="Noteworthy Bold" charset="0"/>
-              </a:rPr>
-              <a:t>Soll-Ist2C Sonstige Kosten</a:t>
-            </a:r>
-          </a:p>
-          <a:p>
-            <a:r>
-              <a:rPr lang="de-DE" sz="2800" kern="1200" dirty="0" smtClean="0">
-                <a:solidFill>
-                  <a:srgbClr val="572E2D"/>
-                </a:solidFill>
-                <a:latin typeface="Noteworthy Bold" charset="0"/>
-                <a:ea typeface="Noteworthy Bold" charset="0"/>
-                <a:cs typeface="Noteworthy Bold" charset="0"/>
-                <a:sym typeface="Noteworthy Bold" charset="0"/>
-              </a:rPr>
+            <a:endParaRPr lang="de-DE" sz="2500" dirty="0"/>
+          </a:p>
+          <a:p>
+            <a:r>
+              <a:rPr lang="de-DE" sz="2500" dirty="0"/>
               <a:t>Soll-Ist1 Gesamtkosten</a:t>
             </a:r>
           </a:p>
           <a:p>
-            <a:r>
-              <a:rPr lang="de-DE" sz="2800" kern="1200" dirty="0" smtClean="0">
-                <a:solidFill>
-                  <a:srgbClr val="572E2D"/>
-                </a:solidFill>
-                <a:latin typeface="Noteworthy Bold" charset="0"/>
-                <a:ea typeface="Noteworthy Bold" charset="0"/>
-                <a:cs typeface="Noteworthy Bold" charset="0"/>
-                <a:sym typeface="Noteworthy Bold" charset="0"/>
-              </a:rPr>
+            <a:pPr defTabSz="481706">
+              <a:lnSpc>
+                <a:spcPts val="3688"/>
+              </a:lnSpc>
+              <a:defRPr/>
+            </a:pPr>
+            <a:r>
+              <a:rPr lang="de-DE" sz="2500" dirty="0"/>
               <a:t>Soll-Ist2 Gesamtkosten</a:t>
             </a:r>
           </a:p>
           <a:p>
-            <a:r>
-              <a:rPr lang="de-DE" sz="2800" kern="1200" dirty="0" smtClean="0">
-                <a:solidFill>
-                  <a:srgbClr val="572E2D"/>
-                </a:solidFill>
-                <a:latin typeface="Noteworthy Bold" charset="0"/>
-                <a:ea typeface="Noteworthy Bold" charset="0"/>
-                <a:cs typeface="Noteworthy Bold" charset="0"/>
-                <a:sym typeface="Noteworthy Bold" charset="0"/>
-              </a:rPr>
-              <a:t>Soll-Ist1C Gesamtkosten</a:t>
-            </a:r>
-          </a:p>
-          <a:p>
-            <a:r>
-              <a:rPr lang="de-DE" sz="2800" kern="1200" dirty="0" smtClean="0">
-                <a:solidFill>
-                  <a:srgbClr val="572E2D"/>
-                </a:solidFill>
-                <a:latin typeface="Noteworthy Bold" charset="0"/>
-                <a:ea typeface="Noteworthy Bold" charset="0"/>
-                <a:cs typeface="Noteworthy Bold" charset="0"/>
-                <a:sym typeface="Noteworthy Bold" charset="0"/>
-              </a:rPr>
-              <a:t>Soll-Ist2C Gesamtkosten</a:t>
-            </a:r>
-          </a:p>
-          <a:p>
-            <a:r>
-              <a:rPr lang="de-DE" sz="2800" kern="1200" dirty="0" smtClean="0">
-                <a:solidFill>
-                  <a:srgbClr val="572E2D"/>
-                </a:solidFill>
-                <a:latin typeface="Noteworthy Bold" charset="0"/>
-                <a:ea typeface="Noteworthy Bold" charset="0"/>
-                <a:cs typeface="Noteworthy Bold" charset="0"/>
-                <a:sym typeface="Noteworthy Bold" charset="0"/>
-              </a:rPr>
-              <a:t>Soll-Ist1 Rolle</a:t>
-            </a:r>
-          </a:p>
-          <a:p>
-            <a:r>
-              <a:rPr lang="de-DE" sz="2800" kern="1200" dirty="0" smtClean="0">
-                <a:solidFill>
-                  <a:srgbClr val="572E2D"/>
-                </a:solidFill>
-                <a:latin typeface="Noteworthy Bold" charset="0"/>
-                <a:ea typeface="Noteworthy Bold" charset="0"/>
-                <a:cs typeface="Noteworthy Bold" charset="0"/>
-                <a:sym typeface="Noteworthy Bold" charset="0"/>
-              </a:rPr>
-              <a:t>Soll-Ist2 Rolle</a:t>
-            </a:r>
-          </a:p>
-          <a:p>
-            <a:r>
-              <a:rPr lang="de-DE" sz="2800" kern="1200" dirty="0" smtClean="0">
-                <a:solidFill>
-                  <a:srgbClr val="572E2D"/>
-                </a:solidFill>
-                <a:latin typeface="Noteworthy Bold" charset="0"/>
-                <a:ea typeface="Noteworthy Bold" charset="0"/>
-                <a:cs typeface="Noteworthy Bold" charset="0"/>
-                <a:sym typeface="Noteworthy Bold" charset="0"/>
-              </a:rPr>
-              <a:t>Soll-Ist1C Rolle</a:t>
-            </a:r>
-          </a:p>
-          <a:p>
-            <a:r>
-              <a:rPr lang="de-DE" sz="2800" kern="1200" dirty="0" smtClean="0">
-                <a:solidFill>
-                  <a:srgbClr val="572E2D"/>
-                </a:solidFill>
-                <a:latin typeface="Noteworthy Bold" charset="0"/>
-                <a:ea typeface="Noteworthy Bold" charset="0"/>
-                <a:cs typeface="Noteworthy Bold" charset="0"/>
-                <a:sym typeface="Noteworthy Bold" charset="0"/>
-              </a:rPr>
-              <a:t>Soll-Ist2C Rolle</a:t>
-            </a:r>
-          </a:p>
-          <a:p>
-            <a:r>
-              <a:rPr lang="de-DE" sz="2800" kern="1200" dirty="0" smtClean="0">
-                <a:solidFill>
-                  <a:srgbClr val="572E2D"/>
-                </a:solidFill>
-                <a:latin typeface="Noteworthy Bold" charset="0"/>
-                <a:ea typeface="Noteworthy Bold" charset="0"/>
-                <a:cs typeface="Noteworthy Bold" charset="0"/>
-                <a:sym typeface="Noteworthy Bold" charset="0"/>
-              </a:rPr>
-              <a:t>Soll-Ist1 Kostenart</a:t>
-            </a:r>
-          </a:p>
-          <a:p>
-            <a:r>
-              <a:rPr lang="de-DE" sz="2800" kern="1200" dirty="0" smtClean="0">
-                <a:solidFill>
-                  <a:srgbClr val="572E2D"/>
-                </a:solidFill>
-                <a:latin typeface="Noteworthy Bold" charset="0"/>
-                <a:ea typeface="Noteworthy Bold" charset="0"/>
-                <a:cs typeface="Noteworthy Bold" charset="0"/>
-                <a:sym typeface="Noteworthy Bold" charset="0"/>
-              </a:rPr>
-              <a:t>Soll-Ist2 Kostenart</a:t>
-            </a:r>
-          </a:p>
-          <a:p>
-            <a:r>
-              <a:rPr lang="de-DE" sz="2800" kern="1200" dirty="0" smtClean="0">
-                <a:solidFill>
-                  <a:srgbClr val="572E2D"/>
-                </a:solidFill>
-                <a:latin typeface="Noteworthy Bold" charset="0"/>
-                <a:ea typeface="Noteworthy Bold" charset="0"/>
-                <a:cs typeface="Noteworthy Bold" charset="0"/>
-                <a:sym typeface="Noteworthy Bold" charset="0"/>
-              </a:rPr>
-              <a:t>Soll-Ist1C Kostenart</a:t>
-            </a:r>
-          </a:p>
-          <a:p>
-            <a:r>
-              <a:rPr lang="de-DE" sz="2800" kern="1200" dirty="0" smtClean="0">
-                <a:solidFill>
-                  <a:srgbClr val="572E2D"/>
-                </a:solidFill>
-                <a:latin typeface="Noteworthy Bold" charset="0"/>
-                <a:ea typeface="Noteworthy Bold" charset="0"/>
-                <a:cs typeface="Noteworthy Bold" charset="0"/>
-                <a:sym typeface="Noteworthy Bold" charset="0"/>
-              </a:rPr>
-              <a:t>Soll-Ist2C Kostenart</a:t>
-            </a:r>
-          </a:p>
-          <a:p>
-            <a:r>
-              <a:rPr lang="de-DE" sz="2800" kern="1200" dirty="0" smtClean="0">
-                <a:solidFill>
-                  <a:srgbClr val="572E2D"/>
-                </a:solidFill>
-                <a:latin typeface="Noteworthy Bold" charset="0"/>
-                <a:ea typeface="Noteworthy Bold" charset="0"/>
-                <a:cs typeface="Noteworthy Bold" charset="0"/>
-                <a:sym typeface="Noteworthy Bold" charset="0"/>
-              </a:rPr>
+            <a:endParaRPr lang="de-DE" sz="2500" dirty="0"/>
+          </a:p>
+          <a:p>
+            <a:r>
+              <a:rPr lang="de-DE" sz="2500" dirty="0"/>
+              <a:t>Soll-Ist1 Rolle (…)</a:t>
+            </a:r>
+          </a:p>
+          <a:p>
+            <a:pPr defTabSz="481706">
+              <a:lnSpc>
+                <a:spcPts val="3688"/>
+              </a:lnSpc>
+              <a:defRPr/>
+            </a:pPr>
+            <a:r>
+              <a:rPr lang="de-DE" sz="2500" dirty="0"/>
+              <a:t>Soll-Ist2 Rolle (…)</a:t>
+            </a:r>
+          </a:p>
+          <a:p>
+            <a:endParaRPr lang="de-DE" sz="2500" dirty="0"/>
+          </a:p>
+          <a:p>
+            <a:r>
+              <a:rPr lang="de-DE" sz="2500" dirty="0"/>
+              <a:t>Soll-Ist1 Kostenart (…)</a:t>
+            </a:r>
+          </a:p>
+          <a:p>
+            <a:pPr defTabSz="481706">
+              <a:lnSpc>
+                <a:spcPts val="3688"/>
+              </a:lnSpc>
+              <a:defRPr/>
+            </a:pPr>
+            <a:r>
+              <a:rPr lang="de-DE" sz="2500" dirty="0"/>
+              <a:t>Soll-Ist2 Kostenart (…)</a:t>
+            </a:r>
+          </a:p>
+          <a:p>
+            <a:endParaRPr lang="de-DE" sz="2500" dirty="0"/>
+          </a:p>
+          <a:p>
+            <a:r>
+              <a:rPr lang="de-DE" sz="2500" dirty="0"/>
               <a:t>Ampel-Farbe</a:t>
             </a:r>
           </a:p>
           <a:p>
             <a:r>
-              <a:rPr lang="de-DE" sz="2800" kern="1200" dirty="0" smtClean="0">
-                <a:solidFill>
-                  <a:srgbClr val="572E2D"/>
-                </a:solidFill>
-                <a:latin typeface="Noteworthy Bold" charset="0"/>
-                <a:ea typeface="Noteworthy Bold" charset="0"/>
-                <a:cs typeface="Noteworthy Bold" charset="0"/>
-                <a:sym typeface="Noteworthy Bold" charset="0"/>
-              </a:rPr>
+              <a:rPr lang="de-DE" sz="2500" dirty="0"/>
               <a:t>Beschreibung</a:t>
             </a:r>
           </a:p>
           <a:p>
             <a:r>
-              <a:rPr lang="de-DE" sz="2800" kern="1200" dirty="0" smtClean="0">
-                <a:solidFill>
-                  <a:srgbClr val="572E2D"/>
-                </a:solidFill>
-                <a:latin typeface="Noteworthy Bold" charset="0"/>
-                <a:ea typeface="Noteworthy Bold" charset="0"/>
-                <a:cs typeface="Noteworthy Bold" charset="0"/>
-                <a:sym typeface="Noteworthy Bold" charset="0"/>
-              </a:rPr>
+              <a:rPr lang="de-DE" sz="2500" dirty="0"/>
               <a:t>Stand:</a:t>
             </a:r>
           </a:p>
           <a:p>
             <a:r>
-              <a:rPr lang="de-DE" sz="2800" kern="1200" dirty="0" smtClean="0">
-                <a:solidFill>
-                  <a:srgbClr val="572E2D"/>
-                </a:solidFill>
-                <a:latin typeface="Noteworthy Bold" charset="0"/>
-                <a:ea typeface="Noteworthy Bold" charset="0"/>
-                <a:cs typeface="Noteworthy Bold" charset="0"/>
-                <a:sym typeface="Noteworthy Bold" charset="0"/>
-              </a:rPr>
+              <a:rPr lang="de-DE" sz="2500" dirty="0"/>
               <a:t>Laufzeit:</a:t>
             </a:r>
           </a:p>
           <a:p>
             <a:r>
-              <a:rPr lang="de-DE" sz="2800" kern="1200" dirty="0" smtClean="0">
-                <a:solidFill>
-                  <a:srgbClr val="572E2D"/>
-                </a:solidFill>
-                <a:latin typeface="Noteworthy Bold" charset="0"/>
-                <a:ea typeface="Noteworthy Bold" charset="0"/>
-                <a:cs typeface="Noteworthy Bold" charset="0"/>
-                <a:sym typeface="Noteworthy Bold" charset="0"/>
-              </a:rPr>
+              <a:rPr lang="de-DE" sz="2500" dirty="0"/>
               <a:t>Verantwortlich:</a:t>
             </a:r>
-          </a:p>
-          <a:p>
-            <a:endParaRPr lang="de-DE" sz="2800" kern="1200" dirty="0" smtClean="0">
-              <a:solidFill>
-                <a:srgbClr val="572E2D"/>
-              </a:solidFill>
-              <a:latin typeface="Noteworthy Bold" charset="0"/>
-              <a:ea typeface="Noteworthy Bold" charset="0"/>
-              <a:cs typeface="Noteworthy Bold" charset="0"/>
-              <a:sym typeface="Noteworthy Bold" charset="0"/>
-            </a:endParaRPr>
-          </a:p>
-          <a:p>
-            <a:r>
-              <a:rPr lang="de-DE" sz="2800" kern="1200" dirty="0" smtClean="0">
-                <a:solidFill>
-                  <a:srgbClr val="572E2D"/>
-                </a:solidFill>
-                <a:latin typeface="Noteworthy Bold" charset="0"/>
-                <a:ea typeface="Noteworthy Bold" charset="0"/>
-                <a:cs typeface="Noteworthy Bold" charset="0"/>
-                <a:sym typeface="Noteworthy Bold" charset="0"/>
-              </a:rPr>
-              <a:t>--------------------------------</a:t>
-            </a:r>
-          </a:p>
-          <a:p>
-            <a:endParaRPr lang="de-DE" sz="2800" kern="1200" dirty="0" smtClean="0">
-              <a:solidFill>
-                <a:srgbClr val="572E2D"/>
-              </a:solidFill>
-              <a:latin typeface="Noteworthy Bold" charset="0"/>
-              <a:ea typeface="Noteworthy Bold" charset="0"/>
-              <a:cs typeface="Noteworthy Bold" charset="0"/>
-              <a:sym typeface="Noteworthy Bold" charset="0"/>
-            </a:endParaRPr>
-          </a:p>
-          <a:p>
-            <a:r>
-              <a:rPr lang="de-DE" sz="2800" kern="1200" dirty="0" smtClean="0">
-                <a:solidFill>
-                  <a:srgbClr val="572E2D"/>
-                </a:solidFill>
-                <a:latin typeface="Noteworthy Bold" charset="0"/>
-                <a:ea typeface="Noteworthy Bold" charset="0"/>
-                <a:cs typeface="Noteworthy Bold" charset="0"/>
-                <a:sym typeface="Noteworthy Bold" charset="0"/>
-              </a:rPr>
-              <a:t>Phasen: </a:t>
-            </a:r>
-          </a:p>
-          <a:p>
-            <a:r>
-              <a:rPr lang="de-DE" sz="2400" b="0" i="0" u="none" strike="noStrike" kern="1200" dirty="0" smtClean="0">
-                <a:solidFill>
-                  <a:srgbClr val="572E2D"/>
-                </a:solidFill>
-                <a:effectLst/>
-                <a:latin typeface="Noteworthy Bold" charset="0"/>
-                <a:ea typeface="Noteworthy Bold" charset="0"/>
-                <a:cs typeface="Noteworthy Bold" charset="0"/>
-                <a:sym typeface="Noteworthy Bold" charset="0"/>
-              </a:rPr>
-              <a:t>Business Case</a:t>
-            </a:r>
-            <a:endParaRPr lang="de-DE" sz="2800" dirty="0" smtClean="0"/>
-          </a:p>
-          <a:p>
-            <a:r>
-              <a:rPr lang="de-DE" sz="2400" b="0" i="0" u="none" strike="noStrike" kern="1200" dirty="0" smtClean="0">
-                <a:solidFill>
-                  <a:srgbClr val="572E2D"/>
-                </a:solidFill>
-                <a:effectLst/>
-                <a:latin typeface="Noteworthy Bold" charset="0"/>
-                <a:ea typeface="Noteworthy Bold" charset="0"/>
-                <a:cs typeface="Noteworthy Bold" charset="0"/>
-                <a:sym typeface="Noteworthy Bold" charset="0"/>
-              </a:rPr>
-              <a:t>Konzept</a:t>
-            </a:r>
-            <a:endParaRPr lang="de-DE" sz="2800" dirty="0" smtClean="0"/>
-          </a:p>
-          <a:p>
-            <a:r>
-              <a:rPr lang="de-DE" sz="2400" b="0" i="0" u="none" strike="noStrike" kern="1200" dirty="0" smtClean="0">
-                <a:solidFill>
-                  <a:srgbClr val="572E2D"/>
-                </a:solidFill>
-                <a:effectLst/>
-                <a:latin typeface="Noteworthy Bold" charset="0"/>
-                <a:ea typeface="Noteworthy Bold" charset="0"/>
-                <a:cs typeface="Noteworthy Bold" charset="0"/>
-                <a:sym typeface="Noteworthy Bold" charset="0"/>
-              </a:rPr>
-              <a:t>Entwicklung</a:t>
-            </a:r>
-            <a:endParaRPr lang="de-DE" sz="2800" dirty="0" smtClean="0"/>
-          </a:p>
-          <a:p>
-            <a:r>
-              <a:rPr lang="de-DE" sz="2400" b="0" i="0" u="none" strike="noStrike" kern="1200" dirty="0" smtClean="0">
-                <a:solidFill>
-                  <a:srgbClr val="572E2D"/>
-                </a:solidFill>
-                <a:effectLst/>
-                <a:latin typeface="Noteworthy Bold" charset="0"/>
-                <a:ea typeface="Noteworthy Bold" charset="0"/>
-                <a:cs typeface="Noteworthy Bold" charset="0"/>
-                <a:sym typeface="Noteworthy Bold" charset="0"/>
-              </a:rPr>
-              <a:t>Prototyp</a:t>
-            </a:r>
-            <a:endParaRPr lang="de-DE" sz="2800" dirty="0" smtClean="0"/>
-          </a:p>
-          <a:p>
-            <a:r>
-              <a:rPr lang="de-DE" sz="2400" b="0" i="0" u="none" strike="noStrike" kern="1200" dirty="0" smtClean="0">
-                <a:solidFill>
-                  <a:srgbClr val="572E2D"/>
-                </a:solidFill>
-                <a:effectLst/>
-                <a:latin typeface="Noteworthy Bold" charset="0"/>
-                <a:ea typeface="Noteworthy Bold" charset="0"/>
-                <a:cs typeface="Noteworthy Bold" charset="0"/>
-                <a:sym typeface="Noteworthy Bold" charset="0"/>
-              </a:rPr>
-              <a:t>Test</a:t>
-            </a:r>
-            <a:endParaRPr lang="de-DE" sz="2800" dirty="0" smtClean="0"/>
-          </a:p>
-          <a:p>
-            <a:r>
-              <a:rPr lang="de-DE" sz="2400" b="0" i="0" u="none" strike="noStrike" kern="1200" dirty="0" smtClean="0">
-                <a:solidFill>
-                  <a:srgbClr val="572E2D"/>
-                </a:solidFill>
-                <a:effectLst/>
-                <a:latin typeface="Noteworthy Bold" charset="0"/>
-                <a:ea typeface="Noteworthy Bold" charset="0"/>
-                <a:cs typeface="Noteworthy Bold" charset="0"/>
-                <a:sym typeface="Noteworthy Bold" charset="0"/>
-              </a:rPr>
-              <a:t>Rollout</a:t>
-            </a:r>
-          </a:p>
-          <a:p>
-            <a:endParaRPr lang="de-DE" sz="2400" b="0" i="0" u="none" strike="noStrike" kern="1200" dirty="0" smtClean="0">
-              <a:solidFill>
-                <a:srgbClr val="572E2D"/>
-              </a:solidFill>
-              <a:effectLst/>
-              <a:latin typeface="Noteworthy Bold" charset="0"/>
-              <a:sym typeface="Noteworthy Bold" charset="0"/>
-            </a:endParaRPr>
-          </a:p>
-          <a:p>
-            <a:r>
-              <a:rPr lang="de-DE" sz="2400" b="0" i="0" u="none" strike="noStrike" kern="1200" dirty="0" smtClean="0">
-                <a:solidFill>
-                  <a:srgbClr val="572E2D"/>
-                </a:solidFill>
-                <a:effectLst/>
-                <a:latin typeface="Noteworthy Bold" charset="0"/>
-                <a:sym typeface="Noteworthy Bold" charset="0"/>
-              </a:rPr>
-              <a:t>Meilensteine: </a:t>
-            </a:r>
-          </a:p>
-          <a:p>
-            <a:r>
-              <a:rPr lang="de-DE" sz="2400" b="0" i="0" u="none" strike="noStrike" kern="1200" dirty="0" smtClean="0">
-                <a:solidFill>
-                  <a:srgbClr val="572E2D"/>
-                </a:solidFill>
-                <a:effectLst/>
-                <a:latin typeface="Noteworthy Bold" charset="0"/>
-                <a:ea typeface="Noteworthy Bold" charset="0"/>
-                <a:cs typeface="Noteworthy Bold" charset="0"/>
-                <a:sym typeface="Noteworthy Bold" charset="0"/>
-              </a:rPr>
-              <a:t>Projektskizze</a:t>
-            </a:r>
-          </a:p>
-          <a:p>
-            <a:r>
-              <a:rPr lang="de-DE" sz="2400" b="0" i="0" u="none" strike="noStrike" kern="1200" dirty="0" smtClean="0">
-                <a:solidFill>
-                  <a:srgbClr val="572E2D"/>
-                </a:solidFill>
-                <a:effectLst/>
-                <a:latin typeface="Noteworthy Bold" charset="0"/>
-                <a:ea typeface="Noteworthy Bold" charset="0"/>
-                <a:cs typeface="Noteworthy Bold" charset="0"/>
-                <a:sym typeface="Noteworthy Bold" charset="0"/>
-              </a:rPr>
-              <a:t>Kosten-/Nutzen Analyse</a:t>
-            </a:r>
-          </a:p>
-          <a:p>
-            <a:r>
-              <a:rPr lang="de-DE" sz="2400" b="0" i="0" u="none" strike="noStrike" kern="1200" dirty="0" smtClean="0">
-                <a:solidFill>
-                  <a:srgbClr val="572E2D"/>
-                </a:solidFill>
-                <a:effectLst/>
-                <a:latin typeface="Noteworthy Bold" charset="0"/>
-                <a:ea typeface="Noteworthy Bold" charset="0"/>
-                <a:cs typeface="Noteworthy Bold" charset="0"/>
-                <a:sym typeface="Noteworthy Bold" charset="0"/>
-              </a:rPr>
-              <a:t>Wettbewerbsanalyse</a:t>
-            </a:r>
-          </a:p>
-          <a:p>
-            <a:r>
-              <a:rPr lang="de-DE" sz="2400" b="0" i="0" u="none" strike="noStrike" kern="1200" dirty="0" smtClean="0">
-                <a:solidFill>
-                  <a:srgbClr val="572E2D"/>
-                </a:solidFill>
-                <a:effectLst/>
-                <a:latin typeface="Noteworthy Bold" charset="0"/>
-                <a:ea typeface="Noteworthy Bold" charset="0"/>
-                <a:cs typeface="Noteworthy Bold" charset="0"/>
-                <a:sym typeface="Noteworthy Bold" charset="0"/>
-              </a:rPr>
-              <a:t>Analyse Marktpotential</a:t>
-            </a:r>
-          </a:p>
-          <a:p>
-            <a:r>
-              <a:rPr lang="de-DE" sz="2400" b="0" i="0" u="none" strike="noStrike" kern="1200" dirty="0" smtClean="0">
-                <a:solidFill>
-                  <a:srgbClr val="572E2D"/>
-                </a:solidFill>
-                <a:effectLst/>
-                <a:latin typeface="Noteworthy Bold" charset="0"/>
-                <a:ea typeface="Noteworthy Bold" charset="0"/>
-                <a:cs typeface="Noteworthy Bold" charset="0"/>
-                <a:sym typeface="Noteworthy Bold" charset="0"/>
-              </a:rPr>
-              <a:t>Grob-Konzept</a:t>
-            </a:r>
-          </a:p>
-          <a:p>
-            <a:r>
-              <a:rPr lang="de-DE" sz="2400" b="0" i="0" u="none" strike="noStrike" kern="1200" dirty="0" smtClean="0">
-                <a:solidFill>
-                  <a:srgbClr val="572E2D"/>
-                </a:solidFill>
-                <a:effectLst/>
-                <a:latin typeface="Noteworthy Bold" charset="0"/>
-                <a:ea typeface="Noteworthy Bold" charset="0"/>
-                <a:cs typeface="Noteworthy Bold" charset="0"/>
-                <a:sym typeface="Noteworthy Bold" charset="0"/>
-              </a:rPr>
-              <a:t>Liste der erfolgskritischen Merkmale</a:t>
-            </a:r>
-          </a:p>
-          <a:p>
-            <a:r>
-              <a:rPr lang="de-DE" sz="2400" b="0" i="0" u="none" strike="noStrike" kern="1200" dirty="0" smtClean="0">
-                <a:solidFill>
-                  <a:srgbClr val="572E2D"/>
-                </a:solidFill>
-                <a:effectLst/>
-                <a:latin typeface="Noteworthy Bold" charset="0"/>
-                <a:ea typeface="Noteworthy Bold" charset="0"/>
-                <a:cs typeface="Noteworthy Bold" charset="0"/>
-                <a:sym typeface="Noteworthy Bold" charset="0"/>
-              </a:rPr>
-              <a:t>Anbieter Shortlist</a:t>
-            </a:r>
-          </a:p>
-          <a:p>
-            <a:r>
-              <a:rPr lang="de-DE" sz="2400" b="0" i="0" u="none" strike="noStrike" kern="1200" dirty="0" smtClean="0">
-                <a:solidFill>
-                  <a:srgbClr val="572E2D"/>
-                </a:solidFill>
-                <a:effectLst/>
-                <a:latin typeface="Noteworthy Bold" charset="0"/>
-                <a:ea typeface="Noteworthy Bold" charset="0"/>
-                <a:cs typeface="Noteworthy Bold" charset="0"/>
-                <a:sym typeface="Noteworthy Bold" charset="0"/>
-              </a:rPr>
-              <a:t>Benchmark Dokumentation</a:t>
-            </a:r>
-          </a:p>
-          <a:p>
-            <a:r>
-              <a:rPr lang="de-DE" sz="2400" b="0" i="0" u="none" strike="noStrike" kern="1200" dirty="0" smtClean="0">
-                <a:solidFill>
-                  <a:srgbClr val="572E2D"/>
-                </a:solidFill>
-                <a:effectLst/>
-                <a:latin typeface="Noteworthy Bold" charset="0"/>
-                <a:ea typeface="Noteworthy Bold" charset="0"/>
-                <a:cs typeface="Noteworthy Bold" charset="0"/>
-                <a:sym typeface="Noteworthy Bold" charset="0"/>
-              </a:rPr>
-              <a:t>Empfehlung Anbieter</a:t>
-            </a:r>
-          </a:p>
-          <a:p>
-            <a:r>
-              <a:rPr lang="de-DE" sz="2400" b="0" i="0" u="none" strike="noStrike" kern="1200" dirty="0" err="1" smtClean="0">
-                <a:solidFill>
-                  <a:srgbClr val="572E2D"/>
-                </a:solidFill>
-                <a:effectLst/>
-                <a:latin typeface="Noteworthy Bold" charset="0"/>
-                <a:ea typeface="Noteworthy Bold" charset="0"/>
-                <a:cs typeface="Noteworthy Bold" charset="0"/>
-                <a:sym typeface="Noteworthy Bold" charset="0"/>
-              </a:rPr>
-              <a:t>Use</a:t>
-            </a:r>
-            <a:r>
-              <a:rPr lang="de-DE" sz="2400" b="0" i="0" u="none" strike="noStrike" kern="1200" dirty="0" smtClean="0">
-                <a:solidFill>
-                  <a:srgbClr val="572E2D"/>
-                </a:solidFill>
-                <a:effectLst/>
-                <a:latin typeface="Noteworthy Bold" charset="0"/>
-                <a:ea typeface="Noteworthy Bold" charset="0"/>
-                <a:cs typeface="Noteworthy Bold" charset="0"/>
-                <a:sym typeface="Noteworthy Bold" charset="0"/>
-              </a:rPr>
-              <a:t> Cases</a:t>
-            </a:r>
-          </a:p>
-          <a:p>
-            <a:r>
-              <a:rPr lang="de-DE" sz="2400" b="0" i="0" u="none" strike="noStrike" kern="1200" dirty="0" smtClean="0">
-                <a:solidFill>
-                  <a:srgbClr val="572E2D"/>
-                </a:solidFill>
-                <a:effectLst/>
-                <a:latin typeface="Noteworthy Bold" charset="0"/>
-                <a:ea typeface="Noteworthy Bold" charset="0"/>
-                <a:cs typeface="Noteworthy Bold" charset="0"/>
-                <a:sym typeface="Noteworthy Bold" charset="0"/>
-              </a:rPr>
-              <a:t>Architektur Dokument</a:t>
-            </a:r>
-          </a:p>
-          <a:p>
-            <a:r>
-              <a:rPr lang="de-DE" sz="2400" b="0" i="0" u="none" strike="noStrike" kern="1200" dirty="0" smtClean="0">
-                <a:solidFill>
-                  <a:srgbClr val="572E2D"/>
-                </a:solidFill>
-                <a:effectLst/>
-                <a:latin typeface="Noteworthy Bold" charset="0"/>
-                <a:ea typeface="Noteworthy Bold" charset="0"/>
-                <a:cs typeface="Noteworthy Bold" charset="0"/>
-                <a:sym typeface="Noteworthy Bold" charset="0"/>
-              </a:rPr>
-              <a:t>Datenmodell</a:t>
-            </a:r>
-          </a:p>
-          <a:p>
-            <a:r>
-              <a:rPr lang="de-DE" sz="2400" b="0" i="0" u="none" strike="noStrike" kern="1200" dirty="0" smtClean="0">
-                <a:solidFill>
-                  <a:srgbClr val="572E2D"/>
-                </a:solidFill>
-                <a:effectLst/>
-                <a:latin typeface="Noteworthy Bold" charset="0"/>
-                <a:ea typeface="Noteworthy Bold" charset="0"/>
-                <a:cs typeface="Noteworthy Bold" charset="0"/>
-                <a:sym typeface="Noteworthy Bold" charset="0"/>
-              </a:rPr>
-              <a:t>Funktionsfähigkeit der erfolgskritischen Merkmale</a:t>
-            </a:r>
-          </a:p>
-          <a:p>
-            <a:r>
-              <a:rPr lang="de-DE" sz="2400" b="0" i="0" u="none" strike="noStrike" kern="1200" dirty="0" smtClean="0">
-                <a:solidFill>
-                  <a:srgbClr val="572E2D"/>
-                </a:solidFill>
-                <a:effectLst/>
-                <a:latin typeface="Noteworthy Bold" charset="0"/>
-                <a:ea typeface="Noteworthy Bold" charset="0"/>
-                <a:cs typeface="Noteworthy Bold" charset="0"/>
-                <a:sym typeface="Noteworthy Bold" charset="0"/>
-              </a:rPr>
-              <a:t>Testfall Dokumentation</a:t>
-            </a:r>
-          </a:p>
-          <a:p>
-            <a:r>
-              <a:rPr lang="de-DE" sz="2400" b="0" i="0" u="none" strike="noStrike" kern="1200" dirty="0" smtClean="0">
-                <a:solidFill>
-                  <a:srgbClr val="572E2D"/>
-                </a:solidFill>
-                <a:effectLst/>
-                <a:latin typeface="Noteworthy Bold" charset="0"/>
-                <a:ea typeface="Noteworthy Bold" charset="0"/>
-                <a:cs typeface="Noteworthy Bold" charset="0"/>
-                <a:sym typeface="Noteworthy Bold" charset="0"/>
-              </a:rPr>
-              <a:t>90% Muss-Testfälle erfolgreich</a:t>
-            </a:r>
-          </a:p>
-          <a:p>
-            <a:r>
-              <a:rPr lang="de-DE" sz="2400" b="0" i="0" u="none" strike="noStrike" kern="1200" dirty="0" smtClean="0">
-                <a:solidFill>
-                  <a:srgbClr val="572E2D"/>
-                </a:solidFill>
-                <a:effectLst/>
-                <a:latin typeface="Noteworthy Bold" charset="0"/>
-                <a:ea typeface="Noteworthy Bold" charset="0"/>
-                <a:cs typeface="Noteworthy Bold" charset="0"/>
-                <a:sym typeface="Noteworthy Bold" charset="0"/>
-              </a:rPr>
-              <a:t>Einführungsplan</a:t>
-            </a:r>
-            <a:r>
-              <a:rPr lang="de-DE" sz="3200" dirty="0" smtClean="0"/>
-              <a:t> </a:t>
-            </a:r>
-          </a:p>
-          <a:p>
-            <a:r>
-              <a:rPr lang="de-DE" sz="2400" b="0" i="0" u="none" strike="noStrike" kern="1200" dirty="0" smtClean="0">
-                <a:solidFill>
-                  <a:srgbClr val="572E2D"/>
-                </a:solidFill>
-                <a:effectLst/>
-                <a:latin typeface="Noteworthy Bold" charset="0"/>
-                <a:ea typeface="Noteworthy Bold" charset="0"/>
-                <a:cs typeface="Noteworthy Bold" charset="0"/>
-                <a:sym typeface="Noteworthy Bold" charset="0"/>
-              </a:rPr>
-              <a:t>70% Anwender-Abdeckung</a:t>
-            </a:r>
-            <a:r>
-              <a:rPr lang="de-DE" sz="3200" dirty="0" smtClean="0"/>
-              <a:t> </a:t>
-            </a:r>
-            <a:endParaRPr lang="de-DE" sz="2400" b="0" i="0" u="none" strike="noStrike" kern="1200" dirty="0" smtClean="0">
-              <a:solidFill>
-                <a:srgbClr val="572E2D"/>
-              </a:solidFill>
-              <a:effectLst/>
-              <a:latin typeface="Noteworthy Bold" charset="0"/>
-              <a:sym typeface="Noteworthy Bold" charset="0"/>
-            </a:endParaRPr>
-          </a:p>
-          <a:p>
-            <a:endParaRPr lang="de-DE" sz="2400" b="0" i="0" u="none" strike="noStrike" kern="1200" dirty="0" smtClean="0">
-              <a:solidFill>
-                <a:srgbClr val="572E2D"/>
-              </a:solidFill>
-              <a:effectLst/>
-              <a:latin typeface="Noteworthy Bold" charset="0"/>
-              <a:sym typeface="Noteworthy Bold" charset="0"/>
-            </a:endParaRPr>
-          </a:p>
-          <a:p>
-            <a:r>
-              <a:rPr lang="de-DE" sz="2400" b="0" i="0" u="none" strike="noStrike" kern="1200" dirty="0" smtClean="0">
-                <a:solidFill>
-                  <a:srgbClr val="572E2D"/>
-                </a:solidFill>
-                <a:effectLst/>
-                <a:latin typeface="Noteworthy Bold" charset="0"/>
-                <a:sym typeface="Noteworthy Bold" charset="0"/>
-              </a:rPr>
-              <a:t>Rollen: </a:t>
-            </a:r>
-          </a:p>
-          <a:p>
-            <a:r>
-              <a:rPr lang="de-DE" sz="2400" b="0" i="0" u="none" strike="noStrike" kern="1200" dirty="0" smtClean="0">
-                <a:solidFill>
-                  <a:srgbClr val="572E2D"/>
-                </a:solidFill>
-                <a:effectLst/>
-                <a:latin typeface="Noteworthy Bold" charset="0"/>
-                <a:ea typeface="Noteworthy Bold" charset="0"/>
-                <a:cs typeface="Noteworthy Bold" charset="0"/>
-                <a:sym typeface="Noteworthy Bold" charset="0"/>
-              </a:rPr>
-              <a:t>Projektleiter</a:t>
-            </a:r>
-            <a:endParaRPr lang="de-DE" sz="3200" dirty="0" smtClean="0"/>
-          </a:p>
-          <a:p>
-            <a:r>
-              <a:rPr lang="de-DE" sz="2400" b="0" i="0" u="none" strike="noStrike" kern="1200" dirty="0" smtClean="0">
-                <a:solidFill>
-                  <a:srgbClr val="572E2D"/>
-                </a:solidFill>
-                <a:effectLst/>
-                <a:latin typeface="Noteworthy Bold" charset="0"/>
-                <a:ea typeface="Noteworthy Bold" charset="0"/>
-                <a:cs typeface="Noteworthy Bold" charset="0"/>
-                <a:sym typeface="Noteworthy Bold" charset="0"/>
-              </a:rPr>
-              <a:t>GUI Spezialist</a:t>
-            </a:r>
-            <a:endParaRPr lang="de-DE" sz="3200" dirty="0" smtClean="0"/>
-          </a:p>
-          <a:p>
-            <a:r>
-              <a:rPr lang="de-DE" sz="2400" b="0" i="0" u="none" strike="noStrike" kern="1200" dirty="0" smtClean="0">
-                <a:solidFill>
-                  <a:srgbClr val="572E2D"/>
-                </a:solidFill>
-                <a:effectLst/>
-                <a:latin typeface="Noteworthy Bold" charset="0"/>
-                <a:ea typeface="Noteworthy Bold" charset="0"/>
-                <a:cs typeface="Noteworthy Bold" charset="0"/>
-                <a:sym typeface="Noteworthy Bold" charset="0"/>
-              </a:rPr>
-              <a:t>Analyst</a:t>
-            </a:r>
-            <a:r>
-              <a:rPr lang="de-DE" sz="3200" dirty="0" smtClean="0"/>
-              <a:t> </a:t>
-            </a:r>
-            <a:r>
-              <a:rPr lang="de-DE" sz="2400" b="0" i="0" u="none" strike="noStrike" kern="1200" dirty="0" smtClean="0">
-                <a:solidFill>
-                  <a:srgbClr val="572E2D"/>
-                </a:solidFill>
-                <a:effectLst/>
-                <a:latin typeface="Noteworthy Bold" charset="0"/>
-                <a:ea typeface="Noteworthy Bold" charset="0"/>
-                <a:cs typeface="Noteworthy Bold" charset="0"/>
-                <a:sym typeface="Noteworthy Bold" charset="0"/>
-              </a:rPr>
-              <a:t>Architekt</a:t>
-            </a:r>
-            <a:endParaRPr lang="de-DE" sz="3200" dirty="0" smtClean="0"/>
-          </a:p>
-          <a:p>
-            <a:r>
-              <a:rPr lang="de-DE" sz="2400" b="0" i="0" u="none" strike="noStrike" kern="1200" dirty="0" smtClean="0">
-                <a:solidFill>
-                  <a:srgbClr val="572E2D"/>
-                </a:solidFill>
-                <a:effectLst/>
-                <a:latin typeface="Noteworthy Bold" charset="0"/>
-                <a:ea typeface="Noteworthy Bold" charset="0"/>
-                <a:cs typeface="Noteworthy Bold" charset="0"/>
-                <a:sym typeface="Noteworthy Bold" charset="0"/>
-              </a:rPr>
-              <a:t>Entwickler</a:t>
-            </a:r>
-            <a:endParaRPr lang="de-DE" sz="3200" dirty="0" smtClean="0"/>
-          </a:p>
-          <a:p>
-            <a:r>
-              <a:rPr lang="de-DE" sz="2400" b="0" i="0" u="none" strike="noStrike" kern="1200" dirty="0" smtClean="0">
-                <a:solidFill>
-                  <a:srgbClr val="572E2D"/>
-                </a:solidFill>
-                <a:effectLst/>
-                <a:latin typeface="Noteworthy Bold" charset="0"/>
-                <a:ea typeface="Noteworthy Bold" charset="0"/>
-                <a:cs typeface="Noteworthy Bold" charset="0"/>
-                <a:sym typeface="Noteworthy Bold" charset="0"/>
-              </a:rPr>
-              <a:t>Tester</a:t>
-            </a:r>
-            <a:endParaRPr lang="de-DE" sz="2400" b="0" i="0" u="none" strike="noStrike" kern="1200" dirty="0" smtClean="0">
-              <a:solidFill>
-                <a:srgbClr val="572E2D"/>
-              </a:solidFill>
-              <a:effectLst/>
-              <a:latin typeface="Noteworthy Bold" charset="0"/>
-              <a:sym typeface="Noteworthy Bold" charset="0"/>
-            </a:endParaRPr>
-          </a:p>
-          <a:p>
-            <a:endParaRPr lang="de-DE" sz="2400" b="0" i="0" u="none" strike="noStrike" kern="1200" dirty="0" smtClean="0">
-              <a:solidFill>
-                <a:srgbClr val="572E2D"/>
-              </a:solidFill>
-              <a:effectLst/>
-              <a:latin typeface="Noteworthy Bold" charset="0"/>
-              <a:sym typeface="Noteworthy Bold" charset="0"/>
-            </a:endParaRPr>
-          </a:p>
-          <a:p>
-            <a:r>
-              <a:rPr lang="de-DE" sz="2400" b="0" i="0" u="none" strike="noStrike" kern="1200" dirty="0" smtClean="0">
-                <a:solidFill>
-                  <a:srgbClr val="572E2D"/>
-                </a:solidFill>
-                <a:effectLst/>
-                <a:latin typeface="Noteworthy Bold" charset="0"/>
-                <a:sym typeface="Noteworthy Bold" charset="0"/>
-              </a:rPr>
-              <a:t>Kostenarten: </a:t>
-            </a:r>
-          </a:p>
-          <a:p>
-            <a:r>
-              <a:rPr lang="de-DE" sz="2400" b="0" i="0" u="none" strike="noStrike" kern="1200" dirty="0" smtClean="0">
-                <a:solidFill>
-                  <a:srgbClr val="572E2D"/>
-                </a:solidFill>
-                <a:effectLst/>
-                <a:latin typeface="Noteworthy Bold" charset="0"/>
-                <a:ea typeface="Noteworthy Bold" charset="0"/>
-                <a:cs typeface="Noteworthy Bold" charset="0"/>
-                <a:sym typeface="Noteworthy Bold" charset="0"/>
-              </a:rPr>
-              <a:t>IT-Kosten</a:t>
-            </a:r>
-            <a:endParaRPr lang="de-DE" sz="3200" dirty="0" smtClean="0"/>
-          </a:p>
-          <a:p>
-            <a:r>
-              <a:rPr lang="de-DE" sz="2400" b="0" i="0" u="none" strike="noStrike" kern="1200" dirty="0" smtClean="0">
-                <a:solidFill>
-                  <a:srgbClr val="572E2D"/>
-                </a:solidFill>
-                <a:effectLst/>
-                <a:latin typeface="Noteworthy Bold" charset="0"/>
-                <a:ea typeface="Noteworthy Bold" charset="0"/>
-                <a:cs typeface="Noteworthy Bold" charset="0"/>
-                <a:sym typeface="Noteworthy Bold" charset="0"/>
-              </a:rPr>
-              <a:t>Reise-Kosten</a:t>
-            </a:r>
-          </a:p>
-          <a:p>
-            <a:r>
-              <a:rPr lang="de-DE" sz="2400" b="0" i="0" u="none" strike="noStrike" kern="1200" dirty="0" smtClean="0">
-                <a:solidFill>
-                  <a:srgbClr val="572E2D"/>
-                </a:solidFill>
-                <a:effectLst/>
-                <a:latin typeface="Noteworthy Bold" charset="0"/>
-                <a:ea typeface="Noteworthy Bold" charset="0"/>
-                <a:cs typeface="Noteworthy Bold" charset="0"/>
-                <a:sym typeface="Noteworthy Bold" charset="0"/>
-              </a:rPr>
-              <a:t>Trainings-Kosten</a:t>
-            </a:r>
-            <a:r>
-              <a:rPr lang="de-DE" sz="3200" dirty="0" smtClean="0"/>
-              <a:t> </a:t>
-            </a:r>
-            <a:endParaRPr lang="de-DE" sz="2400" b="0" i="0" u="none" strike="noStrike" kern="1200" dirty="0" smtClean="0">
-              <a:solidFill>
-                <a:srgbClr val="572E2D"/>
-              </a:solidFill>
-              <a:effectLst/>
-              <a:latin typeface="Noteworthy Bold" charset="0"/>
-              <a:sym typeface="Noteworthy Bold" charset="0"/>
-            </a:endParaRPr>
-          </a:p>
-          <a:p>
-            <a:r>
-              <a:rPr lang="de-DE" sz="2800" dirty="0" smtClean="0"/>
-              <a:t> </a:t>
-            </a:r>
-            <a:endParaRPr lang="de-DE" sz="2800" kern="1200" dirty="0" smtClean="0">
-              <a:solidFill>
-                <a:srgbClr val="572E2D"/>
-              </a:solidFill>
-              <a:latin typeface="Noteworthy Bold" charset="0"/>
-              <a:ea typeface="Noteworthy Bold" charset="0"/>
-              <a:cs typeface="Noteworthy Bold" charset="0"/>
-              <a:sym typeface="Noteworthy Bold" charset="0"/>
-            </a:endParaRPr>
+            <a:endParaRPr lang="de-DE" dirty="0"/>
           </a:p>
         </p:txBody>
       </p:sp>
@@ -6270,1378 +1638,220 @@
           <a:lstStyle/>
           <a:p>
             <a:r>
-              <a:rPr lang="de-DE" sz="2800" kern="1200" dirty="0" smtClean="0">
-                <a:solidFill>
-                  <a:srgbClr val="572E2D"/>
-                </a:solidFill>
-                <a:latin typeface="Noteworthy Bold" charset="0"/>
-                <a:ea typeface="Noteworthy Bold" charset="0"/>
-                <a:cs typeface="Noteworthy Bold" charset="0"/>
-                <a:sym typeface="Noteworthy Bold" charset="0"/>
-              </a:rPr>
+              <a:rPr lang="de-DE" sz="2500" dirty="0"/>
               <a:t>Projekt-Name</a:t>
             </a:r>
           </a:p>
           <a:p>
             <a:r>
-              <a:rPr lang="de-DE" sz="2800" kern="1200" dirty="0" smtClean="0">
-                <a:solidFill>
-                  <a:srgbClr val="572E2D"/>
-                </a:solidFill>
-                <a:latin typeface="Noteworthy Bold" charset="0"/>
-                <a:ea typeface="Noteworthy Bold" charset="0"/>
-                <a:cs typeface="Noteworthy Bold" charset="0"/>
-                <a:sym typeface="Noteworthy Bold" charset="0"/>
-              </a:rPr>
-              <a:t>Soll-Ist &amp; Prognose</a:t>
-            </a:r>
-          </a:p>
-          <a:p>
-            <a:r>
-              <a:rPr lang="de-DE" sz="2800" kern="1200" dirty="0" smtClean="0">
-                <a:solidFill>
-                  <a:srgbClr val="572E2D"/>
-                </a:solidFill>
-                <a:latin typeface="Noteworthy Bold" charset="0"/>
-                <a:ea typeface="Noteworthy Bold" charset="0"/>
-                <a:cs typeface="Noteworthy Bold" charset="0"/>
-                <a:sym typeface="Noteworthy Bold" charset="0"/>
-              </a:rPr>
-              <a:t>Projekt-Grafik</a:t>
-            </a:r>
-          </a:p>
-          <a:p>
-            <a:r>
-              <a:rPr lang="de-DE" sz="2800" kern="1200" dirty="0" smtClean="0">
-                <a:solidFill>
-                  <a:srgbClr val="572E2D"/>
-                </a:solidFill>
-                <a:latin typeface="Noteworthy Bold" charset="0"/>
-                <a:ea typeface="Noteworthy Bold" charset="0"/>
-                <a:cs typeface="Noteworthy Bold" charset="0"/>
-                <a:sym typeface="Noteworthy Bold" charset="0"/>
-              </a:rPr>
-              <a:t>Meilenstein Trendanalyse</a:t>
-            </a:r>
-          </a:p>
-          <a:p>
-            <a:r>
-              <a:rPr lang="de-DE" sz="2800" kern="1200" dirty="0" smtClean="0">
-                <a:solidFill>
-                  <a:srgbClr val="572E2D"/>
-                </a:solidFill>
-                <a:latin typeface="Noteworthy Bold" charset="0"/>
-                <a:ea typeface="Noteworthy Bold" charset="0"/>
-                <a:cs typeface="Noteworthy Bold" charset="0"/>
-                <a:sym typeface="Noteworthy Bold" charset="0"/>
-              </a:rPr>
-              <a:t>Vergleich mit Beauftragung</a:t>
-            </a:r>
-          </a:p>
-          <a:p>
-            <a:r>
-              <a:rPr lang="de-DE" sz="2800" kern="1200" dirty="0" smtClean="0">
-                <a:solidFill>
-                  <a:srgbClr val="572E2D"/>
-                </a:solidFill>
-                <a:latin typeface="Noteworthy Bold" charset="0"/>
-                <a:ea typeface="Noteworthy Bold" charset="0"/>
-                <a:cs typeface="Noteworthy Bold" charset="0"/>
-                <a:sym typeface="Noteworthy Bold" charset="0"/>
-              </a:rPr>
-              <a:t>Vergleich mit letztem Stand</a:t>
-            </a:r>
-          </a:p>
-          <a:p>
-            <a:r>
-              <a:rPr lang="de-DE" sz="2800" kern="1200" dirty="0" smtClean="0">
-                <a:solidFill>
-                  <a:srgbClr val="572E2D"/>
-                </a:solidFill>
-                <a:latin typeface="Noteworthy Bold" charset="0"/>
-                <a:ea typeface="Noteworthy Bold" charset="0"/>
-                <a:cs typeface="Noteworthy Bold" charset="0"/>
-                <a:sym typeface="Noteworthy Bold" charset="0"/>
-              </a:rPr>
-              <a:t>Vergleich mit Vorlage</a:t>
-            </a:r>
-          </a:p>
-          <a:p>
-            <a:r>
-              <a:rPr lang="de-DE" sz="2800" kern="1200" dirty="0" smtClean="0">
-                <a:solidFill>
-                  <a:srgbClr val="572E2D"/>
-                </a:solidFill>
-                <a:latin typeface="Noteworthy Bold" charset="0"/>
-                <a:ea typeface="Noteworthy Bold" charset="0"/>
-                <a:cs typeface="Noteworthy Bold" charset="0"/>
-                <a:sym typeface="Noteworthy Bold" charset="0"/>
-              </a:rPr>
-              <a:t>Tabelle Projektziele</a:t>
-            </a:r>
-          </a:p>
-          <a:p>
-            <a:r>
-              <a:rPr lang="de-DE" sz="2800" kern="1200" dirty="0" smtClean="0">
-                <a:solidFill>
-                  <a:srgbClr val="572E2D"/>
-                </a:solidFill>
-                <a:latin typeface="Noteworthy Bold" charset="0"/>
-                <a:ea typeface="Noteworthy Bold" charset="0"/>
-                <a:cs typeface="Noteworthy Bold" charset="0"/>
-                <a:sym typeface="Noteworthy Bold" charset="0"/>
-              </a:rPr>
-              <a:t>Tabelle Projektstatus</a:t>
-            </a:r>
-          </a:p>
-          <a:p>
-            <a:r>
-              <a:rPr lang="de-DE" sz="2800" kern="1200" dirty="0" smtClean="0">
-                <a:solidFill>
-                  <a:srgbClr val="572E2D"/>
-                </a:solidFill>
-                <a:latin typeface="Noteworthy Bold" charset="0"/>
-                <a:ea typeface="Noteworthy Bold" charset="0"/>
-                <a:cs typeface="Noteworthy Bold" charset="0"/>
-                <a:sym typeface="Noteworthy Bold" charset="0"/>
-              </a:rPr>
-              <a:t>Tabelle Veränderungen</a:t>
-            </a:r>
-          </a:p>
-          <a:p>
-            <a:r>
-              <a:rPr lang="de-DE" sz="2800" kern="1200" dirty="0" smtClean="0">
-                <a:solidFill>
-                  <a:srgbClr val="572E2D"/>
-                </a:solidFill>
-                <a:latin typeface="Noteworthy Bold" charset="0"/>
-                <a:ea typeface="Noteworthy Bold" charset="0"/>
-                <a:cs typeface="Noteworthy Bold" charset="0"/>
-                <a:sym typeface="Noteworthy Bold" charset="0"/>
-              </a:rPr>
-              <a:t>Tabelle Vergleich letzter Stand</a:t>
-            </a:r>
-          </a:p>
-          <a:p>
-            <a:r>
-              <a:rPr lang="de-DE" sz="2800" kern="1200" dirty="0" smtClean="0">
-                <a:solidFill>
-                  <a:srgbClr val="572E2D"/>
-                </a:solidFill>
-                <a:latin typeface="Noteworthy Bold" charset="0"/>
-                <a:ea typeface="Noteworthy Bold" charset="0"/>
-                <a:cs typeface="Noteworthy Bold" charset="0"/>
-                <a:sym typeface="Noteworthy Bold" charset="0"/>
-              </a:rPr>
-              <a:t>Tabelle Vergleich Beauftragung</a:t>
-            </a:r>
-          </a:p>
-          <a:p>
-            <a:r>
-              <a:rPr lang="de-DE" sz="2800" kern="1200" dirty="0" smtClean="0">
-                <a:solidFill>
-                  <a:srgbClr val="572E2D"/>
-                </a:solidFill>
-                <a:latin typeface="Noteworthy Bold" charset="0"/>
-                <a:ea typeface="Noteworthy Bold" charset="0"/>
-                <a:cs typeface="Noteworthy Bold" charset="0"/>
-                <a:sym typeface="Noteworthy Bold" charset="0"/>
-              </a:rPr>
+              <a:rPr lang="de-DE" sz="2500" dirty="0"/>
               <a:t>Ergebnis</a:t>
             </a:r>
           </a:p>
           <a:p>
             <a:r>
-              <a:rPr lang="de-DE" sz="2800" kern="1200" dirty="0" smtClean="0">
-                <a:solidFill>
-                  <a:srgbClr val="572E2D"/>
-                </a:solidFill>
-                <a:latin typeface="Noteworthy Bold" charset="0"/>
-                <a:ea typeface="Noteworthy Bold" charset="0"/>
-                <a:cs typeface="Noteworthy Bold" charset="0"/>
-                <a:sym typeface="Noteworthy Bold" charset="0"/>
-              </a:rPr>
+              <a:rPr lang="de-DE" sz="2500" dirty="0"/>
               <a:t>Strategie/Risiko</a:t>
             </a:r>
           </a:p>
           <a:p>
             <a:r>
-              <a:rPr lang="de-DE" sz="2800" kern="1200" dirty="0" smtClean="0">
-                <a:solidFill>
-                  <a:srgbClr val="572E2D"/>
-                </a:solidFill>
-                <a:latin typeface="Noteworthy Bold" charset="0"/>
-                <a:ea typeface="Noteworthy Bold" charset="0"/>
-                <a:cs typeface="Noteworthy Bold" charset="0"/>
-                <a:sym typeface="Noteworthy Bold" charset="0"/>
-              </a:rPr>
+              <a:rPr lang="de-DE" sz="2500" dirty="0"/>
               <a:t>Teilprojekte</a:t>
             </a:r>
           </a:p>
           <a:p>
             <a:r>
-              <a:rPr lang="de-DE" sz="2800" kern="1200" dirty="0" smtClean="0">
-                <a:solidFill>
-                  <a:srgbClr val="572E2D"/>
-                </a:solidFill>
-                <a:latin typeface="Noteworthy Bold" charset="0"/>
-                <a:ea typeface="Noteworthy Bold" charset="0"/>
-                <a:cs typeface="Noteworthy Bold" charset="0"/>
-                <a:sym typeface="Noteworthy Bold" charset="0"/>
-              </a:rPr>
+              <a:rPr lang="de-DE" sz="2500" dirty="0"/>
               <a:t>Personalbedarf</a:t>
             </a:r>
           </a:p>
           <a:p>
             <a:r>
-              <a:rPr lang="de-DE" sz="2800" kern="1200" dirty="0" smtClean="0">
-                <a:solidFill>
-                  <a:srgbClr val="572E2D"/>
-                </a:solidFill>
-                <a:latin typeface="Noteworthy Bold" charset="0"/>
-                <a:ea typeface="Noteworthy Bold" charset="0"/>
-                <a:cs typeface="Noteworthy Bold" charset="0"/>
-                <a:sym typeface="Noteworthy Bold" charset="0"/>
-              </a:rPr>
+              <a:rPr lang="de-DE" sz="2500" dirty="0"/>
               <a:t>Personalkosten</a:t>
             </a:r>
           </a:p>
           <a:p>
             <a:r>
-              <a:rPr lang="de-DE" sz="2800" kern="1200" dirty="0" smtClean="0">
-                <a:solidFill>
-                  <a:srgbClr val="572E2D"/>
-                </a:solidFill>
-                <a:latin typeface="Noteworthy Bold" charset="0"/>
-                <a:ea typeface="Noteworthy Bold" charset="0"/>
-                <a:cs typeface="Noteworthy Bold" charset="0"/>
-                <a:sym typeface="Noteworthy Bold" charset="0"/>
-              </a:rPr>
+              <a:rPr lang="de-DE" sz="2500" dirty="0"/>
               <a:t>Sonstige Kosten</a:t>
             </a:r>
           </a:p>
           <a:p>
             <a:r>
-              <a:rPr lang="de-DE" sz="2800" kern="1200" dirty="0" smtClean="0">
-                <a:solidFill>
-                  <a:srgbClr val="572E2D"/>
-                </a:solidFill>
-                <a:latin typeface="Noteworthy Bold" charset="0"/>
-                <a:ea typeface="Noteworthy Bold" charset="0"/>
-                <a:cs typeface="Noteworthy Bold" charset="0"/>
-                <a:sym typeface="Noteworthy Bold" charset="0"/>
-              </a:rPr>
+              <a:rPr lang="de-DE" sz="2500" dirty="0"/>
               <a:t>Gesamtkosten</a:t>
             </a:r>
           </a:p>
           <a:p>
             <a:r>
-              <a:rPr lang="de-DE" sz="2800" kern="1200" dirty="0" smtClean="0">
-                <a:solidFill>
-                  <a:srgbClr val="572E2D"/>
-                </a:solidFill>
-                <a:latin typeface="Noteworthy Bold" charset="0"/>
-                <a:ea typeface="Noteworthy Bold" charset="0"/>
-                <a:cs typeface="Noteworthy Bold" charset="0"/>
-                <a:sym typeface="Noteworthy Bold" charset="0"/>
-              </a:rPr>
-              <a:t>Trend Strategischer Fit/Risiko</a:t>
-            </a:r>
-          </a:p>
-          <a:p>
-            <a:r>
-              <a:rPr lang="de-DE" sz="2800" kern="1200" dirty="0" smtClean="0">
-                <a:solidFill>
-                  <a:srgbClr val="572E2D"/>
-                </a:solidFill>
-                <a:latin typeface="Noteworthy Bold" charset="0"/>
-                <a:ea typeface="Noteworthy Bold" charset="0"/>
-                <a:cs typeface="Noteworthy Bold" charset="0"/>
-                <a:sym typeface="Noteworthy Bold" charset="0"/>
-              </a:rPr>
-              <a:t>Trend Kennzahlen</a:t>
-            </a:r>
-          </a:p>
-          <a:p>
-            <a:r>
-              <a:rPr lang="de-DE" sz="2800" kern="1200" dirty="0" smtClean="0">
-                <a:solidFill>
-                  <a:srgbClr val="572E2D"/>
-                </a:solidFill>
-                <a:latin typeface="Noteworthy Bold" charset="0"/>
-                <a:ea typeface="Noteworthy Bold" charset="0"/>
-                <a:cs typeface="Noteworthy Bold" charset="0"/>
-                <a:sym typeface="Noteworthy Bold" charset="0"/>
-              </a:rPr>
+              <a:rPr lang="de-DE" sz="2500" dirty="0"/>
               <a:t>Fortschritt Personalkosten</a:t>
             </a:r>
           </a:p>
           <a:p>
             <a:r>
-              <a:rPr lang="de-DE" sz="2800" kern="1200" dirty="0" smtClean="0">
-                <a:solidFill>
-                  <a:srgbClr val="572E2D"/>
-                </a:solidFill>
-                <a:latin typeface="Noteworthy Bold" charset="0"/>
-                <a:ea typeface="Noteworthy Bold" charset="0"/>
-                <a:cs typeface="Noteworthy Bold" charset="0"/>
-                <a:sym typeface="Noteworthy Bold" charset="0"/>
-              </a:rPr>
+              <a:rPr lang="de-DE" sz="2500" dirty="0"/>
               <a:t>Fortschritt Sonstige Kosten</a:t>
             </a:r>
           </a:p>
           <a:p>
             <a:r>
-              <a:rPr lang="de-DE" sz="2800" kern="1200" dirty="0" smtClean="0">
-                <a:solidFill>
-                  <a:srgbClr val="572E2D"/>
-                </a:solidFill>
-                <a:latin typeface="Noteworthy Bold" charset="0"/>
-                <a:ea typeface="Noteworthy Bold" charset="0"/>
-                <a:cs typeface="Noteworthy Bold" charset="0"/>
-                <a:sym typeface="Noteworthy Bold" charset="0"/>
-              </a:rPr>
-              <a:t>Fortschritt Rolle(..)</a:t>
-            </a:r>
-          </a:p>
-          <a:p>
-            <a:r>
-              <a:rPr lang="de-DE" sz="2800" kern="1200" dirty="0" smtClean="0">
-                <a:solidFill>
-                  <a:srgbClr val="572E2D"/>
-                </a:solidFill>
-                <a:latin typeface="Noteworthy Bold" charset="0"/>
-                <a:ea typeface="Noteworthy Bold" charset="0"/>
-                <a:cs typeface="Noteworthy Bold" charset="0"/>
-                <a:sym typeface="Noteworthy Bold" charset="0"/>
-              </a:rPr>
-              <a:t>Fortschritt Kostenart(..)</a:t>
-            </a:r>
-          </a:p>
-          <a:p>
-            <a:r>
-              <a:rPr lang="de-DE" sz="2800" kern="1200" dirty="0" smtClean="0">
-                <a:solidFill>
-                  <a:srgbClr val="572E2D"/>
-                </a:solidFill>
-                <a:latin typeface="Noteworthy Bold" charset="0"/>
-                <a:ea typeface="Noteworthy Bold" charset="0"/>
-                <a:cs typeface="Noteworthy Bold" charset="0"/>
-                <a:sym typeface="Noteworthy Bold" charset="0"/>
-              </a:rPr>
+              <a:rPr lang="de-DE" sz="2500" dirty="0"/>
+              <a:t>Fortschritt Gesamtkosten</a:t>
+            </a:r>
+          </a:p>
+          <a:p>
+            <a:r>
+              <a:rPr lang="de-DE" sz="2500" dirty="0"/>
+              <a:t>Fortschritt Rolle(…)</a:t>
+            </a:r>
+          </a:p>
+          <a:p>
+            <a:r>
+              <a:rPr lang="de-DE" sz="2500" dirty="0"/>
+              <a:t>Fortschritt Kostenart(…)</a:t>
+            </a:r>
+          </a:p>
+          <a:p>
+            <a:endParaRPr lang="de-DE" sz="2500" dirty="0"/>
+          </a:p>
+          <a:p>
+            <a:r>
+              <a:rPr lang="de-DE" sz="2500" dirty="0"/>
               <a:t>Soll-Ist1 Personalkosten</a:t>
             </a:r>
           </a:p>
           <a:p>
-            <a:r>
-              <a:rPr lang="de-DE" sz="2800" kern="1200" dirty="0" smtClean="0">
-                <a:solidFill>
-                  <a:srgbClr val="572E2D"/>
-                </a:solidFill>
-                <a:latin typeface="Noteworthy Bold" charset="0"/>
-                <a:ea typeface="Noteworthy Bold" charset="0"/>
-                <a:cs typeface="Noteworthy Bold" charset="0"/>
-                <a:sym typeface="Noteworthy Bold" charset="0"/>
-              </a:rPr>
+            <a:pPr defTabSz="481706">
+              <a:lnSpc>
+                <a:spcPts val="3688"/>
+              </a:lnSpc>
+              <a:defRPr/>
+            </a:pPr>
+            <a:r>
+              <a:rPr lang="de-DE" sz="2500" dirty="0"/>
               <a:t>Soll-Ist2 Personalkosten</a:t>
             </a:r>
           </a:p>
           <a:p>
-            <a:r>
-              <a:rPr lang="de-DE" sz="2800" kern="1200" dirty="0" smtClean="0">
-                <a:solidFill>
-                  <a:srgbClr val="572E2D"/>
-                </a:solidFill>
-                <a:latin typeface="Noteworthy Bold" charset="0"/>
-                <a:ea typeface="Noteworthy Bold" charset="0"/>
-                <a:cs typeface="Noteworthy Bold" charset="0"/>
-                <a:sym typeface="Noteworthy Bold" charset="0"/>
-              </a:rPr>
-              <a:t>Soll-Ist1C Personalkosten</a:t>
-            </a:r>
-          </a:p>
-          <a:p>
-            <a:r>
-              <a:rPr lang="de-DE" sz="2800" kern="1200" dirty="0" smtClean="0">
-                <a:solidFill>
-                  <a:srgbClr val="572E2D"/>
-                </a:solidFill>
-                <a:latin typeface="Noteworthy Bold" charset="0"/>
-                <a:ea typeface="Noteworthy Bold" charset="0"/>
-                <a:cs typeface="Noteworthy Bold" charset="0"/>
-                <a:sym typeface="Noteworthy Bold" charset="0"/>
-              </a:rPr>
-              <a:t>Soll-Ist2C Personalkosten</a:t>
-            </a:r>
-          </a:p>
-          <a:p>
-            <a:r>
-              <a:rPr lang="de-DE" sz="2800" kern="1200" dirty="0" smtClean="0">
-                <a:solidFill>
-                  <a:srgbClr val="572E2D"/>
-                </a:solidFill>
-                <a:latin typeface="Noteworthy Bold" charset="0"/>
-                <a:ea typeface="Noteworthy Bold" charset="0"/>
-                <a:cs typeface="Noteworthy Bold" charset="0"/>
-                <a:sym typeface="Noteworthy Bold" charset="0"/>
-              </a:rPr>
+            <a:endParaRPr lang="de-DE" sz="2500" dirty="0"/>
+          </a:p>
+          <a:p>
+            <a:r>
+              <a:rPr lang="de-DE" sz="2500" dirty="0"/>
               <a:t>Soll-Ist1 Sonstige Kosten</a:t>
             </a:r>
           </a:p>
           <a:p>
-            <a:r>
-              <a:rPr lang="de-DE" sz="2800" kern="1200" dirty="0" smtClean="0">
-                <a:solidFill>
-                  <a:srgbClr val="572E2D"/>
-                </a:solidFill>
-                <a:latin typeface="Noteworthy Bold" charset="0"/>
-                <a:ea typeface="Noteworthy Bold" charset="0"/>
-                <a:cs typeface="Noteworthy Bold" charset="0"/>
-                <a:sym typeface="Noteworthy Bold" charset="0"/>
-              </a:rPr>
+            <a:pPr defTabSz="481706">
+              <a:lnSpc>
+                <a:spcPts val="3688"/>
+              </a:lnSpc>
+              <a:defRPr/>
+            </a:pPr>
+            <a:r>
+              <a:rPr lang="de-DE" sz="2500" dirty="0"/>
               <a:t>Soll-Ist2 Sonstige Kosten</a:t>
             </a:r>
           </a:p>
           <a:p>
-            <a:r>
-              <a:rPr lang="de-DE" sz="2800" kern="1200" dirty="0" smtClean="0">
-                <a:solidFill>
-                  <a:srgbClr val="572E2D"/>
-                </a:solidFill>
-                <a:latin typeface="Noteworthy Bold" charset="0"/>
-                <a:ea typeface="Noteworthy Bold" charset="0"/>
-                <a:cs typeface="Noteworthy Bold" charset="0"/>
-                <a:sym typeface="Noteworthy Bold" charset="0"/>
-              </a:rPr>
-              <a:t>Soll-Ist1C Sonstige Kosten</a:t>
-            </a:r>
-          </a:p>
-          <a:p>
-            <a:r>
-              <a:rPr lang="de-DE" sz="2800" kern="1200" dirty="0" smtClean="0">
-                <a:solidFill>
-                  <a:srgbClr val="572E2D"/>
-                </a:solidFill>
-                <a:latin typeface="Noteworthy Bold" charset="0"/>
-                <a:ea typeface="Noteworthy Bold" charset="0"/>
-                <a:cs typeface="Noteworthy Bold" charset="0"/>
-                <a:sym typeface="Noteworthy Bold" charset="0"/>
-              </a:rPr>
-              <a:t>Soll-Ist2C Sonstige Kosten</a:t>
-            </a:r>
-          </a:p>
-          <a:p>
-            <a:r>
-              <a:rPr lang="de-DE" sz="2800" kern="1200" dirty="0" smtClean="0">
-                <a:solidFill>
-                  <a:srgbClr val="572E2D"/>
-                </a:solidFill>
-                <a:latin typeface="Noteworthy Bold" charset="0"/>
-                <a:ea typeface="Noteworthy Bold" charset="0"/>
-                <a:cs typeface="Noteworthy Bold" charset="0"/>
-                <a:sym typeface="Noteworthy Bold" charset="0"/>
-              </a:rPr>
+            <a:endParaRPr lang="de-DE" sz="2500" dirty="0"/>
+          </a:p>
+          <a:p>
+            <a:r>
+              <a:rPr lang="de-DE" sz="2500" dirty="0"/>
               <a:t>Soll-Ist1 Gesamtkosten</a:t>
             </a:r>
           </a:p>
           <a:p>
-            <a:r>
-              <a:rPr lang="de-DE" sz="2800" kern="1200" dirty="0" smtClean="0">
-                <a:solidFill>
-                  <a:srgbClr val="572E2D"/>
-                </a:solidFill>
-                <a:latin typeface="Noteworthy Bold" charset="0"/>
-                <a:ea typeface="Noteworthy Bold" charset="0"/>
-                <a:cs typeface="Noteworthy Bold" charset="0"/>
-                <a:sym typeface="Noteworthy Bold" charset="0"/>
-              </a:rPr>
+            <a:pPr defTabSz="481706">
+              <a:lnSpc>
+                <a:spcPts val="3688"/>
+              </a:lnSpc>
+              <a:defRPr/>
+            </a:pPr>
+            <a:r>
+              <a:rPr lang="de-DE" sz="2500" dirty="0"/>
               <a:t>Soll-Ist2 Gesamtkosten</a:t>
             </a:r>
           </a:p>
           <a:p>
-            <a:r>
-              <a:rPr lang="de-DE" sz="2800" kern="1200" dirty="0" smtClean="0">
-                <a:solidFill>
-                  <a:srgbClr val="572E2D"/>
-                </a:solidFill>
-                <a:latin typeface="Noteworthy Bold" charset="0"/>
-                <a:ea typeface="Noteworthy Bold" charset="0"/>
-                <a:cs typeface="Noteworthy Bold" charset="0"/>
-                <a:sym typeface="Noteworthy Bold" charset="0"/>
-              </a:rPr>
-              <a:t>Soll-Ist1C Gesamtkosten</a:t>
-            </a:r>
-          </a:p>
-          <a:p>
-            <a:r>
-              <a:rPr lang="de-DE" sz="2800" kern="1200" dirty="0" smtClean="0">
-                <a:solidFill>
-                  <a:srgbClr val="572E2D"/>
-                </a:solidFill>
-                <a:latin typeface="Noteworthy Bold" charset="0"/>
-                <a:ea typeface="Noteworthy Bold" charset="0"/>
-                <a:cs typeface="Noteworthy Bold" charset="0"/>
-                <a:sym typeface="Noteworthy Bold" charset="0"/>
-              </a:rPr>
-              <a:t>Soll-Ist2C Gesamtkosten</a:t>
-            </a:r>
-          </a:p>
-          <a:p>
-            <a:r>
-              <a:rPr lang="de-DE" sz="2800" kern="1200" dirty="0" smtClean="0">
-                <a:solidFill>
-                  <a:srgbClr val="572E2D"/>
-                </a:solidFill>
-                <a:latin typeface="Noteworthy Bold" charset="0"/>
-                <a:ea typeface="Noteworthy Bold" charset="0"/>
-                <a:cs typeface="Noteworthy Bold" charset="0"/>
-                <a:sym typeface="Noteworthy Bold" charset="0"/>
-              </a:rPr>
-              <a:t>Soll-Ist1 Rolle</a:t>
-            </a:r>
-          </a:p>
-          <a:p>
-            <a:r>
-              <a:rPr lang="de-DE" sz="2800" kern="1200" dirty="0" smtClean="0">
-                <a:solidFill>
-                  <a:srgbClr val="572E2D"/>
-                </a:solidFill>
-                <a:latin typeface="Noteworthy Bold" charset="0"/>
-                <a:ea typeface="Noteworthy Bold" charset="0"/>
-                <a:cs typeface="Noteworthy Bold" charset="0"/>
-                <a:sym typeface="Noteworthy Bold" charset="0"/>
-              </a:rPr>
-              <a:t>Soll-Ist2 Rolle</a:t>
-            </a:r>
-          </a:p>
-          <a:p>
-            <a:r>
-              <a:rPr lang="de-DE" sz="2800" kern="1200" dirty="0" smtClean="0">
-                <a:solidFill>
-                  <a:srgbClr val="572E2D"/>
-                </a:solidFill>
-                <a:latin typeface="Noteworthy Bold" charset="0"/>
-                <a:ea typeface="Noteworthy Bold" charset="0"/>
-                <a:cs typeface="Noteworthy Bold" charset="0"/>
-                <a:sym typeface="Noteworthy Bold" charset="0"/>
-              </a:rPr>
-              <a:t>Soll-Ist1C Rolle</a:t>
-            </a:r>
-          </a:p>
-          <a:p>
-            <a:r>
-              <a:rPr lang="de-DE" sz="2800" kern="1200" dirty="0" smtClean="0">
-                <a:solidFill>
-                  <a:srgbClr val="572E2D"/>
-                </a:solidFill>
-                <a:latin typeface="Noteworthy Bold" charset="0"/>
-                <a:ea typeface="Noteworthy Bold" charset="0"/>
-                <a:cs typeface="Noteworthy Bold" charset="0"/>
-                <a:sym typeface="Noteworthy Bold" charset="0"/>
-              </a:rPr>
-              <a:t>Soll-Ist2C Rolle</a:t>
-            </a:r>
-          </a:p>
-          <a:p>
-            <a:r>
-              <a:rPr lang="de-DE" sz="2800" kern="1200" dirty="0" smtClean="0">
-                <a:solidFill>
-                  <a:srgbClr val="572E2D"/>
-                </a:solidFill>
-                <a:latin typeface="Noteworthy Bold" charset="0"/>
-                <a:ea typeface="Noteworthy Bold" charset="0"/>
-                <a:cs typeface="Noteworthy Bold" charset="0"/>
-                <a:sym typeface="Noteworthy Bold" charset="0"/>
-              </a:rPr>
-              <a:t>Soll-Ist1 Kostenart</a:t>
-            </a:r>
-          </a:p>
-          <a:p>
-            <a:r>
-              <a:rPr lang="de-DE" sz="2800" kern="1200" dirty="0" smtClean="0">
-                <a:solidFill>
-                  <a:srgbClr val="572E2D"/>
-                </a:solidFill>
-                <a:latin typeface="Noteworthy Bold" charset="0"/>
-                <a:ea typeface="Noteworthy Bold" charset="0"/>
-                <a:cs typeface="Noteworthy Bold" charset="0"/>
-                <a:sym typeface="Noteworthy Bold" charset="0"/>
-              </a:rPr>
-              <a:t>Soll-Ist2 Kostenart</a:t>
-            </a:r>
-          </a:p>
-          <a:p>
-            <a:r>
-              <a:rPr lang="de-DE" sz="2800" kern="1200" dirty="0" smtClean="0">
-                <a:solidFill>
-                  <a:srgbClr val="572E2D"/>
-                </a:solidFill>
-                <a:latin typeface="Noteworthy Bold" charset="0"/>
-                <a:ea typeface="Noteworthy Bold" charset="0"/>
-                <a:cs typeface="Noteworthy Bold" charset="0"/>
-                <a:sym typeface="Noteworthy Bold" charset="0"/>
-              </a:rPr>
-              <a:t>Soll-Ist1C Kostenart</a:t>
-            </a:r>
-          </a:p>
-          <a:p>
-            <a:r>
-              <a:rPr lang="de-DE" sz="2800" kern="1200" dirty="0" smtClean="0">
-                <a:solidFill>
-                  <a:srgbClr val="572E2D"/>
-                </a:solidFill>
-                <a:latin typeface="Noteworthy Bold" charset="0"/>
-                <a:ea typeface="Noteworthy Bold" charset="0"/>
-                <a:cs typeface="Noteworthy Bold" charset="0"/>
-                <a:sym typeface="Noteworthy Bold" charset="0"/>
-              </a:rPr>
-              <a:t>Soll-Ist2C Kostenart</a:t>
-            </a:r>
-          </a:p>
-          <a:p>
-            <a:r>
-              <a:rPr lang="de-DE" sz="2800" kern="1200" dirty="0" smtClean="0">
-                <a:solidFill>
-                  <a:srgbClr val="572E2D"/>
-                </a:solidFill>
-                <a:latin typeface="Noteworthy Bold" charset="0"/>
-                <a:ea typeface="Noteworthy Bold" charset="0"/>
-                <a:cs typeface="Noteworthy Bold" charset="0"/>
-                <a:sym typeface="Noteworthy Bold" charset="0"/>
-              </a:rPr>
+            <a:endParaRPr lang="de-DE" sz="2500" dirty="0"/>
+          </a:p>
+          <a:p>
+            <a:r>
+              <a:rPr lang="de-DE" sz="2500" dirty="0"/>
+              <a:t>Soll-Ist1 Rolle (…)</a:t>
+            </a:r>
+          </a:p>
+          <a:p>
+            <a:pPr defTabSz="481706">
+              <a:lnSpc>
+                <a:spcPts val="3688"/>
+              </a:lnSpc>
+              <a:defRPr/>
+            </a:pPr>
+            <a:r>
+              <a:rPr lang="de-DE" sz="2500" dirty="0"/>
+              <a:t>Soll-Ist2 Rolle (…)</a:t>
+            </a:r>
+          </a:p>
+          <a:p>
+            <a:endParaRPr lang="de-DE" sz="2500" dirty="0"/>
+          </a:p>
+          <a:p>
+            <a:r>
+              <a:rPr lang="de-DE" sz="2500" dirty="0"/>
+              <a:t>Soll-Ist1 Kostenart (…)</a:t>
+            </a:r>
+          </a:p>
+          <a:p>
+            <a:pPr defTabSz="481706">
+              <a:lnSpc>
+                <a:spcPts val="3688"/>
+              </a:lnSpc>
+              <a:defRPr/>
+            </a:pPr>
+            <a:r>
+              <a:rPr lang="de-DE" sz="2500" dirty="0"/>
+              <a:t>Soll-Ist2 Kostenart (…)</a:t>
+            </a:r>
+          </a:p>
+          <a:p>
+            <a:endParaRPr lang="de-DE" sz="2500" dirty="0"/>
+          </a:p>
+          <a:p>
+            <a:r>
+              <a:rPr lang="de-DE" sz="2500" dirty="0"/>
               <a:t>Ampel-Farbe</a:t>
             </a:r>
           </a:p>
           <a:p>
             <a:r>
-              <a:rPr lang="de-DE" sz="2800" kern="1200" dirty="0" smtClean="0">
-                <a:solidFill>
-                  <a:srgbClr val="572E2D"/>
-                </a:solidFill>
-                <a:latin typeface="Noteworthy Bold" charset="0"/>
-                <a:ea typeface="Noteworthy Bold" charset="0"/>
-                <a:cs typeface="Noteworthy Bold" charset="0"/>
-                <a:sym typeface="Noteworthy Bold" charset="0"/>
-              </a:rPr>
+              <a:rPr lang="de-DE" sz="2500" dirty="0"/>
               <a:t>Beschreibung</a:t>
             </a:r>
           </a:p>
           <a:p>
             <a:r>
-              <a:rPr lang="de-DE" sz="2800" kern="1200" dirty="0" smtClean="0">
-                <a:solidFill>
-                  <a:srgbClr val="572E2D"/>
-                </a:solidFill>
-                <a:latin typeface="Noteworthy Bold" charset="0"/>
-                <a:ea typeface="Noteworthy Bold" charset="0"/>
-                <a:cs typeface="Noteworthy Bold" charset="0"/>
-                <a:sym typeface="Noteworthy Bold" charset="0"/>
-              </a:rPr>
+              <a:rPr lang="de-DE" sz="2500" dirty="0"/>
               <a:t>Stand:</a:t>
             </a:r>
           </a:p>
           <a:p>
             <a:r>
-              <a:rPr lang="de-DE" sz="2800" kern="1200" dirty="0" smtClean="0">
-                <a:solidFill>
-                  <a:srgbClr val="572E2D"/>
-                </a:solidFill>
-                <a:latin typeface="Noteworthy Bold" charset="0"/>
-                <a:ea typeface="Noteworthy Bold" charset="0"/>
-                <a:cs typeface="Noteworthy Bold" charset="0"/>
-                <a:sym typeface="Noteworthy Bold" charset="0"/>
-              </a:rPr>
+              <a:rPr lang="de-DE" sz="2500" dirty="0"/>
               <a:t>Laufzeit:</a:t>
             </a:r>
           </a:p>
           <a:p>
             <a:r>
-              <a:rPr lang="de-DE" sz="2800" kern="1200" dirty="0" smtClean="0">
-                <a:solidFill>
-                  <a:srgbClr val="572E2D"/>
-                </a:solidFill>
-                <a:latin typeface="Noteworthy Bold" charset="0"/>
-                <a:ea typeface="Noteworthy Bold" charset="0"/>
-                <a:cs typeface="Noteworthy Bold" charset="0"/>
-                <a:sym typeface="Noteworthy Bold" charset="0"/>
-              </a:rPr>
+              <a:rPr lang="de-DE" sz="2500" dirty="0"/>
               <a:t>Verantwortlich:</a:t>
             </a:r>
-          </a:p>
-          <a:p>
-            <a:endParaRPr lang="de-DE" sz="2800" kern="1200" dirty="0" smtClean="0">
-              <a:solidFill>
-                <a:srgbClr val="572E2D"/>
-              </a:solidFill>
-              <a:latin typeface="Noteworthy Bold" charset="0"/>
-              <a:ea typeface="Noteworthy Bold" charset="0"/>
-              <a:cs typeface="Noteworthy Bold" charset="0"/>
-              <a:sym typeface="Noteworthy Bold" charset="0"/>
-            </a:endParaRPr>
-          </a:p>
-          <a:p>
-            <a:r>
-              <a:rPr lang="de-DE" sz="2800" kern="1200" dirty="0" smtClean="0">
-                <a:solidFill>
-                  <a:srgbClr val="572E2D"/>
-                </a:solidFill>
-                <a:latin typeface="Noteworthy Bold" charset="0"/>
-                <a:ea typeface="Noteworthy Bold" charset="0"/>
-                <a:cs typeface="Noteworthy Bold" charset="0"/>
-                <a:sym typeface="Noteworthy Bold" charset="0"/>
-              </a:rPr>
-              <a:t>--------------------------------</a:t>
-            </a:r>
-          </a:p>
-          <a:p>
-            <a:endParaRPr lang="de-DE" sz="2800" kern="1200" dirty="0" smtClean="0">
-              <a:solidFill>
-                <a:srgbClr val="572E2D"/>
-              </a:solidFill>
-              <a:latin typeface="Noteworthy Bold" charset="0"/>
-              <a:ea typeface="Noteworthy Bold" charset="0"/>
-              <a:cs typeface="Noteworthy Bold" charset="0"/>
-              <a:sym typeface="Noteworthy Bold" charset="0"/>
-            </a:endParaRPr>
-          </a:p>
-          <a:p>
-            <a:r>
-              <a:rPr lang="de-DE" sz="2800" kern="1200" dirty="0" smtClean="0">
-                <a:solidFill>
-                  <a:srgbClr val="572E2D"/>
-                </a:solidFill>
-                <a:latin typeface="Noteworthy Bold" charset="0"/>
-                <a:ea typeface="Noteworthy Bold" charset="0"/>
-                <a:cs typeface="Noteworthy Bold" charset="0"/>
-                <a:sym typeface="Noteworthy Bold" charset="0"/>
-              </a:rPr>
-              <a:t>Phasen: </a:t>
-            </a:r>
-          </a:p>
-          <a:p>
-            <a:r>
-              <a:rPr lang="de-DE" sz="2400" b="0" i="0" u="none" strike="noStrike" kern="1200" dirty="0" smtClean="0">
-                <a:solidFill>
-                  <a:srgbClr val="572E2D"/>
-                </a:solidFill>
-                <a:effectLst/>
-                <a:latin typeface="Noteworthy Bold" charset="0"/>
-                <a:ea typeface="Noteworthy Bold" charset="0"/>
-                <a:cs typeface="Noteworthy Bold" charset="0"/>
-                <a:sym typeface="Noteworthy Bold" charset="0"/>
-              </a:rPr>
-              <a:t>Business Case</a:t>
-            </a:r>
-            <a:endParaRPr lang="de-DE" sz="2800" dirty="0" smtClean="0"/>
-          </a:p>
-          <a:p>
-            <a:r>
-              <a:rPr lang="de-DE" sz="2400" b="0" i="0" u="none" strike="noStrike" kern="1200" dirty="0" smtClean="0">
-                <a:solidFill>
-                  <a:srgbClr val="572E2D"/>
-                </a:solidFill>
-                <a:effectLst/>
-                <a:latin typeface="Noteworthy Bold" charset="0"/>
-                <a:ea typeface="Noteworthy Bold" charset="0"/>
-                <a:cs typeface="Noteworthy Bold" charset="0"/>
-                <a:sym typeface="Noteworthy Bold" charset="0"/>
-              </a:rPr>
-              <a:t>Konzept</a:t>
-            </a:r>
-            <a:endParaRPr lang="de-DE" sz="2800" dirty="0" smtClean="0"/>
-          </a:p>
-          <a:p>
-            <a:r>
-              <a:rPr lang="de-DE" sz="2400" b="0" i="0" u="none" strike="noStrike" kern="1200" dirty="0" smtClean="0">
-                <a:solidFill>
-                  <a:srgbClr val="572E2D"/>
-                </a:solidFill>
-                <a:effectLst/>
-                <a:latin typeface="Noteworthy Bold" charset="0"/>
-                <a:ea typeface="Noteworthy Bold" charset="0"/>
-                <a:cs typeface="Noteworthy Bold" charset="0"/>
-                <a:sym typeface="Noteworthy Bold" charset="0"/>
-              </a:rPr>
-              <a:t>Entwicklung</a:t>
-            </a:r>
-            <a:endParaRPr lang="de-DE" sz="2800" dirty="0" smtClean="0"/>
-          </a:p>
-          <a:p>
-            <a:r>
-              <a:rPr lang="de-DE" sz="2400" b="0" i="0" u="none" strike="noStrike" kern="1200" dirty="0" smtClean="0">
-                <a:solidFill>
-                  <a:srgbClr val="572E2D"/>
-                </a:solidFill>
-                <a:effectLst/>
-                <a:latin typeface="Noteworthy Bold" charset="0"/>
-                <a:ea typeface="Noteworthy Bold" charset="0"/>
-                <a:cs typeface="Noteworthy Bold" charset="0"/>
-                <a:sym typeface="Noteworthy Bold" charset="0"/>
-              </a:rPr>
-              <a:t>Prototyp</a:t>
-            </a:r>
-            <a:endParaRPr lang="de-DE" sz="2800" dirty="0" smtClean="0"/>
-          </a:p>
-          <a:p>
-            <a:r>
-              <a:rPr lang="de-DE" sz="2400" b="0" i="0" u="none" strike="noStrike" kern="1200" dirty="0" smtClean="0">
-                <a:solidFill>
-                  <a:srgbClr val="572E2D"/>
-                </a:solidFill>
-                <a:effectLst/>
-                <a:latin typeface="Noteworthy Bold" charset="0"/>
-                <a:ea typeface="Noteworthy Bold" charset="0"/>
-                <a:cs typeface="Noteworthy Bold" charset="0"/>
-                <a:sym typeface="Noteworthy Bold" charset="0"/>
-              </a:rPr>
-              <a:t>Test</a:t>
-            </a:r>
-            <a:endParaRPr lang="de-DE" sz="2800" dirty="0" smtClean="0"/>
-          </a:p>
-          <a:p>
-            <a:r>
-              <a:rPr lang="de-DE" sz="2400" b="0" i="0" u="none" strike="noStrike" kern="1200" dirty="0" smtClean="0">
-                <a:solidFill>
-                  <a:srgbClr val="572E2D"/>
-                </a:solidFill>
-                <a:effectLst/>
-                <a:latin typeface="Noteworthy Bold" charset="0"/>
-                <a:ea typeface="Noteworthy Bold" charset="0"/>
-                <a:cs typeface="Noteworthy Bold" charset="0"/>
-                <a:sym typeface="Noteworthy Bold" charset="0"/>
-              </a:rPr>
-              <a:t>Rollout</a:t>
-            </a:r>
-          </a:p>
-          <a:p>
-            <a:endParaRPr lang="de-DE" sz="2400" b="0" i="0" u="none" strike="noStrike" kern="1200" dirty="0" smtClean="0">
-              <a:solidFill>
-                <a:srgbClr val="572E2D"/>
-              </a:solidFill>
-              <a:effectLst/>
-              <a:latin typeface="Noteworthy Bold" charset="0"/>
-              <a:sym typeface="Noteworthy Bold" charset="0"/>
-            </a:endParaRPr>
-          </a:p>
-          <a:p>
-            <a:r>
-              <a:rPr lang="de-DE" sz="2400" b="0" i="0" u="none" strike="noStrike" kern="1200" dirty="0" smtClean="0">
-                <a:solidFill>
-                  <a:srgbClr val="572E2D"/>
-                </a:solidFill>
-                <a:effectLst/>
-                <a:latin typeface="Noteworthy Bold" charset="0"/>
-                <a:sym typeface="Noteworthy Bold" charset="0"/>
-              </a:rPr>
-              <a:t>Meilensteine: </a:t>
-            </a:r>
-          </a:p>
-          <a:p>
-            <a:r>
-              <a:rPr lang="de-DE" sz="2400" b="0" i="0" u="none" strike="noStrike" kern="1200" dirty="0" smtClean="0">
-                <a:solidFill>
-                  <a:srgbClr val="572E2D"/>
-                </a:solidFill>
-                <a:effectLst/>
-                <a:latin typeface="Noteworthy Bold" charset="0"/>
-                <a:ea typeface="Noteworthy Bold" charset="0"/>
-                <a:cs typeface="Noteworthy Bold" charset="0"/>
-                <a:sym typeface="Noteworthy Bold" charset="0"/>
-              </a:rPr>
-              <a:t>Projektskizze</a:t>
-            </a:r>
-          </a:p>
-          <a:p>
-            <a:r>
-              <a:rPr lang="de-DE" sz="2400" b="0" i="0" u="none" strike="noStrike" kern="1200" dirty="0" smtClean="0">
-                <a:solidFill>
-                  <a:srgbClr val="572E2D"/>
-                </a:solidFill>
-                <a:effectLst/>
-                <a:latin typeface="Noteworthy Bold" charset="0"/>
-                <a:ea typeface="Noteworthy Bold" charset="0"/>
-                <a:cs typeface="Noteworthy Bold" charset="0"/>
-                <a:sym typeface="Noteworthy Bold" charset="0"/>
-              </a:rPr>
-              <a:t>Kosten-/Nutzen Analyse</a:t>
-            </a:r>
-          </a:p>
-          <a:p>
-            <a:r>
-              <a:rPr lang="de-DE" sz="2400" b="0" i="0" u="none" strike="noStrike" kern="1200" dirty="0" smtClean="0">
-                <a:solidFill>
-                  <a:srgbClr val="572E2D"/>
-                </a:solidFill>
-                <a:effectLst/>
-                <a:latin typeface="Noteworthy Bold" charset="0"/>
-                <a:ea typeface="Noteworthy Bold" charset="0"/>
-                <a:cs typeface="Noteworthy Bold" charset="0"/>
-                <a:sym typeface="Noteworthy Bold" charset="0"/>
-              </a:rPr>
-              <a:t>Wettbewerbsanalyse</a:t>
-            </a:r>
-          </a:p>
-          <a:p>
-            <a:r>
-              <a:rPr lang="de-DE" sz="2400" b="0" i="0" u="none" strike="noStrike" kern="1200" dirty="0" smtClean="0">
-                <a:solidFill>
-                  <a:srgbClr val="572E2D"/>
-                </a:solidFill>
-                <a:effectLst/>
-                <a:latin typeface="Noteworthy Bold" charset="0"/>
-                <a:ea typeface="Noteworthy Bold" charset="0"/>
-                <a:cs typeface="Noteworthy Bold" charset="0"/>
-                <a:sym typeface="Noteworthy Bold" charset="0"/>
-              </a:rPr>
-              <a:t>Analyse Marktpotential</a:t>
-            </a:r>
-          </a:p>
-          <a:p>
-            <a:r>
-              <a:rPr lang="de-DE" sz="2400" b="0" i="0" u="none" strike="noStrike" kern="1200" dirty="0" smtClean="0">
-                <a:solidFill>
-                  <a:srgbClr val="572E2D"/>
-                </a:solidFill>
-                <a:effectLst/>
-                <a:latin typeface="Noteworthy Bold" charset="0"/>
-                <a:ea typeface="Noteworthy Bold" charset="0"/>
-                <a:cs typeface="Noteworthy Bold" charset="0"/>
-                <a:sym typeface="Noteworthy Bold" charset="0"/>
-              </a:rPr>
-              <a:t>Grob-Konzept</a:t>
-            </a:r>
-          </a:p>
-          <a:p>
-            <a:r>
-              <a:rPr lang="de-DE" sz="2400" b="0" i="0" u="none" strike="noStrike" kern="1200" dirty="0" smtClean="0">
-                <a:solidFill>
-                  <a:srgbClr val="572E2D"/>
-                </a:solidFill>
-                <a:effectLst/>
-                <a:latin typeface="Noteworthy Bold" charset="0"/>
-                <a:ea typeface="Noteworthy Bold" charset="0"/>
-                <a:cs typeface="Noteworthy Bold" charset="0"/>
-                <a:sym typeface="Noteworthy Bold" charset="0"/>
-              </a:rPr>
-              <a:t>Liste der erfolgskritischen Merkmale</a:t>
-            </a:r>
-          </a:p>
-          <a:p>
-            <a:r>
-              <a:rPr lang="de-DE" sz="2400" b="0" i="0" u="none" strike="noStrike" kern="1200" dirty="0" smtClean="0">
-                <a:solidFill>
-                  <a:srgbClr val="572E2D"/>
-                </a:solidFill>
-                <a:effectLst/>
-                <a:latin typeface="Noteworthy Bold" charset="0"/>
-                <a:ea typeface="Noteworthy Bold" charset="0"/>
-                <a:cs typeface="Noteworthy Bold" charset="0"/>
-                <a:sym typeface="Noteworthy Bold" charset="0"/>
-              </a:rPr>
-              <a:t>Anbieter Shortlist</a:t>
-            </a:r>
-          </a:p>
-          <a:p>
-            <a:r>
-              <a:rPr lang="de-DE" sz="2400" b="0" i="0" u="none" strike="noStrike" kern="1200" dirty="0" smtClean="0">
-                <a:solidFill>
-                  <a:srgbClr val="572E2D"/>
-                </a:solidFill>
-                <a:effectLst/>
-                <a:latin typeface="Noteworthy Bold" charset="0"/>
-                <a:ea typeface="Noteworthy Bold" charset="0"/>
-                <a:cs typeface="Noteworthy Bold" charset="0"/>
-                <a:sym typeface="Noteworthy Bold" charset="0"/>
-              </a:rPr>
-              <a:t>Benchmark Dokumentation</a:t>
-            </a:r>
-          </a:p>
-          <a:p>
-            <a:r>
-              <a:rPr lang="de-DE" sz="2400" b="0" i="0" u="none" strike="noStrike" kern="1200" dirty="0" smtClean="0">
-                <a:solidFill>
-                  <a:srgbClr val="572E2D"/>
-                </a:solidFill>
-                <a:effectLst/>
-                <a:latin typeface="Noteworthy Bold" charset="0"/>
-                <a:ea typeface="Noteworthy Bold" charset="0"/>
-                <a:cs typeface="Noteworthy Bold" charset="0"/>
-                <a:sym typeface="Noteworthy Bold" charset="0"/>
-              </a:rPr>
-              <a:t>Empfehlung Anbieter</a:t>
-            </a:r>
-          </a:p>
-          <a:p>
-            <a:r>
-              <a:rPr lang="de-DE" sz="2400" b="0" i="0" u="none" strike="noStrike" kern="1200" dirty="0" err="1" smtClean="0">
-                <a:solidFill>
-                  <a:srgbClr val="572E2D"/>
-                </a:solidFill>
-                <a:effectLst/>
-                <a:latin typeface="Noteworthy Bold" charset="0"/>
-                <a:ea typeface="Noteworthy Bold" charset="0"/>
-                <a:cs typeface="Noteworthy Bold" charset="0"/>
-                <a:sym typeface="Noteworthy Bold" charset="0"/>
-              </a:rPr>
-              <a:t>Use</a:t>
-            </a:r>
-            <a:r>
-              <a:rPr lang="de-DE" sz="2400" b="0" i="0" u="none" strike="noStrike" kern="1200" dirty="0" smtClean="0">
-                <a:solidFill>
-                  <a:srgbClr val="572E2D"/>
-                </a:solidFill>
-                <a:effectLst/>
-                <a:latin typeface="Noteworthy Bold" charset="0"/>
-                <a:ea typeface="Noteworthy Bold" charset="0"/>
-                <a:cs typeface="Noteworthy Bold" charset="0"/>
-                <a:sym typeface="Noteworthy Bold" charset="0"/>
-              </a:rPr>
-              <a:t> Cases</a:t>
-            </a:r>
-          </a:p>
-          <a:p>
-            <a:r>
-              <a:rPr lang="de-DE" sz="2400" b="0" i="0" u="none" strike="noStrike" kern="1200" dirty="0" smtClean="0">
-                <a:solidFill>
-                  <a:srgbClr val="572E2D"/>
-                </a:solidFill>
-                <a:effectLst/>
-                <a:latin typeface="Noteworthy Bold" charset="0"/>
-                <a:ea typeface="Noteworthy Bold" charset="0"/>
-                <a:cs typeface="Noteworthy Bold" charset="0"/>
-                <a:sym typeface="Noteworthy Bold" charset="0"/>
-              </a:rPr>
-              <a:t>Architektur Dokument</a:t>
-            </a:r>
-          </a:p>
-          <a:p>
-            <a:r>
-              <a:rPr lang="de-DE" sz="2400" b="0" i="0" u="none" strike="noStrike" kern="1200" dirty="0" smtClean="0">
-                <a:solidFill>
-                  <a:srgbClr val="572E2D"/>
-                </a:solidFill>
-                <a:effectLst/>
-                <a:latin typeface="Noteworthy Bold" charset="0"/>
-                <a:ea typeface="Noteworthy Bold" charset="0"/>
-                <a:cs typeface="Noteworthy Bold" charset="0"/>
-                <a:sym typeface="Noteworthy Bold" charset="0"/>
-              </a:rPr>
-              <a:t>Datenmodell</a:t>
-            </a:r>
-          </a:p>
-          <a:p>
-            <a:r>
-              <a:rPr lang="de-DE" sz="2400" b="0" i="0" u="none" strike="noStrike" kern="1200" dirty="0" smtClean="0">
-                <a:solidFill>
-                  <a:srgbClr val="572E2D"/>
-                </a:solidFill>
-                <a:effectLst/>
-                <a:latin typeface="Noteworthy Bold" charset="0"/>
-                <a:ea typeface="Noteworthy Bold" charset="0"/>
-                <a:cs typeface="Noteworthy Bold" charset="0"/>
-                <a:sym typeface="Noteworthy Bold" charset="0"/>
-              </a:rPr>
-              <a:t>Funktionsfähigkeit der erfolgskritischen Merkmale</a:t>
-            </a:r>
-          </a:p>
-          <a:p>
-            <a:r>
-              <a:rPr lang="de-DE" sz="2400" b="0" i="0" u="none" strike="noStrike" kern="1200" dirty="0" smtClean="0">
-                <a:solidFill>
-                  <a:srgbClr val="572E2D"/>
-                </a:solidFill>
-                <a:effectLst/>
-                <a:latin typeface="Noteworthy Bold" charset="0"/>
-                <a:ea typeface="Noteworthy Bold" charset="0"/>
-                <a:cs typeface="Noteworthy Bold" charset="0"/>
-                <a:sym typeface="Noteworthy Bold" charset="0"/>
-              </a:rPr>
-              <a:t>Testfall Dokumentation</a:t>
-            </a:r>
-          </a:p>
-          <a:p>
-            <a:r>
-              <a:rPr lang="de-DE" sz="2400" b="0" i="0" u="none" strike="noStrike" kern="1200" dirty="0" smtClean="0">
-                <a:solidFill>
-                  <a:srgbClr val="572E2D"/>
-                </a:solidFill>
-                <a:effectLst/>
-                <a:latin typeface="Noteworthy Bold" charset="0"/>
-                <a:ea typeface="Noteworthy Bold" charset="0"/>
-                <a:cs typeface="Noteworthy Bold" charset="0"/>
-                <a:sym typeface="Noteworthy Bold" charset="0"/>
-              </a:rPr>
-              <a:t>90% Muss-Testfälle erfolgreich</a:t>
-            </a:r>
-          </a:p>
-          <a:p>
-            <a:r>
-              <a:rPr lang="de-DE" sz="2400" b="0" i="0" u="none" strike="noStrike" kern="1200" dirty="0" smtClean="0">
-                <a:solidFill>
-                  <a:srgbClr val="572E2D"/>
-                </a:solidFill>
-                <a:effectLst/>
-                <a:latin typeface="Noteworthy Bold" charset="0"/>
-                <a:ea typeface="Noteworthy Bold" charset="0"/>
-                <a:cs typeface="Noteworthy Bold" charset="0"/>
-                <a:sym typeface="Noteworthy Bold" charset="0"/>
-              </a:rPr>
-              <a:t>Einführungsplan</a:t>
-            </a:r>
-            <a:r>
-              <a:rPr lang="de-DE" sz="3200" dirty="0" smtClean="0"/>
-              <a:t> </a:t>
-            </a:r>
-          </a:p>
-          <a:p>
-            <a:r>
-              <a:rPr lang="de-DE" sz="2400" b="0" i="0" u="none" strike="noStrike" kern="1200" dirty="0" smtClean="0">
-                <a:solidFill>
-                  <a:srgbClr val="572E2D"/>
-                </a:solidFill>
-                <a:effectLst/>
-                <a:latin typeface="Noteworthy Bold" charset="0"/>
-                <a:ea typeface="Noteworthy Bold" charset="0"/>
-                <a:cs typeface="Noteworthy Bold" charset="0"/>
-                <a:sym typeface="Noteworthy Bold" charset="0"/>
-              </a:rPr>
-              <a:t>70% Anwender-Abdeckung</a:t>
-            </a:r>
-            <a:r>
-              <a:rPr lang="de-DE" sz="3200" dirty="0" smtClean="0"/>
-              <a:t> </a:t>
-            </a:r>
-            <a:endParaRPr lang="de-DE" sz="2400" b="0" i="0" u="none" strike="noStrike" kern="1200" dirty="0" smtClean="0">
-              <a:solidFill>
-                <a:srgbClr val="572E2D"/>
-              </a:solidFill>
-              <a:effectLst/>
-              <a:latin typeface="Noteworthy Bold" charset="0"/>
-              <a:sym typeface="Noteworthy Bold" charset="0"/>
-            </a:endParaRPr>
-          </a:p>
-          <a:p>
-            <a:endParaRPr lang="de-DE" sz="2400" b="0" i="0" u="none" strike="noStrike" kern="1200" dirty="0" smtClean="0">
-              <a:solidFill>
-                <a:srgbClr val="572E2D"/>
-              </a:solidFill>
-              <a:effectLst/>
-              <a:latin typeface="Noteworthy Bold" charset="0"/>
-              <a:sym typeface="Noteworthy Bold" charset="0"/>
-            </a:endParaRPr>
-          </a:p>
-          <a:p>
-            <a:r>
-              <a:rPr lang="de-DE" sz="2400" b="0" i="0" u="none" strike="noStrike" kern="1200" dirty="0" smtClean="0">
-                <a:solidFill>
-                  <a:srgbClr val="572E2D"/>
-                </a:solidFill>
-                <a:effectLst/>
-                <a:latin typeface="Noteworthy Bold" charset="0"/>
-                <a:sym typeface="Noteworthy Bold" charset="0"/>
-              </a:rPr>
-              <a:t>Rollen: </a:t>
-            </a:r>
-          </a:p>
-          <a:p>
-            <a:r>
-              <a:rPr lang="de-DE" sz="2400" b="0" i="0" u="none" strike="noStrike" kern="1200" dirty="0" smtClean="0">
-                <a:solidFill>
-                  <a:srgbClr val="572E2D"/>
-                </a:solidFill>
-                <a:effectLst/>
-                <a:latin typeface="Noteworthy Bold" charset="0"/>
-                <a:ea typeface="Noteworthy Bold" charset="0"/>
-                <a:cs typeface="Noteworthy Bold" charset="0"/>
-                <a:sym typeface="Noteworthy Bold" charset="0"/>
-              </a:rPr>
-              <a:t>Projektleiter</a:t>
-            </a:r>
-            <a:endParaRPr lang="de-DE" sz="3200" dirty="0" smtClean="0"/>
-          </a:p>
-          <a:p>
-            <a:r>
-              <a:rPr lang="de-DE" sz="2400" b="0" i="0" u="none" strike="noStrike" kern="1200" dirty="0" smtClean="0">
-                <a:solidFill>
-                  <a:srgbClr val="572E2D"/>
-                </a:solidFill>
-                <a:effectLst/>
-                <a:latin typeface="Noteworthy Bold" charset="0"/>
-                <a:ea typeface="Noteworthy Bold" charset="0"/>
-                <a:cs typeface="Noteworthy Bold" charset="0"/>
-                <a:sym typeface="Noteworthy Bold" charset="0"/>
-              </a:rPr>
-              <a:t>GUI Spezialist</a:t>
-            </a:r>
-            <a:endParaRPr lang="de-DE" sz="3200" dirty="0" smtClean="0"/>
-          </a:p>
-          <a:p>
-            <a:r>
-              <a:rPr lang="de-DE" sz="2400" b="0" i="0" u="none" strike="noStrike" kern="1200" dirty="0" smtClean="0">
-                <a:solidFill>
-                  <a:srgbClr val="572E2D"/>
-                </a:solidFill>
-                <a:effectLst/>
-                <a:latin typeface="Noteworthy Bold" charset="0"/>
-                <a:ea typeface="Noteworthy Bold" charset="0"/>
-                <a:cs typeface="Noteworthy Bold" charset="0"/>
-                <a:sym typeface="Noteworthy Bold" charset="0"/>
-              </a:rPr>
-              <a:t>Analyst</a:t>
-            </a:r>
-            <a:r>
-              <a:rPr lang="de-DE" sz="3200" dirty="0" smtClean="0"/>
-              <a:t> </a:t>
-            </a:r>
-            <a:r>
-              <a:rPr lang="de-DE" sz="2400" b="0" i="0" u="none" strike="noStrike" kern="1200" dirty="0" smtClean="0">
-                <a:solidFill>
-                  <a:srgbClr val="572E2D"/>
-                </a:solidFill>
-                <a:effectLst/>
-                <a:latin typeface="Noteworthy Bold" charset="0"/>
-                <a:ea typeface="Noteworthy Bold" charset="0"/>
-                <a:cs typeface="Noteworthy Bold" charset="0"/>
-                <a:sym typeface="Noteworthy Bold" charset="0"/>
-              </a:rPr>
-              <a:t>Architekt</a:t>
-            </a:r>
-            <a:endParaRPr lang="de-DE" sz="3200" dirty="0" smtClean="0"/>
-          </a:p>
-          <a:p>
-            <a:r>
-              <a:rPr lang="de-DE" sz="2400" b="0" i="0" u="none" strike="noStrike" kern="1200" dirty="0" smtClean="0">
-                <a:solidFill>
-                  <a:srgbClr val="572E2D"/>
-                </a:solidFill>
-                <a:effectLst/>
-                <a:latin typeface="Noteworthy Bold" charset="0"/>
-                <a:ea typeface="Noteworthy Bold" charset="0"/>
-                <a:cs typeface="Noteworthy Bold" charset="0"/>
-                <a:sym typeface="Noteworthy Bold" charset="0"/>
-              </a:rPr>
-              <a:t>Entwickler</a:t>
-            </a:r>
-            <a:endParaRPr lang="de-DE" sz="3200" dirty="0" smtClean="0"/>
-          </a:p>
-          <a:p>
-            <a:r>
-              <a:rPr lang="de-DE" sz="2400" b="0" i="0" u="none" strike="noStrike" kern="1200" dirty="0" smtClean="0">
-                <a:solidFill>
-                  <a:srgbClr val="572E2D"/>
-                </a:solidFill>
-                <a:effectLst/>
-                <a:latin typeface="Noteworthy Bold" charset="0"/>
-                <a:ea typeface="Noteworthy Bold" charset="0"/>
-                <a:cs typeface="Noteworthy Bold" charset="0"/>
-                <a:sym typeface="Noteworthy Bold" charset="0"/>
-              </a:rPr>
-              <a:t>Tester</a:t>
-            </a:r>
-            <a:endParaRPr lang="de-DE" sz="2400" b="0" i="0" u="none" strike="noStrike" kern="1200" dirty="0" smtClean="0">
-              <a:solidFill>
-                <a:srgbClr val="572E2D"/>
-              </a:solidFill>
-              <a:effectLst/>
-              <a:latin typeface="Noteworthy Bold" charset="0"/>
-              <a:sym typeface="Noteworthy Bold" charset="0"/>
-            </a:endParaRPr>
-          </a:p>
-          <a:p>
-            <a:endParaRPr lang="de-DE" sz="2400" b="0" i="0" u="none" strike="noStrike" kern="1200" dirty="0" smtClean="0">
-              <a:solidFill>
-                <a:srgbClr val="572E2D"/>
-              </a:solidFill>
-              <a:effectLst/>
-              <a:latin typeface="Noteworthy Bold" charset="0"/>
-              <a:sym typeface="Noteworthy Bold" charset="0"/>
-            </a:endParaRPr>
-          </a:p>
-          <a:p>
-            <a:r>
-              <a:rPr lang="de-DE" sz="2400" b="0" i="0" u="none" strike="noStrike" kern="1200" dirty="0" smtClean="0">
-                <a:solidFill>
-                  <a:srgbClr val="572E2D"/>
-                </a:solidFill>
-                <a:effectLst/>
-                <a:latin typeface="Noteworthy Bold" charset="0"/>
-                <a:sym typeface="Noteworthy Bold" charset="0"/>
-              </a:rPr>
-              <a:t>Kostenarten: </a:t>
-            </a:r>
-          </a:p>
-          <a:p>
-            <a:r>
-              <a:rPr lang="de-DE" sz="2400" b="0" i="0" u="none" strike="noStrike" kern="1200" dirty="0" smtClean="0">
-                <a:solidFill>
-                  <a:srgbClr val="572E2D"/>
-                </a:solidFill>
-                <a:effectLst/>
-                <a:latin typeface="Noteworthy Bold" charset="0"/>
-                <a:ea typeface="Noteworthy Bold" charset="0"/>
-                <a:cs typeface="Noteworthy Bold" charset="0"/>
-                <a:sym typeface="Noteworthy Bold" charset="0"/>
-              </a:rPr>
-              <a:t>IT-Kosten</a:t>
-            </a:r>
-            <a:endParaRPr lang="de-DE" sz="3200" dirty="0" smtClean="0"/>
-          </a:p>
-          <a:p>
-            <a:r>
-              <a:rPr lang="de-DE" sz="2400" b="0" i="0" u="none" strike="noStrike" kern="1200" dirty="0" smtClean="0">
-                <a:solidFill>
-                  <a:srgbClr val="572E2D"/>
-                </a:solidFill>
-                <a:effectLst/>
-                <a:latin typeface="Noteworthy Bold" charset="0"/>
-                <a:ea typeface="Noteworthy Bold" charset="0"/>
-                <a:cs typeface="Noteworthy Bold" charset="0"/>
-                <a:sym typeface="Noteworthy Bold" charset="0"/>
-              </a:rPr>
-              <a:t>Reise-Kosten</a:t>
-            </a:r>
-          </a:p>
-          <a:p>
-            <a:r>
-              <a:rPr lang="de-DE" sz="2400" b="0" i="0" u="none" strike="noStrike" kern="1200" dirty="0" smtClean="0">
-                <a:solidFill>
-                  <a:srgbClr val="572E2D"/>
-                </a:solidFill>
-                <a:effectLst/>
-                <a:latin typeface="Noteworthy Bold" charset="0"/>
-                <a:ea typeface="Noteworthy Bold" charset="0"/>
-                <a:cs typeface="Noteworthy Bold" charset="0"/>
-                <a:sym typeface="Noteworthy Bold" charset="0"/>
-              </a:rPr>
-              <a:t>Trainings-Kosten</a:t>
-            </a:r>
-            <a:r>
-              <a:rPr lang="de-DE" sz="3200" dirty="0" smtClean="0"/>
-              <a:t> </a:t>
-            </a:r>
-            <a:endParaRPr lang="de-DE" sz="2400" b="0" i="0" u="none" strike="noStrike" kern="1200" dirty="0" smtClean="0">
-              <a:solidFill>
-                <a:srgbClr val="572E2D"/>
-              </a:solidFill>
-              <a:effectLst/>
-              <a:latin typeface="Noteworthy Bold" charset="0"/>
-              <a:sym typeface="Noteworthy Bold" charset="0"/>
-            </a:endParaRPr>
-          </a:p>
-          <a:p>
-            <a:r>
-              <a:rPr lang="de-DE" sz="2800" dirty="0" smtClean="0"/>
-              <a:t> </a:t>
-            </a:r>
-            <a:endParaRPr lang="de-DE" sz="2800" kern="1200" dirty="0" smtClean="0">
-              <a:solidFill>
-                <a:srgbClr val="572E2D"/>
-              </a:solidFill>
-              <a:latin typeface="Noteworthy Bold" charset="0"/>
-              <a:ea typeface="Noteworthy Bold" charset="0"/>
-              <a:cs typeface="Noteworthy Bold" charset="0"/>
-              <a:sym typeface="Noteworthy Bold" charset="0"/>
-            </a:endParaRPr>
+            <a:endParaRPr lang="de-DE" dirty="0"/>
           </a:p>
         </p:txBody>
       </p:sp>
@@ -7703,1378 +1913,220 @@
           <a:lstStyle/>
           <a:p>
             <a:r>
-              <a:rPr lang="de-DE" sz="2800" kern="1200" dirty="0" smtClean="0">
-                <a:solidFill>
-                  <a:srgbClr val="572E2D"/>
-                </a:solidFill>
-                <a:latin typeface="Noteworthy Bold" charset="0"/>
-                <a:ea typeface="Noteworthy Bold" charset="0"/>
-                <a:cs typeface="Noteworthy Bold" charset="0"/>
-                <a:sym typeface="Noteworthy Bold" charset="0"/>
-              </a:rPr>
+              <a:rPr lang="de-DE" sz="2500" dirty="0"/>
               <a:t>Projekt-Name</a:t>
             </a:r>
           </a:p>
           <a:p>
             <a:r>
-              <a:rPr lang="de-DE" sz="2800" kern="1200" dirty="0" smtClean="0">
-                <a:solidFill>
-                  <a:srgbClr val="572E2D"/>
-                </a:solidFill>
-                <a:latin typeface="Noteworthy Bold" charset="0"/>
-                <a:ea typeface="Noteworthy Bold" charset="0"/>
-                <a:cs typeface="Noteworthy Bold" charset="0"/>
-                <a:sym typeface="Noteworthy Bold" charset="0"/>
-              </a:rPr>
-              <a:t>Soll-Ist &amp; Prognose</a:t>
-            </a:r>
-          </a:p>
-          <a:p>
-            <a:r>
-              <a:rPr lang="de-DE" sz="2800" kern="1200" dirty="0" smtClean="0">
-                <a:solidFill>
-                  <a:srgbClr val="572E2D"/>
-                </a:solidFill>
-                <a:latin typeface="Noteworthy Bold" charset="0"/>
-                <a:ea typeface="Noteworthy Bold" charset="0"/>
-                <a:cs typeface="Noteworthy Bold" charset="0"/>
-                <a:sym typeface="Noteworthy Bold" charset="0"/>
-              </a:rPr>
-              <a:t>Projekt-Grafik</a:t>
-            </a:r>
-          </a:p>
-          <a:p>
-            <a:r>
-              <a:rPr lang="de-DE" sz="2800" kern="1200" dirty="0" smtClean="0">
-                <a:solidFill>
-                  <a:srgbClr val="572E2D"/>
-                </a:solidFill>
-                <a:latin typeface="Noteworthy Bold" charset="0"/>
-                <a:ea typeface="Noteworthy Bold" charset="0"/>
-                <a:cs typeface="Noteworthy Bold" charset="0"/>
-                <a:sym typeface="Noteworthy Bold" charset="0"/>
-              </a:rPr>
-              <a:t>Meilenstein Trendanalyse</a:t>
-            </a:r>
-          </a:p>
-          <a:p>
-            <a:r>
-              <a:rPr lang="de-DE" sz="2800" kern="1200" dirty="0" smtClean="0">
-                <a:solidFill>
-                  <a:srgbClr val="572E2D"/>
-                </a:solidFill>
-                <a:latin typeface="Noteworthy Bold" charset="0"/>
-                <a:ea typeface="Noteworthy Bold" charset="0"/>
-                <a:cs typeface="Noteworthy Bold" charset="0"/>
-                <a:sym typeface="Noteworthy Bold" charset="0"/>
-              </a:rPr>
-              <a:t>Vergleich mit Beauftragung</a:t>
-            </a:r>
-          </a:p>
-          <a:p>
-            <a:r>
-              <a:rPr lang="de-DE" sz="2800" kern="1200" dirty="0" smtClean="0">
-                <a:solidFill>
-                  <a:srgbClr val="572E2D"/>
-                </a:solidFill>
-                <a:latin typeface="Noteworthy Bold" charset="0"/>
-                <a:ea typeface="Noteworthy Bold" charset="0"/>
-                <a:cs typeface="Noteworthy Bold" charset="0"/>
-                <a:sym typeface="Noteworthy Bold" charset="0"/>
-              </a:rPr>
-              <a:t>Vergleich mit letztem Stand</a:t>
-            </a:r>
-          </a:p>
-          <a:p>
-            <a:r>
-              <a:rPr lang="de-DE" sz="2800" kern="1200" dirty="0" smtClean="0">
-                <a:solidFill>
-                  <a:srgbClr val="572E2D"/>
-                </a:solidFill>
-                <a:latin typeface="Noteworthy Bold" charset="0"/>
-                <a:ea typeface="Noteworthy Bold" charset="0"/>
-                <a:cs typeface="Noteworthy Bold" charset="0"/>
-                <a:sym typeface="Noteworthy Bold" charset="0"/>
-              </a:rPr>
-              <a:t>Vergleich mit Vorlage</a:t>
-            </a:r>
-          </a:p>
-          <a:p>
-            <a:r>
-              <a:rPr lang="de-DE" sz="2800" kern="1200" dirty="0" smtClean="0">
-                <a:solidFill>
-                  <a:srgbClr val="572E2D"/>
-                </a:solidFill>
-                <a:latin typeface="Noteworthy Bold" charset="0"/>
-                <a:ea typeface="Noteworthy Bold" charset="0"/>
-                <a:cs typeface="Noteworthy Bold" charset="0"/>
-                <a:sym typeface="Noteworthy Bold" charset="0"/>
-              </a:rPr>
-              <a:t>Tabelle Projektziele</a:t>
-            </a:r>
-          </a:p>
-          <a:p>
-            <a:r>
-              <a:rPr lang="de-DE" sz="2800" kern="1200" dirty="0" smtClean="0">
-                <a:solidFill>
-                  <a:srgbClr val="572E2D"/>
-                </a:solidFill>
-                <a:latin typeface="Noteworthy Bold" charset="0"/>
-                <a:ea typeface="Noteworthy Bold" charset="0"/>
-                <a:cs typeface="Noteworthy Bold" charset="0"/>
-                <a:sym typeface="Noteworthy Bold" charset="0"/>
-              </a:rPr>
-              <a:t>Tabelle Projektstatus</a:t>
-            </a:r>
-          </a:p>
-          <a:p>
-            <a:r>
-              <a:rPr lang="de-DE" sz="2800" kern="1200" dirty="0" smtClean="0">
-                <a:solidFill>
-                  <a:srgbClr val="572E2D"/>
-                </a:solidFill>
-                <a:latin typeface="Noteworthy Bold" charset="0"/>
-                <a:ea typeface="Noteworthy Bold" charset="0"/>
-                <a:cs typeface="Noteworthy Bold" charset="0"/>
-                <a:sym typeface="Noteworthy Bold" charset="0"/>
-              </a:rPr>
-              <a:t>Tabelle Veränderungen</a:t>
-            </a:r>
-          </a:p>
-          <a:p>
-            <a:r>
-              <a:rPr lang="de-DE" sz="2800" kern="1200" dirty="0" smtClean="0">
-                <a:solidFill>
-                  <a:srgbClr val="572E2D"/>
-                </a:solidFill>
-                <a:latin typeface="Noteworthy Bold" charset="0"/>
-                <a:ea typeface="Noteworthy Bold" charset="0"/>
-                <a:cs typeface="Noteworthy Bold" charset="0"/>
-                <a:sym typeface="Noteworthy Bold" charset="0"/>
-              </a:rPr>
-              <a:t>Tabelle Vergleich letzter Stand</a:t>
-            </a:r>
-          </a:p>
-          <a:p>
-            <a:r>
-              <a:rPr lang="de-DE" sz="2800" kern="1200" dirty="0" smtClean="0">
-                <a:solidFill>
-                  <a:srgbClr val="572E2D"/>
-                </a:solidFill>
-                <a:latin typeface="Noteworthy Bold" charset="0"/>
-                <a:ea typeface="Noteworthy Bold" charset="0"/>
-                <a:cs typeface="Noteworthy Bold" charset="0"/>
-                <a:sym typeface="Noteworthy Bold" charset="0"/>
-              </a:rPr>
-              <a:t>Tabelle Vergleich Beauftragung</a:t>
-            </a:r>
-          </a:p>
-          <a:p>
-            <a:r>
-              <a:rPr lang="de-DE" sz="2800" kern="1200" dirty="0" smtClean="0">
-                <a:solidFill>
-                  <a:srgbClr val="572E2D"/>
-                </a:solidFill>
-                <a:latin typeface="Noteworthy Bold" charset="0"/>
-                <a:ea typeface="Noteworthy Bold" charset="0"/>
-                <a:cs typeface="Noteworthy Bold" charset="0"/>
-                <a:sym typeface="Noteworthy Bold" charset="0"/>
-              </a:rPr>
+              <a:rPr lang="de-DE" sz="2500" dirty="0"/>
               <a:t>Ergebnis</a:t>
             </a:r>
           </a:p>
           <a:p>
             <a:r>
-              <a:rPr lang="de-DE" sz="2800" kern="1200" dirty="0" smtClean="0">
-                <a:solidFill>
-                  <a:srgbClr val="572E2D"/>
-                </a:solidFill>
-                <a:latin typeface="Noteworthy Bold" charset="0"/>
-                <a:ea typeface="Noteworthy Bold" charset="0"/>
-                <a:cs typeface="Noteworthy Bold" charset="0"/>
-                <a:sym typeface="Noteworthy Bold" charset="0"/>
-              </a:rPr>
+              <a:rPr lang="de-DE" sz="2500" dirty="0"/>
               <a:t>Strategie/Risiko</a:t>
             </a:r>
           </a:p>
           <a:p>
             <a:r>
-              <a:rPr lang="de-DE" sz="2800" kern="1200" dirty="0" smtClean="0">
-                <a:solidFill>
-                  <a:srgbClr val="572E2D"/>
-                </a:solidFill>
-                <a:latin typeface="Noteworthy Bold" charset="0"/>
-                <a:ea typeface="Noteworthy Bold" charset="0"/>
-                <a:cs typeface="Noteworthy Bold" charset="0"/>
-                <a:sym typeface="Noteworthy Bold" charset="0"/>
-              </a:rPr>
+              <a:rPr lang="de-DE" sz="2500" dirty="0"/>
               <a:t>Teilprojekte</a:t>
             </a:r>
           </a:p>
           <a:p>
             <a:r>
-              <a:rPr lang="de-DE" sz="2800" kern="1200" dirty="0" smtClean="0">
-                <a:solidFill>
-                  <a:srgbClr val="572E2D"/>
-                </a:solidFill>
-                <a:latin typeface="Noteworthy Bold" charset="0"/>
-                <a:ea typeface="Noteworthy Bold" charset="0"/>
-                <a:cs typeface="Noteworthy Bold" charset="0"/>
-                <a:sym typeface="Noteworthy Bold" charset="0"/>
-              </a:rPr>
+              <a:rPr lang="de-DE" sz="2500" dirty="0"/>
               <a:t>Personalbedarf</a:t>
             </a:r>
           </a:p>
           <a:p>
             <a:r>
-              <a:rPr lang="de-DE" sz="2800" kern="1200" dirty="0" smtClean="0">
-                <a:solidFill>
-                  <a:srgbClr val="572E2D"/>
-                </a:solidFill>
-                <a:latin typeface="Noteworthy Bold" charset="0"/>
-                <a:ea typeface="Noteworthy Bold" charset="0"/>
-                <a:cs typeface="Noteworthy Bold" charset="0"/>
-                <a:sym typeface="Noteworthy Bold" charset="0"/>
-              </a:rPr>
+              <a:rPr lang="de-DE" sz="2500" dirty="0"/>
               <a:t>Personalkosten</a:t>
             </a:r>
           </a:p>
           <a:p>
             <a:r>
-              <a:rPr lang="de-DE" sz="2800" kern="1200" dirty="0" smtClean="0">
-                <a:solidFill>
-                  <a:srgbClr val="572E2D"/>
-                </a:solidFill>
-                <a:latin typeface="Noteworthy Bold" charset="0"/>
-                <a:ea typeface="Noteworthy Bold" charset="0"/>
-                <a:cs typeface="Noteworthy Bold" charset="0"/>
-                <a:sym typeface="Noteworthy Bold" charset="0"/>
-              </a:rPr>
+              <a:rPr lang="de-DE" sz="2500" dirty="0"/>
               <a:t>Sonstige Kosten</a:t>
             </a:r>
           </a:p>
           <a:p>
             <a:r>
-              <a:rPr lang="de-DE" sz="2800" kern="1200" dirty="0" smtClean="0">
-                <a:solidFill>
-                  <a:srgbClr val="572E2D"/>
-                </a:solidFill>
-                <a:latin typeface="Noteworthy Bold" charset="0"/>
-                <a:ea typeface="Noteworthy Bold" charset="0"/>
-                <a:cs typeface="Noteworthy Bold" charset="0"/>
-                <a:sym typeface="Noteworthy Bold" charset="0"/>
-              </a:rPr>
+              <a:rPr lang="de-DE" sz="2500" dirty="0"/>
               <a:t>Gesamtkosten</a:t>
             </a:r>
           </a:p>
           <a:p>
             <a:r>
-              <a:rPr lang="de-DE" sz="2800" kern="1200" dirty="0" smtClean="0">
-                <a:solidFill>
-                  <a:srgbClr val="572E2D"/>
-                </a:solidFill>
-                <a:latin typeface="Noteworthy Bold" charset="0"/>
-                <a:ea typeface="Noteworthy Bold" charset="0"/>
-                <a:cs typeface="Noteworthy Bold" charset="0"/>
-                <a:sym typeface="Noteworthy Bold" charset="0"/>
-              </a:rPr>
-              <a:t>Trend Strategischer Fit/Risiko</a:t>
-            </a:r>
-          </a:p>
-          <a:p>
-            <a:r>
-              <a:rPr lang="de-DE" sz="2800" kern="1200" dirty="0" smtClean="0">
-                <a:solidFill>
-                  <a:srgbClr val="572E2D"/>
-                </a:solidFill>
-                <a:latin typeface="Noteworthy Bold" charset="0"/>
-                <a:ea typeface="Noteworthy Bold" charset="0"/>
-                <a:cs typeface="Noteworthy Bold" charset="0"/>
-                <a:sym typeface="Noteworthy Bold" charset="0"/>
-              </a:rPr>
-              <a:t>Trend Kennzahlen</a:t>
-            </a:r>
-          </a:p>
-          <a:p>
-            <a:r>
-              <a:rPr lang="de-DE" sz="2800" kern="1200" dirty="0" smtClean="0">
-                <a:solidFill>
-                  <a:srgbClr val="572E2D"/>
-                </a:solidFill>
-                <a:latin typeface="Noteworthy Bold" charset="0"/>
-                <a:ea typeface="Noteworthy Bold" charset="0"/>
-                <a:cs typeface="Noteworthy Bold" charset="0"/>
-                <a:sym typeface="Noteworthy Bold" charset="0"/>
-              </a:rPr>
+              <a:rPr lang="de-DE" sz="2500" dirty="0"/>
               <a:t>Fortschritt Personalkosten</a:t>
             </a:r>
           </a:p>
           <a:p>
             <a:r>
-              <a:rPr lang="de-DE" sz="2800" kern="1200" dirty="0" smtClean="0">
-                <a:solidFill>
-                  <a:srgbClr val="572E2D"/>
-                </a:solidFill>
-                <a:latin typeface="Noteworthy Bold" charset="0"/>
-                <a:ea typeface="Noteworthy Bold" charset="0"/>
-                <a:cs typeface="Noteworthy Bold" charset="0"/>
-                <a:sym typeface="Noteworthy Bold" charset="0"/>
-              </a:rPr>
+              <a:rPr lang="de-DE" sz="2500" dirty="0"/>
               <a:t>Fortschritt Sonstige Kosten</a:t>
             </a:r>
           </a:p>
           <a:p>
             <a:r>
-              <a:rPr lang="de-DE" sz="2800" kern="1200" dirty="0" smtClean="0">
-                <a:solidFill>
-                  <a:srgbClr val="572E2D"/>
-                </a:solidFill>
-                <a:latin typeface="Noteworthy Bold" charset="0"/>
-                <a:ea typeface="Noteworthy Bold" charset="0"/>
-                <a:cs typeface="Noteworthy Bold" charset="0"/>
-                <a:sym typeface="Noteworthy Bold" charset="0"/>
-              </a:rPr>
-              <a:t>Fortschritt Rolle(..)</a:t>
-            </a:r>
-          </a:p>
-          <a:p>
-            <a:r>
-              <a:rPr lang="de-DE" sz="2800" kern="1200" dirty="0" smtClean="0">
-                <a:solidFill>
-                  <a:srgbClr val="572E2D"/>
-                </a:solidFill>
-                <a:latin typeface="Noteworthy Bold" charset="0"/>
-                <a:ea typeface="Noteworthy Bold" charset="0"/>
-                <a:cs typeface="Noteworthy Bold" charset="0"/>
-                <a:sym typeface="Noteworthy Bold" charset="0"/>
-              </a:rPr>
-              <a:t>Fortschritt Kostenart(..)</a:t>
-            </a:r>
-          </a:p>
-          <a:p>
-            <a:r>
-              <a:rPr lang="de-DE" sz="2800" kern="1200" dirty="0" smtClean="0">
-                <a:solidFill>
-                  <a:srgbClr val="572E2D"/>
-                </a:solidFill>
-                <a:latin typeface="Noteworthy Bold" charset="0"/>
-                <a:ea typeface="Noteworthy Bold" charset="0"/>
-                <a:cs typeface="Noteworthy Bold" charset="0"/>
-                <a:sym typeface="Noteworthy Bold" charset="0"/>
-              </a:rPr>
+              <a:rPr lang="de-DE" sz="2500" dirty="0"/>
+              <a:t>Fortschritt Gesamtkosten</a:t>
+            </a:r>
+          </a:p>
+          <a:p>
+            <a:r>
+              <a:rPr lang="de-DE" sz="2500" dirty="0"/>
+              <a:t>Fortschritt Rolle(…)</a:t>
+            </a:r>
+          </a:p>
+          <a:p>
+            <a:r>
+              <a:rPr lang="de-DE" sz="2500" dirty="0"/>
+              <a:t>Fortschritt Kostenart(…)</a:t>
+            </a:r>
+          </a:p>
+          <a:p>
+            <a:endParaRPr lang="de-DE" sz="2500" dirty="0"/>
+          </a:p>
+          <a:p>
+            <a:r>
+              <a:rPr lang="de-DE" sz="2500" dirty="0"/>
               <a:t>Soll-Ist1 Personalkosten</a:t>
             </a:r>
           </a:p>
           <a:p>
-            <a:r>
-              <a:rPr lang="de-DE" sz="2800" kern="1200" dirty="0" smtClean="0">
-                <a:solidFill>
-                  <a:srgbClr val="572E2D"/>
-                </a:solidFill>
-                <a:latin typeface="Noteworthy Bold" charset="0"/>
-                <a:ea typeface="Noteworthy Bold" charset="0"/>
-                <a:cs typeface="Noteworthy Bold" charset="0"/>
-                <a:sym typeface="Noteworthy Bold" charset="0"/>
-              </a:rPr>
+            <a:pPr defTabSz="481706">
+              <a:lnSpc>
+                <a:spcPts val="3688"/>
+              </a:lnSpc>
+              <a:defRPr/>
+            </a:pPr>
+            <a:r>
+              <a:rPr lang="de-DE" sz="2500" dirty="0"/>
               <a:t>Soll-Ist2 Personalkosten</a:t>
             </a:r>
           </a:p>
           <a:p>
-            <a:r>
-              <a:rPr lang="de-DE" sz="2800" kern="1200" dirty="0" smtClean="0">
-                <a:solidFill>
-                  <a:srgbClr val="572E2D"/>
-                </a:solidFill>
-                <a:latin typeface="Noteworthy Bold" charset="0"/>
-                <a:ea typeface="Noteworthy Bold" charset="0"/>
-                <a:cs typeface="Noteworthy Bold" charset="0"/>
-                <a:sym typeface="Noteworthy Bold" charset="0"/>
-              </a:rPr>
-              <a:t>Soll-Ist1C Personalkosten</a:t>
-            </a:r>
-          </a:p>
-          <a:p>
-            <a:r>
-              <a:rPr lang="de-DE" sz="2800" kern="1200" dirty="0" smtClean="0">
-                <a:solidFill>
-                  <a:srgbClr val="572E2D"/>
-                </a:solidFill>
-                <a:latin typeface="Noteworthy Bold" charset="0"/>
-                <a:ea typeface="Noteworthy Bold" charset="0"/>
-                <a:cs typeface="Noteworthy Bold" charset="0"/>
-                <a:sym typeface="Noteworthy Bold" charset="0"/>
-              </a:rPr>
-              <a:t>Soll-Ist2C Personalkosten</a:t>
-            </a:r>
-          </a:p>
-          <a:p>
-            <a:r>
-              <a:rPr lang="de-DE" sz="2800" kern="1200" dirty="0" smtClean="0">
-                <a:solidFill>
-                  <a:srgbClr val="572E2D"/>
-                </a:solidFill>
-                <a:latin typeface="Noteworthy Bold" charset="0"/>
-                <a:ea typeface="Noteworthy Bold" charset="0"/>
-                <a:cs typeface="Noteworthy Bold" charset="0"/>
-                <a:sym typeface="Noteworthy Bold" charset="0"/>
-              </a:rPr>
+            <a:endParaRPr lang="de-DE" sz="2500" dirty="0"/>
+          </a:p>
+          <a:p>
+            <a:r>
+              <a:rPr lang="de-DE" sz="2500" dirty="0"/>
               <a:t>Soll-Ist1 Sonstige Kosten</a:t>
             </a:r>
           </a:p>
           <a:p>
-            <a:r>
-              <a:rPr lang="de-DE" sz="2800" kern="1200" dirty="0" smtClean="0">
-                <a:solidFill>
-                  <a:srgbClr val="572E2D"/>
-                </a:solidFill>
-                <a:latin typeface="Noteworthy Bold" charset="0"/>
-                <a:ea typeface="Noteworthy Bold" charset="0"/>
-                <a:cs typeface="Noteworthy Bold" charset="0"/>
-                <a:sym typeface="Noteworthy Bold" charset="0"/>
-              </a:rPr>
+            <a:pPr defTabSz="481706">
+              <a:lnSpc>
+                <a:spcPts val="3688"/>
+              </a:lnSpc>
+              <a:defRPr/>
+            </a:pPr>
+            <a:r>
+              <a:rPr lang="de-DE" sz="2500" dirty="0"/>
               <a:t>Soll-Ist2 Sonstige Kosten</a:t>
             </a:r>
           </a:p>
           <a:p>
-            <a:r>
-              <a:rPr lang="de-DE" sz="2800" kern="1200" dirty="0" smtClean="0">
-                <a:solidFill>
-                  <a:srgbClr val="572E2D"/>
-                </a:solidFill>
-                <a:latin typeface="Noteworthy Bold" charset="0"/>
-                <a:ea typeface="Noteworthy Bold" charset="0"/>
-                <a:cs typeface="Noteworthy Bold" charset="0"/>
-                <a:sym typeface="Noteworthy Bold" charset="0"/>
-              </a:rPr>
-              <a:t>Soll-Ist1C Sonstige Kosten</a:t>
-            </a:r>
-          </a:p>
-          <a:p>
-            <a:r>
-              <a:rPr lang="de-DE" sz="2800" kern="1200" dirty="0" smtClean="0">
-                <a:solidFill>
-                  <a:srgbClr val="572E2D"/>
-                </a:solidFill>
-                <a:latin typeface="Noteworthy Bold" charset="0"/>
-                <a:ea typeface="Noteworthy Bold" charset="0"/>
-                <a:cs typeface="Noteworthy Bold" charset="0"/>
-                <a:sym typeface="Noteworthy Bold" charset="0"/>
-              </a:rPr>
-              <a:t>Soll-Ist2C Sonstige Kosten</a:t>
-            </a:r>
-          </a:p>
-          <a:p>
-            <a:r>
-              <a:rPr lang="de-DE" sz="2800" kern="1200" dirty="0" smtClean="0">
-                <a:solidFill>
-                  <a:srgbClr val="572E2D"/>
-                </a:solidFill>
-                <a:latin typeface="Noteworthy Bold" charset="0"/>
-                <a:ea typeface="Noteworthy Bold" charset="0"/>
-                <a:cs typeface="Noteworthy Bold" charset="0"/>
-                <a:sym typeface="Noteworthy Bold" charset="0"/>
-              </a:rPr>
+            <a:endParaRPr lang="de-DE" sz="2500" dirty="0"/>
+          </a:p>
+          <a:p>
+            <a:r>
+              <a:rPr lang="de-DE" sz="2500" dirty="0"/>
               <a:t>Soll-Ist1 Gesamtkosten</a:t>
             </a:r>
           </a:p>
           <a:p>
-            <a:r>
-              <a:rPr lang="de-DE" sz="2800" kern="1200" dirty="0" smtClean="0">
-                <a:solidFill>
-                  <a:srgbClr val="572E2D"/>
-                </a:solidFill>
-                <a:latin typeface="Noteworthy Bold" charset="0"/>
-                <a:ea typeface="Noteworthy Bold" charset="0"/>
-                <a:cs typeface="Noteworthy Bold" charset="0"/>
-                <a:sym typeface="Noteworthy Bold" charset="0"/>
-              </a:rPr>
+            <a:pPr defTabSz="481706">
+              <a:lnSpc>
+                <a:spcPts val="3688"/>
+              </a:lnSpc>
+              <a:defRPr/>
+            </a:pPr>
+            <a:r>
+              <a:rPr lang="de-DE" sz="2500" dirty="0"/>
               <a:t>Soll-Ist2 Gesamtkosten</a:t>
             </a:r>
           </a:p>
           <a:p>
-            <a:r>
-              <a:rPr lang="de-DE" sz="2800" kern="1200" dirty="0" smtClean="0">
-                <a:solidFill>
-                  <a:srgbClr val="572E2D"/>
-                </a:solidFill>
-                <a:latin typeface="Noteworthy Bold" charset="0"/>
-                <a:ea typeface="Noteworthy Bold" charset="0"/>
-                <a:cs typeface="Noteworthy Bold" charset="0"/>
-                <a:sym typeface="Noteworthy Bold" charset="0"/>
-              </a:rPr>
-              <a:t>Soll-Ist1C Gesamtkosten</a:t>
-            </a:r>
-          </a:p>
-          <a:p>
-            <a:r>
-              <a:rPr lang="de-DE" sz="2800" kern="1200" dirty="0" smtClean="0">
-                <a:solidFill>
-                  <a:srgbClr val="572E2D"/>
-                </a:solidFill>
-                <a:latin typeface="Noteworthy Bold" charset="0"/>
-                <a:ea typeface="Noteworthy Bold" charset="0"/>
-                <a:cs typeface="Noteworthy Bold" charset="0"/>
-                <a:sym typeface="Noteworthy Bold" charset="0"/>
-              </a:rPr>
-              <a:t>Soll-Ist2C Gesamtkosten</a:t>
-            </a:r>
-          </a:p>
-          <a:p>
-            <a:r>
-              <a:rPr lang="de-DE" sz="2800" kern="1200" dirty="0" smtClean="0">
-                <a:solidFill>
-                  <a:srgbClr val="572E2D"/>
-                </a:solidFill>
-                <a:latin typeface="Noteworthy Bold" charset="0"/>
-                <a:ea typeface="Noteworthy Bold" charset="0"/>
-                <a:cs typeface="Noteworthy Bold" charset="0"/>
-                <a:sym typeface="Noteworthy Bold" charset="0"/>
-              </a:rPr>
-              <a:t>Soll-Ist1 Rolle</a:t>
-            </a:r>
-          </a:p>
-          <a:p>
-            <a:r>
-              <a:rPr lang="de-DE" sz="2800" kern="1200" dirty="0" smtClean="0">
-                <a:solidFill>
-                  <a:srgbClr val="572E2D"/>
-                </a:solidFill>
-                <a:latin typeface="Noteworthy Bold" charset="0"/>
-                <a:ea typeface="Noteworthy Bold" charset="0"/>
-                <a:cs typeface="Noteworthy Bold" charset="0"/>
-                <a:sym typeface="Noteworthy Bold" charset="0"/>
-              </a:rPr>
-              <a:t>Soll-Ist2 Rolle</a:t>
-            </a:r>
-          </a:p>
-          <a:p>
-            <a:r>
-              <a:rPr lang="de-DE" sz="2800" kern="1200" dirty="0" smtClean="0">
-                <a:solidFill>
-                  <a:srgbClr val="572E2D"/>
-                </a:solidFill>
-                <a:latin typeface="Noteworthy Bold" charset="0"/>
-                <a:ea typeface="Noteworthy Bold" charset="0"/>
-                <a:cs typeface="Noteworthy Bold" charset="0"/>
-                <a:sym typeface="Noteworthy Bold" charset="0"/>
-              </a:rPr>
-              <a:t>Soll-Ist1C Rolle</a:t>
-            </a:r>
-          </a:p>
-          <a:p>
-            <a:r>
-              <a:rPr lang="de-DE" sz="2800" kern="1200" dirty="0" smtClean="0">
-                <a:solidFill>
-                  <a:srgbClr val="572E2D"/>
-                </a:solidFill>
-                <a:latin typeface="Noteworthy Bold" charset="0"/>
-                <a:ea typeface="Noteworthy Bold" charset="0"/>
-                <a:cs typeface="Noteworthy Bold" charset="0"/>
-                <a:sym typeface="Noteworthy Bold" charset="0"/>
-              </a:rPr>
-              <a:t>Soll-Ist2C Rolle</a:t>
-            </a:r>
-          </a:p>
-          <a:p>
-            <a:r>
-              <a:rPr lang="de-DE" sz="2800" kern="1200" dirty="0" smtClean="0">
-                <a:solidFill>
-                  <a:srgbClr val="572E2D"/>
-                </a:solidFill>
-                <a:latin typeface="Noteworthy Bold" charset="0"/>
-                <a:ea typeface="Noteworthy Bold" charset="0"/>
-                <a:cs typeface="Noteworthy Bold" charset="0"/>
-                <a:sym typeface="Noteworthy Bold" charset="0"/>
-              </a:rPr>
-              <a:t>Soll-Ist1 Kostenart</a:t>
-            </a:r>
-          </a:p>
-          <a:p>
-            <a:r>
-              <a:rPr lang="de-DE" sz="2800" kern="1200" dirty="0" smtClean="0">
-                <a:solidFill>
-                  <a:srgbClr val="572E2D"/>
-                </a:solidFill>
-                <a:latin typeface="Noteworthy Bold" charset="0"/>
-                <a:ea typeface="Noteworthy Bold" charset="0"/>
-                <a:cs typeface="Noteworthy Bold" charset="0"/>
-                <a:sym typeface="Noteworthy Bold" charset="0"/>
-              </a:rPr>
-              <a:t>Soll-Ist2 Kostenart</a:t>
-            </a:r>
-          </a:p>
-          <a:p>
-            <a:r>
-              <a:rPr lang="de-DE" sz="2800" kern="1200" dirty="0" smtClean="0">
-                <a:solidFill>
-                  <a:srgbClr val="572E2D"/>
-                </a:solidFill>
-                <a:latin typeface="Noteworthy Bold" charset="0"/>
-                <a:ea typeface="Noteworthy Bold" charset="0"/>
-                <a:cs typeface="Noteworthy Bold" charset="0"/>
-                <a:sym typeface="Noteworthy Bold" charset="0"/>
-              </a:rPr>
-              <a:t>Soll-Ist1C Kostenart</a:t>
-            </a:r>
-          </a:p>
-          <a:p>
-            <a:r>
-              <a:rPr lang="de-DE" sz="2800" kern="1200" dirty="0" smtClean="0">
-                <a:solidFill>
-                  <a:srgbClr val="572E2D"/>
-                </a:solidFill>
-                <a:latin typeface="Noteworthy Bold" charset="0"/>
-                <a:ea typeface="Noteworthy Bold" charset="0"/>
-                <a:cs typeface="Noteworthy Bold" charset="0"/>
-                <a:sym typeface="Noteworthy Bold" charset="0"/>
-              </a:rPr>
-              <a:t>Soll-Ist2C Kostenart</a:t>
-            </a:r>
-          </a:p>
-          <a:p>
-            <a:r>
-              <a:rPr lang="de-DE" sz="2800" kern="1200" dirty="0" smtClean="0">
-                <a:solidFill>
-                  <a:srgbClr val="572E2D"/>
-                </a:solidFill>
-                <a:latin typeface="Noteworthy Bold" charset="0"/>
-                <a:ea typeface="Noteworthy Bold" charset="0"/>
-                <a:cs typeface="Noteworthy Bold" charset="0"/>
-                <a:sym typeface="Noteworthy Bold" charset="0"/>
-              </a:rPr>
+            <a:endParaRPr lang="de-DE" sz="2500" dirty="0"/>
+          </a:p>
+          <a:p>
+            <a:r>
+              <a:rPr lang="de-DE" sz="2500" dirty="0"/>
+              <a:t>Soll-Ist1 Rolle (…)</a:t>
+            </a:r>
+          </a:p>
+          <a:p>
+            <a:pPr defTabSz="481706">
+              <a:lnSpc>
+                <a:spcPts val="3688"/>
+              </a:lnSpc>
+              <a:defRPr/>
+            </a:pPr>
+            <a:r>
+              <a:rPr lang="de-DE" sz="2500" dirty="0"/>
+              <a:t>Soll-Ist2 Rolle (…)</a:t>
+            </a:r>
+          </a:p>
+          <a:p>
+            <a:endParaRPr lang="de-DE" sz="2500" dirty="0"/>
+          </a:p>
+          <a:p>
+            <a:r>
+              <a:rPr lang="de-DE" sz="2500" dirty="0"/>
+              <a:t>Soll-Ist1 Kostenart (…)</a:t>
+            </a:r>
+          </a:p>
+          <a:p>
+            <a:pPr defTabSz="481706">
+              <a:lnSpc>
+                <a:spcPts val="3688"/>
+              </a:lnSpc>
+              <a:defRPr/>
+            </a:pPr>
+            <a:r>
+              <a:rPr lang="de-DE" sz="2500" dirty="0"/>
+              <a:t>Soll-Ist2 Kostenart (…)</a:t>
+            </a:r>
+          </a:p>
+          <a:p>
+            <a:endParaRPr lang="de-DE" sz="2500" dirty="0"/>
+          </a:p>
+          <a:p>
+            <a:r>
+              <a:rPr lang="de-DE" sz="2500" dirty="0"/>
               <a:t>Ampel-Farbe</a:t>
             </a:r>
           </a:p>
           <a:p>
             <a:r>
-              <a:rPr lang="de-DE" sz="2800" kern="1200" dirty="0" smtClean="0">
-                <a:solidFill>
-                  <a:srgbClr val="572E2D"/>
-                </a:solidFill>
-                <a:latin typeface="Noteworthy Bold" charset="0"/>
-                <a:ea typeface="Noteworthy Bold" charset="0"/>
-                <a:cs typeface="Noteworthy Bold" charset="0"/>
-                <a:sym typeface="Noteworthy Bold" charset="0"/>
-              </a:rPr>
+              <a:rPr lang="de-DE" sz="2500" dirty="0"/>
               <a:t>Beschreibung</a:t>
             </a:r>
           </a:p>
           <a:p>
             <a:r>
-              <a:rPr lang="de-DE" sz="2800" kern="1200" dirty="0" smtClean="0">
-                <a:solidFill>
-                  <a:srgbClr val="572E2D"/>
-                </a:solidFill>
-                <a:latin typeface="Noteworthy Bold" charset="0"/>
-                <a:ea typeface="Noteworthy Bold" charset="0"/>
-                <a:cs typeface="Noteworthy Bold" charset="0"/>
-                <a:sym typeface="Noteworthy Bold" charset="0"/>
-              </a:rPr>
+              <a:rPr lang="de-DE" sz="2500" dirty="0"/>
               <a:t>Stand:</a:t>
             </a:r>
           </a:p>
           <a:p>
             <a:r>
-              <a:rPr lang="de-DE" sz="2800" kern="1200" dirty="0" smtClean="0">
-                <a:solidFill>
-                  <a:srgbClr val="572E2D"/>
-                </a:solidFill>
-                <a:latin typeface="Noteworthy Bold" charset="0"/>
-                <a:ea typeface="Noteworthy Bold" charset="0"/>
-                <a:cs typeface="Noteworthy Bold" charset="0"/>
-                <a:sym typeface="Noteworthy Bold" charset="0"/>
-              </a:rPr>
+              <a:rPr lang="de-DE" sz="2500" dirty="0"/>
               <a:t>Laufzeit:</a:t>
             </a:r>
           </a:p>
           <a:p>
             <a:r>
-              <a:rPr lang="de-DE" sz="2800" kern="1200" dirty="0" smtClean="0">
-                <a:solidFill>
-                  <a:srgbClr val="572E2D"/>
-                </a:solidFill>
-                <a:latin typeface="Noteworthy Bold" charset="0"/>
-                <a:ea typeface="Noteworthy Bold" charset="0"/>
-                <a:cs typeface="Noteworthy Bold" charset="0"/>
-                <a:sym typeface="Noteworthy Bold" charset="0"/>
-              </a:rPr>
+              <a:rPr lang="de-DE" sz="2500" dirty="0"/>
               <a:t>Verantwortlich:</a:t>
             </a:r>
-          </a:p>
-          <a:p>
-            <a:endParaRPr lang="de-DE" sz="2800" kern="1200" dirty="0" smtClean="0">
-              <a:solidFill>
-                <a:srgbClr val="572E2D"/>
-              </a:solidFill>
-              <a:latin typeface="Noteworthy Bold" charset="0"/>
-              <a:ea typeface="Noteworthy Bold" charset="0"/>
-              <a:cs typeface="Noteworthy Bold" charset="0"/>
-              <a:sym typeface="Noteworthy Bold" charset="0"/>
-            </a:endParaRPr>
-          </a:p>
-          <a:p>
-            <a:r>
-              <a:rPr lang="de-DE" sz="2800" kern="1200" dirty="0" smtClean="0">
-                <a:solidFill>
-                  <a:srgbClr val="572E2D"/>
-                </a:solidFill>
-                <a:latin typeface="Noteworthy Bold" charset="0"/>
-                <a:ea typeface="Noteworthy Bold" charset="0"/>
-                <a:cs typeface="Noteworthy Bold" charset="0"/>
-                <a:sym typeface="Noteworthy Bold" charset="0"/>
-              </a:rPr>
-              <a:t>--------------------------------</a:t>
-            </a:r>
-          </a:p>
-          <a:p>
-            <a:endParaRPr lang="de-DE" sz="2800" kern="1200" dirty="0" smtClean="0">
-              <a:solidFill>
-                <a:srgbClr val="572E2D"/>
-              </a:solidFill>
-              <a:latin typeface="Noteworthy Bold" charset="0"/>
-              <a:ea typeface="Noteworthy Bold" charset="0"/>
-              <a:cs typeface="Noteworthy Bold" charset="0"/>
-              <a:sym typeface="Noteworthy Bold" charset="0"/>
-            </a:endParaRPr>
-          </a:p>
-          <a:p>
-            <a:r>
-              <a:rPr lang="de-DE" sz="2800" kern="1200" dirty="0" smtClean="0">
-                <a:solidFill>
-                  <a:srgbClr val="572E2D"/>
-                </a:solidFill>
-                <a:latin typeface="Noteworthy Bold" charset="0"/>
-                <a:ea typeface="Noteworthy Bold" charset="0"/>
-                <a:cs typeface="Noteworthy Bold" charset="0"/>
-                <a:sym typeface="Noteworthy Bold" charset="0"/>
-              </a:rPr>
-              <a:t>Phasen: </a:t>
-            </a:r>
-          </a:p>
-          <a:p>
-            <a:r>
-              <a:rPr lang="de-DE" sz="2400" b="0" i="0" u="none" strike="noStrike" kern="1200" dirty="0" smtClean="0">
-                <a:solidFill>
-                  <a:srgbClr val="572E2D"/>
-                </a:solidFill>
-                <a:effectLst/>
-                <a:latin typeface="Noteworthy Bold" charset="0"/>
-                <a:ea typeface="Noteworthy Bold" charset="0"/>
-                <a:cs typeface="Noteworthy Bold" charset="0"/>
-                <a:sym typeface="Noteworthy Bold" charset="0"/>
-              </a:rPr>
-              <a:t>Business Case</a:t>
-            </a:r>
-            <a:endParaRPr lang="de-DE" sz="2800" dirty="0" smtClean="0"/>
-          </a:p>
-          <a:p>
-            <a:r>
-              <a:rPr lang="de-DE" sz="2400" b="0" i="0" u="none" strike="noStrike" kern="1200" dirty="0" smtClean="0">
-                <a:solidFill>
-                  <a:srgbClr val="572E2D"/>
-                </a:solidFill>
-                <a:effectLst/>
-                <a:latin typeface="Noteworthy Bold" charset="0"/>
-                <a:ea typeface="Noteworthy Bold" charset="0"/>
-                <a:cs typeface="Noteworthy Bold" charset="0"/>
-                <a:sym typeface="Noteworthy Bold" charset="0"/>
-              </a:rPr>
-              <a:t>Konzept</a:t>
-            </a:r>
-            <a:endParaRPr lang="de-DE" sz="2800" dirty="0" smtClean="0"/>
-          </a:p>
-          <a:p>
-            <a:r>
-              <a:rPr lang="de-DE" sz="2400" b="0" i="0" u="none" strike="noStrike" kern="1200" dirty="0" smtClean="0">
-                <a:solidFill>
-                  <a:srgbClr val="572E2D"/>
-                </a:solidFill>
-                <a:effectLst/>
-                <a:latin typeface="Noteworthy Bold" charset="0"/>
-                <a:ea typeface="Noteworthy Bold" charset="0"/>
-                <a:cs typeface="Noteworthy Bold" charset="0"/>
-                <a:sym typeface="Noteworthy Bold" charset="0"/>
-              </a:rPr>
-              <a:t>Entwicklung</a:t>
-            </a:r>
-            <a:endParaRPr lang="de-DE" sz="2800" dirty="0" smtClean="0"/>
-          </a:p>
-          <a:p>
-            <a:r>
-              <a:rPr lang="de-DE" sz="2400" b="0" i="0" u="none" strike="noStrike" kern="1200" dirty="0" smtClean="0">
-                <a:solidFill>
-                  <a:srgbClr val="572E2D"/>
-                </a:solidFill>
-                <a:effectLst/>
-                <a:latin typeface="Noteworthy Bold" charset="0"/>
-                <a:ea typeface="Noteworthy Bold" charset="0"/>
-                <a:cs typeface="Noteworthy Bold" charset="0"/>
-                <a:sym typeface="Noteworthy Bold" charset="0"/>
-              </a:rPr>
-              <a:t>Prototyp</a:t>
-            </a:r>
-            <a:endParaRPr lang="de-DE" sz="2800" dirty="0" smtClean="0"/>
-          </a:p>
-          <a:p>
-            <a:r>
-              <a:rPr lang="de-DE" sz="2400" b="0" i="0" u="none" strike="noStrike" kern="1200" dirty="0" smtClean="0">
-                <a:solidFill>
-                  <a:srgbClr val="572E2D"/>
-                </a:solidFill>
-                <a:effectLst/>
-                <a:latin typeface="Noteworthy Bold" charset="0"/>
-                <a:ea typeface="Noteworthy Bold" charset="0"/>
-                <a:cs typeface="Noteworthy Bold" charset="0"/>
-                <a:sym typeface="Noteworthy Bold" charset="0"/>
-              </a:rPr>
-              <a:t>Test</a:t>
-            </a:r>
-            <a:endParaRPr lang="de-DE" sz="2800" dirty="0" smtClean="0"/>
-          </a:p>
-          <a:p>
-            <a:r>
-              <a:rPr lang="de-DE" sz="2400" b="0" i="0" u="none" strike="noStrike" kern="1200" dirty="0" smtClean="0">
-                <a:solidFill>
-                  <a:srgbClr val="572E2D"/>
-                </a:solidFill>
-                <a:effectLst/>
-                <a:latin typeface="Noteworthy Bold" charset="0"/>
-                <a:ea typeface="Noteworthy Bold" charset="0"/>
-                <a:cs typeface="Noteworthy Bold" charset="0"/>
-                <a:sym typeface="Noteworthy Bold" charset="0"/>
-              </a:rPr>
-              <a:t>Rollout</a:t>
-            </a:r>
-          </a:p>
-          <a:p>
-            <a:endParaRPr lang="de-DE" sz="2400" b="0" i="0" u="none" strike="noStrike" kern="1200" dirty="0" smtClean="0">
-              <a:solidFill>
-                <a:srgbClr val="572E2D"/>
-              </a:solidFill>
-              <a:effectLst/>
-              <a:latin typeface="Noteworthy Bold" charset="0"/>
-              <a:sym typeface="Noteworthy Bold" charset="0"/>
-            </a:endParaRPr>
-          </a:p>
-          <a:p>
-            <a:r>
-              <a:rPr lang="de-DE" sz="2400" b="0" i="0" u="none" strike="noStrike" kern="1200" dirty="0" smtClean="0">
-                <a:solidFill>
-                  <a:srgbClr val="572E2D"/>
-                </a:solidFill>
-                <a:effectLst/>
-                <a:latin typeface="Noteworthy Bold" charset="0"/>
-                <a:sym typeface="Noteworthy Bold" charset="0"/>
-              </a:rPr>
-              <a:t>Meilensteine: </a:t>
-            </a:r>
-          </a:p>
-          <a:p>
-            <a:r>
-              <a:rPr lang="de-DE" sz="2400" b="0" i="0" u="none" strike="noStrike" kern="1200" dirty="0" smtClean="0">
-                <a:solidFill>
-                  <a:srgbClr val="572E2D"/>
-                </a:solidFill>
-                <a:effectLst/>
-                <a:latin typeface="Noteworthy Bold" charset="0"/>
-                <a:ea typeface="Noteworthy Bold" charset="0"/>
-                <a:cs typeface="Noteworthy Bold" charset="0"/>
-                <a:sym typeface="Noteworthy Bold" charset="0"/>
-              </a:rPr>
-              <a:t>Projektskizze</a:t>
-            </a:r>
-          </a:p>
-          <a:p>
-            <a:r>
-              <a:rPr lang="de-DE" sz="2400" b="0" i="0" u="none" strike="noStrike" kern="1200" dirty="0" smtClean="0">
-                <a:solidFill>
-                  <a:srgbClr val="572E2D"/>
-                </a:solidFill>
-                <a:effectLst/>
-                <a:latin typeface="Noteworthy Bold" charset="0"/>
-                <a:ea typeface="Noteworthy Bold" charset="0"/>
-                <a:cs typeface="Noteworthy Bold" charset="0"/>
-                <a:sym typeface="Noteworthy Bold" charset="0"/>
-              </a:rPr>
-              <a:t>Kosten-/Nutzen Analyse</a:t>
-            </a:r>
-          </a:p>
-          <a:p>
-            <a:r>
-              <a:rPr lang="de-DE" sz="2400" b="0" i="0" u="none" strike="noStrike" kern="1200" dirty="0" smtClean="0">
-                <a:solidFill>
-                  <a:srgbClr val="572E2D"/>
-                </a:solidFill>
-                <a:effectLst/>
-                <a:latin typeface="Noteworthy Bold" charset="0"/>
-                <a:ea typeface="Noteworthy Bold" charset="0"/>
-                <a:cs typeface="Noteworthy Bold" charset="0"/>
-                <a:sym typeface="Noteworthy Bold" charset="0"/>
-              </a:rPr>
-              <a:t>Wettbewerbsanalyse</a:t>
-            </a:r>
-          </a:p>
-          <a:p>
-            <a:r>
-              <a:rPr lang="de-DE" sz="2400" b="0" i="0" u="none" strike="noStrike" kern="1200" dirty="0" smtClean="0">
-                <a:solidFill>
-                  <a:srgbClr val="572E2D"/>
-                </a:solidFill>
-                <a:effectLst/>
-                <a:latin typeface="Noteworthy Bold" charset="0"/>
-                <a:ea typeface="Noteworthy Bold" charset="0"/>
-                <a:cs typeface="Noteworthy Bold" charset="0"/>
-                <a:sym typeface="Noteworthy Bold" charset="0"/>
-              </a:rPr>
-              <a:t>Analyse Marktpotential</a:t>
-            </a:r>
-          </a:p>
-          <a:p>
-            <a:r>
-              <a:rPr lang="de-DE" sz="2400" b="0" i="0" u="none" strike="noStrike" kern="1200" dirty="0" smtClean="0">
-                <a:solidFill>
-                  <a:srgbClr val="572E2D"/>
-                </a:solidFill>
-                <a:effectLst/>
-                <a:latin typeface="Noteworthy Bold" charset="0"/>
-                <a:ea typeface="Noteworthy Bold" charset="0"/>
-                <a:cs typeface="Noteworthy Bold" charset="0"/>
-                <a:sym typeface="Noteworthy Bold" charset="0"/>
-              </a:rPr>
-              <a:t>Grob-Konzept</a:t>
-            </a:r>
-          </a:p>
-          <a:p>
-            <a:r>
-              <a:rPr lang="de-DE" sz="2400" b="0" i="0" u="none" strike="noStrike" kern="1200" dirty="0" smtClean="0">
-                <a:solidFill>
-                  <a:srgbClr val="572E2D"/>
-                </a:solidFill>
-                <a:effectLst/>
-                <a:latin typeface="Noteworthy Bold" charset="0"/>
-                <a:ea typeface="Noteworthy Bold" charset="0"/>
-                <a:cs typeface="Noteworthy Bold" charset="0"/>
-                <a:sym typeface="Noteworthy Bold" charset="0"/>
-              </a:rPr>
-              <a:t>Liste der erfolgskritischen Merkmale</a:t>
-            </a:r>
-          </a:p>
-          <a:p>
-            <a:r>
-              <a:rPr lang="de-DE" sz="2400" b="0" i="0" u="none" strike="noStrike" kern="1200" dirty="0" smtClean="0">
-                <a:solidFill>
-                  <a:srgbClr val="572E2D"/>
-                </a:solidFill>
-                <a:effectLst/>
-                <a:latin typeface="Noteworthy Bold" charset="0"/>
-                <a:ea typeface="Noteworthy Bold" charset="0"/>
-                <a:cs typeface="Noteworthy Bold" charset="0"/>
-                <a:sym typeface="Noteworthy Bold" charset="0"/>
-              </a:rPr>
-              <a:t>Anbieter Shortlist</a:t>
-            </a:r>
-          </a:p>
-          <a:p>
-            <a:r>
-              <a:rPr lang="de-DE" sz="2400" b="0" i="0" u="none" strike="noStrike" kern="1200" dirty="0" smtClean="0">
-                <a:solidFill>
-                  <a:srgbClr val="572E2D"/>
-                </a:solidFill>
-                <a:effectLst/>
-                <a:latin typeface="Noteworthy Bold" charset="0"/>
-                <a:ea typeface="Noteworthy Bold" charset="0"/>
-                <a:cs typeface="Noteworthy Bold" charset="0"/>
-                <a:sym typeface="Noteworthy Bold" charset="0"/>
-              </a:rPr>
-              <a:t>Benchmark Dokumentation</a:t>
-            </a:r>
-          </a:p>
-          <a:p>
-            <a:r>
-              <a:rPr lang="de-DE" sz="2400" b="0" i="0" u="none" strike="noStrike" kern="1200" dirty="0" smtClean="0">
-                <a:solidFill>
-                  <a:srgbClr val="572E2D"/>
-                </a:solidFill>
-                <a:effectLst/>
-                <a:latin typeface="Noteworthy Bold" charset="0"/>
-                <a:ea typeface="Noteworthy Bold" charset="0"/>
-                <a:cs typeface="Noteworthy Bold" charset="0"/>
-                <a:sym typeface="Noteworthy Bold" charset="0"/>
-              </a:rPr>
-              <a:t>Empfehlung Anbieter</a:t>
-            </a:r>
-          </a:p>
-          <a:p>
-            <a:r>
-              <a:rPr lang="de-DE" sz="2400" b="0" i="0" u="none" strike="noStrike" kern="1200" dirty="0" err="1" smtClean="0">
-                <a:solidFill>
-                  <a:srgbClr val="572E2D"/>
-                </a:solidFill>
-                <a:effectLst/>
-                <a:latin typeface="Noteworthy Bold" charset="0"/>
-                <a:ea typeface="Noteworthy Bold" charset="0"/>
-                <a:cs typeface="Noteworthy Bold" charset="0"/>
-                <a:sym typeface="Noteworthy Bold" charset="0"/>
-              </a:rPr>
-              <a:t>Use</a:t>
-            </a:r>
-            <a:r>
-              <a:rPr lang="de-DE" sz="2400" b="0" i="0" u="none" strike="noStrike" kern="1200" dirty="0" smtClean="0">
-                <a:solidFill>
-                  <a:srgbClr val="572E2D"/>
-                </a:solidFill>
-                <a:effectLst/>
-                <a:latin typeface="Noteworthy Bold" charset="0"/>
-                <a:ea typeface="Noteworthy Bold" charset="0"/>
-                <a:cs typeface="Noteworthy Bold" charset="0"/>
-                <a:sym typeface="Noteworthy Bold" charset="0"/>
-              </a:rPr>
-              <a:t> Cases</a:t>
-            </a:r>
-          </a:p>
-          <a:p>
-            <a:r>
-              <a:rPr lang="de-DE" sz="2400" b="0" i="0" u="none" strike="noStrike" kern="1200" dirty="0" smtClean="0">
-                <a:solidFill>
-                  <a:srgbClr val="572E2D"/>
-                </a:solidFill>
-                <a:effectLst/>
-                <a:latin typeface="Noteworthy Bold" charset="0"/>
-                <a:ea typeface="Noteworthy Bold" charset="0"/>
-                <a:cs typeface="Noteworthy Bold" charset="0"/>
-                <a:sym typeface="Noteworthy Bold" charset="0"/>
-              </a:rPr>
-              <a:t>Architektur Dokument</a:t>
-            </a:r>
-          </a:p>
-          <a:p>
-            <a:r>
-              <a:rPr lang="de-DE" sz="2400" b="0" i="0" u="none" strike="noStrike" kern="1200" dirty="0" smtClean="0">
-                <a:solidFill>
-                  <a:srgbClr val="572E2D"/>
-                </a:solidFill>
-                <a:effectLst/>
-                <a:latin typeface="Noteworthy Bold" charset="0"/>
-                <a:ea typeface="Noteworthy Bold" charset="0"/>
-                <a:cs typeface="Noteworthy Bold" charset="0"/>
-                <a:sym typeface="Noteworthy Bold" charset="0"/>
-              </a:rPr>
-              <a:t>Datenmodell</a:t>
-            </a:r>
-          </a:p>
-          <a:p>
-            <a:r>
-              <a:rPr lang="de-DE" sz="2400" b="0" i="0" u="none" strike="noStrike" kern="1200" dirty="0" smtClean="0">
-                <a:solidFill>
-                  <a:srgbClr val="572E2D"/>
-                </a:solidFill>
-                <a:effectLst/>
-                <a:latin typeface="Noteworthy Bold" charset="0"/>
-                <a:ea typeface="Noteworthy Bold" charset="0"/>
-                <a:cs typeface="Noteworthy Bold" charset="0"/>
-                <a:sym typeface="Noteworthy Bold" charset="0"/>
-              </a:rPr>
-              <a:t>Funktionsfähigkeit der erfolgskritischen Merkmale</a:t>
-            </a:r>
-          </a:p>
-          <a:p>
-            <a:r>
-              <a:rPr lang="de-DE" sz="2400" b="0" i="0" u="none" strike="noStrike" kern="1200" dirty="0" smtClean="0">
-                <a:solidFill>
-                  <a:srgbClr val="572E2D"/>
-                </a:solidFill>
-                <a:effectLst/>
-                <a:latin typeface="Noteworthy Bold" charset="0"/>
-                <a:ea typeface="Noteworthy Bold" charset="0"/>
-                <a:cs typeface="Noteworthy Bold" charset="0"/>
-                <a:sym typeface="Noteworthy Bold" charset="0"/>
-              </a:rPr>
-              <a:t>Testfall Dokumentation</a:t>
-            </a:r>
-          </a:p>
-          <a:p>
-            <a:r>
-              <a:rPr lang="de-DE" sz="2400" b="0" i="0" u="none" strike="noStrike" kern="1200" dirty="0" smtClean="0">
-                <a:solidFill>
-                  <a:srgbClr val="572E2D"/>
-                </a:solidFill>
-                <a:effectLst/>
-                <a:latin typeface="Noteworthy Bold" charset="0"/>
-                <a:ea typeface="Noteworthy Bold" charset="0"/>
-                <a:cs typeface="Noteworthy Bold" charset="0"/>
-                <a:sym typeface="Noteworthy Bold" charset="0"/>
-              </a:rPr>
-              <a:t>90% Muss-Testfälle erfolgreich</a:t>
-            </a:r>
-          </a:p>
-          <a:p>
-            <a:r>
-              <a:rPr lang="de-DE" sz="2400" b="0" i="0" u="none" strike="noStrike" kern="1200" dirty="0" smtClean="0">
-                <a:solidFill>
-                  <a:srgbClr val="572E2D"/>
-                </a:solidFill>
-                <a:effectLst/>
-                <a:latin typeface="Noteworthy Bold" charset="0"/>
-                <a:ea typeface="Noteworthy Bold" charset="0"/>
-                <a:cs typeface="Noteworthy Bold" charset="0"/>
-                <a:sym typeface="Noteworthy Bold" charset="0"/>
-              </a:rPr>
-              <a:t>Einführungsplan</a:t>
-            </a:r>
-            <a:r>
-              <a:rPr lang="de-DE" sz="3200" dirty="0" smtClean="0"/>
-              <a:t> </a:t>
-            </a:r>
-          </a:p>
-          <a:p>
-            <a:r>
-              <a:rPr lang="de-DE" sz="2400" b="0" i="0" u="none" strike="noStrike" kern="1200" dirty="0" smtClean="0">
-                <a:solidFill>
-                  <a:srgbClr val="572E2D"/>
-                </a:solidFill>
-                <a:effectLst/>
-                <a:latin typeface="Noteworthy Bold" charset="0"/>
-                <a:ea typeface="Noteworthy Bold" charset="0"/>
-                <a:cs typeface="Noteworthy Bold" charset="0"/>
-                <a:sym typeface="Noteworthy Bold" charset="0"/>
-              </a:rPr>
-              <a:t>70% Anwender-Abdeckung</a:t>
-            </a:r>
-            <a:r>
-              <a:rPr lang="de-DE" sz="3200" dirty="0" smtClean="0"/>
-              <a:t> </a:t>
-            </a:r>
-            <a:endParaRPr lang="de-DE" sz="2400" b="0" i="0" u="none" strike="noStrike" kern="1200" dirty="0" smtClean="0">
-              <a:solidFill>
-                <a:srgbClr val="572E2D"/>
-              </a:solidFill>
-              <a:effectLst/>
-              <a:latin typeface="Noteworthy Bold" charset="0"/>
-              <a:sym typeface="Noteworthy Bold" charset="0"/>
-            </a:endParaRPr>
-          </a:p>
-          <a:p>
-            <a:endParaRPr lang="de-DE" sz="2400" b="0" i="0" u="none" strike="noStrike" kern="1200" dirty="0" smtClean="0">
-              <a:solidFill>
-                <a:srgbClr val="572E2D"/>
-              </a:solidFill>
-              <a:effectLst/>
-              <a:latin typeface="Noteworthy Bold" charset="0"/>
-              <a:sym typeface="Noteworthy Bold" charset="0"/>
-            </a:endParaRPr>
-          </a:p>
-          <a:p>
-            <a:r>
-              <a:rPr lang="de-DE" sz="2400" b="0" i="0" u="none" strike="noStrike" kern="1200" dirty="0" smtClean="0">
-                <a:solidFill>
-                  <a:srgbClr val="572E2D"/>
-                </a:solidFill>
-                <a:effectLst/>
-                <a:latin typeface="Noteworthy Bold" charset="0"/>
-                <a:sym typeface="Noteworthy Bold" charset="0"/>
-              </a:rPr>
-              <a:t>Rollen: </a:t>
-            </a:r>
-          </a:p>
-          <a:p>
-            <a:r>
-              <a:rPr lang="de-DE" sz="2400" b="0" i="0" u="none" strike="noStrike" kern="1200" dirty="0" smtClean="0">
-                <a:solidFill>
-                  <a:srgbClr val="572E2D"/>
-                </a:solidFill>
-                <a:effectLst/>
-                <a:latin typeface="Noteworthy Bold" charset="0"/>
-                <a:ea typeface="Noteworthy Bold" charset="0"/>
-                <a:cs typeface="Noteworthy Bold" charset="0"/>
-                <a:sym typeface="Noteworthy Bold" charset="0"/>
-              </a:rPr>
-              <a:t>Projektleiter</a:t>
-            </a:r>
-            <a:endParaRPr lang="de-DE" sz="3200" dirty="0" smtClean="0"/>
-          </a:p>
-          <a:p>
-            <a:r>
-              <a:rPr lang="de-DE" sz="2400" b="0" i="0" u="none" strike="noStrike" kern="1200" dirty="0" smtClean="0">
-                <a:solidFill>
-                  <a:srgbClr val="572E2D"/>
-                </a:solidFill>
-                <a:effectLst/>
-                <a:latin typeface="Noteworthy Bold" charset="0"/>
-                <a:ea typeface="Noteworthy Bold" charset="0"/>
-                <a:cs typeface="Noteworthy Bold" charset="0"/>
-                <a:sym typeface="Noteworthy Bold" charset="0"/>
-              </a:rPr>
-              <a:t>GUI Spezialist</a:t>
-            </a:r>
-            <a:endParaRPr lang="de-DE" sz="3200" dirty="0" smtClean="0"/>
-          </a:p>
-          <a:p>
-            <a:r>
-              <a:rPr lang="de-DE" sz="2400" b="0" i="0" u="none" strike="noStrike" kern="1200" dirty="0" smtClean="0">
-                <a:solidFill>
-                  <a:srgbClr val="572E2D"/>
-                </a:solidFill>
-                <a:effectLst/>
-                <a:latin typeface="Noteworthy Bold" charset="0"/>
-                <a:ea typeface="Noteworthy Bold" charset="0"/>
-                <a:cs typeface="Noteworthy Bold" charset="0"/>
-                <a:sym typeface="Noteworthy Bold" charset="0"/>
-              </a:rPr>
-              <a:t>Analyst</a:t>
-            </a:r>
-            <a:r>
-              <a:rPr lang="de-DE" sz="3200" dirty="0" smtClean="0"/>
-              <a:t> </a:t>
-            </a:r>
-            <a:r>
-              <a:rPr lang="de-DE" sz="2400" b="0" i="0" u="none" strike="noStrike" kern="1200" dirty="0" smtClean="0">
-                <a:solidFill>
-                  <a:srgbClr val="572E2D"/>
-                </a:solidFill>
-                <a:effectLst/>
-                <a:latin typeface="Noteworthy Bold" charset="0"/>
-                <a:ea typeface="Noteworthy Bold" charset="0"/>
-                <a:cs typeface="Noteworthy Bold" charset="0"/>
-                <a:sym typeface="Noteworthy Bold" charset="0"/>
-              </a:rPr>
-              <a:t>Architekt</a:t>
-            </a:r>
-            <a:endParaRPr lang="de-DE" sz="3200" dirty="0" smtClean="0"/>
-          </a:p>
-          <a:p>
-            <a:r>
-              <a:rPr lang="de-DE" sz="2400" b="0" i="0" u="none" strike="noStrike" kern="1200" dirty="0" smtClean="0">
-                <a:solidFill>
-                  <a:srgbClr val="572E2D"/>
-                </a:solidFill>
-                <a:effectLst/>
-                <a:latin typeface="Noteworthy Bold" charset="0"/>
-                <a:ea typeface="Noteworthy Bold" charset="0"/>
-                <a:cs typeface="Noteworthy Bold" charset="0"/>
-                <a:sym typeface="Noteworthy Bold" charset="0"/>
-              </a:rPr>
-              <a:t>Entwickler</a:t>
-            </a:r>
-            <a:endParaRPr lang="de-DE" sz="3200" dirty="0" smtClean="0"/>
-          </a:p>
-          <a:p>
-            <a:r>
-              <a:rPr lang="de-DE" sz="2400" b="0" i="0" u="none" strike="noStrike" kern="1200" dirty="0" smtClean="0">
-                <a:solidFill>
-                  <a:srgbClr val="572E2D"/>
-                </a:solidFill>
-                <a:effectLst/>
-                <a:latin typeface="Noteworthy Bold" charset="0"/>
-                <a:ea typeface="Noteworthy Bold" charset="0"/>
-                <a:cs typeface="Noteworthy Bold" charset="0"/>
-                <a:sym typeface="Noteworthy Bold" charset="0"/>
-              </a:rPr>
-              <a:t>Tester</a:t>
-            </a:r>
-            <a:endParaRPr lang="de-DE" sz="2400" b="0" i="0" u="none" strike="noStrike" kern="1200" dirty="0" smtClean="0">
-              <a:solidFill>
-                <a:srgbClr val="572E2D"/>
-              </a:solidFill>
-              <a:effectLst/>
-              <a:latin typeface="Noteworthy Bold" charset="0"/>
-              <a:sym typeface="Noteworthy Bold" charset="0"/>
-            </a:endParaRPr>
-          </a:p>
-          <a:p>
-            <a:endParaRPr lang="de-DE" sz="2400" b="0" i="0" u="none" strike="noStrike" kern="1200" dirty="0" smtClean="0">
-              <a:solidFill>
-                <a:srgbClr val="572E2D"/>
-              </a:solidFill>
-              <a:effectLst/>
-              <a:latin typeface="Noteworthy Bold" charset="0"/>
-              <a:sym typeface="Noteworthy Bold" charset="0"/>
-            </a:endParaRPr>
-          </a:p>
-          <a:p>
-            <a:r>
-              <a:rPr lang="de-DE" sz="2400" b="0" i="0" u="none" strike="noStrike" kern="1200" dirty="0" smtClean="0">
-                <a:solidFill>
-                  <a:srgbClr val="572E2D"/>
-                </a:solidFill>
-                <a:effectLst/>
-                <a:latin typeface="Noteworthy Bold" charset="0"/>
-                <a:sym typeface="Noteworthy Bold" charset="0"/>
-              </a:rPr>
-              <a:t>Kostenarten: </a:t>
-            </a:r>
-          </a:p>
-          <a:p>
-            <a:r>
-              <a:rPr lang="de-DE" sz="2400" b="0" i="0" u="none" strike="noStrike" kern="1200" dirty="0" smtClean="0">
-                <a:solidFill>
-                  <a:srgbClr val="572E2D"/>
-                </a:solidFill>
-                <a:effectLst/>
-                <a:latin typeface="Noteworthy Bold" charset="0"/>
-                <a:ea typeface="Noteworthy Bold" charset="0"/>
-                <a:cs typeface="Noteworthy Bold" charset="0"/>
-                <a:sym typeface="Noteworthy Bold" charset="0"/>
-              </a:rPr>
-              <a:t>IT-Kosten</a:t>
-            </a:r>
-            <a:endParaRPr lang="de-DE" sz="3200" dirty="0" smtClean="0"/>
-          </a:p>
-          <a:p>
-            <a:r>
-              <a:rPr lang="de-DE" sz="2400" b="0" i="0" u="none" strike="noStrike" kern="1200" dirty="0" smtClean="0">
-                <a:solidFill>
-                  <a:srgbClr val="572E2D"/>
-                </a:solidFill>
-                <a:effectLst/>
-                <a:latin typeface="Noteworthy Bold" charset="0"/>
-                <a:ea typeface="Noteworthy Bold" charset="0"/>
-                <a:cs typeface="Noteworthy Bold" charset="0"/>
-                <a:sym typeface="Noteworthy Bold" charset="0"/>
-              </a:rPr>
-              <a:t>Reise-Kosten</a:t>
-            </a:r>
-          </a:p>
-          <a:p>
-            <a:r>
-              <a:rPr lang="de-DE" sz="2400" b="0" i="0" u="none" strike="noStrike" kern="1200" dirty="0" smtClean="0">
-                <a:solidFill>
-                  <a:srgbClr val="572E2D"/>
-                </a:solidFill>
-                <a:effectLst/>
-                <a:latin typeface="Noteworthy Bold" charset="0"/>
-                <a:ea typeface="Noteworthy Bold" charset="0"/>
-                <a:cs typeface="Noteworthy Bold" charset="0"/>
-                <a:sym typeface="Noteworthy Bold" charset="0"/>
-              </a:rPr>
-              <a:t>Trainings-Kosten</a:t>
-            </a:r>
-            <a:r>
-              <a:rPr lang="de-DE" sz="3200" dirty="0" smtClean="0"/>
-              <a:t> </a:t>
-            </a:r>
-            <a:endParaRPr lang="de-DE" sz="2400" b="0" i="0" u="none" strike="noStrike" kern="1200" dirty="0" smtClean="0">
-              <a:solidFill>
-                <a:srgbClr val="572E2D"/>
-              </a:solidFill>
-              <a:effectLst/>
-              <a:latin typeface="Noteworthy Bold" charset="0"/>
-              <a:sym typeface="Noteworthy Bold" charset="0"/>
-            </a:endParaRPr>
-          </a:p>
-          <a:p>
-            <a:r>
-              <a:rPr lang="de-DE" sz="2800" dirty="0" smtClean="0"/>
-              <a:t> </a:t>
-            </a:r>
-            <a:endParaRPr lang="de-DE" sz="2800" kern="1200" dirty="0" smtClean="0">
-              <a:solidFill>
-                <a:srgbClr val="572E2D"/>
-              </a:solidFill>
-              <a:latin typeface="Noteworthy Bold" charset="0"/>
-              <a:ea typeface="Noteworthy Bold" charset="0"/>
-              <a:cs typeface="Noteworthy Bold" charset="0"/>
-              <a:sym typeface="Noteworthy Bold" charset="0"/>
-            </a:endParaRPr>
+            <a:endParaRPr lang="de-DE" dirty="0"/>
           </a:p>
         </p:txBody>
       </p:sp>
@@ -13518,7 +6570,19 @@
               </a:pPr>
               <a:r>
                 <a:rPr lang="de-DE" sz="1000" dirty="0" smtClean="0"/>
-                <a:t>Die Größe der Form gibt an, ob der Status / die Bewertung aus dem Vormonat </a:t>
+                <a:t>Die </a:t>
+              </a:r>
+              <a:r>
+                <a:rPr lang="de-DE" sz="1000" dirty="0" smtClean="0"/>
+                <a:t>Größe der Form gibt an</a:t>
+              </a:r>
+              <a:r>
+                <a:rPr lang="de-DE" sz="1000" dirty="0" smtClean="0"/>
+                <a:t>, ob </a:t>
+              </a:r>
+              <a:r>
+                <a:rPr lang="de-DE" sz="1000" dirty="0" smtClean="0"/>
+                <a:t>der Status / die Bewertung aus dem Vormonat </a:t>
               </a:r>
               <a:br>
                 <a:rPr lang="de-DE" sz="1000" dirty="0" smtClean="0"/>
@@ -13527,6 +6591,7 @@
                 <a:rPr lang="de-DE" sz="1000" dirty="0" smtClean="0"/>
                 <a:t>übernommen wurde oder ob es eine Bewertung in dem Berichtszeitraum gab</a:t>
               </a:r>
+              <a:endParaRPr lang="de-DE" sz="1000" dirty="0" smtClean="0"/>
             </a:p>
             <a:p>
               <a:pPr marL="514350" lvl="1" indent="-171450" algn="l">
@@ -13743,7 +6808,11 @@
           <a:p>
             <a:r>
               <a:rPr lang="de-DE" sz="4400" dirty="0" smtClean="0"/>
-              <a:t>Vergleich mit Projekt-Generik</a:t>
+              <a:t>Vergleich mit Projekt-</a:t>
+            </a:r>
+            <a:r>
+              <a:rPr lang="de-DE" sz="4400" dirty="0" smtClean="0"/>
+              <a:t>Generik</a:t>
             </a:r>
             <a:endParaRPr lang="de-DE" dirty="0"/>
           </a:p>
